--- a/docs/初探kotlin.pptx
+++ b/docs/初探kotlin.pptx
@@ -9,6 +9,8 @@
     <p:sldId id="257" r:id="rId3"/>
     <p:sldId id="258" r:id="rId4"/>
     <p:sldId id="259" r:id="rId5"/>
+    <p:sldId id="260" r:id="rId6"/>
+    <p:sldId id="261" r:id="rId7"/>
   </p:sldIdLst>
   <p:sldSz cx="12192000" cy="6858000"/>
   <p:notesSz cx="6858000" cy="9144000"/>
@@ -107,6 +109,11 @@
       </a:defRPr>
     </a:lvl9pPr>
   </p:defaultTextStyle>
+  <p:extLst>
+    <p:ext uri="{EFAFB233-063F-42B5-8137-9DF3F51BA10A}">
+      <p15:sldGuideLst xmlns:p15="http://schemas.microsoft.com/office/powerpoint/2012/main"/>
+    </p:ext>
+  </p:extLst>
 </p:presentation>
 </file>
 
@@ -261,7 +268,7 @@
           <a:p>
             <a:fld id="{AFB6B5B2-4C17-47BC-B4FC-EB545BEC8073}" type="datetimeFigureOut">
               <a:rPr lang="zh-CN" altLang="en-US" smtClean="0"/>
-              <a:t>2017/9/18</a:t>
+              <a:t>2017/9/19</a:t>
             </a:fld>
             <a:endParaRPr lang="zh-CN" altLang="en-US"/>
           </a:p>
@@ -459,7 +466,7 @@
           <a:p>
             <a:fld id="{AFB6B5B2-4C17-47BC-B4FC-EB545BEC8073}" type="datetimeFigureOut">
               <a:rPr lang="zh-CN" altLang="en-US" smtClean="0"/>
-              <a:t>2017/9/18</a:t>
+              <a:t>2017/9/19</a:t>
             </a:fld>
             <a:endParaRPr lang="zh-CN" altLang="en-US"/>
           </a:p>
@@ -667,7 +674,7 @@
           <a:p>
             <a:fld id="{AFB6B5B2-4C17-47BC-B4FC-EB545BEC8073}" type="datetimeFigureOut">
               <a:rPr lang="zh-CN" altLang="en-US" smtClean="0"/>
-              <a:t>2017/9/18</a:t>
+              <a:t>2017/9/19</a:t>
             </a:fld>
             <a:endParaRPr lang="zh-CN" altLang="en-US"/>
           </a:p>
@@ -865,7 +872,7 @@
           <a:p>
             <a:fld id="{AFB6B5B2-4C17-47BC-B4FC-EB545BEC8073}" type="datetimeFigureOut">
               <a:rPr lang="zh-CN" altLang="en-US" smtClean="0"/>
-              <a:t>2017/9/18</a:t>
+              <a:t>2017/9/19</a:t>
             </a:fld>
             <a:endParaRPr lang="zh-CN" altLang="en-US"/>
           </a:p>
@@ -1140,7 +1147,7 @@
           <a:p>
             <a:fld id="{AFB6B5B2-4C17-47BC-B4FC-EB545BEC8073}" type="datetimeFigureOut">
               <a:rPr lang="zh-CN" altLang="en-US" smtClean="0"/>
-              <a:t>2017/9/18</a:t>
+              <a:t>2017/9/19</a:t>
             </a:fld>
             <a:endParaRPr lang="zh-CN" altLang="en-US"/>
           </a:p>
@@ -1405,7 +1412,7 @@
           <a:p>
             <a:fld id="{AFB6B5B2-4C17-47BC-B4FC-EB545BEC8073}" type="datetimeFigureOut">
               <a:rPr lang="zh-CN" altLang="en-US" smtClean="0"/>
-              <a:t>2017/9/18</a:t>
+              <a:t>2017/9/19</a:t>
             </a:fld>
             <a:endParaRPr lang="zh-CN" altLang="en-US"/>
           </a:p>
@@ -1817,7 +1824,7 @@
           <a:p>
             <a:fld id="{AFB6B5B2-4C17-47BC-B4FC-EB545BEC8073}" type="datetimeFigureOut">
               <a:rPr lang="zh-CN" altLang="en-US" smtClean="0"/>
-              <a:t>2017/9/18</a:t>
+              <a:t>2017/9/19</a:t>
             </a:fld>
             <a:endParaRPr lang="zh-CN" altLang="en-US"/>
           </a:p>
@@ -1958,7 +1965,7 @@
           <a:p>
             <a:fld id="{AFB6B5B2-4C17-47BC-B4FC-EB545BEC8073}" type="datetimeFigureOut">
               <a:rPr lang="zh-CN" altLang="en-US" smtClean="0"/>
-              <a:t>2017/9/18</a:t>
+              <a:t>2017/9/19</a:t>
             </a:fld>
             <a:endParaRPr lang="zh-CN" altLang="en-US"/>
           </a:p>
@@ -2071,7 +2078,7 @@
           <a:p>
             <a:fld id="{AFB6B5B2-4C17-47BC-B4FC-EB545BEC8073}" type="datetimeFigureOut">
               <a:rPr lang="zh-CN" altLang="en-US" smtClean="0"/>
-              <a:t>2017/9/18</a:t>
+              <a:t>2017/9/19</a:t>
             </a:fld>
             <a:endParaRPr lang="zh-CN" altLang="en-US"/>
           </a:p>
@@ -2382,7 +2389,7 @@
           <a:p>
             <a:fld id="{AFB6B5B2-4C17-47BC-B4FC-EB545BEC8073}" type="datetimeFigureOut">
               <a:rPr lang="zh-CN" altLang="en-US" smtClean="0"/>
-              <a:t>2017/9/18</a:t>
+              <a:t>2017/9/19</a:t>
             </a:fld>
             <a:endParaRPr lang="zh-CN" altLang="en-US"/>
           </a:p>
@@ -2670,7 +2677,7 @@
           <a:p>
             <a:fld id="{AFB6B5B2-4C17-47BC-B4FC-EB545BEC8073}" type="datetimeFigureOut">
               <a:rPr lang="zh-CN" altLang="en-US" smtClean="0"/>
-              <a:t>2017/9/18</a:t>
+              <a:t>2017/9/19</a:t>
             </a:fld>
             <a:endParaRPr lang="zh-CN" altLang="en-US"/>
           </a:p>
@@ -2911,7 +2918,7 @@
           <a:p>
             <a:fld id="{AFB6B5B2-4C17-47BC-B4FC-EB545BEC8073}" type="datetimeFigureOut">
               <a:rPr lang="zh-CN" altLang="en-US" smtClean="0"/>
-              <a:t>2017/9/18</a:t>
+              <a:t>2017/9/19</a:t>
             </a:fld>
             <a:endParaRPr lang="zh-CN" altLang="en-US"/>
           </a:p>
@@ -3486,7 +3493,7 @@
         </p:spPr>
         <p:txBody>
           <a:bodyPr>
-            <a:normAutofit fontScale="92500" lnSpcReduction="20000"/>
+            <a:normAutofit fontScale="85000" lnSpcReduction="20000"/>
           </a:bodyPr>
           <a:lstStyle/>
           <a:p>
@@ -3543,7 +3550,7 @@
             </a:r>
             <a:r>
               <a:rPr lang="zh-CN" altLang="en-US" dirty="0"/>
-              <a:t>、扩展函数，方法</a:t>
+              <a:t>、变量，属性</a:t>
             </a:r>
             <a:endParaRPr lang="en-US" altLang="zh-CN" dirty="0"/>
           </a:p>
@@ -3557,6 +3564,34 @@
             </a:r>
             <a:r>
               <a:rPr lang="zh-CN" altLang="en-US" dirty="0"/>
+              <a:t>、函数、操作符重载</a:t>
+            </a:r>
+            <a:endParaRPr lang="en-US" altLang="zh-CN" dirty="0"/>
+          </a:p>
+          <a:p>
+            <a:pPr marL="0" indent="0">
+              <a:buNone/>
+            </a:pPr>
+            <a:r>
+              <a:rPr lang="en-US" altLang="zh-CN" dirty="0"/>
+              <a:t>5</a:t>
+            </a:r>
+            <a:r>
+              <a:rPr lang="zh-CN" altLang="en-US" dirty="0"/>
+              <a:t>、扩展函数与属性</a:t>
+            </a:r>
+            <a:endParaRPr lang="en-US" altLang="zh-CN" dirty="0"/>
+          </a:p>
+          <a:p>
+            <a:pPr marL="0" indent="0">
+              <a:buNone/>
+            </a:pPr>
+            <a:r>
+              <a:rPr lang="en-US" altLang="zh-CN" dirty="0"/>
+              <a:t>6</a:t>
+            </a:r>
+            <a:r>
+              <a:rPr lang="zh-CN" altLang="en-US" dirty="0"/>
               <a:t>、数据类（</a:t>
             </a:r>
             <a:r>
@@ -3575,21 +3610,7 @@
             </a:pPr>
             <a:r>
               <a:rPr lang="en-US" altLang="zh-CN" dirty="0"/>
-              <a:t>5</a:t>
-            </a:r>
-            <a:r>
-              <a:rPr lang="zh-CN" altLang="en-US" dirty="0"/>
-              <a:t>、函数、操作符重载</a:t>
-            </a:r>
-            <a:endParaRPr lang="en-US" altLang="zh-CN" dirty="0"/>
-          </a:p>
-          <a:p>
-            <a:pPr marL="0" indent="0">
-              <a:buNone/>
-            </a:pPr>
-            <a:r>
-              <a:rPr lang="en-US" altLang="zh-CN" dirty="0"/>
-              <a:t>6</a:t>
+              <a:t>7</a:t>
             </a:r>
             <a:r>
               <a:rPr lang="zh-CN" altLang="en-US" dirty="0"/>
@@ -3611,11 +3632,15 @@
             </a:pPr>
             <a:r>
               <a:rPr lang="en-US" altLang="zh-CN" dirty="0"/>
-              <a:t>7</a:t>
+              <a:t>8</a:t>
+            </a:r>
+            <a:r>
+              <a:rPr lang="zh-CN" altLang="en-US"/>
+              <a:t>、</a:t>
             </a:r>
             <a:r>
               <a:rPr lang="zh-CN" altLang="en-US" dirty="0"/>
-              <a:t>、委托（属性委托，接口委托）</a:t>
+              <a:t>委托（属性委托，接口委托）</a:t>
             </a:r>
             <a:endParaRPr lang="en-US" altLang="zh-CN" dirty="0"/>
           </a:p>
@@ -3835,7 +3860,7 @@
         </p:spPr>
         <p:txBody>
           <a:bodyPr>
-            <a:normAutofit lnSpcReduction="10000"/>
+            <a:normAutofit/>
           </a:bodyPr>
           <a:lstStyle/>
           <a:p>
@@ -3872,23 +3897,7 @@
             </a:r>
             <a:r>
               <a:rPr lang="zh-CN" altLang="en-US" sz="2000" dirty="0"/>
-              <a:t>开发者的思维被创建的。</a:t>
-            </a:r>
-            <a:endParaRPr lang="en-US" altLang="zh-CN" sz="2000" dirty="0"/>
-          </a:p>
-          <a:p>
-            <a:pPr marL="0" indent="0">
-              <a:buNone/>
-            </a:pPr>
-            <a:endParaRPr lang="en-US" altLang="zh-CN" sz="2000" dirty="0"/>
-          </a:p>
-          <a:p>
-            <a:pPr marL="0" indent="0">
-              <a:buNone/>
-            </a:pPr>
-            <a:r>
-              <a:rPr lang="zh-CN" altLang="en-US" sz="2000" dirty="0"/>
-              <a:t>针对</a:t>
+              <a:t>开发者的思维被创建的。针对</a:t>
             </a:r>
             <a:r>
               <a:rPr lang="en-US" altLang="zh-CN" sz="2000" dirty="0"/>
@@ -3896,7 +3905,7 @@
             </a:r>
             <a:r>
               <a:rPr lang="zh-CN" altLang="en-US" sz="2000" dirty="0"/>
-              <a:t>让人吐槽的地方，进行了改进</a:t>
+              <a:t>让人吐槽的地方，进行了改进。</a:t>
             </a:r>
             <a:endParaRPr lang="en-US" altLang="zh-CN" sz="2000" dirty="0"/>
           </a:p>
@@ -4154,7 +4163,7 @@
                                         <p:tgtEl>
                                           <p:spTgt spid="3">
                                             <p:txEl>
-                                              <p:pRg st="4" end="4"/>
+                                              <p:pRg st="2" end="2"/>
                                             </p:txEl>
                                           </p:spTgt>
                                         </p:tgtEl>
@@ -4172,7 +4181,7 @@
                                         <p:tgtEl>
                                           <p:spTgt spid="3">
                                             <p:txEl>
-                                              <p:pRg st="4" end="4"/>
+                                              <p:pRg st="2" end="2"/>
                                             </p:txEl>
                                           </p:spTgt>
                                         </p:tgtEl>
@@ -4199,7 +4208,7 @@
                                         <p:tgtEl>
                                           <p:spTgt spid="3">
                                             <p:txEl>
-                                              <p:pRg st="4" end="4"/>
+                                              <p:pRg st="2" end="2"/>
                                             </p:txEl>
                                           </p:spTgt>
                                         </p:tgtEl>
@@ -4257,7 +4266,7 @@
                                         <p:tgtEl>
                                           <p:spTgt spid="3">
                                             <p:txEl>
-                                              <p:pRg st="5" end="5"/>
+                                              <p:pRg st="3" end="3"/>
                                             </p:txEl>
                                           </p:spTgt>
                                         </p:tgtEl>
@@ -4275,7 +4284,7 @@
                                         <p:tgtEl>
                                           <p:spTgt spid="3">
                                             <p:txEl>
-                                              <p:pRg st="5" end="5"/>
+                                              <p:pRg st="3" end="3"/>
                                             </p:txEl>
                                           </p:spTgt>
                                         </p:tgtEl>
@@ -4302,7 +4311,7 @@
                                         <p:tgtEl>
                                           <p:spTgt spid="3">
                                             <p:txEl>
-                                              <p:pRg st="5" end="5"/>
+                                              <p:pRg st="3" end="3"/>
                                             </p:txEl>
                                           </p:spTgt>
                                         </p:tgtEl>
@@ -4360,7 +4369,7 @@
                                         <p:tgtEl>
                                           <p:spTgt spid="3">
                                             <p:txEl>
-                                              <p:pRg st="6" end="6"/>
+                                              <p:pRg st="4" end="4"/>
                                             </p:txEl>
                                           </p:spTgt>
                                         </p:tgtEl>
@@ -4378,7 +4387,7 @@
                                         <p:tgtEl>
                                           <p:spTgt spid="3">
                                             <p:txEl>
-                                              <p:pRg st="6" end="6"/>
+                                              <p:pRg st="4" end="4"/>
                                             </p:txEl>
                                           </p:spTgt>
                                         </p:tgtEl>
@@ -4405,7 +4414,7 @@
                                         <p:tgtEl>
                                           <p:spTgt spid="3">
                                             <p:txEl>
-                                              <p:pRg st="6" end="6"/>
+                                              <p:pRg st="4" end="4"/>
                                             </p:txEl>
                                           </p:spTgt>
                                         </p:tgtEl>
@@ -4463,7 +4472,7 @@
                                         <p:tgtEl>
                                           <p:spTgt spid="3">
                                             <p:txEl>
-                                              <p:pRg st="7" end="7"/>
+                                              <p:pRg st="5" end="5"/>
                                             </p:txEl>
                                           </p:spTgt>
                                         </p:tgtEl>
@@ -4481,7 +4490,7 @@
                                         <p:tgtEl>
                                           <p:spTgt spid="3">
                                             <p:txEl>
-                                              <p:pRg st="7" end="7"/>
+                                              <p:pRg st="5" end="5"/>
                                             </p:txEl>
                                           </p:spTgt>
                                         </p:tgtEl>
@@ -4508,7 +4517,7 @@
                                         <p:tgtEl>
                                           <p:spTgt spid="3">
                                             <p:txEl>
-                                              <p:pRg st="7" end="7"/>
+                                              <p:pRg st="5" end="5"/>
                                             </p:txEl>
                                           </p:spTgt>
                                         </p:tgtEl>
@@ -4566,7 +4575,7 @@
                                         <p:tgtEl>
                                           <p:spTgt spid="3">
                                             <p:txEl>
-                                              <p:pRg st="8" end="8"/>
+                                              <p:pRg st="6" end="6"/>
                                             </p:txEl>
                                           </p:spTgt>
                                         </p:tgtEl>
@@ -4584,7 +4593,7 @@
                                         <p:tgtEl>
                                           <p:spTgt spid="3">
                                             <p:txEl>
-                                              <p:pRg st="8" end="8"/>
+                                              <p:pRg st="6" end="6"/>
                                             </p:txEl>
                                           </p:spTgt>
                                         </p:tgtEl>
@@ -4611,7 +4620,7 @@
                                         <p:tgtEl>
                                           <p:spTgt spid="3">
                                             <p:txEl>
-                                              <p:pRg st="8" end="8"/>
+                                              <p:pRg st="6" end="6"/>
                                             </p:txEl>
                                           </p:spTgt>
                                         </p:tgtEl>
@@ -4669,7 +4678,7 @@
                                         <p:tgtEl>
                                           <p:spTgt spid="3">
                                             <p:txEl>
-                                              <p:pRg st="10" end="10"/>
+                                              <p:pRg st="8" end="8"/>
                                             </p:txEl>
                                           </p:spTgt>
                                         </p:tgtEl>
@@ -4687,7 +4696,7 @@
                                         <p:tgtEl>
                                           <p:spTgt spid="3">
                                             <p:txEl>
-                                              <p:pRg st="10" end="10"/>
+                                              <p:pRg st="8" end="8"/>
                                             </p:txEl>
                                           </p:spTgt>
                                         </p:tgtEl>
@@ -4714,7 +4723,7 @@
                                         <p:tgtEl>
                                           <p:spTgt spid="3">
                                             <p:txEl>
-                                              <p:pRg st="10" end="10"/>
+                                              <p:pRg st="8" end="8"/>
                                             </p:txEl>
                                           </p:spTgt>
                                         </p:tgtEl>
@@ -4754,7 +4763,7 @@
                                         <p:tgtEl>
                                           <p:spTgt spid="3">
                                             <p:txEl>
-                                              <p:pRg st="11" end="11"/>
+                                              <p:pRg st="9" end="9"/>
                                             </p:txEl>
                                           </p:spTgt>
                                         </p:tgtEl>
@@ -4772,7 +4781,7 @@
                                         <p:tgtEl>
                                           <p:spTgt spid="3">
                                             <p:txEl>
-                                              <p:pRg st="11" end="11"/>
+                                              <p:pRg st="9" end="9"/>
                                             </p:txEl>
                                           </p:spTgt>
                                         </p:tgtEl>
@@ -4799,7 +4808,7 @@
                                         <p:tgtEl>
                                           <p:spTgt spid="3">
                                             <p:txEl>
-                                              <p:pRg st="11" end="11"/>
+                                              <p:pRg st="9" end="9"/>
                                             </p:txEl>
                                           </p:spTgt>
                                         </p:tgtEl>
@@ -5102,6 +5111,12 @@
             <a:pPr marL="0" indent="0">
               <a:buNone/>
             </a:pPr>
+            <a:endParaRPr lang="en-US" altLang="zh-CN" sz="2000" dirty="0"/>
+          </a:p>
+          <a:p>
+            <a:pPr marL="0" indent="0">
+              <a:buNone/>
+            </a:pPr>
             <a:r>
               <a:rPr lang="en-US" altLang="zh-CN" sz="2000" dirty="0"/>
               <a:t>NPE </a:t>
@@ -5110,12 +5125,6 @@
               <a:rPr lang="zh-CN" altLang="en-US" sz="2000" dirty="0"/>
               <a:t>的唯一可能的原因四种原因：</a:t>
             </a:r>
-          </a:p>
-          <a:p>
-            <a:pPr marL="0" indent="0">
-              <a:buNone/>
-            </a:pPr>
-            <a:endParaRPr lang="zh-CN" altLang="en-US" sz="2000" dirty="0"/>
           </a:p>
           <a:p>
             <a:pPr marL="0" indent="0">
@@ -5217,6 +5226,1134 @@
   <p:clrMapOvr>
     <a:masterClrMapping/>
   </p:clrMapOvr>
+</p:sld>
+</file>
+
+<file path=ppt/slides/slide5.xml><?xml version="1.0" encoding="utf-8"?>
+<p:sld xmlns:a="http://schemas.openxmlformats.org/drawingml/2006/main" xmlns:r="http://schemas.openxmlformats.org/officeDocument/2006/relationships" xmlns:p="http://schemas.openxmlformats.org/presentationml/2006/main">
+  <p:cSld>
+    <p:spTree>
+      <p:nvGrpSpPr>
+        <p:cNvPr id="1" name=""/>
+        <p:cNvGrpSpPr/>
+        <p:nvPr/>
+      </p:nvGrpSpPr>
+      <p:grpSpPr>
+        <a:xfrm>
+          <a:off x="0" y="0"/>
+          <a:ext cx="0" cy="0"/>
+          <a:chOff x="0" y="0"/>
+          <a:chExt cx="0" cy="0"/>
+        </a:xfrm>
+      </p:grpSpPr>
+      <p:sp>
+        <p:nvSpPr>
+          <p:cNvPr id="2" name="标题 1">
+            <a:extLst>
+              <a:ext uri="{FF2B5EF4-FFF2-40B4-BE49-F238E27FC236}">
+                <a16:creationId xmlns:a16="http://schemas.microsoft.com/office/drawing/2014/main" id="{CE2AF79E-E135-4CC8-A9E4-9B0E409EFD31}"/>
+              </a:ext>
+            </a:extLst>
+          </p:cNvPr>
+          <p:cNvSpPr>
+            <a:spLocks noGrp="1"/>
+          </p:cNvSpPr>
+          <p:nvPr>
+            <p:ph type="title"/>
+          </p:nvPr>
+        </p:nvSpPr>
+        <p:spPr>
+          <a:xfrm>
+            <a:off x="838200" y="328475"/>
+            <a:ext cx="10515600" cy="577048"/>
+          </a:xfrm>
+        </p:spPr>
+        <p:txBody>
+          <a:bodyPr>
+            <a:normAutofit fontScale="90000"/>
+          </a:bodyPr>
+          <a:lstStyle/>
+          <a:p>
+            <a:br>
+              <a:rPr lang="en-US" altLang="zh-CN" sz="3600" dirty="0"/>
+            </a:br>
+            <a:r>
+              <a:rPr lang="zh-CN" altLang="en-US" sz="3600" dirty="0"/>
+              <a:t>变量，属性</a:t>
+            </a:r>
+            <a:br>
+              <a:rPr lang="en-US" altLang="zh-CN" sz="3600" dirty="0"/>
+            </a:br>
+            <a:endParaRPr lang="zh-CN" altLang="en-US" sz="3600" dirty="0"/>
+          </a:p>
+        </p:txBody>
+      </p:sp>
+      <p:sp>
+        <p:nvSpPr>
+          <p:cNvPr id="3" name="内容占位符 2">
+            <a:extLst>
+              <a:ext uri="{FF2B5EF4-FFF2-40B4-BE49-F238E27FC236}">
+                <a16:creationId xmlns:a16="http://schemas.microsoft.com/office/drawing/2014/main" id="{8A9A9357-CBDA-4879-9759-7D2BDA22296E}"/>
+              </a:ext>
+            </a:extLst>
+          </p:cNvPr>
+          <p:cNvSpPr>
+            <a:spLocks noGrp="1"/>
+          </p:cNvSpPr>
+          <p:nvPr>
+            <p:ph idx="1"/>
+          </p:nvPr>
+        </p:nvSpPr>
+        <p:spPr>
+          <a:xfrm>
+            <a:off x="838200" y="1047565"/>
+            <a:ext cx="10515600" cy="5129398"/>
+          </a:xfrm>
+        </p:spPr>
+        <p:txBody>
+          <a:bodyPr>
+            <a:normAutofit/>
+          </a:bodyPr>
+          <a:lstStyle/>
+          <a:p>
+            <a:pPr marL="0" indent="0">
+              <a:buNone/>
+            </a:pPr>
+            <a:r>
+              <a:rPr lang="en-US" altLang="zh-CN" sz="2000" dirty="0" err="1"/>
+              <a:t>Kotlin</a:t>
+            </a:r>
+            <a:r>
+              <a:rPr lang="zh-CN" altLang="en-US" sz="2000" dirty="0"/>
+              <a:t>中，一切都是对象，没有像</a:t>
+            </a:r>
+            <a:r>
+              <a:rPr lang="en-US" altLang="zh-CN" sz="2000" dirty="0"/>
+              <a:t>JAVA</a:t>
+            </a:r>
+            <a:r>
+              <a:rPr lang="zh-CN" altLang="en-US" sz="2000" dirty="0"/>
+              <a:t>中那样的基本类型。</a:t>
+            </a:r>
+            <a:endParaRPr lang="en-US" altLang="zh-CN" sz="2000" dirty="0"/>
+          </a:p>
+          <a:p>
+            <a:pPr marL="0" indent="0">
+              <a:buNone/>
+            </a:pPr>
+            <a:r>
+              <a:rPr lang="zh-CN" altLang="en-US" sz="2000" dirty="0"/>
+              <a:t>如 </a:t>
+            </a:r>
+            <a:r>
+              <a:rPr lang="en-US" altLang="zh-CN" sz="2000" dirty="0"/>
+              <a:t>java </a:t>
+            </a:r>
+            <a:r>
+              <a:rPr lang="en-US" altLang="zh-CN" sz="2000" dirty="0" err="1"/>
+              <a:t>int</a:t>
+            </a:r>
+            <a:r>
+              <a:rPr lang="en-US" altLang="zh-CN" sz="2000" dirty="0"/>
+              <a:t> </a:t>
+            </a:r>
+            <a:r>
+              <a:rPr lang="zh-CN" altLang="en-US" sz="2000" dirty="0"/>
+              <a:t>对应 </a:t>
+            </a:r>
+            <a:r>
+              <a:rPr lang="en-US" altLang="zh-CN" sz="2000" dirty="0" err="1"/>
+              <a:t>kotlin</a:t>
+            </a:r>
+            <a:r>
+              <a:rPr lang="zh-CN" altLang="en-US" sz="2000" dirty="0"/>
+              <a:t>中的</a:t>
+            </a:r>
+            <a:r>
+              <a:rPr lang="en-US" altLang="zh-CN" sz="2000" dirty="0" err="1"/>
+              <a:t>Int</a:t>
+            </a:r>
+            <a:r>
+              <a:rPr lang="zh-CN" altLang="en-US" sz="2000" dirty="0"/>
+              <a:t>。正因为如此</a:t>
+            </a:r>
+            <a:r>
+              <a:rPr lang="en-US" altLang="zh-CN" sz="2000" dirty="0" err="1"/>
+              <a:t>kotlin</a:t>
+            </a:r>
+            <a:r>
+              <a:rPr lang="zh-CN" altLang="en-US" sz="2000" dirty="0"/>
+              <a:t>中</a:t>
+            </a:r>
+            <a:r>
+              <a:rPr lang="en-US" altLang="zh-CN" sz="2000" dirty="0" err="1"/>
+              <a:t>Int</a:t>
+            </a:r>
+            <a:r>
+              <a:rPr lang="zh-CN" altLang="en-US" sz="2000" dirty="0"/>
+              <a:t>不能直接转为</a:t>
+            </a:r>
+            <a:r>
+              <a:rPr lang="en-US" altLang="zh-CN" sz="2000" dirty="0"/>
+              <a:t>Long</a:t>
+            </a:r>
+            <a:r>
+              <a:rPr lang="zh-CN" altLang="en-US" sz="2000" dirty="0"/>
+              <a:t>，需要做如下转换：</a:t>
+            </a:r>
+            <a:endParaRPr lang="en-US" altLang="zh-CN" sz="2000" dirty="0"/>
+          </a:p>
+          <a:p>
+            <a:pPr marL="0" indent="0">
+              <a:buNone/>
+            </a:pPr>
+            <a:r>
+              <a:rPr lang="en-US" altLang="zh-CN" sz="2000" dirty="0"/>
+              <a:t>Var </a:t>
+            </a:r>
+            <a:r>
+              <a:rPr lang="en-US" altLang="zh-CN" sz="2000" dirty="0" err="1"/>
+              <a:t>intValue</a:t>
+            </a:r>
+            <a:r>
+              <a:rPr lang="en-US" altLang="zh-CN" sz="2000" dirty="0"/>
+              <a:t> = 3</a:t>
+            </a:r>
+          </a:p>
+          <a:p>
+            <a:pPr marL="0" indent="0">
+              <a:buNone/>
+            </a:pPr>
+            <a:r>
+              <a:rPr lang="en-US" altLang="zh-CN" sz="2000" dirty="0"/>
+              <a:t>Var </a:t>
+            </a:r>
+            <a:r>
+              <a:rPr lang="en-US" altLang="zh-CN" sz="2000" dirty="0" err="1"/>
+              <a:t>longValue</a:t>
+            </a:r>
+            <a:r>
+              <a:rPr lang="en-US" altLang="zh-CN" sz="2000" dirty="0"/>
+              <a:t> = 4L</a:t>
+            </a:r>
+          </a:p>
+          <a:p>
+            <a:pPr marL="0" indent="0">
+              <a:buNone/>
+            </a:pPr>
+            <a:r>
+              <a:rPr lang="en-US" altLang="zh-CN" sz="2000" dirty="0" err="1"/>
+              <a:t>longValue</a:t>
+            </a:r>
+            <a:r>
+              <a:rPr lang="en-US" altLang="zh-CN" sz="2000" dirty="0"/>
+              <a:t> = </a:t>
+            </a:r>
+            <a:r>
+              <a:rPr lang="en-US" altLang="zh-CN" sz="2000" dirty="0" err="1"/>
+              <a:t>intValue.toLong</a:t>
+            </a:r>
+            <a:r>
+              <a:rPr lang="en-US" altLang="zh-CN" sz="2000" dirty="0"/>
+              <a:t>()</a:t>
+            </a:r>
+          </a:p>
+          <a:p>
+            <a:pPr marL="0" indent="0">
+              <a:buNone/>
+            </a:pPr>
+            <a:endParaRPr lang="en-US" altLang="zh-CN" sz="2000" dirty="0"/>
+          </a:p>
+          <a:p>
+            <a:pPr marL="0" indent="0">
+              <a:buNone/>
+            </a:pPr>
+            <a:r>
+              <a:rPr lang="en-US" altLang="zh-CN" sz="2000" dirty="0" err="1"/>
+              <a:t>Kotlin</a:t>
+            </a:r>
+            <a:r>
+              <a:rPr lang="zh-CN" altLang="en-US" sz="2000" dirty="0"/>
+              <a:t>中自动类型推断。</a:t>
+            </a:r>
+            <a:endParaRPr lang="en-US" altLang="zh-CN" sz="2000" dirty="0"/>
+          </a:p>
+          <a:p>
+            <a:pPr marL="0" indent="0">
+              <a:buNone/>
+            </a:pPr>
+            <a:endParaRPr lang="en-US" altLang="zh-CN" sz="2000" dirty="0"/>
+          </a:p>
+          <a:p>
+            <a:pPr marL="0" indent="0">
+              <a:buNone/>
+            </a:pPr>
+            <a:r>
+              <a:rPr lang="en-US" altLang="zh-CN" sz="2000" dirty="0" err="1"/>
+              <a:t>Kotlin</a:t>
+            </a:r>
+            <a:r>
+              <a:rPr lang="zh-CN" altLang="en-US" sz="2000" dirty="0"/>
+              <a:t>中的对象分为可变</a:t>
+            </a:r>
+            <a:r>
+              <a:rPr lang="en-US" altLang="zh-CN" sz="2000" dirty="0"/>
+              <a:t>(</a:t>
+            </a:r>
+            <a:r>
+              <a:rPr lang="en-US" altLang="zh-CN" sz="2000" dirty="0" err="1"/>
+              <a:t>var</a:t>
+            </a:r>
+            <a:r>
+              <a:rPr lang="en-US" altLang="zh-CN" sz="2000" dirty="0"/>
+              <a:t>)</a:t>
+            </a:r>
+            <a:r>
+              <a:rPr lang="zh-CN" altLang="en-US" sz="2000" dirty="0"/>
+              <a:t>和不可变</a:t>
+            </a:r>
+            <a:r>
+              <a:rPr lang="en-US" altLang="zh-CN" sz="2000" dirty="0"/>
+              <a:t>(</a:t>
+            </a:r>
+            <a:r>
+              <a:rPr lang="en-US" altLang="zh-CN" sz="2000" dirty="0" err="1"/>
+              <a:t>val</a:t>
+            </a:r>
+            <a:r>
+              <a:rPr lang="en-US" altLang="zh-CN" sz="2000" dirty="0"/>
+              <a:t>)</a:t>
+            </a:r>
+            <a:r>
+              <a:rPr lang="zh-CN" altLang="en-US" sz="2000" dirty="0"/>
+              <a:t>对象，注意不可变对象和</a:t>
+            </a:r>
+            <a:r>
+              <a:rPr lang="en-US" altLang="zh-CN" sz="2000" dirty="0"/>
+              <a:t>JAVA</a:t>
+            </a:r>
+            <a:r>
+              <a:rPr lang="zh-CN" altLang="en-US" sz="2000" dirty="0"/>
+              <a:t>中一样仅仅是指不可变对象本身，不包含的属性不可变。</a:t>
+            </a:r>
+            <a:endParaRPr lang="zh-CN" altLang="en-US" dirty="0"/>
+          </a:p>
+        </p:txBody>
+      </p:sp>
+    </p:spTree>
+    <p:extLst>
+      <p:ext uri="{BB962C8B-B14F-4D97-AF65-F5344CB8AC3E}">
+        <p14:creationId xmlns:p14="http://schemas.microsoft.com/office/powerpoint/2010/main" val="1039650536"/>
+      </p:ext>
+    </p:extLst>
+  </p:cSld>
+  <p:clrMapOvr>
+    <a:masterClrMapping/>
+  </p:clrMapOvr>
+  <p:timing>
+    <p:tnLst>
+      <p:par>
+        <p:cTn id="1" dur="indefinite" restart="never" nodeType="tmRoot">
+          <p:childTnLst>
+            <p:seq concurrent="1" nextAc="seek">
+              <p:cTn id="2" dur="indefinite" nodeType="mainSeq">
+                <p:childTnLst>
+                  <p:par>
+                    <p:cTn id="3" fill="hold">
+                      <p:stCondLst>
+                        <p:cond delay="indefinite"/>
+                      </p:stCondLst>
+                      <p:childTnLst>
+                        <p:par>
+                          <p:cTn id="4" fill="hold">
+                            <p:stCondLst>
+                              <p:cond delay="0"/>
+                            </p:stCondLst>
+                            <p:childTnLst>
+                              <p:par>
+                                <p:cTn id="5" presetID="1" presetClass="entr" presetSubtype="0" fill="hold" nodeType="clickEffect">
+                                  <p:stCondLst>
+                                    <p:cond delay="0"/>
+                                  </p:stCondLst>
+                                  <p:childTnLst>
+                                    <p:set>
+                                      <p:cBhvr>
+                                        <p:cTn id="6" dur="1" fill="hold">
+                                          <p:stCondLst>
+                                            <p:cond delay="0"/>
+                                          </p:stCondLst>
+                                        </p:cTn>
+                                        <p:tgtEl>
+                                          <p:spTgt spid="3">
+                                            <p:txEl>
+                                              <p:pRg st="0" end="0"/>
+                                            </p:txEl>
+                                          </p:spTgt>
+                                        </p:tgtEl>
+                                        <p:attrNameLst>
+                                          <p:attrName>style.visibility</p:attrName>
+                                        </p:attrNameLst>
+                                      </p:cBhvr>
+                                      <p:to>
+                                        <p:strVal val="visible"/>
+                                      </p:to>
+                                    </p:set>
+                                  </p:childTnLst>
+                                </p:cTn>
+                              </p:par>
+                            </p:childTnLst>
+                          </p:cTn>
+                        </p:par>
+                      </p:childTnLst>
+                    </p:cTn>
+                  </p:par>
+                  <p:par>
+                    <p:cTn id="7" fill="hold">
+                      <p:stCondLst>
+                        <p:cond delay="indefinite"/>
+                      </p:stCondLst>
+                      <p:childTnLst>
+                        <p:par>
+                          <p:cTn id="8" fill="hold">
+                            <p:stCondLst>
+                              <p:cond delay="0"/>
+                            </p:stCondLst>
+                            <p:childTnLst>
+                              <p:par>
+                                <p:cTn id="9" presetID="1" presetClass="entr" presetSubtype="0" fill="hold" nodeType="clickEffect">
+                                  <p:stCondLst>
+                                    <p:cond delay="0"/>
+                                  </p:stCondLst>
+                                  <p:childTnLst>
+                                    <p:set>
+                                      <p:cBhvr>
+                                        <p:cTn id="10" dur="1" fill="hold">
+                                          <p:stCondLst>
+                                            <p:cond delay="0"/>
+                                          </p:stCondLst>
+                                        </p:cTn>
+                                        <p:tgtEl>
+                                          <p:spTgt spid="3">
+                                            <p:txEl>
+                                              <p:pRg st="1" end="1"/>
+                                            </p:txEl>
+                                          </p:spTgt>
+                                        </p:tgtEl>
+                                        <p:attrNameLst>
+                                          <p:attrName>style.visibility</p:attrName>
+                                        </p:attrNameLst>
+                                      </p:cBhvr>
+                                      <p:to>
+                                        <p:strVal val="visible"/>
+                                      </p:to>
+                                    </p:set>
+                                  </p:childTnLst>
+                                </p:cTn>
+                              </p:par>
+                            </p:childTnLst>
+                          </p:cTn>
+                        </p:par>
+                      </p:childTnLst>
+                    </p:cTn>
+                  </p:par>
+                  <p:par>
+                    <p:cTn id="11" fill="hold">
+                      <p:stCondLst>
+                        <p:cond delay="indefinite"/>
+                      </p:stCondLst>
+                      <p:childTnLst>
+                        <p:par>
+                          <p:cTn id="12" fill="hold">
+                            <p:stCondLst>
+                              <p:cond delay="0"/>
+                            </p:stCondLst>
+                            <p:childTnLst>
+                              <p:par>
+                                <p:cTn id="13" presetID="1" presetClass="entr" presetSubtype="0" fill="hold" nodeType="clickEffect">
+                                  <p:stCondLst>
+                                    <p:cond delay="0"/>
+                                  </p:stCondLst>
+                                  <p:childTnLst>
+                                    <p:set>
+                                      <p:cBhvr>
+                                        <p:cTn id="14" dur="1" fill="hold">
+                                          <p:stCondLst>
+                                            <p:cond delay="0"/>
+                                          </p:stCondLst>
+                                        </p:cTn>
+                                        <p:tgtEl>
+                                          <p:spTgt spid="3">
+                                            <p:txEl>
+                                              <p:pRg st="2" end="2"/>
+                                            </p:txEl>
+                                          </p:spTgt>
+                                        </p:tgtEl>
+                                        <p:attrNameLst>
+                                          <p:attrName>style.visibility</p:attrName>
+                                        </p:attrNameLst>
+                                      </p:cBhvr>
+                                      <p:to>
+                                        <p:strVal val="visible"/>
+                                      </p:to>
+                                    </p:set>
+                                  </p:childTnLst>
+                                </p:cTn>
+                              </p:par>
+                            </p:childTnLst>
+                          </p:cTn>
+                        </p:par>
+                      </p:childTnLst>
+                    </p:cTn>
+                  </p:par>
+                  <p:par>
+                    <p:cTn id="15" fill="hold">
+                      <p:stCondLst>
+                        <p:cond delay="indefinite"/>
+                      </p:stCondLst>
+                      <p:childTnLst>
+                        <p:par>
+                          <p:cTn id="16" fill="hold">
+                            <p:stCondLst>
+                              <p:cond delay="0"/>
+                            </p:stCondLst>
+                            <p:childTnLst>
+                              <p:par>
+                                <p:cTn id="17" presetID="1" presetClass="entr" presetSubtype="0" fill="hold" nodeType="clickEffect">
+                                  <p:stCondLst>
+                                    <p:cond delay="0"/>
+                                  </p:stCondLst>
+                                  <p:childTnLst>
+                                    <p:set>
+                                      <p:cBhvr>
+                                        <p:cTn id="18" dur="1" fill="hold">
+                                          <p:stCondLst>
+                                            <p:cond delay="0"/>
+                                          </p:stCondLst>
+                                        </p:cTn>
+                                        <p:tgtEl>
+                                          <p:spTgt spid="3">
+                                            <p:txEl>
+                                              <p:pRg st="3" end="3"/>
+                                            </p:txEl>
+                                          </p:spTgt>
+                                        </p:tgtEl>
+                                        <p:attrNameLst>
+                                          <p:attrName>style.visibility</p:attrName>
+                                        </p:attrNameLst>
+                                      </p:cBhvr>
+                                      <p:to>
+                                        <p:strVal val="visible"/>
+                                      </p:to>
+                                    </p:set>
+                                  </p:childTnLst>
+                                </p:cTn>
+                              </p:par>
+                            </p:childTnLst>
+                          </p:cTn>
+                        </p:par>
+                      </p:childTnLst>
+                    </p:cTn>
+                  </p:par>
+                  <p:par>
+                    <p:cTn id="19" fill="hold">
+                      <p:stCondLst>
+                        <p:cond delay="indefinite"/>
+                      </p:stCondLst>
+                      <p:childTnLst>
+                        <p:par>
+                          <p:cTn id="20" fill="hold">
+                            <p:stCondLst>
+                              <p:cond delay="0"/>
+                            </p:stCondLst>
+                            <p:childTnLst>
+                              <p:par>
+                                <p:cTn id="21" presetID="1" presetClass="entr" presetSubtype="0" fill="hold" nodeType="clickEffect">
+                                  <p:stCondLst>
+                                    <p:cond delay="0"/>
+                                  </p:stCondLst>
+                                  <p:childTnLst>
+                                    <p:set>
+                                      <p:cBhvr>
+                                        <p:cTn id="22" dur="1" fill="hold">
+                                          <p:stCondLst>
+                                            <p:cond delay="0"/>
+                                          </p:stCondLst>
+                                        </p:cTn>
+                                        <p:tgtEl>
+                                          <p:spTgt spid="3">
+                                            <p:txEl>
+                                              <p:pRg st="4" end="4"/>
+                                            </p:txEl>
+                                          </p:spTgt>
+                                        </p:tgtEl>
+                                        <p:attrNameLst>
+                                          <p:attrName>style.visibility</p:attrName>
+                                        </p:attrNameLst>
+                                      </p:cBhvr>
+                                      <p:to>
+                                        <p:strVal val="visible"/>
+                                      </p:to>
+                                    </p:set>
+                                  </p:childTnLst>
+                                </p:cTn>
+                              </p:par>
+                            </p:childTnLst>
+                          </p:cTn>
+                        </p:par>
+                      </p:childTnLst>
+                    </p:cTn>
+                  </p:par>
+                  <p:par>
+                    <p:cTn id="23" fill="hold">
+                      <p:stCondLst>
+                        <p:cond delay="indefinite"/>
+                      </p:stCondLst>
+                      <p:childTnLst>
+                        <p:par>
+                          <p:cTn id="24" fill="hold">
+                            <p:stCondLst>
+                              <p:cond delay="0"/>
+                            </p:stCondLst>
+                            <p:childTnLst>
+                              <p:par>
+                                <p:cTn id="25" presetID="1" presetClass="entr" presetSubtype="0" fill="hold" nodeType="clickEffect">
+                                  <p:stCondLst>
+                                    <p:cond delay="0"/>
+                                  </p:stCondLst>
+                                  <p:childTnLst>
+                                    <p:set>
+                                      <p:cBhvr>
+                                        <p:cTn id="26" dur="1" fill="hold">
+                                          <p:stCondLst>
+                                            <p:cond delay="0"/>
+                                          </p:stCondLst>
+                                        </p:cTn>
+                                        <p:tgtEl>
+                                          <p:spTgt spid="3">
+                                            <p:txEl>
+                                              <p:pRg st="6" end="6"/>
+                                            </p:txEl>
+                                          </p:spTgt>
+                                        </p:tgtEl>
+                                        <p:attrNameLst>
+                                          <p:attrName>style.visibility</p:attrName>
+                                        </p:attrNameLst>
+                                      </p:cBhvr>
+                                      <p:to>
+                                        <p:strVal val="visible"/>
+                                      </p:to>
+                                    </p:set>
+                                  </p:childTnLst>
+                                </p:cTn>
+                              </p:par>
+                            </p:childTnLst>
+                          </p:cTn>
+                        </p:par>
+                      </p:childTnLst>
+                    </p:cTn>
+                  </p:par>
+                  <p:par>
+                    <p:cTn id="27" fill="hold">
+                      <p:stCondLst>
+                        <p:cond delay="indefinite"/>
+                      </p:stCondLst>
+                      <p:childTnLst>
+                        <p:par>
+                          <p:cTn id="28" fill="hold">
+                            <p:stCondLst>
+                              <p:cond delay="0"/>
+                            </p:stCondLst>
+                            <p:childTnLst>
+                              <p:par>
+                                <p:cTn id="29" presetID="1" presetClass="entr" presetSubtype="0" fill="hold" nodeType="clickEffect">
+                                  <p:stCondLst>
+                                    <p:cond delay="0"/>
+                                  </p:stCondLst>
+                                  <p:childTnLst>
+                                    <p:set>
+                                      <p:cBhvr>
+                                        <p:cTn id="30" dur="1" fill="hold">
+                                          <p:stCondLst>
+                                            <p:cond delay="0"/>
+                                          </p:stCondLst>
+                                        </p:cTn>
+                                        <p:tgtEl>
+                                          <p:spTgt spid="3">
+                                            <p:txEl>
+                                              <p:pRg st="8" end="8"/>
+                                            </p:txEl>
+                                          </p:spTgt>
+                                        </p:tgtEl>
+                                        <p:attrNameLst>
+                                          <p:attrName>style.visibility</p:attrName>
+                                        </p:attrNameLst>
+                                      </p:cBhvr>
+                                      <p:to>
+                                        <p:strVal val="visible"/>
+                                      </p:to>
+                                    </p:set>
+                                  </p:childTnLst>
+                                </p:cTn>
+                              </p:par>
+                            </p:childTnLst>
+                          </p:cTn>
+                        </p:par>
+                      </p:childTnLst>
+                    </p:cTn>
+                  </p:par>
+                </p:childTnLst>
+              </p:cTn>
+              <p:prevCondLst>
+                <p:cond evt="onPrev" delay="0">
+                  <p:tgtEl>
+                    <p:sldTgt/>
+                  </p:tgtEl>
+                </p:cond>
+              </p:prevCondLst>
+              <p:nextCondLst>
+                <p:cond evt="onNext" delay="0">
+                  <p:tgtEl>
+                    <p:sldTgt/>
+                  </p:tgtEl>
+                </p:cond>
+              </p:nextCondLst>
+            </p:seq>
+          </p:childTnLst>
+        </p:cTn>
+      </p:par>
+    </p:tnLst>
+  </p:timing>
+</p:sld>
+</file>
+
+<file path=ppt/slides/slide6.xml><?xml version="1.0" encoding="utf-8"?>
+<p:sld xmlns:a="http://schemas.openxmlformats.org/drawingml/2006/main" xmlns:r="http://schemas.openxmlformats.org/officeDocument/2006/relationships" xmlns:p="http://schemas.openxmlformats.org/presentationml/2006/main">
+  <p:cSld>
+    <p:spTree>
+      <p:nvGrpSpPr>
+        <p:cNvPr id="1" name=""/>
+        <p:cNvGrpSpPr/>
+        <p:nvPr/>
+      </p:nvGrpSpPr>
+      <p:grpSpPr>
+        <a:xfrm>
+          <a:off x="0" y="0"/>
+          <a:ext cx="0" cy="0"/>
+          <a:chOff x="0" y="0"/>
+          <a:chExt cx="0" cy="0"/>
+        </a:xfrm>
+      </p:grpSpPr>
+      <p:sp>
+        <p:nvSpPr>
+          <p:cNvPr id="2" name="标题 1">
+            <a:extLst>
+              <a:ext uri="{FF2B5EF4-FFF2-40B4-BE49-F238E27FC236}">
+                <a16:creationId xmlns:a16="http://schemas.microsoft.com/office/drawing/2014/main" id="{CE2AF79E-E135-4CC8-A9E4-9B0E409EFD31}"/>
+              </a:ext>
+            </a:extLst>
+          </p:cNvPr>
+          <p:cNvSpPr>
+            <a:spLocks noGrp="1"/>
+          </p:cNvSpPr>
+          <p:nvPr>
+            <p:ph type="title"/>
+          </p:nvPr>
+        </p:nvSpPr>
+        <p:spPr>
+          <a:xfrm>
+            <a:off x="838200" y="328475"/>
+            <a:ext cx="10515600" cy="577048"/>
+          </a:xfrm>
+        </p:spPr>
+        <p:txBody>
+          <a:bodyPr>
+            <a:normAutofit fontScale="90000"/>
+          </a:bodyPr>
+          <a:lstStyle/>
+          <a:p>
+            <a:br>
+              <a:rPr lang="en-US" altLang="zh-CN" sz="3600" dirty="0"/>
+            </a:br>
+            <a:r>
+              <a:rPr lang="zh-CN" altLang="en-US" sz="3600" dirty="0"/>
+              <a:t>变量，属性</a:t>
+            </a:r>
+            <a:br>
+              <a:rPr lang="en-US" altLang="zh-CN" sz="3600" dirty="0"/>
+            </a:br>
+            <a:endParaRPr lang="zh-CN" altLang="en-US" sz="3600" dirty="0"/>
+          </a:p>
+        </p:txBody>
+      </p:sp>
+      <p:sp>
+        <p:nvSpPr>
+          <p:cNvPr id="3" name="内容占位符 2">
+            <a:extLst>
+              <a:ext uri="{FF2B5EF4-FFF2-40B4-BE49-F238E27FC236}">
+                <a16:creationId xmlns:a16="http://schemas.microsoft.com/office/drawing/2014/main" id="{8A9A9357-CBDA-4879-9759-7D2BDA22296E}"/>
+              </a:ext>
+            </a:extLst>
+          </p:cNvPr>
+          <p:cNvSpPr>
+            <a:spLocks noGrp="1"/>
+          </p:cNvSpPr>
+          <p:nvPr>
+            <p:ph idx="1"/>
+          </p:nvPr>
+        </p:nvSpPr>
+        <p:spPr>
+          <a:xfrm>
+            <a:off x="838200" y="1047564"/>
+            <a:ext cx="10515600" cy="5610687"/>
+          </a:xfrm>
+        </p:spPr>
+        <p:txBody>
+          <a:bodyPr>
+            <a:normAutofit/>
+          </a:bodyPr>
+          <a:lstStyle/>
+          <a:p>
+            <a:pPr marL="0" indent="0">
+              <a:buNone/>
+            </a:pPr>
+            <a:r>
+              <a:rPr lang="en-US" altLang="zh-CN" sz="1800" dirty="0" err="1"/>
+              <a:t>Kotlin</a:t>
+            </a:r>
+            <a:r>
+              <a:rPr lang="zh-CN" altLang="en-US" sz="1800" dirty="0"/>
+              <a:t>中，类的属性类似于</a:t>
+            </a:r>
+            <a:r>
+              <a:rPr lang="en-US" altLang="zh-CN" sz="1800" dirty="0"/>
+              <a:t>java</a:t>
+            </a:r>
+            <a:r>
+              <a:rPr lang="zh-CN" altLang="en-US" sz="1800" dirty="0"/>
+              <a:t>中的类的字段，但是其功能更加强大。属性的功能是字段加上</a:t>
+            </a:r>
+            <a:r>
+              <a:rPr lang="en-US" altLang="zh-CN" sz="1800" dirty="0"/>
+              <a:t>getter</a:t>
+            </a:r>
+            <a:r>
+              <a:rPr lang="zh-CN" altLang="en-US" sz="1800" dirty="0"/>
+              <a:t>和</a:t>
+            </a:r>
+            <a:r>
+              <a:rPr lang="en-US" altLang="zh-CN" sz="1800" dirty="0"/>
+              <a:t>setter</a:t>
+            </a:r>
+            <a:r>
+              <a:rPr lang="zh-CN" altLang="en-US" sz="1800" dirty="0"/>
+              <a:t>方法。</a:t>
+            </a:r>
+            <a:endParaRPr lang="en-US" altLang="zh-CN" sz="1800" dirty="0"/>
+          </a:p>
+          <a:p>
+            <a:pPr marL="0" indent="0">
+              <a:buNone/>
+            </a:pPr>
+            <a:endParaRPr lang="en-US" altLang="zh-CN" sz="2000" dirty="0"/>
+          </a:p>
+          <a:p>
+            <a:pPr marL="0" indent="0">
+              <a:buNone/>
+            </a:pPr>
+            <a:endParaRPr lang="en-US" altLang="zh-CN" sz="2000" dirty="0"/>
+          </a:p>
+          <a:p>
+            <a:pPr marL="0" indent="0">
+              <a:buNone/>
+            </a:pPr>
+            <a:endParaRPr lang="en-US" altLang="zh-CN" sz="2000" dirty="0"/>
+          </a:p>
+          <a:p>
+            <a:pPr marL="0" indent="0">
+              <a:buNone/>
+            </a:pPr>
+            <a:endParaRPr lang="en-US" altLang="zh-CN" sz="2000" dirty="0"/>
+          </a:p>
+          <a:p>
+            <a:pPr marL="0" indent="0">
+              <a:buNone/>
+            </a:pPr>
+            <a:endParaRPr lang="en-US" altLang="zh-CN" sz="2000" dirty="0"/>
+          </a:p>
+          <a:p>
+            <a:pPr marL="0" indent="0">
+              <a:buNone/>
+            </a:pPr>
+            <a:endParaRPr lang="en-US" altLang="zh-CN" sz="2000" dirty="0"/>
+          </a:p>
+          <a:p>
+            <a:pPr marL="0" indent="0">
+              <a:buNone/>
+            </a:pPr>
+            <a:endParaRPr lang="en-US" altLang="zh-CN" sz="2000" dirty="0"/>
+          </a:p>
+          <a:p>
+            <a:pPr marL="0" indent="0">
+              <a:buNone/>
+            </a:pPr>
+            <a:r>
+              <a:rPr lang="zh-CN" altLang="en-US" sz="1800" dirty="0"/>
+              <a:t>当然我们也可以自定</a:t>
+            </a:r>
+            <a:r>
+              <a:rPr lang="en-US" altLang="zh-CN" sz="1800" dirty="0"/>
+              <a:t>getter</a:t>
+            </a:r>
+            <a:r>
+              <a:rPr lang="zh-CN" altLang="en-US" sz="1800" dirty="0"/>
+              <a:t>和</a:t>
+            </a:r>
+            <a:r>
+              <a:rPr lang="en-US" altLang="zh-CN" sz="1800" dirty="0"/>
+              <a:t>setter</a:t>
+            </a:r>
+            <a:r>
+              <a:rPr lang="zh-CN" altLang="en-US" sz="1800" dirty="0"/>
+              <a:t>方法：</a:t>
+            </a:r>
+            <a:endParaRPr lang="en-US" altLang="zh-CN" sz="1800" dirty="0"/>
+          </a:p>
+          <a:p>
+            <a:pPr marL="0" indent="0">
+              <a:buNone/>
+            </a:pPr>
+            <a:endParaRPr lang="en-US" altLang="zh-CN" sz="1800" dirty="0"/>
+          </a:p>
+        </p:txBody>
+      </p:sp>
+      <p:pic>
+        <p:nvPicPr>
+          <p:cNvPr id="5" name="图片 4">
+            <a:extLst>
+              <a:ext uri="{FF2B5EF4-FFF2-40B4-BE49-F238E27FC236}">
+                <a16:creationId xmlns:a16="http://schemas.microsoft.com/office/drawing/2014/main" id="{2D42EBAA-D9E4-49AE-843B-349B7D989B0C}"/>
+              </a:ext>
+            </a:extLst>
+          </p:cNvPr>
+          <p:cNvPicPr>
+            <a:picLocks noChangeAspect="1"/>
+          </p:cNvPicPr>
+          <p:nvPr/>
+        </p:nvPicPr>
+        <p:blipFill>
+          <a:blip r:embed="rId2"/>
+          <a:stretch>
+            <a:fillRect/>
+          </a:stretch>
+        </p:blipFill>
+        <p:spPr>
+          <a:xfrm>
+            <a:off x="982045" y="1764668"/>
+            <a:ext cx="3800475" cy="2371725"/>
+          </a:xfrm>
+          <a:prstGeom prst="rect">
+            <a:avLst/>
+          </a:prstGeom>
+        </p:spPr>
+      </p:pic>
+      <p:pic>
+        <p:nvPicPr>
+          <p:cNvPr id="6" name="图片 5">
+            <a:extLst>
+              <a:ext uri="{FF2B5EF4-FFF2-40B4-BE49-F238E27FC236}">
+                <a16:creationId xmlns:a16="http://schemas.microsoft.com/office/drawing/2014/main" id="{2CEE57E6-ED39-4916-8334-79C55513F67C}"/>
+              </a:ext>
+            </a:extLst>
+          </p:cNvPr>
+          <p:cNvPicPr>
+            <a:picLocks noChangeAspect="1"/>
+          </p:cNvPicPr>
+          <p:nvPr/>
+        </p:nvPicPr>
+        <p:blipFill>
+          <a:blip r:embed="rId3"/>
+          <a:stretch>
+            <a:fillRect/>
+          </a:stretch>
+        </p:blipFill>
+        <p:spPr>
+          <a:xfrm>
+            <a:off x="5655861" y="1764668"/>
+            <a:ext cx="4200525" cy="2371725"/>
+          </a:xfrm>
+          <a:prstGeom prst="rect">
+            <a:avLst/>
+          </a:prstGeom>
+        </p:spPr>
+      </p:pic>
+      <p:pic>
+        <p:nvPicPr>
+          <p:cNvPr id="7" name="图片 6">
+            <a:extLst>
+              <a:ext uri="{FF2B5EF4-FFF2-40B4-BE49-F238E27FC236}">
+                <a16:creationId xmlns:a16="http://schemas.microsoft.com/office/drawing/2014/main" id="{E3DB64E5-66BC-4D1D-96D6-C25D9AF32F97}"/>
+              </a:ext>
+            </a:extLst>
+          </p:cNvPr>
+          <p:cNvPicPr>
+            <a:picLocks noChangeAspect="1"/>
+          </p:cNvPicPr>
+          <p:nvPr/>
+        </p:nvPicPr>
+        <p:blipFill>
+          <a:blip r:embed="rId4"/>
+          <a:stretch>
+            <a:fillRect/>
+          </a:stretch>
+        </p:blipFill>
+        <p:spPr>
+          <a:xfrm>
+            <a:off x="982045" y="4935568"/>
+            <a:ext cx="6381750" cy="1514475"/>
+          </a:xfrm>
+          <a:prstGeom prst="rect">
+            <a:avLst/>
+          </a:prstGeom>
+        </p:spPr>
+      </p:pic>
+    </p:spTree>
+    <p:extLst>
+      <p:ext uri="{BB962C8B-B14F-4D97-AF65-F5344CB8AC3E}">
+        <p14:creationId xmlns:p14="http://schemas.microsoft.com/office/powerpoint/2010/main" val="4098527551"/>
+      </p:ext>
+    </p:extLst>
+  </p:cSld>
+  <p:clrMapOvr>
+    <a:masterClrMapping/>
+  </p:clrMapOvr>
+  <p:timing>
+    <p:tnLst>
+      <p:par>
+        <p:cTn id="1" dur="indefinite" restart="never" nodeType="tmRoot">
+          <p:childTnLst>
+            <p:seq concurrent="1" nextAc="seek">
+              <p:cTn id="2" dur="indefinite" nodeType="mainSeq">
+                <p:childTnLst>
+                  <p:par>
+                    <p:cTn id="3" fill="hold">
+                      <p:stCondLst>
+                        <p:cond delay="indefinite"/>
+                      </p:stCondLst>
+                      <p:childTnLst>
+                        <p:par>
+                          <p:cTn id="4" fill="hold">
+                            <p:stCondLst>
+                              <p:cond delay="0"/>
+                            </p:stCondLst>
+                            <p:childTnLst>
+                              <p:par>
+                                <p:cTn id="5" presetID="1" presetClass="entr" presetSubtype="0" fill="hold" nodeType="clickEffect">
+                                  <p:stCondLst>
+                                    <p:cond delay="0"/>
+                                  </p:stCondLst>
+                                  <p:childTnLst>
+                                    <p:set>
+                                      <p:cBhvr>
+                                        <p:cTn id="6" dur="1" fill="hold">
+                                          <p:stCondLst>
+                                            <p:cond delay="0"/>
+                                          </p:stCondLst>
+                                        </p:cTn>
+                                        <p:tgtEl>
+                                          <p:spTgt spid="3">
+                                            <p:txEl>
+                                              <p:pRg st="0" end="0"/>
+                                            </p:txEl>
+                                          </p:spTgt>
+                                        </p:tgtEl>
+                                        <p:attrNameLst>
+                                          <p:attrName>style.visibility</p:attrName>
+                                        </p:attrNameLst>
+                                      </p:cBhvr>
+                                      <p:to>
+                                        <p:strVal val="visible"/>
+                                      </p:to>
+                                    </p:set>
+                                  </p:childTnLst>
+                                </p:cTn>
+                              </p:par>
+                            </p:childTnLst>
+                          </p:cTn>
+                        </p:par>
+                      </p:childTnLst>
+                    </p:cTn>
+                  </p:par>
+                  <p:par>
+                    <p:cTn id="7" fill="hold">
+                      <p:stCondLst>
+                        <p:cond delay="indefinite"/>
+                      </p:stCondLst>
+                      <p:childTnLst>
+                        <p:par>
+                          <p:cTn id="8" fill="hold">
+                            <p:stCondLst>
+                              <p:cond delay="0"/>
+                            </p:stCondLst>
+                            <p:childTnLst>
+                              <p:par>
+                                <p:cTn id="9" presetID="1" presetClass="entr" presetSubtype="0" fill="hold" nodeType="clickEffect">
+                                  <p:stCondLst>
+                                    <p:cond delay="0"/>
+                                  </p:stCondLst>
+                                  <p:childTnLst>
+                                    <p:set>
+                                      <p:cBhvr>
+                                        <p:cTn id="10" dur="1" fill="hold">
+                                          <p:stCondLst>
+                                            <p:cond delay="0"/>
+                                          </p:stCondLst>
+                                        </p:cTn>
+                                        <p:tgtEl>
+                                          <p:spTgt spid="3">
+                                            <p:txEl>
+                                              <p:pRg st="8" end="8"/>
+                                            </p:txEl>
+                                          </p:spTgt>
+                                        </p:tgtEl>
+                                        <p:attrNameLst>
+                                          <p:attrName>style.visibility</p:attrName>
+                                        </p:attrNameLst>
+                                      </p:cBhvr>
+                                      <p:to>
+                                        <p:strVal val="visible"/>
+                                      </p:to>
+                                    </p:set>
+                                  </p:childTnLst>
+                                </p:cTn>
+                              </p:par>
+                            </p:childTnLst>
+                          </p:cTn>
+                        </p:par>
+                      </p:childTnLst>
+                    </p:cTn>
+                  </p:par>
+                </p:childTnLst>
+              </p:cTn>
+              <p:prevCondLst>
+                <p:cond evt="onPrev" delay="0">
+                  <p:tgtEl>
+                    <p:sldTgt/>
+                  </p:tgtEl>
+                </p:cond>
+              </p:prevCondLst>
+              <p:nextCondLst>
+                <p:cond evt="onNext" delay="0">
+                  <p:tgtEl>
+                    <p:sldTgt/>
+                  </p:tgtEl>
+                </p:cond>
+              </p:nextCondLst>
+            </p:seq>
+          </p:childTnLst>
+        </p:cTn>
+      </p:par>
+    </p:tnLst>
+  </p:timing>
 </p:sld>
 </file>
 

--- a/docs/初探kotlin.pptx
+++ b/docs/初探kotlin.pptx
@@ -11,6 +11,13 @@
     <p:sldId id="259" r:id="rId5"/>
     <p:sldId id="260" r:id="rId6"/>
     <p:sldId id="261" r:id="rId7"/>
+    <p:sldId id="262" r:id="rId8"/>
+    <p:sldId id="263" r:id="rId9"/>
+    <p:sldId id="264" r:id="rId10"/>
+    <p:sldId id="265" r:id="rId11"/>
+    <p:sldId id="267" r:id="rId12"/>
+    <p:sldId id="268" r:id="rId13"/>
+    <p:sldId id="269" r:id="rId14"/>
   </p:sldIdLst>
   <p:sldSz cx="12192000" cy="6858000"/>
   <p:notesSz cx="6858000" cy="9144000"/>
@@ -268,7 +275,7 @@
           <a:p>
             <a:fld id="{AFB6B5B2-4C17-47BC-B4FC-EB545BEC8073}" type="datetimeFigureOut">
               <a:rPr lang="zh-CN" altLang="en-US" smtClean="0"/>
-              <a:t>2017/9/19</a:t>
+              <a:t>2017/9/22</a:t>
             </a:fld>
             <a:endParaRPr lang="zh-CN" altLang="en-US"/>
           </a:p>
@@ -466,7 +473,7 @@
           <a:p>
             <a:fld id="{AFB6B5B2-4C17-47BC-B4FC-EB545BEC8073}" type="datetimeFigureOut">
               <a:rPr lang="zh-CN" altLang="en-US" smtClean="0"/>
-              <a:t>2017/9/19</a:t>
+              <a:t>2017/9/22</a:t>
             </a:fld>
             <a:endParaRPr lang="zh-CN" altLang="en-US"/>
           </a:p>
@@ -674,7 +681,7 @@
           <a:p>
             <a:fld id="{AFB6B5B2-4C17-47BC-B4FC-EB545BEC8073}" type="datetimeFigureOut">
               <a:rPr lang="zh-CN" altLang="en-US" smtClean="0"/>
-              <a:t>2017/9/19</a:t>
+              <a:t>2017/9/22</a:t>
             </a:fld>
             <a:endParaRPr lang="zh-CN" altLang="en-US"/>
           </a:p>
@@ -872,7 +879,7 @@
           <a:p>
             <a:fld id="{AFB6B5B2-4C17-47BC-B4FC-EB545BEC8073}" type="datetimeFigureOut">
               <a:rPr lang="zh-CN" altLang="en-US" smtClean="0"/>
-              <a:t>2017/9/19</a:t>
+              <a:t>2017/9/22</a:t>
             </a:fld>
             <a:endParaRPr lang="zh-CN" altLang="en-US"/>
           </a:p>
@@ -1147,7 +1154,7 @@
           <a:p>
             <a:fld id="{AFB6B5B2-4C17-47BC-B4FC-EB545BEC8073}" type="datetimeFigureOut">
               <a:rPr lang="zh-CN" altLang="en-US" smtClean="0"/>
-              <a:t>2017/9/19</a:t>
+              <a:t>2017/9/22</a:t>
             </a:fld>
             <a:endParaRPr lang="zh-CN" altLang="en-US"/>
           </a:p>
@@ -1412,7 +1419,7 @@
           <a:p>
             <a:fld id="{AFB6B5B2-4C17-47BC-B4FC-EB545BEC8073}" type="datetimeFigureOut">
               <a:rPr lang="zh-CN" altLang="en-US" smtClean="0"/>
-              <a:t>2017/9/19</a:t>
+              <a:t>2017/9/22</a:t>
             </a:fld>
             <a:endParaRPr lang="zh-CN" altLang="en-US"/>
           </a:p>
@@ -1824,7 +1831,7 @@
           <a:p>
             <a:fld id="{AFB6B5B2-4C17-47BC-B4FC-EB545BEC8073}" type="datetimeFigureOut">
               <a:rPr lang="zh-CN" altLang="en-US" smtClean="0"/>
-              <a:t>2017/9/19</a:t>
+              <a:t>2017/9/22</a:t>
             </a:fld>
             <a:endParaRPr lang="zh-CN" altLang="en-US"/>
           </a:p>
@@ -1965,7 +1972,7 @@
           <a:p>
             <a:fld id="{AFB6B5B2-4C17-47BC-B4FC-EB545BEC8073}" type="datetimeFigureOut">
               <a:rPr lang="zh-CN" altLang="en-US" smtClean="0"/>
-              <a:t>2017/9/19</a:t>
+              <a:t>2017/9/22</a:t>
             </a:fld>
             <a:endParaRPr lang="zh-CN" altLang="en-US"/>
           </a:p>
@@ -2078,7 +2085,7 @@
           <a:p>
             <a:fld id="{AFB6B5B2-4C17-47BC-B4FC-EB545BEC8073}" type="datetimeFigureOut">
               <a:rPr lang="zh-CN" altLang="en-US" smtClean="0"/>
-              <a:t>2017/9/19</a:t>
+              <a:t>2017/9/22</a:t>
             </a:fld>
             <a:endParaRPr lang="zh-CN" altLang="en-US"/>
           </a:p>
@@ -2389,7 +2396,7 @@
           <a:p>
             <a:fld id="{AFB6B5B2-4C17-47BC-B4FC-EB545BEC8073}" type="datetimeFigureOut">
               <a:rPr lang="zh-CN" altLang="en-US" smtClean="0"/>
-              <a:t>2017/9/19</a:t>
+              <a:t>2017/9/22</a:t>
             </a:fld>
             <a:endParaRPr lang="zh-CN" altLang="en-US"/>
           </a:p>
@@ -2677,7 +2684,7 @@
           <a:p>
             <a:fld id="{AFB6B5B2-4C17-47BC-B4FC-EB545BEC8073}" type="datetimeFigureOut">
               <a:rPr lang="zh-CN" altLang="en-US" smtClean="0"/>
-              <a:t>2017/9/19</a:t>
+              <a:t>2017/9/22</a:t>
             </a:fld>
             <a:endParaRPr lang="zh-CN" altLang="en-US"/>
           </a:p>
@@ -2918,7 +2925,7 @@
           <a:p>
             <a:fld id="{AFB6B5B2-4C17-47BC-B4FC-EB545BEC8073}" type="datetimeFigureOut">
               <a:rPr lang="zh-CN" altLang="en-US" smtClean="0"/>
-              <a:t>2017/9/19</a:t>
+              <a:t>2017/9/22</a:t>
             </a:fld>
             <a:endParaRPr lang="zh-CN" altLang="en-US"/>
           </a:p>
@@ -3417,6 +3424,1159 @@
 </p:sld>
 </file>
 
+<file path=ppt/slides/slide10.xml><?xml version="1.0" encoding="utf-8"?>
+<p:sld xmlns:a="http://schemas.openxmlformats.org/drawingml/2006/main" xmlns:r="http://schemas.openxmlformats.org/officeDocument/2006/relationships" xmlns:p="http://schemas.openxmlformats.org/presentationml/2006/main">
+  <p:cSld>
+    <p:spTree>
+      <p:nvGrpSpPr>
+        <p:cNvPr id="1" name=""/>
+        <p:cNvGrpSpPr/>
+        <p:nvPr/>
+      </p:nvGrpSpPr>
+      <p:grpSpPr>
+        <a:xfrm>
+          <a:off x="0" y="0"/>
+          <a:ext cx="0" cy="0"/>
+          <a:chOff x="0" y="0"/>
+          <a:chExt cx="0" cy="0"/>
+        </a:xfrm>
+      </p:grpSpPr>
+      <p:sp>
+        <p:nvSpPr>
+          <p:cNvPr id="2" name="标题 1">
+            <a:extLst>
+              <a:ext uri="{FF2B5EF4-FFF2-40B4-BE49-F238E27FC236}">
+                <a16:creationId xmlns:a16="http://schemas.microsoft.com/office/drawing/2014/main" id="{CE2AF79E-E135-4CC8-A9E4-9B0E409EFD31}"/>
+              </a:ext>
+            </a:extLst>
+          </p:cNvPr>
+          <p:cNvSpPr>
+            <a:spLocks noGrp="1"/>
+          </p:cNvSpPr>
+          <p:nvPr>
+            <p:ph type="title"/>
+          </p:nvPr>
+        </p:nvSpPr>
+        <p:spPr>
+          <a:xfrm>
+            <a:off x="838200" y="328475"/>
+            <a:ext cx="10515600" cy="577048"/>
+          </a:xfrm>
+        </p:spPr>
+        <p:txBody>
+          <a:bodyPr>
+            <a:normAutofit fontScale="90000"/>
+          </a:bodyPr>
+          <a:lstStyle/>
+          <a:p>
+            <a:r>
+              <a:rPr lang="zh-CN" altLang="en-US" sz="3600" dirty="0"/>
+              <a:t>扩展</a:t>
+            </a:r>
+            <a:r>
+              <a:rPr lang="en-US" altLang="zh-CN" sz="3600" dirty="0"/>
+              <a:t>(</a:t>
+            </a:r>
+            <a:r>
+              <a:rPr lang="zh-CN" altLang="en-US" sz="3600" dirty="0"/>
+              <a:t>方法，属性</a:t>
+            </a:r>
+            <a:r>
+              <a:rPr lang="en-US" altLang="zh-CN" sz="3600" dirty="0"/>
+              <a:t>)</a:t>
+            </a:r>
+            <a:endParaRPr lang="zh-CN" altLang="en-US" sz="3600" dirty="0"/>
+          </a:p>
+        </p:txBody>
+      </p:sp>
+      <p:sp>
+        <p:nvSpPr>
+          <p:cNvPr id="3" name="内容占位符 2">
+            <a:extLst>
+              <a:ext uri="{FF2B5EF4-FFF2-40B4-BE49-F238E27FC236}">
+                <a16:creationId xmlns:a16="http://schemas.microsoft.com/office/drawing/2014/main" id="{8A9A9357-CBDA-4879-9759-7D2BDA22296E}"/>
+              </a:ext>
+            </a:extLst>
+          </p:cNvPr>
+          <p:cNvSpPr>
+            <a:spLocks noGrp="1"/>
+          </p:cNvSpPr>
+          <p:nvPr>
+            <p:ph idx="1"/>
+          </p:nvPr>
+        </p:nvSpPr>
+        <p:spPr>
+          <a:xfrm>
+            <a:off x="838200" y="1047564"/>
+            <a:ext cx="10515600" cy="5810436"/>
+          </a:xfrm>
+        </p:spPr>
+        <p:txBody>
+          <a:bodyPr>
+            <a:normAutofit fontScale="92500" lnSpcReduction="20000"/>
+          </a:bodyPr>
+          <a:lstStyle/>
+          <a:p>
+            <a:pPr marL="0" indent="0">
+              <a:buNone/>
+            </a:pPr>
+            <a:r>
+              <a:rPr lang="en-US" altLang="zh-CN" sz="2000" dirty="0"/>
+              <a:t>2</a:t>
+            </a:r>
+            <a:r>
+              <a:rPr lang="zh-CN" altLang="en-US" sz="2000" dirty="0"/>
+              <a:t>、扩展属性</a:t>
+            </a:r>
+            <a:endParaRPr lang="en-US" altLang="zh-CN" sz="2000" dirty="0"/>
+          </a:p>
+          <a:p>
+            <a:pPr marL="0" indent="0">
+              <a:buNone/>
+            </a:pPr>
+            <a:r>
+              <a:rPr lang="zh-CN" altLang="en-US" sz="2000" dirty="0"/>
+              <a:t>类似于扩展方法，我们也可以很轻松给类添加扩展属性。</a:t>
+            </a:r>
+            <a:endParaRPr lang="en-US" altLang="zh-CN" sz="2000" dirty="0"/>
+          </a:p>
+          <a:p>
+            <a:pPr marL="0" indent="0">
+              <a:buNone/>
+            </a:pPr>
+            <a:endParaRPr lang="en-US" altLang="zh-CN" sz="2000" dirty="0"/>
+          </a:p>
+          <a:p>
+            <a:pPr marL="0" indent="0">
+              <a:buNone/>
+            </a:pPr>
+            <a:endParaRPr lang="en-US" altLang="zh-CN" sz="2000" dirty="0"/>
+          </a:p>
+          <a:p>
+            <a:pPr marL="0" indent="0">
+              <a:buNone/>
+            </a:pPr>
+            <a:endParaRPr lang="en-US" altLang="zh-CN" sz="2000" dirty="0"/>
+          </a:p>
+          <a:p>
+            <a:pPr marL="0" indent="0">
+              <a:buNone/>
+            </a:pPr>
+            <a:endParaRPr lang="en-US" altLang="zh-CN" sz="2000" dirty="0"/>
+          </a:p>
+          <a:p>
+            <a:pPr marL="0" indent="0">
+              <a:buNone/>
+            </a:pPr>
+            <a:endParaRPr lang="en-US" altLang="zh-CN" sz="2000" dirty="0"/>
+          </a:p>
+          <a:p>
+            <a:pPr marL="0" indent="0">
+              <a:buNone/>
+            </a:pPr>
+            <a:endParaRPr lang="en-US" altLang="zh-CN" sz="2000" dirty="0"/>
+          </a:p>
+          <a:p>
+            <a:pPr marL="0" indent="0">
+              <a:buNone/>
+            </a:pPr>
+            <a:endParaRPr lang="en-US" altLang="zh-CN" sz="2000" dirty="0"/>
+          </a:p>
+          <a:p>
+            <a:pPr marL="0" indent="0">
+              <a:buNone/>
+            </a:pPr>
+            <a:endParaRPr lang="en-US" altLang="zh-CN" sz="2000" dirty="0"/>
+          </a:p>
+          <a:p>
+            <a:pPr marL="0" indent="0">
+              <a:buNone/>
+            </a:pPr>
+            <a:r>
+              <a:rPr lang="zh-CN" altLang="en-US" sz="2000" dirty="0"/>
+              <a:t>优点：</a:t>
+            </a:r>
+            <a:endParaRPr lang="en-US" altLang="zh-CN" sz="2000" dirty="0"/>
+          </a:p>
+          <a:p>
+            <a:pPr marL="457200" indent="-457200">
+              <a:buAutoNum type="arabicPeriod"/>
+            </a:pPr>
+            <a:r>
+              <a:rPr lang="zh-CN" altLang="en-US" sz="2000" dirty="0"/>
+              <a:t>可以给任意类添加新功能</a:t>
+            </a:r>
+            <a:endParaRPr lang="en-US" altLang="zh-CN" sz="2000" dirty="0"/>
+          </a:p>
+          <a:p>
+            <a:pPr marL="457200" indent="-457200">
+              <a:buAutoNum type="arabicPeriod"/>
+            </a:pPr>
+            <a:r>
+              <a:rPr lang="zh-CN" altLang="en-US" sz="2000" dirty="0"/>
+              <a:t>让工具类更加简洁</a:t>
+            </a:r>
+            <a:endParaRPr lang="en-US" altLang="zh-CN" sz="2000" dirty="0"/>
+          </a:p>
+          <a:p>
+            <a:pPr marL="0" indent="0">
+              <a:buNone/>
+            </a:pPr>
+            <a:r>
+              <a:rPr lang="zh-CN" altLang="en-US" sz="2000" dirty="0"/>
+              <a:t>注意点：</a:t>
+            </a:r>
+            <a:endParaRPr lang="en-US" altLang="zh-CN" sz="2000" dirty="0"/>
+          </a:p>
+          <a:p>
+            <a:pPr marL="457200" indent="-457200">
+              <a:buAutoNum type="arabicPeriod"/>
+            </a:pPr>
+            <a:r>
+              <a:rPr lang="en-US" altLang="zh-CN" sz="2000" dirty="0" err="1"/>
+              <a:t>Kotlin</a:t>
+            </a:r>
+            <a:r>
+              <a:rPr lang="zh-CN" altLang="en-US" sz="2000" dirty="0"/>
+              <a:t>的扩展是静态导入的，并没有修改类和新增继承。</a:t>
+            </a:r>
+            <a:endParaRPr lang="en-US" altLang="zh-CN" sz="2000" dirty="0"/>
+          </a:p>
+          <a:p>
+            <a:pPr marL="457200" indent="-457200">
+              <a:buAutoNum type="arabicPeriod"/>
+            </a:pPr>
+            <a:r>
+              <a:rPr lang="en-US" altLang="zh-CN" sz="2000" dirty="0" err="1"/>
+              <a:t>Kotlin</a:t>
+            </a:r>
+            <a:r>
+              <a:rPr lang="zh-CN" altLang="en-US" sz="2000" dirty="0"/>
+              <a:t>的扩展不具有多态性（当子类和父类都具有相同的扩展方法时，只能根据编码时传入的类型，而不能运行时推断。）</a:t>
+            </a:r>
+            <a:endParaRPr lang="en-US" altLang="zh-CN" sz="2000" dirty="0"/>
+          </a:p>
+        </p:txBody>
+      </p:sp>
+      <p:pic>
+        <p:nvPicPr>
+          <p:cNvPr id="6" name="图片 5">
+            <a:extLst>
+              <a:ext uri="{FF2B5EF4-FFF2-40B4-BE49-F238E27FC236}">
+                <a16:creationId xmlns:a16="http://schemas.microsoft.com/office/drawing/2014/main" id="{5125A721-9264-4021-BA88-48A20CA7ED41}"/>
+              </a:ext>
+            </a:extLst>
+          </p:cNvPr>
+          <p:cNvPicPr>
+            <a:picLocks noChangeAspect="1"/>
+          </p:cNvPicPr>
+          <p:nvPr/>
+        </p:nvPicPr>
+        <p:blipFill>
+          <a:blip r:embed="rId2"/>
+          <a:stretch>
+            <a:fillRect/>
+          </a:stretch>
+        </p:blipFill>
+        <p:spPr>
+          <a:xfrm>
+            <a:off x="948014" y="1749825"/>
+            <a:ext cx="5324475" cy="2076450"/>
+          </a:xfrm>
+          <a:prstGeom prst="rect">
+            <a:avLst/>
+          </a:prstGeom>
+        </p:spPr>
+      </p:pic>
+      <p:pic>
+        <p:nvPicPr>
+          <p:cNvPr id="7" name="图片 6">
+            <a:extLst>
+              <a:ext uri="{FF2B5EF4-FFF2-40B4-BE49-F238E27FC236}">
+                <a16:creationId xmlns:a16="http://schemas.microsoft.com/office/drawing/2014/main" id="{E4FE5D34-C4EB-499B-ACF5-8CB18BD57F6F}"/>
+              </a:ext>
+            </a:extLst>
+          </p:cNvPr>
+          <p:cNvPicPr>
+            <a:picLocks noChangeAspect="1"/>
+          </p:cNvPicPr>
+          <p:nvPr/>
+        </p:nvPicPr>
+        <p:blipFill>
+          <a:blip r:embed="rId3"/>
+          <a:stretch>
+            <a:fillRect/>
+          </a:stretch>
+        </p:blipFill>
+        <p:spPr>
+          <a:xfrm>
+            <a:off x="7986897" y="1121175"/>
+            <a:ext cx="3267075" cy="3124200"/>
+          </a:xfrm>
+          <a:prstGeom prst="rect">
+            <a:avLst/>
+          </a:prstGeom>
+        </p:spPr>
+      </p:pic>
+    </p:spTree>
+    <p:extLst>
+      <p:ext uri="{BB962C8B-B14F-4D97-AF65-F5344CB8AC3E}">
+        <p14:creationId xmlns:p14="http://schemas.microsoft.com/office/powerpoint/2010/main" val="2758583435"/>
+      </p:ext>
+    </p:extLst>
+  </p:cSld>
+  <p:clrMapOvr>
+    <a:masterClrMapping/>
+  </p:clrMapOvr>
+</p:sld>
+</file>
+
+<file path=ppt/slides/slide11.xml><?xml version="1.0" encoding="utf-8"?>
+<p:sld xmlns:a="http://schemas.openxmlformats.org/drawingml/2006/main" xmlns:r="http://schemas.openxmlformats.org/officeDocument/2006/relationships" xmlns:p="http://schemas.openxmlformats.org/presentationml/2006/main">
+  <p:cSld>
+    <p:spTree>
+      <p:nvGrpSpPr>
+        <p:cNvPr id="1" name=""/>
+        <p:cNvGrpSpPr/>
+        <p:nvPr/>
+      </p:nvGrpSpPr>
+      <p:grpSpPr>
+        <a:xfrm>
+          <a:off x="0" y="0"/>
+          <a:ext cx="0" cy="0"/>
+          <a:chOff x="0" y="0"/>
+          <a:chExt cx="0" cy="0"/>
+        </a:xfrm>
+      </p:grpSpPr>
+      <p:sp>
+        <p:nvSpPr>
+          <p:cNvPr id="2" name="标题 1">
+            <a:extLst>
+              <a:ext uri="{FF2B5EF4-FFF2-40B4-BE49-F238E27FC236}">
+                <a16:creationId xmlns:a16="http://schemas.microsoft.com/office/drawing/2014/main" id="{D333ED31-0928-4FAB-84C6-9DA25C051219}"/>
+              </a:ext>
+            </a:extLst>
+          </p:cNvPr>
+          <p:cNvSpPr>
+            <a:spLocks noGrp="1"/>
+          </p:cNvSpPr>
+          <p:nvPr>
+            <p:ph type="title"/>
+          </p:nvPr>
+        </p:nvSpPr>
+        <p:spPr>
+          <a:xfrm>
+            <a:off x="839788" y="365125"/>
+            <a:ext cx="10515600" cy="611419"/>
+          </a:xfrm>
+        </p:spPr>
+        <p:txBody>
+          <a:bodyPr>
+            <a:normAutofit/>
+          </a:bodyPr>
+          <a:lstStyle/>
+          <a:p>
+            <a:r>
+              <a:rPr lang="zh-CN" altLang="en-US" sz="3200" dirty="0"/>
+              <a:t>数据类</a:t>
+            </a:r>
+          </a:p>
+        </p:txBody>
+      </p:sp>
+      <p:sp>
+        <p:nvSpPr>
+          <p:cNvPr id="3" name="文本占位符 2">
+            <a:extLst>
+              <a:ext uri="{FF2B5EF4-FFF2-40B4-BE49-F238E27FC236}">
+                <a16:creationId xmlns:a16="http://schemas.microsoft.com/office/drawing/2014/main" id="{48C24CB0-653B-4A9B-9D4C-001879706027}"/>
+              </a:ext>
+            </a:extLst>
+          </p:cNvPr>
+          <p:cNvSpPr>
+            <a:spLocks noGrp="1"/>
+          </p:cNvSpPr>
+          <p:nvPr>
+            <p:ph type="body" idx="1"/>
+          </p:nvPr>
+        </p:nvSpPr>
+        <p:spPr>
+          <a:xfrm>
+            <a:off x="839788" y="979827"/>
+            <a:ext cx="5157787" cy="520499"/>
+          </a:xfrm>
+        </p:spPr>
+        <p:txBody>
+          <a:bodyPr/>
+          <a:lstStyle/>
+          <a:p>
+            <a:r>
+              <a:rPr lang="zh-CN" altLang="en-US" b="0" dirty="0"/>
+              <a:t>在</a:t>
+            </a:r>
+            <a:r>
+              <a:rPr lang="en-US" altLang="zh-CN" b="0" dirty="0"/>
+              <a:t>java</a:t>
+            </a:r>
+            <a:r>
+              <a:rPr lang="zh-CN" altLang="en-US" b="0" dirty="0"/>
+              <a:t>中的数据类</a:t>
+            </a:r>
+          </a:p>
+        </p:txBody>
+      </p:sp>
+      <p:pic>
+        <p:nvPicPr>
+          <p:cNvPr id="9" name="内容占位符 8">
+            <a:extLst>
+              <a:ext uri="{FF2B5EF4-FFF2-40B4-BE49-F238E27FC236}">
+                <a16:creationId xmlns:a16="http://schemas.microsoft.com/office/drawing/2014/main" id="{0E5417BC-B024-4DFF-ABB3-78C7828C2E10}"/>
+              </a:ext>
+            </a:extLst>
+          </p:cNvPr>
+          <p:cNvPicPr>
+            <a:picLocks noGrp="1" noChangeAspect="1"/>
+          </p:cNvPicPr>
+          <p:nvPr>
+            <p:ph sz="half" idx="2"/>
+          </p:nvPr>
+        </p:nvPicPr>
+        <p:blipFill>
+          <a:blip r:embed="rId2">
+            <a:extLst>
+              <a:ext uri="{28A0092B-C50C-407E-A947-70E740481C1C}">
+                <a14:useLocalDpi xmlns:a14="http://schemas.microsoft.com/office/drawing/2010/main" val="0"/>
+              </a:ext>
+            </a:extLst>
+          </a:blip>
+          <a:stretch>
+            <a:fillRect/>
+          </a:stretch>
+        </p:blipFill>
+        <p:spPr>
+          <a:xfrm>
+            <a:off x="839788" y="1578171"/>
+            <a:ext cx="5157787" cy="5119296"/>
+          </a:xfrm>
+        </p:spPr>
+      </p:pic>
+      <p:sp>
+        <p:nvSpPr>
+          <p:cNvPr id="5" name="文本占位符 4">
+            <a:extLst>
+              <a:ext uri="{FF2B5EF4-FFF2-40B4-BE49-F238E27FC236}">
+                <a16:creationId xmlns:a16="http://schemas.microsoft.com/office/drawing/2014/main" id="{43A60152-7C84-42E1-9763-0B30504430FA}"/>
+              </a:ext>
+            </a:extLst>
+          </p:cNvPr>
+          <p:cNvSpPr>
+            <a:spLocks noGrp="1"/>
+          </p:cNvSpPr>
+          <p:nvPr>
+            <p:ph type="body" sz="quarter" idx="3"/>
+          </p:nvPr>
+        </p:nvSpPr>
+        <p:spPr>
+          <a:xfrm>
+            <a:off x="6084887" y="979827"/>
+            <a:ext cx="5183188" cy="520499"/>
+          </a:xfrm>
+        </p:spPr>
+        <p:txBody>
+          <a:bodyPr/>
+          <a:lstStyle/>
+          <a:p>
+            <a:r>
+              <a:rPr lang="en-US" altLang="zh-CN" b="0" dirty="0" err="1"/>
+              <a:t>Kotlin</a:t>
+            </a:r>
+            <a:r>
+              <a:rPr lang="zh-CN" altLang="en-US" b="0" dirty="0"/>
+              <a:t>中的数据类</a:t>
+            </a:r>
+          </a:p>
+        </p:txBody>
+      </p:sp>
+      <p:pic>
+        <p:nvPicPr>
+          <p:cNvPr id="12" name="内容占位符 9">
+            <a:extLst>
+              <a:ext uri="{FF2B5EF4-FFF2-40B4-BE49-F238E27FC236}">
+                <a16:creationId xmlns:a16="http://schemas.microsoft.com/office/drawing/2014/main" id="{4950E3B6-3F5D-4839-8961-0674E1216470}"/>
+              </a:ext>
+            </a:extLst>
+          </p:cNvPr>
+          <p:cNvPicPr>
+            <a:picLocks noGrp="1" noChangeAspect="1"/>
+          </p:cNvPicPr>
+          <p:nvPr>
+            <p:ph sz="quarter" idx="4"/>
+          </p:nvPr>
+        </p:nvPicPr>
+        <p:blipFill>
+          <a:blip r:embed="rId3"/>
+          <a:stretch>
+            <a:fillRect/>
+          </a:stretch>
+        </p:blipFill>
+        <p:spPr>
+          <a:xfrm>
+            <a:off x="6174011" y="2090552"/>
+            <a:ext cx="4629150" cy="657225"/>
+          </a:xfrm>
+          <a:prstGeom prst="rect">
+            <a:avLst/>
+          </a:prstGeom>
+        </p:spPr>
+      </p:pic>
+      <p:sp>
+        <p:nvSpPr>
+          <p:cNvPr id="15" name="文本框 14">
+            <a:extLst>
+              <a:ext uri="{FF2B5EF4-FFF2-40B4-BE49-F238E27FC236}">
+                <a16:creationId xmlns:a16="http://schemas.microsoft.com/office/drawing/2014/main" id="{F1D0CDEF-0116-41B2-B1ED-EAD9F6FC1F05}"/>
+              </a:ext>
+            </a:extLst>
+          </p:cNvPr>
+          <p:cNvSpPr txBox="1"/>
+          <p:nvPr/>
+        </p:nvSpPr>
+        <p:spPr>
+          <a:xfrm>
+            <a:off x="6174011" y="3338004"/>
+            <a:ext cx="5326602" cy="2308324"/>
+          </a:xfrm>
+          <a:prstGeom prst="rect">
+            <a:avLst/>
+          </a:prstGeom>
+          <a:noFill/>
+        </p:spPr>
+        <p:txBody>
+          <a:bodyPr wrap="square" rtlCol="0">
+            <a:spAutoFit/>
+          </a:bodyPr>
+          <a:lstStyle/>
+          <a:p>
+            <a:r>
+              <a:rPr lang="zh-CN" altLang="en-US" dirty="0"/>
+              <a:t>数据类自动生成的方法：</a:t>
+            </a:r>
+            <a:endParaRPr lang="en-US" altLang="zh-CN" dirty="0"/>
+          </a:p>
+          <a:p>
+            <a:r>
+              <a:rPr lang="en-US" altLang="zh-CN" dirty="0"/>
+              <a:t>1. equals()/</a:t>
+            </a:r>
+            <a:r>
+              <a:rPr lang="en-US" altLang="zh-CN" dirty="0" err="1"/>
+              <a:t>hashCode</a:t>
+            </a:r>
+            <a:r>
+              <a:rPr lang="en-US" altLang="zh-CN" dirty="0"/>
+              <a:t>() </a:t>
+            </a:r>
+            <a:r>
+              <a:rPr lang="zh-CN" altLang="en-US" dirty="0"/>
+              <a:t>对，</a:t>
+            </a:r>
+            <a:endParaRPr lang="en-US" altLang="zh-CN" dirty="0"/>
+          </a:p>
+          <a:p>
+            <a:endParaRPr lang="zh-CN" altLang="en-US" dirty="0"/>
+          </a:p>
+          <a:p>
+            <a:r>
+              <a:rPr lang="en-US" altLang="zh-CN" dirty="0"/>
+              <a:t>2. </a:t>
+            </a:r>
+            <a:r>
+              <a:rPr lang="en-US" altLang="zh-CN" dirty="0" err="1"/>
+              <a:t>toString</a:t>
+            </a:r>
+            <a:r>
+              <a:rPr lang="en-US" altLang="zh-CN" dirty="0"/>
+              <a:t>() </a:t>
+            </a:r>
+            <a:r>
+              <a:rPr lang="zh-CN" altLang="en-US" dirty="0"/>
+              <a:t>格式是</a:t>
+            </a:r>
+            <a:r>
+              <a:rPr lang="en-US" altLang="zh-CN" dirty="0"/>
+              <a:t>"User(name=</a:t>
+            </a:r>
+            <a:r>
+              <a:rPr lang="en-US" altLang="zh-CN" dirty="0" err="1"/>
+              <a:t>John,age</a:t>
+            </a:r>
+            <a:r>
+              <a:rPr lang="en-US" altLang="zh-CN" dirty="0"/>
+              <a:t>=42)"</a:t>
+            </a:r>
+            <a:r>
+              <a:rPr lang="zh-CN" altLang="en-US" dirty="0"/>
+              <a:t>，</a:t>
+            </a:r>
+            <a:endParaRPr lang="en-US" altLang="zh-CN" dirty="0"/>
+          </a:p>
+          <a:p>
+            <a:endParaRPr lang="zh-CN" altLang="en-US" dirty="0"/>
+          </a:p>
+          <a:p>
+            <a:r>
+              <a:rPr lang="en-US" altLang="zh-CN" dirty="0"/>
+              <a:t>3. </a:t>
+            </a:r>
+            <a:r>
+              <a:rPr lang="en-US" altLang="zh-CN" dirty="0" err="1"/>
+              <a:t>componentN</a:t>
+            </a:r>
+            <a:r>
+              <a:rPr lang="en-US" altLang="zh-CN" dirty="0"/>
+              <a:t>() </a:t>
+            </a:r>
+            <a:r>
+              <a:rPr lang="zh-CN" altLang="en-US" dirty="0"/>
+              <a:t>函数 按声明顺序对应于所有属性</a:t>
+            </a:r>
+            <a:endParaRPr lang="en-US" altLang="zh-CN" dirty="0"/>
+          </a:p>
+          <a:p>
+            <a:endParaRPr lang="zh-CN" altLang="en-US" dirty="0"/>
+          </a:p>
+          <a:p>
+            <a:r>
+              <a:rPr lang="en-US" altLang="zh-CN" dirty="0"/>
+              <a:t>4. copy() </a:t>
+            </a:r>
+            <a:r>
+              <a:rPr lang="zh-CN" altLang="en-US" dirty="0"/>
+              <a:t>函数（见下文）。</a:t>
+            </a:r>
+          </a:p>
+        </p:txBody>
+      </p:sp>
+    </p:spTree>
+    <p:extLst>
+      <p:ext uri="{BB962C8B-B14F-4D97-AF65-F5344CB8AC3E}">
+        <p14:creationId xmlns:p14="http://schemas.microsoft.com/office/powerpoint/2010/main" val="947462882"/>
+      </p:ext>
+    </p:extLst>
+  </p:cSld>
+  <p:clrMapOvr>
+    <a:masterClrMapping/>
+  </p:clrMapOvr>
+</p:sld>
+</file>
+
+<file path=ppt/slides/slide12.xml><?xml version="1.0" encoding="utf-8"?>
+<p:sld xmlns:a="http://schemas.openxmlformats.org/drawingml/2006/main" xmlns:r="http://schemas.openxmlformats.org/officeDocument/2006/relationships" xmlns:p="http://schemas.openxmlformats.org/presentationml/2006/main">
+  <p:cSld>
+    <p:spTree>
+      <p:nvGrpSpPr>
+        <p:cNvPr id="1" name=""/>
+        <p:cNvGrpSpPr/>
+        <p:nvPr/>
+      </p:nvGrpSpPr>
+      <p:grpSpPr>
+        <a:xfrm>
+          <a:off x="0" y="0"/>
+          <a:ext cx="0" cy="0"/>
+          <a:chOff x="0" y="0"/>
+          <a:chExt cx="0" cy="0"/>
+        </a:xfrm>
+      </p:grpSpPr>
+      <p:sp>
+        <p:nvSpPr>
+          <p:cNvPr id="2" name="标题 1">
+            <a:extLst>
+              <a:ext uri="{FF2B5EF4-FFF2-40B4-BE49-F238E27FC236}">
+                <a16:creationId xmlns:a16="http://schemas.microsoft.com/office/drawing/2014/main" id="{CE2AF79E-E135-4CC8-A9E4-9B0E409EFD31}"/>
+              </a:ext>
+            </a:extLst>
+          </p:cNvPr>
+          <p:cNvSpPr>
+            <a:spLocks noGrp="1"/>
+          </p:cNvSpPr>
+          <p:nvPr>
+            <p:ph type="title"/>
+          </p:nvPr>
+        </p:nvSpPr>
+        <p:spPr>
+          <a:xfrm>
+            <a:off x="838200" y="328475"/>
+            <a:ext cx="10515600" cy="577048"/>
+          </a:xfrm>
+        </p:spPr>
+        <p:txBody>
+          <a:bodyPr>
+            <a:normAutofit fontScale="90000"/>
+          </a:bodyPr>
+          <a:lstStyle/>
+          <a:p>
+            <a:r>
+              <a:rPr lang="zh-CN" altLang="en-US" sz="3600" dirty="0"/>
+              <a:t>数据类</a:t>
+            </a:r>
+          </a:p>
+        </p:txBody>
+      </p:sp>
+      <p:sp>
+        <p:nvSpPr>
+          <p:cNvPr id="3" name="内容占位符 2">
+            <a:extLst>
+              <a:ext uri="{FF2B5EF4-FFF2-40B4-BE49-F238E27FC236}">
+                <a16:creationId xmlns:a16="http://schemas.microsoft.com/office/drawing/2014/main" id="{8A9A9357-CBDA-4879-9759-7D2BDA22296E}"/>
+              </a:ext>
+            </a:extLst>
+          </p:cNvPr>
+          <p:cNvSpPr>
+            <a:spLocks noGrp="1"/>
+          </p:cNvSpPr>
+          <p:nvPr>
+            <p:ph idx="1"/>
+          </p:nvPr>
+        </p:nvSpPr>
+        <p:spPr>
+          <a:xfrm>
+            <a:off x="838200" y="905523"/>
+            <a:ext cx="10515600" cy="5810436"/>
+          </a:xfrm>
+        </p:spPr>
+        <p:txBody>
+          <a:bodyPr>
+            <a:normAutofit/>
+          </a:bodyPr>
+          <a:lstStyle/>
+          <a:p>
+            <a:pPr marL="0" indent="0">
+              <a:buNone/>
+            </a:pPr>
+            <a:r>
+              <a:rPr lang="en-US" altLang="zh-CN" sz="2000" dirty="0" err="1"/>
+              <a:t>compentN</a:t>
+            </a:r>
+            <a:r>
+              <a:rPr lang="en-US" altLang="zh-CN" sz="2000" dirty="0"/>
+              <a:t>()</a:t>
+            </a:r>
+            <a:r>
+              <a:rPr lang="zh-CN" altLang="en-US" sz="2000" dirty="0"/>
+              <a:t>函数，也称为解构申明，其实就是把一个对象解构成很多的变量，直接使用。</a:t>
+            </a:r>
+            <a:endParaRPr lang="en-US" altLang="zh-CN" sz="2000" dirty="0"/>
+          </a:p>
+          <a:p>
+            <a:pPr marL="0" indent="0">
+              <a:buNone/>
+            </a:pPr>
+            <a:endParaRPr lang="en-US" altLang="zh-CN" sz="2000" dirty="0"/>
+          </a:p>
+          <a:p>
+            <a:pPr marL="0" indent="0">
+              <a:buNone/>
+            </a:pPr>
+            <a:r>
+              <a:rPr lang="zh-CN" altLang="en-US" sz="2000" dirty="0"/>
+              <a:t>在数据类，</a:t>
+            </a:r>
+            <a:r>
+              <a:rPr lang="en-US" altLang="zh-CN" sz="2000" dirty="0" err="1"/>
+              <a:t>kotlin</a:t>
+            </a:r>
+            <a:r>
+              <a:rPr lang="zh-CN" altLang="en-US" sz="2000" dirty="0"/>
+              <a:t>为每个属性按顺序实现了从</a:t>
+            </a:r>
+            <a:r>
+              <a:rPr lang="en-US" altLang="zh-CN" sz="2000" dirty="0"/>
+              <a:t>compent1…</a:t>
+            </a:r>
+            <a:r>
+              <a:rPr lang="en-US" altLang="zh-CN" sz="2000" dirty="0" err="1"/>
+              <a:t>compentN</a:t>
+            </a:r>
+            <a:r>
+              <a:rPr lang="zh-CN" altLang="en-US" sz="2000" dirty="0"/>
+              <a:t>的函数。</a:t>
+            </a:r>
+            <a:endParaRPr lang="en-US" altLang="zh-CN" sz="2000" dirty="0"/>
+          </a:p>
+          <a:p>
+            <a:pPr marL="0" indent="0">
+              <a:buNone/>
+            </a:pPr>
+            <a:endParaRPr lang="en-US" altLang="zh-CN" sz="2000" dirty="0"/>
+          </a:p>
+          <a:p>
+            <a:pPr marL="0" indent="0">
+              <a:buNone/>
+            </a:pPr>
+            <a:endParaRPr lang="en-US" altLang="zh-CN" sz="2000" dirty="0"/>
+          </a:p>
+          <a:p>
+            <a:pPr marL="0" indent="0">
+              <a:buNone/>
+            </a:pPr>
+            <a:endParaRPr lang="en-US" altLang="zh-CN" sz="2000" dirty="0"/>
+          </a:p>
+          <a:p>
+            <a:pPr marL="0" indent="0">
+              <a:buNone/>
+            </a:pPr>
+            <a:endParaRPr lang="en-US" altLang="zh-CN" sz="2000" dirty="0"/>
+          </a:p>
+          <a:p>
+            <a:pPr marL="0" indent="0">
+              <a:buNone/>
+            </a:pPr>
+            <a:endParaRPr lang="en-US" altLang="zh-CN" sz="2000" dirty="0"/>
+          </a:p>
+          <a:p>
+            <a:pPr marL="0" indent="0">
+              <a:buNone/>
+            </a:pPr>
+            <a:r>
+              <a:rPr lang="en-US" altLang="zh-CN" sz="2000" dirty="0"/>
+              <a:t>1</a:t>
+            </a:r>
+            <a:r>
+              <a:rPr lang="zh-CN" altLang="en-US" sz="2000" dirty="0"/>
+              <a:t>、使用数据类返回多个返回值的函数。</a:t>
+            </a:r>
+            <a:endParaRPr lang="en-US" altLang="zh-CN" sz="2000" dirty="0"/>
+          </a:p>
+          <a:p>
+            <a:pPr marL="0" indent="0">
+              <a:buNone/>
+            </a:pPr>
+            <a:endParaRPr lang="en-US" altLang="zh-CN" sz="2000" dirty="0"/>
+          </a:p>
+          <a:p>
+            <a:pPr marL="0" indent="0">
+              <a:buNone/>
+            </a:pPr>
+            <a:endParaRPr lang="en-US" altLang="zh-CN" sz="2000" dirty="0"/>
+          </a:p>
+        </p:txBody>
+      </p:sp>
+      <p:pic>
+        <p:nvPicPr>
+          <p:cNvPr id="4" name="图片 3">
+            <a:extLst>
+              <a:ext uri="{FF2B5EF4-FFF2-40B4-BE49-F238E27FC236}">
+                <a16:creationId xmlns:a16="http://schemas.microsoft.com/office/drawing/2014/main" id="{D262AB3A-7680-41D3-B150-4AB959B7E8C2}"/>
+              </a:ext>
+            </a:extLst>
+          </p:cNvPr>
+          <p:cNvPicPr>
+            <a:picLocks noChangeAspect="1"/>
+          </p:cNvPicPr>
+          <p:nvPr/>
+        </p:nvPicPr>
+        <p:blipFill>
+          <a:blip r:embed="rId2"/>
+          <a:stretch>
+            <a:fillRect/>
+          </a:stretch>
+        </p:blipFill>
+        <p:spPr>
+          <a:xfrm>
+            <a:off x="953517" y="2150800"/>
+            <a:ext cx="6076950" cy="1562100"/>
+          </a:xfrm>
+          <a:prstGeom prst="rect">
+            <a:avLst/>
+          </a:prstGeom>
+        </p:spPr>
+      </p:pic>
+      <p:pic>
+        <p:nvPicPr>
+          <p:cNvPr id="5" name="图片 4">
+            <a:extLst>
+              <a:ext uri="{FF2B5EF4-FFF2-40B4-BE49-F238E27FC236}">
+                <a16:creationId xmlns:a16="http://schemas.microsoft.com/office/drawing/2014/main" id="{98382ABC-633B-4073-8314-DAA2126C1C1B}"/>
+              </a:ext>
+            </a:extLst>
+          </p:cNvPr>
+          <p:cNvPicPr>
+            <a:picLocks noChangeAspect="1"/>
+          </p:cNvPicPr>
+          <p:nvPr/>
+        </p:nvPicPr>
+        <p:blipFill>
+          <a:blip r:embed="rId3"/>
+          <a:stretch>
+            <a:fillRect/>
+          </a:stretch>
+        </p:blipFill>
+        <p:spPr>
+          <a:xfrm>
+            <a:off x="767179" y="4400550"/>
+            <a:ext cx="7048500" cy="2457450"/>
+          </a:xfrm>
+          <a:prstGeom prst="rect">
+            <a:avLst/>
+          </a:prstGeom>
+        </p:spPr>
+      </p:pic>
+    </p:spTree>
+    <p:extLst>
+      <p:ext uri="{BB962C8B-B14F-4D97-AF65-F5344CB8AC3E}">
+        <p14:creationId xmlns:p14="http://schemas.microsoft.com/office/powerpoint/2010/main" val="3297296768"/>
+      </p:ext>
+    </p:extLst>
+  </p:cSld>
+  <p:clrMapOvr>
+    <a:masterClrMapping/>
+  </p:clrMapOvr>
+</p:sld>
+</file>
+
+<file path=ppt/slides/slide13.xml><?xml version="1.0" encoding="utf-8"?>
+<p:sld xmlns:a="http://schemas.openxmlformats.org/drawingml/2006/main" xmlns:r="http://schemas.openxmlformats.org/officeDocument/2006/relationships" xmlns:p="http://schemas.openxmlformats.org/presentationml/2006/main">
+  <p:cSld>
+    <p:spTree>
+      <p:nvGrpSpPr>
+        <p:cNvPr id="1" name=""/>
+        <p:cNvGrpSpPr/>
+        <p:nvPr/>
+      </p:nvGrpSpPr>
+      <p:grpSpPr>
+        <a:xfrm>
+          <a:off x="0" y="0"/>
+          <a:ext cx="0" cy="0"/>
+          <a:chOff x="0" y="0"/>
+          <a:chExt cx="0" cy="0"/>
+        </a:xfrm>
+      </p:grpSpPr>
+      <p:sp>
+        <p:nvSpPr>
+          <p:cNvPr id="2" name="标题 1">
+            <a:extLst>
+              <a:ext uri="{FF2B5EF4-FFF2-40B4-BE49-F238E27FC236}">
+                <a16:creationId xmlns:a16="http://schemas.microsoft.com/office/drawing/2014/main" id="{CE2AF79E-E135-4CC8-A9E4-9B0E409EFD31}"/>
+              </a:ext>
+            </a:extLst>
+          </p:cNvPr>
+          <p:cNvSpPr>
+            <a:spLocks noGrp="1"/>
+          </p:cNvSpPr>
+          <p:nvPr>
+            <p:ph type="title"/>
+          </p:nvPr>
+        </p:nvSpPr>
+        <p:spPr>
+          <a:xfrm>
+            <a:off x="838200" y="328475"/>
+            <a:ext cx="10515600" cy="577048"/>
+          </a:xfrm>
+        </p:spPr>
+        <p:txBody>
+          <a:bodyPr>
+            <a:normAutofit fontScale="90000"/>
+          </a:bodyPr>
+          <a:lstStyle/>
+          <a:p>
+            <a:r>
+              <a:rPr lang="zh-CN" altLang="en-US" sz="3600" dirty="0"/>
+              <a:t>数据类</a:t>
+            </a:r>
+          </a:p>
+        </p:txBody>
+      </p:sp>
+      <p:sp>
+        <p:nvSpPr>
+          <p:cNvPr id="3" name="内容占位符 2">
+            <a:extLst>
+              <a:ext uri="{FF2B5EF4-FFF2-40B4-BE49-F238E27FC236}">
+                <a16:creationId xmlns:a16="http://schemas.microsoft.com/office/drawing/2014/main" id="{8A9A9357-CBDA-4879-9759-7D2BDA22296E}"/>
+              </a:ext>
+            </a:extLst>
+          </p:cNvPr>
+          <p:cNvSpPr>
+            <a:spLocks noGrp="1"/>
+          </p:cNvSpPr>
+          <p:nvPr>
+            <p:ph idx="1"/>
+          </p:nvPr>
+        </p:nvSpPr>
+        <p:spPr>
+          <a:xfrm>
+            <a:off x="838200" y="905523"/>
+            <a:ext cx="10515600" cy="5810436"/>
+          </a:xfrm>
+        </p:spPr>
+        <p:txBody>
+          <a:bodyPr>
+            <a:normAutofit/>
+          </a:bodyPr>
+          <a:lstStyle/>
+          <a:p>
+            <a:pPr marL="0" indent="0">
+              <a:buNone/>
+            </a:pPr>
+            <a:r>
+              <a:rPr lang="en-US" altLang="zh-CN" sz="2000" dirty="0"/>
+              <a:t>2</a:t>
+            </a:r>
+            <a:r>
+              <a:rPr lang="zh-CN" altLang="en-US" sz="2000" dirty="0"/>
+              <a:t>、为访问元素提供简化方式：</a:t>
+            </a:r>
+            <a:endParaRPr lang="en-US" altLang="zh-CN" sz="2000" dirty="0"/>
+          </a:p>
+          <a:p>
+            <a:pPr marL="0" indent="0">
+              <a:buNone/>
+            </a:pPr>
+            <a:endParaRPr lang="en-US" altLang="zh-CN" sz="2000" dirty="0"/>
+          </a:p>
+          <a:p>
+            <a:pPr marL="0" indent="0">
+              <a:buNone/>
+            </a:pPr>
+            <a:endParaRPr lang="en-US" altLang="zh-CN" sz="2000" dirty="0"/>
+          </a:p>
+          <a:p>
+            <a:pPr marL="0" indent="0">
+              <a:buNone/>
+            </a:pPr>
+            <a:endParaRPr lang="en-US" altLang="zh-CN" sz="2000" dirty="0"/>
+          </a:p>
+          <a:p>
+            <a:pPr marL="0" indent="0">
+              <a:buNone/>
+            </a:pPr>
+            <a:endParaRPr lang="en-US" altLang="zh-CN" sz="2000" dirty="0"/>
+          </a:p>
+          <a:p>
+            <a:pPr marL="0" indent="0">
+              <a:buNone/>
+            </a:pPr>
+            <a:r>
+              <a:rPr lang="en-US" altLang="zh-CN" sz="2000" dirty="0"/>
+              <a:t>Copy</a:t>
+            </a:r>
+            <a:r>
+              <a:rPr lang="zh-CN" altLang="en-US" sz="2000" dirty="0"/>
+              <a:t>函数，在很多情况下，我们需要复制一个对象改变它的一些属性，但其余部分保持不变。 </a:t>
+            </a:r>
+            <a:r>
+              <a:rPr lang="en-US" altLang="zh-CN" sz="2000" dirty="0"/>
+              <a:t>copy() </a:t>
+            </a:r>
+            <a:r>
+              <a:rPr lang="zh-CN" altLang="en-US" sz="2000" dirty="0"/>
+              <a:t>函数就是为此而生成。</a:t>
+            </a:r>
+            <a:endParaRPr lang="en-US" altLang="zh-CN" sz="2000" dirty="0"/>
+          </a:p>
+          <a:p>
+            <a:pPr marL="0" indent="0">
+              <a:buNone/>
+            </a:pPr>
+            <a:endParaRPr lang="en-US" altLang="zh-CN" sz="2000" dirty="0"/>
+          </a:p>
+          <a:p>
+            <a:pPr marL="0" indent="0">
+              <a:buNone/>
+            </a:pPr>
+            <a:endParaRPr lang="en-US" altLang="zh-CN" sz="2000" dirty="0"/>
+          </a:p>
+          <a:p>
+            <a:pPr marL="0" indent="0">
+              <a:buNone/>
+            </a:pPr>
+            <a:endParaRPr lang="en-US" altLang="zh-CN" sz="2000" dirty="0"/>
+          </a:p>
+          <a:p>
+            <a:pPr marL="0" indent="0">
+              <a:buNone/>
+            </a:pPr>
+            <a:endParaRPr lang="en-US" altLang="zh-CN" sz="2000" dirty="0"/>
+          </a:p>
+          <a:p>
+            <a:pPr marL="0" indent="0">
+              <a:buNone/>
+            </a:pPr>
+            <a:endParaRPr lang="en-US" altLang="zh-CN" sz="2000" dirty="0"/>
+          </a:p>
+        </p:txBody>
+      </p:sp>
+      <p:pic>
+        <p:nvPicPr>
+          <p:cNvPr id="7" name="图片 6">
+            <a:extLst>
+              <a:ext uri="{FF2B5EF4-FFF2-40B4-BE49-F238E27FC236}">
+                <a16:creationId xmlns:a16="http://schemas.microsoft.com/office/drawing/2014/main" id="{2536A713-A02E-4F9C-B9ED-6C9A80BE73AC}"/>
+              </a:ext>
+            </a:extLst>
+          </p:cNvPr>
+          <p:cNvPicPr>
+            <a:picLocks noChangeAspect="1"/>
+          </p:cNvPicPr>
+          <p:nvPr/>
+        </p:nvPicPr>
+        <p:blipFill>
+          <a:blip r:embed="rId2"/>
+          <a:stretch>
+            <a:fillRect/>
+          </a:stretch>
+        </p:blipFill>
+        <p:spPr>
+          <a:xfrm>
+            <a:off x="838200" y="1229465"/>
+            <a:ext cx="7181850" cy="1504950"/>
+          </a:xfrm>
+          <a:prstGeom prst="rect">
+            <a:avLst/>
+          </a:prstGeom>
+        </p:spPr>
+      </p:pic>
+      <p:pic>
+        <p:nvPicPr>
+          <p:cNvPr id="10" name="图片 9">
+            <a:extLst>
+              <a:ext uri="{FF2B5EF4-FFF2-40B4-BE49-F238E27FC236}">
+                <a16:creationId xmlns:a16="http://schemas.microsoft.com/office/drawing/2014/main" id="{57423886-B90C-4C46-B4F4-B9DA1D8E42F8}"/>
+              </a:ext>
+            </a:extLst>
+          </p:cNvPr>
+          <p:cNvPicPr>
+            <a:picLocks noChangeAspect="1"/>
+          </p:cNvPicPr>
+          <p:nvPr/>
+        </p:nvPicPr>
+        <p:blipFill>
+          <a:blip r:embed="rId3"/>
+          <a:stretch>
+            <a:fillRect/>
+          </a:stretch>
+        </p:blipFill>
+        <p:spPr>
+          <a:xfrm>
+            <a:off x="951113" y="3630365"/>
+            <a:ext cx="5886450" cy="1781175"/>
+          </a:xfrm>
+          <a:prstGeom prst="rect">
+            <a:avLst/>
+          </a:prstGeom>
+        </p:spPr>
+      </p:pic>
+    </p:spTree>
+    <p:extLst>
+      <p:ext uri="{BB962C8B-B14F-4D97-AF65-F5344CB8AC3E}">
+        <p14:creationId xmlns:p14="http://schemas.microsoft.com/office/powerpoint/2010/main" val="770856208"/>
+      </p:ext>
+    </p:extLst>
+  </p:cSld>
+  <p:clrMapOvr>
+    <a:masterClrMapping/>
+  </p:clrMapOvr>
+</p:sld>
+</file>
+
 <file path=ppt/slides/slide2.xml><?xml version="1.0" encoding="utf-8"?>
 <p:sld xmlns:a="http://schemas.openxmlformats.org/drawingml/2006/main" xmlns:r="http://schemas.openxmlformats.org/officeDocument/2006/relationships" xmlns:p="http://schemas.openxmlformats.org/presentationml/2006/main">
   <p:cSld>
@@ -3493,7 +4653,7 @@
         </p:spPr>
         <p:txBody>
           <a:bodyPr>
-            <a:normAutofit fontScale="85000" lnSpcReduction="20000"/>
+            <a:normAutofit fontScale="77500" lnSpcReduction="20000"/>
           </a:bodyPr>
           <a:lstStyle/>
           <a:p>
@@ -3635,12 +4795,8 @@
               <a:t>8</a:t>
             </a:r>
             <a:r>
-              <a:rPr lang="zh-CN" altLang="en-US"/>
-              <a:t>、</a:t>
-            </a:r>
-            <a:r>
               <a:rPr lang="zh-CN" altLang="en-US" dirty="0"/>
-              <a:t>委托（属性委托，接口委托）</a:t>
+              <a:t>、委托（属性委托，接口委托）</a:t>
             </a:r>
             <a:endParaRPr lang="en-US" altLang="zh-CN" dirty="0"/>
           </a:p>
@@ -3744,6 +4900,20 @@
             <a:r>
               <a:rPr lang="zh-CN" altLang="en-US" dirty="0"/>
               <a:t>、学习资料</a:t>
+            </a:r>
+            <a:endParaRPr lang="en-US" altLang="zh-CN" dirty="0"/>
+          </a:p>
+          <a:p>
+            <a:pPr marL="0" indent="0">
+              <a:buNone/>
+            </a:pPr>
+            <a:r>
+              <a:rPr lang="en-US" altLang="zh-CN" dirty="0"/>
+              <a:t>14</a:t>
+            </a:r>
+            <a:r>
+              <a:rPr lang="zh-CN" altLang="en-US" dirty="0"/>
+              <a:t>、接口</a:t>
             </a:r>
           </a:p>
         </p:txBody>
@@ -5550,379 +6720,6 @@
   <p:clrMapOvr>
     <a:masterClrMapping/>
   </p:clrMapOvr>
-  <p:timing>
-    <p:tnLst>
-      <p:par>
-        <p:cTn id="1" dur="indefinite" restart="never" nodeType="tmRoot">
-          <p:childTnLst>
-            <p:seq concurrent="1" nextAc="seek">
-              <p:cTn id="2" dur="indefinite" nodeType="mainSeq">
-                <p:childTnLst>
-                  <p:par>
-                    <p:cTn id="3" fill="hold">
-                      <p:stCondLst>
-                        <p:cond delay="indefinite"/>
-                      </p:stCondLst>
-                      <p:childTnLst>
-                        <p:par>
-                          <p:cTn id="4" fill="hold">
-                            <p:stCondLst>
-                              <p:cond delay="0"/>
-                            </p:stCondLst>
-                            <p:childTnLst>
-                              <p:par>
-                                <p:cTn id="5" presetID="1" presetClass="entr" presetSubtype="0" fill="hold" nodeType="clickEffect">
-                                  <p:stCondLst>
-                                    <p:cond delay="0"/>
-                                  </p:stCondLst>
-                                  <p:childTnLst>
-                                    <p:set>
-                                      <p:cBhvr>
-                                        <p:cTn id="6" dur="1" fill="hold">
-                                          <p:stCondLst>
-                                            <p:cond delay="0"/>
-                                          </p:stCondLst>
-                                        </p:cTn>
-                                        <p:tgtEl>
-                                          <p:spTgt spid="3">
-                                            <p:txEl>
-                                              <p:pRg st="0" end="0"/>
-                                            </p:txEl>
-                                          </p:spTgt>
-                                        </p:tgtEl>
-                                        <p:attrNameLst>
-                                          <p:attrName>style.visibility</p:attrName>
-                                        </p:attrNameLst>
-                                      </p:cBhvr>
-                                      <p:to>
-                                        <p:strVal val="visible"/>
-                                      </p:to>
-                                    </p:set>
-                                  </p:childTnLst>
-                                </p:cTn>
-                              </p:par>
-                            </p:childTnLst>
-                          </p:cTn>
-                        </p:par>
-                      </p:childTnLst>
-                    </p:cTn>
-                  </p:par>
-                  <p:par>
-                    <p:cTn id="7" fill="hold">
-                      <p:stCondLst>
-                        <p:cond delay="indefinite"/>
-                      </p:stCondLst>
-                      <p:childTnLst>
-                        <p:par>
-                          <p:cTn id="8" fill="hold">
-                            <p:stCondLst>
-                              <p:cond delay="0"/>
-                            </p:stCondLst>
-                            <p:childTnLst>
-                              <p:par>
-                                <p:cTn id="9" presetID="1" presetClass="entr" presetSubtype="0" fill="hold" nodeType="clickEffect">
-                                  <p:stCondLst>
-                                    <p:cond delay="0"/>
-                                  </p:stCondLst>
-                                  <p:childTnLst>
-                                    <p:set>
-                                      <p:cBhvr>
-                                        <p:cTn id="10" dur="1" fill="hold">
-                                          <p:stCondLst>
-                                            <p:cond delay="0"/>
-                                          </p:stCondLst>
-                                        </p:cTn>
-                                        <p:tgtEl>
-                                          <p:spTgt spid="3">
-                                            <p:txEl>
-                                              <p:pRg st="1" end="1"/>
-                                            </p:txEl>
-                                          </p:spTgt>
-                                        </p:tgtEl>
-                                        <p:attrNameLst>
-                                          <p:attrName>style.visibility</p:attrName>
-                                        </p:attrNameLst>
-                                      </p:cBhvr>
-                                      <p:to>
-                                        <p:strVal val="visible"/>
-                                      </p:to>
-                                    </p:set>
-                                  </p:childTnLst>
-                                </p:cTn>
-                              </p:par>
-                            </p:childTnLst>
-                          </p:cTn>
-                        </p:par>
-                      </p:childTnLst>
-                    </p:cTn>
-                  </p:par>
-                  <p:par>
-                    <p:cTn id="11" fill="hold">
-                      <p:stCondLst>
-                        <p:cond delay="indefinite"/>
-                      </p:stCondLst>
-                      <p:childTnLst>
-                        <p:par>
-                          <p:cTn id="12" fill="hold">
-                            <p:stCondLst>
-                              <p:cond delay="0"/>
-                            </p:stCondLst>
-                            <p:childTnLst>
-                              <p:par>
-                                <p:cTn id="13" presetID="1" presetClass="entr" presetSubtype="0" fill="hold" nodeType="clickEffect">
-                                  <p:stCondLst>
-                                    <p:cond delay="0"/>
-                                  </p:stCondLst>
-                                  <p:childTnLst>
-                                    <p:set>
-                                      <p:cBhvr>
-                                        <p:cTn id="14" dur="1" fill="hold">
-                                          <p:stCondLst>
-                                            <p:cond delay="0"/>
-                                          </p:stCondLst>
-                                        </p:cTn>
-                                        <p:tgtEl>
-                                          <p:spTgt spid="3">
-                                            <p:txEl>
-                                              <p:pRg st="2" end="2"/>
-                                            </p:txEl>
-                                          </p:spTgt>
-                                        </p:tgtEl>
-                                        <p:attrNameLst>
-                                          <p:attrName>style.visibility</p:attrName>
-                                        </p:attrNameLst>
-                                      </p:cBhvr>
-                                      <p:to>
-                                        <p:strVal val="visible"/>
-                                      </p:to>
-                                    </p:set>
-                                  </p:childTnLst>
-                                </p:cTn>
-                              </p:par>
-                            </p:childTnLst>
-                          </p:cTn>
-                        </p:par>
-                      </p:childTnLst>
-                    </p:cTn>
-                  </p:par>
-                  <p:par>
-                    <p:cTn id="15" fill="hold">
-                      <p:stCondLst>
-                        <p:cond delay="indefinite"/>
-                      </p:stCondLst>
-                      <p:childTnLst>
-                        <p:par>
-                          <p:cTn id="16" fill="hold">
-                            <p:stCondLst>
-                              <p:cond delay="0"/>
-                            </p:stCondLst>
-                            <p:childTnLst>
-                              <p:par>
-                                <p:cTn id="17" presetID="1" presetClass="entr" presetSubtype="0" fill="hold" nodeType="clickEffect">
-                                  <p:stCondLst>
-                                    <p:cond delay="0"/>
-                                  </p:stCondLst>
-                                  <p:childTnLst>
-                                    <p:set>
-                                      <p:cBhvr>
-                                        <p:cTn id="18" dur="1" fill="hold">
-                                          <p:stCondLst>
-                                            <p:cond delay="0"/>
-                                          </p:stCondLst>
-                                        </p:cTn>
-                                        <p:tgtEl>
-                                          <p:spTgt spid="3">
-                                            <p:txEl>
-                                              <p:pRg st="3" end="3"/>
-                                            </p:txEl>
-                                          </p:spTgt>
-                                        </p:tgtEl>
-                                        <p:attrNameLst>
-                                          <p:attrName>style.visibility</p:attrName>
-                                        </p:attrNameLst>
-                                      </p:cBhvr>
-                                      <p:to>
-                                        <p:strVal val="visible"/>
-                                      </p:to>
-                                    </p:set>
-                                  </p:childTnLst>
-                                </p:cTn>
-                              </p:par>
-                            </p:childTnLst>
-                          </p:cTn>
-                        </p:par>
-                      </p:childTnLst>
-                    </p:cTn>
-                  </p:par>
-                  <p:par>
-                    <p:cTn id="19" fill="hold">
-                      <p:stCondLst>
-                        <p:cond delay="indefinite"/>
-                      </p:stCondLst>
-                      <p:childTnLst>
-                        <p:par>
-                          <p:cTn id="20" fill="hold">
-                            <p:stCondLst>
-                              <p:cond delay="0"/>
-                            </p:stCondLst>
-                            <p:childTnLst>
-                              <p:par>
-                                <p:cTn id="21" presetID="1" presetClass="entr" presetSubtype="0" fill="hold" nodeType="clickEffect">
-                                  <p:stCondLst>
-                                    <p:cond delay="0"/>
-                                  </p:stCondLst>
-                                  <p:childTnLst>
-                                    <p:set>
-                                      <p:cBhvr>
-                                        <p:cTn id="22" dur="1" fill="hold">
-                                          <p:stCondLst>
-                                            <p:cond delay="0"/>
-                                          </p:stCondLst>
-                                        </p:cTn>
-                                        <p:tgtEl>
-                                          <p:spTgt spid="3">
-                                            <p:txEl>
-                                              <p:pRg st="4" end="4"/>
-                                            </p:txEl>
-                                          </p:spTgt>
-                                        </p:tgtEl>
-                                        <p:attrNameLst>
-                                          <p:attrName>style.visibility</p:attrName>
-                                        </p:attrNameLst>
-                                      </p:cBhvr>
-                                      <p:to>
-                                        <p:strVal val="visible"/>
-                                      </p:to>
-                                    </p:set>
-                                  </p:childTnLst>
-                                </p:cTn>
-                              </p:par>
-                            </p:childTnLst>
-                          </p:cTn>
-                        </p:par>
-                      </p:childTnLst>
-                    </p:cTn>
-                  </p:par>
-                  <p:par>
-                    <p:cTn id="23" fill="hold">
-                      <p:stCondLst>
-                        <p:cond delay="indefinite"/>
-                      </p:stCondLst>
-                      <p:childTnLst>
-                        <p:par>
-                          <p:cTn id="24" fill="hold">
-                            <p:stCondLst>
-                              <p:cond delay="0"/>
-                            </p:stCondLst>
-                            <p:childTnLst>
-                              <p:par>
-                                <p:cTn id="25" presetID="1" presetClass="entr" presetSubtype="0" fill="hold" nodeType="clickEffect">
-                                  <p:stCondLst>
-                                    <p:cond delay="0"/>
-                                  </p:stCondLst>
-                                  <p:childTnLst>
-                                    <p:set>
-                                      <p:cBhvr>
-                                        <p:cTn id="26" dur="1" fill="hold">
-                                          <p:stCondLst>
-                                            <p:cond delay="0"/>
-                                          </p:stCondLst>
-                                        </p:cTn>
-                                        <p:tgtEl>
-                                          <p:spTgt spid="3">
-                                            <p:txEl>
-                                              <p:pRg st="6" end="6"/>
-                                            </p:txEl>
-                                          </p:spTgt>
-                                        </p:tgtEl>
-                                        <p:attrNameLst>
-                                          <p:attrName>style.visibility</p:attrName>
-                                        </p:attrNameLst>
-                                      </p:cBhvr>
-                                      <p:to>
-                                        <p:strVal val="visible"/>
-                                      </p:to>
-                                    </p:set>
-                                  </p:childTnLst>
-                                </p:cTn>
-                              </p:par>
-                            </p:childTnLst>
-                          </p:cTn>
-                        </p:par>
-                      </p:childTnLst>
-                    </p:cTn>
-                  </p:par>
-                  <p:par>
-                    <p:cTn id="27" fill="hold">
-                      <p:stCondLst>
-                        <p:cond delay="indefinite"/>
-                      </p:stCondLst>
-                      <p:childTnLst>
-                        <p:par>
-                          <p:cTn id="28" fill="hold">
-                            <p:stCondLst>
-                              <p:cond delay="0"/>
-                            </p:stCondLst>
-                            <p:childTnLst>
-                              <p:par>
-                                <p:cTn id="29" presetID="1" presetClass="entr" presetSubtype="0" fill="hold" nodeType="clickEffect">
-                                  <p:stCondLst>
-                                    <p:cond delay="0"/>
-                                  </p:stCondLst>
-                                  <p:childTnLst>
-                                    <p:set>
-                                      <p:cBhvr>
-                                        <p:cTn id="30" dur="1" fill="hold">
-                                          <p:stCondLst>
-                                            <p:cond delay="0"/>
-                                          </p:stCondLst>
-                                        </p:cTn>
-                                        <p:tgtEl>
-                                          <p:spTgt spid="3">
-                                            <p:txEl>
-                                              <p:pRg st="8" end="8"/>
-                                            </p:txEl>
-                                          </p:spTgt>
-                                        </p:tgtEl>
-                                        <p:attrNameLst>
-                                          <p:attrName>style.visibility</p:attrName>
-                                        </p:attrNameLst>
-                                      </p:cBhvr>
-                                      <p:to>
-                                        <p:strVal val="visible"/>
-                                      </p:to>
-                                    </p:set>
-                                  </p:childTnLst>
-                                </p:cTn>
-                              </p:par>
-                            </p:childTnLst>
-                          </p:cTn>
-                        </p:par>
-                      </p:childTnLst>
-                    </p:cTn>
-                  </p:par>
-                </p:childTnLst>
-              </p:cTn>
-              <p:prevCondLst>
-                <p:cond evt="onPrev" delay="0">
-                  <p:tgtEl>
-                    <p:sldTgt/>
-                  </p:tgtEl>
-                </p:cond>
-              </p:prevCondLst>
-              <p:nextCondLst>
-                <p:cond evt="onNext" delay="0">
-                  <p:tgtEl>
-                    <p:sldTgt/>
-                  </p:tgtEl>
-                </p:cond>
-              </p:nextCondLst>
-            </p:seq>
-          </p:childTnLst>
-        </p:cTn>
-      </p:par>
-    </p:tnLst>
-  </p:timing>
 </p:sld>
 </file>
 
@@ -6178,7 +6975,7 @@
         </p:blipFill>
         <p:spPr>
           <a:xfrm>
-            <a:off x="5655861" y="1764668"/>
+            <a:off x="5868925" y="1764668"/>
             <a:ext cx="4200525" cy="2371725"/>
           </a:xfrm>
           <a:prstGeom prst="rect">
@@ -6226,134 +7023,855 @@
   <p:clrMapOvr>
     <a:masterClrMapping/>
   </p:clrMapOvr>
-  <p:timing>
-    <p:tnLst>
-      <p:par>
-        <p:cTn id="1" dur="indefinite" restart="never" nodeType="tmRoot">
-          <p:childTnLst>
-            <p:seq concurrent="1" nextAc="seek">
-              <p:cTn id="2" dur="indefinite" nodeType="mainSeq">
-                <p:childTnLst>
-                  <p:par>
-                    <p:cTn id="3" fill="hold">
-                      <p:stCondLst>
-                        <p:cond delay="indefinite"/>
-                      </p:stCondLst>
-                      <p:childTnLst>
-                        <p:par>
-                          <p:cTn id="4" fill="hold">
-                            <p:stCondLst>
-                              <p:cond delay="0"/>
-                            </p:stCondLst>
-                            <p:childTnLst>
-                              <p:par>
-                                <p:cTn id="5" presetID="1" presetClass="entr" presetSubtype="0" fill="hold" nodeType="clickEffect">
-                                  <p:stCondLst>
-                                    <p:cond delay="0"/>
-                                  </p:stCondLst>
-                                  <p:childTnLst>
-                                    <p:set>
-                                      <p:cBhvr>
-                                        <p:cTn id="6" dur="1" fill="hold">
-                                          <p:stCondLst>
-                                            <p:cond delay="0"/>
-                                          </p:stCondLst>
-                                        </p:cTn>
-                                        <p:tgtEl>
-                                          <p:spTgt spid="3">
-                                            <p:txEl>
-                                              <p:pRg st="0" end="0"/>
-                                            </p:txEl>
-                                          </p:spTgt>
-                                        </p:tgtEl>
-                                        <p:attrNameLst>
-                                          <p:attrName>style.visibility</p:attrName>
-                                        </p:attrNameLst>
-                                      </p:cBhvr>
-                                      <p:to>
-                                        <p:strVal val="visible"/>
-                                      </p:to>
-                                    </p:set>
-                                  </p:childTnLst>
-                                </p:cTn>
-                              </p:par>
-                            </p:childTnLst>
-                          </p:cTn>
-                        </p:par>
-                      </p:childTnLst>
-                    </p:cTn>
-                  </p:par>
-                  <p:par>
-                    <p:cTn id="7" fill="hold">
-                      <p:stCondLst>
-                        <p:cond delay="indefinite"/>
-                      </p:stCondLst>
-                      <p:childTnLst>
-                        <p:par>
-                          <p:cTn id="8" fill="hold">
-                            <p:stCondLst>
-                              <p:cond delay="0"/>
-                            </p:stCondLst>
-                            <p:childTnLst>
-                              <p:par>
-                                <p:cTn id="9" presetID="1" presetClass="entr" presetSubtype="0" fill="hold" nodeType="clickEffect">
-                                  <p:stCondLst>
-                                    <p:cond delay="0"/>
-                                  </p:stCondLst>
-                                  <p:childTnLst>
-                                    <p:set>
-                                      <p:cBhvr>
-                                        <p:cTn id="10" dur="1" fill="hold">
-                                          <p:stCondLst>
-                                            <p:cond delay="0"/>
-                                          </p:stCondLst>
-                                        </p:cTn>
-                                        <p:tgtEl>
-                                          <p:spTgt spid="3">
-                                            <p:txEl>
-                                              <p:pRg st="8" end="8"/>
-                                            </p:txEl>
-                                          </p:spTgt>
-                                        </p:tgtEl>
-                                        <p:attrNameLst>
-                                          <p:attrName>style.visibility</p:attrName>
-                                        </p:attrNameLst>
-                                      </p:cBhvr>
-                                      <p:to>
-                                        <p:strVal val="visible"/>
-                                      </p:to>
-                                    </p:set>
-                                  </p:childTnLst>
-                                </p:cTn>
-                              </p:par>
-                            </p:childTnLst>
-                          </p:cTn>
-                        </p:par>
-                      </p:childTnLst>
-                    </p:cTn>
-                  </p:par>
-                </p:childTnLst>
-              </p:cTn>
-              <p:prevCondLst>
-                <p:cond evt="onPrev" delay="0">
-                  <p:tgtEl>
-                    <p:sldTgt/>
-                  </p:tgtEl>
-                </p:cond>
-              </p:prevCondLst>
-              <p:nextCondLst>
-                <p:cond evt="onNext" delay="0">
-                  <p:tgtEl>
-                    <p:sldTgt/>
-                  </p:tgtEl>
-                </p:cond>
-              </p:nextCondLst>
-            </p:seq>
-          </p:childTnLst>
-        </p:cTn>
-      </p:par>
-    </p:tnLst>
-  </p:timing>
+</p:sld>
+</file>
+
+<file path=ppt/slides/slide7.xml><?xml version="1.0" encoding="utf-8"?>
+<p:sld xmlns:a="http://schemas.openxmlformats.org/drawingml/2006/main" xmlns:r="http://schemas.openxmlformats.org/officeDocument/2006/relationships" xmlns:p="http://schemas.openxmlformats.org/presentationml/2006/main">
+  <p:cSld>
+    <p:spTree>
+      <p:nvGrpSpPr>
+        <p:cNvPr id="1" name=""/>
+        <p:cNvGrpSpPr/>
+        <p:nvPr/>
+      </p:nvGrpSpPr>
+      <p:grpSpPr>
+        <a:xfrm>
+          <a:off x="0" y="0"/>
+          <a:ext cx="0" cy="0"/>
+          <a:chOff x="0" y="0"/>
+          <a:chExt cx="0" cy="0"/>
+        </a:xfrm>
+      </p:grpSpPr>
+      <p:sp>
+        <p:nvSpPr>
+          <p:cNvPr id="2" name="标题 1">
+            <a:extLst>
+              <a:ext uri="{FF2B5EF4-FFF2-40B4-BE49-F238E27FC236}">
+                <a16:creationId xmlns:a16="http://schemas.microsoft.com/office/drawing/2014/main" id="{CE2AF79E-E135-4CC8-A9E4-9B0E409EFD31}"/>
+              </a:ext>
+            </a:extLst>
+          </p:cNvPr>
+          <p:cNvSpPr>
+            <a:spLocks noGrp="1"/>
+          </p:cNvSpPr>
+          <p:nvPr>
+            <p:ph type="title"/>
+          </p:nvPr>
+        </p:nvSpPr>
+        <p:spPr>
+          <a:xfrm>
+            <a:off x="838200" y="328475"/>
+            <a:ext cx="10515600" cy="577048"/>
+          </a:xfrm>
+        </p:spPr>
+        <p:txBody>
+          <a:bodyPr>
+            <a:normAutofit fontScale="90000"/>
+          </a:bodyPr>
+          <a:lstStyle/>
+          <a:p>
+            <a:br>
+              <a:rPr lang="en-US" altLang="zh-CN" sz="3600" dirty="0"/>
+            </a:br>
+            <a:r>
+              <a:rPr lang="zh-CN" altLang="en-US" sz="3600" dirty="0"/>
+              <a:t>函数</a:t>
+            </a:r>
+            <a:br>
+              <a:rPr lang="en-US" altLang="zh-CN" sz="3600" dirty="0"/>
+            </a:br>
+            <a:endParaRPr lang="zh-CN" altLang="en-US" sz="3600" dirty="0"/>
+          </a:p>
+        </p:txBody>
+      </p:sp>
+      <p:sp>
+        <p:nvSpPr>
+          <p:cNvPr id="3" name="内容占位符 2">
+            <a:extLst>
+              <a:ext uri="{FF2B5EF4-FFF2-40B4-BE49-F238E27FC236}">
+                <a16:creationId xmlns:a16="http://schemas.microsoft.com/office/drawing/2014/main" id="{8A9A9357-CBDA-4879-9759-7D2BDA22296E}"/>
+              </a:ext>
+            </a:extLst>
+          </p:cNvPr>
+          <p:cNvSpPr>
+            <a:spLocks noGrp="1"/>
+          </p:cNvSpPr>
+          <p:nvPr>
+            <p:ph idx="1"/>
+          </p:nvPr>
+        </p:nvSpPr>
+        <p:spPr>
+          <a:xfrm>
+            <a:off x="838200" y="1047564"/>
+            <a:ext cx="10515600" cy="5538765"/>
+          </a:xfrm>
+        </p:spPr>
+        <p:txBody>
+          <a:bodyPr>
+            <a:normAutofit/>
+          </a:bodyPr>
+          <a:lstStyle/>
+          <a:p>
+            <a:pPr marL="0" indent="0">
+              <a:buNone/>
+            </a:pPr>
+            <a:r>
+              <a:rPr lang="en-US" altLang="zh-CN" sz="1800" dirty="0"/>
+              <a:t>1</a:t>
+            </a:r>
+            <a:r>
+              <a:rPr lang="zh-CN" altLang="en-US" sz="1800" dirty="0"/>
+              <a:t>、函数可以携带默认参数，这可以避免像</a:t>
+            </a:r>
+            <a:r>
+              <a:rPr lang="en-US" altLang="zh-CN" sz="1800" dirty="0"/>
+              <a:t>java</a:t>
+            </a:r>
+            <a:r>
+              <a:rPr lang="zh-CN" altLang="en-US" sz="1800" dirty="0"/>
+              <a:t>中的方法重载。</a:t>
+            </a:r>
+            <a:endParaRPr lang="en-US" altLang="zh-CN" sz="1800" dirty="0"/>
+          </a:p>
+          <a:p>
+            <a:pPr marL="0" indent="0">
+              <a:buNone/>
+            </a:pPr>
+            <a:endParaRPr lang="en-US" altLang="zh-CN" sz="1800" dirty="0"/>
+          </a:p>
+          <a:p>
+            <a:pPr marL="0" indent="0">
+              <a:buNone/>
+            </a:pPr>
+            <a:endParaRPr lang="en-US" altLang="zh-CN" sz="1800" dirty="0"/>
+          </a:p>
+          <a:p>
+            <a:pPr marL="0" indent="0">
+              <a:buNone/>
+            </a:pPr>
+            <a:endParaRPr lang="en-US" altLang="zh-CN" sz="1800" dirty="0"/>
+          </a:p>
+          <a:p>
+            <a:pPr marL="0" indent="0">
+              <a:buNone/>
+            </a:pPr>
+            <a:endParaRPr lang="en-US" altLang="zh-CN" sz="1800" dirty="0"/>
+          </a:p>
+          <a:p>
+            <a:pPr marL="0" indent="0">
+              <a:buNone/>
+            </a:pPr>
+            <a:endParaRPr lang="en-US" altLang="zh-CN" sz="1800" dirty="0"/>
+          </a:p>
+          <a:p>
+            <a:pPr marL="0" indent="0">
+              <a:buNone/>
+            </a:pPr>
+            <a:endParaRPr lang="en-US" altLang="zh-CN" sz="1800" dirty="0"/>
+          </a:p>
+          <a:p>
+            <a:pPr marL="0" indent="0">
+              <a:buNone/>
+            </a:pPr>
+            <a:r>
+              <a:rPr lang="en-US" altLang="zh-CN" sz="1800" dirty="0"/>
+              <a:t>2</a:t>
+            </a:r>
+            <a:r>
+              <a:rPr lang="zh-CN" altLang="en-US" sz="1800" dirty="0"/>
+              <a:t>、单表达式函数，</a:t>
+            </a:r>
+            <a:r>
+              <a:rPr lang="en-US" altLang="zh-CN" sz="1800" dirty="0" err="1"/>
+              <a:t>kotlin</a:t>
+            </a:r>
+            <a:r>
+              <a:rPr lang="zh-CN" altLang="en-US" sz="1800" dirty="0"/>
+              <a:t>支持直接将表达式作为函数的返回值</a:t>
+            </a:r>
+            <a:endParaRPr lang="en-US" altLang="zh-CN" sz="1800" dirty="0"/>
+          </a:p>
+          <a:p>
+            <a:pPr marL="0" indent="0">
+              <a:buNone/>
+            </a:pPr>
+            <a:endParaRPr lang="en-US" altLang="zh-CN" sz="1800" dirty="0"/>
+          </a:p>
+          <a:p>
+            <a:pPr marL="0" indent="0">
+              <a:buNone/>
+            </a:pPr>
+            <a:endParaRPr lang="en-US" altLang="zh-CN" sz="1800" dirty="0"/>
+          </a:p>
+          <a:p>
+            <a:pPr marL="0" indent="0">
+              <a:buNone/>
+            </a:pPr>
+            <a:endParaRPr lang="en-US" altLang="zh-CN" sz="1800" dirty="0"/>
+          </a:p>
+          <a:p>
+            <a:pPr marL="0" indent="0">
+              <a:buNone/>
+            </a:pPr>
+            <a:endParaRPr lang="en-US" altLang="zh-CN" sz="1800" dirty="0"/>
+          </a:p>
+          <a:p>
+            <a:pPr marL="0" indent="0">
+              <a:buNone/>
+            </a:pPr>
+            <a:endParaRPr lang="en-US" altLang="zh-CN" sz="1800" dirty="0"/>
+          </a:p>
+          <a:p>
+            <a:pPr marL="0" indent="0">
+              <a:buNone/>
+            </a:pPr>
+            <a:r>
+              <a:rPr lang="en-US" altLang="zh-CN" sz="1800" dirty="0"/>
+              <a:t>3</a:t>
+            </a:r>
+            <a:r>
+              <a:rPr lang="zh-CN" altLang="en-US" sz="1800" dirty="0"/>
+              <a:t>、其他还有内联函数，高阶函数，局部函数，扩展函数等。</a:t>
+            </a:r>
+            <a:endParaRPr lang="en-US" altLang="zh-CN" sz="1800" dirty="0"/>
+          </a:p>
+          <a:p>
+            <a:pPr marL="0" indent="0">
+              <a:buNone/>
+            </a:pPr>
+            <a:endParaRPr lang="en-US" altLang="zh-CN" sz="1800" dirty="0"/>
+          </a:p>
+          <a:p>
+            <a:pPr marL="0" indent="0">
+              <a:buNone/>
+            </a:pPr>
+            <a:endParaRPr lang="en-US" altLang="zh-CN" sz="1800" dirty="0"/>
+          </a:p>
+          <a:p>
+            <a:pPr marL="0" indent="0">
+              <a:buNone/>
+            </a:pPr>
+            <a:endParaRPr lang="en-US" altLang="zh-CN" sz="1800" dirty="0"/>
+          </a:p>
+        </p:txBody>
+      </p:sp>
+      <p:pic>
+        <p:nvPicPr>
+          <p:cNvPr id="5" name="图片 4">
+            <a:extLst>
+              <a:ext uri="{FF2B5EF4-FFF2-40B4-BE49-F238E27FC236}">
+                <a16:creationId xmlns:a16="http://schemas.microsoft.com/office/drawing/2014/main" id="{6EF8926C-5761-4585-BCD2-925FEC096907}"/>
+              </a:ext>
+            </a:extLst>
+          </p:cNvPr>
+          <p:cNvPicPr>
+            <a:picLocks noChangeAspect="1"/>
+          </p:cNvPicPr>
+          <p:nvPr/>
+        </p:nvPicPr>
+        <p:blipFill>
+          <a:blip r:embed="rId2"/>
+          <a:stretch>
+            <a:fillRect/>
+          </a:stretch>
+        </p:blipFill>
+        <p:spPr>
+          <a:xfrm>
+            <a:off x="1269516" y="1421514"/>
+            <a:ext cx="6657975" cy="2190750"/>
+          </a:xfrm>
+          <a:prstGeom prst="rect">
+            <a:avLst/>
+          </a:prstGeom>
+        </p:spPr>
+      </p:pic>
+      <p:pic>
+        <p:nvPicPr>
+          <p:cNvPr id="6" name="图片 5">
+            <a:extLst>
+              <a:ext uri="{FF2B5EF4-FFF2-40B4-BE49-F238E27FC236}">
+                <a16:creationId xmlns:a16="http://schemas.microsoft.com/office/drawing/2014/main" id="{0A868589-9BEB-4C74-9488-5426D09841E4}"/>
+              </a:ext>
+            </a:extLst>
+          </p:cNvPr>
+          <p:cNvPicPr>
+            <a:picLocks noChangeAspect="1"/>
+          </p:cNvPicPr>
+          <p:nvPr/>
+        </p:nvPicPr>
+        <p:blipFill>
+          <a:blip r:embed="rId3"/>
+          <a:stretch>
+            <a:fillRect/>
+          </a:stretch>
+        </p:blipFill>
+        <p:spPr>
+          <a:xfrm>
+            <a:off x="1269516" y="4156426"/>
+            <a:ext cx="7219950" cy="1476375"/>
+          </a:xfrm>
+          <a:prstGeom prst="rect">
+            <a:avLst/>
+          </a:prstGeom>
+        </p:spPr>
+      </p:pic>
+    </p:spTree>
+    <p:extLst>
+      <p:ext uri="{BB962C8B-B14F-4D97-AF65-F5344CB8AC3E}">
+        <p14:creationId xmlns:p14="http://schemas.microsoft.com/office/powerpoint/2010/main" val="639361521"/>
+      </p:ext>
+    </p:extLst>
+  </p:cSld>
+  <p:clrMapOvr>
+    <a:masterClrMapping/>
+  </p:clrMapOvr>
+</p:sld>
+</file>
+
+<file path=ppt/slides/slide8.xml><?xml version="1.0" encoding="utf-8"?>
+<p:sld xmlns:a="http://schemas.openxmlformats.org/drawingml/2006/main" xmlns:r="http://schemas.openxmlformats.org/officeDocument/2006/relationships" xmlns:p="http://schemas.openxmlformats.org/presentationml/2006/main">
+  <p:cSld>
+    <p:spTree>
+      <p:nvGrpSpPr>
+        <p:cNvPr id="1" name=""/>
+        <p:cNvGrpSpPr/>
+        <p:nvPr/>
+      </p:nvGrpSpPr>
+      <p:grpSpPr>
+        <a:xfrm>
+          <a:off x="0" y="0"/>
+          <a:ext cx="0" cy="0"/>
+          <a:chOff x="0" y="0"/>
+          <a:chExt cx="0" cy="0"/>
+        </a:xfrm>
+      </p:grpSpPr>
+      <p:sp>
+        <p:nvSpPr>
+          <p:cNvPr id="2" name="标题 1">
+            <a:extLst>
+              <a:ext uri="{FF2B5EF4-FFF2-40B4-BE49-F238E27FC236}">
+                <a16:creationId xmlns:a16="http://schemas.microsoft.com/office/drawing/2014/main" id="{CE2AF79E-E135-4CC8-A9E4-9B0E409EFD31}"/>
+              </a:ext>
+            </a:extLst>
+          </p:cNvPr>
+          <p:cNvSpPr>
+            <a:spLocks noGrp="1"/>
+          </p:cNvSpPr>
+          <p:nvPr>
+            <p:ph type="title"/>
+          </p:nvPr>
+        </p:nvSpPr>
+        <p:spPr>
+          <a:xfrm>
+            <a:off x="838200" y="328475"/>
+            <a:ext cx="10515600" cy="577048"/>
+          </a:xfrm>
+        </p:spPr>
+        <p:txBody>
+          <a:bodyPr>
+            <a:normAutofit fontScale="90000"/>
+          </a:bodyPr>
+          <a:lstStyle/>
+          <a:p>
+            <a:br>
+              <a:rPr lang="en-US" altLang="zh-CN" sz="3600" dirty="0"/>
+            </a:br>
+            <a:r>
+              <a:rPr lang="zh-CN" altLang="en-US" sz="3600" dirty="0"/>
+              <a:t>操作符重载</a:t>
+            </a:r>
+            <a:br>
+              <a:rPr lang="en-US" altLang="zh-CN" sz="3600" dirty="0"/>
+            </a:br>
+            <a:endParaRPr lang="zh-CN" altLang="en-US" sz="3600" dirty="0"/>
+          </a:p>
+        </p:txBody>
+      </p:sp>
+      <p:sp>
+        <p:nvSpPr>
+          <p:cNvPr id="3" name="内容占位符 2">
+            <a:extLst>
+              <a:ext uri="{FF2B5EF4-FFF2-40B4-BE49-F238E27FC236}">
+                <a16:creationId xmlns:a16="http://schemas.microsoft.com/office/drawing/2014/main" id="{8A9A9357-CBDA-4879-9759-7D2BDA22296E}"/>
+              </a:ext>
+            </a:extLst>
+          </p:cNvPr>
+          <p:cNvSpPr>
+            <a:spLocks noGrp="1"/>
+          </p:cNvSpPr>
+          <p:nvPr>
+            <p:ph idx="1"/>
+          </p:nvPr>
+        </p:nvSpPr>
+        <p:spPr>
+          <a:xfrm>
+            <a:off x="838200" y="1047564"/>
+            <a:ext cx="10515600" cy="5538765"/>
+          </a:xfrm>
+        </p:spPr>
+        <p:txBody>
+          <a:bodyPr>
+            <a:normAutofit/>
+          </a:bodyPr>
+          <a:lstStyle/>
+          <a:p>
+            <a:pPr marL="0" indent="0">
+              <a:buNone/>
+            </a:pPr>
+            <a:r>
+              <a:rPr lang="en-US" altLang="zh-CN" sz="1800" dirty="0" err="1"/>
+              <a:t>Kotlin</a:t>
+            </a:r>
+            <a:r>
+              <a:rPr lang="zh-CN" altLang="en-US" sz="1800" dirty="0"/>
+              <a:t>像</a:t>
+            </a:r>
+            <a:r>
+              <a:rPr lang="en-US" altLang="zh-CN" sz="1800" dirty="0"/>
+              <a:t>C++</a:t>
+            </a:r>
+            <a:r>
+              <a:rPr lang="zh-CN" altLang="en-US" sz="1800" dirty="0"/>
+              <a:t>一样支持操作符重载，如</a:t>
+            </a:r>
+            <a:r>
+              <a:rPr lang="en-US" altLang="zh-CN" sz="1800" dirty="0"/>
+              <a:t>++</a:t>
+            </a:r>
+            <a:r>
+              <a:rPr lang="zh-CN" altLang="en-US" sz="1800" dirty="0"/>
+              <a:t>， </a:t>
+            </a:r>
+            <a:r>
+              <a:rPr lang="en-US" altLang="zh-CN" sz="1800" dirty="0"/>
+              <a:t>--</a:t>
+            </a:r>
+            <a:r>
+              <a:rPr lang="zh-CN" altLang="en-US" sz="1800" dirty="0"/>
+              <a:t>， </a:t>
+            </a:r>
+            <a:r>
+              <a:rPr lang="en-US" altLang="zh-CN" sz="1800" dirty="0"/>
+              <a:t>[], &gt;, &lt;</a:t>
+            </a:r>
+            <a:r>
+              <a:rPr lang="zh-CN" altLang="en-US" sz="1800" dirty="0"/>
+              <a:t>等等，与</a:t>
+            </a:r>
+            <a:r>
+              <a:rPr lang="en-US" altLang="zh-CN" sz="1800" dirty="0"/>
+              <a:t>C++</a:t>
+            </a:r>
+            <a:r>
+              <a:rPr lang="zh-CN" altLang="en-US" sz="1800" dirty="0"/>
+              <a:t>不同的是，这些操作符的重载函数对应的是一些因为单词方法。</a:t>
+            </a:r>
+            <a:endParaRPr lang="en-US" altLang="zh-CN" sz="1800" dirty="0"/>
+          </a:p>
+          <a:p>
+            <a:pPr marL="0" indent="0">
+              <a:buNone/>
+            </a:pPr>
+            <a:endParaRPr lang="en-US" altLang="zh-CN" sz="1800" dirty="0"/>
+          </a:p>
+          <a:p>
+            <a:pPr marL="0" indent="0">
+              <a:buNone/>
+            </a:pPr>
+            <a:r>
+              <a:rPr lang="zh-CN" altLang="en-US" sz="1800" dirty="0"/>
+              <a:t>因为使用了</a:t>
+            </a:r>
+            <a:r>
+              <a:rPr lang="en-US" altLang="zh-CN" sz="1800" dirty="0"/>
+              <a:t>[]</a:t>
+            </a:r>
+            <a:r>
+              <a:rPr lang="zh-CN" altLang="en-US" sz="1800" dirty="0"/>
+              <a:t>重载，所以我们可以这样访问</a:t>
+            </a:r>
+            <a:r>
+              <a:rPr lang="en-US" altLang="zh-CN" sz="1800" dirty="0"/>
+              <a:t>String</a:t>
+            </a:r>
+            <a:r>
+              <a:rPr lang="zh-CN" altLang="en-US" sz="1800" dirty="0"/>
+              <a:t>：</a:t>
+            </a:r>
+            <a:endParaRPr lang="en-US" altLang="zh-CN" sz="1800" dirty="0"/>
+          </a:p>
+          <a:p>
+            <a:pPr marL="0" indent="0">
+              <a:buNone/>
+            </a:pPr>
+            <a:endParaRPr lang="en-US" altLang="zh-CN" sz="1800" dirty="0"/>
+          </a:p>
+          <a:p>
+            <a:pPr marL="0" indent="0">
+              <a:buNone/>
+            </a:pPr>
+            <a:endParaRPr lang="en-US" altLang="zh-CN" sz="1800" dirty="0"/>
+          </a:p>
+          <a:p>
+            <a:pPr marL="0" indent="0">
+              <a:buNone/>
+            </a:pPr>
+            <a:r>
+              <a:rPr lang="zh-CN" altLang="en-US" sz="1800" dirty="0"/>
+              <a:t>在给操作符函数指定不同的入参，将可以实现的函数行为。</a:t>
+            </a:r>
+            <a:endParaRPr lang="en-US" altLang="zh-CN" sz="1800" dirty="0"/>
+          </a:p>
+        </p:txBody>
+      </p:sp>
+      <p:pic>
+        <p:nvPicPr>
+          <p:cNvPr id="8" name="图片 7">
+            <a:extLst>
+              <a:ext uri="{FF2B5EF4-FFF2-40B4-BE49-F238E27FC236}">
+                <a16:creationId xmlns:a16="http://schemas.microsoft.com/office/drawing/2014/main" id="{9E2B0E3D-D949-4D77-9574-BACAC79E541D}"/>
+              </a:ext>
+            </a:extLst>
+          </p:cNvPr>
+          <p:cNvPicPr>
+            <a:picLocks noChangeAspect="1"/>
+          </p:cNvPicPr>
+          <p:nvPr/>
+        </p:nvPicPr>
+        <p:blipFill>
+          <a:blip r:embed="rId2"/>
+          <a:stretch>
+            <a:fillRect/>
+          </a:stretch>
+        </p:blipFill>
+        <p:spPr>
+          <a:xfrm>
+            <a:off x="957470" y="2543175"/>
+            <a:ext cx="7029450" cy="552450"/>
+          </a:xfrm>
+          <a:prstGeom prst="rect">
+            <a:avLst/>
+          </a:prstGeom>
+        </p:spPr>
+      </p:pic>
+      <p:pic>
+        <p:nvPicPr>
+          <p:cNvPr id="9" name="图片 8">
+            <a:extLst>
+              <a:ext uri="{FF2B5EF4-FFF2-40B4-BE49-F238E27FC236}">
+                <a16:creationId xmlns:a16="http://schemas.microsoft.com/office/drawing/2014/main" id="{16395C8A-2695-44C9-9080-2F0CC4551247}"/>
+              </a:ext>
+            </a:extLst>
+          </p:cNvPr>
+          <p:cNvPicPr>
+            <a:picLocks noChangeAspect="1"/>
+          </p:cNvPicPr>
+          <p:nvPr/>
+        </p:nvPicPr>
+        <p:blipFill>
+          <a:blip r:embed="rId3"/>
+          <a:stretch>
+            <a:fillRect/>
+          </a:stretch>
+        </p:blipFill>
+        <p:spPr>
+          <a:xfrm>
+            <a:off x="957470" y="3614529"/>
+            <a:ext cx="7181850" cy="2971800"/>
+          </a:xfrm>
+          <a:prstGeom prst="rect">
+            <a:avLst/>
+          </a:prstGeom>
+        </p:spPr>
+      </p:pic>
+    </p:spTree>
+    <p:extLst>
+      <p:ext uri="{BB962C8B-B14F-4D97-AF65-F5344CB8AC3E}">
+        <p14:creationId xmlns:p14="http://schemas.microsoft.com/office/powerpoint/2010/main" val="2302070086"/>
+      </p:ext>
+    </p:extLst>
+  </p:cSld>
+  <p:clrMapOvr>
+    <a:masterClrMapping/>
+  </p:clrMapOvr>
+</p:sld>
+</file>
+
+<file path=ppt/slides/slide9.xml><?xml version="1.0" encoding="utf-8"?>
+<p:sld xmlns:a="http://schemas.openxmlformats.org/drawingml/2006/main" xmlns:r="http://schemas.openxmlformats.org/officeDocument/2006/relationships" xmlns:p="http://schemas.openxmlformats.org/presentationml/2006/main">
+  <p:cSld>
+    <p:spTree>
+      <p:nvGrpSpPr>
+        <p:cNvPr id="1" name=""/>
+        <p:cNvGrpSpPr/>
+        <p:nvPr/>
+      </p:nvGrpSpPr>
+      <p:grpSpPr>
+        <a:xfrm>
+          <a:off x="0" y="0"/>
+          <a:ext cx="0" cy="0"/>
+          <a:chOff x="0" y="0"/>
+          <a:chExt cx="0" cy="0"/>
+        </a:xfrm>
+      </p:grpSpPr>
+      <p:sp>
+        <p:nvSpPr>
+          <p:cNvPr id="2" name="标题 1">
+            <a:extLst>
+              <a:ext uri="{FF2B5EF4-FFF2-40B4-BE49-F238E27FC236}">
+                <a16:creationId xmlns:a16="http://schemas.microsoft.com/office/drawing/2014/main" id="{CE2AF79E-E135-4CC8-A9E4-9B0E409EFD31}"/>
+              </a:ext>
+            </a:extLst>
+          </p:cNvPr>
+          <p:cNvSpPr>
+            <a:spLocks noGrp="1"/>
+          </p:cNvSpPr>
+          <p:nvPr>
+            <p:ph type="title"/>
+          </p:nvPr>
+        </p:nvSpPr>
+        <p:spPr>
+          <a:xfrm>
+            <a:off x="838200" y="328475"/>
+            <a:ext cx="10515600" cy="577048"/>
+          </a:xfrm>
+        </p:spPr>
+        <p:txBody>
+          <a:bodyPr>
+            <a:normAutofit fontScale="90000"/>
+          </a:bodyPr>
+          <a:lstStyle/>
+          <a:p>
+            <a:r>
+              <a:rPr lang="zh-CN" altLang="en-US" sz="3600" dirty="0"/>
+              <a:t>扩展</a:t>
+            </a:r>
+            <a:r>
+              <a:rPr lang="en-US" altLang="zh-CN" sz="3600" dirty="0"/>
+              <a:t>(</a:t>
+            </a:r>
+            <a:r>
+              <a:rPr lang="zh-CN" altLang="en-US" sz="3600" dirty="0"/>
+              <a:t>方法，属性</a:t>
+            </a:r>
+            <a:r>
+              <a:rPr lang="en-US" altLang="zh-CN" sz="3600" dirty="0"/>
+              <a:t>)</a:t>
+            </a:r>
+            <a:endParaRPr lang="zh-CN" altLang="en-US" sz="3600" dirty="0"/>
+          </a:p>
+        </p:txBody>
+      </p:sp>
+      <p:sp>
+        <p:nvSpPr>
+          <p:cNvPr id="3" name="内容占位符 2">
+            <a:extLst>
+              <a:ext uri="{FF2B5EF4-FFF2-40B4-BE49-F238E27FC236}">
+                <a16:creationId xmlns:a16="http://schemas.microsoft.com/office/drawing/2014/main" id="{8A9A9357-CBDA-4879-9759-7D2BDA22296E}"/>
+              </a:ext>
+            </a:extLst>
+          </p:cNvPr>
+          <p:cNvSpPr>
+            <a:spLocks noGrp="1"/>
+          </p:cNvSpPr>
+          <p:nvPr>
+            <p:ph idx="1"/>
+          </p:nvPr>
+        </p:nvSpPr>
+        <p:spPr>
+          <a:xfrm>
+            <a:off x="838200" y="1047564"/>
+            <a:ext cx="10515600" cy="5734976"/>
+          </a:xfrm>
+        </p:spPr>
+        <p:txBody>
+          <a:bodyPr>
+            <a:normAutofit/>
+          </a:bodyPr>
+          <a:lstStyle/>
+          <a:p>
+            <a:pPr marL="0" indent="0">
+              <a:buNone/>
+            </a:pPr>
+            <a:r>
+              <a:rPr lang="zh-CN" altLang="en-US" sz="2000" dirty="0"/>
+              <a:t>能够扩展一个类的新功能而无需继承该类或使用像装饰者这样的任何类型的设计模式。</a:t>
+            </a:r>
+            <a:r>
+              <a:rPr lang="en-US" altLang="zh-CN" sz="2000" dirty="0" err="1"/>
+              <a:t>Kotlin</a:t>
+            </a:r>
+            <a:r>
+              <a:rPr lang="en-US" altLang="zh-CN" sz="2000" dirty="0"/>
+              <a:t> </a:t>
+            </a:r>
+            <a:r>
+              <a:rPr lang="zh-CN" altLang="en-US" sz="2000" dirty="0"/>
+              <a:t>支持 扩展函数 和 扩展属性。</a:t>
+            </a:r>
+            <a:endParaRPr lang="en-US" altLang="zh-CN" sz="2000" dirty="0"/>
+          </a:p>
+          <a:p>
+            <a:pPr marL="0" indent="0">
+              <a:buNone/>
+            </a:pPr>
+            <a:r>
+              <a:rPr lang="en-US" altLang="zh-CN" sz="2000" dirty="0"/>
+              <a:t>1.</a:t>
+            </a:r>
+            <a:r>
+              <a:rPr lang="zh-CN" altLang="en-US" sz="2000" dirty="0"/>
+              <a:t>扩展函数</a:t>
+            </a:r>
+            <a:endParaRPr lang="en-US" altLang="zh-CN" sz="2000" dirty="0"/>
+          </a:p>
+          <a:p>
+            <a:pPr marL="0" indent="0">
+              <a:buNone/>
+            </a:pPr>
+            <a:r>
+              <a:rPr lang="zh-CN" altLang="en-US" sz="2000" dirty="0"/>
+              <a:t>在</a:t>
+            </a:r>
+            <a:r>
+              <a:rPr lang="en-US" altLang="zh-CN" sz="2000" dirty="0"/>
+              <a:t>java</a:t>
+            </a:r>
+            <a:r>
+              <a:rPr lang="zh-CN" altLang="en-US" sz="2000" dirty="0"/>
+              <a:t>中我们经常这样定义</a:t>
+            </a:r>
+            <a:r>
+              <a:rPr lang="en-US" altLang="zh-CN" sz="2000" dirty="0"/>
+              <a:t>Toast</a:t>
+            </a:r>
+            <a:r>
+              <a:rPr lang="zh-CN" altLang="en-US" sz="2000" dirty="0"/>
+              <a:t>工具类：</a:t>
+            </a:r>
+            <a:endParaRPr lang="en-US" altLang="zh-CN" sz="2000" dirty="0"/>
+          </a:p>
+          <a:p>
+            <a:pPr marL="0" indent="0">
+              <a:buNone/>
+            </a:pPr>
+            <a:endParaRPr lang="en-US" altLang="zh-CN" sz="2000" dirty="0"/>
+          </a:p>
+          <a:p>
+            <a:pPr marL="0" indent="0">
+              <a:buNone/>
+            </a:pPr>
+            <a:endParaRPr lang="en-US" altLang="zh-CN" sz="2000" dirty="0"/>
+          </a:p>
+          <a:p>
+            <a:pPr marL="0" indent="0">
+              <a:buNone/>
+            </a:pPr>
+            <a:endParaRPr lang="en-US" altLang="zh-CN" sz="2000" dirty="0"/>
+          </a:p>
+          <a:p>
+            <a:pPr marL="0" indent="0">
+              <a:buNone/>
+            </a:pPr>
+            <a:endParaRPr lang="en-US" altLang="zh-CN" sz="2000" dirty="0"/>
+          </a:p>
+          <a:p>
+            <a:pPr marL="0" indent="0">
+              <a:buNone/>
+            </a:pPr>
+            <a:r>
+              <a:rPr lang="zh-CN" altLang="en-US" sz="2000" dirty="0"/>
+              <a:t>看</a:t>
+            </a:r>
+            <a:r>
+              <a:rPr lang="en-US" altLang="zh-CN" sz="2000" dirty="0" err="1"/>
+              <a:t>kotlin</a:t>
+            </a:r>
+            <a:r>
+              <a:rPr lang="zh-CN" altLang="en-US" sz="2000" dirty="0"/>
+              <a:t>的简单实现：</a:t>
+            </a:r>
+            <a:endParaRPr lang="en-US" altLang="zh-CN" sz="2000" dirty="0"/>
+          </a:p>
+          <a:p>
+            <a:pPr marL="0" indent="0">
+              <a:buNone/>
+            </a:pPr>
+            <a:endParaRPr lang="en-US" altLang="zh-CN" sz="2000" dirty="0"/>
+          </a:p>
+        </p:txBody>
+      </p:sp>
+      <p:pic>
+        <p:nvPicPr>
+          <p:cNvPr id="4" name="图片 3">
+            <a:extLst>
+              <a:ext uri="{FF2B5EF4-FFF2-40B4-BE49-F238E27FC236}">
+                <a16:creationId xmlns:a16="http://schemas.microsoft.com/office/drawing/2014/main" id="{D685EAA0-9C29-47CE-B1B1-C40A9E6F802C}"/>
+              </a:ext>
+            </a:extLst>
+          </p:cNvPr>
+          <p:cNvPicPr>
+            <a:picLocks noChangeAspect="1"/>
+          </p:cNvPicPr>
+          <p:nvPr/>
+        </p:nvPicPr>
+        <p:blipFill>
+          <a:blip r:embed="rId2"/>
+          <a:stretch>
+            <a:fillRect/>
+          </a:stretch>
+        </p:blipFill>
+        <p:spPr>
+          <a:xfrm>
+            <a:off x="949449" y="2442699"/>
+            <a:ext cx="6457950" cy="1724025"/>
+          </a:xfrm>
+          <a:prstGeom prst="rect">
+            <a:avLst/>
+          </a:prstGeom>
+        </p:spPr>
+      </p:pic>
+      <p:pic>
+        <p:nvPicPr>
+          <p:cNvPr id="5" name="图片 4">
+            <a:extLst>
+              <a:ext uri="{FF2B5EF4-FFF2-40B4-BE49-F238E27FC236}">
+                <a16:creationId xmlns:a16="http://schemas.microsoft.com/office/drawing/2014/main" id="{23D1CF44-FDFC-4015-BE27-1A33B7D51C1D}"/>
+              </a:ext>
+            </a:extLst>
+          </p:cNvPr>
+          <p:cNvPicPr>
+            <a:picLocks noChangeAspect="1"/>
+          </p:cNvPicPr>
+          <p:nvPr/>
+        </p:nvPicPr>
+        <p:blipFill>
+          <a:blip r:embed="rId3"/>
+          <a:stretch>
+            <a:fillRect/>
+          </a:stretch>
+        </p:blipFill>
+        <p:spPr>
+          <a:xfrm>
+            <a:off x="940387" y="4454741"/>
+            <a:ext cx="6315075" cy="2247900"/>
+          </a:xfrm>
+          <a:prstGeom prst="rect">
+            <a:avLst/>
+          </a:prstGeom>
+        </p:spPr>
+      </p:pic>
+    </p:spTree>
+    <p:extLst>
+      <p:ext uri="{BB962C8B-B14F-4D97-AF65-F5344CB8AC3E}">
+        <p14:creationId xmlns:p14="http://schemas.microsoft.com/office/powerpoint/2010/main" val="110948512"/>
+      </p:ext>
+    </p:extLst>
+  </p:cSld>
+  <p:clrMapOvr>
+    <a:masterClrMapping/>
+  </p:clrMapOvr>
 </p:sld>
 </file>
 

--- a/docs/初探kotlin.pptx
+++ b/docs/初探kotlin.pptx
@@ -18,6 +18,10 @@
     <p:sldId id="267" r:id="rId12"/>
     <p:sldId id="268" r:id="rId13"/>
     <p:sldId id="269" r:id="rId14"/>
+    <p:sldId id="270" r:id="rId15"/>
+    <p:sldId id="271" r:id="rId16"/>
+    <p:sldId id="272" r:id="rId17"/>
+    <p:sldId id="273" r:id="rId18"/>
   </p:sldIdLst>
   <p:sldSz cx="12192000" cy="6858000"/>
   <p:notesSz cx="6858000" cy="9144000"/>
@@ -275,7 +279,7 @@
           <a:p>
             <a:fld id="{AFB6B5B2-4C17-47BC-B4FC-EB545BEC8073}" type="datetimeFigureOut">
               <a:rPr lang="zh-CN" altLang="en-US" smtClean="0"/>
-              <a:t>2017/9/22</a:t>
+              <a:t>2017/9/24</a:t>
             </a:fld>
             <a:endParaRPr lang="zh-CN" altLang="en-US"/>
           </a:p>
@@ -473,7 +477,7 @@
           <a:p>
             <a:fld id="{AFB6B5B2-4C17-47BC-B4FC-EB545BEC8073}" type="datetimeFigureOut">
               <a:rPr lang="zh-CN" altLang="en-US" smtClean="0"/>
-              <a:t>2017/9/22</a:t>
+              <a:t>2017/9/24</a:t>
             </a:fld>
             <a:endParaRPr lang="zh-CN" altLang="en-US"/>
           </a:p>
@@ -681,7 +685,7 @@
           <a:p>
             <a:fld id="{AFB6B5B2-4C17-47BC-B4FC-EB545BEC8073}" type="datetimeFigureOut">
               <a:rPr lang="zh-CN" altLang="en-US" smtClean="0"/>
-              <a:t>2017/9/22</a:t>
+              <a:t>2017/9/24</a:t>
             </a:fld>
             <a:endParaRPr lang="zh-CN" altLang="en-US"/>
           </a:p>
@@ -879,7 +883,7 @@
           <a:p>
             <a:fld id="{AFB6B5B2-4C17-47BC-B4FC-EB545BEC8073}" type="datetimeFigureOut">
               <a:rPr lang="zh-CN" altLang="en-US" smtClean="0"/>
-              <a:t>2017/9/22</a:t>
+              <a:t>2017/9/24</a:t>
             </a:fld>
             <a:endParaRPr lang="zh-CN" altLang="en-US"/>
           </a:p>
@@ -1154,7 +1158,7 @@
           <a:p>
             <a:fld id="{AFB6B5B2-4C17-47BC-B4FC-EB545BEC8073}" type="datetimeFigureOut">
               <a:rPr lang="zh-CN" altLang="en-US" smtClean="0"/>
-              <a:t>2017/9/22</a:t>
+              <a:t>2017/9/24</a:t>
             </a:fld>
             <a:endParaRPr lang="zh-CN" altLang="en-US"/>
           </a:p>
@@ -1419,7 +1423,7 @@
           <a:p>
             <a:fld id="{AFB6B5B2-4C17-47BC-B4FC-EB545BEC8073}" type="datetimeFigureOut">
               <a:rPr lang="zh-CN" altLang="en-US" smtClean="0"/>
-              <a:t>2017/9/22</a:t>
+              <a:t>2017/9/24</a:t>
             </a:fld>
             <a:endParaRPr lang="zh-CN" altLang="en-US"/>
           </a:p>
@@ -1831,7 +1835,7 @@
           <a:p>
             <a:fld id="{AFB6B5B2-4C17-47BC-B4FC-EB545BEC8073}" type="datetimeFigureOut">
               <a:rPr lang="zh-CN" altLang="en-US" smtClean="0"/>
-              <a:t>2017/9/22</a:t>
+              <a:t>2017/9/24</a:t>
             </a:fld>
             <a:endParaRPr lang="zh-CN" altLang="en-US"/>
           </a:p>
@@ -1972,7 +1976,7 @@
           <a:p>
             <a:fld id="{AFB6B5B2-4C17-47BC-B4FC-EB545BEC8073}" type="datetimeFigureOut">
               <a:rPr lang="zh-CN" altLang="en-US" smtClean="0"/>
-              <a:t>2017/9/22</a:t>
+              <a:t>2017/9/24</a:t>
             </a:fld>
             <a:endParaRPr lang="zh-CN" altLang="en-US"/>
           </a:p>
@@ -2085,7 +2089,7 @@
           <a:p>
             <a:fld id="{AFB6B5B2-4C17-47BC-B4FC-EB545BEC8073}" type="datetimeFigureOut">
               <a:rPr lang="zh-CN" altLang="en-US" smtClean="0"/>
-              <a:t>2017/9/22</a:t>
+              <a:t>2017/9/24</a:t>
             </a:fld>
             <a:endParaRPr lang="zh-CN" altLang="en-US"/>
           </a:p>
@@ -2396,7 +2400,7 @@
           <a:p>
             <a:fld id="{AFB6B5B2-4C17-47BC-B4FC-EB545BEC8073}" type="datetimeFigureOut">
               <a:rPr lang="zh-CN" altLang="en-US" smtClean="0"/>
-              <a:t>2017/9/22</a:t>
+              <a:t>2017/9/24</a:t>
             </a:fld>
             <a:endParaRPr lang="zh-CN" altLang="en-US"/>
           </a:p>
@@ -2684,7 +2688,7 @@
           <a:p>
             <a:fld id="{AFB6B5B2-4C17-47BC-B4FC-EB545BEC8073}" type="datetimeFigureOut">
               <a:rPr lang="zh-CN" altLang="en-US" smtClean="0"/>
-              <a:t>2017/9/22</a:t>
+              <a:t>2017/9/24</a:t>
             </a:fld>
             <a:endParaRPr lang="zh-CN" altLang="en-US"/>
           </a:p>
@@ -2925,7 +2929,7 @@
           <a:p>
             <a:fld id="{AFB6B5B2-4C17-47BC-B4FC-EB545BEC8073}" type="datetimeFigureOut">
               <a:rPr lang="zh-CN" altLang="en-US" smtClean="0"/>
-              <a:t>2017/9/22</a:t>
+              <a:t>2017/9/24</a:t>
             </a:fld>
             <a:endParaRPr lang="zh-CN" altLang="en-US"/>
           </a:p>
@@ -4577,6 +4581,1210 @@
 </p:sld>
 </file>
 
+<file path=ppt/slides/slide14.xml><?xml version="1.0" encoding="utf-8"?>
+<p:sld xmlns:a="http://schemas.openxmlformats.org/drawingml/2006/main" xmlns:r="http://schemas.openxmlformats.org/officeDocument/2006/relationships" xmlns:p="http://schemas.openxmlformats.org/presentationml/2006/main">
+  <p:cSld>
+    <p:spTree>
+      <p:nvGrpSpPr>
+        <p:cNvPr id="1" name=""/>
+        <p:cNvGrpSpPr/>
+        <p:nvPr/>
+      </p:nvGrpSpPr>
+      <p:grpSpPr>
+        <a:xfrm>
+          <a:off x="0" y="0"/>
+          <a:ext cx="0" cy="0"/>
+          <a:chOff x="0" y="0"/>
+          <a:chExt cx="0" cy="0"/>
+        </a:xfrm>
+      </p:grpSpPr>
+      <p:sp>
+        <p:nvSpPr>
+          <p:cNvPr id="2" name="标题 1">
+            <a:extLst>
+              <a:ext uri="{FF2B5EF4-FFF2-40B4-BE49-F238E27FC236}">
+                <a16:creationId xmlns:a16="http://schemas.microsoft.com/office/drawing/2014/main" id="{CE2AF79E-E135-4CC8-A9E4-9B0E409EFD31}"/>
+              </a:ext>
+            </a:extLst>
+          </p:cNvPr>
+          <p:cNvSpPr>
+            <a:spLocks noGrp="1"/>
+          </p:cNvSpPr>
+          <p:nvPr>
+            <p:ph type="title"/>
+          </p:nvPr>
+        </p:nvSpPr>
+        <p:spPr>
+          <a:xfrm>
+            <a:off x="838200" y="328475"/>
+            <a:ext cx="10515600" cy="577048"/>
+          </a:xfrm>
+        </p:spPr>
+        <p:txBody>
+          <a:bodyPr>
+            <a:normAutofit fontScale="90000"/>
+          </a:bodyPr>
+          <a:lstStyle/>
+          <a:p>
+            <a:r>
+              <a:rPr lang="zh-CN" altLang="en-US" sz="3600" dirty="0"/>
+              <a:t>函数字面值与高阶函数</a:t>
+            </a:r>
+            <a:endParaRPr lang="en-US" altLang="zh-CN" sz="3600" dirty="0"/>
+          </a:p>
+        </p:txBody>
+      </p:sp>
+      <p:sp>
+        <p:nvSpPr>
+          <p:cNvPr id="3" name="内容占位符 2">
+            <a:extLst>
+              <a:ext uri="{FF2B5EF4-FFF2-40B4-BE49-F238E27FC236}">
+                <a16:creationId xmlns:a16="http://schemas.microsoft.com/office/drawing/2014/main" id="{8A9A9357-CBDA-4879-9759-7D2BDA22296E}"/>
+              </a:ext>
+            </a:extLst>
+          </p:cNvPr>
+          <p:cNvSpPr>
+            <a:spLocks noGrp="1"/>
+          </p:cNvSpPr>
+          <p:nvPr>
+            <p:ph idx="1"/>
+          </p:nvPr>
+        </p:nvSpPr>
+        <p:spPr>
+          <a:xfrm>
+            <a:off x="838200" y="905523"/>
+            <a:ext cx="10515600" cy="5810436"/>
+          </a:xfrm>
+        </p:spPr>
+        <p:txBody>
+          <a:bodyPr>
+            <a:normAutofit/>
+          </a:bodyPr>
+          <a:lstStyle/>
+          <a:p>
+            <a:pPr marL="0" indent="0">
+              <a:buNone/>
+            </a:pPr>
+            <a:r>
+              <a:rPr lang="zh-CN" altLang="en-US" sz="1800" dirty="0"/>
+              <a:t>所谓的函数字面值，其实就是一个函数。</a:t>
+            </a:r>
+            <a:r>
+              <a:rPr lang="en-US" altLang="zh-CN" sz="1800" dirty="0" err="1"/>
+              <a:t>Kotlin</a:t>
+            </a:r>
+            <a:r>
+              <a:rPr lang="zh-CN" altLang="en-US" sz="1800" dirty="0"/>
+              <a:t>中函数字面值分为</a:t>
+            </a:r>
+            <a:r>
+              <a:rPr lang="en-US" altLang="zh-CN" sz="1800" dirty="0"/>
+              <a:t>Lambda</a:t>
+            </a:r>
+            <a:r>
+              <a:rPr lang="zh-CN" altLang="en-US" sz="1800" dirty="0"/>
+              <a:t>表达式和匿名函数。</a:t>
+            </a:r>
+            <a:endParaRPr lang="en-US" altLang="zh-CN" sz="1800" dirty="0"/>
+          </a:p>
+          <a:p>
+            <a:pPr marL="0" indent="0">
+              <a:buNone/>
+            </a:pPr>
+            <a:r>
+              <a:rPr lang="en-US" altLang="zh-CN" sz="1800" dirty="0"/>
+              <a:t>1</a:t>
+            </a:r>
+            <a:r>
+              <a:rPr lang="zh-CN" altLang="en-US" sz="1800" dirty="0"/>
+              <a:t>、</a:t>
+            </a:r>
+            <a:r>
+              <a:rPr lang="en-US" altLang="zh-CN" sz="1800" dirty="0"/>
+              <a:t>Lambda</a:t>
+            </a:r>
+            <a:r>
+              <a:rPr lang="zh-CN" altLang="en-US" sz="1800" dirty="0"/>
+              <a:t>表达式</a:t>
+            </a:r>
+            <a:endParaRPr lang="en-US" altLang="zh-CN" sz="1800" dirty="0"/>
+          </a:p>
+          <a:p>
+            <a:pPr marL="0" indent="0">
+              <a:buNone/>
+            </a:pPr>
+            <a:r>
+              <a:rPr lang="en-US" altLang="zh-CN" sz="1800" dirty="0"/>
+              <a:t>Lambda</a:t>
+            </a:r>
+            <a:r>
+              <a:rPr lang="zh-CN" altLang="en-US" sz="1800" dirty="0"/>
+              <a:t>表达式本质上就是一个只有函数内容没有函数外在结构的函数表达式。</a:t>
+            </a:r>
+            <a:endParaRPr lang="en-US" altLang="zh-CN" sz="1800" dirty="0"/>
+          </a:p>
+          <a:p>
+            <a:pPr marL="0" indent="0">
+              <a:buNone/>
+            </a:pPr>
+            <a:r>
+              <a:rPr lang="zh-CN" altLang="en-US" sz="1800" dirty="0"/>
+              <a:t>先来看一个使用</a:t>
+            </a:r>
+            <a:r>
+              <a:rPr lang="en-US" altLang="zh-CN" sz="1800" dirty="0"/>
+              <a:t>lambda</a:t>
+            </a:r>
+            <a:r>
+              <a:rPr lang="zh-CN" altLang="en-US" sz="1800" dirty="0"/>
+              <a:t>表达式和不使用的例子。</a:t>
+            </a:r>
+            <a:endParaRPr lang="en-US" altLang="zh-CN" sz="1800" dirty="0"/>
+          </a:p>
+          <a:p>
+            <a:pPr marL="0" indent="0">
+              <a:buNone/>
+            </a:pPr>
+            <a:endParaRPr lang="en-US" altLang="zh-CN" sz="1800" dirty="0"/>
+          </a:p>
+          <a:p>
+            <a:pPr marL="0" indent="0">
+              <a:buNone/>
+            </a:pPr>
+            <a:endParaRPr lang="en-US" altLang="zh-CN" sz="1800" dirty="0"/>
+          </a:p>
+          <a:p>
+            <a:pPr marL="0" indent="0">
+              <a:buNone/>
+            </a:pPr>
+            <a:endParaRPr lang="en-US" altLang="zh-CN" sz="1800" dirty="0"/>
+          </a:p>
+          <a:p>
+            <a:pPr marL="0" indent="0">
+              <a:buNone/>
+            </a:pPr>
+            <a:endParaRPr lang="en-US" altLang="zh-CN" sz="1800" dirty="0"/>
+          </a:p>
+          <a:p>
+            <a:pPr marL="0" indent="0">
+              <a:buNone/>
+            </a:pPr>
+            <a:endParaRPr lang="en-US" altLang="zh-CN" sz="1800" dirty="0"/>
+          </a:p>
+          <a:p>
+            <a:pPr marL="0" indent="0">
+              <a:buNone/>
+            </a:pPr>
+            <a:endParaRPr lang="en-US" altLang="zh-CN" sz="1800" dirty="0"/>
+          </a:p>
+          <a:p>
+            <a:pPr marL="0" indent="0">
+              <a:buNone/>
+            </a:pPr>
+            <a:r>
+              <a:rPr lang="en-US" altLang="zh-CN" sz="1800" dirty="0"/>
+              <a:t>Lambda</a:t>
+            </a:r>
+            <a:r>
+              <a:rPr lang="zh-CN" altLang="en-US" sz="1800" dirty="0"/>
+              <a:t>的基本语法结构</a:t>
+            </a:r>
+            <a:endParaRPr lang="en-US" altLang="zh-CN" sz="1800" dirty="0"/>
+          </a:p>
+        </p:txBody>
+      </p:sp>
+      <p:pic>
+        <p:nvPicPr>
+          <p:cNvPr id="4" name="图片 3">
+            <a:extLst>
+              <a:ext uri="{FF2B5EF4-FFF2-40B4-BE49-F238E27FC236}">
+                <a16:creationId xmlns:a16="http://schemas.microsoft.com/office/drawing/2014/main" id="{CC5F92A2-5AB5-489C-9270-01BC9A2D32E3}"/>
+              </a:ext>
+            </a:extLst>
+          </p:cNvPr>
+          <p:cNvPicPr>
+            <a:picLocks noChangeAspect="1"/>
+          </p:cNvPicPr>
+          <p:nvPr/>
+        </p:nvPicPr>
+        <p:blipFill>
+          <a:blip r:embed="rId2"/>
+          <a:stretch>
+            <a:fillRect/>
+          </a:stretch>
+        </p:blipFill>
+        <p:spPr>
+          <a:xfrm>
+            <a:off x="934411" y="2336552"/>
+            <a:ext cx="6229350" cy="2352675"/>
+          </a:xfrm>
+          <a:prstGeom prst="rect">
+            <a:avLst/>
+          </a:prstGeom>
+        </p:spPr>
+      </p:pic>
+      <p:pic>
+        <p:nvPicPr>
+          <p:cNvPr id="8" name="图片 7">
+            <a:extLst>
+              <a:ext uri="{FF2B5EF4-FFF2-40B4-BE49-F238E27FC236}">
+                <a16:creationId xmlns:a16="http://schemas.microsoft.com/office/drawing/2014/main" id="{2F5D5D89-614B-4BDB-89F2-5E2F17E20868}"/>
+              </a:ext>
+            </a:extLst>
+          </p:cNvPr>
+          <p:cNvPicPr>
+            <a:picLocks noChangeAspect="1"/>
+          </p:cNvPicPr>
+          <p:nvPr/>
+        </p:nvPicPr>
+        <p:blipFill>
+          <a:blip r:embed="rId3"/>
+          <a:stretch>
+            <a:fillRect/>
+          </a:stretch>
+        </p:blipFill>
+        <p:spPr>
+          <a:xfrm>
+            <a:off x="934411" y="5567586"/>
+            <a:ext cx="4962525" cy="1047750"/>
+          </a:xfrm>
+          <a:prstGeom prst="rect">
+            <a:avLst/>
+          </a:prstGeom>
+        </p:spPr>
+      </p:pic>
+      <p:pic>
+        <p:nvPicPr>
+          <p:cNvPr id="9" name="图片 8">
+            <a:extLst>
+              <a:ext uri="{FF2B5EF4-FFF2-40B4-BE49-F238E27FC236}">
+                <a16:creationId xmlns:a16="http://schemas.microsoft.com/office/drawing/2014/main" id="{E70A4C89-68DE-4648-8C44-768080EAC516}"/>
+              </a:ext>
+            </a:extLst>
+          </p:cNvPr>
+          <p:cNvPicPr>
+            <a:picLocks noChangeAspect="1"/>
+          </p:cNvPicPr>
+          <p:nvPr/>
+        </p:nvPicPr>
+        <p:blipFill>
+          <a:blip r:embed="rId4"/>
+          <a:stretch>
+            <a:fillRect/>
+          </a:stretch>
+        </p:blipFill>
+        <p:spPr>
+          <a:xfrm>
+            <a:off x="934411" y="4994812"/>
+            <a:ext cx="4010025" cy="542925"/>
+          </a:xfrm>
+          <a:prstGeom prst="rect">
+            <a:avLst/>
+          </a:prstGeom>
+        </p:spPr>
+      </p:pic>
+    </p:spTree>
+    <p:extLst>
+      <p:ext uri="{BB962C8B-B14F-4D97-AF65-F5344CB8AC3E}">
+        <p14:creationId xmlns:p14="http://schemas.microsoft.com/office/powerpoint/2010/main" val="2447658348"/>
+      </p:ext>
+    </p:extLst>
+  </p:cSld>
+  <p:clrMapOvr>
+    <a:masterClrMapping/>
+  </p:clrMapOvr>
+</p:sld>
+</file>
+
+<file path=ppt/slides/slide15.xml><?xml version="1.0" encoding="utf-8"?>
+<p:sld xmlns:a="http://schemas.openxmlformats.org/drawingml/2006/main" xmlns:r="http://schemas.openxmlformats.org/officeDocument/2006/relationships" xmlns:p="http://schemas.openxmlformats.org/presentationml/2006/main">
+  <p:cSld>
+    <p:spTree>
+      <p:nvGrpSpPr>
+        <p:cNvPr id="1" name=""/>
+        <p:cNvGrpSpPr/>
+        <p:nvPr/>
+      </p:nvGrpSpPr>
+      <p:grpSpPr>
+        <a:xfrm>
+          <a:off x="0" y="0"/>
+          <a:ext cx="0" cy="0"/>
+          <a:chOff x="0" y="0"/>
+          <a:chExt cx="0" cy="0"/>
+        </a:xfrm>
+      </p:grpSpPr>
+      <p:sp>
+        <p:nvSpPr>
+          <p:cNvPr id="2" name="标题 1">
+            <a:extLst>
+              <a:ext uri="{FF2B5EF4-FFF2-40B4-BE49-F238E27FC236}">
+                <a16:creationId xmlns:a16="http://schemas.microsoft.com/office/drawing/2014/main" id="{CE2AF79E-E135-4CC8-A9E4-9B0E409EFD31}"/>
+              </a:ext>
+            </a:extLst>
+          </p:cNvPr>
+          <p:cNvSpPr>
+            <a:spLocks noGrp="1"/>
+          </p:cNvSpPr>
+          <p:nvPr>
+            <p:ph type="title"/>
+          </p:nvPr>
+        </p:nvSpPr>
+        <p:spPr>
+          <a:xfrm>
+            <a:off x="838200" y="328475"/>
+            <a:ext cx="10515600" cy="577048"/>
+          </a:xfrm>
+        </p:spPr>
+        <p:txBody>
+          <a:bodyPr>
+            <a:normAutofit fontScale="90000"/>
+          </a:bodyPr>
+          <a:lstStyle/>
+          <a:p>
+            <a:r>
+              <a:rPr lang="zh-CN" altLang="en-US" sz="3600" dirty="0"/>
+              <a:t>函数字面值与高阶函数</a:t>
+            </a:r>
+            <a:endParaRPr lang="en-US" altLang="zh-CN" sz="3600" dirty="0"/>
+          </a:p>
+        </p:txBody>
+      </p:sp>
+      <p:sp>
+        <p:nvSpPr>
+          <p:cNvPr id="3" name="内容占位符 2">
+            <a:extLst>
+              <a:ext uri="{FF2B5EF4-FFF2-40B4-BE49-F238E27FC236}">
+                <a16:creationId xmlns:a16="http://schemas.microsoft.com/office/drawing/2014/main" id="{8A9A9357-CBDA-4879-9759-7D2BDA22296E}"/>
+              </a:ext>
+            </a:extLst>
+          </p:cNvPr>
+          <p:cNvSpPr>
+            <a:spLocks noGrp="1"/>
+          </p:cNvSpPr>
+          <p:nvPr>
+            <p:ph idx="1"/>
+          </p:nvPr>
+        </p:nvSpPr>
+        <p:spPr>
+          <a:xfrm>
+            <a:off x="838200" y="905523"/>
+            <a:ext cx="10515600" cy="5810436"/>
+          </a:xfrm>
+        </p:spPr>
+        <p:txBody>
+          <a:bodyPr>
+            <a:normAutofit/>
+          </a:bodyPr>
+          <a:lstStyle/>
+          <a:p>
+            <a:pPr marL="0" indent="0">
+              <a:buNone/>
+            </a:pPr>
+            <a:r>
+              <a:rPr lang="en-US" altLang="zh-CN" sz="1800" dirty="0"/>
+              <a:t>2</a:t>
+            </a:r>
+            <a:r>
+              <a:rPr lang="zh-CN" altLang="en-US" sz="1800" dirty="0"/>
+              <a:t>、匿名函数，看起来非常像一个常规函数声明，除了其名称省略了。</a:t>
+            </a:r>
+            <a:endParaRPr lang="en-US" altLang="zh-CN" sz="1800" dirty="0"/>
+          </a:p>
+          <a:p>
+            <a:pPr marL="0" indent="0">
+              <a:buNone/>
+            </a:pPr>
+            <a:endParaRPr lang="en-US" altLang="zh-CN" sz="1800" dirty="0"/>
+          </a:p>
+          <a:p>
+            <a:pPr marL="0" indent="0">
+              <a:buNone/>
+            </a:pPr>
+            <a:endParaRPr lang="en-US" altLang="zh-CN" sz="1800" dirty="0"/>
+          </a:p>
+          <a:p>
+            <a:pPr marL="0" indent="0">
+              <a:buNone/>
+            </a:pPr>
+            <a:r>
+              <a:rPr lang="zh-CN" altLang="en-US" sz="1800" dirty="0"/>
+              <a:t>为什么需要匿名函数？</a:t>
+            </a:r>
+            <a:endParaRPr lang="en-US" altLang="zh-CN" sz="1800" dirty="0"/>
+          </a:p>
+          <a:p>
+            <a:pPr marL="0" indent="0">
+              <a:buNone/>
+            </a:pPr>
+            <a:r>
+              <a:rPr lang="en-US" altLang="zh-CN" sz="1800" dirty="0"/>
+              <a:t>lambda </a:t>
+            </a:r>
+            <a:r>
+              <a:rPr lang="zh-CN" altLang="en-US" sz="1800" dirty="0"/>
+              <a:t>表达式语法（在使用时）缺少指定函数的返回类型的能力。在大多数情况下，这是不必要的。因为返回类型可以自动推断出来。但是在某些时候我们需要显式指定时，就可以使用匿名函数。</a:t>
+            </a:r>
+            <a:endParaRPr lang="en-US" altLang="zh-CN" sz="1800" dirty="0"/>
+          </a:p>
+          <a:p>
+            <a:pPr marL="0" indent="0">
+              <a:buNone/>
+            </a:pPr>
+            <a:endParaRPr lang="en-US" altLang="zh-CN" sz="1800" dirty="0"/>
+          </a:p>
+          <a:p>
+            <a:pPr marL="0" indent="0">
+              <a:buNone/>
+            </a:pPr>
+            <a:endParaRPr lang="en-US" altLang="zh-CN" sz="1800" dirty="0"/>
+          </a:p>
+          <a:p>
+            <a:pPr marL="0" indent="0">
+              <a:buNone/>
+            </a:pPr>
+            <a:endParaRPr lang="en-US" altLang="zh-CN" sz="1800" dirty="0"/>
+          </a:p>
+          <a:p>
+            <a:pPr marL="0" indent="0">
+              <a:buNone/>
+            </a:pPr>
+            <a:endParaRPr lang="en-US" altLang="zh-CN" sz="1800" dirty="0"/>
+          </a:p>
+          <a:p>
+            <a:pPr marL="0" indent="0">
+              <a:buNone/>
+            </a:pPr>
+            <a:r>
+              <a:rPr lang="en-US" altLang="zh-CN" sz="1800" dirty="0"/>
+              <a:t>3</a:t>
+            </a:r>
+            <a:r>
+              <a:rPr lang="zh-CN" altLang="en-US" sz="1800" dirty="0"/>
+              <a:t>、闭包</a:t>
+            </a:r>
+            <a:endParaRPr lang="en-US" altLang="zh-CN" sz="1800" dirty="0"/>
+          </a:p>
+          <a:p>
+            <a:pPr marL="0" indent="0">
+              <a:buNone/>
+            </a:pPr>
+            <a:endParaRPr lang="en-US" altLang="zh-CN" sz="1800" dirty="0"/>
+          </a:p>
+        </p:txBody>
+      </p:sp>
+      <p:pic>
+        <p:nvPicPr>
+          <p:cNvPr id="6" name="图片 5">
+            <a:extLst>
+              <a:ext uri="{FF2B5EF4-FFF2-40B4-BE49-F238E27FC236}">
+                <a16:creationId xmlns:a16="http://schemas.microsoft.com/office/drawing/2014/main" id="{9DF475BC-843A-49BE-B991-4C5E1D701E70}"/>
+              </a:ext>
+            </a:extLst>
+          </p:cNvPr>
+          <p:cNvPicPr>
+            <a:picLocks noChangeAspect="1"/>
+          </p:cNvPicPr>
+          <p:nvPr/>
+        </p:nvPicPr>
+        <p:blipFill>
+          <a:blip r:embed="rId2"/>
+          <a:stretch>
+            <a:fillRect/>
+          </a:stretch>
+        </p:blipFill>
+        <p:spPr>
+          <a:xfrm>
+            <a:off x="920954" y="1158721"/>
+            <a:ext cx="6877050" cy="647700"/>
+          </a:xfrm>
+          <a:prstGeom prst="rect">
+            <a:avLst/>
+          </a:prstGeom>
+        </p:spPr>
+      </p:pic>
+      <p:pic>
+        <p:nvPicPr>
+          <p:cNvPr id="7" name="图片 6">
+            <a:extLst>
+              <a:ext uri="{FF2B5EF4-FFF2-40B4-BE49-F238E27FC236}">
+                <a16:creationId xmlns:a16="http://schemas.microsoft.com/office/drawing/2014/main" id="{63D15E48-45FD-4D3F-A2E2-87E4988324ED}"/>
+              </a:ext>
+            </a:extLst>
+          </p:cNvPr>
+          <p:cNvPicPr>
+            <a:picLocks noChangeAspect="1"/>
+          </p:cNvPicPr>
+          <p:nvPr/>
+        </p:nvPicPr>
+        <p:blipFill>
+          <a:blip r:embed="rId3"/>
+          <a:stretch>
+            <a:fillRect/>
+          </a:stretch>
+        </p:blipFill>
+        <p:spPr>
+          <a:xfrm>
+            <a:off x="920954" y="3013414"/>
+            <a:ext cx="4152900" cy="1247775"/>
+          </a:xfrm>
+          <a:prstGeom prst="rect">
+            <a:avLst/>
+          </a:prstGeom>
+        </p:spPr>
+      </p:pic>
+      <p:pic>
+        <p:nvPicPr>
+          <p:cNvPr id="8" name="图片 7">
+            <a:extLst>
+              <a:ext uri="{FF2B5EF4-FFF2-40B4-BE49-F238E27FC236}">
+                <a16:creationId xmlns:a16="http://schemas.microsoft.com/office/drawing/2014/main" id="{34A060D0-5551-4F90-B051-8B0563CF3DFE}"/>
+              </a:ext>
+            </a:extLst>
+          </p:cNvPr>
+          <p:cNvPicPr>
+            <a:picLocks noChangeAspect="1"/>
+          </p:cNvPicPr>
+          <p:nvPr/>
+        </p:nvPicPr>
+        <p:blipFill>
+          <a:blip r:embed="rId4"/>
+          <a:stretch>
+            <a:fillRect/>
+          </a:stretch>
+        </p:blipFill>
+        <p:spPr>
+          <a:xfrm>
+            <a:off x="735216" y="4810125"/>
+            <a:ext cx="7248525" cy="2047875"/>
+          </a:xfrm>
+          <a:prstGeom prst="rect">
+            <a:avLst/>
+          </a:prstGeom>
+        </p:spPr>
+      </p:pic>
+    </p:spTree>
+    <p:extLst>
+      <p:ext uri="{BB962C8B-B14F-4D97-AF65-F5344CB8AC3E}">
+        <p14:creationId xmlns:p14="http://schemas.microsoft.com/office/powerpoint/2010/main" val="645778958"/>
+      </p:ext>
+    </p:extLst>
+  </p:cSld>
+  <p:clrMapOvr>
+    <a:masterClrMapping/>
+  </p:clrMapOvr>
+</p:sld>
+</file>
+
+<file path=ppt/slides/slide16.xml><?xml version="1.0" encoding="utf-8"?>
+<p:sld xmlns:a="http://schemas.openxmlformats.org/drawingml/2006/main" xmlns:r="http://schemas.openxmlformats.org/officeDocument/2006/relationships" xmlns:p="http://schemas.openxmlformats.org/presentationml/2006/main">
+  <p:cSld>
+    <p:spTree>
+      <p:nvGrpSpPr>
+        <p:cNvPr id="1" name=""/>
+        <p:cNvGrpSpPr/>
+        <p:nvPr/>
+      </p:nvGrpSpPr>
+      <p:grpSpPr>
+        <a:xfrm>
+          <a:off x="0" y="0"/>
+          <a:ext cx="0" cy="0"/>
+          <a:chOff x="0" y="0"/>
+          <a:chExt cx="0" cy="0"/>
+        </a:xfrm>
+      </p:grpSpPr>
+      <p:sp>
+        <p:nvSpPr>
+          <p:cNvPr id="2" name="标题 1">
+            <a:extLst>
+              <a:ext uri="{FF2B5EF4-FFF2-40B4-BE49-F238E27FC236}">
+                <a16:creationId xmlns:a16="http://schemas.microsoft.com/office/drawing/2014/main" id="{CE2AF79E-E135-4CC8-A9E4-9B0E409EFD31}"/>
+              </a:ext>
+            </a:extLst>
+          </p:cNvPr>
+          <p:cNvSpPr>
+            <a:spLocks noGrp="1"/>
+          </p:cNvSpPr>
+          <p:nvPr>
+            <p:ph type="title"/>
+          </p:nvPr>
+        </p:nvSpPr>
+        <p:spPr>
+          <a:xfrm>
+            <a:off x="838200" y="328475"/>
+            <a:ext cx="10515600" cy="577048"/>
+          </a:xfrm>
+        </p:spPr>
+        <p:txBody>
+          <a:bodyPr>
+            <a:normAutofit fontScale="90000"/>
+          </a:bodyPr>
+          <a:lstStyle/>
+          <a:p>
+            <a:r>
+              <a:rPr lang="zh-CN" altLang="en-US" sz="3600" dirty="0"/>
+              <a:t>函数字面值与高阶函数</a:t>
+            </a:r>
+            <a:endParaRPr lang="en-US" altLang="zh-CN" sz="3600" dirty="0"/>
+          </a:p>
+        </p:txBody>
+      </p:sp>
+      <p:sp>
+        <p:nvSpPr>
+          <p:cNvPr id="3" name="内容占位符 2">
+            <a:extLst>
+              <a:ext uri="{FF2B5EF4-FFF2-40B4-BE49-F238E27FC236}">
+                <a16:creationId xmlns:a16="http://schemas.microsoft.com/office/drawing/2014/main" id="{8A9A9357-CBDA-4879-9759-7D2BDA22296E}"/>
+              </a:ext>
+            </a:extLst>
+          </p:cNvPr>
+          <p:cNvSpPr>
+            <a:spLocks noGrp="1"/>
+          </p:cNvSpPr>
+          <p:nvPr>
+            <p:ph idx="1"/>
+          </p:nvPr>
+        </p:nvSpPr>
+        <p:spPr>
+          <a:xfrm>
+            <a:off x="838200" y="905523"/>
+            <a:ext cx="10515600" cy="5810436"/>
+          </a:xfrm>
+        </p:spPr>
+        <p:txBody>
+          <a:bodyPr>
+            <a:normAutofit/>
+          </a:bodyPr>
+          <a:lstStyle/>
+          <a:p>
+            <a:pPr marL="0" indent="0">
+              <a:buNone/>
+            </a:pPr>
+            <a:r>
+              <a:rPr lang="en-US" altLang="zh-CN" sz="1800" dirty="0"/>
+              <a:t>4</a:t>
+            </a:r>
+            <a:r>
+              <a:rPr lang="zh-CN" altLang="en-US" sz="1800" dirty="0"/>
+              <a:t>、带接收者的函数字面值，可以理解为这个函数字面值是某个类的扩展函数。</a:t>
+            </a:r>
+            <a:endParaRPr lang="en-US" altLang="zh-CN" sz="1800" dirty="0"/>
+          </a:p>
+          <a:p>
+            <a:pPr marL="0" indent="0">
+              <a:buNone/>
+            </a:pPr>
+            <a:endParaRPr lang="en-US" altLang="zh-CN" sz="1800" dirty="0"/>
+          </a:p>
+          <a:p>
+            <a:pPr marL="0" indent="0">
+              <a:buNone/>
+            </a:pPr>
+            <a:endParaRPr lang="en-US" altLang="zh-CN" sz="1800" dirty="0"/>
+          </a:p>
+          <a:p>
+            <a:pPr marL="0" indent="0">
+              <a:buNone/>
+            </a:pPr>
+            <a:endParaRPr lang="en-US" altLang="zh-CN" sz="1800" dirty="0"/>
+          </a:p>
+          <a:p>
+            <a:pPr marL="0" indent="0">
+              <a:buNone/>
+            </a:pPr>
+            <a:endParaRPr lang="en-US" altLang="zh-CN" sz="1800" dirty="0"/>
+          </a:p>
+          <a:p>
+            <a:pPr marL="0" indent="0">
+              <a:buNone/>
+            </a:pPr>
+            <a:r>
+              <a:rPr lang="zh-CN" altLang="en-US" sz="1800" dirty="0"/>
+              <a:t>既然类似于扩展函数，那么在函数字面值得表达式内就可以调用接收者的可访问函数和属性。</a:t>
+            </a:r>
+            <a:endParaRPr lang="en-US" altLang="zh-CN" sz="1800" dirty="0"/>
+          </a:p>
+          <a:p>
+            <a:pPr marL="0" indent="0">
+              <a:buNone/>
+            </a:pPr>
+            <a:r>
+              <a:rPr lang="zh-CN" altLang="en-US" sz="1800" dirty="0"/>
+              <a:t>看一个非常有用的方法</a:t>
+            </a:r>
+            <a:r>
+              <a:rPr lang="en-US" altLang="zh-CN" sz="1800" dirty="0"/>
+              <a:t>”with”</a:t>
+            </a:r>
+            <a:r>
+              <a:rPr lang="zh-CN" altLang="en-US" sz="1800" dirty="0"/>
+              <a:t>。</a:t>
+            </a:r>
+            <a:endParaRPr lang="en-US" altLang="zh-CN" sz="1800" dirty="0"/>
+          </a:p>
+          <a:p>
+            <a:pPr marL="0" indent="0">
+              <a:buNone/>
+            </a:pPr>
+            <a:endParaRPr lang="en-US" altLang="zh-CN" sz="1800" dirty="0"/>
+          </a:p>
+          <a:p>
+            <a:pPr marL="0" indent="0">
+              <a:buNone/>
+            </a:pPr>
+            <a:endParaRPr lang="en-US" altLang="zh-CN" sz="1800" dirty="0"/>
+          </a:p>
+          <a:p>
+            <a:pPr marL="0" indent="0">
+              <a:buNone/>
+            </a:pPr>
+            <a:endParaRPr lang="en-US" altLang="zh-CN" sz="1800" dirty="0"/>
+          </a:p>
+          <a:p>
+            <a:pPr marL="0" indent="0">
+              <a:buNone/>
+            </a:pPr>
+            <a:endParaRPr lang="en-US" altLang="zh-CN" sz="1800" dirty="0"/>
+          </a:p>
+          <a:p>
+            <a:pPr marL="0" indent="0">
+              <a:buNone/>
+            </a:pPr>
+            <a:r>
+              <a:rPr lang="zh-CN" altLang="en-US" sz="1800" dirty="0"/>
+              <a:t>简单示例</a:t>
+            </a:r>
+            <a:endParaRPr lang="en-US" altLang="zh-CN" sz="1800" dirty="0"/>
+          </a:p>
+          <a:p>
+            <a:pPr marL="0" indent="0">
+              <a:buNone/>
+            </a:pPr>
+            <a:endParaRPr lang="en-US" altLang="zh-CN" sz="1800" dirty="0"/>
+          </a:p>
+          <a:p>
+            <a:pPr marL="0" indent="0">
+              <a:buNone/>
+            </a:pPr>
+            <a:endParaRPr lang="en-US" altLang="zh-CN" sz="1800" dirty="0"/>
+          </a:p>
+          <a:p>
+            <a:pPr marL="0" indent="0">
+              <a:buNone/>
+            </a:pPr>
+            <a:endParaRPr lang="en-US" altLang="zh-CN" sz="1800" dirty="0"/>
+          </a:p>
+        </p:txBody>
+      </p:sp>
+      <p:pic>
+        <p:nvPicPr>
+          <p:cNvPr id="6" name="图片 5">
+            <a:extLst>
+              <a:ext uri="{FF2B5EF4-FFF2-40B4-BE49-F238E27FC236}">
+                <a16:creationId xmlns:a16="http://schemas.microsoft.com/office/drawing/2014/main" id="{45C6D704-3487-40AA-B8E5-D3BBD67D66B7}"/>
+              </a:ext>
+            </a:extLst>
+          </p:cNvPr>
+          <p:cNvPicPr>
+            <a:picLocks noChangeAspect="1"/>
+          </p:cNvPicPr>
+          <p:nvPr/>
+        </p:nvPicPr>
+        <p:blipFill>
+          <a:blip r:embed="rId2"/>
+          <a:stretch>
+            <a:fillRect/>
+          </a:stretch>
+        </p:blipFill>
+        <p:spPr>
+          <a:xfrm>
+            <a:off x="838200" y="1206398"/>
+            <a:ext cx="6400800" cy="1609725"/>
+          </a:xfrm>
+          <a:prstGeom prst="rect">
+            <a:avLst/>
+          </a:prstGeom>
+        </p:spPr>
+      </p:pic>
+      <p:pic>
+        <p:nvPicPr>
+          <p:cNvPr id="7" name="图片 6">
+            <a:extLst>
+              <a:ext uri="{FF2B5EF4-FFF2-40B4-BE49-F238E27FC236}">
+                <a16:creationId xmlns:a16="http://schemas.microsoft.com/office/drawing/2014/main" id="{A8A5EB56-F338-4AD3-9EB1-993829C0498F}"/>
+              </a:ext>
+            </a:extLst>
+          </p:cNvPr>
+          <p:cNvPicPr>
+            <a:picLocks noChangeAspect="1"/>
+          </p:cNvPicPr>
+          <p:nvPr/>
+        </p:nvPicPr>
+        <p:blipFill>
+          <a:blip r:embed="rId3"/>
+          <a:stretch>
+            <a:fillRect/>
+          </a:stretch>
+        </p:blipFill>
+        <p:spPr>
+          <a:xfrm>
+            <a:off x="960627" y="3530847"/>
+            <a:ext cx="8743950" cy="1457325"/>
+          </a:xfrm>
+          <a:prstGeom prst="rect">
+            <a:avLst/>
+          </a:prstGeom>
+        </p:spPr>
+      </p:pic>
+      <p:pic>
+        <p:nvPicPr>
+          <p:cNvPr id="8" name="图片 7">
+            <a:extLst>
+              <a:ext uri="{FF2B5EF4-FFF2-40B4-BE49-F238E27FC236}">
+                <a16:creationId xmlns:a16="http://schemas.microsoft.com/office/drawing/2014/main" id="{05EA5FF3-18BE-4174-B020-4A64AD2811E3}"/>
+              </a:ext>
+            </a:extLst>
+          </p:cNvPr>
+          <p:cNvPicPr>
+            <a:picLocks noChangeAspect="1"/>
+          </p:cNvPicPr>
+          <p:nvPr/>
+        </p:nvPicPr>
+        <p:blipFill>
+          <a:blip r:embed="rId4"/>
+          <a:stretch>
+            <a:fillRect/>
+          </a:stretch>
+        </p:blipFill>
+        <p:spPr>
+          <a:xfrm>
+            <a:off x="960627" y="5344490"/>
+            <a:ext cx="4724400" cy="1419225"/>
+          </a:xfrm>
+          <a:prstGeom prst="rect">
+            <a:avLst/>
+          </a:prstGeom>
+        </p:spPr>
+      </p:pic>
+    </p:spTree>
+    <p:extLst>
+      <p:ext uri="{BB962C8B-B14F-4D97-AF65-F5344CB8AC3E}">
+        <p14:creationId xmlns:p14="http://schemas.microsoft.com/office/powerpoint/2010/main" val="821915575"/>
+      </p:ext>
+    </p:extLst>
+  </p:cSld>
+  <p:clrMapOvr>
+    <a:masterClrMapping/>
+  </p:clrMapOvr>
+</p:sld>
+</file>
+
+<file path=ppt/slides/slide17.xml><?xml version="1.0" encoding="utf-8"?>
+<p:sld xmlns:a="http://schemas.openxmlformats.org/drawingml/2006/main" xmlns:r="http://schemas.openxmlformats.org/officeDocument/2006/relationships" xmlns:p="http://schemas.openxmlformats.org/presentationml/2006/main">
+  <p:cSld>
+    <p:spTree>
+      <p:nvGrpSpPr>
+        <p:cNvPr id="1" name=""/>
+        <p:cNvGrpSpPr/>
+        <p:nvPr/>
+      </p:nvGrpSpPr>
+      <p:grpSpPr>
+        <a:xfrm>
+          <a:off x="0" y="0"/>
+          <a:ext cx="0" cy="0"/>
+          <a:chOff x="0" y="0"/>
+          <a:chExt cx="0" cy="0"/>
+        </a:xfrm>
+      </p:grpSpPr>
+      <p:sp>
+        <p:nvSpPr>
+          <p:cNvPr id="2" name="标题 1">
+            <a:extLst>
+              <a:ext uri="{FF2B5EF4-FFF2-40B4-BE49-F238E27FC236}">
+                <a16:creationId xmlns:a16="http://schemas.microsoft.com/office/drawing/2014/main" id="{CE2AF79E-E135-4CC8-A9E4-9B0E409EFD31}"/>
+              </a:ext>
+            </a:extLst>
+          </p:cNvPr>
+          <p:cNvSpPr>
+            <a:spLocks noGrp="1"/>
+          </p:cNvSpPr>
+          <p:nvPr>
+            <p:ph type="title"/>
+          </p:nvPr>
+        </p:nvSpPr>
+        <p:spPr>
+          <a:xfrm>
+            <a:off x="838200" y="328475"/>
+            <a:ext cx="10515600" cy="577048"/>
+          </a:xfrm>
+        </p:spPr>
+        <p:txBody>
+          <a:bodyPr>
+            <a:normAutofit fontScale="90000"/>
+          </a:bodyPr>
+          <a:lstStyle/>
+          <a:p>
+            <a:r>
+              <a:rPr lang="zh-CN" altLang="en-US" sz="3600" dirty="0"/>
+              <a:t>函数字面值与高阶函数</a:t>
+            </a:r>
+            <a:endParaRPr lang="en-US" altLang="zh-CN" sz="3600" dirty="0"/>
+          </a:p>
+        </p:txBody>
+      </p:sp>
+      <p:sp>
+        <p:nvSpPr>
+          <p:cNvPr id="3" name="内容占位符 2">
+            <a:extLst>
+              <a:ext uri="{FF2B5EF4-FFF2-40B4-BE49-F238E27FC236}">
+                <a16:creationId xmlns:a16="http://schemas.microsoft.com/office/drawing/2014/main" id="{8A9A9357-CBDA-4879-9759-7D2BDA22296E}"/>
+              </a:ext>
+            </a:extLst>
+          </p:cNvPr>
+          <p:cNvSpPr>
+            <a:spLocks noGrp="1"/>
+          </p:cNvSpPr>
+          <p:nvPr>
+            <p:ph idx="1"/>
+          </p:nvPr>
+        </p:nvSpPr>
+        <p:spPr>
+          <a:xfrm>
+            <a:off x="838200" y="905523"/>
+            <a:ext cx="10515600" cy="5810436"/>
+          </a:xfrm>
+        </p:spPr>
+        <p:txBody>
+          <a:bodyPr>
+            <a:normAutofit/>
+          </a:bodyPr>
+          <a:lstStyle/>
+          <a:p>
+            <a:pPr marL="0" indent="0">
+              <a:buNone/>
+            </a:pPr>
+            <a:r>
+              <a:rPr lang="zh-CN" altLang="en-US" sz="1800" dirty="0"/>
+              <a:t>高阶函数，高阶函数是将函数用作参数或返回值的函数，事实上，前面所说的函数字面值是不能单独使用的，其只能作为函数的参数使用。</a:t>
+            </a:r>
+            <a:endParaRPr lang="en-US" altLang="zh-CN" sz="1800" dirty="0"/>
+          </a:p>
+          <a:p>
+            <a:pPr marL="0" indent="0">
+              <a:buNone/>
+            </a:pPr>
+            <a:endParaRPr lang="en-US" altLang="zh-CN" sz="1800" dirty="0"/>
+          </a:p>
+          <a:p>
+            <a:pPr marL="0" indent="0">
+              <a:buNone/>
+            </a:pPr>
+            <a:endParaRPr lang="en-US" altLang="zh-CN" sz="1800" dirty="0"/>
+          </a:p>
+          <a:p>
+            <a:pPr marL="0" indent="0">
+              <a:buNone/>
+            </a:pPr>
+            <a:endParaRPr lang="en-US" altLang="zh-CN" sz="1800" dirty="0"/>
+          </a:p>
+          <a:p>
+            <a:pPr marL="0" indent="0">
+              <a:buNone/>
+            </a:pPr>
+            <a:endParaRPr lang="en-US" altLang="zh-CN" sz="1800" dirty="0"/>
+          </a:p>
+          <a:p>
+            <a:pPr marL="0" indent="0">
+              <a:buNone/>
+            </a:pPr>
+            <a:endParaRPr lang="en-US" altLang="zh-CN" sz="1800" dirty="0"/>
+          </a:p>
+          <a:p>
+            <a:pPr marL="0" indent="0">
+              <a:buNone/>
+            </a:pPr>
+            <a:r>
+              <a:rPr lang="en-US" altLang="zh-CN" sz="1800" dirty="0"/>
+              <a:t>Map</a:t>
+            </a:r>
+            <a:r>
+              <a:rPr lang="zh-CN" altLang="en-US" sz="1800" dirty="0"/>
+              <a:t>的作用：将</a:t>
+            </a:r>
+            <a:r>
+              <a:rPr lang="en-US" altLang="zh-CN" sz="1800" dirty="0"/>
+              <a:t>list</a:t>
+            </a:r>
+            <a:r>
+              <a:rPr lang="zh-CN" altLang="en-US" sz="1800" dirty="0"/>
+              <a:t>中的每个元素都做指定变化后返回一个新的</a:t>
+            </a:r>
+            <a:r>
+              <a:rPr lang="en-US" altLang="zh-CN" sz="1800" dirty="0"/>
+              <a:t>list</a:t>
+            </a:r>
+            <a:r>
+              <a:rPr lang="zh-CN" altLang="en-US" sz="1800" dirty="0"/>
+              <a:t>。</a:t>
+            </a:r>
+            <a:endParaRPr lang="en-US" altLang="zh-CN" sz="1800" dirty="0"/>
+          </a:p>
+          <a:p>
+            <a:pPr marL="0" indent="0">
+              <a:buNone/>
+            </a:pPr>
+            <a:endParaRPr lang="en-US" altLang="zh-CN" sz="1800" dirty="0"/>
+          </a:p>
+          <a:p>
+            <a:pPr marL="0" indent="0">
+              <a:buNone/>
+            </a:pPr>
+            <a:endParaRPr lang="en-US" altLang="zh-CN" sz="1800" dirty="0"/>
+          </a:p>
+          <a:p>
+            <a:pPr marL="0" indent="0">
+              <a:buNone/>
+            </a:pPr>
+            <a:endParaRPr lang="en-US" altLang="zh-CN" sz="1800" dirty="0"/>
+          </a:p>
+          <a:p>
+            <a:pPr marL="0" indent="0">
+              <a:buNone/>
+            </a:pPr>
+            <a:endParaRPr lang="en-US" altLang="zh-CN" sz="1800" dirty="0"/>
+          </a:p>
+          <a:p>
+            <a:pPr marL="0" indent="0">
+              <a:buNone/>
+            </a:pPr>
+            <a:r>
+              <a:rPr lang="en-US" altLang="zh-CN" sz="1800" dirty="0" err="1"/>
+              <a:t>Lamba</a:t>
+            </a:r>
+            <a:r>
+              <a:rPr lang="en-US" altLang="zh-CN" sz="1800" dirty="0"/>
+              <a:t> </a:t>
+            </a:r>
+            <a:r>
+              <a:rPr lang="zh-CN" altLang="en-US" sz="1800" dirty="0"/>
+              <a:t>表达式的优点：</a:t>
+            </a:r>
+            <a:endParaRPr lang="en-US" altLang="zh-CN" sz="1800" dirty="0"/>
+          </a:p>
+          <a:p>
+            <a:pPr marL="0" indent="0">
+              <a:buNone/>
+            </a:pPr>
+            <a:r>
+              <a:rPr lang="en-US" altLang="zh-CN" sz="1800" dirty="0"/>
+              <a:t>1</a:t>
+            </a:r>
+            <a:r>
+              <a:rPr lang="zh-CN" altLang="en-US" sz="1800" dirty="0"/>
+              <a:t>、编写更少的代码</a:t>
+            </a:r>
+            <a:endParaRPr lang="en-US" altLang="zh-CN" sz="1800" dirty="0"/>
+          </a:p>
+          <a:p>
+            <a:pPr marL="0" indent="0">
+              <a:buNone/>
+            </a:pPr>
+            <a:r>
+              <a:rPr lang="en-US" altLang="zh-CN" sz="1800" dirty="0"/>
+              <a:t>2</a:t>
+            </a:r>
+            <a:r>
+              <a:rPr lang="zh-CN" altLang="en-US" sz="1800" dirty="0"/>
+              <a:t>、让我们更专注于函数的内容本身</a:t>
+            </a:r>
+            <a:endParaRPr lang="en-US" altLang="zh-CN" sz="1800" dirty="0"/>
+          </a:p>
+          <a:p>
+            <a:pPr marL="0" indent="0">
+              <a:buNone/>
+            </a:pPr>
+            <a:endParaRPr lang="en-US" altLang="zh-CN" sz="1800" dirty="0"/>
+          </a:p>
+          <a:p>
+            <a:pPr marL="0" indent="0">
+              <a:buNone/>
+            </a:pPr>
+            <a:endParaRPr lang="en-US" altLang="zh-CN" sz="1800" dirty="0"/>
+          </a:p>
+        </p:txBody>
+      </p:sp>
+      <p:pic>
+        <p:nvPicPr>
+          <p:cNvPr id="7" name="图片 6">
+            <a:extLst>
+              <a:ext uri="{FF2B5EF4-FFF2-40B4-BE49-F238E27FC236}">
+                <a16:creationId xmlns:a16="http://schemas.microsoft.com/office/drawing/2014/main" id="{010726E6-7841-4654-A282-9BFC06A203BB}"/>
+              </a:ext>
+            </a:extLst>
+          </p:cNvPr>
+          <p:cNvPicPr>
+            <a:picLocks noChangeAspect="1"/>
+          </p:cNvPicPr>
+          <p:nvPr/>
+        </p:nvPicPr>
+        <p:blipFill>
+          <a:blip r:embed="rId2"/>
+          <a:stretch>
+            <a:fillRect/>
+          </a:stretch>
+        </p:blipFill>
+        <p:spPr>
+          <a:xfrm>
+            <a:off x="838200" y="1482571"/>
+            <a:ext cx="6448425" cy="1714500"/>
+          </a:xfrm>
+          <a:prstGeom prst="rect">
+            <a:avLst/>
+          </a:prstGeom>
+        </p:spPr>
+      </p:pic>
+      <p:pic>
+        <p:nvPicPr>
+          <p:cNvPr id="8" name="图片 7">
+            <a:extLst>
+              <a:ext uri="{FF2B5EF4-FFF2-40B4-BE49-F238E27FC236}">
+                <a16:creationId xmlns:a16="http://schemas.microsoft.com/office/drawing/2014/main" id="{FF8E5A88-F342-45AF-8364-8CDA0247A8E6}"/>
+              </a:ext>
+            </a:extLst>
+          </p:cNvPr>
+          <p:cNvPicPr>
+            <a:picLocks noChangeAspect="1"/>
+          </p:cNvPicPr>
+          <p:nvPr/>
+        </p:nvPicPr>
+        <p:blipFill>
+          <a:blip r:embed="rId3"/>
+          <a:stretch>
+            <a:fillRect/>
+          </a:stretch>
+        </p:blipFill>
+        <p:spPr>
+          <a:xfrm>
+            <a:off x="838200" y="3774119"/>
+            <a:ext cx="4562475" cy="990600"/>
+          </a:xfrm>
+          <a:prstGeom prst="rect">
+            <a:avLst/>
+          </a:prstGeom>
+        </p:spPr>
+      </p:pic>
+    </p:spTree>
+    <p:extLst>
+      <p:ext uri="{BB962C8B-B14F-4D97-AF65-F5344CB8AC3E}">
+        <p14:creationId xmlns:p14="http://schemas.microsoft.com/office/powerpoint/2010/main" val="933104834"/>
+      </p:ext>
+    </p:extLst>
+  </p:cSld>
+  <p:clrMapOvr>
+    <a:masterClrMapping/>
+  </p:clrMapOvr>
+</p:sld>
+</file>
+
 <file path=ppt/slides/slide2.xml><?xml version="1.0" encoding="utf-8"?>
 <p:sld xmlns:a="http://schemas.openxmlformats.org/drawingml/2006/main" xmlns:r="http://schemas.openxmlformats.org/officeDocument/2006/relationships" xmlns:p="http://schemas.openxmlformats.org/presentationml/2006/main">
   <p:cSld>
@@ -4774,7 +5982,7 @@
             </a:r>
             <a:r>
               <a:rPr lang="zh-CN" altLang="en-US" dirty="0"/>
-              <a:t>、函数式编程（</a:t>
+              <a:t>、</a:t>
             </a:r>
             <a:r>
               <a:rPr lang="en-US" altLang="zh-CN" dirty="0"/>
@@ -4782,7 +5990,7 @@
             </a:r>
             <a:r>
               <a:rPr lang="zh-CN" altLang="en-US" dirty="0"/>
-              <a:t>表达式）</a:t>
+              <a:t>表达式</a:t>
             </a:r>
             <a:endParaRPr lang="en-US" altLang="zh-CN" dirty="0"/>
           </a:p>

--- a/docs/初探kotlin.pptx
+++ b/docs/初探kotlin.pptx
@@ -22,6 +22,10 @@
     <p:sldId id="271" r:id="rId16"/>
     <p:sldId id="272" r:id="rId17"/>
     <p:sldId id="273" r:id="rId18"/>
+    <p:sldId id="274" r:id="rId19"/>
+    <p:sldId id="275" r:id="rId20"/>
+    <p:sldId id="276" r:id="rId21"/>
+    <p:sldId id="277" r:id="rId22"/>
   </p:sldIdLst>
   <p:sldSz cx="12192000" cy="6858000"/>
   <p:notesSz cx="6858000" cy="9144000"/>
@@ -279,7 +283,7 @@
           <a:p>
             <a:fld id="{AFB6B5B2-4C17-47BC-B4FC-EB545BEC8073}" type="datetimeFigureOut">
               <a:rPr lang="zh-CN" altLang="en-US" smtClean="0"/>
-              <a:t>2017/9/24</a:t>
+              <a:t>2017/9/26</a:t>
             </a:fld>
             <a:endParaRPr lang="zh-CN" altLang="en-US"/>
           </a:p>
@@ -477,7 +481,7 @@
           <a:p>
             <a:fld id="{AFB6B5B2-4C17-47BC-B4FC-EB545BEC8073}" type="datetimeFigureOut">
               <a:rPr lang="zh-CN" altLang="en-US" smtClean="0"/>
-              <a:t>2017/9/24</a:t>
+              <a:t>2017/9/26</a:t>
             </a:fld>
             <a:endParaRPr lang="zh-CN" altLang="en-US"/>
           </a:p>
@@ -685,7 +689,7 @@
           <a:p>
             <a:fld id="{AFB6B5B2-4C17-47BC-B4FC-EB545BEC8073}" type="datetimeFigureOut">
               <a:rPr lang="zh-CN" altLang="en-US" smtClean="0"/>
-              <a:t>2017/9/24</a:t>
+              <a:t>2017/9/26</a:t>
             </a:fld>
             <a:endParaRPr lang="zh-CN" altLang="en-US"/>
           </a:p>
@@ -883,7 +887,7 @@
           <a:p>
             <a:fld id="{AFB6B5B2-4C17-47BC-B4FC-EB545BEC8073}" type="datetimeFigureOut">
               <a:rPr lang="zh-CN" altLang="en-US" smtClean="0"/>
-              <a:t>2017/9/24</a:t>
+              <a:t>2017/9/26</a:t>
             </a:fld>
             <a:endParaRPr lang="zh-CN" altLang="en-US"/>
           </a:p>
@@ -1158,7 +1162,7 @@
           <a:p>
             <a:fld id="{AFB6B5B2-4C17-47BC-B4FC-EB545BEC8073}" type="datetimeFigureOut">
               <a:rPr lang="zh-CN" altLang="en-US" smtClean="0"/>
-              <a:t>2017/9/24</a:t>
+              <a:t>2017/9/26</a:t>
             </a:fld>
             <a:endParaRPr lang="zh-CN" altLang="en-US"/>
           </a:p>
@@ -1423,7 +1427,7 @@
           <a:p>
             <a:fld id="{AFB6B5B2-4C17-47BC-B4FC-EB545BEC8073}" type="datetimeFigureOut">
               <a:rPr lang="zh-CN" altLang="en-US" smtClean="0"/>
-              <a:t>2017/9/24</a:t>
+              <a:t>2017/9/26</a:t>
             </a:fld>
             <a:endParaRPr lang="zh-CN" altLang="en-US"/>
           </a:p>
@@ -1835,7 +1839,7 @@
           <a:p>
             <a:fld id="{AFB6B5B2-4C17-47BC-B4FC-EB545BEC8073}" type="datetimeFigureOut">
               <a:rPr lang="zh-CN" altLang="en-US" smtClean="0"/>
-              <a:t>2017/9/24</a:t>
+              <a:t>2017/9/26</a:t>
             </a:fld>
             <a:endParaRPr lang="zh-CN" altLang="en-US"/>
           </a:p>
@@ -1976,7 +1980,7 @@
           <a:p>
             <a:fld id="{AFB6B5B2-4C17-47BC-B4FC-EB545BEC8073}" type="datetimeFigureOut">
               <a:rPr lang="zh-CN" altLang="en-US" smtClean="0"/>
-              <a:t>2017/9/24</a:t>
+              <a:t>2017/9/26</a:t>
             </a:fld>
             <a:endParaRPr lang="zh-CN" altLang="en-US"/>
           </a:p>
@@ -2089,7 +2093,7 @@
           <a:p>
             <a:fld id="{AFB6B5B2-4C17-47BC-B4FC-EB545BEC8073}" type="datetimeFigureOut">
               <a:rPr lang="zh-CN" altLang="en-US" smtClean="0"/>
-              <a:t>2017/9/24</a:t>
+              <a:t>2017/9/26</a:t>
             </a:fld>
             <a:endParaRPr lang="zh-CN" altLang="en-US"/>
           </a:p>
@@ -2400,7 +2404,7 @@
           <a:p>
             <a:fld id="{AFB6B5B2-4C17-47BC-B4FC-EB545BEC8073}" type="datetimeFigureOut">
               <a:rPr lang="zh-CN" altLang="en-US" smtClean="0"/>
-              <a:t>2017/9/24</a:t>
+              <a:t>2017/9/26</a:t>
             </a:fld>
             <a:endParaRPr lang="zh-CN" altLang="en-US"/>
           </a:p>
@@ -2688,7 +2692,7 @@
           <a:p>
             <a:fld id="{AFB6B5B2-4C17-47BC-B4FC-EB545BEC8073}" type="datetimeFigureOut">
               <a:rPr lang="zh-CN" altLang="en-US" smtClean="0"/>
-              <a:t>2017/9/24</a:t>
+              <a:t>2017/9/26</a:t>
             </a:fld>
             <a:endParaRPr lang="zh-CN" altLang="en-US"/>
           </a:p>
@@ -2929,7 +2933,7 @@
           <a:p>
             <a:fld id="{AFB6B5B2-4C17-47BC-B4FC-EB545BEC8073}" type="datetimeFigureOut">
               <a:rPr lang="zh-CN" altLang="en-US" smtClean="0"/>
-              <a:t>2017/9/24</a:t>
+              <a:t>2017/9/26</a:t>
             </a:fld>
             <a:endParaRPr lang="zh-CN" altLang="en-US"/>
           </a:p>
@@ -5785,6 +5789,527 @@
 </p:sld>
 </file>
 
+<file path=ppt/slides/slide18.xml><?xml version="1.0" encoding="utf-8"?>
+<p:sld xmlns:a="http://schemas.openxmlformats.org/drawingml/2006/main" xmlns:r="http://schemas.openxmlformats.org/officeDocument/2006/relationships" xmlns:p="http://schemas.openxmlformats.org/presentationml/2006/main">
+  <p:cSld>
+    <p:spTree>
+      <p:nvGrpSpPr>
+        <p:cNvPr id="1" name=""/>
+        <p:cNvGrpSpPr/>
+        <p:nvPr/>
+      </p:nvGrpSpPr>
+      <p:grpSpPr>
+        <a:xfrm>
+          <a:off x="0" y="0"/>
+          <a:ext cx="0" cy="0"/>
+          <a:chOff x="0" y="0"/>
+          <a:chExt cx="0" cy="0"/>
+        </a:xfrm>
+      </p:grpSpPr>
+      <p:sp>
+        <p:nvSpPr>
+          <p:cNvPr id="2" name="标题 1">
+            <a:extLst>
+              <a:ext uri="{FF2B5EF4-FFF2-40B4-BE49-F238E27FC236}">
+                <a16:creationId xmlns:a16="http://schemas.microsoft.com/office/drawing/2014/main" id="{CE2AF79E-E135-4CC8-A9E4-9B0E409EFD31}"/>
+              </a:ext>
+            </a:extLst>
+          </p:cNvPr>
+          <p:cNvSpPr>
+            <a:spLocks noGrp="1"/>
+          </p:cNvSpPr>
+          <p:nvPr>
+            <p:ph type="title"/>
+          </p:nvPr>
+        </p:nvSpPr>
+        <p:spPr>
+          <a:xfrm>
+            <a:off x="838200" y="328475"/>
+            <a:ext cx="10515600" cy="577048"/>
+          </a:xfrm>
+        </p:spPr>
+        <p:txBody>
+          <a:bodyPr>
+            <a:normAutofit fontScale="90000"/>
+          </a:bodyPr>
+          <a:lstStyle/>
+          <a:p>
+            <a:r>
+              <a:rPr lang="zh-CN" altLang="en-US" sz="3600" dirty="0"/>
+              <a:t>委托</a:t>
+            </a:r>
+            <a:endParaRPr lang="en-US" altLang="zh-CN" sz="3600" dirty="0"/>
+          </a:p>
+        </p:txBody>
+      </p:sp>
+      <p:sp>
+        <p:nvSpPr>
+          <p:cNvPr id="3" name="内容占位符 2">
+            <a:extLst>
+              <a:ext uri="{FF2B5EF4-FFF2-40B4-BE49-F238E27FC236}">
+                <a16:creationId xmlns:a16="http://schemas.microsoft.com/office/drawing/2014/main" id="{8A9A9357-CBDA-4879-9759-7D2BDA22296E}"/>
+              </a:ext>
+            </a:extLst>
+          </p:cNvPr>
+          <p:cNvSpPr>
+            <a:spLocks noGrp="1"/>
+          </p:cNvSpPr>
+          <p:nvPr>
+            <p:ph idx="1"/>
+          </p:nvPr>
+        </p:nvSpPr>
+        <p:spPr>
+          <a:xfrm>
+            <a:off x="838199" y="905523"/>
+            <a:ext cx="11158057" cy="5810436"/>
+          </a:xfrm>
+        </p:spPr>
+        <p:txBody>
+          <a:bodyPr>
+            <a:normAutofit/>
+          </a:bodyPr>
+          <a:lstStyle/>
+          <a:p>
+            <a:pPr marL="0" indent="0">
+              <a:buNone/>
+            </a:pPr>
+            <a:r>
+              <a:rPr lang="en-US" altLang="zh-CN" sz="1800" dirty="0" err="1"/>
+              <a:t>Kotlin</a:t>
+            </a:r>
+            <a:r>
+              <a:rPr lang="zh-CN" altLang="en-US" sz="1800" dirty="0"/>
+              <a:t>中委托分为</a:t>
+            </a:r>
+            <a:r>
+              <a:rPr lang="en-US" altLang="zh-CN" sz="1800" dirty="0"/>
+              <a:t>2</a:t>
+            </a:r>
+            <a:r>
+              <a:rPr lang="zh-CN" altLang="en-US" sz="1800" dirty="0"/>
+              <a:t>种，类委托和属性委托。</a:t>
+            </a:r>
+            <a:endParaRPr lang="en-US" altLang="zh-CN" sz="1800" dirty="0"/>
+          </a:p>
+          <a:p>
+            <a:pPr marL="0" indent="0">
+              <a:buNone/>
+            </a:pPr>
+            <a:r>
+              <a:rPr lang="en-US" altLang="zh-CN" sz="1800" dirty="0"/>
+              <a:t>1</a:t>
+            </a:r>
+            <a:r>
+              <a:rPr lang="zh-CN" altLang="en-US" sz="1800" dirty="0"/>
+              <a:t>、类委托</a:t>
+            </a:r>
+            <a:endParaRPr lang="en-US" altLang="zh-CN" sz="1800" dirty="0"/>
+          </a:p>
+          <a:p>
+            <a:pPr marL="0" indent="0">
+              <a:buNone/>
+            </a:pPr>
+            <a:r>
+              <a:rPr lang="zh-CN" altLang="en-US" sz="1800" dirty="0"/>
+              <a:t>委托模式已经证明是替代继承的一个很好的方式，但是在</a:t>
+            </a:r>
+            <a:r>
+              <a:rPr lang="en-US" altLang="zh-CN" sz="1800" dirty="0"/>
+              <a:t>java</a:t>
+            </a:r>
+            <a:r>
+              <a:rPr lang="zh-CN" altLang="en-US" sz="1800" dirty="0"/>
+              <a:t>中我们不得不写大量的样板代码，而 </a:t>
+            </a:r>
+            <a:r>
+              <a:rPr lang="en-US" altLang="zh-CN" sz="1800" dirty="0" err="1"/>
+              <a:t>Kotlin</a:t>
+            </a:r>
+            <a:r>
+              <a:rPr lang="en-US" altLang="zh-CN" sz="1800" dirty="0"/>
+              <a:t> </a:t>
+            </a:r>
+            <a:r>
+              <a:rPr lang="zh-CN" altLang="en-US" sz="1800" dirty="0"/>
+              <a:t>可以零样板代码地原生支持它。</a:t>
+            </a:r>
+            <a:endParaRPr lang="en-US" altLang="zh-CN" sz="1800" dirty="0"/>
+          </a:p>
+          <a:p>
+            <a:pPr marL="0" indent="0">
+              <a:buNone/>
+            </a:pPr>
+            <a:endParaRPr lang="en-US" altLang="zh-CN" sz="1800" dirty="0"/>
+          </a:p>
+        </p:txBody>
+      </p:sp>
+      <p:pic>
+        <p:nvPicPr>
+          <p:cNvPr id="4" name="图片 3">
+            <a:extLst>
+              <a:ext uri="{FF2B5EF4-FFF2-40B4-BE49-F238E27FC236}">
+                <a16:creationId xmlns:a16="http://schemas.microsoft.com/office/drawing/2014/main" id="{657198B1-D707-422A-A49C-9CA6BE0CF9D2}"/>
+              </a:ext>
+            </a:extLst>
+          </p:cNvPr>
+          <p:cNvPicPr>
+            <a:picLocks noChangeAspect="1"/>
+          </p:cNvPicPr>
+          <p:nvPr/>
+        </p:nvPicPr>
+        <p:blipFill>
+          <a:blip r:embed="rId2"/>
+          <a:stretch>
+            <a:fillRect/>
+          </a:stretch>
+        </p:blipFill>
+        <p:spPr>
+          <a:xfrm>
+            <a:off x="5808125" y="2404017"/>
+            <a:ext cx="4125421" cy="4311942"/>
+          </a:xfrm>
+          <a:prstGeom prst="rect">
+            <a:avLst/>
+          </a:prstGeom>
+        </p:spPr>
+      </p:pic>
+      <p:pic>
+        <p:nvPicPr>
+          <p:cNvPr id="5" name="图片 4">
+            <a:extLst>
+              <a:ext uri="{FF2B5EF4-FFF2-40B4-BE49-F238E27FC236}">
+                <a16:creationId xmlns:a16="http://schemas.microsoft.com/office/drawing/2014/main" id="{B7B5B18D-7BDD-4190-85C5-F877F139CAD9}"/>
+              </a:ext>
+            </a:extLst>
+          </p:cNvPr>
+          <p:cNvPicPr>
+            <a:picLocks noChangeAspect="1"/>
+          </p:cNvPicPr>
+          <p:nvPr/>
+        </p:nvPicPr>
+        <p:blipFill>
+          <a:blip r:embed="rId3"/>
+          <a:stretch>
+            <a:fillRect/>
+          </a:stretch>
+        </p:blipFill>
+        <p:spPr>
+          <a:xfrm>
+            <a:off x="1128712" y="2404017"/>
+            <a:ext cx="4126387" cy="4311942"/>
+          </a:xfrm>
+          <a:prstGeom prst="rect">
+            <a:avLst/>
+          </a:prstGeom>
+        </p:spPr>
+      </p:pic>
+    </p:spTree>
+    <p:extLst>
+      <p:ext uri="{BB962C8B-B14F-4D97-AF65-F5344CB8AC3E}">
+        <p14:creationId xmlns:p14="http://schemas.microsoft.com/office/powerpoint/2010/main" val="4247366606"/>
+      </p:ext>
+    </p:extLst>
+  </p:cSld>
+  <p:clrMapOvr>
+    <a:masterClrMapping/>
+  </p:clrMapOvr>
+</p:sld>
+</file>
+
+<file path=ppt/slides/slide19.xml><?xml version="1.0" encoding="utf-8"?>
+<p:sld xmlns:a="http://schemas.openxmlformats.org/drawingml/2006/main" xmlns:r="http://schemas.openxmlformats.org/officeDocument/2006/relationships" xmlns:p="http://schemas.openxmlformats.org/presentationml/2006/main">
+  <p:cSld>
+    <p:spTree>
+      <p:nvGrpSpPr>
+        <p:cNvPr id="1" name=""/>
+        <p:cNvGrpSpPr/>
+        <p:nvPr/>
+      </p:nvGrpSpPr>
+      <p:grpSpPr>
+        <a:xfrm>
+          <a:off x="0" y="0"/>
+          <a:ext cx="0" cy="0"/>
+          <a:chOff x="0" y="0"/>
+          <a:chExt cx="0" cy="0"/>
+        </a:xfrm>
+      </p:grpSpPr>
+      <p:sp>
+        <p:nvSpPr>
+          <p:cNvPr id="2" name="标题 1">
+            <a:extLst>
+              <a:ext uri="{FF2B5EF4-FFF2-40B4-BE49-F238E27FC236}">
+                <a16:creationId xmlns:a16="http://schemas.microsoft.com/office/drawing/2014/main" id="{CE2AF79E-E135-4CC8-A9E4-9B0E409EFD31}"/>
+              </a:ext>
+            </a:extLst>
+          </p:cNvPr>
+          <p:cNvSpPr>
+            <a:spLocks noGrp="1"/>
+          </p:cNvSpPr>
+          <p:nvPr>
+            <p:ph type="title"/>
+          </p:nvPr>
+        </p:nvSpPr>
+        <p:spPr>
+          <a:xfrm>
+            <a:off x="838200" y="328475"/>
+            <a:ext cx="10515600" cy="577048"/>
+          </a:xfrm>
+        </p:spPr>
+        <p:txBody>
+          <a:bodyPr>
+            <a:normAutofit fontScale="90000"/>
+          </a:bodyPr>
+          <a:lstStyle/>
+          <a:p>
+            <a:r>
+              <a:rPr lang="zh-CN" altLang="en-US" sz="3600" dirty="0"/>
+              <a:t>委托</a:t>
+            </a:r>
+            <a:endParaRPr lang="en-US" altLang="zh-CN" sz="3600" dirty="0"/>
+          </a:p>
+        </p:txBody>
+      </p:sp>
+      <p:sp>
+        <p:nvSpPr>
+          <p:cNvPr id="3" name="内容占位符 2">
+            <a:extLst>
+              <a:ext uri="{FF2B5EF4-FFF2-40B4-BE49-F238E27FC236}">
+                <a16:creationId xmlns:a16="http://schemas.microsoft.com/office/drawing/2014/main" id="{8A9A9357-CBDA-4879-9759-7D2BDA22296E}"/>
+              </a:ext>
+            </a:extLst>
+          </p:cNvPr>
+          <p:cNvSpPr>
+            <a:spLocks noGrp="1"/>
+          </p:cNvSpPr>
+          <p:nvPr>
+            <p:ph idx="1"/>
+          </p:nvPr>
+        </p:nvSpPr>
+        <p:spPr>
+          <a:xfrm>
+            <a:off x="838199" y="905523"/>
+            <a:ext cx="11158057" cy="5810436"/>
+          </a:xfrm>
+        </p:spPr>
+        <p:txBody>
+          <a:bodyPr>
+            <a:normAutofit/>
+          </a:bodyPr>
+          <a:lstStyle/>
+          <a:p>
+            <a:pPr marL="0" indent="0">
+              <a:buNone/>
+            </a:pPr>
+            <a:r>
+              <a:rPr lang="en-US" altLang="zh-CN" sz="1800" dirty="0"/>
+              <a:t>2</a:t>
+            </a:r>
+            <a:r>
+              <a:rPr lang="zh-CN" altLang="en-US" sz="1800" dirty="0"/>
+              <a:t>、委托属性</a:t>
+            </a:r>
+            <a:endParaRPr lang="en-US" altLang="zh-CN" sz="1800" dirty="0"/>
+          </a:p>
+          <a:p>
+            <a:pPr marL="0" indent="0">
+              <a:buNone/>
+            </a:pPr>
+            <a:r>
+              <a:rPr lang="zh-CN" altLang="en-US" sz="1800" dirty="0"/>
+              <a:t>有一些常用的属性类型，虽然我们可以在每次需要的时候手动实现它们， 但是如果能够为大家把他们只实现一次并放入一个文件或库会更好。例如包括：</a:t>
+            </a:r>
+          </a:p>
+          <a:p>
+            <a:pPr marL="0" indent="0">
+              <a:buNone/>
+            </a:pPr>
+            <a:r>
+              <a:rPr lang="zh-CN" altLang="en-US" sz="1800" dirty="0"/>
+              <a:t>延迟属性（</a:t>
+            </a:r>
+            <a:r>
+              <a:rPr lang="en-US" altLang="zh-CN" sz="1800" dirty="0"/>
+              <a:t>lazy properties</a:t>
+            </a:r>
+            <a:r>
+              <a:rPr lang="zh-CN" altLang="en-US" sz="1800" dirty="0"/>
+              <a:t>）</a:t>
+            </a:r>
+            <a:r>
+              <a:rPr lang="en-US" altLang="zh-CN" sz="1800" dirty="0"/>
+              <a:t>: </a:t>
+            </a:r>
+            <a:r>
+              <a:rPr lang="zh-CN" altLang="en-US" sz="1800" dirty="0"/>
+              <a:t>其值只在首次访问时计算</a:t>
+            </a:r>
+            <a:r>
+              <a:rPr lang="en-US" altLang="zh-CN" sz="1800" dirty="0"/>
+              <a:t>(</a:t>
+            </a:r>
+            <a:r>
+              <a:rPr lang="zh-CN" altLang="en-US" sz="1800" dirty="0"/>
+              <a:t>见</a:t>
+            </a:r>
+            <a:r>
+              <a:rPr lang="en-US" altLang="zh-CN" sz="1800" dirty="0"/>
+              <a:t>demo)</a:t>
+            </a:r>
+            <a:r>
+              <a:rPr lang="zh-CN" altLang="en-US" sz="1800" dirty="0"/>
+              <a:t>；</a:t>
+            </a:r>
+          </a:p>
+          <a:p>
+            <a:pPr marL="0" indent="0">
+              <a:buNone/>
+            </a:pPr>
+            <a:r>
+              <a:rPr lang="zh-CN" altLang="en-US" sz="1800" dirty="0"/>
+              <a:t>可观察属性（</a:t>
+            </a:r>
+            <a:r>
+              <a:rPr lang="en-US" altLang="zh-CN" sz="1800" dirty="0"/>
+              <a:t>observable properties</a:t>
+            </a:r>
+            <a:r>
+              <a:rPr lang="zh-CN" altLang="en-US" sz="1800" dirty="0"/>
+              <a:t>）</a:t>
+            </a:r>
+            <a:r>
+              <a:rPr lang="en-US" altLang="zh-CN" sz="1800" dirty="0"/>
+              <a:t>: </a:t>
+            </a:r>
+            <a:r>
+              <a:rPr lang="zh-CN" altLang="en-US" sz="1800" dirty="0"/>
+              <a:t>监听器会收到有关此属性变更的通知；</a:t>
+            </a:r>
+          </a:p>
+          <a:p>
+            <a:pPr marL="0" indent="0">
+              <a:buNone/>
+            </a:pPr>
+            <a:r>
+              <a:rPr lang="zh-CN" altLang="en-US" sz="1800" dirty="0"/>
+              <a:t>把多个属性储存在一个映射（</a:t>
+            </a:r>
+            <a:r>
+              <a:rPr lang="en-US" altLang="zh-CN" sz="1800" dirty="0"/>
+              <a:t>map</a:t>
+            </a:r>
+            <a:r>
+              <a:rPr lang="zh-CN" altLang="en-US" sz="1800" dirty="0"/>
+              <a:t>）中，而不是每个存在单独的字段中（见</a:t>
+            </a:r>
+            <a:r>
+              <a:rPr lang="en-US" altLang="zh-CN" sz="1800" dirty="0"/>
+              <a:t>demo</a:t>
+            </a:r>
+            <a:r>
+              <a:rPr lang="zh-CN" altLang="en-US" sz="1800" dirty="0"/>
+              <a:t>）。</a:t>
+            </a:r>
+            <a:endParaRPr lang="en-US" altLang="zh-CN" sz="1800" dirty="0"/>
+          </a:p>
+          <a:p>
+            <a:pPr marL="0" indent="0">
+              <a:buNone/>
+            </a:pPr>
+            <a:r>
+              <a:rPr lang="zh-CN" altLang="en-US" sz="1800" dirty="0"/>
+              <a:t>所以</a:t>
+            </a:r>
+            <a:r>
+              <a:rPr lang="en-US" altLang="zh-CN" sz="1800" dirty="0" err="1"/>
+              <a:t>kotlin</a:t>
+            </a:r>
+            <a:r>
+              <a:rPr lang="zh-CN" altLang="en-US" sz="1800" dirty="0"/>
+              <a:t>推出了委托属性：</a:t>
+            </a:r>
+            <a:endParaRPr lang="en-US" altLang="zh-CN" sz="1800" dirty="0"/>
+          </a:p>
+          <a:p>
+            <a:pPr marL="0" indent="0">
+              <a:buNone/>
+            </a:pPr>
+            <a:endParaRPr lang="en-US" altLang="zh-CN" sz="1800" dirty="0"/>
+          </a:p>
+        </p:txBody>
+      </p:sp>
+      <p:pic>
+        <p:nvPicPr>
+          <p:cNvPr id="6" name="图片 5">
+            <a:extLst>
+              <a:ext uri="{FF2B5EF4-FFF2-40B4-BE49-F238E27FC236}">
+                <a16:creationId xmlns:a16="http://schemas.microsoft.com/office/drawing/2014/main" id="{90F9EED7-91AE-46BD-8CA9-F32760D2036D}"/>
+              </a:ext>
+            </a:extLst>
+          </p:cNvPr>
+          <p:cNvPicPr>
+            <a:picLocks noChangeAspect="1"/>
+          </p:cNvPicPr>
+          <p:nvPr/>
+        </p:nvPicPr>
+        <p:blipFill>
+          <a:blip r:embed="rId2"/>
+          <a:stretch>
+            <a:fillRect/>
+          </a:stretch>
+        </p:blipFill>
+        <p:spPr>
+          <a:xfrm>
+            <a:off x="838198" y="3389342"/>
+            <a:ext cx="5294371" cy="3326617"/>
+          </a:xfrm>
+          <a:prstGeom prst="rect">
+            <a:avLst/>
+          </a:prstGeom>
+        </p:spPr>
+      </p:pic>
+      <p:pic>
+        <p:nvPicPr>
+          <p:cNvPr id="7" name="图片 6">
+            <a:extLst>
+              <a:ext uri="{FF2B5EF4-FFF2-40B4-BE49-F238E27FC236}">
+                <a16:creationId xmlns:a16="http://schemas.microsoft.com/office/drawing/2014/main" id="{8F429D0D-36D2-458C-983A-752D418ABC2A}"/>
+              </a:ext>
+            </a:extLst>
+          </p:cNvPr>
+          <p:cNvPicPr>
+            <a:picLocks noChangeAspect="1"/>
+          </p:cNvPicPr>
+          <p:nvPr/>
+        </p:nvPicPr>
+        <p:blipFill>
+          <a:blip r:embed="rId3"/>
+          <a:stretch>
+            <a:fillRect/>
+          </a:stretch>
+        </p:blipFill>
+        <p:spPr>
+          <a:xfrm>
+            <a:off x="6248052" y="3324415"/>
+            <a:ext cx="5253256" cy="3456470"/>
+          </a:xfrm>
+          <a:prstGeom prst="rect">
+            <a:avLst/>
+          </a:prstGeom>
+        </p:spPr>
+      </p:pic>
+    </p:spTree>
+    <p:extLst>
+      <p:ext uri="{BB962C8B-B14F-4D97-AF65-F5344CB8AC3E}">
+        <p14:creationId xmlns:p14="http://schemas.microsoft.com/office/powerpoint/2010/main" val="700572941"/>
+      </p:ext>
+    </p:extLst>
+  </p:cSld>
+  <p:clrMapOvr>
+    <a:masterClrMapping/>
+  </p:clrMapOvr>
+</p:sld>
+</file>
+
 <file path=ppt/slides/slide2.xml><?xml version="1.0" encoding="utf-8"?>
 <p:sld xmlns:a="http://schemas.openxmlformats.org/drawingml/2006/main" xmlns:r="http://schemas.openxmlformats.org/officeDocument/2006/relationships" xmlns:p="http://schemas.openxmlformats.org/presentationml/2006/main">
   <p:cSld>
@@ -6014,7 +6539,7 @@
             </a:pPr>
             <a:r>
               <a:rPr lang="en-US" altLang="zh-CN" dirty="0"/>
-              <a:t>8</a:t>
+              <a:t>9</a:t>
             </a:r>
             <a:r>
               <a:rPr lang="zh-CN" altLang="en-US" dirty="0"/>
@@ -6028,7 +6553,7 @@
             </a:pPr>
             <a:r>
               <a:rPr lang="en-US" altLang="zh-CN" dirty="0"/>
-              <a:t>9</a:t>
+              <a:t>10</a:t>
             </a:r>
             <a:r>
               <a:rPr lang="zh-CN" altLang="en-US" dirty="0"/>
@@ -6053,7 +6578,7 @@
             </a:pPr>
             <a:r>
               <a:rPr lang="en-US" altLang="zh-CN" dirty="0"/>
-              <a:t>10</a:t>
+              <a:t>11</a:t>
             </a:r>
             <a:r>
               <a:rPr lang="zh-CN" altLang="en-US" dirty="0"/>
@@ -6067,7 +6592,7 @@
             </a:pPr>
             <a:r>
               <a:rPr lang="en-US" altLang="zh-CN" dirty="0"/>
-              <a:t>11</a:t>
+              <a:t>12</a:t>
             </a:r>
             <a:r>
               <a:rPr lang="zh-CN" altLang="en-US" dirty="0"/>
@@ -6089,7 +6614,7 @@
             </a:pPr>
             <a:r>
               <a:rPr lang="en-US" altLang="zh-CN" dirty="0"/>
-              <a:t>12</a:t>
+              <a:t>13</a:t>
             </a:r>
             <a:r>
               <a:rPr lang="zh-CN" altLang="en-US" dirty="0"/>
@@ -6103,7 +6628,7 @@
             </a:pPr>
             <a:r>
               <a:rPr lang="en-US" altLang="zh-CN" dirty="0"/>
-              <a:t>13</a:t>
+              <a:t>14</a:t>
             </a:r>
             <a:r>
               <a:rPr lang="zh-CN" altLang="en-US" dirty="0"/>
@@ -6117,7 +6642,7 @@
             </a:pPr>
             <a:r>
               <a:rPr lang="en-US" altLang="zh-CN" dirty="0"/>
-              <a:t>14</a:t>
+              <a:t>15</a:t>
             </a:r>
             <a:r>
               <a:rPr lang="zh-CN" altLang="en-US" dirty="0"/>
@@ -6130,6 +6655,664 @@
     <p:extLst>
       <p:ext uri="{BB962C8B-B14F-4D97-AF65-F5344CB8AC3E}">
         <p14:creationId xmlns:p14="http://schemas.microsoft.com/office/powerpoint/2010/main" val="2514993999"/>
+      </p:ext>
+    </p:extLst>
+  </p:cSld>
+  <p:clrMapOvr>
+    <a:masterClrMapping/>
+  </p:clrMapOvr>
+</p:sld>
+</file>
+
+<file path=ppt/slides/slide20.xml><?xml version="1.0" encoding="utf-8"?>
+<p:sld xmlns:a="http://schemas.openxmlformats.org/drawingml/2006/main" xmlns:r="http://schemas.openxmlformats.org/officeDocument/2006/relationships" xmlns:p="http://schemas.openxmlformats.org/presentationml/2006/main">
+  <p:cSld>
+    <p:spTree>
+      <p:nvGrpSpPr>
+        <p:cNvPr id="1" name=""/>
+        <p:cNvGrpSpPr/>
+        <p:nvPr/>
+      </p:nvGrpSpPr>
+      <p:grpSpPr>
+        <a:xfrm>
+          <a:off x="0" y="0"/>
+          <a:ext cx="0" cy="0"/>
+          <a:chOff x="0" y="0"/>
+          <a:chExt cx="0" cy="0"/>
+        </a:xfrm>
+      </p:grpSpPr>
+      <p:sp>
+        <p:nvSpPr>
+          <p:cNvPr id="2" name="标题 1">
+            <a:extLst>
+              <a:ext uri="{FF2B5EF4-FFF2-40B4-BE49-F238E27FC236}">
+                <a16:creationId xmlns:a16="http://schemas.microsoft.com/office/drawing/2014/main" id="{CE2AF79E-E135-4CC8-A9E4-9B0E409EFD31}"/>
+              </a:ext>
+            </a:extLst>
+          </p:cNvPr>
+          <p:cNvSpPr>
+            <a:spLocks noGrp="1"/>
+          </p:cNvSpPr>
+          <p:nvPr>
+            <p:ph type="title"/>
+          </p:nvPr>
+        </p:nvSpPr>
+        <p:spPr>
+          <a:xfrm>
+            <a:off x="838200" y="328475"/>
+            <a:ext cx="10515600" cy="577048"/>
+          </a:xfrm>
+        </p:spPr>
+        <p:txBody>
+          <a:bodyPr>
+            <a:normAutofit fontScale="90000"/>
+          </a:bodyPr>
+          <a:lstStyle/>
+          <a:p>
+            <a:r>
+              <a:rPr lang="zh-CN" altLang="en-US" sz="3600" dirty="0"/>
+              <a:t>集合和集合操作符</a:t>
+            </a:r>
+            <a:endParaRPr lang="en-US" altLang="zh-CN" sz="3600" dirty="0"/>
+          </a:p>
+        </p:txBody>
+      </p:sp>
+      <p:sp>
+        <p:nvSpPr>
+          <p:cNvPr id="3" name="内容占位符 2">
+            <a:extLst>
+              <a:ext uri="{FF2B5EF4-FFF2-40B4-BE49-F238E27FC236}">
+                <a16:creationId xmlns:a16="http://schemas.microsoft.com/office/drawing/2014/main" id="{8A9A9357-CBDA-4879-9759-7D2BDA22296E}"/>
+              </a:ext>
+            </a:extLst>
+          </p:cNvPr>
+          <p:cNvSpPr>
+            <a:spLocks noGrp="1"/>
+          </p:cNvSpPr>
+          <p:nvPr>
+            <p:ph idx="1"/>
+          </p:nvPr>
+        </p:nvSpPr>
+        <p:spPr>
+          <a:xfrm>
+            <a:off x="838199" y="905523"/>
+            <a:ext cx="11158057" cy="5810436"/>
+          </a:xfrm>
+        </p:spPr>
+        <p:txBody>
+          <a:bodyPr>
+            <a:normAutofit/>
+          </a:bodyPr>
+          <a:lstStyle/>
+          <a:p>
+            <a:pPr marL="0" indent="0">
+              <a:buNone/>
+            </a:pPr>
+            <a:r>
+              <a:rPr lang="zh-CN" altLang="en-US" sz="1800" dirty="0"/>
+              <a:t>与大多数语言不同，</a:t>
+            </a:r>
+            <a:r>
+              <a:rPr lang="en-US" altLang="zh-CN" sz="1800" dirty="0" err="1"/>
+              <a:t>Kotlin</a:t>
+            </a:r>
+            <a:r>
+              <a:rPr lang="en-US" altLang="zh-CN" sz="1800" dirty="0"/>
+              <a:t> </a:t>
+            </a:r>
+            <a:r>
+              <a:rPr lang="zh-CN" altLang="en-US" sz="1800" dirty="0"/>
+              <a:t>区分可变集合和不可变集合（</a:t>
+            </a:r>
+            <a:r>
+              <a:rPr lang="en-US" altLang="zh-CN" sz="1800" dirty="0"/>
+              <a:t>lists</a:t>
+            </a:r>
+            <a:r>
+              <a:rPr lang="zh-CN" altLang="en-US" sz="1800" dirty="0"/>
+              <a:t>、</a:t>
+            </a:r>
+            <a:r>
+              <a:rPr lang="en-US" altLang="zh-CN" sz="1800" dirty="0"/>
+              <a:t>sets</a:t>
+            </a:r>
+            <a:r>
+              <a:rPr lang="zh-CN" altLang="en-US" sz="1800" dirty="0"/>
+              <a:t>、</a:t>
+            </a:r>
+            <a:r>
+              <a:rPr lang="en-US" altLang="zh-CN" sz="1800" dirty="0"/>
+              <a:t>maps </a:t>
+            </a:r>
+            <a:r>
+              <a:rPr lang="zh-CN" altLang="en-US" sz="1800" dirty="0"/>
+              <a:t>等），这样的设计有助于精确控制什么时候集合可编辑什么时候不可变。</a:t>
+            </a:r>
+            <a:endParaRPr lang="en-US" altLang="zh-CN" sz="1800" dirty="0"/>
+          </a:p>
+          <a:p>
+            <a:pPr marL="0" indent="0">
+              <a:buNone/>
+            </a:pPr>
+            <a:r>
+              <a:rPr lang="en-US" altLang="zh-CN" sz="1800" dirty="0"/>
+              <a:t>-- </a:t>
+            </a:r>
+            <a:r>
+              <a:rPr lang="en-US" altLang="zh-CN" sz="1800" dirty="0" err="1"/>
+              <a:t>Kotlin</a:t>
+            </a:r>
+            <a:r>
+              <a:rPr lang="en-US" altLang="zh-CN" sz="1800" dirty="0"/>
+              <a:t> </a:t>
+            </a:r>
+            <a:r>
+              <a:rPr lang="zh-CN" altLang="en-US" sz="1800" dirty="0"/>
+              <a:t>的 </a:t>
+            </a:r>
+            <a:r>
+              <a:rPr lang="en-US" altLang="zh-CN" sz="1800" dirty="0"/>
+              <a:t>List&lt;out T&gt; </a:t>
+            </a:r>
+            <a:r>
+              <a:rPr lang="zh-CN" altLang="en-US" sz="1800" dirty="0"/>
+              <a:t>类型是一个提供只读操作如 </a:t>
+            </a:r>
+            <a:r>
+              <a:rPr lang="en-US" altLang="zh-CN" sz="1800" dirty="0"/>
+              <a:t>size</a:t>
+            </a:r>
+            <a:r>
+              <a:rPr lang="zh-CN" altLang="en-US" sz="1800" dirty="0"/>
+              <a:t>、</a:t>
+            </a:r>
+            <a:r>
+              <a:rPr lang="en-US" altLang="zh-CN" sz="1800" dirty="0"/>
+              <a:t>get</a:t>
+            </a:r>
+            <a:r>
+              <a:rPr lang="zh-CN" altLang="en-US" sz="1800" dirty="0"/>
+              <a:t>等的接口。</a:t>
+            </a:r>
+            <a:endParaRPr lang="en-US" altLang="zh-CN" sz="1800" dirty="0"/>
+          </a:p>
+          <a:p>
+            <a:pPr marL="0" indent="0">
+              <a:buNone/>
+            </a:pPr>
+            <a:r>
+              <a:rPr lang="en-US" altLang="zh-CN" sz="1800" dirty="0"/>
+              <a:t>-- </a:t>
+            </a:r>
+            <a:r>
+              <a:rPr lang="zh-CN" altLang="en-US" sz="1800" dirty="0"/>
+              <a:t>如果要使集合可以变，则需要使用</a:t>
+            </a:r>
+            <a:r>
+              <a:rPr lang="en-US" altLang="zh-CN" sz="1800" dirty="0" err="1"/>
+              <a:t>MutableList</a:t>
+            </a:r>
+            <a:r>
+              <a:rPr lang="en-US" altLang="zh-CN" sz="1800" dirty="0"/>
+              <a:t>&lt;T&gt;</a:t>
+            </a:r>
+            <a:r>
+              <a:rPr lang="zh-CN" altLang="en-US" sz="1800" dirty="0"/>
+              <a:t>，</a:t>
+            </a:r>
+            <a:r>
+              <a:rPr lang="en-US" altLang="zh-CN" sz="1800" dirty="0" err="1"/>
+              <a:t>MutableSet</a:t>
+            </a:r>
+            <a:r>
+              <a:rPr lang="en-US" altLang="zh-CN" sz="1800" dirty="0"/>
+              <a:t>&lt;T&gt;</a:t>
+            </a:r>
+            <a:r>
+              <a:rPr lang="zh-CN" altLang="en-US" sz="1800" dirty="0"/>
+              <a:t>，</a:t>
+            </a:r>
+            <a:r>
+              <a:rPr lang="en-US" altLang="zh-CN" sz="1800" dirty="0" err="1"/>
+              <a:t>MutableMap</a:t>
+            </a:r>
+            <a:r>
+              <a:rPr lang="en-US" altLang="zh-CN" sz="1800" dirty="0"/>
+              <a:t>&lt;K, V&gt;</a:t>
+            </a:r>
+            <a:r>
+              <a:rPr lang="zh-CN" altLang="en-US" sz="1800" dirty="0"/>
+              <a:t>。</a:t>
+            </a:r>
+            <a:endParaRPr lang="en-US" altLang="zh-CN" sz="1800" dirty="0"/>
+          </a:p>
+          <a:p>
+            <a:pPr marL="0" indent="0">
+              <a:buNone/>
+            </a:pPr>
+            <a:r>
+              <a:rPr lang="zh-CN" altLang="en-US" sz="1800" dirty="0"/>
+              <a:t>基本用法：</a:t>
+            </a:r>
+            <a:endParaRPr lang="en-US" altLang="zh-CN" sz="1800" dirty="0"/>
+          </a:p>
+          <a:p>
+            <a:pPr marL="0" indent="0">
+              <a:buNone/>
+            </a:pPr>
+            <a:endParaRPr lang="en-US" altLang="zh-CN" sz="1800" dirty="0"/>
+          </a:p>
+          <a:p>
+            <a:pPr marL="0" indent="0">
+              <a:buNone/>
+            </a:pPr>
+            <a:endParaRPr lang="en-US" altLang="zh-CN" sz="1800" dirty="0"/>
+          </a:p>
+          <a:p>
+            <a:pPr marL="0" indent="0">
+              <a:buNone/>
+            </a:pPr>
+            <a:endParaRPr lang="en-US" altLang="zh-CN" sz="1800" dirty="0"/>
+          </a:p>
+          <a:p>
+            <a:pPr marL="0" indent="0">
+              <a:buNone/>
+            </a:pPr>
+            <a:endParaRPr lang="en-US" altLang="zh-CN" sz="1800" dirty="0"/>
+          </a:p>
+          <a:p>
+            <a:pPr marL="0" indent="0">
+              <a:buNone/>
+            </a:pPr>
+            <a:endParaRPr lang="en-US" altLang="zh-CN" sz="1800" dirty="0"/>
+          </a:p>
+          <a:p>
+            <a:pPr marL="0" indent="0">
+              <a:buNone/>
+            </a:pPr>
+            <a:endParaRPr lang="en-US" altLang="zh-CN" sz="1800" dirty="0"/>
+          </a:p>
+          <a:p>
+            <a:pPr marL="0" indent="0">
+              <a:buNone/>
+            </a:pPr>
+            <a:r>
+              <a:rPr lang="en-US" altLang="zh-CN" sz="1800" dirty="0"/>
+              <a:t>--</a:t>
+            </a:r>
+            <a:r>
+              <a:rPr lang="zh-CN" altLang="en-US" sz="1800" dirty="0"/>
+              <a:t>注意上面的</a:t>
+            </a:r>
+            <a:r>
+              <a:rPr lang="en-US" altLang="zh-CN" sz="1800" dirty="0" err="1"/>
+              <a:t>readOnlyView</a:t>
+            </a:r>
+            <a:r>
+              <a:rPr lang="zh-CN" altLang="en-US" sz="1800" dirty="0"/>
+              <a:t>是一个不可变的对象指向一个可变的</a:t>
+            </a:r>
+            <a:r>
+              <a:rPr lang="en-US" altLang="zh-CN" sz="1800" dirty="0"/>
+              <a:t>list</a:t>
+            </a:r>
+            <a:r>
+              <a:rPr lang="zh-CN" altLang="en-US" sz="1800" dirty="0"/>
+              <a:t>，此时它是</a:t>
+            </a:r>
+            <a:r>
+              <a:rPr lang="en-US" altLang="zh-CN" sz="1800" dirty="0"/>
+              <a:t>numbers</a:t>
+            </a:r>
+            <a:r>
+              <a:rPr lang="zh-CN" altLang="en-US" sz="1800" dirty="0"/>
+              <a:t>的一个只读视图。其内容会随着底层数组的变化而变化。（即它自己不能改变底层</a:t>
+            </a:r>
+            <a:r>
+              <a:rPr lang="en-US" altLang="zh-CN" sz="1800" dirty="0"/>
+              <a:t>list</a:t>
+            </a:r>
+            <a:r>
+              <a:rPr lang="zh-CN" altLang="en-US" sz="1800" dirty="0"/>
+              <a:t>，但是也不能阻止底层</a:t>
+            </a:r>
+            <a:r>
+              <a:rPr lang="en-US" altLang="zh-CN" sz="1800" dirty="0"/>
+              <a:t>list</a:t>
+            </a:r>
+            <a:r>
+              <a:rPr lang="zh-CN" altLang="en-US" sz="1800" dirty="0"/>
+              <a:t>自己的变化），如果要实现一个完全不可变的</a:t>
+            </a:r>
+            <a:r>
+              <a:rPr lang="en-US" altLang="zh-CN" sz="1800" dirty="0"/>
+              <a:t>list</a:t>
+            </a:r>
+            <a:r>
+              <a:rPr lang="zh-CN" altLang="en-US" sz="1800" dirty="0"/>
+              <a:t>，如下即可：</a:t>
+            </a:r>
+            <a:endParaRPr lang="en-US" altLang="zh-CN" sz="1800" dirty="0"/>
+          </a:p>
+          <a:p>
+            <a:pPr marL="0" indent="0">
+              <a:buNone/>
+            </a:pPr>
+            <a:endParaRPr lang="en-US" altLang="zh-CN" sz="1800" dirty="0"/>
+          </a:p>
+          <a:p>
+            <a:pPr marL="0" indent="0">
+              <a:buNone/>
+            </a:pPr>
+            <a:endParaRPr lang="en-US" altLang="zh-CN" sz="1800" dirty="0"/>
+          </a:p>
+          <a:p>
+            <a:pPr marL="0" indent="0">
+              <a:buNone/>
+            </a:pPr>
+            <a:endParaRPr lang="en-US" altLang="zh-CN" sz="1800" dirty="0"/>
+          </a:p>
+        </p:txBody>
+      </p:sp>
+      <p:pic>
+        <p:nvPicPr>
+          <p:cNvPr id="8" name="图片 7">
+            <a:extLst>
+              <a:ext uri="{FF2B5EF4-FFF2-40B4-BE49-F238E27FC236}">
+                <a16:creationId xmlns:a16="http://schemas.microsoft.com/office/drawing/2014/main" id="{A5FBA16B-2306-4502-9250-BBB262EBA981}"/>
+              </a:ext>
+            </a:extLst>
+          </p:cNvPr>
+          <p:cNvPicPr>
+            <a:picLocks noChangeAspect="1"/>
+          </p:cNvPicPr>
+          <p:nvPr/>
+        </p:nvPicPr>
+        <p:blipFill>
+          <a:blip r:embed="rId2"/>
+          <a:stretch>
+            <a:fillRect/>
+          </a:stretch>
+        </p:blipFill>
+        <p:spPr>
+          <a:xfrm>
+            <a:off x="930476" y="2593902"/>
+            <a:ext cx="6810375" cy="2257425"/>
+          </a:xfrm>
+          <a:prstGeom prst="rect">
+            <a:avLst/>
+          </a:prstGeom>
+        </p:spPr>
+      </p:pic>
+      <p:pic>
+        <p:nvPicPr>
+          <p:cNvPr id="9" name="图片 8">
+            <a:extLst>
+              <a:ext uri="{FF2B5EF4-FFF2-40B4-BE49-F238E27FC236}">
+                <a16:creationId xmlns:a16="http://schemas.microsoft.com/office/drawing/2014/main" id="{D37E5D9A-74F1-4258-8CEC-AC9F2679FA28}"/>
+              </a:ext>
+            </a:extLst>
+          </p:cNvPr>
+          <p:cNvPicPr>
+            <a:picLocks noChangeAspect="1"/>
+          </p:cNvPicPr>
+          <p:nvPr/>
+        </p:nvPicPr>
+        <p:blipFill>
+          <a:blip r:embed="rId3"/>
+          <a:stretch>
+            <a:fillRect/>
+          </a:stretch>
+        </p:blipFill>
+        <p:spPr>
+          <a:xfrm>
+            <a:off x="930476" y="5784647"/>
+            <a:ext cx="6648450" cy="590550"/>
+          </a:xfrm>
+          <a:prstGeom prst="rect">
+            <a:avLst/>
+          </a:prstGeom>
+        </p:spPr>
+      </p:pic>
+    </p:spTree>
+    <p:extLst>
+      <p:ext uri="{BB962C8B-B14F-4D97-AF65-F5344CB8AC3E}">
+        <p14:creationId xmlns:p14="http://schemas.microsoft.com/office/powerpoint/2010/main" val="264410975"/>
+      </p:ext>
+    </p:extLst>
+  </p:cSld>
+  <p:clrMapOvr>
+    <a:masterClrMapping/>
+  </p:clrMapOvr>
+</p:sld>
+</file>
+
+<file path=ppt/slides/slide21.xml><?xml version="1.0" encoding="utf-8"?>
+<p:sld xmlns:a="http://schemas.openxmlformats.org/drawingml/2006/main" xmlns:r="http://schemas.openxmlformats.org/officeDocument/2006/relationships" xmlns:p="http://schemas.openxmlformats.org/presentationml/2006/main">
+  <p:cSld>
+    <p:spTree>
+      <p:nvGrpSpPr>
+        <p:cNvPr id="1" name=""/>
+        <p:cNvGrpSpPr/>
+        <p:nvPr/>
+      </p:nvGrpSpPr>
+      <p:grpSpPr>
+        <a:xfrm>
+          <a:off x="0" y="0"/>
+          <a:ext cx="0" cy="0"/>
+          <a:chOff x="0" y="0"/>
+          <a:chExt cx="0" cy="0"/>
+        </a:xfrm>
+      </p:grpSpPr>
+      <p:sp>
+        <p:nvSpPr>
+          <p:cNvPr id="2" name="标题 1">
+            <a:extLst>
+              <a:ext uri="{FF2B5EF4-FFF2-40B4-BE49-F238E27FC236}">
+                <a16:creationId xmlns:a16="http://schemas.microsoft.com/office/drawing/2014/main" id="{CE2AF79E-E135-4CC8-A9E4-9B0E409EFD31}"/>
+              </a:ext>
+            </a:extLst>
+          </p:cNvPr>
+          <p:cNvSpPr>
+            <a:spLocks noGrp="1"/>
+          </p:cNvSpPr>
+          <p:nvPr>
+            <p:ph type="title"/>
+          </p:nvPr>
+        </p:nvSpPr>
+        <p:spPr>
+          <a:xfrm>
+            <a:off x="838200" y="328475"/>
+            <a:ext cx="10515600" cy="577048"/>
+          </a:xfrm>
+        </p:spPr>
+        <p:txBody>
+          <a:bodyPr>
+            <a:normAutofit fontScale="90000"/>
+          </a:bodyPr>
+          <a:lstStyle/>
+          <a:p>
+            <a:r>
+              <a:rPr lang="zh-CN" altLang="en-US" sz="3600" dirty="0"/>
+              <a:t>集合和集合操作符</a:t>
+            </a:r>
+            <a:endParaRPr lang="en-US" altLang="zh-CN" sz="3600" dirty="0"/>
+          </a:p>
+        </p:txBody>
+      </p:sp>
+      <p:sp>
+        <p:nvSpPr>
+          <p:cNvPr id="3" name="内容占位符 2">
+            <a:extLst>
+              <a:ext uri="{FF2B5EF4-FFF2-40B4-BE49-F238E27FC236}">
+                <a16:creationId xmlns:a16="http://schemas.microsoft.com/office/drawing/2014/main" id="{8A9A9357-CBDA-4879-9759-7D2BDA22296E}"/>
+              </a:ext>
+            </a:extLst>
+          </p:cNvPr>
+          <p:cNvSpPr>
+            <a:spLocks noGrp="1"/>
+          </p:cNvSpPr>
+          <p:nvPr>
+            <p:ph idx="1"/>
+          </p:nvPr>
+        </p:nvSpPr>
+        <p:spPr>
+          <a:xfrm>
+            <a:off x="838199" y="905523"/>
+            <a:ext cx="11158057" cy="5810436"/>
+          </a:xfrm>
+        </p:spPr>
+        <p:txBody>
+          <a:bodyPr>
+            <a:normAutofit/>
+          </a:bodyPr>
+          <a:lstStyle/>
+          <a:p>
+            <a:pPr marL="0" indent="0">
+              <a:buNone/>
+            </a:pPr>
+            <a:r>
+              <a:rPr lang="en-US" altLang="zh-CN" sz="1800" dirty="0" err="1"/>
+              <a:t>Kotlin</a:t>
+            </a:r>
+            <a:r>
+              <a:rPr lang="zh-CN" altLang="en-US" sz="1800" dirty="0"/>
+              <a:t>中的集合提供了很多的便捷扩展方法。</a:t>
+            </a:r>
+            <a:endParaRPr lang="en-US" altLang="zh-CN" sz="1800" dirty="0"/>
+          </a:p>
+          <a:p>
+            <a:pPr marL="0" indent="0">
+              <a:buNone/>
+            </a:pPr>
+            <a:endParaRPr lang="en-US" altLang="zh-CN" sz="1800" dirty="0"/>
+          </a:p>
+          <a:p>
+            <a:pPr marL="0" indent="0">
+              <a:buNone/>
+            </a:pPr>
+            <a:endParaRPr lang="en-US" altLang="zh-CN" sz="1800" dirty="0"/>
+          </a:p>
+          <a:p>
+            <a:pPr marL="0" indent="0">
+              <a:buNone/>
+            </a:pPr>
+            <a:endParaRPr lang="en-US" altLang="zh-CN" sz="1800" dirty="0"/>
+          </a:p>
+          <a:p>
+            <a:pPr marL="0" indent="0">
+              <a:buNone/>
+            </a:pPr>
+            <a:endParaRPr lang="en-US" altLang="zh-CN" sz="1800" dirty="0"/>
+          </a:p>
+          <a:p>
+            <a:pPr marL="0" indent="0">
+              <a:buNone/>
+            </a:pPr>
+            <a:endParaRPr lang="en-US" altLang="zh-CN" sz="1800" dirty="0"/>
+          </a:p>
+          <a:p>
+            <a:pPr marL="0" indent="0">
+              <a:buNone/>
+            </a:pPr>
+            <a:endParaRPr lang="en-US" altLang="zh-CN" sz="1800" dirty="0"/>
+          </a:p>
+          <a:p>
+            <a:pPr marL="0" indent="0">
+              <a:buNone/>
+            </a:pPr>
+            <a:endParaRPr lang="en-US" altLang="zh-CN" sz="1800" dirty="0"/>
+          </a:p>
+          <a:p>
+            <a:pPr marL="0" indent="0">
+              <a:buNone/>
+            </a:pPr>
+            <a:r>
+              <a:rPr lang="zh-CN" altLang="en-US" sz="1800" dirty="0"/>
+              <a:t>同样还有其他很多的实用方法，如</a:t>
+            </a:r>
+            <a:r>
+              <a:rPr lang="en-US" altLang="zh-CN" sz="1800" dirty="0"/>
+              <a:t>sort</a:t>
+            </a:r>
+            <a:r>
+              <a:rPr lang="zh-CN" altLang="en-US" sz="1800" dirty="0"/>
+              <a:t>、</a:t>
+            </a:r>
+            <a:r>
+              <a:rPr lang="en-US" altLang="zh-CN" sz="1800" dirty="0"/>
+              <a:t>zip</a:t>
+            </a:r>
+            <a:r>
+              <a:rPr lang="zh-CN" altLang="en-US" sz="1800" dirty="0"/>
+              <a:t>、</a:t>
+            </a:r>
+            <a:r>
+              <a:rPr lang="en-US" altLang="zh-CN" sz="1800" dirty="0"/>
+              <a:t>fold</a:t>
+            </a:r>
+            <a:r>
+              <a:rPr lang="zh-CN" altLang="en-US" sz="1800" dirty="0"/>
+              <a:t>、</a:t>
+            </a:r>
+            <a:r>
+              <a:rPr lang="en-US" altLang="zh-CN" sz="1800" dirty="0"/>
+              <a:t>reduce </a:t>
+            </a:r>
+            <a:r>
+              <a:rPr lang="zh-CN" altLang="en-US" sz="1800"/>
+              <a:t>等等。</a:t>
+            </a:r>
+            <a:endParaRPr lang="en-US" altLang="zh-CN" sz="1800" dirty="0"/>
+          </a:p>
+          <a:p>
+            <a:pPr marL="0" indent="0">
+              <a:buNone/>
+            </a:pPr>
+            <a:endParaRPr lang="en-US" altLang="zh-CN" sz="1800" dirty="0"/>
+          </a:p>
+          <a:p>
+            <a:pPr marL="0" indent="0">
+              <a:buNone/>
+            </a:pPr>
+            <a:endParaRPr lang="en-US" altLang="zh-CN" sz="1800" dirty="0"/>
+          </a:p>
+        </p:txBody>
+      </p:sp>
+      <p:pic>
+        <p:nvPicPr>
+          <p:cNvPr id="4" name="图片 3">
+            <a:extLst>
+              <a:ext uri="{FF2B5EF4-FFF2-40B4-BE49-F238E27FC236}">
+                <a16:creationId xmlns:a16="http://schemas.microsoft.com/office/drawing/2014/main" id="{330EBAE0-4E6E-4520-849C-CCBB83D6C80A}"/>
+              </a:ext>
+            </a:extLst>
+          </p:cNvPr>
+          <p:cNvPicPr>
+            <a:picLocks noChangeAspect="1"/>
+          </p:cNvPicPr>
+          <p:nvPr/>
+        </p:nvPicPr>
+        <p:blipFill>
+          <a:blip r:embed="rId2"/>
+          <a:stretch>
+            <a:fillRect/>
+          </a:stretch>
+        </p:blipFill>
+        <p:spPr>
+          <a:xfrm>
+            <a:off x="946295" y="1282030"/>
+            <a:ext cx="7296150" cy="2381250"/>
+          </a:xfrm>
+          <a:prstGeom prst="rect">
+            <a:avLst/>
+          </a:prstGeom>
+        </p:spPr>
+      </p:pic>
+    </p:spTree>
+    <p:extLst>
+      <p:ext uri="{BB962C8B-B14F-4D97-AF65-F5344CB8AC3E}">
+        <p14:creationId xmlns:p14="http://schemas.microsoft.com/office/powerpoint/2010/main" val="2546752463"/>
       </p:ext>
     </p:extLst>
   </p:cSld>

--- a/docs/初探kotlin.pptx
+++ b/docs/初探kotlin.pptx
@@ -26,6 +26,12 @@
     <p:sldId id="275" r:id="rId20"/>
     <p:sldId id="276" r:id="rId21"/>
     <p:sldId id="277" r:id="rId22"/>
+    <p:sldId id="278" r:id="rId23"/>
+    <p:sldId id="279" r:id="rId24"/>
+    <p:sldId id="280" r:id="rId25"/>
+    <p:sldId id="283" r:id="rId26"/>
+    <p:sldId id="281" r:id="rId27"/>
+    <p:sldId id="282" r:id="rId28"/>
   </p:sldIdLst>
   <p:sldSz cx="12192000" cy="6858000"/>
   <p:notesSz cx="6858000" cy="9144000"/>
@@ -283,7 +289,7 @@
           <a:p>
             <a:fld id="{AFB6B5B2-4C17-47BC-B4FC-EB545BEC8073}" type="datetimeFigureOut">
               <a:rPr lang="zh-CN" altLang="en-US" smtClean="0"/>
-              <a:t>2017/9/26</a:t>
+              <a:t>2017/9/27</a:t>
             </a:fld>
             <a:endParaRPr lang="zh-CN" altLang="en-US"/>
           </a:p>
@@ -481,7 +487,7 @@
           <a:p>
             <a:fld id="{AFB6B5B2-4C17-47BC-B4FC-EB545BEC8073}" type="datetimeFigureOut">
               <a:rPr lang="zh-CN" altLang="en-US" smtClean="0"/>
-              <a:t>2017/9/26</a:t>
+              <a:t>2017/9/27</a:t>
             </a:fld>
             <a:endParaRPr lang="zh-CN" altLang="en-US"/>
           </a:p>
@@ -689,7 +695,7 @@
           <a:p>
             <a:fld id="{AFB6B5B2-4C17-47BC-B4FC-EB545BEC8073}" type="datetimeFigureOut">
               <a:rPr lang="zh-CN" altLang="en-US" smtClean="0"/>
-              <a:t>2017/9/26</a:t>
+              <a:t>2017/9/27</a:t>
             </a:fld>
             <a:endParaRPr lang="zh-CN" altLang="en-US"/>
           </a:p>
@@ -887,7 +893,7 @@
           <a:p>
             <a:fld id="{AFB6B5B2-4C17-47BC-B4FC-EB545BEC8073}" type="datetimeFigureOut">
               <a:rPr lang="zh-CN" altLang="en-US" smtClean="0"/>
-              <a:t>2017/9/26</a:t>
+              <a:t>2017/9/27</a:t>
             </a:fld>
             <a:endParaRPr lang="zh-CN" altLang="en-US"/>
           </a:p>
@@ -1162,7 +1168,7 @@
           <a:p>
             <a:fld id="{AFB6B5B2-4C17-47BC-B4FC-EB545BEC8073}" type="datetimeFigureOut">
               <a:rPr lang="zh-CN" altLang="en-US" smtClean="0"/>
-              <a:t>2017/9/26</a:t>
+              <a:t>2017/9/27</a:t>
             </a:fld>
             <a:endParaRPr lang="zh-CN" altLang="en-US"/>
           </a:p>
@@ -1427,7 +1433,7 @@
           <a:p>
             <a:fld id="{AFB6B5B2-4C17-47BC-B4FC-EB545BEC8073}" type="datetimeFigureOut">
               <a:rPr lang="zh-CN" altLang="en-US" smtClean="0"/>
-              <a:t>2017/9/26</a:t>
+              <a:t>2017/9/27</a:t>
             </a:fld>
             <a:endParaRPr lang="zh-CN" altLang="en-US"/>
           </a:p>
@@ -1839,7 +1845,7 @@
           <a:p>
             <a:fld id="{AFB6B5B2-4C17-47BC-B4FC-EB545BEC8073}" type="datetimeFigureOut">
               <a:rPr lang="zh-CN" altLang="en-US" smtClean="0"/>
-              <a:t>2017/9/26</a:t>
+              <a:t>2017/9/27</a:t>
             </a:fld>
             <a:endParaRPr lang="zh-CN" altLang="en-US"/>
           </a:p>
@@ -1980,7 +1986,7 @@
           <a:p>
             <a:fld id="{AFB6B5B2-4C17-47BC-B4FC-EB545BEC8073}" type="datetimeFigureOut">
               <a:rPr lang="zh-CN" altLang="en-US" smtClean="0"/>
-              <a:t>2017/9/26</a:t>
+              <a:t>2017/9/27</a:t>
             </a:fld>
             <a:endParaRPr lang="zh-CN" altLang="en-US"/>
           </a:p>
@@ -2093,7 +2099,7 @@
           <a:p>
             <a:fld id="{AFB6B5B2-4C17-47BC-B4FC-EB545BEC8073}" type="datetimeFigureOut">
               <a:rPr lang="zh-CN" altLang="en-US" smtClean="0"/>
-              <a:t>2017/9/26</a:t>
+              <a:t>2017/9/27</a:t>
             </a:fld>
             <a:endParaRPr lang="zh-CN" altLang="en-US"/>
           </a:p>
@@ -2404,7 +2410,7 @@
           <a:p>
             <a:fld id="{AFB6B5B2-4C17-47BC-B4FC-EB545BEC8073}" type="datetimeFigureOut">
               <a:rPr lang="zh-CN" altLang="en-US" smtClean="0"/>
-              <a:t>2017/9/26</a:t>
+              <a:t>2017/9/27</a:t>
             </a:fld>
             <a:endParaRPr lang="zh-CN" altLang="en-US"/>
           </a:p>
@@ -2692,7 +2698,7 @@
           <a:p>
             <a:fld id="{AFB6B5B2-4C17-47BC-B4FC-EB545BEC8073}" type="datetimeFigureOut">
               <a:rPr lang="zh-CN" altLang="en-US" smtClean="0"/>
-              <a:t>2017/9/26</a:t>
+              <a:t>2017/9/27</a:t>
             </a:fld>
             <a:endParaRPr lang="zh-CN" altLang="en-US"/>
           </a:p>
@@ -2933,7 +2939,7 @@
           <a:p>
             <a:fld id="{AFB6B5B2-4C17-47BC-B4FC-EB545BEC8073}" type="datetimeFigureOut">
               <a:rPr lang="zh-CN" altLang="en-US" smtClean="0"/>
-              <a:t>2017/9/26</a:t>
+              <a:t>2017/9/27</a:t>
             </a:fld>
             <a:endParaRPr lang="zh-CN" altLang="en-US"/>
           </a:p>
@@ -3521,7 +3527,7 @@
         </p:spPr>
         <p:txBody>
           <a:bodyPr>
-            <a:normAutofit fontScale="92500" lnSpcReduction="20000"/>
+            <a:normAutofit/>
           </a:bodyPr>
           <a:lstStyle/>
           <a:p>
@@ -3546,36 +3552,6 @@
               <a:rPr lang="zh-CN" altLang="en-US" sz="2000" dirty="0"/>
               <a:t>类似于扩展方法，我们也可以很轻松给类添加扩展属性。</a:t>
             </a:r>
-            <a:endParaRPr lang="en-US" altLang="zh-CN" sz="2000" dirty="0"/>
-          </a:p>
-          <a:p>
-            <a:pPr marL="0" indent="0">
-              <a:buNone/>
-            </a:pPr>
-            <a:endParaRPr lang="en-US" altLang="zh-CN" sz="2000" dirty="0"/>
-          </a:p>
-          <a:p>
-            <a:pPr marL="0" indent="0">
-              <a:buNone/>
-            </a:pPr>
-            <a:endParaRPr lang="en-US" altLang="zh-CN" sz="2000" dirty="0"/>
-          </a:p>
-          <a:p>
-            <a:pPr marL="0" indent="0">
-              <a:buNone/>
-            </a:pPr>
-            <a:endParaRPr lang="en-US" altLang="zh-CN" sz="2000" dirty="0"/>
-          </a:p>
-          <a:p>
-            <a:pPr marL="0" indent="0">
-              <a:buNone/>
-            </a:pPr>
-            <a:endParaRPr lang="en-US" altLang="zh-CN" sz="2000" dirty="0"/>
-          </a:p>
-          <a:p>
-            <a:pPr marL="0" indent="0">
-              <a:buNone/>
-            </a:pPr>
             <a:endParaRPr lang="en-US" altLang="zh-CN" sz="2000" dirty="0"/>
           </a:p>
           <a:p>
@@ -3668,10 +3644,10 @@
       </p:sp>
       <p:pic>
         <p:nvPicPr>
-          <p:cNvPr id="6" name="图片 5">
-            <a:extLst>
-              <a:ext uri="{FF2B5EF4-FFF2-40B4-BE49-F238E27FC236}">
-                <a16:creationId xmlns:a16="http://schemas.microsoft.com/office/drawing/2014/main" id="{5125A721-9264-4021-BA88-48A20CA7ED41}"/>
+          <p:cNvPr id="7" name="图片 6">
+            <a:extLst>
+              <a:ext uri="{FF2B5EF4-FFF2-40B4-BE49-F238E27FC236}">
+                <a16:creationId xmlns:a16="http://schemas.microsoft.com/office/drawing/2014/main" id="{E4FE5D34-C4EB-499B-ACF5-8CB18BD57F6F}"/>
               </a:ext>
             </a:extLst>
           </p:cNvPr>
@@ -3688,8 +3664,8 @@
         </p:blipFill>
         <p:spPr>
           <a:xfrm>
-            <a:off x="948014" y="1749825"/>
-            <a:ext cx="5324475" cy="2076450"/>
+            <a:off x="7986897" y="1121175"/>
+            <a:ext cx="3267075" cy="3124200"/>
           </a:xfrm>
           <a:prstGeom prst="rect">
             <a:avLst/>
@@ -3698,13 +3674,7 @@
       </p:pic>
       <p:pic>
         <p:nvPicPr>
-          <p:cNvPr id="7" name="图片 6">
-            <a:extLst>
-              <a:ext uri="{FF2B5EF4-FFF2-40B4-BE49-F238E27FC236}">
-                <a16:creationId xmlns:a16="http://schemas.microsoft.com/office/drawing/2014/main" id="{E4FE5D34-C4EB-499B-ACF5-8CB18BD57F6F}"/>
-              </a:ext>
-            </a:extLst>
-          </p:cNvPr>
+          <p:cNvPr id="4" name="图片 3"/>
           <p:cNvPicPr>
             <a:picLocks noChangeAspect="1"/>
           </p:cNvPicPr>
@@ -3718,8 +3688,8 @@
         </p:blipFill>
         <p:spPr>
           <a:xfrm>
-            <a:off x="7986897" y="1121175"/>
-            <a:ext cx="3267075" cy="3124200"/>
+            <a:off x="1015117" y="1791697"/>
+            <a:ext cx="4342857" cy="714286"/>
           </a:xfrm>
           <a:prstGeom prst="rect">
             <a:avLst/>
@@ -6381,12 +6351,12 @@
         <p:spPr>
           <a:xfrm>
             <a:off x="838200" y="976544"/>
-            <a:ext cx="10515600" cy="5521910"/>
+            <a:ext cx="10515600" cy="5632074"/>
           </a:xfrm>
         </p:spPr>
         <p:txBody>
           <a:bodyPr>
-            <a:normAutofit fontScale="77500" lnSpcReduction="20000"/>
+            <a:normAutofit fontScale="92500" lnSpcReduction="20000"/>
           </a:bodyPr>
           <a:lstStyle/>
           <a:p>
@@ -6398,24 +6368,16 @@
               <a:t>1</a:t>
             </a:r>
             <a:r>
-              <a:rPr lang="zh-CN" altLang="en-US" dirty="0"/>
-              <a:t>、什么是</a:t>
-            </a:r>
-            <a:r>
-              <a:rPr lang="en-US" altLang="zh-CN" dirty="0" err="1"/>
+              <a:rPr lang="zh-CN" altLang="en-US" dirty="0" smtClean="0"/>
+              <a:t>、</a:t>
+            </a:r>
+            <a:r>
+              <a:rPr lang="en-US" altLang="zh-CN" dirty="0" err="1" smtClean="0"/>
               <a:t>kotlin</a:t>
             </a:r>
             <a:r>
-              <a:rPr lang="zh-CN" altLang="en-US" dirty="0"/>
-              <a:t>，通过</a:t>
-            </a:r>
-            <a:r>
-              <a:rPr lang="en-US" altLang="zh-CN" dirty="0" err="1"/>
-              <a:t>kotlin</a:t>
-            </a:r>
-            <a:r>
-              <a:rPr lang="zh-CN" altLang="en-US" dirty="0"/>
-              <a:t>我们可以得到什么？</a:t>
+              <a:rPr lang="zh-CN" altLang="en-US" dirty="0" smtClean="0"/>
+              <a:t>简介</a:t>
             </a:r>
             <a:endParaRPr lang="en-US" altLang="zh-CN" dirty="0"/>
           </a:p>
@@ -6424,7 +6386,7 @@
               <a:buNone/>
             </a:pPr>
             <a:r>
-              <a:rPr lang="en-US" altLang="zh-CN" dirty="0"/>
+              <a:rPr lang="en-US" altLang="zh-CN" dirty="0" smtClean="0"/>
               <a:t>2</a:t>
             </a:r>
             <a:r>
@@ -6582,7 +6544,11 @@
             </a:r>
             <a:r>
               <a:rPr lang="zh-CN" altLang="en-US" dirty="0"/>
-              <a:t>、泛型</a:t>
+              <a:t>、泛</a:t>
+            </a:r>
+            <a:r>
+              <a:rPr lang="zh-CN" altLang="en-US" dirty="0" smtClean="0"/>
+              <a:t>型</a:t>
             </a:r>
             <a:endParaRPr lang="en-US" altLang="zh-CN" dirty="0"/>
           </a:p>
@@ -6591,20 +6557,20 @@
               <a:buNone/>
             </a:pPr>
             <a:r>
-              <a:rPr lang="en-US" altLang="zh-CN" dirty="0"/>
+              <a:rPr lang="en-US" altLang="zh-CN" dirty="0" smtClean="0"/>
               <a:t>12</a:t>
             </a:r>
             <a:r>
+              <a:rPr lang="zh-CN" altLang="en-US" dirty="0" smtClean="0"/>
+              <a:t>、</a:t>
+            </a:r>
+            <a:r>
               <a:rPr lang="zh-CN" altLang="en-US" dirty="0"/>
-              <a:t>、</a:t>
-            </a:r>
-            <a:r>
-              <a:rPr lang="en-US" altLang="zh-CN" dirty="0"/>
-              <a:t>with</a:t>
-            </a:r>
-            <a:r>
-              <a:rPr lang="zh-CN" altLang="en-US" dirty="0"/>
-              <a:t>操作符</a:t>
+              <a:t>智能</a:t>
+            </a:r>
+            <a:r>
+              <a:rPr lang="zh-CN" altLang="en-US" dirty="0" smtClean="0"/>
+              <a:t>转换</a:t>
             </a:r>
             <a:endParaRPr lang="en-US" altLang="zh-CN" dirty="0"/>
           </a:p>
@@ -6613,14 +6579,14 @@
               <a:buNone/>
             </a:pPr>
             <a:r>
-              <a:rPr lang="en-US" altLang="zh-CN" dirty="0"/>
+              <a:rPr lang="en-US" altLang="zh-CN" dirty="0" smtClean="0"/>
               <a:t>13</a:t>
             </a:r>
             <a:r>
-              <a:rPr lang="zh-CN" altLang="en-US" dirty="0"/>
-              <a:t>、只能转换</a:t>
-            </a:r>
-            <a:endParaRPr lang="en-US" altLang="zh-CN" dirty="0"/>
+              <a:rPr lang="zh-CN" altLang="en-US" dirty="0" smtClean="0"/>
+              <a:t>、接口</a:t>
+            </a:r>
+            <a:endParaRPr lang="en-US" altLang="zh-CN" dirty="0" smtClean="0"/>
           </a:p>
           <a:p>
             <a:pPr marL="0" indent="0">
@@ -6640,14 +6606,7 @@
             <a:pPr marL="0" indent="0">
               <a:buNone/>
             </a:pPr>
-            <a:r>
-              <a:rPr lang="en-US" altLang="zh-CN" dirty="0"/>
-              <a:t>15</a:t>
-            </a:r>
-            <a:r>
-              <a:rPr lang="zh-CN" altLang="en-US" dirty="0"/>
-              <a:t>、接口</a:t>
-            </a:r>
+            <a:endParaRPr lang="zh-CN" altLang="en-US" dirty="0"/>
           </a:p>
         </p:txBody>
       </p:sp>
@@ -7260,8 +7219,12 @@
               <a:t>reduce </a:t>
             </a:r>
             <a:r>
-              <a:rPr lang="zh-CN" altLang="en-US" sz="1800"/>
-              <a:t>等等。</a:t>
+              <a:rPr lang="zh-CN" altLang="en-US" sz="1800" dirty="0"/>
+              <a:t>等等</a:t>
+            </a:r>
+            <a:r>
+              <a:rPr lang="zh-CN" altLang="en-US" sz="1800" dirty="0" smtClean="0"/>
+              <a:t>。（参看函数操作符一章）</a:t>
             </a:r>
             <a:endParaRPr lang="en-US" altLang="zh-CN" sz="1800" dirty="0"/>
           </a:p>
@@ -7309,6 +7272,39 @@
           </a:prstGeom>
         </p:spPr>
       </p:pic>
+      <p:sp>
+        <p:nvSpPr>
+          <p:cNvPr id="5" name="矩形 4"/>
+          <p:cNvSpPr/>
+          <p:nvPr/>
+        </p:nvSpPr>
+        <p:spPr>
+          <a:xfrm>
+            <a:off x="5304758" y="3244334"/>
+            <a:ext cx="1582484" cy="369332"/>
+          </a:xfrm>
+          <a:prstGeom prst="rect">
+            <a:avLst/>
+          </a:prstGeom>
+        </p:spPr>
+        <p:txBody>
+          <a:bodyPr wrap="none">
+            <a:spAutoFit/>
+          </a:bodyPr>
+          <a:lstStyle/>
+          <a:p>
+            <a:r>
+              <a:rPr lang="en-US" altLang="zh-CN" dirty="0"/>
+              <a:t>14</a:t>
+            </a:r>
+            <a:r>
+              <a:rPr lang="zh-CN" altLang="en-US" dirty="0"/>
+              <a:t>、学习资料</a:t>
+            </a:r>
+            <a:endParaRPr lang="en-US" altLang="zh-CN" dirty="0"/>
+          </a:p>
+        </p:txBody>
+      </p:sp>
     </p:spTree>
     <p:extLst>
       <p:ext uri="{BB962C8B-B14F-4D97-AF65-F5344CB8AC3E}">
@@ -7319,6 +7315,1744 @@
   <p:clrMapOvr>
     <a:masterClrMapping/>
   </p:clrMapOvr>
+</p:sld>
+</file>
+
+<file path=ppt/slides/slide22.xml><?xml version="1.0" encoding="utf-8"?>
+<p:sld xmlns:a="http://schemas.openxmlformats.org/drawingml/2006/main" xmlns:r="http://schemas.openxmlformats.org/officeDocument/2006/relationships" xmlns:p="http://schemas.openxmlformats.org/presentationml/2006/main">
+  <p:cSld>
+    <p:spTree>
+      <p:nvGrpSpPr>
+        <p:cNvPr id="1" name=""/>
+        <p:cNvGrpSpPr/>
+        <p:nvPr/>
+      </p:nvGrpSpPr>
+      <p:grpSpPr>
+        <a:xfrm>
+          <a:off x="0" y="0"/>
+          <a:ext cx="0" cy="0"/>
+          <a:chOff x="0" y="0"/>
+          <a:chExt cx="0" cy="0"/>
+        </a:xfrm>
+      </p:grpSpPr>
+      <p:sp>
+        <p:nvSpPr>
+          <p:cNvPr id="2" name="标题 1">
+            <a:extLst>
+              <a:ext uri="{FF2B5EF4-FFF2-40B4-BE49-F238E27FC236}">
+                <a16:creationId xmlns:a16="http://schemas.microsoft.com/office/drawing/2014/main" id="{CE2AF79E-E135-4CC8-A9E4-9B0E409EFD31}"/>
+              </a:ext>
+            </a:extLst>
+          </p:cNvPr>
+          <p:cNvSpPr>
+            <a:spLocks noGrp="1"/>
+          </p:cNvSpPr>
+          <p:nvPr>
+            <p:ph type="title"/>
+          </p:nvPr>
+        </p:nvSpPr>
+        <p:spPr>
+          <a:xfrm>
+            <a:off x="838200" y="328475"/>
+            <a:ext cx="10515600" cy="577048"/>
+          </a:xfrm>
+        </p:spPr>
+        <p:txBody>
+          <a:bodyPr>
+            <a:normAutofit fontScale="90000"/>
+          </a:bodyPr>
+          <a:lstStyle/>
+          <a:p>
+            <a:r>
+              <a:rPr lang="zh-CN" altLang="en-US" sz="3600" dirty="0" smtClean="0"/>
+              <a:t>控制流与</a:t>
+            </a:r>
+            <a:r>
+              <a:rPr lang="en-US" altLang="zh-CN" sz="3600" dirty="0" smtClean="0"/>
+              <a:t>ranges</a:t>
+            </a:r>
+            <a:endParaRPr lang="en-US" altLang="zh-CN" sz="3600" dirty="0"/>
+          </a:p>
+        </p:txBody>
+      </p:sp>
+      <p:sp>
+        <p:nvSpPr>
+          <p:cNvPr id="3" name="内容占位符 2">
+            <a:extLst>
+              <a:ext uri="{FF2B5EF4-FFF2-40B4-BE49-F238E27FC236}">
+                <a16:creationId xmlns:a16="http://schemas.microsoft.com/office/drawing/2014/main" id="{8A9A9357-CBDA-4879-9759-7D2BDA22296E}"/>
+              </a:ext>
+            </a:extLst>
+          </p:cNvPr>
+          <p:cNvSpPr>
+            <a:spLocks noGrp="1"/>
+          </p:cNvSpPr>
+          <p:nvPr>
+            <p:ph idx="1"/>
+          </p:nvPr>
+        </p:nvSpPr>
+        <p:spPr>
+          <a:xfrm>
+            <a:off x="838199" y="905523"/>
+            <a:ext cx="11158057" cy="5810436"/>
+          </a:xfrm>
+        </p:spPr>
+        <p:txBody>
+          <a:bodyPr>
+            <a:normAutofit/>
+          </a:bodyPr>
+          <a:lstStyle/>
+          <a:p>
+            <a:pPr marL="0" indent="0">
+              <a:buNone/>
+            </a:pPr>
+            <a:r>
+              <a:rPr lang="en-US" altLang="zh-CN" sz="1800" dirty="0" smtClean="0"/>
+              <a:t>1</a:t>
+            </a:r>
+            <a:r>
+              <a:rPr lang="zh-CN" altLang="en-US" sz="1800" dirty="0" smtClean="0"/>
+              <a:t>、</a:t>
+            </a:r>
+            <a:r>
+              <a:rPr lang="en-US" altLang="zh-CN" sz="1800" dirty="0" smtClean="0"/>
+              <a:t>if…else </a:t>
+            </a:r>
+          </a:p>
+          <a:p>
+            <a:pPr marL="0" indent="0">
+              <a:buNone/>
+            </a:pPr>
+            <a:r>
+              <a:rPr lang="zh-CN" altLang="en-US" sz="1800" dirty="0"/>
+              <a:t>在</a:t>
+            </a:r>
+            <a:r>
+              <a:rPr lang="en-US" altLang="zh-CN" sz="1800" dirty="0" err="1"/>
+              <a:t>kotlin</a:t>
+            </a:r>
+            <a:r>
+              <a:rPr lang="zh-CN" altLang="en-US" sz="1800" dirty="0" smtClean="0"/>
+              <a:t>中</a:t>
+            </a:r>
+            <a:r>
+              <a:rPr lang="en-US" altLang="zh-CN" sz="1800" dirty="0" smtClean="0"/>
+              <a:t>if </a:t>
+            </a:r>
+            <a:r>
+              <a:rPr lang="zh-CN" altLang="en-US" sz="1800" dirty="0" smtClean="0"/>
+              <a:t>可以是一个表达式，所以它可以位于“</a:t>
+            </a:r>
+            <a:r>
+              <a:rPr lang="en-US" altLang="zh-CN" sz="1800" dirty="0" smtClean="0"/>
+              <a:t>=</a:t>
+            </a:r>
+            <a:r>
+              <a:rPr lang="zh-CN" altLang="en-US" sz="1800" dirty="0" smtClean="0"/>
+              <a:t>”号右边</a:t>
+            </a:r>
+            <a:endParaRPr lang="en-US" altLang="zh-CN" sz="1800" dirty="0"/>
+          </a:p>
+          <a:p>
+            <a:pPr marL="0" indent="0">
+              <a:buNone/>
+            </a:pPr>
+            <a:endParaRPr lang="en-US" altLang="zh-CN" sz="1800" dirty="0" smtClean="0"/>
+          </a:p>
+          <a:p>
+            <a:pPr marL="0" indent="0">
+              <a:buNone/>
+            </a:pPr>
+            <a:endParaRPr lang="en-US" altLang="zh-CN" sz="1800" dirty="0" smtClean="0"/>
+          </a:p>
+          <a:p>
+            <a:pPr marL="0" indent="0">
+              <a:buNone/>
+            </a:pPr>
+            <a:r>
+              <a:rPr lang="en-US" altLang="zh-CN" sz="1800" dirty="0" smtClean="0"/>
+              <a:t>2</a:t>
+            </a:r>
+            <a:r>
+              <a:rPr lang="zh-CN" altLang="en-US" sz="1800" dirty="0" smtClean="0"/>
+              <a:t>、</a:t>
+            </a:r>
+            <a:r>
+              <a:rPr lang="en-US" altLang="zh-CN" sz="1800" dirty="0" smtClean="0"/>
+              <a:t>when</a:t>
+            </a:r>
+          </a:p>
+          <a:p>
+            <a:pPr marL="0" indent="0">
+              <a:buNone/>
+            </a:pPr>
+            <a:r>
+              <a:rPr lang="en-US" altLang="zh-CN" sz="1800" dirty="0" smtClean="0"/>
+              <a:t>When</a:t>
+            </a:r>
+            <a:r>
+              <a:rPr lang="zh-CN" altLang="en-US" sz="1800" dirty="0" smtClean="0"/>
+              <a:t>类似于</a:t>
+            </a:r>
+            <a:r>
+              <a:rPr lang="en-US" altLang="zh-CN" sz="1800" dirty="0" smtClean="0"/>
+              <a:t>java</a:t>
+            </a:r>
+            <a:r>
+              <a:rPr lang="zh-CN" altLang="en-US" sz="1800" dirty="0" smtClean="0"/>
+              <a:t>中的</a:t>
+            </a:r>
+            <a:r>
+              <a:rPr lang="en-US" altLang="zh-CN" sz="1800" dirty="0" smtClean="0"/>
+              <a:t>switch</a:t>
+            </a:r>
+            <a:r>
+              <a:rPr lang="zh-CN" altLang="en-US" sz="1800" dirty="0" smtClean="0"/>
+              <a:t>，但是其功能要强大的多。</a:t>
+            </a:r>
+            <a:r>
+              <a:rPr lang="en-US" altLang="zh-CN" sz="1800" dirty="0" smtClean="0"/>
+              <a:t>When</a:t>
+            </a:r>
+            <a:r>
+              <a:rPr lang="zh-CN" altLang="en-US" sz="1800" dirty="0" smtClean="0"/>
+              <a:t>同样也可以当做一个表达式处理。</a:t>
+            </a:r>
+            <a:endParaRPr lang="en-US" altLang="zh-CN" sz="1800" dirty="0" smtClean="0"/>
+          </a:p>
+          <a:p>
+            <a:pPr marL="0" indent="0">
+              <a:buNone/>
+            </a:pPr>
+            <a:endParaRPr lang="en-US" altLang="zh-CN" sz="1800" dirty="0"/>
+          </a:p>
+          <a:p>
+            <a:pPr marL="0" indent="0">
+              <a:buNone/>
+            </a:pPr>
+            <a:endParaRPr lang="en-US" altLang="zh-CN" sz="1800" dirty="0" smtClean="0"/>
+          </a:p>
+          <a:p>
+            <a:pPr marL="0" indent="0">
+              <a:buNone/>
+            </a:pPr>
+            <a:endParaRPr lang="en-US" altLang="zh-CN" sz="1800" dirty="0"/>
+          </a:p>
+          <a:p>
+            <a:pPr marL="0" indent="0">
+              <a:buNone/>
+            </a:pPr>
+            <a:endParaRPr lang="en-US" altLang="zh-CN" sz="1800" dirty="0" smtClean="0"/>
+          </a:p>
+          <a:p>
+            <a:pPr marL="0" indent="0">
+              <a:buNone/>
+            </a:pPr>
+            <a:endParaRPr lang="en-US" altLang="zh-CN" sz="1800" dirty="0"/>
+          </a:p>
+          <a:p>
+            <a:pPr marL="0" indent="0">
+              <a:buNone/>
+            </a:pPr>
+            <a:r>
+              <a:rPr lang="en-US" altLang="zh-CN" sz="1800" dirty="0" smtClean="0"/>
+              <a:t>3</a:t>
+            </a:r>
+            <a:r>
+              <a:rPr lang="zh-CN" altLang="en-US" sz="1800" dirty="0" smtClean="0"/>
+              <a:t>、</a:t>
+            </a:r>
+            <a:r>
+              <a:rPr lang="en-US" altLang="zh-CN" sz="1800" dirty="0" smtClean="0"/>
+              <a:t>while</a:t>
+            </a:r>
+          </a:p>
+          <a:p>
+            <a:pPr marL="0" indent="0">
+              <a:buNone/>
+            </a:pPr>
+            <a:endParaRPr lang="en-US" altLang="zh-CN" sz="1800" dirty="0" smtClean="0"/>
+          </a:p>
+          <a:p>
+            <a:pPr marL="0" indent="0">
+              <a:buNone/>
+            </a:pPr>
+            <a:endParaRPr lang="en-US" altLang="zh-CN" sz="1800" dirty="0"/>
+          </a:p>
+          <a:p>
+            <a:pPr marL="0" indent="0">
+              <a:buNone/>
+            </a:pPr>
+            <a:endParaRPr lang="en-US" altLang="zh-CN" sz="1800" dirty="0"/>
+          </a:p>
+        </p:txBody>
+      </p:sp>
+      <p:pic>
+        <p:nvPicPr>
+          <p:cNvPr id="7" name="图片 6"/>
+          <p:cNvPicPr>
+            <a:picLocks noChangeAspect="1"/>
+          </p:cNvPicPr>
+          <p:nvPr/>
+        </p:nvPicPr>
+        <p:blipFill>
+          <a:blip r:embed="rId2"/>
+          <a:stretch>
+            <a:fillRect/>
+          </a:stretch>
+        </p:blipFill>
+        <p:spPr>
+          <a:xfrm>
+            <a:off x="976881" y="1622865"/>
+            <a:ext cx="3571429" cy="523810"/>
+          </a:xfrm>
+          <a:prstGeom prst="rect">
+            <a:avLst/>
+          </a:prstGeom>
+        </p:spPr>
+      </p:pic>
+      <p:pic>
+        <p:nvPicPr>
+          <p:cNvPr id="9" name="图片 8"/>
+          <p:cNvPicPr>
+            <a:picLocks noChangeAspect="1"/>
+          </p:cNvPicPr>
+          <p:nvPr/>
+        </p:nvPicPr>
+        <p:blipFill>
+          <a:blip r:embed="rId3"/>
+          <a:stretch>
+            <a:fillRect/>
+          </a:stretch>
+        </p:blipFill>
+        <p:spPr>
+          <a:xfrm>
+            <a:off x="976881" y="3094265"/>
+            <a:ext cx="4190476" cy="1800000"/>
+          </a:xfrm>
+          <a:prstGeom prst="rect">
+            <a:avLst/>
+          </a:prstGeom>
+        </p:spPr>
+      </p:pic>
+      <p:pic>
+        <p:nvPicPr>
+          <p:cNvPr id="10" name="图片 9"/>
+          <p:cNvPicPr>
+            <a:picLocks noChangeAspect="1"/>
+          </p:cNvPicPr>
+          <p:nvPr/>
+        </p:nvPicPr>
+        <p:blipFill>
+          <a:blip r:embed="rId4"/>
+          <a:stretch>
+            <a:fillRect/>
+          </a:stretch>
+        </p:blipFill>
+        <p:spPr>
+          <a:xfrm>
+            <a:off x="976881" y="5277864"/>
+            <a:ext cx="3561905" cy="1438095"/>
+          </a:xfrm>
+          <a:prstGeom prst="rect">
+            <a:avLst/>
+          </a:prstGeom>
+        </p:spPr>
+      </p:pic>
+    </p:spTree>
+    <p:extLst>
+      <p:ext uri="{BB962C8B-B14F-4D97-AF65-F5344CB8AC3E}">
+        <p14:creationId xmlns:p14="http://schemas.microsoft.com/office/powerpoint/2010/main" val="3632787991"/>
+      </p:ext>
+    </p:extLst>
+  </p:cSld>
+  <p:clrMapOvr>
+    <a:masterClrMapping/>
+  </p:clrMapOvr>
+  <p:timing>
+    <p:tnLst>
+      <p:par>
+        <p:cTn id="1" dur="indefinite" restart="never" nodeType="tmRoot"/>
+      </p:par>
+    </p:tnLst>
+  </p:timing>
+</p:sld>
+</file>
+
+<file path=ppt/slides/slide23.xml><?xml version="1.0" encoding="utf-8"?>
+<p:sld xmlns:a="http://schemas.openxmlformats.org/drawingml/2006/main" xmlns:r="http://schemas.openxmlformats.org/officeDocument/2006/relationships" xmlns:p="http://schemas.openxmlformats.org/presentationml/2006/main">
+  <p:cSld>
+    <p:spTree>
+      <p:nvGrpSpPr>
+        <p:cNvPr id="1" name=""/>
+        <p:cNvGrpSpPr/>
+        <p:nvPr/>
+      </p:nvGrpSpPr>
+      <p:grpSpPr>
+        <a:xfrm>
+          <a:off x="0" y="0"/>
+          <a:ext cx="0" cy="0"/>
+          <a:chOff x="0" y="0"/>
+          <a:chExt cx="0" cy="0"/>
+        </a:xfrm>
+      </p:grpSpPr>
+      <p:sp>
+        <p:nvSpPr>
+          <p:cNvPr id="2" name="标题 1">
+            <a:extLst>
+              <a:ext uri="{FF2B5EF4-FFF2-40B4-BE49-F238E27FC236}">
+                <a16:creationId xmlns:a16="http://schemas.microsoft.com/office/drawing/2014/main" id="{CE2AF79E-E135-4CC8-A9E4-9B0E409EFD31}"/>
+              </a:ext>
+            </a:extLst>
+          </p:cNvPr>
+          <p:cNvSpPr>
+            <a:spLocks noGrp="1"/>
+          </p:cNvSpPr>
+          <p:nvPr>
+            <p:ph type="title"/>
+          </p:nvPr>
+        </p:nvSpPr>
+        <p:spPr>
+          <a:xfrm>
+            <a:off x="838200" y="328475"/>
+            <a:ext cx="10515600" cy="577048"/>
+          </a:xfrm>
+        </p:spPr>
+        <p:txBody>
+          <a:bodyPr>
+            <a:normAutofit fontScale="90000"/>
+          </a:bodyPr>
+          <a:lstStyle/>
+          <a:p>
+            <a:r>
+              <a:rPr lang="zh-CN" altLang="en-US" sz="3600" dirty="0" smtClean="0"/>
+              <a:t>控制流与</a:t>
+            </a:r>
+            <a:r>
+              <a:rPr lang="en-US" altLang="zh-CN" sz="3600" dirty="0" smtClean="0"/>
+              <a:t>ranges</a:t>
+            </a:r>
+            <a:endParaRPr lang="en-US" altLang="zh-CN" sz="3600" dirty="0"/>
+          </a:p>
+        </p:txBody>
+      </p:sp>
+      <p:sp>
+        <p:nvSpPr>
+          <p:cNvPr id="3" name="内容占位符 2">
+            <a:extLst>
+              <a:ext uri="{FF2B5EF4-FFF2-40B4-BE49-F238E27FC236}">
+                <a16:creationId xmlns:a16="http://schemas.microsoft.com/office/drawing/2014/main" id="{8A9A9357-CBDA-4879-9759-7D2BDA22296E}"/>
+              </a:ext>
+            </a:extLst>
+          </p:cNvPr>
+          <p:cNvSpPr>
+            <a:spLocks noGrp="1"/>
+          </p:cNvSpPr>
+          <p:nvPr>
+            <p:ph idx="1"/>
+          </p:nvPr>
+        </p:nvSpPr>
+        <p:spPr>
+          <a:xfrm>
+            <a:off x="838199" y="905523"/>
+            <a:ext cx="11158057" cy="5810436"/>
+          </a:xfrm>
+        </p:spPr>
+        <p:txBody>
+          <a:bodyPr>
+            <a:normAutofit/>
+          </a:bodyPr>
+          <a:lstStyle/>
+          <a:p>
+            <a:pPr marL="0" indent="0">
+              <a:buNone/>
+            </a:pPr>
+            <a:r>
+              <a:rPr lang="en-US" altLang="zh-CN" sz="1800" dirty="0" smtClean="0"/>
+              <a:t>1</a:t>
+            </a:r>
+            <a:r>
+              <a:rPr lang="zh-CN" altLang="en-US" sz="1800" dirty="0" smtClean="0"/>
+              <a:t>、</a:t>
+            </a:r>
+            <a:r>
+              <a:rPr lang="en-US" altLang="zh-CN" sz="1800" dirty="0" smtClean="0"/>
+              <a:t>if…else </a:t>
+            </a:r>
+          </a:p>
+          <a:p>
+            <a:pPr marL="0" indent="0">
+              <a:buNone/>
+            </a:pPr>
+            <a:r>
+              <a:rPr lang="zh-CN" altLang="en-US" sz="1800" dirty="0"/>
+              <a:t>在</a:t>
+            </a:r>
+            <a:r>
+              <a:rPr lang="en-US" altLang="zh-CN" sz="1800" dirty="0" err="1"/>
+              <a:t>kotlin</a:t>
+            </a:r>
+            <a:r>
+              <a:rPr lang="zh-CN" altLang="en-US" sz="1800" dirty="0" smtClean="0"/>
+              <a:t>中</a:t>
+            </a:r>
+            <a:r>
+              <a:rPr lang="en-US" altLang="zh-CN" sz="1800" dirty="0" smtClean="0"/>
+              <a:t>if </a:t>
+            </a:r>
+            <a:r>
+              <a:rPr lang="zh-CN" altLang="en-US" sz="1800" dirty="0" smtClean="0"/>
+              <a:t>可以是一个表达式，所以它可以位于“</a:t>
+            </a:r>
+            <a:r>
+              <a:rPr lang="en-US" altLang="zh-CN" sz="1800" dirty="0" smtClean="0"/>
+              <a:t>=</a:t>
+            </a:r>
+            <a:r>
+              <a:rPr lang="zh-CN" altLang="en-US" sz="1800" dirty="0" smtClean="0"/>
+              <a:t>”号右边</a:t>
+            </a:r>
+            <a:endParaRPr lang="en-US" altLang="zh-CN" sz="1800" dirty="0"/>
+          </a:p>
+          <a:p>
+            <a:pPr marL="0" indent="0">
+              <a:buNone/>
+            </a:pPr>
+            <a:endParaRPr lang="en-US" altLang="zh-CN" sz="1800" dirty="0" smtClean="0"/>
+          </a:p>
+          <a:p>
+            <a:pPr marL="0" indent="0">
+              <a:buNone/>
+            </a:pPr>
+            <a:endParaRPr lang="en-US" altLang="zh-CN" sz="1800" dirty="0" smtClean="0"/>
+          </a:p>
+          <a:p>
+            <a:pPr marL="0" indent="0">
+              <a:buNone/>
+            </a:pPr>
+            <a:r>
+              <a:rPr lang="en-US" altLang="zh-CN" sz="1800" dirty="0" smtClean="0"/>
+              <a:t>2</a:t>
+            </a:r>
+            <a:r>
+              <a:rPr lang="zh-CN" altLang="en-US" sz="1800" dirty="0" smtClean="0"/>
+              <a:t>、</a:t>
+            </a:r>
+            <a:r>
+              <a:rPr lang="en-US" altLang="zh-CN" sz="1800" dirty="0" smtClean="0"/>
+              <a:t>when</a:t>
+            </a:r>
+          </a:p>
+          <a:p>
+            <a:pPr marL="0" indent="0">
+              <a:buNone/>
+            </a:pPr>
+            <a:r>
+              <a:rPr lang="en-US" altLang="zh-CN" sz="1800" dirty="0" smtClean="0"/>
+              <a:t>When</a:t>
+            </a:r>
+            <a:r>
+              <a:rPr lang="zh-CN" altLang="en-US" sz="1800" dirty="0" smtClean="0"/>
+              <a:t>类似于</a:t>
+            </a:r>
+            <a:r>
+              <a:rPr lang="en-US" altLang="zh-CN" sz="1800" dirty="0" smtClean="0"/>
+              <a:t>java</a:t>
+            </a:r>
+            <a:r>
+              <a:rPr lang="zh-CN" altLang="en-US" sz="1800" dirty="0" smtClean="0"/>
+              <a:t>中的</a:t>
+            </a:r>
+            <a:r>
+              <a:rPr lang="en-US" altLang="zh-CN" sz="1800" dirty="0" smtClean="0"/>
+              <a:t>switch</a:t>
+            </a:r>
+            <a:r>
+              <a:rPr lang="zh-CN" altLang="en-US" sz="1800" dirty="0" smtClean="0"/>
+              <a:t>，但是其功能要强大的多。</a:t>
+            </a:r>
+            <a:r>
+              <a:rPr lang="en-US" altLang="zh-CN" sz="1800" dirty="0" smtClean="0"/>
+              <a:t>When</a:t>
+            </a:r>
+            <a:r>
+              <a:rPr lang="zh-CN" altLang="en-US" sz="1800" dirty="0" smtClean="0"/>
+              <a:t>同样也可以当做一个表达式处理。</a:t>
+            </a:r>
+            <a:endParaRPr lang="en-US" altLang="zh-CN" sz="1800" dirty="0" smtClean="0"/>
+          </a:p>
+          <a:p>
+            <a:pPr marL="0" indent="0">
+              <a:buNone/>
+            </a:pPr>
+            <a:endParaRPr lang="en-US" altLang="zh-CN" sz="1800" dirty="0"/>
+          </a:p>
+          <a:p>
+            <a:pPr marL="0" indent="0">
+              <a:buNone/>
+            </a:pPr>
+            <a:endParaRPr lang="en-US" altLang="zh-CN" sz="1800" dirty="0" smtClean="0"/>
+          </a:p>
+          <a:p>
+            <a:pPr marL="0" indent="0">
+              <a:buNone/>
+            </a:pPr>
+            <a:endParaRPr lang="en-US" altLang="zh-CN" sz="1800" dirty="0"/>
+          </a:p>
+          <a:p>
+            <a:pPr marL="0" indent="0">
+              <a:buNone/>
+            </a:pPr>
+            <a:endParaRPr lang="en-US" altLang="zh-CN" sz="1800" dirty="0" smtClean="0"/>
+          </a:p>
+          <a:p>
+            <a:pPr marL="0" indent="0">
+              <a:buNone/>
+            </a:pPr>
+            <a:endParaRPr lang="en-US" altLang="zh-CN" sz="1800" dirty="0"/>
+          </a:p>
+          <a:p>
+            <a:pPr marL="0" indent="0">
+              <a:buNone/>
+            </a:pPr>
+            <a:r>
+              <a:rPr lang="en-US" altLang="zh-CN" sz="1800" dirty="0" smtClean="0"/>
+              <a:t>3</a:t>
+            </a:r>
+            <a:r>
+              <a:rPr lang="zh-CN" altLang="en-US" sz="1800" dirty="0" smtClean="0"/>
+              <a:t>、</a:t>
+            </a:r>
+            <a:r>
+              <a:rPr lang="en-US" altLang="zh-CN" sz="1800" dirty="0" smtClean="0"/>
+              <a:t>while</a:t>
+            </a:r>
+          </a:p>
+          <a:p>
+            <a:pPr marL="0" indent="0">
+              <a:buNone/>
+            </a:pPr>
+            <a:endParaRPr lang="en-US" altLang="zh-CN" sz="1800" dirty="0" smtClean="0"/>
+          </a:p>
+          <a:p>
+            <a:pPr marL="0" indent="0">
+              <a:buNone/>
+            </a:pPr>
+            <a:endParaRPr lang="en-US" altLang="zh-CN" sz="1800" dirty="0"/>
+          </a:p>
+          <a:p>
+            <a:pPr marL="0" indent="0">
+              <a:buNone/>
+            </a:pPr>
+            <a:endParaRPr lang="en-US" altLang="zh-CN" sz="1800" dirty="0"/>
+          </a:p>
+        </p:txBody>
+      </p:sp>
+      <p:pic>
+        <p:nvPicPr>
+          <p:cNvPr id="7" name="图片 6"/>
+          <p:cNvPicPr>
+            <a:picLocks noChangeAspect="1"/>
+          </p:cNvPicPr>
+          <p:nvPr/>
+        </p:nvPicPr>
+        <p:blipFill>
+          <a:blip r:embed="rId2"/>
+          <a:stretch>
+            <a:fillRect/>
+          </a:stretch>
+        </p:blipFill>
+        <p:spPr>
+          <a:xfrm>
+            <a:off x="976881" y="1622865"/>
+            <a:ext cx="3571429" cy="523810"/>
+          </a:xfrm>
+          <a:prstGeom prst="rect">
+            <a:avLst/>
+          </a:prstGeom>
+        </p:spPr>
+      </p:pic>
+      <p:pic>
+        <p:nvPicPr>
+          <p:cNvPr id="9" name="图片 8"/>
+          <p:cNvPicPr>
+            <a:picLocks noChangeAspect="1"/>
+          </p:cNvPicPr>
+          <p:nvPr/>
+        </p:nvPicPr>
+        <p:blipFill>
+          <a:blip r:embed="rId3"/>
+          <a:stretch>
+            <a:fillRect/>
+          </a:stretch>
+        </p:blipFill>
+        <p:spPr>
+          <a:xfrm>
+            <a:off x="976881" y="3094265"/>
+            <a:ext cx="4190476" cy="1800000"/>
+          </a:xfrm>
+          <a:prstGeom prst="rect">
+            <a:avLst/>
+          </a:prstGeom>
+        </p:spPr>
+      </p:pic>
+      <p:pic>
+        <p:nvPicPr>
+          <p:cNvPr id="10" name="图片 9"/>
+          <p:cNvPicPr>
+            <a:picLocks noChangeAspect="1"/>
+          </p:cNvPicPr>
+          <p:nvPr/>
+        </p:nvPicPr>
+        <p:blipFill>
+          <a:blip r:embed="rId4"/>
+          <a:stretch>
+            <a:fillRect/>
+          </a:stretch>
+        </p:blipFill>
+        <p:spPr>
+          <a:xfrm>
+            <a:off x="976881" y="5277864"/>
+            <a:ext cx="3561905" cy="1438095"/>
+          </a:xfrm>
+          <a:prstGeom prst="rect">
+            <a:avLst/>
+          </a:prstGeom>
+        </p:spPr>
+      </p:pic>
+    </p:spTree>
+    <p:extLst>
+      <p:ext uri="{BB962C8B-B14F-4D97-AF65-F5344CB8AC3E}">
+        <p14:creationId xmlns:p14="http://schemas.microsoft.com/office/powerpoint/2010/main" val="2171808912"/>
+      </p:ext>
+    </p:extLst>
+  </p:cSld>
+  <p:clrMapOvr>
+    <a:masterClrMapping/>
+  </p:clrMapOvr>
+  <p:timing>
+    <p:tnLst>
+      <p:par>
+        <p:cTn id="1" dur="indefinite" restart="never" nodeType="tmRoot"/>
+      </p:par>
+    </p:tnLst>
+  </p:timing>
+</p:sld>
+</file>
+
+<file path=ppt/slides/slide24.xml><?xml version="1.0" encoding="utf-8"?>
+<p:sld xmlns:a="http://schemas.openxmlformats.org/drawingml/2006/main" xmlns:r="http://schemas.openxmlformats.org/officeDocument/2006/relationships" xmlns:p="http://schemas.openxmlformats.org/presentationml/2006/main">
+  <p:cSld>
+    <p:spTree>
+      <p:nvGrpSpPr>
+        <p:cNvPr id="1" name=""/>
+        <p:cNvGrpSpPr/>
+        <p:nvPr/>
+      </p:nvGrpSpPr>
+      <p:grpSpPr>
+        <a:xfrm>
+          <a:off x="0" y="0"/>
+          <a:ext cx="0" cy="0"/>
+          <a:chOff x="0" y="0"/>
+          <a:chExt cx="0" cy="0"/>
+        </a:xfrm>
+      </p:grpSpPr>
+      <p:sp>
+        <p:nvSpPr>
+          <p:cNvPr id="2" name="标题 1">
+            <a:extLst>
+              <a:ext uri="{FF2B5EF4-FFF2-40B4-BE49-F238E27FC236}">
+                <a16:creationId xmlns:a16="http://schemas.microsoft.com/office/drawing/2014/main" id="{CE2AF79E-E135-4CC8-A9E4-9B0E409EFD31}"/>
+              </a:ext>
+            </a:extLst>
+          </p:cNvPr>
+          <p:cNvSpPr>
+            <a:spLocks noGrp="1"/>
+          </p:cNvSpPr>
+          <p:nvPr>
+            <p:ph type="title"/>
+          </p:nvPr>
+        </p:nvSpPr>
+        <p:spPr>
+          <a:xfrm>
+            <a:off x="838200" y="328475"/>
+            <a:ext cx="10515600" cy="577048"/>
+          </a:xfrm>
+        </p:spPr>
+        <p:txBody>
+          <a:bodyPr>
+            <a:normAutofit fontScale="90000"/>
+          </a:bodyPr>
+          <a:lstStyle/>
+          <a:p>
+            <a:r>
+              <a:rPr lang="zh-CN" altLang="en-US" sz="3600" dirty="0" smtClean="0"/>
+              <a:t>控制流与</a:t>
+            </a:r>
+            <a:r>
+              <a:rPr lang="en-US" altLang="zh-CN" sz="3600" dirty="0" smtClean="0"/>
+              <a:t>ranges</a:t>
+            </a:r>
+            <a:endParaRPr lang="en-US" altLang="zh-CN" sz="3600" dirty="0"/>
+          </a:p>
+        </p:txBody>
+      </p:sp>
+      <p:sp>
+        <p:nvSpPr>
+          <p:cNvPr id="3" name="内容占位符 2">
+            <a:extLst>
+              <a:ext uri="{FF2B5EF4-FFF2-40B4-BE49-F238E27FC236}">
+                <a16:creationId xmlns:a16="http://schemas.microsoft.com/office/drawing/2014/main" id="{8A9A9357-CBDA-4879-9759-7D2BDA22296E}"/>
+              </a:ext>
+            </a:extLst>
+          </p:cNvPr>
+          <p:cNvSpPr>
+            <a:spLocks noGrp="1"/>
+          </p:cNvSpPr>
+          <p:nvPr>
+            <p:ph idx="1"/>
+          </p:nvPr>
+        </p:nvSpPr>
+        <p:spPr>
+          <a:xfrm>
+            <a:off x="838199" y="905523"/>
+            <a:ext cx="11158057" cy="5810436"/>
+          </a:xfrm>
+        </p:spPr>
+        <p:txBody>
+          <a:bodyPr>
+            <a:normAutofit/>
+          </a:bodyPr>
+          <a:lstStyle/>
+          <a:p>
+            <a:pPr marL="0" indent="0">
+              <a:buNone/>
+            </a:pPr>
+            <a:r>
+              <a:rPr lang="en-US" altLang="zh-CN" sz="1800" dirty="0" smtClean="0"/>
+              <a:t>4</a:t>
+            </a:r>
+            <a:r>
+              <a:rPr lang="zh-CN" altLang="en-US" sz="1800" dirty="0" smtClean="0"/>
+              <a:t>、</a:t>
+            </a:r>
+            <a:r>
+              <a:rPr lang="en-US" altLang="zh-CN" sz="1800" dirty="0" smtClean="0"/>
+              <a:t>for</a:t>
+            </a:r>
+          </a:p>
+          <a:p>
+            <a:pPr marL="0" indent="0">
+              <a:buNone/>
+            </a:pPr>
+            <a:r>
+              <a:rPr lang="en-US" altLang="zh-CN" sz="1800" dirty="0"/>
+              <a:t>for </a:t>
+            </a:r>
+            <a:r>
+              <a:rPr lang="zh-CN" altLang="en-US" sz="1800" dirty="0"/>
+              <a:t>循环可以对任何提供迭代器（</a:t>
+            </a:r>
+            <a:r>
+              <a:rPr lang="en-US" altLang="zh-CN" sz="1800" dirty="0"/>
+              <a:t>iterator</a:t>
+            </a:r>
+            <a:r>
+              <a:rPr lang="zh-CN" altLang="en-US" sz="1800" dirty="0"/>
+              <a:t>）的对象进行</a:t>
+            </a:r>
+            <a:r>
+              <a:rPr lang="zh-CN" altLang="en-US" sz="1800" dirty="0" smtClean="0"/>
+              <a:t>遍历，也可以对下标进行遍历。</a:t>
+            </a:r>
+            <a:endParaRPr lang="en-US" altLang="zh-CN" sz="1800" dirty="0" smtClean="0"/>
+          </a:p>
+          <a:p>
+            <a:pPr marL="0" indent="0">
+              <a:buNone/>
+            </a:pPr>
+            <a:endParaRPr lang="en-US" altLang="zh-CN" sz="1800" dirty="0"/>
+          </a:p>
+          <a:p>
+            <a:pPr marL="0" indent="0">
+              <a:buNone/>
+            </a:pPr>
+            <a:endParaRPr lang="en-US" altLang="zh-CN" sz="1800" dirty="0" smtClean="0"/>
+          </a:p>
+          <a:p>
+            <a:pPr marL="0" indent="0">
+              <a:buNone/>
+            </a:pPr>
+            <a:endParaRPr lang="en-US" altLang="zh-CN" sz="1800" dirty="0"/>
+          </a:p>
+          <a:p>
+            <a:pPr marL="0" indent="0">
+              <a:buNone/>
+            </a:pPr>
+            <a:r>
+              <a:rPr lang="en-US" altLang="zh-CN" sz="1800" dirty="0" smtClean="0"/>
+              <a:t>5</a:t>
+            </a:r>
+            <a:r>
+              <a:rPr lang="zh-CN" altLang="en-US" sz="1800" dirty="0" smtClean="0"/>
+              <a:t>、</a:t>
+            </a:r>
+            <a:r>
+              <a:rPr lang="en-US" altLang="zh-CN" sz="1800" dirty="0" smtClean="0"/>
+              <a:t>ranges</a:t>
+            </a:r>
+          </a:p>
+          <a:p>
+            <a:pPr marL="0" indent="0">
+              <a:buNone/>
+            </a:pPr>
+            <a:r>
+              <a:rPr lang="zh-CN" altLang="en-US" sz="1800" dirty="0"/>
+              <a:t>区间表达式由具有操作符形式 </a:t>
+            </a:r>
+            <a:r>
+              <a:rPr lang="en-US" altLang="zh-CN" sz="1800" dirty="0"/>
+              <a:t>.. </a:t>
+            </a:r>
+            <a:r>
+              <a:rPr lang="zh-CN" altLang="en-US" sz="1800" dirty="0"/>
+              <a:t>的 </a:t>
+            </a:r>
+            <a:r>
+              <a:rPr lang="en-US" altLang="zh-CN" sz="1800" dirty="0" err="1"/>
+              <a:t>rangeTo</a:t>
+            </a:r>
+            <a:r>
+              <a:rPr lang="en-US" altLang="zh-CN" sz="1800" dirty="0"/>
+              <a:t> </a:t>
+            </a:r>
+            <a:r>
+              <a:rPr lang="zh-CN" altLang="en-US" sz="1800" dirty="0"/>
+              <a:t>函数辅以 </a:t>
+            </a:r>
+            <a:r>
+              <a:rPr lang="en-US" altLang="zh-CN" sz="1800" dirty="0"/>
+              <a:t>in </a:t>
+            </a:r>
+            <a:r>
+              <a:rPr lang="zh-CN" altLang="en-US" sz="1800" dirty="0"/>
+              <a:t>和 </a:t>
+            </a:r>
+            <a:r>
+              <a:rPr lang="en-US" altLang="zh-CN" sz="1800" dirty="0"/>
+              <a:t>!in </a:t>
+            </a:r>
+            <a:r>
+              <a:rPr lang="zh-CN" altLang="en-US" sz="1800" dirty="0"/>
+              <a:t>形成。</a:t>
+            </a:r>
+            <a:endParaRPr lang="en-US" altLang="zh-CN" sz="1800" dirty="0"/>
+          </a:p>
+          <a:p>
+            <a:pPr marL="0" indent="0">
+              <a:buNone/>
+            </a:pPr>
+            <a:endParaRPr lang="en-US" altLang="zh-CN" sz="1800" dirty="0"/>
+          </a:p>
+        </p:txBody>
+      </p:sp>
+      <p:pic>
+        <p:nvPicPr>
+          <p:cNvPr id="4" name="图片 3"/>
+          <p:cNvPicPr>
+            <a:picLocks noChangeAspect="1"/>
+          </p:cNvPicPr>
+          <p:nvPr/>
+        </p:nvPicPr>
+        <p:blipFill>
+          <a:blip r:embed="rId2"/>
+          <a:stretch>
+            <a:fillRect/>
+          </a:stretch>
+        </p:blipFill>
+        <p:spPr>
+          <a:xfrm>
+            <a:off x="940772" y="1577411"/>
+            <a:ext cx="4923809" cy="1142857"/>
+          </a:xfrm>
+          <a:prstGeom prst="rect">
+            <a:avLst/>
+          </a:prstGeom>
+        </p:spPr>
+      </p:pic>
+      <p:pic>
+        <p:nvPicPr>
+          <p:cNvPr id="5" name="图片 4"/>
+          <p:cNvPicPr>
+            <a:picLocks noChangeAspect="1"/>
+          </p:cNvPicPr>
+          <p:nvPr/>
+        </p:nvPicPr>
+        <p:blipFill>
+          <a:blip r:embed="rId3"/>
+          <a:stretch>
+            <a:fillRect/>
+          </a:stretch>
+        </p:blipFill>
+        <p:spPr>
+          <a:xfrm>
+            <a:off x="940772" y="3556366"/>
+            <a:ext cx="4923809" cy="2638095"/>
+          </a:xfrm>
+          <a:prstGeom prst="rect">
+            <a:avLst/>
+          </a:prstGeom>
+        </p:spPr>
+      </p:pic>
+    </p:spTree>
+    <p:extLst>
+      <p:ext uri="{BB962C8B-B14F-4D97-AF65-F5344CB8AC3E}">
+        <p14:creationId xmlns:p14="http://schemas.microsoft.com/office/powerpoint/2010/main" val="3317506296"/>
+      </p:ext>
+    </p:extLst>
+  </p:cSld>
+  <p:clrMapOvr>
+    <a:masterClrMapping/>
+  </p:clrMapOvr>
+  <p:timing>
+    <p:tnLst>
+      <p:par>
+        <p:cTn id="1" dur="indefinite" restart="never" nodeType="tmRoot"/>
+      </p:par>
+    </p:tnLst>
+  </p:timing>
+</p:sld>
+</file>
+
+<file path=ppt/slides/slide25.xml><?xml version="1.0" encoding="utf-8"?>
+<p:sld xmlns:a="http://schemas.openxmlformats.org/drawingml/2006/main" xmlns:r="http://schemas.openxmlformats.org/officeDocument/2006/relationships" xmlns:p="http://schemas.openxmlformats.org/presentationml/2006/main">
+  <p:cSld>
+    <p:spTree>
+      <p:nvGrpSpPr>
+        <p:cNvPr id="1" name=""/>
+        <p:cNvGrpSpPr/>
+        <p:nvPr/>
+      </p:nvGrpSpPr>
+      <p:grpSpPr>
+        <a:xfrm>
+          <a:off x="0" y="0"/>
+          <a:ext cx="0" cy="0"/>
+          <a:chOff x="0" y="0"/>
+          <a:chExt cx="0" cy="0"/>
+        </a:xfrm>
+      </p:grpSpPr>
+      <p:sp>
+        <p:nvSpPr>
+          <p:cNvPr id="2" name="标题 1">
+            <a:extLst>
+              <a:ext uri="{FF2B5EF4-FFF2-40B4-BE49-F238E27FC236}">
+                <a16:creationId xmlns:a16="http://schemas.microsoft.com/office/drawing/2014/main" id="{CE2AF79E-E135-4CC8-A9E4-9B0E409EFD31}"/>
+              </a:ext>
+            </a:extLst>
+          </p:cNvPr>
+          <p:cNvSpPr>
+            <a:spLocks noGrp="1"/>
+          </p:cNvSpPr>
+          <p:nvPr>
+            <p:ph type="title"/>
+          </p:nvPr>
+        </p:nvSpPr>
+        <p:spPr>
+          <a:xfrm>
+            <a:off x="838200" y="328475"/>
+            <a:ext cx="10515600" cy="577048"/>
+          </a:xfrm>
+        </p:spPr>
+        <p:txBody>
+          <a:bodyPr>
+            <a:normAutofit fontScale="90000"/>
+          </a:bodyPr>
+          <a:lstStyle/>
+          <a:p>
+            <a:r>
+              <a:rPr lang="zh-CN" altLang="en-US" sz="3600" dirty="0" smtClean="0"/>
+              <a:t>泛型</a:t>
+            </a:r>
+            <a:endParaRPr lang="en-US" altLang="zh-CN" sz="3600" dirty="0"/>
+          </a:p>
+        </p:txBody>
+      </p:sp>
+      <p:sp>
+        <p:nvSpPr>
+          <p:cNvPr id="3" name="内容占位符 2">
+            <a:extLst>
+              <a:ext uri="{FF2B5EF4-FFF2-40B4-BE49-F238E27FC236}">
+                <a16:creationId xmlns:a16="http://schemas.microsoft.com/office/drawing/2014/main" id="{8A9A9357-CBDA-4879-9759-7D2BDA22296E}"/>
+              </a:ext>
+            </a:extLst>
+          </p:cNvPr>
+          <p:cNvSpPr>
+            <a:spLocks noGrp="1"/>
+          </p:cNvSpPr>
+          <p:nvPr>
+            <p:ph idx="1"/>
+          </p:nvPr>
+        </p:nvSpPr>
+        <p:spPr>
+          <a:xfrm>
+            <a:off x="838199" y="905523"/>
+            <a:ext cx="11158057" cy="5810436"/>
+          </a:xfrm>
+        </p:spPr>
+        <p:txBody>
+          <a:bodyPr>
+            <a:normAutofit/>
+          </a:bodyPr>
+          <a:lstStyle/>
+          <a:p>
+            <a:pPr marL="0" indent="0">
+              <a:buNone/>
+            </a:pPr>
+            <a:endParaRPr lang="en-US" altLang="zh-CN" sz="1800" dirty="0"/>
+          </a:p>
+          <a:p>
+            <a:pPr marL="0" indent="0">
+              <a:buNone/>
+            </a:pPr>
+            <a:endParaRPr lang="en-US" altLang="zh-CN" sz="1800" dirty="0" smtClean="0"/>
+          </a:p>
+          <a:p>
+            <a:pPr marL="0" indent="0">
+              <a:buNone/>
+            </a:pPr>
+            <a:endParaRPr lang="en-US" altLang="zh-CN" sz="1800" dirty="0"/>
+          </a:p>
+          <a:p>
+            <a:pPr marL="0" indent="0">
+              <a:buNone/>
+            </a:pPr>
+            <a:endParaRPr lang="en-US" altLang="zh-CN" sz="1800" dirty="0"/>
+          </a:p>
+        </p:txBody>
+      </p:sp>
+    </p:spTree>
+    <p:extLst>
+      <p:ext uri="{BB962C8B-B14F-4D97-AF65-F5344CB8AC3E}">
+        <p14:creationId xmlns:p14="http://schemas.microsoft.com/office/powerpoint/2010/main" val="741032162"/>
+      </p:ext>
+    </p:extLst>
+  </p:cSld>
+  <p:clrMapOvr>
+    <a:masterClrMapping/>
+  </p:clrMapOvr>
+  <p:timing>
+    <p:tnLst>
+      <p:par>
+        <p:cTn id="1" dur="indefinite" restart="never" nodeType="tmRoot"/>
+      </p:par>
+    </p:tnLst>
+  </p:timing>
+</p:sld>
+</file>
+
+<file path=ppt/slides/slide26.xml><?xml version="1.0" encoding="utf-8"?>
+<p:sld xmlns:a="http://schemas.openxmlformats.org/drawingml/2006/main" xmlns:r="http://schemas.openxmlformats.org/officeDocument/2006/relationships" xmlns:p="http://schemas.openxmlformats.org/presentationml/2006/main">
+  <p:cSld>
+    <p:spTree>
+      <p:nvGrpSpPr>
+        <p:cNvPr id="1" name=""/>
+        <p:cNvGrpSpPr/>
+        <p:nvPr/>
+      </p:nvGrpSpPr>
+      <p:grpSpPr>
+        <a:xfrm>
+          <a:off x="0" y="0"/>
+          <a:ext cx="0" cy="0"/>
+          <a:chOff x="0" y="0"/>
+          <a:chExt cx="0" cy="0"/>
+        </a:xfrm>
+      </p:grpSpPr>
+      <p:sp>
+        <p:nvSpPr>
+          <p:cNvPr id="2" name="标题 1">
+            <a:extLst>
+              <a:ext uri="{FF2B5EF4-FFF2-40B4-BE49-F238E27FC236}">
+                <a16:creationId xmlns:a16="http://schemas.microsoft.com/office/drawing/2014/main" id="{CE2AF79E-E135-4CC8-A9E4-9B0E409EFD31}"/>
+              </a:ext>
+            </a:extLst>
+          </p:cNvPr>
+          <p:cNvSpPr>
+            <a:spLocks noGrp="1"/>
+          </p:cNvSpPr>
+          <p:nvPr>
+            <p:ph type="title"/>
+          </p:nvPr>
+        </p:nvSpPr>
+        <p:spPr>
+          <a:xfrm>
+            <a:off x="838200" y="328475"/>
+            <a:ext cx="10515600" cy="577048"/>
+          </a:xfrm>
+        </p:spPr>
+        <p:txBody>
+          <a:bodyPr>
+            <a:normAutofit fontScale="90000"/>
+          </a:bodyPr>
+          <a:lstStyle/>
+          <a:p>
+            <a:r>
+              <a:rPr lang="zh-CN" altLang="en-US" sz="3600" dirty="0" smtClean="0"/>
+              <a:t>类型检查和转换</a:t>
+            </a:r>
+            <a:endParaRPr lang="en-US" altLang="zh-CN" sz="3600" dirty="0"/>
+          </a:p>
+        </p:txBody>
+      </p:sp>
+      <p:sp>
+        <p:nvSpPr>
+          <p:cNvPr id="3" name="内容占位符 2">
+            <a:extLst>
+              <a:ext uri="{FF2B5EF4-FFF2-40B4-BE49-F238E27FC236}">
+                <a16:creationId xmlns:a16="http://schemas.microsoft.com/office/drawing/2014/main" id="{8A9A9357-CBDA-4879-9759-7D2BDA22296E}"/>
+              </a:ext>
+            </a:extLst>
+          </p:cNvPr>
+          <p:cNvSpPr>
+            <a:spLocks noGrp="1"/>
+          </p:cNvSpPr>
+          <p:nvPr>
+            <p:ph idx="1"/>
+          </p:nvPr>
+        </p:nvSpPr>
+        <p:spPr>
+          <a:xfrm>
+            <a:off x="838199" y="905523"/>
+            <a:ext cx="11158057" cy="5810436"/>
+          </a:xfrm>
+        </p:spPr>
+        <p:txBody>
+          <a:bodyPr>
+            <a:normAutofit fontScale="92500" lnSpcReduction="20000"/>
+          </a:bodyPr>
+          <a:lstStyle/>
+          <a:p>
+            <a:pPr marL="0" indent="0">
+              <a:buNone/>
+            </a:pPr>
+            <a:r>
+              <a:rPr lang="en-US" altLang="zh-CN" sz="1800" dirty="0" smtClean="0"/>
+              <a:t>1</a:t>
+            </a:r>
+            <a:r>
+              <a:rPr lang="zh-CN" altLang="en-US" sz="1800" dirty="0" smtClean="0"/>
+              <a:t>、类型检查</a:t>
+            </a:r>
+            <a:endParaRPr lang="en-US" altLang="zh-CN" sz="1800" dirty="0" smtClean="0"/>
+          </a:p>
+          <a:p>
+            <a:pPr marL="0" indent="0">
+              <a:buNone/>
+            </a:pPr>
+            <a:r>
+              <a:rPr lang="zh-CN" altLang="en-US" sz="1800" dirty="0" smtClean="0"/>
+              <a:t>在</a:t>
+            </a:r>
+            <a:r>
+              <a:rPr lang="en-US" altLang="zh-CN" sz="1800" dirty="0" err="1" smtClean="0"/>
+              <a:t>kotlin</a:t>
+            </a:r>
+            <a:r>
+              <a:rPr lang="zh-CN" altLang="en-US" sz="1800" dirty="0" smtClean="0"/>
+              <a:t>中使用 </a:t>
+            </a:r>
+            <a:r>
+              <a:rPr lang="en-US" altLang="zh-CN" sz="1800" dirty="0" smtClean="0"/>
+              <a:t>is </a:t>
+            </a:r>
+            <a:r>
+              <a:rPr lang="zh-CN" altLang="en-US" sz="1800" dirty="0" smtClean="0"/>
+              <a:t>和 </a:t>
+            </a:r>
+            <a:r>
+              <a:rPr lang="en-US" altLang="zh-CN" sz="1800" dirty="0" smtClean="0"/>
+              <a:t>!is </a:t>
+            </a:r>
+            <a:r>
+              <a:rPr lang="zh-CN" altLang="en-US" sz="1800" dirty="0" smtClean="0"/>
+              <a:t>进行类型检查。</a:t>
+            </a:r>
+            <a:endParaRPr lang="en-US" altLang="zh-CN" sz="1800" dirty="0" smtClean="0"/>
+          </a:p>
+          <a:p>
+            <a:pPr marL="0" indent="0">
+              <a:buNone/>
+            </a:pPr>
+            <a:endParaRPr lang="en-US" altLang="zh-CN" sz="1800" dirty="0"/>
+          </a:p>
+          <a:p>
+            <a:pPr marL="0" indent="0">
+              <a:buNone/>
+            </a:pPr>
+            <a:endParaRPr lang="en-US" altLang="zh-CN" sz="1800" dirty="0" smtClean="0"/>
+          </a:p>
+          <a:p>
+            <a:pPr marL="0" indent="0">
+              <a:buNone/>
+            </a:pPr>
+            <a:endParaRPr lang="en-US" altLang="zh-CN" sz="1800" dirty="0"/>
+          </a:p>
+          <a:p>
+            <a:pPr marL="0" indent="0">
+              <a:buNone/>
+            </a:pPr>
+            <a:endParaRPr lang="en-US" altLang="zh-CN" sz="1800" dirty="0" smtClean="0"/>
+          </a:p>
+          <a:p>
+            <a:pPr marL="0" indent="0">
+              <a:buNone/>
+            </a:pPr>
+            <a:endParaRPr lang="en-US" altLang="zh-CN" sz="1800" dirty="0"/>
+          </a:p>
+          <a:p>
+            <a:pPr marL="0" indent="0">
+              <a:buNone/>
+            </a:pPr>
+            <a:endParaRPr lang="en-US" altLang="zh-CN" sz="1800" dirty="0" smtClean="0"/>
+          </a:p>
+          <a:p>
+            <a:pPr marL="0" indent="0">
+              <a:buNone/>
+            </a:pPr>
+            <a:r>
+              <a:rPr lang="zh-CN" altLang="en-US" sz="1800" dirty="0" smtClean="0"/>
+              <a:t>智能</a:t>
+            </a:r>
+            <a:r>
+              <a:rPr lang="zh-CN" altLang="en-US" sz="1800" dirty="0"/>
+              <a:t>转换</a:t>
+            </a:r>
+            <a:r>
+              <a:rPr lang="zh-CN" altLang="en-US" sz="1800" dirty="0" smtClean="0"/>
+              <a:t>，在某些时候不需要使用</a:t>
+            </a:r>
+            <a:r>
+              <a:rPr lang="zh-CN" altLang="en-US" sz="1800" dirty="0"/>
+              <a:t>显式转换操作符，因为编译器跟踪不可变值的 </a:t>
+            </a:r>
+            <a:r>
+              <a:rPr lang="en-US" altLang="zh-CN" sz="1800" dirty="0"/>
+              <a:t>is-</a:t>
+            </a:r>
+            <a:r>
+              <a:rPr lang="zh-CN" altLang="en-US" sz="1800" dirty="0"/>
+              <a:t>检查以及显式转换，并在需要时自动插入（安全的）转换</a:t>
+            </a:r>
+            <a:r>
+              <a:rPr lang="zh-CN" altLang="en-US" sz="1800" dirty="0" smtClean="0"/>
+              <a:t>：</a:t>
+            </a:r>
+            <a:endParaRPr lang="en-US" altLang="zh-CN" sz="1800" dirty="0" smtClean="0"/>
+          </a:p>
+          <a:p>
+            <a:pPr marL="0" indent="0">
+              <a:buNone/>
+            </a:pPr>
+            <a:endParaRPr lang="en-US" altLang="zh-CN" sz="1800" dirty="0"/>
+          </a:p>
+          <a:p>
+            <a:pPr marL="0" indent="0">
+              <a:buNone/>
+            </a:pPr>
+            <a:endParaRPr lang="en-US" altLang="zh-CN" sz="1800" dirty="0" smtClean="0"/>
+          </a:p>
+          <a:p>
+            <a:pPr marL="0" indent="0">
+              <a:buNone/>
+            </a:pPr>
+            <a:endParaRPr lang="en-US" altLang="zh-CN" sz="1800" dirty="0"/>
+          </a:p>
+          <a:p>
+            <a:pPr marL="0" indent="0">
+              <a:buNone/>
+            </a:pPr>
+            <a:endParaRPr lang="en-US" altLang="zh-CN" sz="1800" dirty="0" smtClean="0"/>
+          </a:p>
+          <a:p>
+            <a:pPr marL="0" indent="0">
+              <a:buNone/>
+            </a:pPr>
+            <a:endParaRPr lang="en-US" altLang="zh-CN" sz="1800" dirty="0"/>
+          </a:p>
+          <a:p>
+            <a:pPr marL="0" indent="0">
+              <a:buNone/>
+            </a:pPr>
+            <a:endParaRPr lang="en-US" altLang="zh-CN" sz="1800" dirty="0" smtClean="0"/>
+          </a:p>
+          <a:p>
+            <a:pPr marL="0" indent="0">
+              <a:buNone/>
+            </a:pPr>
+            <a:endParaRPr lang="en-US" altLang="zh-CN" sz="1800" dirty="0"/>
+          </a:p>
+          <a:p>
+            <a:pPr marL="0" indent="0">
+              <a:buNone/>
+            </a:pPr>
+            <a:endParaRPr lang="en-US" altLang="zh-CN" sz="1800" dirty="0" smtClean="0"/>
+          </a:p>
+          <a:p>
+            <a:pPr marL="0" indent="0">
+              <a:buNone/>
+            </a:pPr>
+            <a:r>
+              <a:rPr lang="zh-CN" altLang="en-US" sz="1800" dirty="0" smtClean="0"/>
+              <a:t>注意不是所有的时候都可以智能转换的。</a:t>
+            </a:r>
+            <a:endParaRPr lang="en-US" altLang="zh-CN" sz="1800" dirty="0" smtClean="0"/>
+          </a:p>
+          <a:p>
+            <a:pPr marL="0" indent="0">
+              <a:buNone/>
+            </a:pPr>
+            <a:endParaRPr lang="en-US" altLang="zh-CN" sz="1800" dirty="0"/>
+          </a:p>
+          <a:p>
+            <a:pPr marL="0" indent="0">
+              <a:buNone/>
+            </a:pPr>
+            <a:endParaRPr lang="en-US" altLang="zh-CN" sz="1800" dirty="0" smtClean="0"/>
+          </a:p>
+          <a:p>
+            <a:pPr marL="0" indent="0">
+              <a:buNone/>
+            </a:pPr>
+            <a:endParaRPr lang="en-US" altLang="zh-CN" sz="1800" dirty="0"/>
+          </a:p>
+          <a:p>
+            <a:pPr marL="0" indent="0">
+              <a:buNone/>
+            </a:pPr>
+            <a:endParaRPr lang="en-US" altLang="zh-CN" sz="1800" dirty="0"/>
+          </a:p>
+        </p:txBody>
+      </p:sp>
+      <p:pic>
+        <p:nvPicPr>
+          <p:cNvPr id="6" name="图片 5"/>
+          <p:cNvPicPr>
+            <a:picLocks noChangeAspect="1"/>
+          </p:cNvPicPr>
+          <p:nvPr/>
+        </p:nvPicPr>
+        <p:blipFill>
+          <a:blip r:embed="rId2"/>
+          <a:stretch>
+            <a:fillRect/>
+          </a:stretch>
+        </p:blipFill>
+        <p:spPr>
+          <a:xfrm>
+            <a:off x="936917" y="1482571"/>
+            <a:ext cx="3909403" cy="1852755"/>
+          </a:xfrm>
+          <a:prstGeom prst="rect">
+            <a:avLst/>
+          </a:prstGeom>
+        </p:spPr>
+      </p:pic>
+      <p:pic>
+        <p:nvPicPr>
+          <p:cNvPr id="9" name="图片 8"/>
+          <p:cNvPicPr>
+            <a:picLocks noChangeAspect="1"/>
+          </p:cNvPicPr>
+          <p:nvPr/>
+        </p:nvPicPr>
+        <p:blipFill>
+          <a:blip r:embed="rId3"/>
+          <a:stretch>
+            <a:fillRect/>
+          </a:stretch>
+        </p:blipFill>
+        <p:spPr>
+          <a:xfrm>
+            <a:off x="936917" y="3773989"/>
+            <a:ext cx="3576895" cy="2179410"/>
+          </a:xfrm>
+          <a:prstGeom prst="rect">
+            <a:avLst/>
+          </a:prstGeom>
+        </p:spPr>
+      </p:pic>
+      <p:pic>
+        <p:nvPicPr>
+          <p:cNvPr id="10" name="图片 9"/>
+          <p:cNvPicPr>
+            <a:picLocks noChangeAspect="1"/>
+          </p:cNvPicPr>
+          <p:nvPr/>
+        </p:nvPicPr>
+        <p:blipFill>
+          <a:blip r:embed="rId4"/>
+          <a:stretch>
+            <a:fillRect/>
+          </a:stretch>
+        </p:blipFill>
+        <p:spPr>
+          <a:xfrm>
+            <a:off x="5062705" y="4162093"/>
+            <a:ext cx="6838095" cy="1609524"/>
+          </a:xfrm>
+          <a:prstGeom prst="rect">
+            <a:avLst/>
+          </a:prstGeom>
+        </p:spPr>
+      </p:pic>
+    </p:spTree>
+    <p:extLst>
+      <p:ext uri="{BB962C8B-B14F-4D97-AF65-F5344CB8AC3E}">
+        <p14:creationId xmlns:p14="http://schemas.microsoft.com/office/powerpoint/2010/main" val="3950945455"/>
+      </p:ext>
+    </p:extLst>
+  </p:cSld>
+  <p:clrMapOvr>
+    <a:masterClrMapping/>
+  </p:clrMapOvr>
+  <p:timing>
+    <p:tnLst>
+      <p:par>
+        <p:cTn id="1" dur="indefinite" restart="never" nodeType="tmRoot"/>
+      </p:par>
+    </p:tnLst>
+  </p:timing>
+</p:sld>
+</file>
+
+<file path=ppt/slides/slide27.xml><?xml version="1.0" encoding="utf-8"?>
+<p:sld xmlns:a="http://schemas.openxmlformats.org/drawingml/2006/main" xmlns:r="http://schemas.openxmlformats.org/officeDocument/2006/relationships" xmlns:p="http://schemas.openxmlformats.org/presentationml/2006/main">
+  <p:cSld>
+    <p:spTree>
+      <p:nvGrpSpPr>
+        <p:cNvPr id="1" name=""/>
+        <p:cNvGrpSpPr/>
+        <p:nvPr/>
+      </p:nvGrpSpPr>
+      <p:grpSpPr>
+        <a:xfrm>
+          <a:off x="0" y="0"/>
+          <a:ext cx="0" cy="0"/>
+          <a:chOff x="0" y="0"/>
+          <a:chExt cx="0" cy="0"/>
+        </a:xfrm>
+      </p:grpSpPr>
+      <p:sp>
+        <p:nvSpPr>
+          <p:cNvPr id="2" name="标题 1">
+            <a:extLst>
+              <a:ext uri="{FF2B5EF4-FFF2-40B4-BE49-F238E27FC236}">
+                <a16:creationId xmlns:a16="http://schemas.microsoft.com/office/drawing/2014/main" id="{CE2AF79E-E135-4CC8-A9E4-9B0E409EFD31}"/>
+              </a:ext>
+            </a:extLst>
+          </p:cNvPr>
+          <p:cNvSpPr>
+            <a:spLocks noGrp="1"/>
+          </p:cNvSpPr>
+          <p:nvPr>
+            <p:ph type="title"/>
+          </p:nvPr>
+        </p:nvSpPr>
+        <p:spPr>
+          <a:xfrm>
+            <a:off x="838200" y="328475"/>
+            <a:ext cx="10515600" cy="577048"/>
+          </a:xfrm>
+        </p:spPr>
+        <p:txBody>
+          <a:bodyPr>
+            <a:normAutofit fontScale="90000"/>
+          </a:bodyPr>
+          <a:lstStyle/>
+          <a:p>
+            <a:r>
+              <a:rPr lang="zh-CN" altLang="en-US" sz="3600" dirty="0" smtClean="0"/>
+              <a:t>类型检查和转换</a:t>
+            </a:r>
+            <a:endParaRPr lang="en-US" altLang="zh-CN" sz="3600" dirty="0"/>
+          </a:p>
+        </p:txBody>
+      </p:sp>
+      <p:sp>
+        <p:nvSpPr>
+          <p:cNvPr id="3" name="内容占位符 2">
+            <a:extLst>
+              <a:ext uri="{FF2B5EF4-FFF2-40B4-BE49-F238E27FC236}">
+                <a16:creationId xmlns:a16="http://schemas.microsoft.com/office/drawing/2014/main" id="{8A9A9357-CBDA-4879-9759-7D2BDA22296E}"/>
+              </a:ext>
+            </a:extLst>
+          </p:cNvPr>
+          <p:cNvSpPr>
+            <a:spLocks noGrp="1"/>
+          </p:cNvSpPr>
+          <p:nvPr>
+            <p:ph idx="1"/>
+          </p:nvPr>
+        </p:nvSpPr>
+        <p:spPr>
+          <a:xfrm>
+            <a:off x="838199" y="905523"/>
+            <a:ext cx="11158057" cy="5810436"/>
+          </a:xfrm>
+        </p:spPr>
+        <p:txBody>
+          <a:bodyPr>
+            <a:normAutofit/>
+          </a:bodyPr>
+          <a:lstStyle/>
+          <a:p>
+            <a:pPr marL="0" indent="0">
+              <a:buNone/>
+            </a:pPr>
+            <a:r>
+              <a:rPr lang="en-US" altLang="zh-CN" sz="1800" dirty="0" smtClean="0"/>
+              <a:t>2</a:t>
+            </a:r>
+            <a:r>
+              <a:rPr lang="zh-CN" altLang="en-US" sz="1800" dirty="0" smtClean="0"/>
+              <a:t>、转换操作符</a:t>
+            </a:r>
+            <a:endParaRPr lang="en-US" altLang="zh-CN" sz="1800" dirty="0" smtClean="0"/>
+          </a:p>
+          <a:p>
+            <a:pPr marL="0" indent="0">
+              <a:buNone/>
+            </a:pPr>
+            <a:r>
+              <a:rPr lang="zh-CN" altLang="en-US" sz="1800" dirty="0" smtClean="0"/>
+              <a:t>操作符分为两类：</a:t>
+            </a:r>
+            <a:endParaRPr lang="en-US" altLang="zh-CN" sz="1800" dirty="0" smtClean="0"/>
+          </a:p>
+          <a:p>
+            <a:pPr marL="0" indent="0">
+              <a:buNone/>
+            </a:pPr>
+            <a:r>
+              <a:rPr lang="en-US" altLang="zh-CN" sz="1800" dirty="0" smtClean="0"/>
+              <a:t>---</a:t>
+            </a:r>
+            <a:r>
+              <a:rPr lang="zh-CN" altLang="en-US" sz="1800" dirty="0" smtClean="0"/>
+              <a:t>不安全的操作符</a:t>
+            </a:r>
+            <a:r>
+              <a:rPr lang="en-US" altLang="zh-CN" sz="1800" dirty="0" smtClean="0"/>
+              <a:t>as</a:t>
+            </a:r>
+            <a:r>
+              <a:rPr lang="zh-CN" altLang="en-US" sz="1800" dirty="0" smtClean="0"/>
+              <a:t>，若转换失败则抛出异常</a:t>
+            </a:r>
+            <a:endParaRPr lang="en-US" altLang="zh-CN" sz="1800" dirty="0" smtClean="0"/>
+          </a:p>
+          <a:p>
+            <a:pPr marL="0" indent="0">
+              <a:buNone/>
+            </a:pPr>
+            <a:r>
+              <a:rPr lang="en-US" altLang="zh-CN" sz="1800" dirty="0" smtClean="0"/>
+              <a:t>---</a:t>
+            </a:r>
+            <a:r>
+              <a:rPr lang="zh-CN" altLang="en-US" sz="1800" dirty="0" smtClean="0"/>
+              <a:t>安全的操作符</a:t>
+            </a:r>
+            <a:r>
+              <a:rPr lang="en-US" altLang="zh-CN" sz="1800" dirty="0" smtClean="0"/>
+              <a:t>as</a:t>
+            </a:r>
+            <a:r>
+              <a:rPr lang="zh-CN" altLang="en-US" sz="1800" dirty="0" smtClean="0"/>
+              <a:t>？，若转换失败则返回</a:t>
+            </a:r>
+            <a:r>
+              <a:rPr lang="en-US" altLang="zh-CN" sz="1800" dirty="0" smtClean="0"/>
+              <a:t>null</a:t>
+            </a:r>
+            <a:r>
+              <a:rPr lang="zh-CN" altLang="en-US" sz="1800" dirty="0" smtClean="0"/>
+              <a:t>。</a:t>
+            </a:r>
+            <a:endParaRPr lang="en-US" altLang="zh-CN" sz="1800" dirty="0" smtClean="0"/>
+          </a:p>
+          <a:p>
+            <a:pPr marL="0" indent="0">
+              <a:buNone/>
+            </a:pPr>
+            <a:endParaRPr lang="en-US" altLang="zh-CN" sz="1800" dirty="0" smtClean="0"/>
+          </a:p>
+          <a:p>
+            <a:pPr marL="0" indent="0">
+              <a:buNone/>
+            </a:pPr>
+            <a:endParaRPr lang="en-US" altLang="zh-CN" sz="1800" dirty="0"/>
+          </a:p>
+          <a:p>
+            <a:pPr marL="0" indent="0">
+              <a:buNone/>
+            </a:pPr>
+            <a:endParaRPr lang="en-US" altLang="zh-CN" sz="1800" dirty="0" smtClean="0"/>
+          </a:p>
+          <a:p>
+            <a:pPr marL="0" indent="0">
+              <a:buNone/>
+            </a:pPr>
+            <a:endParaRPr lang="en-US" altLang="zh-CN" sz="1800" dirty="0"/>
+          </a:p>
+          <a:p>
+            <a:pPr marL="0" indent="0">
+              <a:buNone/>
+            </a:pPr>
+            <a:endParaRPr lang="en-US" altLang="zh-CN" sz="1800" dirty="0"/>
+          </a:p>
+        </p:txBody>
+      </p:sp>
+      <p:pic>
+        <p:nvPicPr>
+          <p:cNvPr id="4" name="图片 3"/>
+          <p:cNvPicPr>
+            <a:picLocks noChangeAspect="1"/>
+          </p:cNvPicPr>
+          <p:nvPr/>
+        </p:nvPicPr>
+        <p:blipFill>
+          <a:blip r:embed="rId2"/>
+          <a:stretch>
+            <a:fillRect/>
+          </a:stretch>
+        </p:blipFill>
+        <p:spPr>
+          <a:xfrm>
+            <a:off x="955742" y="2437008"/>
+            <a:ext cx="3380952" cy="1285714"/>
+          </a:xfrm>
+          <a:prstGeom prst="rect">
+            <a:avLst/>
+          </a:prstGeom>
+        </p:spPr>
+      </p:pic>
+    </p:spTree>
+    <p:extLst>
+      <p:ext uri="{BB962C8B-B14F-4D97-AF65-F5344CB8AC3E}">
+        <p14:creationId xmlns:p14="http://schemas.microsoft.com/office/powerpoint/2010/main" val="4027818021"/>
+      </p:ext>
+    </p:extLst>
+  </p:cSld>
+  <p:clrMapOvr>
+    <a:masterClrMapping/>
+  </p:clrMapOvr>
+  <p:timing>
+    <p:tnLst>
+      <p:par>
+        <p:cTn id="1" dur="indefinite" restart="never" nodeType="tmRoot"/>
+      </p:par>
+    </p:tnLst>
+  </p:timing>
 </p:sld>
 </file>
 
@@ -7367,6 +9101,10 @@
           </a:bodyPr>
           <a:lstStyle/>
           <a:p>
+            <a:r>
+              <a:rPr lang="en-US" altLang="zh-CN" sz="3600" dirty="0"/>
+              <a:t/>
+            </a:r>
             <a:br>
               <a:rPr lang="en-US" altLang="zh-CN" sz="3600" dirty="0"/>
             </a:br>
@@ -7389,6 +9127,10 @@
             <a:r>
               <a:rPr lang="zh-CN" altLang="en-US" sz="3600" dirty="0"/>
               <a:t>的特性？</a:t>
+            </a:r>
+            <a:r>
+              <a:rPr lang="en-US" altLang="zh-CN" sz="3600" dirty="0"/>
+              <a:t/>
             </a:r>
             <a:br>
               <a:rPr lang="en-US" altLang="zh-CN" sz="3600" dirty="0"/>
@@ -8469,6 +10211,10 @@
           </a:bodyPr>
           <a:lstStyle/>
           <a:p>
+            <a:r>
+              <a:rPr lang="en-US" altLang="zh-CN" sz="3600" dirty="0"/>
+              <a:t/>
+            </a:r>
             <a:br>
               <a:rPr lang="en-US" altLang="zh-CN" sz="3600" dirty="0"/>
             </a:br>
@@ -8499,6 +10245,10 @@
             <a:r>
               <a:rPr lang="zh-CN" altLang="en-US" sz="3600" dirty="0"/>
               <a:t>霍尔，图灵奖得主）</a:t>
+            </a:r>
+            <a:r>
+              <a:rPr lang="en-US" altLang="zh-CN" sz="3600" dirty="0"/>
+              <a:t/>
             </a:r>
             <a:br>
               <a:rPr lang="en-US" altLang="zh-CN" sz="3600" dirty="0"/>
@@ -8835,12 +10585,20 @@
           </a:bodyPr>
           <a:lstStyle/>
           <a:p>
+            <a:r>
+              <a:rPr lang="en-US" altLang="zh-CN" sz="3600" dirty="0"/>
+              <a:t/>
+            </a:r>
             <a:br>
               <a:rPr lang="en-US" altLang="zh-CN" sz="3600" dirty="0"/>
             </a:br>
             <a:r>
               <a:rPr lang="zh-CN" altLang="en-US" sz="3600" dirty="0"/>
               <a:t>变量，属性</a:t>
+            </a:r>
+            <a:r>
+              <a:rPr lang="en-US" altLang="zh-CN" sz="3600" dirty="0"/>
+              <a:t/>
             </a:r>
             <a:br>
               <a:rPr lang="en-US" altLang="zh-CN" sz="3600" dirty="0"/>
@@ -9159,12 +10917,20 @@
           </a:bodyPr>
           <a:lstStyle/>
           <a:p>
+            <a:r>
+              <a:rPr lang="en-US" altLang="zh-CN" sz="3600" dirty="0"/>
+              <a:t/>
+            </a:r>
             <a:br>
               <a:rPr lang="en-US" altLang="zh-CN" sz="3600" dirty="0"/>
             </a:br>
             <a:r>
               <a:rPr lang="zh-CN" altLang="en-US" sz="3600" dirty="0"/>
               <a:t>变量，属性</a:t>
+            </a:r>
+            <a:r>
+              <a:rPr lang="en-US" altLang="zh-CN" sz="3600" dirty="0"/>
+              <a:t/>
             </a:r>
             <a:br>
               <a:rPr lang="en-US" altLang="zh-CN" sz="3600" dirty="0"/>
@@ -9462,12 +11228,20 @@
           </a:bodyPr>
           <a:lstStyle/>
           <a:p>
+            <a:r>
+              <a:rPr lang="en-US" altLang="zh-CN" sz="3600" dirty="0"/>
+              <a:t/>
+            </a:r>
             <a:br>
               <a:rPr lang="en-US" altLang="zh-CN" sz="3600" dirty="0"/>
             </a:br>
             <a:r>
               <a:rPr lang="zh-CN" altLang="en-US" sz="3600" dirty="0"/>
               <a:t>函数</a:t>
+            </a:r>
+            <a:r>
+              <a:rPr lang="en-US" altLang="zh-CN" sz="3600" dirty="0"/>
+              <a:t/>
             </a:r>
             <a:br>
               <a:rPr lang="en-US" altLang="zh-CN" sz="3600" dirty="0"/>
@@ -9765,12 +11539,20 @@
           </a:bodyPr>
           <a:lstStyle/>
           <a:p>
+            <a:r>
+              <a:rPr lang="en-US" altLang="zh-CN" sz="3600" dirty="0"/>
+              <a:t/>
+            </a:r>
             <a:br>
               <a:rPr lang="en-US" altLang="zh-CN" sz="3600" dirty="0"/>
             </a:br>
             <a:r>
               <a:rPr lang="zh-CN" altLang="en-US" sz="3600" dirty="0"/>
               <a:t>操作符重载</a:t>
+            </a:r>
+            <a:r>
+              <a:rPr lang="en-US" altLang="zh-CN" sz="3600" dirty="0"/>
+              <a:t/>
             </a:r>
             <a:br>
               <a:rPr lang="en-US" altLang="zh-CN" sz="3600" dirty="0"/>

--- a/docs/初探kotlin.pptx
+++ b/docs/初探kotlin.pptx
@@ -9,29 +9,32 @@
     <p:sldId id="257" r:id="rId3"/>
     <p:sldId id="258" r:id="rId4"/>
     <p:sldId id="259" r:id="rId5"/>
-    <p:sldId id="260" r:id="rId6"/>
-    <p:sldId id="261" r:id="rId7"/>
-    <p:sldId id="262" r:id="rId8"/>
-    <p:sldId id="263" r:id="rId9"/>
-    <p:sldId id="264" r:id="rId10"/>
-    <p:sldId id="265" r:id="rId11"/>
-    <p:sldId id="267" r:id="rId12"/>
-    <p:sldId id="268" r:id="rId13"/>
-    <p:sldId id="269" r:id="rId14"/>
-    <p:sldId id="270" r:id="rId15"/>
-    <p:sldId id="271" r:id="rId16"/>
-    <p:sldId id="272" r:id="rId17"/>
-    <p:sldId id="273" r:id="rId18"/>
-    <p:sldId id="274" r:id="rId19"/>
-    <p:sldId id="275" r:id="rId20"/>
-    <p:sldId id="276" r:id="rId21"/>
-    <p:sldId id="277" r:id="rId22"/>
-    <p:sldId id="278" r:id="rId23"/>
-    <p:sldId id="279" r:id="rId24"/>
-    <p:sldId id="280" r:id="rId25"/>
-    <p:sldId id="283" r:id="rId26"/>
-    <p:sldId id="281" r:id="rId27"/>
-    <p:sldId id="282" r:id="rId28"/>
+    <p:sldId id="286" r:id="rId6"/>
+    <p:sldId id="260" r:id="rId7"/>
+    <p:sldId id="261" r:id="rId8"/>
+    <p:sldId id="262" r:id="rId9"/>
+    <p:sldId id="263" r:id="rId10"/>
+    <p:sldId id="264" r:id="rId11"/>
+    <p:sldId id="265" r:id="rId12"/>
+    <p:sldId id="267" r:id="rId13"/>
+    <p:sldId id="268" r:id="rId14"/>
+    <p:sldId id="269" r:id="rId15"/>
+    <p:sldId id="270" r:id="rId16"/>
+    <p:sldId id="271" r:id="rId17"/>
+    <p:sldId id="272" r:id="rId18"/>
+    <p:sldId id="273" r:id="rId19"/>
+    <p:sldId id="274" r:id="rId20"/>
+    <p:sldId id="275" r:id="rId21"/>
+    <p:sldId id="276" r:id="rId22"/>
+    <p:sldId id="277" r:id="rId23"/>
+    <p:sldId id="278" r:id="rId24"/>
+    <p:sldId id="279" r:id="rId25"/>
+    <p:sldId id="280" r:id="rId26"/>
+    <p:sldId id="283" r:id="rId27"/>
+    <p:sldId id="281" r:id="rId28"/>
+    <p:sldId id="282" r:id="rId29"/>
+    <p:sldId id="285" r:id="rId30"/>
+    <p:sldId id="284" r:id="rId31"/>
   </p:sldIdLst>
   <p:sldSz cx="12192000" cy="6858000"/>
   <p:notesSz cx="6858000" cy="9144000"/>
@@ -3522,7 +3525,7 @@
         <p:spPr>
           <a:xfrm>
             <a:off x="838200" y="1047564"/>
-            <a:ext cx="10515600" cy="5810436"/>
+            <a:ext cx="10515600" cy="5734976"/>
           </a:xfrm>
         </p:spPr>
         <p:txBody>
@@ -3535,12 +3538,32 @@
               <a:buNone/>
             </a:pPr>
             <a:r>
+              <a:rPr lang="zh-CN" altLang="en-US" sz="2000" dirty="0"/>
+              <a:t>还在为</a:t>
+            </a:r>
+            <a:r>
               <a:rPr lang="en-US" altLang="zh-CN" sz="2000" dirty="0"/>
-              <a:t>2</a:t>
+              <a:t>string</a:t>
             </a:r>
             <a:r>
               <a:rPr lang="zh-CN" altLang="en-US" sz="2000" dirty="0"/>
-              <a:t>、扩展属性</a:t>
+              <a:t>类无法被继承而烦恼吗？还在为打印</a:t>
+            </a:r>
+            <a:r>
+              <a:rPr lang="en-US" altLang="zh-CN" sz="2000" dirty="0"/>
+              <a:t>toast</a:t>
+            </a:r>
+            <a:r>
+              <a:rPr lang="zh-CN" altLang="en-US" sz="2000" dirty="0"/>
+              <a:t>需要传递</a:t>
+            </a:r>
+            <a:r>
+              <a:rPr lang="en-US" altLang="zh-CN" sz="2000" dirty="0"/>
+              <a:t>context</a:t>
+            </a:r>
+            <a:r>
+              <a:rPr lang="zh-CN" altLang="en-US" sz="2000" dirty="0"/>
+              <a:t>而心忧吗？    </a:t>
             </a:r>
             <a:endParaRPr lang="en-US" altLang="zh-CN" sz="2000" dirty="0"/>
           </a:p>
@@ -3550,7 +3573,15 @@
             </a:pPr>
             <a:r>
               <a:rPr lang="zh-CN" altLang="en-US" sz="2000" dirty="0"/>
-              <a:t>类似于扩展方法，我们也可以很轻松给类添加扩展属性。</a:t>
+              <a:t> </a:t>
+            </a:r>
+            <a:r>
+              <a:rPr lang="en-US" altLang="zh-CN" sz="2000" dirty="0" err="1"/>
+              <a:t>kotlin</a:t>
+            </a:r>
+            <a:r>
+              <a:rPr lang="zh-CN" altLang="en-US" sz="2000" dirty="0"/>
+              <a:t>扩展你值得拥有。</a:t>
             </a:r>
             <a:endParaRPr lang="en-US" altLang="zh-CN" sz="2000" dirty="0"/>
           </a:p>
@@ -3558,6 +3589,26 @@
             <a:pPr marL="0" indent="0">
               <a:buNone/>
             </a:pPr>
+            <a:r>
+              <a:rPr lang="zh-CN" altLang="en-US" sz="2000" dirty="0"/>
+              <a:t>能够扩展一个类的新功能而无需继承该类或使用像装饰者这样的任何类型的设计模式。在</a:t>
+            </a:r>
+            <a:r>
+              <a:rPr lang="en-US" altLang="zh-CN" sz="2000" dirty="0"/>
+              <a:t>java</a:t>
+            </a:r>
+            <a:r>
+              <a:rPr lang="zh-CN" altLang="en-US" sz="2000" dirty="0"/>
+              <a:t>中我们经常这样定义</a:t>
+            </a:r>
+            <a:r>
+              <a:rPr lang="en-US" altLang="zh-CN" sz="2000" dirty="0"/>
+              <a:t>Toast</a:t>
+            </a:r>
+            <a:r>
+              <a:rPr lang="zh-CN" altLang="en-US" sz="2000" dirty="0"/>
+              <a:t>工具类：</a:t>
+            </a:r>
             <a:endParaRPr lang="en-US" altLang="zh-CN" sz="2000" dirty="0"/>
           </a:p>
           <a:p>
@@ -3576,78 +3627,46 @@
             <a:pPr marL="0" indent="0">
               <a:buNone/>
             </a:pPr>
+            <a:endParaRPr lang="en-US" altLang="zh-CN" sz="2000" dirty="0"/>
+          </a:p>
+          <a:p>
+            <a:pPr marL="0" indent="0">
+              <a:buNone/>
+            </a:pPr>
+            <a:endParaRPr lang="en-US" altLang="zh-CN" sz="2000" dirty="0"/>
+          </a:p>
+          <a:p>
+            <a:pPr marL="0" indent="0">
+              <a:buNone/>
+            </a:pPr>
             <a:r>
               <a:rPr lang="zh-CN" altLang="en-US" sz="2000" dirty="0"/>
-              <a:t>优点：</a:t>
+              <a:t>看</a:t>
+            </a:r>
+            <a:r>
+              <a:rPr lang="en-US" altLang="zh-CN" sz="2000" dirty="0" err="1"/>
+              <a:t>kotlin</a:t>
+            </a:r>
+            <a:r>
+              <a:rPr lang="zh-CN" altLang="en-US" sz="2000" dirty="0"/>
+              <a:t>的简单实现：</a:t>
             </a:r>
             <a:endParaRPr lang="en-US" altLang="zh-CN" sz="2000" dirty="0"/>
           </a:p>
           <a:p>
-            <a:pPr marL="457200" indent="-457200">
-              <a:buAutoNum type="arabicPeriod"/>
-            </a:pPr>
-            <a:r>
-              <a:rPr lang="zh-CN" altLang="en-US" sz="2000" dirty="0"/>
-              <a:t>可以给任意类添加新功能</a:t>
-            </a:r>
-            <a:endParaRPr lang="en-US" altLang="zh-CN" sz="2000" dirty="0"/>
-          </a:p>
-          <a:p>
-            <a:pPr marL="457200" indent="-457200">
-              <a:buAutoNum type="arabicPeriod"/>
-            </a:pPr>
-            <a:r>
-              <a:rPr lang="zh-CN" altLang="en-US" sz="2000" dirty="0"/>
-              <a:t>让工具类更加简洁</a:t>
-            </a:r>
-            <a:endParaRPr lang="en-US" altLang="zh-CN" sz="2000" dirty="0"/>
-          </a:p>
-          <a:p>
-            <a:pPr marL="0" indent="0">
-              <a:buNone/>
-            </a:pPr>
-            <a:r>
-              <a:rPr lang="zh-CN" altLang="en-US" sz="2000" dirty="0"/>
-              <a:t>注意点：</a:t>
-            </a:r>
-            <a:endParaRPr lang="en-US" altLang="zh-CN" sz="2000" dirty="0"/>
-          </a:p>
-          <a:p>
-            <a:pPr marL="457200" indent="-457200">
-              <a:buAutoNum type="arabicPeriod"/>
-            </a:pPr>
-            <a:r>
-              <a:rPr lang="en-US" altLang="zh-CN" sz="2000" dirty="0" err="1"/>
-              <a:t>Kotlin</a:t>
-            </a:r>
-            <a:r>
-              <a:rPr lang="zh-CN" altLang="en-US" sz="2000" dirty="0"/>
-              <a:t>的扩展是静态导入的，并没有修改类和新增继承。</a:t>
-            </a:r>
-            <a:endParaRPr lang="en-US" altLang="zh-CN" sz="2000" dirty="0"/>
-          </a:p>
-          <a:p>
-            <a:pPr marL="457200" indent="-457200">
-              <a:buAutoNum type="arabicPeriod"/>
-            </a:pPr>
-            <a:r>
-              <a:rPr lang="en-US" altLang="zh-CN" sz="2000" dirty="0" err="1"/>
-              <a:t>Kotlin</a:t>
-            </a:r>
-            <a:r>
-              <a:rPr lang="zh-CN" altLang="en-US" sz="2000" dirty="0"/>
-              <a:t>的扩展不具有多态性（当子类和父类都具有相同的扩展方法时，只能根据编码时传入的类型，而不能运行时推断。）</a:t>
-            </a:r>
+            <a:pPr marL="0" indent="0">
+              <a:buNone/>
+            </a:pPr>
             <a:endParaRPr lang="en-US" altLang="zh-CN" sz="2000" dirty="0"/>
           </a:p>
         </p:txBody>
       </p:sp>
       <p:pic>
         <p:nvPicPr>
-          <p:cNvPr id="7" name="图片 6">
-            <a:extLst>
-              <a:ext uri="{FF2B5EF4-FFF2-40B4-BE49-F238E27FC236}">
-                <a16:creationId xmlns:a16="http://schemas.microsoft.com/office/drawing/2014/main" id="{E4FE5D34-C4EB-499B-ACF5-8CB18BD57F6F}"/>
+          <p:cNvPr id="4" name="图片 3">
+            <a:extLst>
+              <a:ext uri="{FF2B5EF4-FFF2-40B4-BE49-F238E27FC236}">
+                <a16:creationId xmlns:a16="http://schemas.microsoft.com/office/drawing/2014/main" id="{D685EAA0-9C29-47CE-B1B1-C40A9E6F802C}"/>
               </a:ext>
             </a:extLst>
           </p:cNvPr>
@@ -3664,8 +3683,8 @@
         </p:blipFill>
         <p:spPr>
           <a:xfrm>
-            <a:off x="7986897" y="1121175"/>
-            <a:ext cx="3267075" cy="3124200"/>
+            <a:off x="949449" y="2442699"/>
+            <a:ext cx="6457950" cy="1724025"/>
           </a:xfrm>
           <a:prstGeom prst="rect">
             <a:avLst/>
@@ -3674,7 +3693,13 @@
       </p:pic>
       <p:pic>
         <p:nvPicPr>
-          <p:cNvPr id="4" name="图片 3"/>
+          <p:cNvPr id="5" name="图片 4">
+            <a:extLst>
+              <a:ext uri="{FF2B5EF4-FFF2-40B4-BE49-F238E27FC236}">
+                <a16:creationId xmlns:a16="http://schemas.microsoft.com/office/drawing/2014/main" id="{23D1CF44-FDFC-4015-BE27-1A33B7D51C1D}"/>
+              </a:ext>
+            </a:extLst>
+          </p:cNvPr>
           <p:cNvPicPr>
             <a:picLocks noChangeAspect="1"/>
           </p:cNvPicPr>
@@ -3688,8 +3713,8 @@
         </p:blipFill>
         <p:spPr>
           <a:xfrm>
-            <a:off x="1015117" y="1791697"/>
-            <a:ext cx="4342857" cy="714286"/>
+            <a:off x="940387" y="4454741"/>
+            <a:ext cx="6315075" cy="2247900"/>
           </a:xfrm>
           <a:prstGeom prst="rect">
             <a:avLst/>
@@ -3699,7 +3724,7 @@
     </p:spTree>
     <p:extLst>
       <p:ext uri="{BB962C8B-B14F-4D97-AF65-F5344CB8AC3E}">
-        <p14:creationId xmlns:p14="http://schemas.microsoft.com/office/powerpoint/2010/main" val="2758583435"/>
+        <p14:creationId xmlns:p14="http://schemas.microsoft.com/office/powerpoint/2010/main" val="110948512"/>
       </p:ext>
     </p:extLst>
   </p:cSld>
@@ -3731,7 +3756,7 @@
           <p:cNvPr id="2" name="标题 1">
             <a:extLst>
               <a:ext uri="{FF2B5EF4-FFF2-40B4-BE49-F238E27FC236}">
-                <a16:creationId xmlns:a16="http://schemas.microsoft.com/office/drawing/2014/main" id="{D333ED31-0928-4FAB-84C6-9DA25C051219}"/>
+                <a16:creationId xmlns:a16="http://schemas.microsoft.com/office/drawing/2014/main" id="{CE2AF79E-E135-4CC8-A9E4-9B0E409EFD31}"/>
               </a:ext>
             </a:extLst>
           </p:cNvPr>
@@ -3744,8 +3769,56 @@
         </p:nvSpPr>
         <p:spPr>
           <a:xfrm>
-            <a:off x="839788" y="365125"/>
-            <a:ext cx="10515600" cy="611419"/>
+            <a:off x="838200" y="328475"/>
+            <a:ext cx="10515600" cy="577048"/>
+          </a:xfrm>
+        </p:spPr>
+        <p:txBody>
+          <a:bodyPr>
+            <a:normAutofit fontScale="90000"/>
+          </a:bodyPr>
+          <a:lstStyle/>
+          <a:p>
+            <a:r>
+              <a:rPr lang="zh-CN" altLang="en-US" sz="3600" dirty="0"/>
+              <a:t>扩展</a:t>
+            </a:r>
+            <a:r>
+              <a:rPr lang="en-US" altLang="zh-CN" sz="3600" dirty="0"/>
+              <a:t>(</a:t>
+            </a:r>
+            <a:r>
+              <a:rPr lang="zh-CN" altLang="en-US" sz="3600" dirty="0"/>
+              <a:t>方法，属性</a:t>
+            </a:r>
+            <a:r>
+              <a:rPr lang="en-US" altLang="zh-CN" sz="3600" dirty="0"/>
+              <a:t>)</a:t>
+            </a:r>
+            <a:endParaRPr lang="zh-CN" altLang="en-US" sz="3600" dirty="0"/>
+          </a:p>
+        </p:txBody>
+      </p:sp>
+      <p:sp>
+        <p:nvSpPr>
+          <p:cNvPr id="3" name="内容占位符 2">
+            <a:extLst>
+              <a:ext uri="{FF2B5EF4-FFF2-40B4-BE49-F238E27FC236}">
+                <a16:creationId xmlns:a16="http://schemas.microsoft.com/office/drawing/2014/main" id="{8A9A9357-CBDA-4879-9759-7D2BDA22296E}"/>
+              </a:ext>
+            </a:extLst>
+          </p:cNvPr>
+          <p:cNvSpPr>
+            <a:spLocks noGrp="1"/>
+          </p:cNvSpPr>
+          <p:nvPr>
+            <p:ph idx="1"/>
+          </p:nvPr>
+        </p:nvSpPr>
+        <p:spPr>
+          <a:xfrm>
+            <a:off x="838200" y="1047564"/>
+            <a:ext cx="10515600" cy="5810436"/>
           </a:xfrm>
         </p:spPr>
         <p:txBody>
@@ -3754,141 +3827,154 @@
           </a:bodyPr>
           <a:lstStyle/>
           <a:p>
-            <a:r>
-              <a:rPr lang="zh-CN" altLang="en-US" sz="3200" dirty="0"/>
-              <a:t>数据类</a:t>
-            </a:r>
-          </a:p>
-        </p:txBody>
-      </p:sp>
-      <p:sp>
-        <p:nvSpPr>
-          <p:cNvPr id="3" name="文本占位符 2">
-            <a:extLst>
-              <a:ext uri="{FF2B5EF4-FFF2-40B4-BE49-F238E27FC236}">
-                <a16:creationId xmlns:a16="http://schemas.microsoft.com/office/drawing/2014/main" id="{48C24CB0-653B-4A9B-9D4C-001879706027}"/>
-              </a:ext>
-            </a:extLst>
-          </p:cNvPr>
-          <p:cNvSpPr>
-            <a:spLocks noGrp="1"/>
-          </p:cNvSpPr>
-          <p:nvPr>
-            <p:ph type="body" idx="1"/>
-          </p:nvPr>
-        </p:nvSpPr>
-        <p:spPr>
-          <a:xfrm>
-            <a:off x="839788" y="979827"/>
-            <a:ext cx="5157787" cy="520499"/>
-          </a:xfrm>
-        </p:spPr>
-        <p:txBody>
-          <a:bodyPr/>
-          <a:lstStyle/>
-          <a:p>
-            <a:r>
-              <a:rPr lang="zh-CN" altLang="en-US" b="0" dirty="0"/>
-              <a:t>在</a:t>
-            </a:r>
-            <a:r>
-              <a:rPr lang="en-US" altLang="zh-CN" b="0" dirty="0"/>
-              <a:t>java</a:t>
-            </a:r>
-            <a:r>
-              <a:rPr lang="zh-CN" altLang="en-US" b="0" dirty="0"/>
-              <a:t>中的数据类</a:t>
-            </a:r>
+            <a:pPr marL="0" indent="0">
+              <a:buNone/>
+            </a:pPr>
+            <a:r>
+              <a:rPr lang="en-US" altLang="zh-CN" sz="2000" dirty="0"/>
+              <a:t>2</a:t>
+            </a:r>
+            <a:r>
+              <a:rPr lang="zh-CN" altLang="en-US" sz="2000" dirty="0"/>
+              <a:t>、扩展属性</a:t>
+            </a:r>
+            <a:endParaRPr lang="en-US" altLang="zh-CN" sz="2000" dirty="0"/>
+          </a:p>
+          <a:p>
+            <a:pPr marL="0" indent="0">
+              <a:buNone/>
+            </a:pPr>
+            <a:r>
+              <a:rPr lang="zh-CN" altLang="en-US" sz="2000" dirty="0"/>
+              <a:t>类似于扩展方法，我们也可以很轻松给类添加扩展属性。</a:t>
+            </a:r>
+            <a:endParaRPr lang="en-US" altLang="zh-CN" sz="2000" dirty="0"/>
+          </a:p>
+          <a:p>
+            <a:pPr marL="0" indent="0">
+              <a:buNone/>
+            </a:pPr>
+            <a:endParaRPr lang="en-US" altLang="zh-CN" sz="2000" dirty="0"/>
+          </a:p>
+          <a:p>
+            <a:pPr marL="0" indent="0">
+              <a:buNone/>
+            </a:pPr>
+            <a:endParaRPr lang="en-US" altLang="zh-CN" sz="2000" dirty="0"/>
+          </a:p>
+          <a:p>
+            <a:pPr marL="0" indent="0">
+              <a:buNone/>
+            </a:pPr>
+            <a:endParaRPr lang="en-US" altLang="zh-CN" sz="2000" dirty="0"/>
+          </a:p>
+          <a:p>
+            <a:pPr marL="0" indent="0">
+              <a:buNone/>
+            </a:pPr>
+            <a:r>
+              <a:rPr lang="zh-CN" altLang="en-US" sz="2000" dirty="0"/>
+              <a:t>优点：</a:t>
+            </a:r>
+            <a:endParaRPr lang="en-US" altLang="zh-CN" sz="2000" dirty="0"/>
+          </a:p>
+          <a:p>
+            <a:pPr marL="457200" indent="-457200">
+              <a:buAutoNum type="arabicPeriod"/>
+            </a:pPr>
+            <a:r>
+              <a:rPr lang="zh-CN" altLang="en-US" sz="2000" dirty="0"/>
+              <a:t>可以给任意类添加新功能</a:t>
+            </a:r>
+            <a:endParaRPr lang="en-US" altLang="zh-CN" sz="2000" dirty="0"/>
+          </a:p>
+          <a:p>
+            <a:pPr marL="457200" indent="-457200">
+              <a:buAutoNum type="arabicPeriod"/>
+            </a:pPr>
+            <a:r>
+              <a:rPr lang="zh-CN" altLang="en-US" sz="2000" dirty="0"/>
+              <a:t>让工具类更加简洁</a:t>
+            </a:r>
+            <a:endParaRPr lang="en-US" altLang="zh-CN" sz="2000" dirty="0"/>
+          </a:p>
+          <a:p>
+            <a:pPr marL="0" indent="0">
+              <a:buNone/>
+            </a:pPr>
+            <a:r>
+              <a:rPr lang="zh-CN" altLang="en-US" sz="2000" dirty="0"/>
+              <a:t>注意点：</a:t>
+            </a:r>
+            <a:endParaRPr lang="en-US" altLang="zh-CN" sz="2000" dirty="0"/>
+          </a:p>
+          <a:p>
+            <a:pPr marL="457200" indent="-457200">
+              <a:buAutoNum type="arabicPeriod"/>
+            </a:pPr>
+            <a:r>
+              <a:rPr lang="en-US" altLang="zh-CN" sz="2000" dirty="0" err="1"/>
+              <a:t>Kotlin</a:t>
+            </a:r>
+            <a:r>
+              <a:rPr lang="zh-CN" altLang="en-US" sz="2000" dirty="0"/>
+              <a:t>的扩展是静态导入的，并没有修改类和新增继承。</a:t>
+            </a:r>
+            <a:endParaRPr lang="en-US" altLang="zh-CN" sz="2000" dirty="0"/>
+          </a:p>
+          <a:p>
+            <a:pPr marL="457200" indent="-457200">
+              <a:buAutoNum type="arabicPeriod"/>
+            </a:pPr>
+            <a:r>
+              <a:rPr lang="en-US" altLang="zh-CN" sz="2000" dirty="0" err="1"/>
+              <a:t>Kotlin</a:t>
+            </a:r>
+            <a:r>
+              <a:rPr lang="zh-CN" altLang="en-US" sz="2000" dirty="0"/>
+              <a:t>的扩展不具有多态性（当子类和父类都具有相同的扩展方法时，只能根据编码时传入的类型，而不能运行时推断。）</a:t>
+            </a:r>
+            <a:endParaRPr lang="en-US" altLang="zh-CN" sz="2000" dirty="0"/>
           </a:p>
         </p:txBody>
       </p:sp>
       <p:pic>
         <p:nvPicPr>
-          <p:cNvPr id="9" name="内容占位符 8">
-            <a:extLst>
-              <a:ext uri="{FF2B5EF4-FFF2-40B4-BE49-F238E27FC236}">
-                <a16:creationId xmlns:a16="http://schemas.microsoft.com/office/drawing/2014/main" id="{0E5417BC-B024-4DFF-ABB3-78C7828C2E10}"/>
+          <p:cNvPr id="7" name="图片 6">
+            <a:extLst>
+              <a:ext uri="{FF2B5EF4-FFF2-40B4-BE49-F238E27FC236}">
+                <a16:creationId xmlns:a16="http://schemas.microsoft.com/office/drawing/2014/main" id="{E4FE5D34-C4EB-499B-ACF5-8CB18BD57F6F}"/>
               </a:ext>
             </a:extLst>
           </p:cNvPr>
           <p:cNvPicPr>
-            <a:picLocks noGrp="1" noChangeAspect="1"/>
+            <a:picLocks noChangeAspect="1"/>
           </p:cNvPicPr>
-          <p:nvPr>
-            <p:ph sz="half" idx="2"/>
-          </p:nvPr>
+          <p:nvPr/>
         </p:nvPicPr>
         <p:blipFill>
-          <a:blip r:embed="rId2">
-            <a:extLst>
-              <a:ext uri="{28A0092B-C50C-407E-A947-70E740481C1C}">
-                <a14:useLocalDpi xmlns:a14="http://schemas.microsoft.com/office/drawing/2010/main" val="0"/>
-              </a:ext>
-            </a:extLst>
-          </a:blip>
+          <a:blip r:embed="rId2"/>
           <a:stretch>
             <a:fillRect/>
           </a:stretch>
         </p:blipFill>
         <p:spPr>
           <a:xfrm>
-            <a:off x="839788" y="1578171"/>
-            <a:ext cx="5157787" cy="5119296"/>
-          </a:xfrm>
+            <a:off x="7986897" y="1121175"/>
+            <a:ext cx="3267075" cy="3124200"/>
+          </a:xfrm>
+          <a:prstGeom prst="rect">
+            <a:avLst/>
+          </a:prstGeom>
         </p:spPr>
       </p:pic>
-      <p:sp>
-        <p:nvSpPr>
-          <p:cNvPr id="5" name="文本占位符 4">
-            <a:extLst>
-              <a:ext uri="{FF2B5EF4-FFF2-40B4-BE49-F238E27FC236}">
-                <a16:creationId xmlns:a16="http://schemas.microsoft.com/office/drawing/2014/main" id="{43A60152-7C84-42E1-9763-0B30504430FA}"/>
-              </a:ext>
-            </a:extLst>
-          </p:cNvPr>
-          <p:cNvSpPr>
-            <a:spLocks noGrp="1"/>
-          </p:cNvSpPr>
-          <p:nvPr>
-            <p:ph type="body" sz="quarter" idx="3"/>
-          </p:nvPr>
-        </p:nvSpPr>
-        <p:spPr>
-          <a:xfrm>
-            <a:off x="6084887" y="979827"/>
-            <a:ext cx="5183188" cy="520499"/>
-          </a:xfrm>
-        </p:spPr>
-        <p:txBody>
-          <a:bodyPr/>
-          <a:lstStyle/>
-          <a:p>
-            <a:r>
-              <a:rPr lang="en-US" altLang="zh-CN" b="0" dirty="0" err="1"/>
-              <a:t>Kotlin</a:t>
-            </a:r>
-            <a:r>
-              <a:rPr lang="zh-CN" altLang="en-US" b="0" dirty="0"/>
-              <a:t>中的数据类</a:t>
-            </a:r>
-          </a:p>
-        </p:txBody>
-      </p:sp>
       <p:pic>
         <p:nvPicPr>
-          <p:cNvPr id="12" name="内容占位符 9">
-            <a:extLst>
-              <a:ext uri="{FF2B5EF4-FFF2-40B4-BE49-F238E27FC236}">
-                <a16:creationId xmlns:a16="http://schemas.microsoft.com/office/drawing/2014/main" id="{4950E3B6-3F5D-4839-8961-0674E1216470}"/>
-              </a:ext>
-            </a:extLst>
-          </p:cNvPr>
+          <p:cNvPr id="4" name="图片 3"/>
           <p:cNvPicPr>
-            <a:picLocks noGrp="1" noChangeAspect="1"/>
+            <a:picLocks noChangeAspect="1"/>
           </p:cNvPicPr>
-          <p:nvPr>
-            <p:ph sz="quarter" idx="4"/>
-          </p:nvPr>
+          <p:nvPr/>
         </p:nvPicPr>
         <p:blipFill>
           <a:blip r:embed="rId3"/>
@@ -3898,146 +3984,18 @@
         </p:blipFill>
         <p:spPr>
           <a:xfrm>
-            <a:off x="6174011" y="2090552"/>
-            <a:ext cx="4629150" cy="657225"/>
+            <a:off x="1015117" y="1791697"/>
+            <a:ext cx="4342857" cy="714286"/>
           </a:xfrm>
           <a:prstGeom prst="rect">
             <a:avLst/>
           </a:prstGeom>
         </p:spPr>
       </p:pic>
-      <p:sp>
-        <p:nvSpPr>
-          <p:cNvPr id="15" name="文本框 14">
-            <a:extLst>
-              <a:ext uri="{FF2B5EF4-FFF2-40B4-BE49-F238E27FC236}">
-                <a16:creationId xmlns:a16="http://schemas.microsoft.com/office/drawing/2014/main" id="{F1D0CDEF-0116-41B2-B1ED-EAD9F6FC1F05}"/>
-              </a:ext>
-            </a:extLst>
-          </p:cNvPr>
-          <p:cNvSpPr txBox="1"/>
-          <p:nvPr/>
-        </p:nvSpPr>
-        <p:spPr>
-          <a:xfrm>
-            <a:off x="6174011" y="3338004"/>
-            <a:ext cx="5326602" cy="2308324"/>
-          </a:xfrm>
-          <a:prstGeom prst="rect">
-            <a:avLst/>
-          </a:prstGeom>
-          <a:noFill/>
-        </p:spPr>
-        <p:txBody>
-          <a:bodyPr wrap="square" rtlCol="0">
-            <a:spAutoFit/>
-          </a:bodyPr>
-          <a:lstStyle/>
-          <a:p>
-            <a:r>
-              <a:rPr lang="zh-CN" altLang="en-US" dirty="0"/>
-              <a:t>数据类自动生成的方法：</a:t>
-            </a:r>
-            <a:endParaRPr lang="en-US" altLang="zh-CN" dirty="0"/>
-          </a:p>
-          <a:p>
-            <a:r>
-              <a:rPr lang="en-US" altLang="zh-CN" dirty="0"/>
-              <a:t>1. equals()/</a:t>
-            </a:r>
-            <a:r>
-              <a:rPr lang="en-US" altLang="zh-CN" dirty="0" err="1"/>
-              <a:t>hashCode</a:t>
-            </a:r>
-            <a:r>
-              <a:rPr lang="en-US" altLang="zh-CN" dirty="0"/>
-              <a:t>() </a:t>
-            </a:r>
-            <a:r>
-              <a:rPr lang="zh-CN" altLang="en-US" dirty="0"/>
-              <a:t>对，</a:t>
-            </a:r>
-            <a:endParaRPr lang="en-US" altLang="zh-CN" dirty="0"/>
-          </a:p>
-          <a:p>
-            <a:endParaRPr lang="zh-CN" altLang="en-US" dirty="0"/>
-          </a:p>
-          <a:p>
-            <a:r>
-              <a:rPr lang="en-US" altLang="zh-CN" dirty="0"/>
-              <a:t>2. </a:t>
-            </a:r>
-            <a:r>
-              <a:rPr lang="en-US" altLang="zh-CN" dirty="0" err="1"/>
-              <a:t>toString</a:t>
-            </a:r>
-            <a:r>
-              <a:rPr lang="en-US" altLang="zh-CN" dirty="0"/>
-              <a:t>() </a:t>
-            </a:r>
-            <a:r>
-              <a:rPr lang="zh-CN" altLang="en-US" dirty="0"/>
-              <a:t>格式是</a:t>
-            </a:r>
-            <a:r>
-              <a:rPr lang="en-US" altLang="zh-CN" dirty="0"/>
-              <a:t>"User(name=</a:t>
-            </a:r>
-            <a:r>
-              <a:rPr lang="en-US" altLang="zh-CN" dirty="0" err="1"/>
-              <a:t>John,age</a:t>
-            </a:r>
-            <a:r>
-              <a:rPr lang="en-US" altLang="zh-CN" dirty="0"/>
-              <a:t>=42)"</a:t>
-            </a:r>
-            <a:r>
-              <a:rPr lang="zh-CN" altLang="en-US" dirty="0"/>
-              <a:t>，</a:t>
-            </a:r>
-            <a:endParaRPr lang="en-US" altLang="zh-CN" dirty="0"/>
-          </a:p>
-          <a:p>
-            <a:endParaRPr lang="zh-CN" altLang="en-US" dirty="0"/>
-          </a:p>
-          <a:p>
-            <a:r>
-              <a:rPr lang="en-US" altLang="zh-CN" dirty="0"/>
-              <a:t>3. </a:t>
-            </a:r>
-            <a:r>
-              <a:rPr lang="en-US" altLang="zh-CN" dirty="0" err="1"/>
-              <a:t>componentN</a:t>
-            </a:r>
-            <a:r>
-              <a:rPr lang="en-US" altLang="zh-CN" dirty="0"/>
-              <a:t>() </a:t>
-            </a:r>
-            <a:r>
-              <a:rPr lang="zh-CN" altLang="en-US" dirty="0"/>
-              <a:t>函数 按声明顺序对应于所有属性</a:t>
-            </a:r>
-            <a:endParaRPr lang="en-US" altLang="zh-CN" dirty="0"/>
-          </a:p>
-          <a:p>
-            <a:endParaRPr lang="zh-CN" altLang="en-US" dirty="0"/>
-          </a:p>
-          <a:p>
-            <a:r>
-              <a:rPr lang="en-US" altLang="zh-CN" dirty="0"/>
-              <a:t>4. copy() </a:t>
-            </a:r>
-            <a:r>
-              <a:rPr lang="zh-CN" altLang="en-US" dirty="0"/>
-              <a:t>函数（见下文）。</a:t>
-            </a:r>
-          </a:p>
-        </p:txBody>
-      </p:sp>
     </p:spTree>
     <p:extLst>
       <p:ext uri="{BB962C8B-B14F-4D97-AF65-F5344CB8AC3E}">
-        <p14:creationId xmlns:p14="http://schemas.microsoft.com/office/powerpoint/2010/main" val="947462882"/>
+        <p14:creationId xmlns:p14="http://schemas.microsoft.com/office/powerpoint/2010/main" val="2758583435"/>
       </p:ext>
     </p:extLst>
   </p:cSld>
@@ -4069,7 +4027,7 @@
           <p:cNvPr id="2" name="标题 1">
             <a:extLst>
               <a:ext uri="{FF2B5EF4-FFF2-40B4-BE49-F238E27FC236}">
-                <a16:creationId xmlns:a16="http://schemas.microsoft.com/office/drawing/2014/main" id="{CE2AF79E-E135-4CC8-A9E4-9B0E409EFD31}"/>
+                <a16:creationId xmlns:a16="http://schemas.microsoft.com/office/drawing/2014/main" id="{D333ED31-0928-4FAB-84C6-9DA25C051219}"/>
               </a:ext>
             </a:extLst>
           </p:cNvPr>
@@ -4082,43 +4040,8 @@
         </p:nvSpPr>
         <p:spPr>
           <a:xfrm>
-            <a:off x="838200" y="328475"/>
-            <a:ext cx="10515600" cy="577048"/>
-          </a:xfrm>
-        </p:spPr>
-        <p:txBody>
-          <a:bodyPr>
-            <a:normAutofit fontScale="90000"/>
-          </a:bodyPr>
-          <a:lstStyle/>
-          <a:p>
-            <a:r>
-              <a:rPr lang="zh-CN" altLang="en-US" sz="3600" dirty="0"/>
-              <a:t>数据类</a:t>
-            </a:r>
-          </a:p>
-        </p:txBody>
-      </p:sp>
-      <p:sp>
-        <p:nvSpPr>
-          <p:cNvPr id="3" name="内容占位符 2">
-            <a:extLst>
-              <a:ext uri="{FF2B5EF4-FFF2-40B4-BE49-F238E27FC236}">
-                <a16:creationId xmlns:a16="http://schemas.microsoft.com/office/drawing/2014/main" id="{8A9A9357-CBDA-4879-9759-7D2BDA22296E}"/>
-              </a:ext>
-            </a:extLst>
-          </p:cNvPr>
-          <p:cNvSpPr>
-            <a:spLocks noGrp="1"/>
-          </p:cNvSpPr>
-          <p:nvPr>
-            <p:ph idx="1"/>
-          </p:nvPr>
-        </p:nvSpPr>
-        <p:spPr>
-          <a:xfrm>
-            <a:off x="838200" y="905523"/>
-            <a:ext cx="10515600" cy="5810436"/>
+            <a:off x="839788" y="365125"/>
+            <a:ext cx="10515600" cy="611419"/>
           </a:xfrm>
         </p:spPr>
         <p:txBody>
@@ -4127,160 +4050,141 @@
           </a:bodyPr>
           <a:lstStyle/>
           <a:p>
-            <a:pPr marL="0" indent="0">
-              <a:buNone/>
-            </a:pPr>
-            <a:r>
-              <a:rPr lang="en-US" altLang="zh-CN" sz="2000" dirty="0" err="1"/>
-              <a:t>compentN</a:t>
-            </a:r>
-            <a:r>
-              <a:rPr lang="en-US" altLang="zh-CN" sz="2000" dirty="0"/>
-              <a:t>()</a:t>
-            </a:r>
-            <a:r>
-              <a:rPr lang="zh-CN" altLang="en-US" sz="2000" dirty="0"/>
-              <a:t>函数，也称为解构申明，其实就是把一个对象解构成很多的变量，直接使用。</a:t>
-            </a:r>
-            <a:endParaRPr lang="en-US" altLang="zh-CN" sz="2000" dirty="0"/>
-          </a:p>
-          <a:p>
-            <a:pPr marL="0" indent="0">
-              <a:buNone/>
-            </a:pPr>
-            <a:endParaRPr lang="en-US" altLang="zh-CN" sz="2000" dirty="0"/>
-          </a:p>
-          <a:p>
-            <a:pPr marL="0" indent="0">
-              <a:buNone/>
-            </a:pPr>
-            <a:r>
-              <a:rPr lang="zh-CN" altLang="en-US" sz="2000" dirty="0"/>
-              <a:t>在数据类，</a:t>
-            </a:r>
-            <a:r>
-              <a:rPr lang="en-US" altLang="zh-CN" sz="2000" dirty="0" err="1"/>
-              <a:t>kotlin</a:t>
-            </a:r>
-            <a:r>
-              <a:rPr lang="zh-CN" altLang="en-US" sz="2000" dirty="0"/>
-              <a:t>为每个属性按顺序实现了从</a:t>
-            </a:r>
-            <a:r>
-              <a:rPr lang="en-US" altLang="zh-CN" sz="2000" dirty="0"/>
-              <a:t>compent1…</a:t>
-            </a:r>
-            <a:r>
-              <a:rPr lang="en-US" altLang="zh-CN" sz="2000" dirty="0" err="1"/>
-              <a:t>compentN</a:t>
-            </a:r>
-            <a:r>
-              <a:rPr lang="zh-CN" altLang="en-US" sz="2000" dirty="0"/>
-              <a:t>的函数。</a:t>
-            </a:r>
-            <a:endParaRPr lang="en-US" altLang="zh-CN" sz="2000" dirty="0"/>
-          </a:p>
-          <a:p>
-            <a:pPr marL="0" indent="0">
-              <a:buNone/>
-            </a:pPr>
-            <a:endParaRPr lang="en-US" altLang="zh-CN" sz="2000" dirty="0"/>
-          </a:p>
-          <a:p>
-            <a:pPr marL="0" indent="0">
-              <a:buNone/>
-            </a:pPr>
-            <a:endParaRPr lang="en-US" altLang="zh-CN" sz="2000" dirty="0"/>
-          </a:p>
-          <a:p>
-            <a:pPr marL="0" indent="0">
-              <a:buNone/>
-            </a:pPr>
-            <a:endParaRPr lang="en-US" altLang="zh-CN" sz="2000" dirty="0"/>
-          </a:p>
-          <a:p>
-            <a:pPr marL="0" indent="0">
-              <a:buNone/>
-            </a:pPr>
-            <a:endParaRPr lang="en-US" altLang="zh-CN" sz="2000" dirty="0"/>
-          </a:p>
-          <a:p>
-            <a:pPr marL="0" indent="0">
-              <a:buNone/>
-            </a:pPr>
-            <a:endParaRPr lang="en-US" altLang="zh-CN" sz="2000" dirty="0"/>
-          </a:p>
-          <a:p>
-            <a:pPr marL="0" indent="0">
-              <a:buNone/>
-            </a:pPr>
-            <a:r>
-              <a:rPr lang="en-US" altLang="zh-CN" sz="2000" dirty="0"/>
-              <a:t>1</a:t>
-            </a:r>
-            <a:r>
-              <a:rPr lang="zh-CN" altLang="en-US" sz="2000" dirty="0"/>
-              <a:t>、使用数据类返回多个返回值的函数。</a:t>
-            </a:r>
-            <a:endParaRPr lang="en-US" altLang="zh-CN" sz="2000" dirty="0"/>
-          </a:p>
-          <a:p>
-            <a:pPr marL="0" indent="0">
-              <a:buNone/>
-            </a:pPr>
-            <a:endParaRPr lang="en-US" altLang="zh-CN" sz="2000" dirty="0"/>
-          </a:p>
-          <a:p>
-            <a:pPr marL="0" indent="0">
-              <a:buNone/>
-            </a:pPr>
-            <a:endParaRPr lang="en-US" altLang="zh-CN" sz="2000" dirty="0"/>
+            <a:r>
+              <a:rPr lang="zh-CN" altLang="en-US" sz="3200" dirty="0"/>
+              <a:t>数据类</a:t>
+            </a:r>
+          </a:p>
+        </p:txBody>
+      </p:sp>
+      <p:sp>
+        <p:nvSpPr>
+          <p:cNvPr id="3" name="文本占位符 2">
+            <a:extLst>
+              <a:ext uri="{FF2B5EF4-FFF2-40B4-BE49-F238E27FC236}">
+                <a16:creationId xmlns:a16="http://schemas.microsoft.com/office/drawing/2014/main" id="{48C24CB0-653B-4A9B-9D4C-001879706027}"/>
+              </a:ext>
+            </a:extLst>
+          </p:cNvPr>
+          <p:cNvSpPr>
+            <a:spLocks noGrp="1"/>
+          </p:cNvSpPr>
+          <p:nvPr>
+            <p:ph type="body" idx="1"/>
+          </p:nvPr>
+        </p:nvSpPr>
+        <p:spPr>
+          <a:xfrm>
+            <a:off x="839788" y="979827"/>
+            <a:ext cx="5157787" cy="520499"/>
+          </a:xfrm>
+        </p:spPr>
+        <p:txBody>
+          <a:bodyPr/>
+          <a:lstStyle/>
+          <a:p>
+            <a:r>
+              <a:rPr lang="zh-CN" altLang="en-US" b="0" dirty="0"/>
+              <a:t>在</a:t>
+            </a:r>
+            <a:r>
+              <a:rPr lang="en-US" altLang="zh-CN" b="0" dirty="0"/>
+              <a:t>java</a:t>
+            </a:r>
+            <a:r>
+              <a:rPr lang="zh-CN" altLang="en-US" b="0" dirty="0"/>
+              <a:t>中的数据类</a:t>
+            </a:r>
           </a:p>
         </p:txBody>
       </p:sp>
       <p:pic>
         <p:nvPicPr>
-          <p:cNvPr id="4" name="图片 3">
-            <a:extLst>
-              <a:ext uri="{FF2B5EF4-FFF2-40B4-BE49-F238E27FC236}">
-                <a16:creationId xmlns:a16="http://schemas.microsoft.com/office/drawing/2014/main" id="{D262AB3A-7680-41D3-B150-4AB959B7E8C2}"/>
+          <p:cNvPr id="9" name="内容占位符 8">
+            <a:extLst>
+              <a:ext uri="{FF2B5EF4-FFF2-40B4-BE49-F238E27FC236}">
+                <a16:creationId xmlns:a16="http://schemas.microsoft.com/office/drawing/2014/main" id="{0E5417BC-B024-4DFF-ABB3-78C7828C2E10}"/>
               </a:ext>
             </a:extLst>
           </p:cNvPr>
           <p:cNvPicPr>
-            <a:picLocks noChangeAspect="1"/>
+            <a:picLocks noGrp="1" noChangeAspect="1"/>
           </p:cNvPicPr>
-          <p:nvPr/>
+          <p:nvPr>
+            <p:ph sz="half" idx="2"/>
+          </p:nvPr>
         </p:nvPicPr>
         <p:blipFill>
-          <a:blip r:embed="rId2"/>
+          <a:blip r:embed="rId2">
+            <a:extLst>
+              <a:ext uri="{28A0092B-C50C-407E-A947-70E740481C1C}">
+                <a14:useLocalDpi xmlns:a14="http://schemas.microsoft.com/office/drawing/2010/main" val="0"/>
+              </a:ext>
+            </a:extLst>
+          </a:blip>
           <a:stretch>
             <a:fillRect/>
           </a:stretch>
         </p:blipFill>
         <p:spPr>
           <a:xfrm>
-            <a:off x="953517" y="2150800"/>
-            <a:ext cx="6076950" cy="1562100"/>
-          </a:xfrm>
-          <a:prstGeom prst="rect">
-            <a:avLst/>
-          </a:prstGeom>
+            <a:off x="839788" y="1578171"/>
+            <a:ext cx="5157787" cy="5119296"/>
+          </a:xfrm>
         </p:spPr>
       </p:pic>
+      <p:sp>
+        <p:nvSpPr>
+          <p:cNvPr id="5" name="文本占位符 4">
+            <a:extLst>
+              <a:ext uri="{FF2B5EF4-FFF2-40B4-BE49-F238E27FC236}">
+                <a16:creationId xmlns:a16="http://schemas.microsoft.com/office/drawing/2014/main" id="{43A60152-7C84-42E1-9763-0B30504430FA}"/>
+              </a:ext>
+            </a:extLst>
+          </p:cNvPr>
+          <p:cNvSpPr>
+            <a:spLocks noGrp="1"/>
+          </p:cNvSpPr>
+          <p:nvPr>
+            <p:ph type="body" sz="quarter" idx="3"/>
+          </p:nvPr>
+        </p:nvSpPr>
+        <p:spPr>
+          <a:xfrm>
+            <a:off x="6084887" y="979827"/>
+            <a:ext cx="5183188" cy="520499"/>
+          </a:xfrm>
+        </p:spPr>
+        <p:txBody>
+          <a:bodyPr/>
+          <a:lstStyle/>
+          <a:p>
+            <a:r>
+              <a:rPr lang="en-US" altLang="zh-CN" b="0" dirty="0" err="1"/>
+              <a:t>Kotlin</a:t>
+            </a:r>
+            <a:r>
+              <a:rPr lang="zh-CN" altLang="en-US" b="0" dirty="0"/>
+              <a:t>中的数据类</a:t>
+            </a:r>
+          </a:p>
+        </p:txBody>
+      </p:sp>
       <p:pic>
         <p:nvPicPr>
-          <p:cNvPr id="5" name="图片 4">
-            <a:extLst>
-              <a:ext uri="{FF2B5EF4-FFF2-40B4-BE49-F238E27FC236}">
-                <a16:creationId xmlns:a16="http://schemas.microsoft.com/office/drawing/2014/main" id="{98382ABC-633B-4073-8314-DAA2126C1C1B}"/>
+          <p:cNvPr id="12" name="内容占位符 9">
+            <a:extLst>
+              <a:ext uri="{FF2B5EF4-FFF2-40B4-BE49-F238E27FC236}">
+                <a16:creationId xmlns:a16="http://schemas.microsoft.com/office/drawing/2014/main" id="{4950E3B6-3F5D-4839-8961-0674E1216470}"/>
               </a:ext>
             </a:extLst>
           </p:cNvPr>
           <p:cNvPicPr>
-            <a:picLocks noChangeAspect="1"/>
+            <a:picLocks noGrp="1" noChangeAspect="1"/>
           </p:cNvPicPr>
-          <p:nvPr/>
+          <p:nvPr>
+            <p:ph sz="quarter" idx="4"/>
+          </p:nvPr>
         </p:nvPicPr>
         <p:blipFill>
           <a:blip r:embed="rId3"/>
@@ -4290,18 +4194,146 @@
         </p:blipFill>
         <p:spPr>
           <a:xfrm>
-            <a:off x="767179" y="4400550"/>
-            <a:ext cx="7048500" cy="2457450"/>
+            <a:off x="6174011" y="2090552"/>
+            <a:ext cx="4629150" cy="657225"/>
           </a:xfrm>
           <a:prstGeom prst="rect">
             <a:avLst/>
           </a:prstGeom>
         </p:spPr>
       </p:pic>
+      <p:sp>
+        <p:nvSpPr>
+          <p:cNvPr id="15" name="文本框 14">
+            <a:extLst>
+              <a:ext uri="{FF2B5EF4-FFF2-40B4-BE49-F238E27FC236}">
+                <a16:creationId xmlns:a16="http://schemas.microsoft.com/office/drawing/2014/main" id="{F1D0CDEF-0116-41B2-B1ED-EAD9F6FC1F05}"/>
+              </a:ext>
+            </a:extLst>
+          </p:cNvPr>
+          <p:cNvSpPr txBox="1"/>
+          <p:nvPr/>
+        </p:nvSpPr>
+        <p:spPr>
+          <a:xfrm>
+            <a:off x="6174011" y="3338004"/>
+            <a:ext cx="5326602" cy="2308324"/>
+          </a:xfrm>
+          <a:prstGeom prst="rect">
+            <a:avLst/>
+          </a:prstGeom>
+          <a:noFill/>
+        </p:spPr>
+        <p:txBody>
+          <a:bodyPr wrap="square" rtlCol="0">
+            <a:spAutoFit/>
+          </a:bodyPr>
+          <a:lstStyle/>
+          <a:p>
+            <a:r>
+              <a:rPr lang="zh-CN" altLang="en-US" dirty="0"/>
+              <a:t>数据类自动生成的方法：</a:t>
+            </a:r>
+            <a:endParaRPr lang="en-US" altLang="zh-CN" dirty="0"/>
+          </a:p>
+          <a:p>
+            <a:r>
+              <a:rPr lang="en-US" altLang="zh-CN" dirty="0"/>
+              <a:t>1. equals()/</a:t>
+            </a:r>
+            <a:r>
+              <a:rPr lang="en-US" altLang="zh-CN" dirty="0" err="1"/>
+              <a:t>hashCode</a:t>
+            </a:r>
+            <a:r>
+              <a:rPr lang="en-US" altLang="zh-CN" dirty="0"/>
+              <a:t>() </a:t>
+            </a:r>
+            <a:r>
+              <a:rPr lang="zh-CN" altLang="en-US" dirty="0"/>
+              <a:t>对，</a:t>
+            </a:r>
+            <a:endParaRPr lang="en-US" altLang="zh-CN" dirty="0"/>
+          </a:p>
+          <a:p>
+            <a:endParaRPr lang="zh-CN" altLang="en-US" dirty="0"/>
+          </a:p>
+          <a:p>
+            <a:r>
+              <a:rPr lang="en-US" altLang="zh-CN" dirty="0"/>
+              <a:t>2. </a:t>
+            </a:r>
+            <a:r>
+              <a:rPr lang="en-US" altLang="zh-CN" dirty="0" err="1"/>
+              <a:t>toString</a:t>
+            </a:r>
+            <a:r>
+              <a:rPr lang="en-US" altLang="zh-CN" dirty="0"/>
+              <a:t>() </a:t>
+            </a:r>
+            <a:r>
+              <a:rPr lang="zh-CN" altLang="en-US" dirty="0"/>
+              <a:t>格式是</a:t>
+            </a:r>
+            <a:r>
+              <a:rPr lang="en-US" altLang="zh-CN" dirty="0"/>
+              <a:t>"User(name=</a:t>
+            </a:r>
+            <a:r>
+              <a:rPr lang="en-US" altLang="zh-CN" dirty="0" err="1"/>
+              <a:t>John,age</a:t>
+            </a:r>
+            <a:r>
+              <a:rPr lang="en-US" altLang="zh-CN" dirty="0"/>
+              <a:t>=42)"</a:t>
+            </a:r>
+            <a:r>
+              <a:rPr lang="zh-CN" altLang="en-US" dirty="0"/>
+              <a:t>，</a:t>
+            </a:r>
+            <a:endParaRPr lang="en-US" altLang="zh-CN" dirty="0"/>
+          </a:p>
+          <a:p>
+            <a:endParaRPr lang="zh-CN" altLang="en-US" dirty="0"/>
+          </a:p>
+          <a:p>
+            <a:r>
+              <a:rPr lang="en-US" altLang="zh-CN" dirty="0"/>
+              <a:t>3. </a:t>
+            </a:r>
+            <a:r>
+              <a:rPr lang="en-US" altLang="zh-CN" dirty="0" err="1"/>
+              <a:t>componentN</a:t>
+            </a:r>
+            <a:r>
+              <a:rPr lang="en-US" altLang="zh-CN" dirty="0"/>
+              <a:t>() </a:t>
+            </a:r>
+            <a:r>
+              <a:rPr lang="zh-CN" altLang="en-US" dirty="0"/>
+              <a:t>函数 按声明顺序对应于所有属性</a:t>
+            </a:r>
+            <a:endParaRPr lang="en-US" altLang="zh-CN" dirty="0"/>
+          </a:p>
+          <a:p>
+            <a:endParaRPr lang="zh-CN" altLang="en-US" dirty="0"/>
+          </a:p>
+          <a:p>
+            <a:r>
+              <a:rPr lang="en-US" altLang="zh-CN" dirty="0"/>
+              <a:t>4. copy() </a:t>
+            </a:r>
+            <a:r>
+              <a:rPr lang="zh-CN" altLang="en-US" dirty="0"/>
+              <a:t>函数（见下文）。</a:t>
+            </a:r>
+          </a:p>
+        </p:txBody>
+      </p:sp>
     </p:spTree>
     <p:extLst>
       <p:ext uri="{BB962C8B-B14F-4D97-AF65-F5344CB8AC3E}">
-        <p14:creationId xmlns:p14="http://schemas.microsoft.com/office/powerpoint/2010/main" val="3297296768"/>
+        <p14:creationId xmlns:p14="http://schemas.microsoft.com/office/powerpoint/2010/main" val="947462882"/>
       </p:ext>
     </p:extLst>
   </p:cSld>
@@ -4395,12 +4427,16 @@
               <a:buNone/>
             </a:pPr>
             <a:r>
+              <a:rPr lang="en-US" altLang="zh-CN" sz="2000" dirty="0" err="1"/>
+              <a:t>compentN</a:t>
+            </a:r>
+            <a:r>
               <a:rPr lang="en-US" altLang="zh-CN" sz="2000" dirty="0"/>
-              <a:t>2</a:t>
+              <a:t>()</a:t>
             </a:r>
             <a:r>
               <a:rPr lang="zh-CN" altLang="en-US" sz="2000" dirty="0"/>
-              <a:t>、为访问元素提供简化方式：</a:t>
+              <a:t>函数，也称为解构申明，其实就是把一个对象解构成很多的变量，直接使用。</a:t>
             </a:r>
             <a:endParaRPr lang="en-US" altLang="zh-CN" sz="2000" dirty="0"/>
           </a:p>
@@ -4414,6 +4450,30 @@
             <a:pPr marL="0" indent="0">
               <a:buNone/>
             </a:pPr>
+            <a:r>
+              <a:rPr lang="zh-CN" altLang="en-US" sz="2000" dirty="0"/>
+              <a:t>在数据类，</a:t>
+            </a:r>
+            <a:r>
+              <a:rPr lang="en-US" altLang="zh-CN" sz="2000" dirty="0" err="1"/>
+              <a:t>kotlin</a:t>
+            </a:r>
+            <a:r>
+              <a:rPr lang="zh-CN" altLang="en-US" sz="2000" dirty="0"/>
+              <a:t>为每个属性按顺序实现了从</a:t>
+            </a:r>
+            <a:r>
+              <a:rPr lang="en-US" altLang="zh-CN" sz="2000" dirty="0"/>
+              <a:t>compent1…</a:t>
+            </a:r>
+            <a:r>
+              <a:rPr lang="en-US" altLang="zh-CN" sz="2000" dirty="0" err="1"/>
+              <a:t>compentN</a:t>
+            </a:r>
+            <a:r>
+              <a:rPr lang="zh-CN" altLang="en-US" sz="2000" dirty="0"/>
+              <a:t>的函数。</a:t>
+            </a:r>
             <a:endParaRPr lang="en-US" altLang="zh-CN" sz="2000" dirty="0"/>
           </a:p>
           <a:p>
@@ -4432,40 +4492,32 @@
             <a:pPr marL="0" indent="0">
               <a:buNone/>
             </a:pPr>
+            <a:endParaRPr lang="en-US" altLang="zh-CN" sz="2000" dirty="0"/>
+          </a:p>
+          <a:p>
+            <a:pPr marL="0" indent="0">
+              <a:buNone/>
+            </a:pPr>
+            <a:endParaRPr lang="en-US" altLang="zh-CN" sz="2000" dirty="0"/>
+          </a:p>
+          <a:p>
+            <a:pPr marL="0" indent="0">
+              <a:buNone/>
+            </a:pPr>
+            <a:endParaRPr lang="en-US" altLang="zh-CN" sz="2000" dirty="0"/>
+          </a:p>
+          <a:p>
+            <a:pPr marL="0" indent="0">
+              <a:buNone/>
+            </a:pPr>
             <a:r>
               <a:rPr lang="en-US" altLang="zh-CN" sz="2000" dirty="0"/>
-              <a:t>Copy</a:t>
+              <a:t>1</a:t>
             </a:r>
             <a:r>
               <a:rPr lang="zh-CN" altLang="en-US" sz="2000" dirty="0"/>
-              <a:t>函数，在很多情况下，我们需要复制一个对象改变它的一些属性，但其余部分保持不变。 </a:t>
-            </a:r>
-            <a:r>
-              <a:rPr lang="en-US" altLang="zh-CN" sz="2000" dirty="0"/>
-              <a:t>copy() </a:t>
-            </a:r>
-            <a:r>
-              <a:rPr lang="zh-CN" altLang="en-US" sz="2000" dirty="0"/>
-              <a:t>函数就是为此而生成。</a:t>
-            </a:r>
-            <a:endParaRPr lang="en-US" altLang="zh-CN" sz="2000" dirty="0"/>
-          </a:p>
-          <a:p>
-            <a:pPr marL="0" indent="0">
-              <a:buNone/>
-            </a:pPr>
-            <a:endParaRPr lang="en-US" altLang="zh-CN" sz="2000" dirty="0"/>
-          </a:p>
-          <a:p>
-            <a:pPr marL="0" indent="0">
-              <a:buNone/>
-            </a:pPr>
-            <a:endParaRPr lang="en-US" altLang="zh-CN" sz="2000" dirty="0"/>
-          </a:p>
-          <a:p>
-            <a:pPr marL="0" indent="0">
-              <a:buNone/>
-            </a:pPr>
+              <a:t>、使用数据类返回多个返回值的函数。</a:t>
+            </a:r>
             <a:endParaRPr lang="en-US" altLang="zh-CN" sz="2000" dirty="0"/>
           </a:p>
           <a:p>
@@ -4484,10 +4536,10 @@
       </p:sp>
       <p:pic>
         <p:nvPicPr>
-          <p:cNvPr id="7" name="图片 6">
-            <a:extLst>
-              <a:ext uri="{FF2B5EF4-FFF2-40B4-BE49-F238E27FC236}">
-                <a16:creationId xmlns:a16="http://schemas.microsoft.com/office/drawing/2014/main" id="{2536A713-A02E-4F9C-B9ED-6C9A80BE73AC}"/>
+          <p:cNvPr id="4" name="图片 3">
+            <a:extLst>
+              <a:ext uri="{FF2B5EF4-FFF2-40B4-BE49-F238E27FC236}">
+                <a16:creationId xmlns:a16="http://schemas.microsoft.com/office/drawing/2014/main" id="{D262AB3A-7680-41D3-B150-4AB959B7E8C2}"/>
               </a:ext>
             </a:extLst>
           </p:cNvPr>
@@ -4504,8 +4556,8 @@
         </p:blipFill>
         <p:spPr>
           <a:xfrm>
-            <a:off x="838200" y="1229465"/>
-            <a:ext cx="7181850" cy="1504950"/>
+            <a:off x="953517" y="2150800"/>
+            <a:ext cx="6076950" cy="1562100"/>
           </a:xfrm>
           <a:prstGeom prst="rect">
             <a:avLst/>
@@ -4514,10 +4566,10 @@
       </p:pic>
       <p:pic>
         <p:nvPicPr>
-          <p:cNvPr id="10" name="图片 9">
-            <a:extLst>
-              <a:ext uri="{FF2B5EF4-FFF2-40B4-BE49-F238E27FC236}">
-                <a16:creationId xmlns:a16="http://schemas.microsoft.com/office/drawing/2014/main" id="{57423886-B90C-4C46-B4F4-B9DA1D8E42F8}"/>
+          <p:cNvPr id="5" name="图片 4">
+            <a:extLst>
+              <a:ext uri="{FF2B5EF4-FFF2-40B4-BE49-F238E27FC236}">
+                <a16:creationId xmlns:a16="http://schemas.microsoft.com/office/drawing/2014/main" id="{98382ABC-633B-4073-8314-DAA2126C1C1B}"/>
               </a:ext>
             </a:extLst>
           </p:cNvPr>
@@ -4534,8 +4586,8 @@
         </p:blipFill>
         <p:spPr>
           <a:xfrm>
-            <a:off x="951113" y="3630365"/>
-            <a:ext cx="5886450" cy="1781175"/>
+            <a:off x="767179" y="4400550"/>
+            <a:ext cx="7048500" cy="2457450"/>
           </a:xfrm>
           <a:prstGeom prst="rect">
             <a:avLst/>
@@ -4545,7 +4597,7 @@
     </p:spTree>
     <p:extLst>
       <p:ext uri="{BB962C8B-B14F-4D97-AF65-F5344CB8AC3E}">
-        <p14:creationId xmlns:p14="http://schemas.microsoft.com/office/powerpoint/2010/main" val="770856208"/>
+        <p14:creationId xmlns:p14="http://schemas.microsoft.com/office/powerpoint/2010/main" val="3297296768"/>
       </p:ext>
     </p:extLst>
   </p:cSld>
@@ -4602,9 +4654,8 @@
           <a:p>
             <a:r>
               <a:rPr lang="zh-CN" altLang="en-US" sz="3600" dirty="0"/>
-              <a:t>函数字面值与高阶函数</a:t>
-            </a:r>
-            <a:endParaRPr lang="en-US" altLang="zh-CN" sz="3600" dirty="0"/>
+              <a:t>数据类</a:t>
+            </a:r>
           </a:p>
         </p:txBody>
       </p:sp>
@@ -4640,139 +4691,99 @@
               <a:buNone/>
             </a:pPr>
             <a:r>
-              <a:rPr lang="zh-CN" altLang="en-US" sz="1800" dirty="0"/>
-              <a:t>所谓的函数字面值，其实就是一个函数。</a:t>
-            </a:r>
-            <a:r>
-              <a:rPr lang="en-US" altLang="zh-CN" sz="1800" dirty="0" err="1"/>
-              <a:t>Kotlin</a:t>
-            </a:r>
-            <a:r>
-              <a:rPr lang="zh-CN" altLang="en-US" sz="1800" dirty="0"/>
-              <a:t>中函数字面值分为</a:t>
-            </a:r>
-            <a:r>
-              <a:rPr lang="en-US" altLang="zh-CN" sz="1800" dirty="0"/>
-              <a:t>Lambda</a:t>
-            </a:r>
-            <a:r>
-              <a:rPr lang="zh-CN" altLang="en-US" sz="1800" dirty="0"/>
-              <a:t>表达式和匿名函数。</a:t>
-            </a:r>
-            <a:endParaRPr lang="en-US" altLang="zh-CN" sz="1800" dirty="0"/>
-          </a:p>
-          <a:p>
-            <a:pPr marL="0" indent="0">
-              <a:buNone/>
-            </a:pPr>
-            <a:r>
-              <a:rPr lang="en-US" altLang="zh-CN" sz="1800" dirty="0"/>
-              <a:t>1</a:t>
-            </a:r>
-            <a:r>
-              <a:rPr lang="zh-CN" altLang="en-US" sz="1800" dirty="0"/>
-              <a:t>、</a:t>
-            </a:r>
-            <a:r>
-              <a:rPr lang="en-US" altLang="zh-CN" sz="1800" dirty="0"/>
-              <a:t>Lambda</a:t>
-            </a:r>
-            <a:r>
-              <a:rPr lang="zh-CN" altLang="en-US" sz="1800" dirty="0"/>
-              <a:t>表达式</a:t>
-            </a:r>
-            <a:endParaRPr lang="en-US" altLang="zh-CN" sz="1800" dirty="0"/>
-          </a:p>
-          <a:p>
-            <a:pPr marL="0" indent="0">
-              <a:buNone/>
-            </a:pPr>
-            <a:r>
-              <a:rPr lang="en-US" altLang="zh-CN" sz="1800" dirty="0"/>
-              <a:t>Lambda</a:t>
-            </a:r>
-            <a:r>
-              <a:rPr lang="zh-CN" altLang="en-US" sz="1800" dirty="0"/>
-              <a:t>表达式本质上就是一个只有函数内容没有函数外在结构的函数表达式。</a:t>
-            </a:r>
-            <a:endParaRPr lang="en-US" altLang="zh-CN" sz="1800" dirty="0"/>
-          </a:p>
-          <a:p>
-            <a:pPr marL="0" indent="0">
-              <a:buNone/>
-            </a:pPr>
-            <a:r>
-              <a:rPr lang="zh-CN" altLang="en-US" sz="1800" dirty="0"/>
-              <a:t>先来看一个使用</a:t>
-            </a:r>
-            <a:r>
-              <a:rPr lang="en-US" altLang="zh-CN" sz="1800" dirty="0"/>
-              <a:t>lambda</a:t>
-            </a:r>
-            <a:r>
-              <a:rPr lang="zh-CN" altLang="en-US" sz="1800" dirty="0"/>
-              <a:t>表达式和不使用的例子。</a:t>
-            </a:r>
-            <a:endParaRPr lang="en-US" altLang="zh-CN" sz="1800" dirty="0"/>
-          </a:p>
-          <a:p>
-            <a:pPr marL="0" indent="0">
-              <a:buNone/>
-            </a:pPr>
-            <a:endParaRPr lang="en-US" altLang="zh-CN" sz="1800" dirty="0"/>
-          </a:p>
-          <a:p>
-            <a:pPr marL="0" indent="0">
-              <a:buNone/>
-            </a:pPr>
-            <a:endParaRPr lang="en-US" altLang="zh-CN" sz="1800" dirty="0"/>
-          </a:p>
-          <a:p>
-            <a:pPr marL="0" indent="0">
-              <a:buNone/>
-            </a:pPr>
-            <a:endParaRPr lang="en-US" altLang="zh-CN" sz="1800" dirty="0"/>
-          </a:p>
-          <a:p>
-            <a:pPr marL="0" indent="0">
-              <a:buNone/>
-            </a:pPr>
-            <a:endParaRPr lang="en-US" altLang="zh-CN" sz="1800" dirty="0"/>
-          </a:p>
-          <a:p>
-            <a:pPr marL="0" indent="0">
-              <a:buNone/>
-            </a:pPr>
-            <a:endParaRPr lang="en-US" altLang="zh-CN" sz="1800" dirty="0"/>
-          </a:p>
-          <a:p>
-            <a:pPr marL="0" indent="0">
-              <a:buNone/>
-            </a:pPr>
-            <a:endParaRPr lang="en-US" altLang="zh-CN" sz="1800" dirty="0"/>
-          </a:p>
-          <a:p>
-            <a:pPr marL="0" indent="0">
-              <a:buNone/>
-            </a:pPr>
-            <a:r>
-              <a:rPr lang="en-US" altLang="zh-CN" sz="1800" dirty="0"/>
-              <a:t>Lambda</a:t>
-            </a:r>
-            <a:r>
-              <a:rPr lang="zh-CN" altLang="en-US" sz="1800" dirty="0"/>
-              <a:t>的基本语法结构</a:t>
-            </a:r>
-            <a:endParaRPr lang="en-US" altLang="zh-CN" sz="1800" dirty="0"/>
+              <a:rPr lang="en-US" altLang="zh-CN" sz="2000" dirty="0"/>
+              <a:t>2</a:t>
+            </a:r>
+            <a:r>
+              <a:rPr lang="zh-CN" altLang="en-US" sz="2000" dirty="0"/>
+              <a:t>、为访问元素提供简化方式：</a:t>
+            </a:r>
+            <a:endParaRPr lang="en-US" altLang="zh-CN" sz="2000" dirty="0"/>
+          </a:p>
+          <a:p>
+            <a:pPr marL="0" indent="0">
+              <a:buNone/>
+            </a:pPr>
+            <a:endParaRPr lang="en-US" altLang="zh-CN" sz="2000" dirty="0"/>
+          </a:p>
+          <a:p>
+            <a:pPr marL="0" indent="0">
+              <a:buNone/>
+            </a:pPr>
+            <a:endParaRPr lang="en-US" altLang="zh-CN" sz="2000" dirty="0"/>
+          </a:p>
+          <a:p>
+            <a:pPr marL="0" indent="0">
+              <a:buNone/>
+            </a:pPr>
+            <a:endParaRPr lang="en-US" altLang="zh-CN" sz="2000" dirty="0"/>
+          </a:p>
+          <a:p>
+            <a:pPr marL="0" indent="0">
+              <a:buNone/>
+            </a:pPr>
+            <a:endParaRPr lang="en-US" altLang="zh-CN" sz="2000" dirty="0"/>
+          </a:p>
+          <a:p>
+            <a:pPr marL="0" indent="0">
+              <a:buNone/>
+            </a:pPr>
+            <a:r>
+              <a:rPr lang="en-US" altLang="zh-CN" sz="2000" dirty="0"/>
+              <a:t>Copy</a:t>
+            </a:r>
+            <a:r>
+              <a:rPr lang="zh-CN" altLang="en-US" sz="2000" dirty="0"/>
+              <a:t>函数，在很多情况下，我们需要复制一个对象改变它的一些属性，但其余部分保持不变。 </a:t>
+            </a:r>
+            <a:r>
+              <a:rPr lang="en-US" altLang="zh-CN" sz="2000" dirty="0"/>
+              <a:t>copy() </a:t>
+            </a:r>
+            <a:r>
+              <a:rPr lang="zh-CN" altLang="en-US" sz="2000" dirty="0"/>
+              <a:t>函数就是为此而生成。</a:t>
+            </a:r>
+            <a:endParaRPr lang="en-US" altLang="zh-CN" sz="2000" dirty="0"/>
+          </a:p>
+          <a:p>
+            <a:pPr marL="0" indent="0">
+              <a:buNone/>
+            </a:pPr>
+            <a:endParaRPr lang="en-US" altLang="zh-CN" sz="2000" dirty="0"/>
+          </a:p>
+          <a:p>
+            <a:pPr marL="0" indent="0">
+              <a:buNone/>
+            </a:pPr>
+            <a:endParaRPr lang="en-US" altLang="zh-CN" sz="2000" dirty="0"/>
+          </a:p>
+          <a:p>
+            <a:pPr marL="0" indent="0">
+              <a:buNone/>
+            </a:pPr>
+            <a:endParaRPr lang="en-US" altLang="zh-CN" sz="2000" dirty="0"/>
+          </a:p>
+          <a:p>
+            <a:pPr marL="0" indent="0">
+              <a:buNone/>
+            </a:pPr>
+            <a:endParaRPr lang="en-US" altLang="zh-CN" sz="2000" dirty="0"/>
+          </a:p>
+          <a:p>
+            <a:pPr marL="0" indent="0">
+              <a:buNone/>
+            </a:pPr>
+            <a:endParaRPr lang="en-US" altLang="zh-CN" sz="2000" dirty="0"/>
           </a:p>
         </p:txBody>
       </p:sp>
       <p:pic>
         <p:nvPicPr>
-          <p:cNvPr id="4" name="图片 3">
-            <a:extLst>
-              <a:ext uri="{FF2B5EF4-FFF2-40B4-BE49-F238E27FC236}">
-                <a16:creationId xmlns:a16="http://schemas.microsoft.com/office/drawing/2014/main" id="{CC5F92A2-5AB5-489C-9270-01BC9A2D32E3}"/>
+          <p:cNvPr id="7" name="图片 6">
+            <a:extLst>
+              <a:ext uri="{FF2B5EF4-FFF2-40B4-BE49-F238E27FC236}">
+                <a16:creationId xmlns:a16="http://schemas.microsoft.com/office/drawing/2014/main" id="{2536A713-A02E-4F9C-B9ED-6C9A80BE73AC}"/>
               </a:ext>
             </a:extLst>
           </p:cNvPr>
@@ -4789,8 +4800,8 @@
         </p:blipFill>
         <p:spPr>
           <a:xfrm>
-            <a:off x="934411" y="2336552"/>
-            <a:ext cx="6229350" cy="2352675"/>
+            <a:off x="838200" y="1229465"/>
+            <a:ext cx="7181850" cy="1504950"/>
           </a:xfrm>
           <a:prstGeom prst="rect">
             <a:avLst/>
@@ -4799,10 +4810,10 @@
       </p:pic>
       <p:pic>
         <p:nvPicPr>
-          <p:cNvPr id="8" name="图片 7">
-            <a:extLst>
-              <a:ext uri="{FF2B5EF4-FFF2-40B4-BE49-F238E27FC236}">
-                <a16:creationId xmlns:a16="http://schemas.microsoft.com/office/drawing/2014/main" id="{2F5D5D89-614B-4BDB-89F2-5E2F17E20868}"/>
+          <p:cNvPr id="10" name="图片 9">
+            <a:extLst>
+              <a:ext uri="{FF2B5EF4-FFF2-40B4-BE49-F238E27FC236}">
+                <a16:creationId xmlns:a16="http://schemas.microsoft.com/office/drawing/2014/main" id="{57423886-B90C-4C46-B4F4-B9DA1D8E42F8}"/>
               </a:ext>
             </a:extLst>
           </p:cNvPr>
@@ -4819,38 +4830,8 @@
         </p:blipFill>
         <p:spPr>
           <a:xfrm>
-            <a:off x="934411" y="5567586"/>
-            <a:ext cx="4962525" cy="1047750"/>
-          </a:xfrm>
-          <a:prstGeom prst="rect">
-            <a:avLst/>
-          </a:prstGeom>
-        </p:spPr>
-      </p:pic>
-      <p:pic>
-        <p:nvPicPr>
-          <p:cNvPr id="9" name="图片 8">
-            <a:extLst>
-              <a:ext uri="{FF2B5EF4-FFF2-40B4-BE49-F238E27FC236}">
-                <a16:creationId xmlns:a16="http://schemas.microsoft.com/office/drawing/2014/main" id="{E70A4C89-68DE-4648-8C44-768080EAC516}"/>
-              </a:ext>
-            </a:extLst>
-          </p:cNvPr>
-          <p:cNvPicPr>
-            <a:picLocks noChangeAspect="1"/>
-          </p:cNvPicPr>
-          <p:nvPr/>
-        </p:nvPicPr>
-        <p:blipFill>
-          <a:blip r:embed="rId4"/>
-          <a:stretch>
-            <a:fillRect/>
-          </a:stretch>
-        </p:blipFill>
-        <p:spPr>
-          <a:xfrm>
-            <a:off x="934411" y="4994812"/>
-            <a:ext cx="4010025" cy="542925"/>
+            <a:off x="951113" y="3630365"/>
+            <a:ext cx="5886450" cy="1781175"/>
           </a:xfrm>
           <a:prstGeom prst="rect">
             <a:avLst/>
@@ -4860,7 +4841,7 @@
     </p:spTree>
     <p:extLst>
       <p:ext uri="{BB962C8B-B14F-4D97-AF65-F5344CB8AC3E}">
-        <p14:creationId xmlns:p14="http://schemas.microsoft.com/office/powerpoint/2010/main" val="2447658348"/>
+        <p14:creationId xmlns:p14="http://schemas.microsoft.com/office/powerpoint/2010/main" val="770856208"/>
       </p:ext>
     </p:extLst>
   </p:cSld>
@@ -4955,34 +4936,24 @@
               <a:buNone/>
             </a:pPr>
             <a:r>
+              <a:rPr lang="zh-CN" altLang="en-US" sz="1800" dirty="0"/>
+              <a:t>所谓的函数字面值，其实就是一个函数。</a:t>
+            </a:r>
+            <a:r>
+              <a:rPr lang="en-US" altLang="zh-CN" sz="1800" dirty="0" err="1"/>
+              <a:t>Kotlin</a:t>
+            </a:r>
+            <a:r>
+              <a:rPr lang="zh-CN" altLang="en-US" sz="1800" dirty="0"/>
+              <a:t>中函数字面值分为</a:t>
+            </a:r>
+            <a:r>
               <a:rPr lang="en-US" altLang="zh-CN" sz="1800" dirty="0"/>
-              <a:t>2</a:t>
-            </a:r>
-            <a:r>
-              <a:rPr lang="zh-CN" altLang="en-US" sz="1800" dirty="0"/>
-              <a:t>、匿名函数，看起来非常像一个常规函数声明，除了其名称省略了。</a:t>
-            </a:r>
-            <a:endParaRPr lang="en-US" altLang="zh-CN" sz="1800" dirty="0"/>
-          </a:p>
-          <a:p>
-            <a:pPr marL="0" indent="0">
-              <a:buNone/>
-            </a:pPr>
-            <a:endParaRPr lang="en-US" altLang="zh-CN" sz="1800" dirty="0"/>
-          </a:p>
-          <a:p>
-            <a:pPr marL="0" indent="0">
-              <a:buNone/>
-            </a:pPr>
-            <a:endParaRPr lang="en-US" altLang="zh-CN" sz="1800" dirty="0"/>
-          </a:p>
-          <a:p>
-            <a:pPr marL="0" indent="0">
-              <a:buNone/>
-            </a:pPr>
-            <a:r>
-              <a:rPr lang="zh-CN" altLang="en-US" sz="1800" dirty="0"/>
-              <a:t>为什么需要匿名函数？</a:t>
+              <a:t>Lambda</a:t>
+            </a:r>
+            <a:r>
+              <a:rPr lang="zh-CN" altLang="en-US" sz="1800" dirty="0"/>
+              <a:t>表达式和匿名函数。</a:t>
             </a:r>
             <a:endParaRPr lang="en-US" altLang="zh-CN" sz="1800" dirty="0"/>
           </a:p>
@@ -4992,66 +4963,112 @@
             </a:pPr>
             <a:r>
               <a:rPr lang="en-US" altLang="zh-CN" sz="1800" dirty="0"/>
-              <a:t>lambda </a:t>
-            </a:r>
-            <a:r>
-              <a:rPr lang="zh-CN" altLang="en-US" sz="1800" dirty="0"/>
-              <a:t>表达式语法（在使用时）缺少指定函数的返回类型的能力。在大多数情况下，这是不必要的。因为返回类型可以自动推断出来。但是在某些时候我们需要显式指定时，就可以使用匿名函数。</a:t>
-            </a:r>
-            <a:endParaRPr lang="en-US" altLang="zh-CN" sz="1800" dirty="0"/>
-          </a:p>
-          <a:p>
-            <a:pPr marL="0" indent="0">
-              <a:buNone/>
-            </a:pPr>
-            <a:endParaRPr lang="en-US" altLang="zh-CN" sz="1800" dirty="0"/>
-          </a:p>
-          <a:p>
-            <a:pPr marL="0" indent="0">
-              <a:buNone/>
-            </a:pPr>
-            <a:endParaRPr lang="en-US" altLang="zh-CN" sz="1800" dirty="0"/>
-          </a:p>
-          <a:p>
-            <a:pPr marL="0" indent="0">
-              <a:buNone/>
-            </a:pPr>
-            <a:endParaRPr lang="en-US" altLang="zh-CN" sz="1800" dirty="0"/>
-          </a:p>
-          <a:p>
-            <a:pPr marL="0" indent="0">
-              <a:buNone/>
-            </a:pPr>
-            <a:endParaRPr lang="en-US" altLang="zh-CN" sz="1800" dirty="0"/>
-          </a:p>
-          <a:p>
-            <a:pPr marL="0" indent="0">
-              <a:buNone/>
-            </a:pPr>
+              <a:t>1</a:t>
+            </a:r>
+            <a:r>
+              <a:rPr lang="zh-CN" altLang="en-US" sz="1800" dirty="0"/>
+              <a:t>、</a:t>
+            </a:r>
             <a:r>
               <a:rPr lang="en-US" altLang="zh-CN" sz="1800" dirty="0"/>
-              <a:t>3</a:t>
-            </a:r>
-            <a:r>
-              <a:rPr lang="zh-CN" altLang="en-US" sz="1800" dirty="0"/>
-              <a:t>、闭包</a:t>
-            </a:r>
-            <a:endParaRPr lang="en-US" altLang="zh-CN" sz="1800" dirty="0"/>
-          </a:p>
-          <a:p>
-            <a:pPr marL="0" indent="0">
-              <a:buNone/>
-            </a:pPr>
+              <a:t>Lambda</a:t>
+            </a:r>
+            <a:r>
+              <a:rPr lang="zh-CN" altLang="en-US" sz="1800" dirty="0"/>
+              <a:t>表达式</a:t>
+            </a:r>
+            <a:endParaRPr lang="en-US" altLang="zh-CN" sz="1800" dirty="0"/>
+          </a:p>
+          <a:p>
+            <a:pPr marL="0" indent="0">
+              <a:buNone/>
+            </a:pPr>
+            <a:r>
+              <a:rPr lang="en-US" altLang="zh-CN" sz="1800" dirty="0"/>
+              <a:t>Lambda</a:t>
+            </a:r>
+            <a:r>
+              <a:rPr lang="zh-CN" altLang="en-US" sz="1800" dirty="0"/>
+              <a:t>表达式本质上就是一个只有函数内容没有函数外在结构的函数表达式。</a:t>
+            </a:r>
+            <a:endParaRPr lang="en-US" altLang="zh-CN" sz="1800" dirty="0"/>
+          </a:p>
+          <a:p>
+            <a:pPr marL="0" indent="0">
+              <a:buNone/>
+            </a:pPr>
+            <a:r>
+              <a:rPr lang="zh-CN" altLang="en-US" sz="1800" dirty="0"/>
+              <a:t>先来看一个使用</a:t>
+            </a:r>
+            <a:r>
+              <a:rPr lang="en-US" altLang="zh-CN" sz="1800" dirty="0"/>
+              <a:t>lambda</a:t>
+            </a:r>
+            <a:r>
+              <a:rPr lang="zh-CN" altLang="en-US" sz="1800" dirty="0"/>
+              <a:t>表达式和不使用的例子。</a:t>
+            </a:r>
+            <a:endParaRPr lang="en-US" altLang="zh-CN" sz="1800" dirty="0"/>
+          </a:p>
+          <a:p>
+            <a:pPr marL="0" indent="0">
+              <a:buNone/>
+            </a:pPr>
+            <a:endParaRPr lang="en-US" altLang="zh-CN" sz="1800" dirty="0"/>
+          </a:p>
+          <a:p>
+            <a:pPr marL="0" indent="0">
+              <a:buNone/>
+            </a:pPr>
+            <a:endParaRPr lang="en-US" altLang="zh-CN" sz="1800" dirty="0"/>
+          </a:p>
+          <a:p>
+            <a:pPr marL="0" indent="0">
+              <a:buNone/>
+            </a:pPr>
+            <a:endParaRPr lang="en-US" altLang="zh-CN" sz="1800" dirty="0"/>
+          </a:p>
+          <a:p>
+            <a:pPr marL="0" indent="0">
+              <a:buNone/>
+            </a:pPr>
+            <a:endParaRPr lang="en-US" altLang="zh-CN" sz="1800" dirty="0"/>
+          </a:p>
+          <a:p>
+            <a:pPr marL="0" indent="0">
+              <a:buNone/>
+            </a:pPr>
+            <a:endParaRPr lang="en-US" altLang="zh-CN" sz="1800" dirty="0"/>
+          </a:p>
+          <a:p>
+            <a:pPr marL="0" indent="0">
+              <a:buNone/>
+            </a:pPr>
+            <a:endParaRPr lang="en-US" altLang="zh-CN" sz="1800" dirty="0"/>
+          </a:p>
+          <a:p>
+            <a:pPr marL="0" indent="0">
+              <a:buNone/>
+            </a:pPr>
+            <a:r>
+              <a:rPr lang="en-US" altLang="zh-CN" sz="1800" dirty="0"/>
+              <a:t>Lambda</a:t>
+            </a:r>
+            <a:r>
+              <a:rPr lang="zh-CN" altLang="en-US" sz="1800" dirty="0"/>
+              <a:t>的基本语法结构</a:t>
+            </a:r>
             <a:endParaRPr lang="en-US" altLang="zh-CN" sz="1800" dirty="0"/>
           </a:p>
         </p:txBody>
       </p:sp>
       <p:pic>
         <p:nvPicPr>
-          <p:cNvPr id="6" name="图片 5">
-            <a:extLst>
-              <a:ext uri="{FF2B5EF4-FFF2-40B4-BE49-F238E27FC236}">
-                <a16:creationId xmlns:a16="http://schemas.microsoft.com/office/drawing/2014/main" id="{9DF475BC-843A-49BE-B991-4C5E1D701E70}"/>
+          <p:cNvPr id="4" name="图片 3">
+            <a:extLst>
+              <a:ext uri="{FF2B5EF4-FFF2-40B4-BE49-F238E27FC236}">
+                <a16:creationId xmlns:a16="http://schemas.microsoft.com/office/drawing/2014/main" id="{CC5F92A2-5AB5-489C-9270-01BC9A2D32E3}"/>
               </a:ext>
             </a:extLst>
           </p:cNvPr>
@@ -5068,8 +5085,8 @@
         </p:blipFill>
         <p:spPr>
           <a:xfrm>
-            <a:off x="920954" y="1158721"/>
-            <a:ext cx="6877050" cy="647700"/>
+            <a:off x="934411" y="2336552"/>
+            <a:ext cx="6229350" cy="2352675"/>
           </a:xfrm>
           <a:prstGeom prst="rect">
             <a:avLst/>
@@ -5078,10 +5095,10 @@
       </p:pic>
       <p:pic>
         <p:nvPicPr>
-          <p:cNvPr id="7" name="图片 6">
-            <a:extLst>
-              <a:ext uri="{FF2B5EF4-FFF2-40B4-BE49-F238E27FC236}">
-                <a16:creationId xmlns:a16="http://schemas.microsoft.com/office/drawing/2014/main" id="{63D15E48-45FD-4D3F-A2E2-87E4988324ED}"/>
+          <p:cNvPr id="8" name="图片 7">
+            <a:extLst>
+              <a:ext uri="{FF2B5EF4-FFF2-40B4-BE49-F238E27FC236}">
+                <a16:creationId xmlns:a16="http://schemas.microsoft.com/office/drawing/2014/main" id="{2F5D5D89-614B-4BDB-89F2-5E2F17E20868}"/>
               </a:ext>
             </a:extLst>
           </p:cNvPr>
@@ -5098,8 +5115,8 @@
         </p:blipFill>
         <p:spPr>
           <a:xfrm>
-            <a:off x="920954" y="3013414"/>
-            <a:ext cx="4152900" cy="1247775"/>
+            <a:off x="934411" y="5567586"/>
+            <a:ext cx="4962525" cy="1047750"/>
           </a:xfrm>
           <a:prstGeom prst="rect">
             <a:avLst/>
@@ -5108,10 +5125,10 @@
       </p:pic>
       <p:pic>
         <p:nvPicPr>
-          <p:cNvPr id="8" name="图片 7">
-            <a:extLst>
-              <a:ext uri="{FF2B5EF4-FFF2-40B4-BE49-F238E27FC236}">
-                <a16:creationId xmlns:a16="http://schemas.microsoft.com/office/drawing/2014/main" id="{34A060D0-5551-4F90-B051-8B0563CF3DFE}"/>
+          <p:cNvPr id="9" name="图片 8">
+            <a:extLst>
+              <a:ext uri="{FF2B5EF4-FFF2-40B4-BE49-F238E27FC236}">
+                <a16:creationId xmlns:a16="http://schemas.microsoft.com/office/drawing/2014/main" id="{E70A4C89-68DE-4648-8C44-768080EAC516}"/>
               </a:ext>
             </a:extLst>
           </p:cNvPr>
@@ -5128,8 +5145,8 @@
         </p:blipFill>
         <p:spPr>
           <a:xfrm>
-            <a:off x="735216" y="4810125"/>
-            <a:ext cx="7248525" cy="2047875"/>
+            <a:off x="934411" y="4994812"/>
+            <a:ext cx="4010025" cy="542925"/>
           </a:xfrm>
           <a:prstGeom prst="rect">
             <a:avLst/>
@@ -5139,7 +5156,7 @@
     </p:spTree>
     <p:extLst>
       <p:ext uri="{BB962C8B-B14F-4D97-AF65-F5344CB8AC3E}">
-        <p14:creationId xmlns:p14="http://schemas.microsoft.com/office/powerpoint/2010/main" val="645778958"/>
+        <p14:creationId xmlns:p14="http://schemas.microsoft.com/office/powerpoint/2010/main" val="2447658348"/>
       </p:ext>
     </p:extLst>
   </p:cSld>
@@ -5235,110 +5252,86 @@
             </a:pPr>
             <a:r>
               <a:rPr lang="en-US" altLang="zh-CN" sz="1800" dirty="0"/>
-              <a:t>4</a:t>
-            </a:r>
-            <a:r>
-              <a:rPr lang="zh-CN" altLang="en-US" sz="1800" dirty="0"/>
-              <a:t>、带接收者的函数字面值，可以理解为这个函数字面值是某个类的扩展函数。</a:t>
-            </a:r>
-            <a:endParaRPr lang="en-US" altLang="zh-CN" sz="1800" dirty="0"/>
-          </a:p>
-          <a:p>
-            <a:pPr marL="0" indent="0">
-              <a:buNone/>
-            </a:pPr>
-            <a:endParaRPr lang="en-US" altLang="zh-CN" sz="1800" dirty="0"/>
-          </a:p>
-          <a:p>
-            <a:pPr marL="0" indent="0">
-              <a:buNone/>
-            </a:pPr>
-            <a:endParaRPr lang="en-US" altLang="zh-CN" sz="1800" dirty="0"/>
-          </a:p>
-          <a:p>
-            <a:pPr marL="0" indent="0">
-              <a:buNone/>
-            </a:pPr>
-            <a:endParaRPr lang="en-US" altLang="zh-CN" sz="1800" dirty="0"/>
-          </a:p>
-          <a:p>
-            <a:pPr marL="0" indent="0">
-              <a:buNone/>
-            </a:pPr>
-            <a:endParaRPr lang="en-US" altLang="zh-CN" sz="1800" dirty="0"/>
-          </a:p>
-          <a:p>
-            <a:pPr marL="0" indent="0">
-              <a:buNone/>
-            </a:pPr>
-            <a:r>
-              <a:rPr lang="zh-CN" altLang="en-US" sz="1800" dirty="0"/>
-              <a:t>既然类似于扩展函数，那么在函数字面值得表达式内就可以调用接收者的可访问函数和属性。</a:t>
-            </a:r>
-            <a:endParaRPr lang="en-US" altLang="zh-CN" sz="1800" dirty="0"/>
-          </a:p>
-          <a:p>
-            <a:pPr marL="0" indent="0">
-              <a:buNone/>
-            </a:pPr>
-            <a:r>
-              <a:rPr lang="zh-CN" altLang="en-US" sz="1800" dirty="0"/>
-              <a:t>看一个非常有用的方法</a:t>
-            </a:r>
+              <a:t>2</a:t>
+            </a:r>
+            <a:r>
+              <a:rPr lang="zh-CN" altLang="en-US" sz="1800" dirty="0"/>
+              <a:t>、匿名函数，看起来非常像一个常规函数声明，除了其名称省略了。</a:t>
+            </a:r>
+            <a:endParaRPr lang="en-US" altLang="zh-CN" sz="1800" dirty="0"/>
+          </a:p>
+          <a:p>
+            <a:pPr marL="0" indent="0">
+              <a:buNone/>
+            </a:pPr>
+            <a:endParaRPr lang="en-US" altLang="zh-CN" sz="1800" dirty="0"/>
+          </a:p>
+          <a:p>
+            <a:pPr marL="0" indent="0">
+              <a:buNone/>
+            </a:pPr>
+            <a:endParaRPr lang="en-US" altLang="zh-CN" sz="1800" dirty="0"/>
+          </a:p>
+          <a:p>
+            <a:pPr marL="0" indent="0">
+              <a:buNone/>
+            </a:pPr>
+            <a:r>
+              <a:rPr lang="zh-CN" altLang="en-US" sz="1800" dirty="0"/>
+              <a:t>为什么需要匿名函数？</a:t>
+            </a:r>
+            <a:endParaRPr lang="en-US" altLang="zh-CN" sz="1800" dirty="0"/>
+          </a:p>
+          <a:p>
+            <a:pPr marL="0" indent="0">
+              <a:buNone/>
+            </a:pPr>
             <a:r>
               <a:rPr lang="en-US" altLang="zh-CN" sz="1800" dirty="0"/>
-              <a:t>”with”</a:t>
-            </a:r>
-            <a:r>
-              <a:rPr lang="zh-CN" altLang="en-US" sz="1800" dirty="0"/>
-              <a:t>。</a:t>
-            </a:r>
-            <a:endParaRPr lang="en-US" altLang="zh-CN" sz="1800" dirty="0"/>
-          </a:p>
-          <a:p>
-            <a:pPr marL="0" indent="0">
-              <a:buNone/>
-            </a:pPr>
-            <a:endParaRPr lang="en-US" altLang="zh-CN" sz="1800" dirty="0"/>
-          </a:p>
-          <a:p>
-            <a:pPr marL="0" indent="0">
-              <a:buNone/>
-            </a:pPr>
-            <a:endParaRPr lang="en-US" altLang="zh-CN" sz="1800" dirty="0"/>
-          </a:p>
-          <a:p>
-            <a:pPr marL="0" indent="0">
-              <a:buNone/>
-            </a:pPr>
-            <a:endParaRPr lang="en-US" altLang="zh-CN" sz="1800" dirty="0"/>
-          </a:p>
-          <a:p>
-            <a:pPr marL="0" indent="0">
-              <a:buNone/>
-            </a:pPr>
-            <a:endParaRPr lang="en-US" altLang="zh-CN" sz="1800" dirty="0"/>
-          </a:p>
-          <a:p>
-            <a:pPr marL="0" indent="0">
-              <a:buNone/>
-            </a:pPr>
-            <a:r>
-              <a:rPr lang="zh-CN" altLang="en-US" sz="1800" dirty="0"/>
-              <a:t>简单示例</a:t>
-            </a:r>
-            <a:endParaRPr lang="en-US" altLang="zh-CN" sz="1800" dirty="0"/>
-          </a:p>
-          <a:p>
-            <a:pPr marL="0" indent="0">
-              <a:buNone/>
-            </a:pPr>
-            <a:endParaRPr lang="en-US" altLang="zh-CN" sz="1800" dirty="0"/>
-          </a:p>
-          <a:p>
-            <a:pPr marL="0" indent="0">
-              <a:buNone/>
-            </a:pPr>
+              <a:t>lambda </a:t>
+            </a:r>
+            <a:r>
+              <a:rPr lang="zh-CN" altLang="en-US" sz="1800" dirty="0"/>
+              <a:t>表达式语法（在使用时）缺少指定函数的返回类型的能力。在大多数情况下，这是不必要的。因为返回类型可以自动推断出来。但是在某些时候我们需要显式指定时，就可以使用匿名函数。</a:t>
+            </a:r>
+            <a:endParaRPr lang="en-US" altLang="zh-CN" sz="1800" dirty="0"/>
+          </a:p>
+          <a:p>
+            <a:pPr marL="0" indent="0">
+              <a:buNone/>
+            </a:pPr>
+            <a:endParaRPr lang="en-US" altLang="zh-CN" sz="1800" dirty="0"/>
+          </a:p>
+          <a:p>
+            <a:pPr marL="0" indent="0">
+              <a:buNone/>
+            </a:pPr>
+            <a:endParaRPr lang="en-US" altLang="zh-CN" sz="1800" dirty="0"/>
+          </a:p>
+          <a:p>
+            <a:pPr marL="0" indent="0">
+              <a:buNone/>
+            </a:pPr>
+            <a:endParaRPr lang="en-US" altLang="zh-CN" sz="1800" dirty="0"/>
+          </a:p>
+          <a:p>
+            <a:pPr marL="0" indent="0">
+              <a:buNone/>
+            </a:pPr>
+            <a:endParaRPr lang="en-US" altLang="zh-CN" sz="1800" dirty="0"/>
+          </a:p>
+          <a:p>
+            <a:pPr marL="0" indent="0">
+              <a:buNone/>
+            </a:pPr>
+            <a:r>
+              <a:rPr lang="en-US" altLang="zh-CN" sz="1800" dirty="0"/>
+              <a:t>3</a:t>
+            </a:r>
+            <a:r>
+              <a:rPr lang="zh-CN" altLang="en-US" sz="1800" dirty="0"/>
+              <a:t>、闭包</a:t>
+            </a:r>
             <a:endParaRPr lang="en-US" altLang="zh-CN" sz="1800" dirty="0"/>
           </a:p>
           <a:p>
@@ -5354,7 +5347,7 @@
           <p:cNvPr id="6" name="图片 5">
             <a:extLst>
               <a:ext uri="{FF2B5EF4-FFF2-40B4-BE49-F238E27FC236}">
-                <a16:creationId xmlns:a16="http://schemas.microsoft.com/office/drawing/2014/main" id="{45C6D704-3487-40AA-B8E5-D3BBD67D66B7}"/>
+                <a16:creationId xmlns:a16="http://schemas.microsoft.com/office/drawing/2014/main" id="{9DF475BC-843A-49BE-B991-4C5E1D701E70}"/>
               </a:ext>
             </a:extLst>
           </p:cNvPr>
@@ -5371,8 +5364,8 @@
         </p:blipFill>
         <p:spPr>
           <a:xfrm>
-            <a:off x="838200" y="1206398"/>
-            <a:ext cx="6400800" cy="1609725"/>
+            <a:off x="920954" y="1158721"/>
+            <a:ext cx="6877050" cy="647700"/>
           </a:xfrm>
           <a:prstGeom prst="rect">
             <a:avLst/>
@@ -5384,7 +5377,7 @@
           <p:cNvPr id="7" name="图片 6">
             <a:extLst>
               <a:ext uri="{FF2B5EF4-FFF2-40B4-BE49-F238E27FC236}">
-                <a16:creationId xmlns:a16="http://schemas.microsoft.com/office/drawing/2014/main" id="{A8A5EB56-F338-4AD3-9EB1-993829C0498F}"/>
+                <a16:creationId xmlns:a16="http://schemas.microsoft.com/office/drawing/2014/main" id="{63D15E48-45FD-4D3F-A2E2-87E4988324ED}"/>
               </a:ext>
             </a:extLst>
           </p:cNvPr>
@@ -5401,8 +5394,8 @@
         </p:blipFill>
         <p:spPr>
           <a:xfrm>
-            <a:off x="960627" y="3530847"/>
-            <a:ext cx="8743950" cy="1457325"/>
+            <a:off x="920954" y="3013414"/>
+            <a:ext cx="4152900" cy="1247775"/>
           </a:xfrm>
           <a:prstGeom prst="rect">
             <a:avLst/>
@@ -5414,7 +5407,7 @@
           <p:cNvPr id="8" name="图片 7">
             <a:extLst>
               <a:ext uri="{FF2B5EF4-FFF2-40B4-BE49-F238E27FC236}">
-                <a16:creationId xmlns:a16="http://schemas.microsoft.com/office/drawing/2014/main" id="{05EA5FF3-18BE-4174-B020-4A64AD2811E3}"/>
+                <a16:creationId xmlns:a16="http://schemas.microsoft.com/office/drawing/2014/main" id="{34A060D0-5551-4F90-B051-8B0563CF3DFE}"/>
               </a:ext>
             </a:extLst>
           </p:cNvPr>
@@ -5431,8 +5424,8 @@
         </p:blipFill>
         <p:spPr>
           <a:xfrm>
-            <a:off x="960627" y="5344490"/>
-            <a:ext cx="4724400" cy="1419225"/>
+            <a:off x="735216" y="4810125"/>
+            <a:ext cx="7248525" cy="2047875"/>
           </a:xfrm>
           <a:prstGeom prst="rect">
             <a:avLst/>
@@ -5442,7 +5435,7 @@
     </p:spTree>
     <p:extLst>
       <p:ext uri="{BB962C8B-B14F-4D97-AF65-F5344CB8AC3E}">
-        <p14:creationId xmlns:p14="http://schemas.microsoft.com/office/powerpoint/2010/main" val="821915575"/>
+        <p14:creationId xmlns:p14="http://schemas.microsoft.com/office/powerpoint/2010/main" val="645778958"/>
       </p:ext>
     </p:extLst>
   </p:cSld>
@@ -5537,64 +5530,60 @@
               <a:buNone/>
             </a:pPr>
             <a:r>
-              <a:rPr lang="zh-CN" altLang="en-US" sz="1800" dirty="0"/>
-              <a:t>高阶函数，高阶函数是将函数用作参数或返回值的函数，事实上，前面所说的函数字面值是不能单独使用的，其只能作为函数的参数使用。</a:t>
-            </a:r>
-            <a:endParaRPr lang="en-US" altLang="zh-CN" sz="1800" dirty="0"/>
-          </a:p>
-          <a:p>
-            <a:pPr marL="0" indent="0">
-              <a:buNone/>
-            </a:pPr>
-            <a:endParaRPr lang="en-US" altLang="zh-CN" sz="1800" dirty="0"/>
-          </a:p>
-          <a:p>
-            <a:pPr marL="0" indent="0">
-              <a:buNone/>
-            </a:pPr>
-            <a:endParaRPr lang="en-US" altLang="zh-CN" sz="1800" dirty="0"/>
-          </a:p>
-          <a:p>
-            <a:pPr marL="0" indent="0">
-              <a:buNone/>
-            </a:pPr>
-            <a:endParaRPr lang="en-US" altLang="zh-CN" sz="1800" dirty="0"/>
-          </a:p>
-          <a:p>
-            <a:pPr marL="0" indent="0">
-              <a:buNone/>
-            </a:pPr>
-            <a:endParaRPr lang="en-US" altLang="zh-CN" sz="1800" dirty="0"/>
-          </a:p>
-          <a:p>
-            <a:pPr marL="0" indent="0">
-              <a:buNone/>
-            </a:pPr>
-            <a:endParaRPr lang="en-US" altLang="zh-CN" sz="1800" dirty="0"/>
-          </a:p>
-          <a:p>
-            <a:pPr marL="0" indent="0">
-              <a:buNone/>
-            </a:pPr>
-            <a:r>
               <a:rPr lang="en-US" altLang="zh-CN" sz="1800" dirty="0"/>
-              <a:t>Map</a:t>
-            </a:r>
-            <a:r>
-              <a:rPr lang="zh-CN" altLang="en-US" sz="1800" dirty="0"/>
-              <a:t>的作用：将</a:t>
+              <a:t>4</a:t>
+            </a:r>
+            <a:r>
+              <a:rPr lang="zh-CN" altLang="en-US" sz="1800" dirty="0"/>
+              <a:t>、带接收者的函数字面值，可以理解为这个函数字面值是某个类的扩展函数。</a:t>
+            </a:r>
+            <a:endParaRPr lang="en-US" altLang="zh-CN" sz="1800" dirty="0"/>
+          </a:p>
+          <a:p>
+            <a:pPr marL="0" indent="0">
+              <a:buNone/>
+            </a:pPr>
+            <a:endParaRPr lang="en-US" altLang="zh-CN" sz="1800" dirty="0"/>
+          </a:p>
+          <a:p>
+            <a:pPr marL="0" indent="0">
+              <a:buNone/>
+            </a:pPr>
+            <a:endParaRPr lang="en-US" altLang="zh-CN" sz="1800" dirty="0"/>
+          </a:p>
+          <a:p>
+            <a:pPr marL="0" indent="0">
+              <a:buNone/>
+            </a:pPr>
+            <a:endParaRPr lang="en-US" altLang="zh-CN" sz="1800" dirty="0"/>
+          </a:p>
+          <a:p>
+            <a:pPr marL="0" indent="0">
+              <a:buNone/>
+            </a:pPr>
+            <a:endParaRPr lang="en-US" altLang="zh-CN" sz="1800" dirty="0"/>
+          </a:p>
+          <a:p>
+            <a:pPr marL="0" indent="0">
+              <a:buNone/>
+            </a:pPr>
+            <a:r>
+              <a:rPr lang="zh-CN" altLang="en-US" sz="1800" dirty="0"/>
+              <a:t>既然类似于扩展函数，那么在函数字面值得表达式内就可以调用接收者的可访问函数和属性。</a:t>
+            </a:r>
+            <a:endParaRPr lang="en-US" altLang="zh-CN" sz="1800" dirty="0"/>
+          </a:p>
+          <a:p>
+            <a:pPr marL="0" indent="0">
+              <a:buNone/>
+            </a:pPr>
+            <a:r>
+              <a:rPr lang="zh-CN" altLang="en-US" sz="1800" dirty="0"/>
+              <a:t>看一个非常有用的方法</a:t>
             </a:r>
             <a:r>
               <a:rPr lang="en-US" altLang="zh-CN" sz="1800" dirty="0"/>
-              <a:t>list</a:t>
-            </a:r>
-            <a:r>
-              <a:rPr lang="zh-CN" altLang="en-US" sz="1800" dirty="0"/>
-              <a:t>中的每个元素都做指定变化后返回一个新的</a:t>
-            </a:r>
-            <a:r>
-              <a:rPr lang="en-US" altLang="zh-CN" sz="1800" dirty="0"/>
-              <a:t>list</a:t>
+              <a:t>”with”</a:t>
             </a:r>
             <a:r>
               <a:rPr lang="zh-CN" altLang="en-US" sz="1800" dirty="0"/>
@@ -5631,45 +5620,15 @@
               <a:buNone/>
             </a:pPr>
             <a:r>
-              <a:rPr lang="en-US" altLang="zh-CN" sz="1800" dirty="0" err="1"/>
-              <a:t>Lamba</a:t>
-            </a:r>
-            <a:r>
-              <a:rPr lang="en-US" altLang="zh-CN" sz="1800" dirty="0"/>
-              <a:t> </a:t>
-            </a:r>
-            <a:r>
-              <a:rPr lang="zh-CN" altLang="en-US" sz="1800" dirty="0"/>
-              <a:t>表达式的优点：</a:t>
-            </a:r>
-            <a:endParaRPr lang="en-US" altLang="zh-CN" sz="1800" dirty="0"/>
-          </a:p>
-          <a:p>
-            <a:pPr marL="0" indent="0">
-              <a:buNone/>
-            </a:pPr>
-            <a:r>
-              <a:rPr lang="en-US" altLang="zh-CN" sz="1800" dirty="0"/>
-              <a:t>1</a:t>
-            </a:r>
-            <a:r>
-              <a:rPr lang="zh-CN" altLang="en-US" sz="1800" dirty="0"/>
-              <a:t>、编写更少的代码</a:t>
-            </a:r>
-            <a:endParaRPr lang="en-US" altLang="zh-CN" sz="1800" dirty="0"/>
-          </a:p>
-          <a:p>
-            <a:pPr marL="0" indent="0">
-              <a:buNone/>
-            </a:pPr>
-            <a:r>
-              <a:rPr lang="en-US" altLang="zh-CN" sz="1800" dirty="0"/>
-              <a:t>2</a:t>
-            </a:r>
-            <a:r>
-              <a:rPr lang="zh-CN" altLang="en-US" sz="1800" dirty="0"/>
-              <a:t>、让我们更专注于函数的内容本身</a:t>
-            </a:r>
+              <a:rPr lang="zh-CN" altLang="en-US" sz="1800" dirty="0"/>
+              <a:t>简单示例</a:t>
+            </a:r>
+            <a:endParaRPr lang="en-US" altLang="zh-CN" sz="1800" dirty="0"/>
+          </a:p>
+          <a:p>
+            <a:pPr marL="0" indent="0">
+              <a:buNone/>
+            </a:pPr>
             <a:endParaRPr lang="en-US" altLang="zh-CN" sz="1800" dirty="0"/>
           </a:p>
           <a:p>
@@ -5688,10 +5647,10 @@
       </p:sp>
       <p:pic>
         <p:nvPicPr>
-          <p:cNvPr id="7" name="图片 6">
-            <a:extLst>
-              <a:ext uri="{FF2B5EF4-FFF2-40B4-BE49-F238E27FC236}">
-                <a16:creationId xmlns:a16="http://schemas.microsoft.com/office/drawing/2014/main" id="{010726E6-7841-4654-A282-9BFC06A203BB}"/>
+          <p:cNvPr id="6" name="图片 5">
+            <a:extLst>
+              <a:ext uri="{FF2B5EF4-FFF2-40B4-BE49-F238E27FC236}">
+                <a16:creationId xmlns:a16="http://schemas.microsoft.com/office/drawing/2014/main" id="{45C6D704-3487-40AA-B8E5-D3BBD67D66B7}"/>
               </a:ext>
             </a:extLst>
           </p:cNvPr>
@@ -5708,8 +5667,8 @@
         </p:blipFill>
         <p:spPr>
           <a:xfrm>
-            <a:off x="838200" y="1482571"/>
-            <a:ext cx="6448425" cy="1714500"/>
+            <a:off x="838200" y="1206398"/>
+            <a:ext cx="6400800" cy="1609725"/>
           </a:xfrm>
           <a:prstGeom prst="rect">
             <a:avLst/>
@@ -5718,10 +5677,10 @@
       </p:pic>
       <p:pic>
         <p:nvPicPr>
-          <p:cNvPr id="8" name="图片 7">
-            <a:extLst>
-              <a:ext uri="{FF2B5EF4-FFF2-40B4-BE49-F238E27FC236}">
-                <a16:creationId xmlns:a16="http://schemas.microsoft.com/office/drawing/2014/main" id="{FF8E5A88-F342-45AF-8364-8CDA0247A8E6}"/>
+          <p:cNvPr id="7" name="图片 6">
+            <a:extLst>
+              <a:ext uri="{FF2B5EF4-FFF2-40B4-BE49-F238E27FC236}">
+                <a16:creationId xmlns:a16="http://schemas.microsoft.com/office/drawing/2014/main" id="{A8A5EB56-F338-4AD3-9EB1-993829C0498F}"/>
               </a:ext>
             </a:extLst>
           </p:cNvPr>
@@ -5738,8 +5697,38 @@
         </p:blipFill>
         <p:spPr>
           <a:xfrm>
-            <a:off x="838200" y="3774119"/>
-            <a:ext cx="4562475" cy="990600"/>
+            <a:off x="960627" y="3530847"/>
+            <a:ext cx="8743950" cy="1457325"/>
+          </a:xfrm>
+          <a:prstGeom prst="rect">
+            <a:avLst/>
+          </a:prstGeom>
+        </p:spPr>
+      </p:pic>
+      <p:pic>
+        <p:nvPicPr>
+          <p:cNvPr id="8" name="图片 7">
+            <a:extLst>
+              <a:ext uri="{FF2B5EF4-FFF2-40B4-BE49-F238E27FC236}">
+                <a16:creationId xmlns:a16="http://schemas.microsoft.com/office/drawing/2014/main" id="{05EA5FF3-18BE-4174-B020-4A64AD2811E3}"/>
+              </a:ext>
+            </a:extLst>
+          </p:cNvPr>
+          <p:cNvPicPr>
+            <a:picLocks noChangeAspect="1"/>
+          </p:cNvPicPr>
+          <p:nvPr/>
+        </p:nvPicPr>
+        <p:blipFill>
+          <a:blip r:embed="rId4"/>
+          <a:stretch>
+            <a:fillRect/>
+          </a:stretch>
+        </p:blipFill>
+        <p:spPr>
+          <a:xfrm>
+            <a:off x="960627" y="5344490"/>
+            <a:ext cx="4724400" cy="1419225"/>
           </a:xfrm>
           <a:prstGeom prst="rect">
             <a:avLst/>
@@ -5749,7 +5738,7 @@
     </p:spTree>
     <p:extLst>
       <p:ext uri="{BB962C8B-B14F-4D97-AF65-F5344CB8AC3E}">
-        <p14:creationId xmlns:p14="http://schemas.microsoft.com/office/powerpoint/2010/main" val="933104834"/>
+        <p14:creationId xmlns:p14="http://schemas.microsoft.com/office/powerpoint/2010/main" val="821915575"/>
       </p:ext>
     </p:extLst>
   </p:cSld>
@@ -5806,7 +5795,7 @@
           <a:p>
             <a:r>
               <a:rPr lang="zh-CN" altLang="en-US" sz="3600" dirty="0"/>
-              <a:t>委托</a:t>
+              <a:t>函数字面值与高阶函数</a:t>
             </a:r>
             <a:endParaRPr lang="en-US" altLang="zh-CN" sz="3600" dirty="0"/>
           </a:p>
@@ -5830,8 +5819,8 @@
         </p:nvSpPr>
         <p:spPr>
           <a:xfrm>
-            <a:off x="838199" y="905523"/>
-            <a:ext cx="11158057" cy="5810436"/>
+            <a:off x="838200" y="905523"/>
+            <a:ext cx="10515600" cy="5810436"/>
           </a:xfrm>
         </p:spPr>
         <p:txBody>
@@ -5844,65 +5833,145 @@
               <a:buNone/>
             </a:pPr>
             <a:r>
+              <a:rPr lang="zh-CN" altLang="en-US" sz="1800" dirty="0"/>
+              <a:t>高阶函数，高阶函数是将函数用作参数或返回值的函数，事实上，前面所说的函数字面值是不能单独使用的，其只能作为函数的参数使用。</a:t>
+            </a:r>
+            <a:endParaRPr lang="en-US" altLang="zh-CN" sz="1800" dirty="0"/>
+          </a:p>
+          <a:p>
+            <a:pPr marL="0" indent="0">
+              <a:buNone/>
+            </a:pPr>
+            <a:endParaRPr lang="en-US" altLang="zh-CN" sz="1800" dirty="0"/>
+          </a:p>
+          <a:p>
+            <a:pPr marL="0" indent="0">
+              <a:buNone/>
+            </a:pPr>
+            <a:endParaRPr lang="en-US" altLang="zh-CN" sz="1800" dirty="0"/>
+          </a:p>
+          <a:p>
+            <a:pPr marL="0" indent="0">
+              <a:buNone/>
+            </a:pPr>
+            <a:endParaRPr lang="en-US" altLang="zh-CN" sz="1800" dirty="0"/>
+          </a:p>
+          <a:p>
+            <a:pPr marL="0" indent="0">
+              <a:buNone/>
+            </a:pPr>
+            <a:endParaRPr lang="en-US" altLang="zh-CN" sz="1800" dirty="0"/>
+          </a:p>
+          <a:p>
+            <a:pPr marL="0" indent="0">
+              <a:buNone/>
+            </a:pPr>
+            <a:endParaRPr lang="en-US" altLang="zh-CN" sz="1800" dirty="0"/>
+          </a:p>
+          <a:p>
+            <a:pPr marL="0" indent="0">
+              <a:buNone/>
+            </a:pPr>
+            <a:r>
+              <a:rPr lang="en-US" altLang="zh-CN" sz="1800" dirty="0"/>
+              <a:t>Map</a:t>
+            </a:r>
+            <a:r>
+              <a:rPr lang="zh-CN" altLang="en-US" sz="1800" dirty="0"/>
+              <a:t>的作用：将</a:t>
+            </a:r>
+            <a:r>
+              <a:rPr lang="en-US" altLang="zh-CN" sz="1800" dirty="0"/>
+              <a:t>list</a:t>
+            </a:r>
+            <a:r>
+              <a:rPr lang="zh-CN" altLang="en-US" sz="1800" dirty="0"/>
+              <a:t>中的每个元素都做指定变化后返回一个新的</a:t>
+            </a:r>
+            <a:r>
+              <a:rPr lang="en-US" altLang="zh-CN" sz="1800" dirty="0"/>
+              <a:t>list</a:t>
+            </a:r>
+            <a:r>
+              <a:rPr lang="zh-CN" altLang="en-US" sz="1800" dirty="0"/>
+              <a:t>。</a:t>
+            </a:r>
+            <a:endParaRPr lang="en-US" altLang="zh-CN" sz="1800" dirty="0"/>
+          </a:p>
+          <a:p>
+            <a:pPr marL="0" indent="0">
+              <a:buNone/>
+            </a:pPr>
+            <a:endParaRPr lang="en-US" altLang="zh-CN" sz="1800" dirty="0"/>
+          </a:p>
+          <a:p>
+            <a:pPr marL="0" indent="0">
+              <a:buNone/>
+            </a:pPr>
+            <a:endParaRPr lang="en-US" altLang="zh-CN" sz="1800" dirty="0"/>
+          </a:p>
+          <a:p>
+            <a:pPr marL="0" indent="0">
+              <a:buNone/>
+            </a:pPr>
+            <a:endParaRPr lang="en-US" altLang="zh-CN" sz="1800" dirty="0"/>
+          </a:p>
+          <a:p>
+            <a:pPr marL="0" indent="0">
+              <a:buNone/>
+            </a:pPr>
+            <a:endParaRPr lang="en-US" altLang="zh-CN" sz="1800" dirty="0"/>
+          </a:p>
+          <a:p>
+            <a:pPr marL="0" indent="0">
+              <a:buNone/>
+            </a:pPr>
+            <a:r>
               <a:rPr lang="en-US" altLang="zh-CN" sz="1800" dirty="0" err="1"/>
-              <a:t>Kotlin</a:t>
-            </a:r>
-            <a:r>
-              <a:rPr lang="zh-CN" altLang="en-US" sz="1800" dirty="0"/>
-              <a:t>中委托分为</a:t>
-            </a:r>
+              <a:t>Lamba</a:t>
+            </a:r>
+            <a:r>
+              <a:rPr lang="en-US" altLang="zh-CN" sz="1800" dirty="0"/>
+              <a:t> </a:t>
+            </a:r>
+            <a:r>
+              <a:rPr lang="zh-CN" altLang="en-US" sz="1800" dirty="0"/>
+              <a:t>表达式的优点：</a:t>
+            </a:r>
+            <a:endParaRPr lang="en-US" altLang="zh-CN" sz="1800" dirty="0"/>
+          </a:p>
+          <a:p>
+            <a:pPr marL="0" indent="0">
+              <a:buNone/>
+            </a:pPr>
+            <a:r>
+              <a:rPr lang="en-US" altLang="zh-CN" sz="1800" dirty="0"/>
+              <a:t>1</a:t>
+            </a:r>
+            <a:r>
+              <a:rPr lang="zh-CN" altLang="en-US" sz="1800" dirty="0"/>
+              <a:t>、编写更少的代码</a:t>
+            </a:r>
+            <a:endParaRPr lang="en-US" altLang="zh-CN" sz="1800" dirty="0"/>
+          </a:p>
+          <a:p>
+            <a:pPr marL="0" indent="0">
+              <a:buNone/>
+            </a:pPr>
             <a:r>
               <a:rPr lang="en-US" altLang="zh-CN" sz="1800" dirty="0"/>
               <a:t>2</a:t>
             </a:r>
             <a:r>
               <a:rPr lang="zh-CN" altLang="en-US" sz="1800" dirty="0"/>
-              <a:t>种，类委托和属性委托。</a:t>
-            </a:r>
-            <a:endParaRPr lang="en-US" altLang="zh-CN" sz="1800" dirty="0"/>
-          </a:p>
-          <a:p>
-            <a:pPr marL="0" indent="0">
-              <a:buNone/>
-            </a:pPr>
-            <a:r>
-              <a:rPr lang="en-US" altLang="zh-CN" sz="1800" dirty="0"/>
-              <a:t>1</a:t>
-            </a:r>
-            <a:r>
-              <a:rPr lang="zh-CN" altLang="en-US" sz="1800" dirty="0"/>
-              <a:t>、类委托</a:t>
-            </a:r>
-            <a:endParaRPr lang="en-US" altLang="zh-CN" sz="1800" dirty="0"/>
-          </a:p>
-          <a:p>
-            <a:pPr marL="0" indent="0">
-              <a:buNone/>
-            </a:pPr>
-            <a:r>
-              <a:rPr lang="zh-CN" altLang="en-US" sz="1800" dirty="0"/>
-              <a:t>委托模式已经证明是替代继承的一个很好的方式，但是在</a:t>
-            </a:r>
-            <a:r>
-              <a:rPr lang="en-US" altLang="zh-CN" sz="1800" dirty="0"/>
-              <a:t>java</a:t>
-            </a:r>
-            <a:r>
-              <a:rPr lang="zh-CN" altLang="en-US" sz="1800" dirty="0"/>
-              <a:t>中我们不得不写大量的样板代码，而 </a:t>
-            </a:r>
-            <a:r>
-              <a:rPr lang="en-US" altLang="zh-CN" sz="1800" dirty="0" err="1"/>
-              <a:t>Kotlin</a:t>
-            </a:r>
-            <a:r>
-              <a:rPr lang="en-US" altLang="zh-CN" sz="1800" dirty="0"/>
-              <a:t> </a:t>
-            </a:r>
-            <a:r>
-              <a:rPr lang="zh-CN" altLang="en-US" sz="1800" dirty="0"/>
-              <a:t>可以零样板代码地原生支持它。</a:t>
-            </a:r>
+              <a:t>、让我们更专注于函数的内容本身</a:t>
+            </a:r>
+            <a:endParaRPr lang="en-US" altLang="zh-CN" sz="1800" dirty="0"/>
+          </a:p>
+          <a:p>
+            <a:pPr marL="0" indent="0">
+              <a:buNone/>
+            </a:pPr>
             <a:endParaRPr lang="en-US" altLang="zh-CN" sz="1800" dirty="0"/>
           </a:p>
           <a:p>
@@ -5915,10 +5984,10 @@
       </p:sp>
       <p:pic>
         <p:nvPicPr>
-          <p:cNvPr id="4" name="图片 3">
-            <a:extLst>
-              <a:ext uri="{FF2B5EF4-FFF2-40B4-BE49-F238E27FC236}">
-                <a16:creationId xmlns:a16="http://schemas.microsoft.com/office/drawing/2014/main" id="{657198B1-D707-422A-A49C-9CA6BE0CF9D2}"/>
+          <p:cNvPr id="7" name="图片 6">
+            <a:extLst>
+              <a:ext uri="{FF2B5EF4-FFF2-40B4-BE49-F238E27FC236}">
+                <a16:creationId xmlns:a16="http://schemas.microsoft.com/office/drawing/2014/main" id="{010726E6-7841-4654-A282-9BFC06A203BB}"/>
               </a:ext>
             </a:extLst>
           </p:cNvPr>
@@ -5935,8 +6004,8 @@
         </p:blipFill>
         <p:spPr>
           <a:xfrm>
-            <a:off x="5808125" y="2404017"/>
-            <a:ext cx="4125421" cy="4311942"/>
+            <a:off x="838200" y="1482571"/>
+            <a:ext cx="6448425" cy="1714500"/>
           </a:xfrm>
           <a:prstGeom prst="rect">
             <a:avLst/>
@@ -5945,10 +6014,10 @@
       </p:pic>
       <p:pic>
         <p:nvPicPr>
-          <p:cNvPr id="5" name="图片 4">
-            <a:extLst>
-              <a:ext uri="{FF2B5EF4-FFF2-40B4-BE49-F238E27FC236}">
-                <a16:creationId xmlns:a16="http://schemas.microsoft.com/office/drawing/2014/main" id="{B7B5B18D-7BDD-4190-85C5-F877F139CAD9}"/>
+          <p:cNvPr id="8" name="图片 7">
+            <a:extLst>
+              <a:ext uri="{FF2B5EF4-FFF2-40B4-BE49-F238E27FC236}">
+                <a16:creationId xmlns:a16="http://schemas.microsoft.com/office/drawing/2014/main" id="{FF8E5A88-F342-45AF-8364-8CDA0247A8E6}"/>
               </a:ext>
             </a:extLst>
           </p:cNvPr>
@@ -5965,8 +6034,8 @@
         </p:blipFill>
         <p:spPr>
           <a:xfrm>
-            <a:off x="1128712" y="2404017"/>
-            <a:ext cx="4126387" cy="4311942"/>
+            <a:off x="838200" y="3774119"/>
+            <a:ext cx="4562475" cy="990600"/>
           </a:xfrm>
           <a:prstGeom prst="rect">
             <a:avLst/>
@@ -5976,7 +6045,7 @@
     </p:spTree>
     <p:extLst>
       <p:ext uri="{BB962C8B-B14F-4D97-AF65-F5344CB8AC3E}">
-        <p14:creationId xmlns:p14="http://schemas.microsoft.com/office/powerpoint/2010/main" val="4247366606"/>
+        <p14:creationId xmlns:p14="http://schemas.microsoft.com/office/powerpoint/2010/main" val="933104834"/>
       </p:ext>
     </p:extLst>
   </p:cSld>
@@ -6071,131 +6140,64 @@
               <a:buNone/>
             </a:pPr>
             <a:r>
+              <a:rPr lang="en-US" altLang="zh-CN" sz="1800" dirty="0" err="1"/>
+              <a:t>Kotlin</a:t>
+            </a:r>
+            <a:r>
+              <a:rPr lang="zh-CN" altLang="en-US" sz="1800" dirty="0"/>
+              <a:t>中委托分为</a:t>
+            </a:r>
+            <a:r>
               <a:rPr lang="en-US" altLang="zh-CN" sz="1800" dirty="0"/>
               <a:t>2</a:t>
             </a:r>
             <a:r>
               <a:rPr lang="zh-CN" altLang="en-US" sz="1800" dirty="0"/>
-              <a:t>、委托属性</a:t>
-            </a:r>
-            <a:endParaRPr lang="en-US" altLang="zh-CN" sz="1800" dirty="0"/>
-          </a:p>
-          <a:p>
-            <a:pPr marL="0" indent="0">
-              <a:buNone/>
-            </a:pPr>
-            <a:r>
-              <a:rPr lang="zh-CN" altLang="en-US" sz="1800" dirty="0"/>
-              <a:t>有一些常用的属性类型，虽然我们可以在每次需要的时候手动实现它们， 但是如果能够为大家把他们只实现一次并放入一个文件或库会更好。例如包括：</a:t>
-            </a:r>
-          </a:p>
-          <a:p>
-            <a:pPr marL="0" indent="0">
-              <a:buNone/>
-            </a:pPr>
-            <a:r>
-              <a:rPr lang="zh-CN" altLang="en-US" sz="1800" dirty="0"/>
-              <a:t>延迟属性（</a:t>
-            </a:r>
+              <a:t>种，类委托和属性委托。</a:t>
+            </a:r>
+            <a:endParaRPr lang="en-US" altLang="zh-CN" sz="1800" dirty="0"/>
+          </a:p>
+          <a:p>
+            <a:pPr marL="0" indent="0">
+              <a:buNone/>
+            </a:pPr>
             <a:r>
               <a:rPr lang="en-US" altLang="zh-CN" sz="1800" dirty="0"/>
-              <a:t>lazy properties</a:t>
-            </a:r>
-            <a:r>
-              <a:rPr lang="zh-CN" altLang="en-US" sz="1800" dirty="0"/>
-              <a:t>）</a:t>
+              <a:t>1</a:t>
+            </a:r>
+            <a:r>
+              <a:rPr lang="zh-CN" altLang="en-US" sz="1800" dirty="0"/>
+              <a:t>、类委托</a:t>
+            </a:r>
+            <a:endParaRPr lang="en-US" altLang="zh-CN" sz="1800" dirty="0"/>
+          </a:p>
+          <a:p>
+            <a:pPr marL="0" indent="0">
+              <a:buNone/>
+            </a:pPr>
+            <a:r>
+              <a:rPr lang="zh-CN" altLang="en-US" sz="1800" dirty="0"/>
+              <a:t>委托模式已经证明是替代继承的一个很好的方式，但是在</a:t>
             </a:r>
             <a:r>
               <a:rPr lang="en-US" altLang="zh-CN" sz="1800" dirty="0"/>
-              <a:t>: </a:t>
-            </a:r>
-            <a:r>
-              <a:rPr lang="zh-CN" altLang="en-US" sz="1800" dirty="0"/>
-              <a:t>其值只在首次访问时计算</a:t>
+              <a:t>java</a:t>
+            </a:r>
+            <a:r>
+              <a:rPr lang="zh-CN" altLang="en-US" sz="1800" dirty="0"/>
+              <a:t>中我们不得不写大量的样板代码，而 </a:t>
+            </a:r>
+            <a:r>
+              <a:rPr lang="en-US" altLang="zh-CN" sz="1800" dirty="0" err="1"/>
+              <a:t>Kotlin</a:t>
             </a:r>
             <a:r>
               <a:rPr lang="en-US" altLang="zh-CN" sz="1800" dirty="0"/>
-              <a:t>(</a:t>
-            </a:r>
-            <a:r>
-              <a:rPr lang="zh-CN" altLang="en-US" sz="1800" dirty="0"/>
-              <a:t>见</a:t>
-            </a:r>
-            <a:r>
-              <a:rPr lang="en-US" altLang="zh-CN" sz="1800" dirty="0"/>
-              <a:t>demo)</a:t>
-            </a:r>
-            <a:r>
-              <a:rPr lang="zh-CN" altLang="en-US" sz="1800" dirty="0"/>
-              <a:t>；</a:t>
-            </a:r>
-          </a:p>
-          <a:p>
-            <a:pPr marL="0" indent="0">
-              <a:buNone/>
-            </a:pPr>
-            <a:r>
-              <a:rPr lang="zh-CN" altLang="en-US" sz="1800" dirty="0"/>
-              <a:t>可观察属性（</a:t>
-            </a:r>
-            <a:r>
-              <a:rPr lang="en-US" altLang="zh-CN" sz="1800" dirty="0"/>
-              <a:t>observable properties</a:t>
-            </a:r>
-            <a:r>
-              <a:rPr lang="zh-CN" altLang="en-US" sz="1800" dirty="0"/>
-              <a:t>）</a:t>
-            </a:r>
-            <a:r>
-              <a:rPr lang="en-US" altLang="zh-CN" sz="1800" dirty="0"/>
-              <a:t>: </a:t>
-            </a:r>
-            <a:r>
-              <a:rPr lang="zh-CN" altLang="en-US" sz="1800" dirty="0"/>
-              <a:t>监听器会收到有关此属性变更的通知；</a:t>
-            </a:r>
-          </a:p>
-          <a:p>
-            <a:pPr marL="0" indent="0">
-              <a:buNone/>
-            </a:pPr>
-            <a:r>
-              <a:rPr lang="zh-CN" altLang="en-US" sz="1800" dirty="0"/>
-              <a:t>把多个属性储存在一个映射（</a:t>
-            </a:r>
-            <a:r>
-              <a:rPr lang="en-US" altLang="zh-CN" sz="1800" dirty="0"/>
-              <a:t>map</a:t>
-            </a:r>
-            <a:r>
-              <a:rPr lang="zh-CN" altLang="en-US" sz="1800" dirty="0"/>
-              <a:t>）中，而不是每个存在单独的字段中（见</a:t>
-            </a:r>
-            <a:r>
-              <a:rPr lang="en-US" altLang="zh-CN" sz="1800" dirty="0"/>
-              <a:t>demo</a:t>
-            </a:r>
-            <a:r>
-              <a:rPr lang="zh-CN" altLang="en-US" sz="1800" dirty="0"/>
-              <a:t>）。</a:t>
-            </a:r>
-            <a:endParaRPr lang="en-US" altLang="zh-CN" sz="1800" dirty="0"/>
-          </a:p>
-          <a:p>
-            <a:pPr marL="0" indent="0">
-              <a:buNone/>
-            </a:pPr>
-            <a:r>
-              <a:rPr lang="zh-CN" altLang="en-US" sz="1800" dirty="0"/>
-              <a:t>所以</a:t>
-            </a:r>
-            <a:r>
-              <a:rPr lang="en-US" altLang="zh-CN" sz="1800" dirty="0" err="1"/>
-              <a:t>kotlin</a:t>
-            </a:r>
-            <a:r>
-              <a:rPr lang="zh-CN" altLang="en-US" sz="1800" dirty="0"/>
-              <a:t>推出了委托属性：</a:t>
+              <a:t> </a:t>
+            </a:r>
+            <a:r>
+              <a:rPr lang="zh-CN" altLang="en-US" sz="1800" dirty="0"/>
+              <a:t>可以零样板代码地原生支持它。</a:t>
             </a:r>
             <a:endParaRPr lang="en-US" altLang="zh-CN" sz="1800" dirty="0"/>
           </a:p>
@@ -6209,10 +6211,10 @@
       </p:sp>
       <p:pic>
         <p:nvPicPr>
-          <p:cNvPr id="6" name="图片 5">
-            <a:extLst>
-              <a:ext uri="{FF2B5EF4-FFF2-40B4-BE49-F238E27FC236}">
-                <a16:creationId xmlns:a16="http://schemas.microsoft.com/office/drawing/2014/main" id="{90F9EED7-91AE-46BD-8CA9-F32760D2036D}"/>
+          <p:cNvPr id="4" name="图片 3">
+            <a:extLst>
+              <a:ext uri="{FF2B5EF4-FFF2-40B4-BE49-F238E27FC236}">
+                <a16:creationId xmlns:a16="http://schemas.microsoft.com/office/drawing/2014/main" id="{657198B1-D707-422A-A49C-9CA6BE0CF9D2}"/>
               </a:ext>
             </a:extLst>
           </p:cNvPr>
@@ -6229,8 +6231,8 @@
         </p:blipFill>
         <p:spPr>
           <a:xfrm>
-            <a:off x="838198" y="3389342"/>
-            <a:ext cx="5294371" cy="3326617"/>
+            <a:off x="5808125" y="2404017"/>
+            <a:ext cx="4125421" cy="4311942"/>
           </a:xfrm>
           <a:prstGeom prst="rect">
             <a:avLst/>
@@ -6239,10 +6241,10 @@
       </p:pic>
       <p:pic>
         <p:nvPicPr>
-          <p:cNvPr id="7" name="图片 6">
-            <a:extLst>
-              <a:ext uri="{FF2B5EF4-FFF2-40B4-BE49-F238E27FC236}">
-                <a16:creationId xmlns:a16="http://schemas.microsoft.com/office/drawing/2014/main" id="{8F429D0D-36D2-458C-983A-752D418ABC2A}"/>
+          <p:cNvPr id="5" name="图片 4">
+            <a:extLst>
+              <a:ext uri="{FF2B5EF4-FFF2-40B4-BE49-F238E27FC236}">
+                <a16:creationId xmlns:a16="http://schemas.microsoft.com/office/drawing/2014/main" id="{B7B5B18D-7BDD-4190-85C5-F877F139CAD9}"/>
               </a:ext>
             </a:extLst>
           </p:cNvPr>
@@ -6259,8 +6261,8 @@
         </p:blipFill>
         <p:spPr>
           <a:xfrm>
-            <a:off x="6248052" y="3324415"/>
-            <a:ext cx="5253256" cy="3456470"/>
+            <a:off x="1128712" y="2404017"/>
+            <a:ext cx="4126387" cy="4311942"/>
           </a:xfrm>
           <a:prstGeom prst="rect">
             <a:avLst/>
@@ -6270,7 +6272,7 @@
     </p:spTree>
     <p:extLst>
       <p:ext uri="{BB962C8B-B14F-4D97-AF65-F5344CB8AC3E}">
-        <p14:creationId xmlns:p14="http://schemas.microsoft.com/office/powerpoint/2010/main" val="700572941"/>
+        <p14:creationId xmlns:p14="http://schemas.microsoft.com/office/powerpoint/2010/main" val="4247366606"/>
       </p:ext>
     </p:extLst>
   </p:cSld>
@@ -6368,15 +6370,15 @@
               <a:t>1</a:t>
             </a:r>
             <a:r>
-              <a:rPr lang="zh-CN" altLang="en-US" dirty="0" smtClean="0"/>
+              <a:rPr lang="zh-CN" altLang="en-US" dirty="0"/>
               <a:t>、</a:t>
             </a:r>
             <a:r>
-              <a:rPr lang="en-US" altLang="zh-CN" dirty="0" err="1" smtClean="0"/>
+              <a:rPr lang="en-US" altLang="zh-CN" dirty="0" err="1"/>
               <a:t>kotlin</a:t>
             </a:r>
             <a:r>
-              <a:rPr lang="zh-CN" altLang="en-US" dirty="0" smtClean="0"/>
+              <a:rPr lang="zh-CN" altLang="en-US" dirty="0"/>
               <a:t>简介</a:t>
             </a:r>
             <a:endParaRPr lang="en-US" altLang="zh-CN" dirty="0"/>
@@ -6386,7 +6388,7 @@
               <a:buNone/>
             </a:pPr>
             <a:r>
-              <a:rPr lang="en-US" altLang="zh-CN" dirty="0" smtClean="0"/>
+              <a:rPr lang="en-US" altLang="zh-CN" dirty="0"/>
               <a:t>2</a:t>
             </a:r>
             <a:r>
@@ -6544,11 +6546,7 @@
             </a:r>
             <a:r>
               <a:rPr lang="zh-CN" altLang="en-US" dirty="0"/>
-              <a:t>、泛</a:t>
-            </a:r>
-            <a:r>
-              <a:rPr lang="zh-CN" altLang="en-US" dirty="0" smtClean="0"/>
-              <a:t>型</a:t>
+              <a:t>、泛型</a:t>
             </a:r>
             <a:endParaRPr lang="en-US" altLang="zh-CN" dirty="0"/>
           </a:p>
@@ -6557,20 +6555,12 @@
               <a:buNone/>
             </a:pPr>
             <a:r>
-              <a:rPr lang="en-US" altLang="zh-CN" dirty="0" smtClean="0"/>
+              <a:rPr lang="en-US" altLang="zh-CN" dirty="0"/>
               <a:t>12</a:t>
             </a:r>
             <a:r>
-              <a:rPr lang="zh-CN" altLang="en-US" dirty="0" smtClean="0"/>
-              <a:t>、</a:t>
-            </a:r>
-            <a:r>
               <a:rPr lang="zh-CN" altLang="en-US" dirty="0"/>
-              <a:t>智能</a:t>
-            </a:r>
-            <a:r>
-              <a:rPr lang="zh-CN" altLang="en-US" dirty="0" smtClean="0"/>
-              <a:t>转换</a:t>
+              <a:t>、智能转换</a:t>
             </a:r>
             <a:endParaRPr lang="en-US" altLang="zh-CN" dirty="0"/>
           </a:p>
@@ -6579,14 +6569,14 @@
               <a:buNone/>
             </a:pPr>
             <a:r>
-              <a:rPr lang="en-US" altLang="zh-CN" dirty="0" smtClean="0"/>
+              <a:rPr lang="en-US" altLang="zh-CN" dirty="0"/>
               <a:t>13</a:t>
             </a:r>
             <a:r>
-              <a:rPr lang="zh-CN" altLang="en-US" dirty="0" smtClean="0"/>
+              <a:rPr lang="zh-CN" altLang="en-US" dirty="0"/>
               <a:t>、接口</a:t>
             </a:r>
-            <a:endParaRPr lang="en-US" altLang="zh-CN" dirty="0" smtClean="0"/>
+            <a:endParaRPr lang="en-US" altLang="zh-CN" dirty="0"/>
           </a:p>
           <a:p>
             <a:pPr marL="0" indent="0">
@@ -6670,7 +6660,7 @@
           <a:p>
             <a:r>
               <a:rPr lang="zh-CN" altLang="en-US" sz="3600" dirty="0"/>
-              <a:t>集合和集合操作符</a:t>
+              <a:t>委托</a:t>
             </a:r>
             <a:endParaRPr lang="en-US" altLang="zh-CN" sz="3600" dirty="0"/>
           </a:p>
@@ -6708,261 +6698,132 @@
               <a:buNone/>
             </a:pPr>
             <a:r>
-              <a:rPr lang="zh-CN" altLang="en-US" sz="1800" dirty="0"/>
-              <a:t>与大多数语言不同，</a:t>
+              <a:rPr lang="en-US" altLang="zh-CN" sz="1800" dirty="0"/>
+              <a:t>2</a:t>
+            </a:r>
+            <a:r>
+              <a:rPr lang="zh-CN" altLang="en-US" sz="1800" dirty="0"/>
+              <a:t>、委托属性</a:t>
+            </a:r>
+            <a:endParaRPr lang="en-US" altLang="zh-CN" sz="1800" dirty="0"/>
+          </a:p>
+          <a:p>
+            <a:pPr marL="0" indent="0">
+              <a:buNone/>
+            </a:pPr>
+            <a:r>
+              <a:rPr lang="zh-CN" altLang="en-US" sz="1800" dirty="0"/>
+              <a:t>有一些常用的属性类型，虽然我们可以在每次需要的时候手动实现它们， 但是如果能够为大家把他们只实现一次并放入一个文件或库会更好。例如包括：</a:t>
+            </a:r>
+          </a:p>
+          <a:p>
+            <a:pPr marL="0" indent="0">
+              <a:buNone/>
+            </a:pPr>
+            <a:r>
+              <a:rPr lang="zh-CN" altLang="en-US" sz="1800" dirty="0"/>
+              <a:t>延迟属性（</a:t>
+            </a:r>
+            <a:r>
+              <a:rPr lang="en-US" altLang="zh-CN" sz="1800" dirty="0"/>
+              <a:t>lazy properties</a:t>
+            </a:r>
+            <a:r>
+              <a:rPr lang="zh-CN" altLang="en-US" sz="1800" dirty="0"/>
+              <a:t>）</a:t>
+            </a:r>
+            <a:r>
+              <a:rPr lang="en-US" altLang="zh-CN" sz="1800" dirty="0"/>
+              <a:t>: </a:t>
+            </a:r>
+            <a:r>
+              <a:rPr lang="zh-CN" altLang="en-US" sz="1800" dirty="0"/>
+              <a:t>其值只在首次访问时计算</a:t>
+            </a:r>
+            <a:r>
+              <a:rPr lang="en-US" altLang="zh-CN" sz="1800" dirty="0"/>
+              <a:t>(</a:t>
+            </a:r>
+            <a:r>
+              <a:rPr lang="zh-CN" altLang="en-US" sz="1800" dirty="0"/>
+              <a:t>见</a:t>
+            </a:r>
+            <a:r>
+              <a:rPr lang="en-US" altLang="zh-CN" sz="1800" dirty="0"/>
+              <a:t>demo)</a:t>
+            </a:r>
+            <a:r>
+              <a:rPr lang="zh-CN" altLang="en-US" sz="1800" dirty="0"/>
+              <a:t>；</a:t>
+            </a:r>
+          </a:p>
+          <a:p>
+            <a:pPr marL="0" indent="0">
+              <a:buNone/>
+            </a:pPr>
+            <a:r>
+              <a:rPr lang="zh-CN" altLang="en-US" sz="1800" dirty="0"/>
+              <a:t>可观察属性（</a:t>
+            </a:r>
+            <a:r>
+              <a:rPr lang="en-US" altLang="zh-CN" sz="1800" dirty="0"/>
+              <a:t>observable properties</a:t>
+            </a:r>
+            <a:r>
+              <a:rPr lang="zh-CN" altLang="en-US" sz="1800" dirty="0"/>
+              <a:t>）</a:t>
+            </a:r>
+            <a:r>
+              <a:rPr lang="en-US" altLang="zh-CN" sz="1800" dirty="0"/>
+              <a:t>: </a:t>
+            </a:r>
+            <a:r>
+              <a:rPr lang="zh-CN" altLang="en-US" sz="1800" dirty="0"/>
+              <a:t>监听器会收到有关此属性变更的通知；</a:t>
+            </a:r>
+          </a:p>
+          <a:p>
+            <a:pPr marL="0" indent="0">
+              <a:buNone/>
+            </a:pPr>
+            <a:r>
+              <a:rPr lang="zh-CN" altLang="en-US" sz="1800" dirty="0"/>
+              <a:t>把多个属性储存在一个映射（</a:t>
+            </a:r>
+            <a:r>
+              <a:rPr lang="en-US" altLang="zh-CN" sz="1800" dirty="0"/>
+              <a:t>map</a:t>
+            </a:r>
+            <a:r>
+              <a:rPr lang="zh-CN" altLang="en-US" sz="1800" dirty="0"/>
+              <a:t>）中，而不是每个存在单独的字段中（见</a:t>
+            </a:r>
+            <a:r>
+              <a:rPr lang="en-US" altLang="zh-CN" sz="1800" dirty="0"/>
+              <a:t>demo</a:t>
+            </a:r>
+            <a:r>
+              <a:rPr lang="zh-CN" altLang="en-US" sz="1800" dirty="0"/>
+              <a:t>）。</a:t>
+            </a:r>
+            <a:endParaRPr lang="en-US" altLang="zh-CN" sz="1800" dirty="0"/>
+          </a:p>
+          <a:p>
+            <a:pPr marL="0" indent="0">
+              <a:buNone/>
+            </a:pPr>
+            <a:r>
+              <a:rPr lang="zh-CN" altLang="en-US" sz="1800" dirty="0"/>
+              <a:t>所以</a:t>
             </a:r>
             <a:r>
               <a:rPr lang="en-US" altLang="zh-CN" sz="1800" dirty="0" err="1"/>
-              <a:t>Kotlin</a:t>
-            </a:r>
-            <a:r>
-              <a:rPr lang="en-US" altLang="zh-CN" sz="1800" dirty="0"/>
-              <a:t> </a:t>
-            </a:r>
-            <a:r>
-              <a:rPr lang="zh-CN" altLang="en-US" sz="1800" dirty="0"/>
-              <a:t>区分可变集合和不可变集合（</a:t>
-            </a:r>
-            <a:r>
-              <a:rPr lang="en-US" altLang="zh-CN" sz="1800" dirty="0"/>
-              <a:t>lists</a:t>
-            </a:r>
-            <a:r>
-              <a:rPr lang="zh-CN" altLang="en-US" sz="1800" dirty="0"/>
-              <a:t>、</a:t>
-            </a:r>
-            <a:r>
-              <a:rPr lang="en-US" altLang="zh-CN" sz="1800" dirty="0"/>
-              <a:t>sets</a:t>
-            </a:r>
-            <a:r>
-              <a:rPr lang="zh-CN" altLang="en-US" sz="1800" dirty="0"/>
-              <a:t>、</a:t>
-            </a:r>
-            <a:r>
-              <a:rPr lang="en-US" altLang="zh-CN" sz="1800" dirty="0"/>
-              <a:t>maps </a:t>
-            </a:r>
-            <a:r>
-              <a:rPr lang="zh-CN" altLang="en-US" sz="1800" dirty="0"/>
-              <a:t>等），这样的设计有助于精确控制什么时候集合可编辑什么时候不可变。</a:t>
-            </a:r>
-            <a:endParaRPr lang="en-US" altLang="zh-CN" sz="1800" dirty="0"/>
-          </a:p>
-          <a:p>
-            <a:pPr marL="0" indent="0">
-              <a:buNone/>
-            </a:pPr>
-            <a:r>
-              <a:rPr lang="en-US" altLang="zh-CN" sz="1800" dirty="0"/>
-              <a:t>-- </a:t>
-            </a:r>
-            <a:r>
-              <a:rPr lang="en-US" altLang="zh-CN" sz="1800" dirty="0" err="1"/>
-              <a:t>Kotlin</a:t>
-            </a:r>
-            <a:r>
-              <a:rPr lang="en-US" altLang="zh-CN" sz="1800" dirty="0"/>
-              <a:t> </a:t>
-            </a:r>
-            <a:r>
-              <a:rPr lang="zh-CN" altLang="en-US" sz="1800" dirty="0"/>
-              <a:t>的 </a:t>
-            </a:r>
-            <a:r>
-              <a:rPr lang="en-US" altLang="zh-CN" sz="1800" dirty="0"/>
-              <a:t>List&lt;out T&gt; </a:t>
-            </a:r>
-            <a:r>
-              <a:rPr lang="zh-CN" altLang="en-US" sz="1800" dirty="0"/>
-              <a:t>类型是一个提供只读操作如 </a:t>
-            </a:r>
-            <a:r>
-              <a:rPr lang="en-US" altLang="zh-CN" sz="1800" dirty="0"/>
-              <a:t>size</a:t>
-            </a:r>
-            <a:r>
-              <a:rPr lang="zh-CN" altLang="en-US" sz="1800" dirty="0"/>
-              <a:t>、</a:t>
-            </a:r>
-            <a:r>
-              <a:rPr lang="en-US" altLang="zh-CN" sz="1800" dirty="0"/>
-              <a:t>get</a:t>
-            </a:r>
-            <a:r>
-              <a:rPr lang="zh-CN" altLang="en-US" sz="1800" dirty="0"/>
-              <a:t>等的接口。</a:t>
-            </a:r>
-            <a:endParaRPr lang="en-US" altLang="zh-CN" sz="1800" dirty="0"/>
-          </a:p>
-          <a:p>
-            <a:pPr marL="0" indent="0">
-              <a:buNone/>
-            </a:pPr>
-            <a:r>
-              <a:rPr lang="en-US" altLang="zh-CN" sz="1800" dirty="0"/>
-              <a:t>-- </a:t>
-            </a:r>
-            <a:r>
-              <a:rPr lang="zh-CN" altLang="en-US" sz="1800" dirty="0"/>
-              <a:t>如果要使集合可以变，则需要使用</a:t>
-            </a:r>
-            <a:r>
-              <a:rPr lang="en-US" altLang="zh-CN" sz="1800" dirty="0" err="1"/>
-              <a:t>MutableList</a:t>
-            </a:r>
-            <a:r>
-              <a:rPr lang="en-US" altLang="zh-CN" sz="1800" dirty="0"/>
-              <a:t>&lt;T&gt;</a:t>
-            </a:r>
-            <a:r>
-              <a:rPr lang="zh-CN" altLang="en-US" sz="1800" dirty="0"/>
-              <a:t>，</a:t>
-            </a:r>
-            <a:r>
-              <a:rPr lang="en-US" altLang="zh-CN" sz="1800" dirty="0" err="1"/>
-              <a:t>MutableSet</a:t>
-            </a:r>
-            <a:r>
-              <a:rPr lang="en-US" altLang="zh-CN" sz="1800" dirty="0"/>
-              <a:t>&lt;T&gt;</a:t>
-            </a:r>
-            <a:r>
-              <a:rPr lang="zh-CN" altLang="en-US" sz="1800" dirty="0"/>
-              <a:t>，</a:t>
-            </a:r>
-            <a:r>
-              <a:rPr lang="en-US" altLang="zh-CN" sz="1800" dirty="0" err="1"/>
-              <a:t>MutableMap</a:t>
-            </a:r>
-            <a:r>
-              <a:rPr lang="en-US" altLang="zh-CN" sz="1800" dirty="0"/>
-              <a:t>&lt;K, V&gt;</a:t>
-            </a:r>
-            <a:r>
-              <a:rPr lang="zh-CN" altLang="en-US" sz="1800" dirty="0"/>
-              <a:t>。</a:t>
-            </a:r>
-            <a:endParaRPr lang="en-US" altLang="zh-CN" sz="1800" dirty="0"/>
-          </a:p>
-          <a:p>
-            <a:pPr marL="0" indent="0">
-              <a:buNone/>
-            </a:pPr>
-            <a:r>
-              <a:rPr lang="zh-CN" altLang="en-US" sz="1800" dirty="0"/>
-              <a:t>基本用法：</a:t>
-            </a:r>
-            <a:endParaRPr lang="en-US" altLang="zh-CN" sz="1800" dirty="0"/>
-          </a:p>
-          <a:p>
-            <a:pPr marL="0" indent="0">
-              <a:buNone/>
-            </a:pPr>
-            <a:endParaRPr lang="en-US" altLang="zh-CN" sz="1800" dirty="0"/>
-          </a:p>
-          <a:p>
-            <a:pPr marL="0" indent="0">
-              <a:buNone/>
-            </a:pPr>
-            <a:endParaRPr lang="en-US" altLang="zh-CN" sz="1800" dirty="0"/>
-          </a:p>
-          <a:p>
-            <a:pPr marL="0" indent="0">
-              <a:buNone/>
-            </a:pPr>
-            <a:endParaRPr lang="en-US" altLang="zh-CN" sz="1800" dirty="0"/>
-          </a:p>
-          <a:p>
-            <a:pPr marL="0" indent="0">
-              <a:buNone/>
-            </a:pPr>
-            <a:endParaRPr lang="en-US" altLang="zh-CN" sz="1800" dirty="0"/>
-          </a:p>
-          <a:p>
-            <a:pPr marL="0" indent="0">
-              <a:buNone/>
-            </a:pPr>
-            <a:endParaRPr lang="en-US" altLang="zh-CN" sz="1800" dirty="0"/>
-          </a:p>
-          <a:p>
-            <a:pPr marL="0" indent="0">
-              <a:buNone/>
-            </a:pPr>
-            <a:endParaRPr lang="en-US" altLang="zh-CN" sz="1800" dirty="0"/>
-          </a:p>
-          <a:p>
-            <a:pPr marL="0" indent="0">
-              <a:buNone/>
-            </a:pPr>
-            <a:r>
-              <a:rPr lang="en-US" altLang="zh-CN" sz="1800" dirty="0"/>
-              <a:t>--</a:t>
-            </a:r>
-            <a:r>
-              <a:rPr lang="zh-CN" altLang="en-US" sz="1800" dirty="0"/>
-              <a:t>注意上面的</a:t>
-            </a:r>
-            <a:r>
-              <a:rPr lang="en-US" altLang="zh-CN" sz="1800" dirty="0" err="1"/>
-              <a:t>readOnlyView</a:t>
-            </a:r>
-            <a:r>
-              <a:rPr lang="zh-CN" altLang="en-US" sz="1800" dirty="0"/>
-              <a:t>是一个不可变的对象指向一个可变的</a:t>
-            </a:r>
-            <a:r>
-              <a:rPr lang="en-US" altLang="zh-CN" sz="1800" dirty="0"/>
-              <a:t>list</a:t>
-            </a:r>
-            <a:r>
-              <a:rPr lang="zh-CN" altLang="en-US" sz="1800" dirty="0"/>
-              <a:t>，此时它是</a:t>
-            </a:r>
-            <a:r>
-              <a:rPr lang="en-US" altLang="zh-CN" sz="1800" dirty="0"/>
-              <a:t>numbers</a:t>
-            </a:r>
-            <a:r>
-              <a:rPr lang="zh-CN" altLang="en-US" sz="1800" dirty="0"/>
-              <a:t>的一个只读视图。其内容会随着底层数组的变化而变化。（即它自己不能改变底层</a:t>
-            </a:r>
-            <a:r>
-              <a:rPr lang="en-US" altLang="zh-CN" sz="1800" dirty="0"/>
-              <a:t>list</a:t>
-            </a:r>
-            <a:r>
-              <a:rPr lang="zh-CN" altLang="en-US" sz="1800" dirty="0"/>
-              <a:t>，但是也不能阻止底层</a:t>
-            </a:r>
-            <a:r>
-              <a:rPr lang="en-US" altLang="zh-CN" sz="1800" dirty="0"/>
-              <a:t>list</a:t>
-            </a:r>
-            <a:r>
-              <a:rPr lang="zh-CN" altLang="en-US" sz="1800" dirty="0"/>
-              <a:t>自己的变化），如果要实现一个完全不可变的</a:t>
-            </a:r>
-            <a:r>
-              <a:rPr lang="en-US" altLang="zh-CN" sz="1800" dirty="0"/>
-              <a:t>list</a:t>
-            </a:r>
-            <a:r>
-              <a:rPr lang="zh-CN" altLang="en-US" sz="1800" dirty="0"/>
-              <a:t>，如下即可：</a:t>
-            </a:r>
-            <a:endParaRPr lang="en-US" altLang="zh-CN" sz="1800" dirty="0"/>
-          </a:p>
-          <a:p>
-            <a:pPr marL="0" indent="0">
-              <a:buNone/>
-            </a:pPr>
-            <a:endParaRPr lang="en-US" altLang="zh-CN" sz="1800" dirty="0"/>
-          </a:p>
-          <a:p>
-            <a:pPr marL="0" indent="0">
-              <a:buNone/>
-            </a:pPr>
+              <a:t>kotlin</a:t>
+            </a:r>
+            <a:r>
+              <a:rPr lang="zh-CN" altLang="en-US" sz="1800" dirty="0"/>
+              <a:t>推出了委托属性：</a:t>
+            </a:r>
             <a:endParaRPr lang="en-US" altLang="zh-CN" sz="1800" dirty="0"/>
           </a:p>
           <a:p>
@@ -6975,10 +6836,10 @@
       </p:sp>
       <p:pic>
         <p:nvPicPr>
-          <p:cNvPr id="8" name="图片 7">
-            <a:extLst>
-              <a:ext uri="{FF2B5EF4-FFF2-40B4-BE49-F238E27FC236}">
-                <a16:creationId xmlns:a16="http://schemas.microsoft.com/office/drawing/2014/main" id="{A5FBA16B-2306-4502-9250-BBB262EBA981}"/>
+          <p:cNvPr id="6" name="图片 5">
+            <a:extLst>
+              <a:ext uri="{FF2B5EF4-FFF2-40B4-BE49-F238E27FC236}">
+                <a16:creationId xmlns:a16="http://schemas.microsoft.com/office/drawing/2014/main" id="{90F9EED7-91AE-46BD-8CA9-F32760D2036D}"/>
               </a:ext>
             </a:extLst>
           </p:cNvPr>
@@ -6995,8 +6856,8 @@
         </p:blipFill>
         <p:spPr>
           <a:xfrm>
-            <a:off x="930476" y="2593902"/>
-            <a:ext cx="6810375" cy="2257425"/>
+            <a:off x="838198" y="3389342"/>
+            <a:ext cx="5294371" cy="3326617"/>
           </a:xfrm>
           <a:prstGeom prst="rect">
             <a:avLst/>
@@ -7005,10 +6866,10 @@
       </p:pic>
       <p:pic>
         <p:nvPicPr>
-          <p:cNvPr id="9" name="图片 8">
-            <a:extLst>
-              <a:ext uri="{FF2B5EF4-FFF2-40B4-BE49-F238E27FC236}">
-                <a16:creationId xmlns:a16="http://schemas.microsoft.com/office/drawing/2014/main" id="{D37E5D9A-74F1-4258-8CEC-AC9F2679FA28}"/>
+          <p:cNvPr id="7" name="图片 6">
+            <a:extLst>
+              <a:ext uri="{FF2B5EF4-FFF2-40B4-BE49-F238E27FC236}">
+                <a16:creationId xmlns:a16="http://schemas.microsoft.com/office/drawing/2014/main" id="{8F429D0D-36D2-458C-983A-752D418ABC2A}"/>
               </a:ext>
             </a:extLst>
           </p:cNvPr>
@@ -7025,8 +6886,8 @@
         </p:blipFill>
         <p:spPr>
           <a:xfrm>
-            <a:off x="930476" y="5784647"/>
-            <a:ext cx="6648450" cy="590550"/>
+            <a:off x="6248052" y="3324415"/>
+            <a:ext cx="5253256" cy="3456470"/>
           </a:xfrm>
           <a:prstGeom prst="rect">
             <a:avLst/>
@@ -7036,7 +6897,7 @@
     </p:spTree>
     <p:extLst>
       <p:ext uri="{BB962C8B-B14F-4D97-AF65-F5344CB8AC3E}">
-        <p14:creationId xmlns:p14="http://schemas.microsoft.com/office/powerpoint/2010/main" val="264410975"/>
+        <p14:creationId xmlns:p14="http://schemas.microsoft.com/office/powerpoint/2010/main" val="700572941"/>
       </p:ext>
     </p:extLst>
   </p:cSld>
@@ -7131,68 +6992,24 @@
               <a:buNone/>
             </a:pPr>
             <a:r>
+              <a:rPr lang="zh-CN" altLang="en-US" sz="1800" dirty="0"/>
+              <a:t>与大多数语言不同，</a:t>
+            </a:r>
+            <a:r>
               <a:rPr lang="en-US" altLang="zh-CN" sz="1800" dirty="0" err="1"/>
               <a:t>Kotlin</a:t>
             </a:r>
             <a:r>
-              <a:rPr lang="zh-CN" altLang="en-US" sz="1800" dirty="0"/>
-              <a:t>中的集合提供了很多的便捷扩展方法。</a:t>
-            </a:r>
-            <a:endParaRPr lang="en-US" altLang="zh-CN" sz="1800" dirty="0"/>
-          </a:p>
-          <a:p>
-            <a:pPr marL="0" indent="0">
-              <a:buNone/>
-            </a:pPr>
-            <a:endParaRPr lang="en-US" altLang="zh-CN" sz="1800" dirty="0"/>
-          </a:p>
-          <a:p>
-            <a:pPr marL="0" indent="0">
-              <a:buNone/>
-            </a:pPr>
-            <a:endParaRPr lang="en-US" altLang="zh-CN" sz="1800" dirty="0"/>
-          </a:p>
-          <a:p>
-            <a:pPr marL="0" indent="0">
-              <a:buNone/>
-            </a:pPr>
-            <a:endParaRPr lang="en-US" altLang="zh-CN" sz="1800" dirty="0"/>
-          </a:p>
-          <a:p>
-            <a:pPr marL="0" indent="0">
-              <a:buNone/>
-            </a:pPr>
-            <a:endParaRPr lang="en-US" altLang="zh-CN" sz="1800" dirty="0"/>
-          </a:p>
-          <a:p>
-            <a:pPr marL="0" indent="0">
-              <a:buNone/>
-            </a:pPr>
-            <a:endParaRPr lang="en-US" altLang="zh-CN" sz="1800" dirty="0"/>
-          </a:p>
-          <a:p>
-            <a:pPr marL="0" indent="0">
-              <a:buNone/>
-            </a:pPr>
-            <a:endParaRPr lang="en-US" altLang="zh-CN" sz="1800" dirty="0"/>
-          </a:p>
-          <a:p>
-            <a:pPr marL="0" indent="0">
-              <a:buNone/>
-            </a:pPr>
-            <a:endParaRPr lang="en-US" altLang="zh-CN" sz="1800" dirty="0"/>
-          </a:p>
-          <a:p>
-            <a:pPr marL="0" indent="0">
-              <a:buNone/>
-            </a:pPr>
-            <a:r>
-              <a:rPr lang="zh-CN" altLang="en-US" sz="1800" dirty="0"/>
-              <a:t>同样还有其他很多的实用方法，如</a:t>
-            </a:r>
-            <a:r>
               <a:rPr lang="en-US" altLang="zh-CN" sz="1800" dirty="0"/>
-              <a:t>sort</a:t>
+              <a:t> </a:t>
+            </a:r>
+            <a:r>
+              <a:rPr lang="zh-CN" altLang="en-US" sz="1800" dirty="0"/>
+              <a:t>区分可变集合和不可变集合（</a:t>
+            </a:r>
+            <a:r>
+              <a:rPr lang="en-US" altLang="zh-CN" sz="1800" dirty="0"/>
+              <a:t>lists</a:t>
             </a:r>
             <a:r>
               <a:rPr lang="zh-CN" altLang="en-US" sz="1800" dirty="0"/>
@@ -7200,7 +7017,7 @@
             </a:r>
             <a:r>
               <a:rPr lang="en-US" altLang="zh-CN" sz="1800" dirty="0"/>
-              <a:t>zip</a:t>
+              <a:t>sets</a:t>
             </a:r>
             <a:r>
               <a:rPr lang="zh-CN" altLang="en-US" sz="1800" dirty="0"/>
@@ -7208,7 +7025,45 @@
             </a:r>
             <a:r>
               <a:rPr lang="en-US" altLang="zh-CN" sz="1800" dirty="0"/>
-              <a:t>fold</a:t>
+              <a:t>maps </a:t>
+            </a:r>
+            <a:r>
+              <a:rPr lang="zh-CN" altLang="en-US" sz="1800" dirty="0"/>
+              <a:t>等），这样的设计有助于精确控制什么时候集合可编辑什么时候不可变。</a:t>
+            </a:r>
+            <a:endParaRPr lang="en-US" altLang="zh-CN" sz="1800" dirty="0"/>
+          </a:p>
+          <a:p>
+            <a:pPr marL="0" indent="0">
+              <a:buNone/>
+            </a:pPr>
+            <a:r>
+              <a:rPr lang="en-US" altLang="zh-CN" sz="1800" dirty="0"/>
+              <a:t>-- </a:t>
+            </a:r>
+            <a:r>
+              <a:rPr lang="en-US" altLang="zh-CN" sz="1800" dirty="0" err="1"/>
+              <a:t>Kotlin</a:t>
+            </a:r>
+            <a:r>
+              <a:rPr lang="en-US" altLang="zh-CN" sz="1800" dirty="0"/>
+              <a:t> </a:t>
+            </a:r>
+            <a:r>
+              <a:rPr lang="zh-CN" altLang="en-US" sz="1800" dirty="0"/>
+              <a:t>的 </a:t>
+            </a:r>
+            <a:r>
+              <a:rPr lang="en-US" altLang="zh-CN" sz="1800" dirty="0"/>
+              <a:t>List&lt;out T&gt; </a:t>
+            </a:r>
+            <a:r>
+              <a:rPr lang="zh-CN" altLang="en-US" sz="1800" dirty="0"/>
+              <a:t>类型是一个提供只读操作如 </a:t>
+            </a:r>
+            <a:r>
+              <a:rPr lang="en-US" altLang="zh-CN" sz="1800" dirty="0"/>
+              <a:t>size</a:t>
             </a:r>
             <a:r>
               <a:rPr lang="zh-CN" altLang="en-US" sz="1800" dirty="0"/>
@@ -7216,16 +7071,176 @@
             </a:r>
             <a:r>
               <a:rPr lang="en-US" altLang="zh-CN" sz="1800" dirty="0"/>
-              <a:t>reduce </a:t>
-            </a:r>
-            <a:r>
-              <a:rPr lang="zh-CN" altLang="en-US" sz="1800" dirty="0"/>
-              <a:t>等等</a:t>
-            </a:r>
-            <a:r>
-              <a:rPr lang="zh-CN" altLang="en-US" sz="1800" dirty="0" smtClean="0"/>
-              <a:t>。（参看函数操作符一章）</a:t>
-            </a:r>
+              <a:t>get</a:t>
+            </a:r>
+            <a:r>
+              <a:rPr lang="zh-CN" altLang="en-US" sz="1800" dirty="0"/>
+              <a:t>等的接口。</a:t>
+            </a:r>
+            <a:endParaRPr lang="en-US" altLang="zh-CN" sz="1800" dirty="0"/>
+          </a:p>
+          <a:p>
+            <a:pPr marL="0" indent="0">
+              <a:buNone/>
+            </a:pPr>
+            <a:r>
+              <a:rPr lang="en-US" altLang="zh-CN" sz="1800" dirty="0"/>
+              <a:t>-- </a:t>
+            </a:r>
+            <a:r>
+              <a:rPr lang="zh-CN" altLang="en-US" sz="1800" dirty="0"/>
+              <a:t>如果要使集合可以变，则需要使用</a:t>
+            </a:r>
+            <a:r>
+              <a:rPr lang="en-US" altLang="zh-CN" sz="1800" dirty="0" err="1"/>
+              <a:t>MutableList</a:t>
+            </a:r>
+            <a:r>
+              <a:rPr lang="en-US" altLang="zh-CN" sz="1800" dirty="0"/>
+              <a:t>&lt;T&gt;</a:t>
+            </a:r>
+            <a:r>
+              <a:rPr lang="zh-CN" altLang="en-US" sz="1800" dirty="0"/>
+              <a:t>，</a:t>
+            </a:r>
+            <a:r>
+              <a:rPr lang="en-US" altLang="zh-CN" sz="1800" dirty="0" err="1"/>
+              <a:t>MutableSet</a:t>
+            </a:r>
+            <a:r>
+              <a:rPr lang="en-US" altLang="zh-CN" sz="1800" dirty="0"/>
+              <a:t>&lt;T&gt;</a:t>
+            </a:r>
+            <a:r>
+              <a:rPr lang="zh-CN" altLang="en-US" sz="1800" dirty="0"/>
+              <a:t>，</a:t>
+            </a:r>
+            <a:r>
+              <a:rPr lang="en-US" altLang="zh-CN" sz="1800" dirty="0" err="1"/>
+              <a:t>MutableMap</a:t>
+            </a:r>
+            <a:r>
+              <a:rPr lang="en-US" altLang="zh-CN" sz="1800" dirty="0"/>
+              <a:t>&lt;K, V&gt;</a:t>
+            </a:r>
+            <a:r>
+              <a:rPr lang="zh-CN" altLang="en-US" sz="1800" dirty="0"/>
+              <a:t>。</a:t>
+            </a:r>
+            <a:endParaRPr lang="en-US" altLang="zh-CN" sz="1800" dirty="0"/>
+          </a:p>
+          <a:p>
+            <a:pPr marL="0" indent="0">
+              <a:buNone/>
+            </a:pPr>
+            <a:r>
+              <a:rPr lang="zh-CN" altLang="en-US" sz="1800" dirty="0"/>
+              <a:t>基本用法：</a:t>
+            </a:r>
+            <a:endParaRPr lang="en-US" altLang="zh-CN" sz="1800" dirty="0"/>
+          </a:p>
+          <a:p>
+            <a:pPr marL="0" indent="0">
+              <a:buNone/>
+            </a:pPr>
+            <a:endParaRPr lang="en-US" altLang="zh-CN" sz="1800" dirty="0"/>
+          </a:p>
+          <a:p>
+            <a:pPr marL="0" indent="0">
+              <a:buNone/>
+            </a:pPr>
+            <a:endParaRPr lang="en-US" altLang="zh-CN" sz="1800" dirty="0"/>
+          </a:p>
+          <a:p>
+            <a:pPr marL="0" indent="0">
+              <a:buNone/>
+            </a:pPr>
+            <a:endParaRPr lang="en-US" altLang="zh-CN" sz="1800" dirty="0"/>
+          </a:p>
+          <a:p>
+            <a:pPr marL="0" indent="0">
+              <a:buNone/>
+            </a:pPr>
+            <a:endParaRPr lang="en-US" altLang="zh-CN" sz="1800" dirty="0"/>
+          </a:p>
+          <a:p>
+            <a:pPr marL="0" indent="0">
+              <a:buNone/>
+            </a:pPr>
+            <a:endParaRPr lang="en-US" altLang="zh-CN" sz="1800" dirty="0"/>
+          </a:p>
+          <a:p>
+            <a:pPr marL="0" indent="0">
+              <a:buNone/>
+            </a:pPr>
+            <a:endParaRPr lang="en-US" altLang="zh-CN" sz="1800" dirty="0"/>
+          </a:p>
+          <a:p>
+            <a:pPr marL="0" indent="0">
+              <a:buNone/>
+            </a:pPr>
+            <a:r>
+              <a:rPr lang="en-US" altLang="zh-CN" sz="1800" dirty="0"/>
+              <a:t>--</a:t>
+            </a:r>
+            <a:r>
+              <a:rPr lang="zh-CN" altLang="en-US" sz="1800" dirty="0"/>
+              <a:t>注意上面的</a:t>
+            </a:r>
+            <a:r>
+              <a:rPr lang="en-US" altLang="zh-CN" sz="1800" dirty="0" err="1"/>
+              <a:t>readOnlyView</a:t>
+            </a:r>
+            <a:r>
+              <a:rPr lang="zh-CN" altLang="en-US" sz="1800" dirty="0"/>
+              <a:t>是一个不可变的对象指向一个可变的</a:t>
+            </a:r>
+            <a:r>
+              <a:rPr lang="en-US" altLang="zh-CN" sz="1800" dirty="0"/>
+              <a:t>list</a:t>
+            </a:r>
+            <a:r>
+              <a:rPr lang="zh-CN" altLang="en-US" sz="1800" dirty="0"/>
+              <a:t>，此时它是</a:t>
+            </a:r>
+            <a:r>
+              <a:rPr lang="en-US" altLang="zh-CN" sz="1800" dirty="0"/>
+              <a:t>numbers</a:t>
+            </a:r>
+            <a:r>
+              <a:rPr lang="zh-CN" altLang="en-US" sz="1800" dirty="0"/>
+              <a:t>的一个只读视图。其内容会随着底层数组的变化而变化。（即它自己不能改变底层</a:t>
+            </a:r>
+            <a:r>
+              <a:rPr lang="en-US" altLang="zh-CN" sz="1800" dirty="0"/>
+              <a:t>list</a:t>
+            </a:r>
+            <a:r>
+              <a:rPr lang="zh-CN" altLang="en-US" sz="1800" dirty="0"/>
+              <a:t>，但是也不能阻止底层</a:t>
+            </a:r>
+            <a:r>
+              <a:rPr lang="en-US" altLang="zh-CN" sz="1800" dirty="0"/>
+              <a:t>list</a:t>
+            </a:r>
+            <a:r>
+              <a:rPr lang="zh-CN" altLang="en-US" sz="1800" dirty="0"/>
+              <a:t>自己的变化），如果要实现一个完全不可变的</a:t>
+            </a:r>
+            <a:r>
+              <a:rPr lang="en-US" altLang="zh-CN" sz="1800" dirty="0"/>
+              <a:t>list</a:t>
+            </a:r>
+            <a:r>
+              <a:rPr lang="zh-CN" altLang="en-US" sz="1800" dirty="0"/>
+              <a:t>，如下即可：</a:t>
+            </a:r>
+            <a:endParaRPr lang="en-US" altLang="zh-CN" sz="1800" dirty="0"/>
+          </a:p>
+          <a:p>
+            <a:pPr marL="0" indent="0">
+              <a:buNone/>
+            </a:pPr>
             <a:endParaRPr lang="en-US" altLang="zh-CN" sz="1800" dirty="0"/>
           </a:p>
           <a:p>
@@ -7244,10 +7259,10 @@
       </p:sp>
       <p:pic>
         <p:nvPicPr>
-          <p:cNvPr id="4" name="图片 3">
-            <a:extLst>
-              <a:ext uri="{FF2B5EF4-FFF2-40B4-BE49-F238E27FC236}">
-                <a16:creationId xmlns:a16="http://schemas.microsoft.com/office/drawing/2014/main" id="{330EBAE0-4E6E-4520-849C-CCBB83D6C80A}"/>
+          <p:cNvPr id="8" name="图片 7">
+            <a:extLst>
+              <a:ext uri="{FF2B5EF4-FFF2-40B4-BE49-F238E27FC236}">
+                <a16:creationId xmlns:a16="http://schemas.microsoft.com/office/drawing/2014/main" id="{A5FBA16B-2306-4502-9250-BBB262EBA981}"/>
               </a:ext>
             </a:extLst>
           </p:cNvPr>
@@ -7264,51 +7279,48 @@
         </p:blipFill>
         <p:spPr>
           <a:xfrm>
-            <a:off x="946295" y="1282030"/>
-            <a:ext cx="7296150" cy="2381250"/>
+            <a:off x="930476" y="2593902"/>
+            <a:ext cx="6810375" cy="2257425"/>
           </a:xfrm>
           <a:prstGeom prst="rect">
             <a:avLst/>
           </a:prstGeom>
         </p:spPr>
       </p:pic>
-      <p:sp>
-        <p:nvSpPr>
-          <p:cNvPr id="5" name="矩形 4"/>
-          <p:cNvSpPr/>
+      <p:pic>
+        <p:nvPicPr>
+          <p:cNvPr id="9" name="图片 8">
+            <a:extLst>
+              <a:ext uri="{FF2B5EF4-FFF2-40B4-BE49-F238E27FC236}">
+                <a16:creationId xmlns:a16="http://schemas.microsoft.com/office/drawing/2014/main" id="{D37E5D9A-74F1-4258-8CEC-AC9F2679FA28}"/>
+              </a:ext>
+            </a:extLst>
+          </p:cNvPr>
+          <p:cNvPicPr>
+            <a:picLocks noChangeAspect="1"/>
+          </p:cNvPicPr>
           <p:nvPr/>
-        </p:nvSpPr>
-        <p:spPr>
-          <a:xfrm>
-            <a:off x="5304758" y="3244334"/>
-            <a:ext cx="1582484" cy="369332"/>
+        </p:nvPicPr>
+        <p:blipFill>
+          <a:blip r:embed="rId3"/>
+          <a:stretch>
+            <a:fillRect/>
+          </a:stretch>
+        </p:blipFill>
+        <p:spPr>
+          <a:xfrm>
+            <a:off x="930476" y="5784647"/>
+            <a:ext cx="6648450" cy="590550"/>
           </a:xfrm>
           <a:prstGeom prst="rect">
             <a:avLst/>
           </a:prstGeom>
         </p:spPr>
-        <p:txBody>
-          <a:bodyPr wrap="none">
-            <a:spAutoFit/>
-          </a:bodyPr>
-          <a:lstStyle/>
-          <a:p>
-            <a:r>
-              <a:rPr lang="en-US" altLang="zh-CN" dirty="0"/>
-              <a:t>14</a:t>
-            </a:r>
-            <a:r>
-              <a:rPr lang="zh-CN" altLang="en-US" dirty="0"/>
-              <a:t>、学习资料</a:t>
-            </a:r>
-            <a:endParaRPr lang="en-US" altLang="zh-CN" dirty="0"/>
-          </a:p>
-        </p:txBody>
-      </p:sp>
+      </p:pic>
     </p:spTree>
     <p:extLst>
       <p:ext uri="{BB962C8B-B14F-4D97-AF65-F5344CB8AC3E}">
-        <p14:creationId xmlns:p14="http://schemas.microsoft.com/office/powerpoint/2010/main" val="2546752463"/>
+        <p14:creationId xmlns:p14="http://schemas.microsoft.com/office/powerpoint/2010/main" val="264410975"/>
       </p:ext>
     </p:extLst>
   </p:cSld>
@@ -7364,12 +7376,8 @@
           <a:lstStyle/>
           <a:p>
             <a:r>
-              <a:rPr lang="zh-CN" altLang="en-US" sz="3600" dirty="0" smtClean="0"/>
-              <a:t>控制流与</a:t>
-            </a:r>
-            <a:r>
-              <a:rPr lang="en-US" altLang="zh-CN" sz="3600" dirty="0" smtClean="0"/>
-              <a:t>ranges</a:t>
+              <a:rPr lang="zh-CN" altLang="en-US" sz="3600" dirty="0"/>
+              <a:t>集合和集合操作符</a:t>
             </a:r>
             <a:endParaRPr lang="en-US" altLang="zh-CN" sz="3600" dirty="0"/>
           </a:p>
@@ -7407,171 +7415,98 @@
               <a:buNone/>
             </a:pPr>
             <a:r>
-              <a:rPr lang="en-US" altLang="zh-CN" sz="1800" dirty="0" smtClean="0"/>
-              <a:t>1</a:t>
-            </a:r>
-            <a:r>
-              <a:rPr lang="zh-CN" altLang="en-US" sz="1800" dirty="0" smtClean="0"/>
+              <a:rPr lang="en-US" altLang="zh-CN" sz="1800" dirty="0" err="1"/>
+              <a:t>Kotlin</a:t>
+            </a:r>
+            <a:r>
+              <a:rPr lang="zh-CN" altLang="en-US" sz="1800" dirty="0"/>
+              <a:t>中的集合提供了很多的便捷扩展方法。</a:t>
+            </a:r>
+            <a:endParaRPr lang="en-US" altLang="zh-CN" sz="1800" dirty="0"/>
+          </a:p>
+          <a:p>
+            <a:pPr marL="0" indent="0">
+              <a:buNone/>
+            </a:pPr>
+            <a:endParaRPr lang="en-US" altLang="zh-CN" sz="1800" dirty="0"/>
+          </a:p>
+          <a:p>
+            <a:pPr marL="0" indent="0">
+              <a:buNone/>
+            </a:pPr>
+            <a:endParaRPr lang="en-US" altLang="zh-CN" sz="1800" dirty="0"/>
+          </a:p>
+          <a:p>
+            <a:pPr marL="0" indent="0">
+              <a:buNone/>
+            </a:pPr>
+            <a:endParaRPr lang="en-US" altLang="zh-CN" sz="1800" dirty="0"/>
+          </a:p>
+          <a:p>
+            <a:pPr marL="0" indent="0">
+              <a:buNone/>
+            </a:pPr>
+            <a:endParaRPr lang="en-US" altLang="zh-CN" sz="1800" dirty="0"/>
+          </a:p>
+          <a:p>
+            <a:pPr marL="0" indent="0">
+              <a:buNone/>
+            </a:pPr>
+            <a:endParaRPr lang="en-US" altLang="zh-CN" sz="1800" dirty="0"/>
+          </a:p>
+          <a:p>
+            <a:pPr marL="0" indent="0">
+              <a:buNone/>
+            </a:pPr>
+            <a:endParaRPr lang="en-US" altLang="zh-CN" sz="1800" dirty="0"/>
+          </a:p>
+          <a:p>
+            <a:pPr marL="0" indent="0">
+              <a:buNone/>
+            </a:pPr>
+            <a:endParaRPr lang="en-US" altLang="zh-CN" sz="1800" dirty="0"/>
+          </a:p>
+          <a:p>
+            <a:pPr marL="0" indent="0">
+              <a:buNone/>
+            </a:pPr>
+            <a:r>
+              <a:rPr lang="zh-CN" altLang="en-US" sz="1800" dirty="0"/>
+              <a:t>同样还有其他很多的实用方法，如</a:t>
+            </a:r>
+            <a:r>
+              <a:rPr lang="en-US" altLang="zh-CN" sz="1800" dirty="0"/>
+              <a:t>sort</a:t>
+            </a:r>
+            <a:r>
+              <a:rPr lang="zh-CN" altLang="en-US" sz="1800" dirty="0"/>
               <a:t>、</a:t>
             </a:r>
             <a:r>
-              <a:rPr lang="en-US" altLang="zh-CN" sz="1800" dirty="0" smtClean="0"/>
-              <a:t>if…else </a:t>
-            </a:r>
-          </a:p>
-          <a:p>
-            <a:pPr marL="0" indent="0">
-              <a:buNone/>
-            </a:pPr>
-            <a:r>
-              <a:rPr lang="zh-CN" altLang="en-US" sz="1800" dirty="0"/>
-              <a:t>在</a:t>
-            </a:r>
-            <a:r>
-              <a:rPr lang="en-US" altLang="zh-CN" sz="1800" dirty="0" err="1"/>
-              <a:t>kotlin</a:t>
-            </a:r>
-            <a:r>
-              <a:rPr lang="zh-CN" altLang="en-US" sz="1800" dirty="0" smtClean="0"/>
-              <a:t>中</a:t>
-            </a:r>
-            <a:r>
-              <a:rPr lang="en-US" altLang="zh-CN" sz="1800" dirty="0" smtClean="0"/>
-              <a:t>if </a:t>
-            </a:r>
-            <a:r>
-              <a:rPr lang="zh-CN" altLang="en-US" sz="1800" dirty="0" smtClean="0"/>
-              <a:t>可以是一个表达式，所以它可以位于“</a:t>
-            </a:r>
-            <a:r>
-              <a:rPr lang="en-US" altLang="zh-CN" sz="1800" dirty="0" smtClean="0"/>
-              <a:t>=</a:t>
-            </a:r>
-            <a:r>
-              <a:rPr lang="zh-CN" altLang="en-US" sz="1800" dirty="0" smtClean="0"/>
-              <a:t>”号右边</a:t>
-            </a:r>
-            <a:endParaRPr lang="en-US" altLang="zh-CN" sz="1800" dirty="0"/>
-          </a:p>
-          <a:p>
-            <a:pPr marL="0" indent="0">
-              <a:buNone/>
-            </a:pPr>
-            <a:endParaRPr lang="en-US" altLang="zh-CN" sz="1800" dirty="0" smtClean="0"/>
-          </a:p>
-          <a:p>
-            <a:pPr marL="0" indent="0">
-              <a:buNone/>
-            </a:pPr>
-            <a:endParaRPr lang="en-US" altLang="zh-CN" sz="1800" dirty="0" smtClean="0"/>
-          </a:p>
-          <a:p>
-            <a:pPr marL="0" indent="0">
-              <a:buNone/>
-            </a:pPr>
-            <a:r>
-              <a:rPr lang="en-US" altLang="zh-CN" sz="1800" dirty="0" smtClean="0"/>
-              <a:t>2</a:t>
-            </a:r>
-            <a:r>
-              <a:rPr lang="zh-CN" altLang="en-US" sz="1800" dirty="0" smtClean="0"/>
+              <a:rPr lang="en-US" altLang="zh-CN" sz="1800" dirty="0"/>
+              <a:t>zip</a:t>
+            </a:r>
+            <a:r>
+              <a:rPr lang="zh-CN" altLang="en-US" sz="1800" dirty="0"/>
               <a:t>、</a:t>
             </a:r>
             <a:r>
-              <a:rPr lang="en-US" altLang="zh-CN" sz="1800" dirty="0" smtClean="0"/>
-              <a:t>when</a:t>
-            </a:r>
-          </a:p>
-          <a:p>
-            <a:pPr marL="0" indent="0">
-              <a:buNone/>
-            </a:pPr>
-            <a:r>
-              <a:rPr lang="en-US" altLang="zh-CN" sz="1800" dirty="0" smtClean="0"/>
-              <a:t>When</a:t>
-            </a:r>
-            <a:r>
-              <a:rPr lang="zh-CN" altLang="en-US" sz="1800" dirty="0" smtClean="0"/>
-              <a:t>类似于</a:t>
-            </a:r>
-            <a:r>
-              <a:rPr lang="en-US" altLang="zh-CN" sz="1800" dirty="0" smtClean="0"/>
-              <a:t>java</a:t>
-            </a:r>
-            <a:r>
-              <a:rPr lang="zh-CN" altLang="en-US" sz="1800" dirty="0" smtClean="0"/>
-              <a:t>中的</a:t>
-            </a:r>
-            <a:r>
-              <a:rPr lang="en-US" altLang="zh-CN" sz="1800" dirty="0" smtClean="0"/>
-              <a:t>switch</a:t>
-            </a:r>
-            <a:r>
-              <a:rPr lang="zh-CN" altLang="en-US" sz="1800" dirty="0" smtClean="0"/>
-              <a:t>，但是其功能要强大的多。</a:t>
-            </a:r>
-            <a:r>
-              <a:rPr lang="en-US" altLang="zh-CN" sz="1800" dirty="0" smtClean="0"/>
-              <a:t>When</a:t>
-            </a:r>
-            <a:r>
-              <a:rPr lang="zh-CN" altLang="en-US" sz="1800" dirty="0" smtClean="0"/>
-              <a:t>同样也可以当做一个表达式处理。</a:t>
-            </a:r>
-            <a:endParaRPr lang="en-US" altLang="zh-CN" sz="1800" dirty="0" smtClean="0"/>
-          </a:p>
-          <a:p>
-            <a:pPr marL="0" indent="0">
-              <a:buNone/>
-            </a:pPr>
-            <a:endParaRPr lang="en-US" altLang="zh-CN" sz="1800" dirty="0"/>
-          </a:p>
-          <a:p>
-            <a:pPr marL="0" indent="0">
-              <a:buNone/>
-            </a:pPr>
-            <a:endParaRPr lang="en-US" altLang="zh-CN" sz="1800" dirty="0" smtClean="0"/>
-          </a:p>
-          <a:p>
-            <a:pPr marL="0" indent="0">
-              <a:buNone/>
-            </a:pPr>
-            <a:endParaRPr lang="en-US" altLang="zh-CN" sz="1800" dirty="0"/>
-          </a:p>
-          <a:p>
-            <a:pPr marL="0" indent="0">
-              <a:buNone/>
-            </a:pPr>
-            <a:endParaRPr lang="en-US" altLang="zh-CN" sz="1800" dirty="0" smtClean="0"/>
-          </a:p>
-          <a:p>
-            <a:pPr marL="0" indent="0">
-              <a:buNone/>
-            </a:pPr>
-            <a:endParaRPr lang="en-US" altLang="zh-CN" sz="1800" dirty="0"/>
-          </a:p>
-          <a:p>
-            <a:pPr marL="0" indent="0">
-              <a:buNone/>
-            </a:pPr>
-            <a:r>
-              <a:rPr lang="en-US" altLang="zh-CN" sz="1800" dirty="0" smtClean="0"/>
-              <a:t>3</a:t>
-            </a:r>
-            <a:r>
-              <a:rPr lang="zh-CN" altLang="en-US" sz="1800" dirty="0" smtClean="0"/>
+              <a:rPr lang="en-US" altLang="zh-CN" sz="1800" dirty="0"/>
+              <a:t>fold</a:t>
+            </a:r>
+            <a:r>
+              <a:rPr lang="zh-CN" altLang="en-US" sz="1800" dirty="0"/>
               <a:t>、</a:t>
             </a:r>
             <a:r>
-              <a:rPr lang="en-US" altLang="zh-CN" sz="1800" dirty="0" smtClean="0"/>
-              <a:t>while</a:t>
-            </a:r>
-          </a:p>
-          <a:p>
-            <a:pPr marL="0" indent="0">
-              <a:buNone/>
-            </a:pPr>
-            <a:endParaRPr lang="en-US" altLang="zh-CN" sz="1800" dirty="0" smtClean="0"/>
+              <a:rPr lang="en-US" altLang="zh-CN" sz="1800" dirty="0"/>
+              <a:t>reduce </a:t>
+            </a:r>
+            <a:r>
+              <a:rPr lang="zh-CN" altLang="en-US" sz="1800" dirty="0"/>
+              <a:t>等等。（参看函数操作符一章）</a:t>
+            </a:r>
+            <a:endParaRPr lang="en-US" altLang="zh-CN" sz="1800" dirty="0"/>
           </a:p>
           <a:p>
             <a:pPr marL="0" indent="0">
@@ -7589,7 +7524,13 @@
       </p:sp>
       <p:pic>
         <p:nvPicPr>
-          <p:cNvPr id="7" name="图片 6"/>
+          <p:cNvPr id="4" name="图片 3">
+            <a:extLst>
+              <a:ext uri="{FF2B5EF4-FFF2-40B4-BE49-F238E27FC236}">
+                <a16:creationId xmlns:a16="http://schemas.microsoft.com/office/drawing/2014/main" id="{330EBAE0-4E6E-4520-849C-CCBB83D6C80A}"/>
+              </a:ext>
+            </a:extLst>
+          </p:cNvPr>
           <p:cNvPicPr>
             <a:picLocks noChangeAspect="1"/>
           </p:cNvPicPr>
@@ -7603,79 +7544,57 @@
         </p:blipFill>
         <p:spPr>
           <a:xfrm>
-            <a:off x="976881" y="1622865"/>
-            <a:ext cx="3571429" cy="523810"/>
+            <a:off x="946295" y="1282030"/>
+            <a:ext cx="7296150" cy="2381250"/>
           </a:xfrm>
           <a:prstGeom prst="rect">
             <a:avLst/>
           </a:prstGeom>
         </p:spPr>
       </p:pic>
-      <p:pic>
-        <p:nvPicPr>
-          <p:cNvPr id="9" name="图片 8"/>
-          <p:cNvPicPr>
-            <a:picLocks noChangeAspect="1"/>
-          </p:cNvPicPr>
+      <p:sp>
+        <p:nvSpPr>
+          <p:cNvPr id="5" name="矩形 4"/>
+          <p:cNvSpPr/>
           <p:nvPr/>
-        </p:nvPicPr>
-        <p:blipFill>
-          <a:blip r:embed="rId3"/>
-          <a:stretch>
-            <a:fillRect/>
-          </a:stretch>
-        </p:blipFill>
-        <p:spPr>
-          <a:xfrm>
-            <a:off x="976881" y="3094265"/>
-            <a:ext cx="4190476" cy="1800000"/>
+        </p:nvSpPr>
+        <p:spPr>
+          <a:xfrm>
+            <a:off x="5304758" y="3244334"/>
+            <a:ext cx="1582484" cy="369332"/>
           </a:xfrm>
           <a:prstGeom prst="rect">
             <a:avLst/>
           </a:prstGeom>
         </p:spPr>
-      </p:pic>
-      <p:pic>
-        <p:nvPicPr>
-          <p:cNvPr id="10" name="图片 9"/>
-          <p:cNvPicPr>
-            <a:picLocks noChangeAspect="1"/>
-          </p:cNvPicPr>
-          <p:nvPr/>
-        </p:nvPicPr>
-        <p:blipFill>
-          <a:blip r:embed="rId4"/>
-          <a:stretch>
-            <a:fillRect/>
-          </a:stretch>
-        </p:blipFill>
-        <p:spPr>
-          <a:xfrm>
-            <a:off x="976881" y="5277864"/>
-            <a:ext cx="3561905" cy="1438095"/>
-          </a:xfrm>
-          <a:prstGeom prst="rect">
-            <a:avLst/>
-          </a:prstGeom>
-        </p:spPr>
-      </p:pic>
+        <p:txBody>
+          <a:bodyPr wrap="none">
+            <a:spAutoFit/>
+          </a:bodyPr>
+          <a:lstStyle/>
+          <a:p>
+            <a:r>
+              <a:rPr lang="en-US" altLang="zh-CN" dirty="0"/>
+              <a:t>14</a:t>
+            </a:r>
+            <a:r>
+              <a:rPr lang="zh-CN" altLang="en-US" dirty="0"/>
+              <a:t>、学习资料</a:t>
+            </a:r>
+            <a:endParaRPr lang="en-US" altLang="zh-CN" dirty="0"/>
+          </a:p>
+        </p:txBody>
+      </p:sp>
     </p:spTree>
     <p:extLst>
       <p:ext uri="{BB962C8B-B14F-4D97-AF65-F5344CB8AC3E}">
-        <p14:creationId xmlns:p14="http://schemas.microsoft.com/office/powerpoint/2010/main" val="3632787991"/>
+        <p14:creationId xmlns:p14="http://schemas.microsoft.com/office/powerpoint/2010/main" val="2546752463"/>
       </p:ext>
     </p:extLst>
   </p:cSld>
   <p:clrMapOvr>
     <a:masterClrMapping/>
   </p:clrMapOvr>
-  <p:timing>
-    <p:tnLst>
-      <p:par>
-        <p:cTn id="1" dur="indefinite" restart="never" nodeType="tmRoot"/>
-      </p:par>
-    </p:tnLst>
-  </p:timing>
 </p:sld>
 </file>
 
@@ -7725,14 +7644,13 @@
           <a:lstStyle/>
           <a:p>
             <a:r>
-              <a:rPr lang="zh-CN" altLang="en-US" sz="3600" dirty="0" smtClean="0"/>
+              <a:rPr lang="zh-CN" altLang="en-US" sz="3600" dirty="0"/>
               <a:t>控制流与</a:t>
             </a:r>
             <a:r>
-              <a:rPr lang="en-US" altLang="zh-CN" sz="3600" dirty="0" smtClean="0"/>
+              <a:rPr lang="en-US" altLang="zh-CN" sz="3600" dirty="0"/>
               <a:t>ranges</a:t>
             </a:r>
-            <a:endParaRPr lang="en-US" altLang="zh-CN" sz="3600" dirty="0"/>
           </a:p>
         </p:txBody>
       </p:sp>
@@ -7768,15 +7686,15 @@
               <a:buNone/>
             </a:pPr>
             <a:r>
-              <a:rPr lang="en-US" altLang="zh-CN" sz="1800" dirty="0" smtClean="0"/>
+              <a:rPr lang="en-US" altLang="zh-CN" sz="1800" dirty="0"/>
               <a:t>1</a:t>
             </a:r>
             <a:r>
-              <a:rPr lang="zh-CN" altLang="en-US" sz="1800" dirty="0" smtClean="0"/>
+              <a:rPr lang="zh-CN" altLang="en-US" sz="1800" dirty="0"/>
               <a:t>、</a:t>
             </a:r>
             <a:r>
-              <a:rPr lang="en-US" altLang="zh-CN" sz="1800" dirty="0" smtClean="0"/>
+              <a:rPr lang="en-US" altLang="zh-CN" sz="1800" dirty="0"/>
               <a:t>if…else </a:t>
             </a:r>
           </a:p>
@@ -7793,23 +7711,23 @@
               <a:t>kotlin</a:t>
             </a:r>
             <a:r>
-              <a:rPr lang="zh-CN" altLang="en-US" sz="1800" dirty="0" smtClean="0"/>
+              <a:rPr lang="zh-CN" altLang="en-US" sz="1800" dirty="0"/>
               <a:t>中</a:t>
             </a:r>
             <a:r>
-              <a:rPr lang="en-US" altLang="zh-CN" sz="1800" dirty="0" smtClean="0"/>
+              <a:rPr lang="en-US" altLang="zh-CN" sz="1800" dirty="0"/>
               <a:t>if </a:t>
             </a:r>
             <a:r>
-              <a:rPr lang="zh-CN" altLang="en-US" sz="1800" dirty="0" smtClean="0"/>
+              <a:rPr lang="zh-CN" altLang="en-US" sz="1800" dirty="0"/>
               <a:t>可以是一个表达式，所以它可以位于“</a:t>
             </a:r>
             <a:r>
-              <a:rPr lang="en-US" altLang="zh-CN" sz="1800" dirty="0" smtClean="0"/>
+              <a:rPr lang="en-US" altLang="zh-CN" sz="1800" dirty="0"/>
               <a:t>=</a:t>
             </a:r>
             <a:r>
-              <a:rPr lang="zh-CN" altLang="en-US" sz="1800" dirty="0" smtClean="0"/>
+              <a:rPr lang="zh-CN" altLang="en-US" sz="1800" dirty="0"/>
               <a:t>”号右边</a:t>
             </a:r>
             <a:endParaRPr lang="en-US" altLang="zh-CN" sz="1800" dirty="0"/>
@@ -7818,28 +7736,28 @@
             <a:pPr marL="0" indent="0">
               <a:buNone/>
             </a:pPr>
-            <a:endParaRPr lang="en-US" altLang="zh-CN" sz="1800" dirty="0" smtClean="0"/>
-          </a:p>
-          <a:p>
-            <a:pPr marL="0" indent="0">
-              <a:buNone/>
-            </a:pPr>
-            <a:endParaRPr lang="en-US" altLang="zh-CN" sz="1800" dirty="0" smtClean="0"/>
-          </a:p>
-          <a:p>
-            <a:pPr marL="0" indent="0">
-              <a:buNone/>
-            </a:pPr>
-            <a:r>
-              <a:rPr lang="en-US" altLang="zh-CN" sz="1800" dirty="0" smtClean="0"/>
+            <a:endParaRPr lang="en-US" altLang="zh-CN" sz="1800" dirty="0"/>
+          </a:p>
+          <a:p>
+            <a:pPr marL="0" indent="0">
+              <a:buNone/>
+            </a:pPr>
+            <a:endParaRPr lang="en-US" altLang="zh-CN" sz="1800" dirty="0"/>
+          </a:p>
+          <a:p>
+            <a:pPr marL="0" indent="0">
+              <a:buNone/>
+            </a:pPr>
+            <a:r>
+              <a:rPr lang="en-US" altLang="zh-CN" sz="1800" dirty="0"/>
               <a:t>2</a:t>
             </a:r>
             <a:r>
-              <a:rPr lang="zh-CN" altLang="en-US" sz="1800" dirty="0" smtClean="0"/>
+              <a:rPr lang="zh-CN" altLang="en-US" sz="1800" dirty="0"/>
               <a:t>、</a:t>
             </a:r>
             <a:r>
-              <a:rPr lang="en-US" altLang="zh-CN" sz="1800" dirty="0" smtClean="0"/>
+              <a:rPr lang="en-US" altLang="zh-CN" sz="1800" dirty="0"/>
               <a:t>when</a:t>
             </a:r>
           </a:p>
@@ -7848,83 +7766,83 @@
               <a:buNone/>
             </a:pPr>
             <a:r>
-              <a:rPr lang="en-US" altLang="zh-CN" sz="1800" dirty="0" smtClean="0"/>
+              <a:rPr lang="en-US" altLang="zh-CN" sz="1800" dirty="0"/>
               <a:t>When</a:t>
             </a:r>
             <a:r>
-              <a:rPr lang="zh-CN" altLang="en-US" sz="1800" dirty="0" smtClean="0"/>
+              <a:rPr lang="zh-CN" altLang="en-US" sz="1800" dirty="0"/>
               <a:t>类似于</a:t>
             </a:r>
             <a:r>
-              <a:rPr lang="en-US" altLang="zh-CN" sz="1800" dirty="0" smtClean="0"/>
+              <a:rPr lang="en-US" altLang="zh-CN" sz="1800" dirty="0"/>
               <a:t>java</a:t>
             </a:r>
             <a:r>
-              <a:rPr lang="zh-CN" altLang="en-US" sz="1800" dirty="0" smtClean="0"/>
+              <a:rPr lang="zh-CN" altLang="en-US" sz="1800" dirty="0"/>
               <a:t>中的</a:t>
             </a:r>
             <a:r>
-              <a:rPr lang="en-US" altLang="zh-CN" sz="1800" dirty="0" smtClean="0"/>
+              <a:rPr lang="en-US" altLang="zh-CN" sz="1800" dirty="0"/>
               <a:t>switch</a:t>
             </a:r>
             <a:r>
-              <a:rPr lang="zh-CN" altLang="en-US" sz="1800" dirty="0" smtClean="0"/>
+              <a:rPr lang="zh-CN" altLang="en-US" sz="1800" dirty="0"/>
               <a:t>，但是其功能要强大的多。</a:t>
             </a:r>
             <a:r>
-              <a:rPr lang="en-US" altLang="zh-CN" sz="1800" dirty="0" smtClean="0"/>
+              <a:rPr lang="en-US" altLang="zh-CN" sz="1800" dirty="0"/>
               <a:t>When</a:t>
             </a:r>
             <a:r>
-              <a:rPr lang="zh-CN" altLang="en-US" sz="1800" dirty="0" smtClean="0"/>
+              <a:rPr lang="zh-CN" altLang="en-US" sz="1800" dirty="0"/>
               <a:t>同样也可以当做一个表达式处理。</a:t>
             </a:r>
-            <a:endParaRPr lang="en-US" altLang="zh-CN" sz="1800" dirty="0" smtClean="0"/>
-          </a:p>
-          <a:p>
-            <a:pPr marL="0" indent="0">
-              <a:buNone/>
-            </a:pPr>
-            <a:endParaRPr lang="en-US" altLang="zh-CN" sz="1800" dirty="0"/>
-          </a:p>
-          <a:p>
-            <a:pPr marL="0" indent="0">
-              <a:buNone/>
-            </a:pPr>
-            <a:endParaRPr lang="en-US" altLang="zh-CN" sz="1800" dirty="0" smtClean="0"/>
-          </a:p>
-          <a:p>
-            <a:pPr marL="0" indent="0">
-              <a:buNone/>
-            </a:pPr>
-            <a:endParaRPr lang="en-US" altLang="zh-CN" sz="1800" dirty="0"/>
-          </a:p>
-          <a:p>
-            <a:pPr marL="0" indent="0">
-              <a:buNone/>
-            </a:pPr>
-            <a:endParaRPr lang="en-US" altLang="zh-CN" sz="1800" dirty="0" smtClean="0"/>
-          </a:p>
-          <a:p>
-            <a:pPr marL="0" indent="0">
-              <a:buNone/>
-            </a:pPr>
-            <a:endParaRPr lang="en-US" altLang="zh-CN" sz="1800" dirty="0"/>
-          </a:p>
-          <a:p>
-            <a:pPr marL="0" indent="0">
-              <a:buNone/>
-            </a:pPr>
-            <a:r>
-              <a:rPr lang="en-US" altLang="zh-CN" sz="1800" dirty="0" smtClean="0"/>
+            <a:endParaRPr lang="en-US" altLang="zh-CN" sz="1800" dirty="0"/>
+          </a:p>
+          <a:p>
+            <a:pPr marL="0" indent="0">
+              <a:buNone/>
+            </a:pPr>
+            <a:endParaRPr lang="en-US" altLang="zh-CN" sz="1800" dirty="0"/>
+          </a:p>
+          <a:p>
+            <a:pPr marL="0" indent="0">
+              <a:buNone/>
+            </a:pPr>
+            <a:endParaRPr lang="en-US" altLang="zh-CN" sz="1800" dirty="0"/>
+          </a:p>
+          <a:p>
+            <a:pPr marL="0" indent="0">
+              <a:buNone/>
+            </a:pPr>
+            <a:endParaRPr lang="en-US" altLang="zh-CN" sz="1800" dirty="0"/>
+          </a:p>
+          <a:p>
+            <a:pPr marL="0" indent="0">
+              <a:buNone/>
+            </a:pPr>
+            <a:endParaRPr lang="en-US" altLang="zh-CN" sz="1800" dirty="0"/>
+          </a:p>
+          <a:p>
+            <a:pPr marL="0" indent="0">
+              <a:buNone/>
+            </a:pPr>
+            <a:endParaRPr lang="en-US" altLang="zh-CN" sz="1800" dirty="0"/>
+          </a:p>
+          <a:p>
+            <a:pPr marL="0" indent="0">
+              <a:buNone/>
+            </a:pPr>
+            <a:r>
+              <a:rPr lang="en-US" altLang="zh-CN" sz="1800" dirty="0"/>
               <a:t>3</a:t>
             </a:r>
             <a:r>
-              <a:rPr lang="zh-CN" altLang="en-US" sz="1800" dirty="0" smtClean="0"/>
+              <a:rPr lang="zh-CN" altLang="en-US" sz="1800" dirty="0"/>
               <a:t>、</a:t>
             </a:r>
             <a:r>
-              <a:rPr lang="en-US" altLang="zh-CN" sz="1800" dirty="0" smtClean="0"/>
+              <a:rPr lang="en-US" altLang="zh-CN" sz="1800" dirty="0"/>
               <a:t>while</a:t>
             </a:r>
           </a:p>
@@ -7932,7 +7850,7 @@
             <a:pPr marL="0" indent="0">
               <a:buNone/>
             </a:pPr>
-            <a:endParaRPr lang="en-US" altLang="zh-CN" sz="1800" dirty="0" smtClean="0"/>
+            <a:endParaRPr lang="en-US" altLang="zh-CN" sz="1800" dirty="0"/>
           </a:p>
           <a:p>
             <a:pPr marL="0" indent="0">
@@ -8023,20 +7941,13 @@
     </p:spTree>
     <p:extLst>
       <p:ext uri="{BB962C8B-B14F-4D97-AF65-F5344CB8AC3E}">
-        <p14:creationId xmlns:p14="http://schemas.microsoft.com/office/powerpoint/2010/main" val="2171808912"/>
+        <p14:creationId xmlns:p14="http://schemas.microsoft.com/office/powerpoint/2010/main" val="3632787991"/>
       </p:ext>
     </p:extLst>
   </p:cSld>
   <p:clrMapOvr>
     <a:masterClrMapping/>
   </p:clrMapOvr>
-  <p:timing>
-    <p:tnLst>
-      <p:par>
-        <p:cTn id="1" dur="indefinite" restart="never" nodeType="tmRoot"/>
-      </p:par>
-    </p:tnLst>
-  </p:timing>
 </p:sld>
 </file>
 
@@ -8086,14 +7997,13 @@
           <a:lstStyle/>
           <a:p>
             <a:r>
-              <a:rPr lang="zh-CN" altLang="en-US" sz="3600" dirty="0" smtClean="0"/>
+              <a:rPr lang="zh-CN" altLang="en-US" sz="3600" dirty="0"/>
               <a:t>控制流与</a:t>
             </a:r>
             <a:r>
-              <a:rPr lang="en-US" altLang="zh-CN" sz="3600" dirty="0" smtClean="0"/>
+              <a:rPr lang="en-US" altLang="zh-CN" sz="3600" dirty="0"/>
               <a:t>ranges</a:t>
             </a:r>
-            <a:endParaRPr lang="en-US" altLang="zh-CN" sz="3600" dirty="0"/>
           </a:p>
         </p:txBody>
       </p:sp>
@@ -8129,123 +8039,176 @@
               <a:buNone/>
             </a:pPr>
             <a:r>
-              <a:rPr lang="en-US" altLang="zh-CN" sz="1800" dirty="0" smtClean="0"/>
-              <a:t>4</a:t>
-            </a:r>
-            <a:r>
-              <a:rPr lang="zh-CN" altLang="en-US" sz="1800" dirty="0" smtClean="0"/>
+              <a:rPr lang="en-US" altLang="zh-CN" sz="1800" dirty="0"/>
+              <a:t>1</a:t>
+            </a:r>
+            <a:r>
+              <a:rPr lang="zh-CN" altLang="en-US" sz="1800" dirty="0"/>
               <a:t>、</a:t>
             </a:r>
             <a:r>
-              <a:rPr lang="en-US" altLang="zh-CN" sz="1800" dirty="0" smtClean="0"/>
-              <a:t>for</a:t>
-            </a:r>
-          </a:p>
-          <a:p>
-            <a:pPr marL="0" indent="0">
-              <a:buNone/>
-            </a:pPr>
-            <a:r>
               <a:rPr lang="en-US" altLang="zh-CN" sz="1800" dirty="0"/>
-              <a:t>for </a:t>
-            </a:r>
-            <a:r>
-              <a:rPr lang="zh-CN" altLang="en-US" sz="1800" dirty="0"/>
-              <a:t>循环可以对任何提供迭代器（</a:t>
+              <a:t>if…else </a:t>
+            </a:r>
+          </a:p>
+          <a:p>
+            <a:pPr marL="0" indent="0">
+              <a:buNone/>
+            </a:pPr>
+            <a:r>
+              <a:rPr lang="zh-CN" altLang="en-US" sz="1800" dirty="0"/>
+              <a:t>在</a:t>
+            </a:r>
+            <a:r>
+              <a:rPr lang="en-US" altLang="zh-CN" sz="1800" dirty="0" err="1"/>
+              <a:t>kotlin</a:t>
+            </a:r>
+            <a:r>
+              <a:rPr lang="zh-CN" altLang="en-US" sz="1800" dirty="0"/>
+              <a:t>中</a:t>
             </a:r>
             <a:r>
               <a:rPr lang="en-US" altLang="zh-CN" sz="1800" dirty="0"/>
-              <a:t>iterator</a:t>
-            </a:r>
-            <a:r>
-              <a:rPr lang="zh-CN" altLang="en-US" sz="1800" dirty="0"/>
-              <a:t>）的对象进行</a:t>
-            </a:r>
-            <a:r>
-              <a:rPr lang="zh-CN" altLang="en-US" sz="1800" dirty="0" smtClean="0"/>
-              <a:t>遍历，也可以对下标进行遍历。</a:t>
-            </a:r>
-            <a:endParaRPr lang="en-US" altLang="zh-CN" sz="1800" dirty="0" smtClean="0"/>
-          </a:p>
-          <a:p>
-            <a:pPr marL="0" indent="0">
-              <a:buNone/>
-            </a:pPr>
-            <a:endParaRPr lang="en-US" altLang="zh-CN" sz="1800" dirty="0"/>
-          </a:p>
-          <a:p>
-            <a:pPr marL="0" indent="0">
-              <a:buNone/>
-            </a:pPr>
-            <a:endParaRPr lang="en-US" altLang="zh-CN" sz="1800" dirty="0" smtClean="0"/>
-          </a:p>
-          <a:p>
-            <a:pPr marL="0" indent="0">
-              <a:buNone/>
-            </a:pPr>
-            <a:endParaRPr lang="en-US" altLang="zh-CN" sz="1800" dirty="0"/>
-          </a:p>
-          <a:p>
-            <a:pPr marL="0" indent="0">
-              <a:buNone/>
-            </a:pPr>
-            <a:r>
-              <a:rPr lang="en-US" altLang="zh-CN" sz="1800" dirty="0" smtClean="0"/>
-              <a:t>5</a:t>
-            </a:r>
-            <a:r>
-              <a:rPr lang="zh-CN" altLang="en-US" sz="1800" dirty="0" smtClean="0"/>
+              <a:t>if </a:t>
+            </a:r>
+            <a:r>
+              <a:rPr lang="zh-CN" altLang="en-US" sz="1800" dirty="0"/>
+              <a:t>可以是一个表达式，所以它可以位于“</a:t>
+            </a:r>
+            <a:r>
+              <a:rPr lang="en-US" altLang="zh-CN" sz="1800" dirty="0"/>
+              <a:t>=</a:t>
+            </a:r>
+            <a:r>
+              <a:rPr lang="zh-CN" altLang="en-US" sz="1800" dirty="0"/>
+              <a:t>”号右边</a:t>
+            </a:r>
+            <a:endParaRPr lang="en-US" altLang="zh-CN" sz="1800" dirty="0"/>
+          </a:p>
+          <a:p>
+            <a:pPr marL="0" indent="0">
+              <a:buNone/>
+            </a:pPr>
+            <a:endParaRPr lang="en-US" altLang="zh-CN" sz="1800" dirty="0"/>
+          </a:p>
+          <a:p>
+            <a:pPr marL="0" indent="0">
+              <a:buNone/>
+            </a:pPr>
+            <a:endParaRPr lang="en-US" altLang="zh-CN" sz="1800" dirty="0"/>
+          </a:p>
+          <a:p>
+            <a:pPr marL="0" indent="0">
+              <a:buNone/>
+            </a:pPr>
+            <a:r>
+              <a:rPr lang="en-US" altLang="zh-CN" sz="1800" dirty="0"/>
+              <a:t>2</a:t>
+            </a:r>
+            <a:r>
+              <a:rPr lang="zh-CN" altLang="en-US" sz="1800" dirty="0"/>
               <a:t>、</a:t>
             </a:r>
             <a:r>
-              <a:rPr lang="en-US" altLang="zh-CN" sz="1800" dirty="0" smtClean="0"/>
-              <a:t>ranges</a:t>
-            </a:r>
-          </a:p>
-          <a:p>
-            <a:pPr marL="0" indent="0">
-              <a:buNone/>
-            </a:pPr>
-            <a:r>
-              <a:rPr lang="zh-CN" altLang="en-US" sz="1800" dirty="0"/>
-              <a:t>区间表达式由具有操作符形式 </a:t>
-            </a:r>
-            <a:r>
               <a:rPr lang="en-US" altLang="zh-CN" sz="1800" dirty="0"/>
-              <a:t>.. </a:t>
-            </a:r>
-            <a:r>
-              <a:rPr lang="zh-CN" altLang="en-US" sz="1800" dirty="0"/>
-              <a:t>的 </a:t>
-            </a:r>
-            <a:r>
-              <a:rPr lang="en-US" altLang="zh-CN" sz="1800" dirty="0" err="1"/>
-              <a:t>rangeTo</a:t>
-            </a:r>
+              <a:t>when</a:t>
+            </a:r>
+          </a:p>
+          <a:p>
+            <a:pPr marL="0" indent="0">
+              <a:buNone/>
+            </a:pPr>
             <a:r>
               <a:rPr lang="en-US" altLang="zh-CN" sz="1800" dirty="0"/>
-              <a:t> </a:t>
-            </a:r>
-            <a:r>
-              <a:rPr lang="zh-CN" altLang="en-US" sz="1800" dirty="0"/>
-              <a:t>函数辅以 </a:t>
+              <a:t>When</a:t>
+            </a:r>
+            <a:r>
+              <a:rPr lang="zh-CN" altLang="en-US" sz="1800" dirty="0"/>
+              <a:t>类似于</a:t>
             </a:r>
             <a:r>
               <a:rPr lang="en-US" altLang="zh-CN" sz="1800" dirty="0"/>
-              <a:t>in </a:t>
-            </a:r>
-            <a:r>
-              <a:rPr lang="zh-CN" altLang="en-US" sz="1800" dirty="0"/>
-              <a:t>和 </a:t>
+              <a:t>java</a:t>
+            </a:r>
+            <a:r>
+              <a:rPr lang="zh-CN" altLang="en-US" sz="1800" dirty="0"/>
+              <a:t>中的</a:t>
             </a:r>
             <a:r>
               <a:rPr lang="en-US" altLang="zh-CN" sz="1800" dirty="0"/>
-              <a:t>!in </a:t>
-            </a:r>
-            <a:r>
-              <a:rPr lang="zh-CN" altLang="en-US" sz="1800" dirty="0"/>
-              <a:t>形成。</a:t>
-            </a:r>
+              <a:t>switch</a:t>
+            </a:r>
+            <a:r>
+              <a:rPr lang="zh-CN" altLang="en-US" sz="1800" dirty="0"/>
+              <a:t>，但是其功能要强大的多。</a:t>
+            </a:r>
+            <a:r>
+              <a:rPr lang="en-US" altLang="zh-CN" sz="1800" dirty="0"/>
+              <a:t>When</a:t>
+            </a:r>
+            <a:r>
+              <a:rPr lang="zh-CN" altLang="en-US" sz="1800" dirty="0"/>
+              <a:t>同样也可以当做一个表达式处理。</a:t>
+            </a:r>
+            <a:endParaRPr lang="en-US" altLang="zh-CN" sz="1800" dirty="0"/>
+          </a:p>
+          <a:p>
+            <a:pPr marL="0" indent="0">
+              <a:buNone/>
+            </a:pPr>
+            <a:endParaRPr lang="en-US" altLang="zh-CN" sz="1800" dirty="0"/>
+          </a:p>
+          <a:p>
+            <a:pPr marL="0" indent="0">
+              <a:buNone/>
+            </a:pPr>
+            <a:endParaRPr lang="en-US" altLang="zh-CN" sz="1800" dirty="0"/>
+          </a:p>
+          <a:p>
+            <a:pPr marL="0" indent="0">
+              <a:buNone/>
+            </a:pPr>
+            <a:endParaRPr lang="en-US" altLang="zh-CN" sz="1800" dirty="0"/>
+          </a:p>
+          <a:p>
+            <a:pPr marL="0" indent="0">
+              <a:buNone/>
+            </a:pPr>
+            <a:endParaRPr lang="en-US" altLang="zh-CN" sz="1800" dirty="0"/>
+          </a:p>
+          <a:p>
+            <a:pPr marL="0" indent="0">
+              <a:buNone/>
+            </a:pPr>
+            <a:endParaRPr lang="en-US" altLang="zh-CN" sz="1800" dirty="0"/>
+          </a:p>
+          <a:p>
+            <a:pPr marL="0" indent="0">
+              <a:buNone/>
+            </a:pPr>
+            <a:r>
+              <a:rPr lang="en-US" altLang="zh-CN" sz="1800" dirty="0"/>
+              <a:t>3</a:t>
+            </a:r>
+            <a:r>
+              <a:rPr lang="zh-CN" altLang="en-US" sz="1800" dirty="0"/>
+              <a:t>、</a:t>
+            </a:r>
+            <a:r>
+              <a:rPr lang="en-US" altLang="zh-CN" sz="1800" dirty="0"/>
+              <a:t>while</a:t>
+            </a:r>
+          </a:p>
+          <a:p>
+            <a:pPr marL="0" indent="0">
+              <a:buNone/>
+            </a:pPr>
+            <a:endParaRPr lang="en-US" altLang="zh-CN" sz="1800" dirty="0"/>
+          </a:p>
+          <a:p>
+            <a:pPr marL="0" indent="0">
+              <a:buNone/>
+            </a:pPr>
             <a:endParaRPr lang="en-US" altLang="zh-CN" sz="1800" dirty="0"/>
           </a:p>
           <a:p>
@@ -8258,7 +8221,7 @@
       </p:sp>
       <p:pic>
         <p:nvPicPr>
-          <p:cNvPr id="4" name="图片 3"/>
+          <p:cNvPr id="7" name="图片 6"/>
           <p:cNvPicPr>
             <a:picLocks noChangeAspect="1"/>
           </p:cNvPicPr>
@@ -8272,8 +8235,8 @@
         </p:blipFill>
         <p:spPr>
           <a:xfrm>
-            <a:off x="940772" y="1577411"/>
-            <a:ext cx="4923809" cy="1142857"/>
+            <a:off x="976881" y="1622865"/>
+            <a:ext cx="3571429" cy="523810"/>
           </a:xfrm>
           <a:prstGeom prst="rect">
             <a:avLst/>
@@ -8282,7 +8245,7 @@
       </p:pic>
       <p:pic>
         <p:nvPicPr>
-          <p:cNvPr id="5" name="图片 4"/>
+          <p:cNvPr id="9" name="图片 8"/>
           <p:cNvPicPr>
             <a:picLocks noChangeAspect="1"/>
           </p:cNvPicPr>
@@ -8296,8 +8259,32 @@
         </p:blipFill>
         <p:spPr>
           <a:xfrm>
-            <a:off x="940772" y="3556366"/>
-            <a:ext cx="4923809" cy="2638095"/>
+            <a:off x="976881" y="3094265"/>
+            <a:ext cx="4190476" cy="1800000"/>
+          </a:xfrm>
+          <a:prstGeom prst="rect">
+            <a:avLst/>
+          </a:prstGeom>
+        </p:spPr>
+      </p:pic>
+      <p:pic>
+        <p:nvPicPr>
+          <p:cNvPr id="10" name="图片 9"/>
+          <p:cNvPicPr>
+            <a:picLocks noChangeAspect="1"/>
+          </p:cNvPicPr>
+          <p:nvPr/>
+        </p:nvPicPr>
+        <p:blipFill>
+          <a:blip r:embed="rId4"/>
+          <a:stretch>
+            <a:fillRect/>
+          </a:stretch>
+        </p:blipFill>
+        <p:spPr>
+          <a:xfrm>
+            <a:off x="976881" y="5277864"/>
+            <a:ext cx="3561905" cy="1438095"/>
           </a:xfrm>
           <a:prstGeom prst="rect">
             <a:avLst/>
@@ -8307,20 +8294,13 @@
     </p:spTree>
     <p:extLst>
       <p:ext uri="{BB962C8B-B14F-4D97-AF65-F5344CB8AC3E}">
-        <p14:creationId xmlns:p14="http://schemas.microsoft.com/office/powerpoint/2010/main" val="3317506296"/>
+        <p14:creationId xmlns:p14="http://schemas.microsoft.com/office/powerpoint/2010/main" val="2171808912"/>
       </p:ext>
     </p:extLst>
   </p:cSld>
   <p:clrMapOvr>
     <a:masterClrMapping/>
   </p:clrMapOvr>
-  <p:timing>
-    <p:tnLst>
-      <p:par>
-        <p:cTn id="1" dur="indefinite" restart="never" nodeType="tmRoot"/>
-      </p:par>
-    </p:tnLst>
-  </p:timing>
 </p:sld>
 </file>
 
@@ -8370,10 +8350,13 @@
           <a:lstStyle/>
           <a:p>
             <a:r>
-              <a:rPr lang="zh-CN" altLang="en-US" sz="3600" dirty="0" smtClean="0"/>
-              <a:t>泛型</a:t>
-            </a:r>
-            <a:endParaRPr lang="en-US" altLang="zh-CN" sz="3600" dirty="0"/>
+              <a:rPr lang="zh-CN" altLang="en-US" sz="3600" dirty="0"/>
+              <a:t>控制流与</a:t>
+            </a:r>
+            <a:r>
+              <a:rPr lang="en-US" altLang="zh-CN" sz="3600" dirty="0"/>
+              <a:t>ranges</a:t>
+            </a:r>
           </a:p>
         </p:txBody>
       </p:sp>
@@ -8408,18 +8391,120 @@
             <a:pPr marL="0" indent="0">
               <a:buNone/>
             </a:pPr>
-            <a:endParaRPr lang="en-US" altLang="zh-CN" sz="1800" dirty="0"/>
-          </a:p>
-          <a:p>
-            <a:pPr marL="0" indent="0">
-              <a:buNone/>
-            </a:pPr>
-            <a:endParaRPr lang="en-US" altLang="zh-CN" sz="1800" dirty="0" smtClean="0"/>
-          </a:p>
-          <a:p>
-            <a:pPr marL="0" indent="0">
-              <a:buNone/>
-            </a:pPr>
+            <a:r>
+              <a:rPr lang="en-US" altLang="zh-CN" sz="1800" dirty="0"/>
+              <a:t>4</a:t>
+            </a:r>
+            <a:r>
+              <a:rPr lang="zh-CN" altLang="en-US" sz="1800" dirty="0"/>
+              <a:t>、</a:t>
+            </a:r>
+            <a:r>
+              <a:rPr lang="en-US" altLang="zh-CN" sz="1800" dirty="0"/>
+              <a:t>for</a:t>
+            </a:r>
+          </a:p>
+          <a:p>
+            <a:pPr marL="0" indent="0">
+              <a:buNone/>
+            </a:pPr>
+            <a:r>
+              <a:rPr lang="en-US" altLang="zh-CN" sz="1800" dirty="0"/>
+              <a:t>for </a:t>
+            </a:r>
+            <a:r>
+              <a:rPr lang="zh-CN" altLang="en-US" sz="1800" dirty="0"/>
+              <a:t>循环可以对任何提供迭代器（</a:t>
+            </a:r>
+            <a:r>
+              <a:rPr lang="en-US" altLang="zh-CN" sz="1800" dirty="0"/>
+              <a:t>iterator</a:t>
+            </a:r>
+            <a:r>
+              <a:rPr lang="zh-CN" altLang="en-US" sz="1800" dirty="0"/>
+              <a:t>）的对象进行遍历，也可以对下标进行遍历。</a:t>
+            </a:r>
+            <a:endParaRPr lang="en-US" altLang="zh-CN" sz="1800" dirty="0"/>
+          </a:p>
+          <a:p>
+            <a:pPr marL="0" indent="0">
+              <a:buNone/>
+            </a:pPr>
+            <a:endParaRPr lang="en-US" altLang="zh-CN" sz="1800" dirty="0"/>
+          </a:p>
+          <a:p>
+            <a:pPr marL="0" indent="0">
+              <a:buNone/>
+            </a:pPr>
+            <a:endParaRPr lang="en-US" altLang="zh-CN" sz="1800" dirty="0"/>
+          </a:p>
+          <a:p>
+            <a:pPr marL="0" indent="0">
+              <a:buNone/>
+            </a:pPr>
+            <a:endParaRPr lang="en-US" altLang="zh-CN" sz="1800" dirty="0"/>
+          </a:p>
+          <a:p>
+            <a:pPr marL="0" indent="0">
+              <a:buNone/>
+            </a:pPr>
+            <a:r>
+              <a:rPr lang="en-US" altLang="zh-CN" sz="1800" dirty="0"/>
+              <a:t>5</a:t>
+            </a:r>
+            <a:r>
+              <a:rPr lang="zh-CN" altLang="en-US" sz="1800" dirty="0"/>
+              <a:t>、</a:t>
+            </a:r>
+            <a:r>
+              <a:rPr lang="en-US" altLang="zh-CN" sz="1800" dirty="0"/>
+              <a:t>ranges</a:t>
+            </a:r>
+          </a:p>
+          <a:p>
+            <a:pPr marL="0" indent="0">
+              <a:buNone/>
+            </a:pPr>
+            <a:r>
+              <a:rPr lang="zh-CN" altLang="en-US" sz="1800" dirty="0"/>
+              <a:t>区间表达式由具有操作符形式 </a:t>
+            </a:r>
+            <a:r>
+              <a:rPr lang="en-US" altLang="zh-CN" sz="1800" dirty="0"/>
+              <a:t>.. </a:t>
+            </a:r>
+            <a:r>
+              <a:rPr lang="zh-CN" altLang="en-US" sz="1800" dirty="0"/>
+              <a:t>的 </a:t>
+            </a:r>
+            <a:r>
+              <a:rPr lang="en-US" altLang="zh-CN" sz="1800" dirty="0" err="1"/>
+              <a:t>rangeTo</a:t>
+            </a:r>
+            <a:r>
+              <a:rPr lang="en-US" altLang="zh-CN" sz="1800" dirty="0"/>
+              <a:t> </a:t>
+            </a:r>
+            <a:r>
+              <a:rPr lang="zh-CN" altLang="en-US" sz="1800" dirty="0"/>
+              <a:t>函数辅以 </a:t>
+            </a:r>
+            <a:r>
+              <a:rPr lang="en-US" altLang="zh-CN" sz="1800" dirty="0"/>
+              <a:t>in </a:t>
+            </a:r>
+            <a:r>
+              <a:rPr lang="zh-CN" altLang="en-US" sz="1800" dirty="0"/>
+              <a:t>和 </a:t>
+            </a:r>
+            <a:r>
+              <a:rPr lang="en-US" altLang="zh-CN" sz="1800" dirty="0"/>
+              <a:t>!in </a:t>
+            </a:r>
+            <a:r>
+              <a:rPr lang="zh-CN" altLang="en-US" sz="1800" dirty="0"/>
+              <a:t>形成。</a:t>
+            </a:r>
             <a:endParaRPr lang="en-US" altLang="zh-CN" sz="1800" dirty="0"/>
           </a:p>
           <a:p>
@@ -8430,23 +8515,64 @@
           </a:p>
         </p:txBody>
       </p:sp>
+      <p:pic>
+        <p:nvPicPr>
+          <p:cNvPr id="4" name="图片 3"/>
+          <p:cNvPicPr>
+            <a:picLocks noChangeAspect="1"/>
+          </p:cNvPicPr>
+          <p:nvPr/>
+        </p:nvPicPr>
+        <p:blipFill>
+          <a:blip r:embed="rId2"/>
+          <a:stretch>
+            <a:fillRect/>
+          </a:stretch>
+        </p:blipFill>
+        <p:spPr>
+          <a:xfrm>
+            <a:off x="940772" y="1577411"/>
+            <a:ext cx="4923809" cy="1142857"/>
+          </a:xfrm>
+          <a:prstGeom prst="rect">
+            <a:avLst/>
+          </a:prstGeom>
+        </p:spPr>
+      </p:pic>
+      <p:pic>
+        <p:nvPicPr>
+          <p:cNvPr id="5" name="图片 4"/>
+          <p:cNvPicPr>
+            <a:picLocks noChangeAspect="1"/>
+          </p:cNvPicPr>
+          <p:nvPr/>
+        </p:nvPicPr>
+        <p:blipFill>
+          <a:blip r:embed="rId3"/>
+          <a:stretch>
+            <a:fillRect/>
+          </a:stretch>
+        </p:blipFill>
+        <p:spPr>
+          <a:xfrm>
+            <a:off x="940772" y="3556366"/>
+            <a:ext cx="4923809" cy="2638095"/>
+          </a:xfrm>
+          <a:prstGeom prst="rect">
+            <a:avLst/>
+          </a:prstGeom>
+        </p:spPr>
+      </p:pic>
     </p:spTree>
     <p:extLst>
       <p:ext uri="{BB962C8B-B14F-4D97-AF65-F5344CB8AC3E}">
-        <p14:creationId xmlns:p14="http://schemas.microsoft.com/office/powerpoint/2010/main" val="741032162"/>
+        <p14:creationId xmlns:p14="http://schemas.microsoft.com/office/powerpoint/2010/main" val="3317506296"/>
       </p:ext>
     </p:extLst>
   </p:cSld>
   <p:clrMapOvr>
     <a:masterClrMapping/>
   </p:clrMapOvr>
-  <p:timing>
-    <p:tnLst>
-      <p:par>
-        <p:cTn id="1" dur="indefinite" restart="never" nodeType="tmRoot"/>
-      </p:par>
-    </p:tnLst>
-  </p:timing>
 </p:sld>
 </file>
 
@@ -8496,8 +8622,8 @@
           <a:lstStyle/>
           <a:p>
             <a:r>
-              <a:rPr lang="zh-CN" altLang="en-US" sz="3600" dirty="0" smtClean="0"/>
-              <a:t>类型检查和转换</a:t>
+              <a:rPr lang="zh-CN" altLang="en-US" sz="3600" dirty="0"/>
+              <a:t>泛型</a:t>
             </a:r>
             <a:endParaRPr lang="en-US" altLang="zh-CN" sz="3600" dirty="0"/>
           </a:p>
@@ -8527,196 +8653,20 @@
         </p:spPr>
         <p:txBody>
           <a:bodyPr>
-            <a:normAutofit fontScale="92500" lnSpcReduction="20000"/>
+            <a:normAutofit/>
           </a:bodyPr>
           <a:lstStyle/>
           <a:p>
             <a:pPr marL="0" indent="0">
               <a:buNone/>
             </a:pPr>
-            <a:r>
-              <a:rPr lang="en-US" altLang="zh-CN" sz="1800" dirty="0" smtClean="0"/>
-              <a:t>1</a:t>
-            </a:r>
-            <a:r>
-              <a:rPr lang="zh-CN" altLang="en-US" sz="1800" dirty="0" smtClean="0"/>
-              <a:t>、类型检查</a:t>
-            </a:r>
-            <a:endParaRPr lang="en-US" altLang="zh-CN" sz="1800" dirty="0" smtClean="0"/>
-          </a:p>
-          <a:p>
-            <a:pPr marL="0" indent="0">
-              <a:buNone/>
-            </a:pPr>
-            <a:r>
-              <a:rPr lang="zh-CN" altLang="en-US" sz="1800" dirty="0" smtClean="0"/>
-              <a:t>在</a:t>
-            </a:r>
-            <a:r>
-              <a:rPr lang="en-US" altLang="zh-CN" sz="1800" dirty="0" err="1" smtClean="0"/>
-              <a:t>kotlin</a:t>
-            </a:r>
-            <a:r>
-              <a:rPr lang="zh-CN" altLang="en-US" sz="1800" dirty="0" smtClean="0"/>
-              <a:t>中使用 </a:t>
-            </a:r>
-            <a:r>
-              <a:rPr lang="en-US" altLang="zh-CN" sz="1800" dirty="0" smtClean="0"/>
-              <a:t>is </a:t>
-            </a:r>
-            <a:r>
-              <a:rPr lang="zh-CN" altLang="en-US" sz="1800" dirty="0" smtClean="0"/>
-              <a:t>和 </a:t>
-            </a:r>
-            <a:r>
-              <a:rPr lang="en-US" altLang="zh-CN" sz="1800" dirty="0" smtClean="0"/>
-              <a:t>!is </a:t>
-            </a:r>
-            <a:r>
-              <a:rPr lang="zh-CN" altLang="en-US" sz="1800" dirty="0" smtClean="0"/>
-              <a:t>进行类型检查。</a:t>
-            </a:r>
-            <a:endParaRPr lang="en-US" altLang="zh-CN" sz="1800" dirty="0" smtClean="0"/>
-          </a:p>
-          <a:p>
-            <a:pPr marL="0" indent="0">
-              <a:buNone/>
-            </a:pPr>
-            <a:endParaRPr lang="en-US" altLang="zh-CN" sz="1800" dirty="0"/>
-          </a:p>
-          <a:p>
-            <a:pPr marL="0" indent="0">
-              <a:buNone/>
-            </a:pPr>
-            <a:endParaRPr lang="en-US" altLang="zh-CN" sz="1800" dirty="0" smtClean="0"/>
-          </a:p>
-          <a:p>
-            <a:pPr marL="0" indent="0">
-              <a:buNone/>
-            </a:pPr>
-            <a:endParaRPr lang="en-US" altLang="zh-CN" sz="1800" dirty="0"/>
-          </a:p>
-          <a:p>
-            <a:pPr marL="0" indent="0">
-              <a:buNone/>
-            </a:pPr>
-            <a:endParaRPr lang="en-US" altLang="zh-CN" sz="1800" dirty="0" smtClean="0"/>
-          </a:p>
-          <a:p>
-            <a:pPr marL="0" indent="0">
-              <a:buNone/>
-            </a:pPr>
-            <a:endParaRPr lang="en-US" altLang="zh-CN" sz="1800" dirty="0"/>
-          </a:p>
-          <a:p>
-            <a:pPr marL="0" indent="0">
-              <a:buNone/>
-            </a:pPr>
-            <a:endParaRPr lang="en-US" altLang="zh-CN" sz="1800" dirty="0" smtClean="0"/>
-          </a:p>
-          <a:p>
-            <a:pPr marL="0" indent="0">
-              <a:buNone/>
-            </a:pPr>
-            <a:r>
-              <a:rPr lang="zh-CN" altLang="en-US" sz="1800" dirty="0" smtClean="0"/>
-              <a:t>智能</a:t>
-            </a:r>
-            <a:r>
-              <a:rPr lang="zh-CN" altLang="en-US" sz="1800" dirty="0"/>
-              <a:t>转换</a:t>
-            </a:r>
-            <a:r>
-              <a:rPr lang="zh-CN" altLang="en-US" sz="1800" dirty="0" smtClean="0"/>
-              <a:t>，在某些时候不需要使用</a:t>
-            </a:r>
-            <a:r>
-              <a:rPr lang="zh-CN" altLang="en-US" sz="1800" dirty="0"/>
-              <a:t>显式转换操作符，因为编译器跟踪不可变值的 </a:t>
-            </a:r>
-            <a:r>
-              <a:rPr lang="en-US" altLang="zh-CN" sz="1800" dirty="0"/>
-              <a:t>is-</a:t>
-            </a:r>
-            <a:r>
-              <a:rPr lang="zh-CN" altLang="en-US" sz="1800" dirty="0"/>
-              <a:t>检查以及显式转换，并在需要时自动插入（安全的）转换</a:t>
-            </a:r>
-            <a:r>
-              <a:rPr lang="zh-CN" altLang="en-US" sz="1800" dirty="0" smtClean="0"/>
-              <a:t>：</a:t>
-            </a:r>
-            <a:endParaRPr lang="en-US" altLang="zh-CN" sz="1800" dirty="0" smtClean="0"/>
-          </a:p>
-          <a:p>
-            <a:pPr marL="0" indent="0">
-              <a:buNone/>
-            </a:pPr>
-            <a:endParaRPr lang="en-US" altLang="zh-CN" sz="1800" dirty="0"/>
-          </a:p>
-          <a:p>
-            <a:pPr marL="0" indent="0">
-              <a:buNone/>
-            </a:pPr>
-            <a:endParaRPr lang="en-US" altLang="zh-CN" sz="1800" dirty="0" smtClean="0"/>
-          </a:p>
-          <a:p>
-            <a:pPr marL="0" indent="0">
-              <a:buNone/>
-            </a:pPr>
-            <a:endParaRPr lang="en-US" altLang="zh-CN" sz="1800" dirty="0"/>
-          </a:p>
-          <a:p>
-            <a:pPr marL="0" indent="0">
-              <a:buNone/>
-            </a:pPr>
-            <a:endParaRPr lang="en-US" altLang="zh-CN" sz="1800" dirty="0" smtClean="0"/>
-          </a:p>
-          <a:p>
-            <a:pPr marL="0" indent="0">
-              <a:buNone/>
-            </a:pPr>
-            <a:endParaRPr lang="en-US" altLang="zh-CN" sz="1800" dirty="0"/>
-          </a:p>
-          <a:p>
-            <a:pPr marL="0" indent="0">
-              <a:buNone/>
-            </a:pPr>
-            <a:endParaRPr lang="en-US" altLang="zh-CN" sz="1800" dirty="0" smtClean="0"/>
-          </a:p>
-          <a:p>
-            <a:pPr marL="0" indent="0">
-              <a:buNone/>
-            </a:pPr>
-            <a:endParaRPr lang="en-US" altLang="zh-CN" sz="1800" dirty="0"/>
-          </a:p>
-          <a:p>
-            <a:pPr marL="0" indent="0">
-              <a:buNone/>
-            </a:pPr>
-            <a:endParaRPr lang="en-US" altLang="zh-CN" sz="1800" dirty="0" smtClean="0"/>
-          </a:p>
-          <a:p>
-            <a:pPr marL="0" indent="0">
-              <a:buNone/>
-            </a:pPr>
-            <a:r>
-              <a:rPr lang="zh-CN" altLang="en-US" sz="1800" dirty="0" smtClean="0"/>
-              <a:t>注意不是所有的时候都可以智能转换的。</a:t>
-            </a:r>
-            <a:endParaRPr lang="en-US" altLang="zh-CN" sz="1800" dirty="0" smtClean="0"/>
-          </a:p>
-          <a:p>
-            <a:pPr marL="0" indent="0">
-              <a:buNone/>
-            </a:pPr>
-            <a:endParaRPr lang="en-US" altLang="zh-CN" sz="1800" dirty="0"/>
-          </a:p>
-          <a:p>
-            <a:pPr marL="0" indent="0">
-              <a:buNone/>
-            </a:pPr>
-            <a:endParaRPr lang="en-US" altLang="zh-CN" sz="1800" dirty="0" smtClean="0"/>
+            <a:endParaRPr lang="en-US" altLang="zh-CN" sz="1800" dirty="0"/>
+          </a:p>
+          <a:p>
+            <a:pPr marL="0" indent="0">
+              <a:buNone/>
+            </a:pPr>
+            <a:endParaRPr lang="en-US" altLang="zh-CN" sz="1800" dirty="0"/>
           </a:p>
           <a:p>
             <a:pPr marL="0" indent="0">
@@ -8732,95 +8682,16 @@
           </a:p>
         </p:txBody>
       </p:sp>
-      <p:pic>
-        <p:nvPicPr>
-          <p:cNvPr id="6" name="图片 5"/>
-          <p:cNvPicPr>
-            <a:picLocks noChangeAspect="1"/>
-          </p:cNvPicPr>
-          <p:nvPr/>
-        </p:nvPicPr>
-        <p:blipFill>
-          <a:blip r:embed="rId2"/>
-          <a:stretch>
-            <a:fillRect/>
-          </a:stretch>
-        </p:blipFill>
-        <p:spPr>
-          <a:xfrm>
-            <a:off x="936917" y="1482571"/>
-            <a:ext cx="3909403" cy="1852755"/>
-          </a:xfrm>
-          <a:prstGeom prst="rect">
-            <a:avLst/>
-          </a:prstGeom>
-        </p:spPr>
-      </p:pic>
-      <p:pic>
-        <p:nvPicPr>
-          <p:cNvPr id="9" name="图片 8"/>
-          <p:cNvPicPr>
-            <a:picLocks noChangeAspect="1"/>
-          </p:cNvPicPr>
-          <p:nvPr/>
-        </p:nvPicPr>
-        <p:blipFill>
-          <a:blip r:embed="rId3"/>
-          <a:stretch>
-            <a:fillRect/>
-          </a:stretch>
-        </p:blipFill>
-        <p:spPr>
-          <a:xfrm>
-            <a:off x="936917" y="3773989"/>
-            <a:ext cx="3576895" cy="2179410"/>
-          </a:xfrm>
-          <a:prstGeom prst="rect">
-            <a:avLst/>
-          </a:prstGeom>
-        </p:spPr>
-      </p:pic>
-      <p:pic>
-        <p:nvPicPr>
-          <p:cNvPr id="10" name="图片 9"/>
-          <p:cNvPicPr>
-            <a:picLocks noChangeAspect="1"/>
-          </p:cNvPicPr>
-          <p:nvPr/>
-        </p:nvPicPr>
-        <p:blipFill>
-          <a:blip r:embed="rId4"/>
-          <a:stretch>
-            <a:fillRect/>
-          </a:stretch>
-        </p:blipFill>
-        <p:spPr>
-          <a:xfrm>
-            <a:off x="5062705" y="4162093"/>
-            <a:ext cx="6838095" cy="1609524"/>
-          </a:xfrm>
-          <a:prstGeom prst="rect">
-            <a:avLst/>
-          </a:prstGeom>
-        </p:spPr>
-      </p:pic>
     </p:spTree>
     <p:extLst>
       <p:ext uri="{BB962C8B-B14F-4D97-AF65-F5344CB8AC3E}">
-        <p14:creationId xmlns:p14="http://schemas.microsoft.com/office/powerpoint/2010/main" val="3950945455"/>
+        <p14:creationId xmlns:p14="http://schemas.microsoft.com/office/powerpoint/2010/main" val="741032162"/>
       </p:ext>
     </p:extLst>
   </p:cSld>
   <p:clrMapOvr>
     <a:masterClrMapping/>
   </p:clrMapOvr>
-  <p:timing>
-    <p:tnLst>
-      <p:par>
-        <p:cTn id="1" dur="indefinite" restart="never" nodeType="tmRoot"/>
-      </p:par>
-    </p:tnLst>
-  </p:timing>
 </p:sld>
 </file>
 
@@ -8870,7 +8741,7 @@
           <a:lstStyle/>
           <a:p>
             <a:r>
-              <a:rPr lang="zh-CN" altLang="en-US" sz="3600" dirty="0" smtClean="0"/>
+              <a:rPr lang="zh-CN" altLang="en-US" sz="3600" dirty="0"/>
               <a:t>类型检查和转换</a:t>
             </a:r>
             <a:endParaRPr lang="en-US" altLang="zh-CN" sz="3600" dirty="0"/>
@@ -8901,6 +8772,357 @@
         </p:spPr>
         <p:txBody>
           <a:bodyPr>
+            <a:normAutofit fontScale="92500" lnSpcReduction="20000"/>
+          </a:bodyPr>
+          <a:lstStyle/>
+          <a:p>
+            <a:pPr marL="0" indent="0">
+              <a:buNone/>
+            </a:pPr>
+            <a:r>
+              <a:rPr lang="en-US" altLang="zh-CN" sz="1800" dirty="0"/>
+              <a:t>1</a:t>
+            </a:r>
+            <a:r>
+              <a:rPr lang="zh-CN" altLang="en-US" sz="1800" dirty="0"/>
+              <a:t>、类型检查</a:t>
+            </a:r>
+            <a:endParaRPr lang="en-US" altLang="zh-CN" sz="1800" dirty="0"/>
+          </a:p>
+          <a:p>
+            <a:pPr marL="0" indent="0">
+              <a:buNone/>
+            </a:pPr>
+            <a:r>
+              <a:rPr lang="zh-CN" altLang="en-US" sz="1800" dirty="0"/>
+              <a:t>在</a:t>
+            </a:r>
+            <a:r>
+              <a:rPr lang="en-US" altLang="zh-CN" sz="1800" dirty="0" err="1"/>
+              <a:t>kotlin</a:t>
+            </a:r>
+            <a:r>
+              <a:rPr lang="zh-CN" altLang="en-US" sz="1800" dirty="0"/>
+              <a:t>中使用 </a:t>
+            </a:r>
+            <a:r>
+              <a:rPr lang="en-US" altLang="zh-CN" sz="1800" dirty="0"/>
+              <a:t>is </a:t>
+            </a:r>
+            <a:r>
+              <a:rPr lang="zh-CN" altLang="en-US" sz="1800" dirty="0"/>
+              <a:t>和 </a:t>
+            </a:r>
+            <a:r>
+              <a:rPr lang="en-US" altLang="zh-CN" sz="1800" dirty="0"/>
+              <a:t>!is </a:t>
+            </a:r>
+            <a:r>
+              <a:rPr lang="zh-CN" altLang="en-US" sz="1800" dirty="0"/>
+              <a:t>进行类型检查。</a:t>
+            </a:r>
+            <a:endParaRPr lang="en-US" altLang="zh-CN" sz="1800" dirty="0"/>
+          </a:p>
+          <a:p>
+            <a:pPr marL="0" indent="0">
+              <a:buNone/>
+            </a:pPr>
+            <a:endParaRPr lang="en-US" altLang="zh-CN" sz="1800" dirty="0"/>
+          </a:p>
+          <a:p>
+            <a:pPr marL="0" indent="0">
+              <a:buNone/>
+            </a:pPr>
+            <a:endParaRPr lang="en-US" altLang="zh-CN" sz="1800" dirty="0"/>
+          </a:p>
+          <a:p>
+            <a:pPr marL="0" indent="0">
+              <a:buNone/>
+            </a:pPr>
+            <a:endParaRPr lang="en-US" altLang="zh-CN" sz="1800" dirty="0"/>
+          </a:p>
+          <a:p>
+            <a:pPr marL="0" indent="0">
+              <a:buNone/>
+            </a:pPr>
+            <a:endParaRPr lang="en-US" altLang="zh-CN" sz="1800" dirty="0"/>
+          </a:p>
+          <a:p>
+            <a:pPr marL="0" indent="0">
+              <a:buNone/>
+            </a:pPr>
+            <a:endParaRPr lang="en-US" altLang="zh-CN" sz="1800" dirty="0"/>
+          </a:p>
+          <a:p>
+            <a:pPr marL="0" indent="0">
+              <a:buNone/>
+            </a:pPr>
+            <a:endParaRPr lang="en-US" altLang="zh-CN" sz="1800" dirty="0"/>
+          </a:p>
+          <a:p>
+            <a:pPr marL="0" indent="0">
+              <a:buNone/>
+            </a:pPr>
+            <a:r>
+              <a:rPr lang="zh-CN" altLang="en-US" sz="1800" dirty="0"/>
+              <a:t>智能转换，在某些时候不需要使用显式转换操作符，因为编译器跟踪不可变值的 </a:t>
+            </a:r>
+            <a:r>
+              <a:rPr lang="en-US" altLang="zh-CN" sz="1800" dirty="0"/>
+              <a:t>is-</a:t>
+            </a:r>
+            <a:r>
+              <a:rPr lang="zh-CN" altLang="en-US" sz="1800" dirty="0"/>
+              <a:t>检查以及显式转换，并在需要时自动插入（安全的）转换：</a:t>
+            </a:r>
+            <a:endParaRPr lang="en-US" altLang="zh-CN" sz="1800" dirty="0"/>
+          </a:p>
+          <a:p>
+            <a:pPr marL="0" indent="0">
+              <a:buNone/>
+            </a:pPr>
+            <a:endParaRPr lang="en-US" altLang="zh-CN" sz="1800" dirty="0"/>
+          </a:p>
+          <a:p>
+            <a:pPr marL="0" indent="0">
+              <a:buNone/>
+            </a:pPr>
+            <a:endParaRPr lang="en-US" altLang="zh-CN" sz="1800" dirty="0"/>
+          </a:p>
+          <a:p>
+            <a:pPr marL="0" indent="0">
+              <a:buNone/>
+            </a:pPr>
+            <a:endParaRPr lang="en-US" altLang="zh-CN" sz="1800" dirty="0"/>
+          </a:p>
+          <a:p>
+            <a:pPr marL="0" indent="0">
+              <a:buNone/>
+            </a:pPr>
+            <a:endParaRPr lang="en-US" altLang="zh-CN" sz="1800" dirty="0"/>
+          </a:p>
+          <a:p>
+            <a:pPr marL="0" indent="0">
+              <a:buNone/>
+            </a:pPr>
+            <a:endParaRPr lang="en-US" altLang="zh-CN" sz="1800" dirty="0"/>
+          </a:p>
+          <a:p>
+            <a:pPr marL="0" indent="0">
+              <a:buNone/>
+            </a:pPr>
+            <a:endParaRPr lang="en-US" altLang="zh-CN" sz="1800" dirty="0"/>
+          </a:p>
+          <a:p>
+            <a:pPr marL="0" indent="0">
+              <a:buNone/>
+            </a:pPr>
+            <a:endParaRPr lang="en-US" altLang="zh-CN" sz="1800" dirty="0"/>
+          </a:p>
+          <a:p>
+            <a:pPr marL="0" indent="0">
+              <a:buNone/>
+            </a:pPr>
+            <a:endParaRPr lang="en-US" altLang="zh-CN" sz="1800" dirty="0"/>
+          </a:p>
+          <a:p>
+            <a:pPr marL="0" indent="0">
+              <a:buNone/>
+            </a:pPr>
+            <a:r>
+              <a:rPr lang="zh-CN" altLang="en-US" sz="1800" dirty="0"/>
+              <a:t>注意不是所有的时候都可以智能转换的。</a:t>
+            </a:r>
+            <a:endParaRPr lang="en-US" altLang="zh-CN" sz="1800" dirty="0"/>
+          </a:p>
+          <a:p>
+            <a:pPr marL="0" indent="0">
+              <a:buNone/>
+            </a:pPr>
+            <a:endParaRPr lang="en-US" altLang="zh-CN" sz="1800" dirty="0"/>
+          </a:p>
+          <a:p>
+            <a:pPr marL="0" indent="0">
+              <a:buNone/>
+            </a:pPr>
+            <a:endParaRPr lang="en-US" altLang="zh-CN" sz="1800" dirty="0"/>
+          </a:p>
+          <a:p>
+            <a:pPr marL="0" indent="0">
+              <a:buNone/>
+            </a:pPr>
+            <a:endParaRPr lang="en-US" altLang="zh-CN" sz="1800" dirty="0"/>
+          </a:p>
+          <a:p>
+            <a:pPr marL="0" indent="0">
+              <a:buNone/>
+            </a:pPr>
+            <a:endParaRPr lang="en-US" altLang="zh-CN" sz="1800" dirty="0"/>
+          </a:p>
+        </p:txBody>
+      </p:sp>
+      <p:pic>
+        <p:nvPicPr>
+          <p:cNvPr id="6" name="图片 5"/>
+          <p:cNvPicPr>
+            <a:picLocks noChangeAspect="1"/>
+          </p:cNvPicPr>
+          <p:nvPr/>
+        </p:nvPicPr>
+        <p:blipFill>
+          <a:blip r:embed="rId2"/>
+          <a:stretch>
+            <a:fillRect/>
+          </a:stretch>
+        </p:blipFill>
+        <p:spPr>
+          <a:xfrm>
+            <a:off x="936917" y="1482571"/>
+            <a:ext cx="3909403" cy="1852755"/>
+          </a:xfrm>
+          <a:prstGeom prst="rect">
+            <a:avLst/>
+          </a:prstGeom>
+        </p:spPr>
+      </p:pic>
+      <p:pic>
+        <p:nvPicPr>
+          <p:cNvPr id="9" name="图片 8"/>
+          <p:cNvPicPr>
+            <a:picLocks noChangeAspect="1"/>
+          </p:cNvPicPr>
+          <p:nvPr/>
+        </p:nvPicPr>
+        <p:blipFill>
+          <a:blip r:embed="rId3"/>
+          <a:stretch>
+            <a:fillRect/>
+          </a:stretch>
+        </p:blipFill>
+        <p:spPr>
+          <a:xfrm>
+            <a:off x="936917" y="3773989"/>
+            <a:ext cx="3576895" cy="2179410"/>
+          </a:xfrm>
+          <a:prstGeom prst="rect">
+            <a:avLst/>
+          </a:prstGeom>
+        </p:spPr>
+      </p:pic>
+      <p:pic>
+        <p:nvPicPr>
+          <p:cNvPr id="10" name="图片 9"/>
+          <p:cNvPicPr>
+            <a:picLocks noChangeAspect="1"/>
+          </p:cNvPicPr>
+          <p:nvPr/>
+        </p:nvPicPr>
+        <p:blipFill>
+          <a:blip r:embed="rId4"/>
+          <a:stretch>
+            <a:fillRect/>
+          </a:stretch>
+        </p:blipFill>
+        <p:spPr>
+          <a:xfrm>
+            <a:off x="5062705" y="4162093"/>
+            <a:ext cx="6838095" cy="1609524"/>
+          </a:xfrm>
+          <a:prstGeom prst="rect">
+            <a:avLst/>
+          </a:prstGeom>
+        </p:spPr>
+      </p:pic>
+    </p:spTree>
+    <p:extLst>
+      <p:ext uri="{BB962C8B-B14F-4D97-AF65-F5344CB8AC3E}">
+        <p14:creationId xmlns:p14="http://schemas.microsoft.com/office/powerpoint/2010/main" val="3950945455"/>
+      </p:ext>
+    </p:extLst>
+  </p:cSld>
+  <p:clrMapOvr>
+    <a:masterClrMapping/>
+  </p:clrMapOvr>
+</p:sld>
+</file>
+
+<file path=ppt/slides/slide28.xml><?xml version="1.0" encoding="utf-8"?>
+<p:sld xmlns:a="http://schemas.openxmlformats.org/drawingml/2006/main" xmlns:r="http://schemas.openxmlformats.org/officeDocument/2006/relationships" xmlns:p="http://schemas.openxmlformats.org/presentationml/2006/main">
+  <p:cSld>
+    <p:spTree>
+      <p:nvGrpSpPr>
+        <p:cNvPr id="1" name=""/>
+        <p:cNvGrpSpPr/>
+        <p:nvPr/>
+      </p:nvGrpSpPr>
+      <p:grpSpPr>
+        <a:xfrm>
+          <a:off x="0" y="0"/>
+          <a:ext cx="0" cy="0"/>
+          <a:chOff x="0" y="0"/>
+          <a:chExt cx="0" cy="0"/>
+        </a:xfrm>
+      </p:grpSpPr>
+      <p:sp>
+        <p:nvSpPr>
+          <p:cNvPr id="2" name="标题 1">
+            <a:extLst>
+              <a:ext uri="{FF2B5EF4-FFF2-40B4-BE49-F238E27FC236}">
+                <a16:creationId xmlns:a16="http://schemas.microsoft.com/office/drawing/2014/main" id="{CE2AF79E-E135-4CC8-A9E4-9B0E409EFD31}"/>
+              </a:ext>
+            </a:extLst>
+          </p:cNvPr>
+          <p:cNvSpPr>
+            <a:spLocks noGrp="1"/>
+          </p:cNvSpPr>
+          <p:nvPr>
+            <p:ph type="title"/>
+          </p:nvPr>
+        </p:nvSpPr>
+        <p:spPr>
+          <a:xfrm>
+            <a:off x="838200" y="328475"/>
+            <a:ext cx="10515600" cy="577048"/>
+          </a:xfrm>
+        </p:spPr>
+        <p:txBody>
+          <a:bodyPr>
+            <a:normAutofit fontScale="90000"/>
+          </a:bodyPr>
+          <a:lstStyle/>
+          <a:p>
+            <a:r>
+              <a:rPr lang="zh-CN" altLang="en-US" sz="3600" dirty="0"/>
+              <a:t>类型检查和转换</a:t>
+            </a:r>
+            <a:endParaRPr lang="en-US" altLang="zh-CN" sz="3600" dirty="0"/>
+          </a:p>
+        </p:txBody>
+      </p:sp>
+      <p:sp>
+        <p:nvSpPr>
+          <p:cNvPr id="3" name="内容占位符 2">
+            <a:extLst>
+              <a:ext uri="{FF2B5EF4-FFF2-40B4-BE49-F238E27FC236}">
+                <a16:creationId xmlns:a16="http://schemas.microsoft.com/office/drawing/2014/main" id="{8A9A9357-CBDA-4879-9759-7D2BDA22296E}"/>
+              </a:ext>
+            </a:extLst>
+          </p:cNvPr>
+          <p:cNvSpPr>
+            <a:spLocks noGrp="1"/>
+          </p:cNvSpPr>
+          <p:nvPr>
+            <p:ph idx="1"/>
+          </p:nvPr>
+        </p:nvSpPr>
+        <p:spPr>
+          <a:xfrm>
+            <a:off x="838199" y="905523"/>
+            <a:ext cx="11158057" cy="5810436"/>
+          </a:xfrm>
+        </p:spPr>
+        <p:txBody>
+          <a:bodyPr>
             <a:normAutofit/>
           </a:bodyPr>
           <a:lstStyle/>
@@ -8909,94 +9131,94 @@
               <a:buNone/>
             </a:pPr>
             <a:r>
-              <a:rPr lang="en-US" altLang="zh-CN" sz="1800" dirty="0" smtClean="0"/>
+              <a:rPr lang="en-US" altLang="zh-CN" sz="1800" dirty="0"/>
               <a:t>2</a:t>
             </a:r>
             <a:r>
-              <a:rPr lang="zh-CN" altLang="en-US" sz="1800" dirty="0" smtClean="0"/>
+              <a:rPr lang="zh-CN" altLang="en-US" sz="1800" dirty="0"/>
               <a:t>、转换操作符</a:t>
             </a:r>
-            <a:endParaRPr lang="en-US" altLang="zh-CN" sz="1800" dirty="0" smtClean="0"/>
-          </a:p>
-          <a:p>
-            <a:pPr marL="0" indent="0">
-              <a:buNone/>
-            </a:pPr>
-            <a:r>
-              <a:rPr lang="zh-CN" altLang="en-US" sz="1800" dirty="0" smtClean="0"/>
+            <a:endParaRPr lang="en-US" altLang="zh-CN" sz="1800" dirty="0"/>
+          </a:p>
+          <a:p>
+            <a:pPr marL="0" indent="0">
+              <a:buNone/>
+            </a:pPr>
+            <a:r>
+              <a:rPr lang="zh-CN" altLang="en-US" sz="1800" dirty="0"/>
               <a:t>操作符分为两类：</a:t>
             </a:r>
-            <a:endParaRPr lang="en-US" altLang="zh-CN" sz="1800" dirty="0" smtClean="0"/>
-          </a:p>
-          <a:p>
-            <a:pPr marL="0" indent="0">
-              <a:buNone/>
-            </a:pPr>
-            <a:r>
-              <a:rPr lang="en-US" altLang="zh-CN" sz="1800" dirty="0" smtClean="0"/>
+            <a:endParaRPr lang="en-US" altLang="zh-CN" sz="1800" dirty="0"/>
+          </a:p>
+          <a:p>
+            <a:pPr marL="0" indent="0">
+              <a:buNone/>
+            </a:pPr>
+            <a:r>
+              <a:rPr lang="en-US" altLang="zh-CN" sz="1800" dirty="0"/>
               <a:t>---</a:t>
             </a:r>
             <a:r>
-              <a:rPr lang="zh-CN" altLang="en-US" sz="1800" dirty="0" smtClean="0"/>
+              <a:rPr lang="zh-CN" altLang="en-US" sz="1800" dirty="0"/>
               <a:t>不安全的操作符</a:t>
             </a:r>
             <a:r>
-              <a:rPr lang="en-US" altLang="zh-CN" sz="1800" dirty="0" smtClean="0"/>
+              <a:rPr lang="en-US" altLang="zh-CN" sz="1800" dirty="0"/>
               <a:t>as</a:t>
             </a:r>
             <a:r>
-              <a:rPr lang="zh-CN" altLang="en-US" sz="1800" dirty="0" smtClean="0"/>
+              <a:rPr lang="zh-CN" altLang="en-US" sz="1800" dirty="0"/>
               <a:t>，若转换失败则抛出异常</a:t>
             </a:r>
-            <a:endParaRPr lang="en-US" altLang="zh-CN" sz="1800" dirty="0" smtClean="0"/>
-          </a:p>
-          <a:p>
-            <a:pPr marL="0" indent="0">
-              <a:buNone/>
-            </a:pPr>
-            <a:r>
-              <a:rPr lang="en-US" altLang="zh-CN" sz="1800" dirty="0" smtClean="0"/>
+            <a:endParaRPr lang="en-US" altLang="zh-CN" sz="1800" dirty="0"/>
+          </a:p>
+          <a:p>
+            <a:pPr marL="0" indent="0">
+              <a:buNone/>
+            </a:pPr>
+            <a:r>
+              <a:rPr lang="en-US" altLang="zh-CN" sz="1800" dirty="0"/>
               <a:t>---</a:t>
             </a:r>
             <a:r>
-              <a:rPr lang="zh-CN" altLang="en-US" sz="1800" dirty="0" smtClean="0"/>
+              <a:rPr lang="zh-CN" altLang="en-US" sz="1800" dirty="0"/>
               <a:t>安全的操作符</a:t>
             </a:r>
             <a:r>
-              <a:rPr lang="en-US" altLang="zh-CN" sz="1800" dirty="0" smtClean="0"/>
+              <a:rPr lang="en-US" altLang="zh-CN" sz="1800" dirty="0"/>
               <a:t>as</a:t>
             </a:r>
             <a:r>
-              <a:rPr lang="zh-CN" altLang="en-US" sz="1800" dirty="0" smtClean="0"/>
+              <a:rPr lang="zh-CN" altLang="en-US" sz="1800" dirty="0"/>
               <a:t>？，若转换失败则返回</a:t>
             </a:r>
             <a:r>
-              <a:rPr lang="en-US" altLang="zh-CN" sz="1800" dirty="0" smtClean="0"/>
+              <a:rPr lang="en-US" altLang="zh-CN" sz="1800" dirty="0"/>
               <a:t>null</a:t>
             </a:r>
             <a:r>
-              <a:rPr lang="zh-CN" altLang="en-US" sz="1800" dirty="0" smtClean="0"/>
+              <a:rPr lang="zh-CN" altLang="en-US" sz="1800" dirty="0"/>
               <a:t>。</a:t>
             </a:r>
-            <a:endParaRPr lang="en-US" altLang="zh-CN" sz="1800" dirty="0" smtClean="0"/>
-          </a:p>
-          <a:p>
-            <a:pPr marL="0" indent="0">
-              <a:buNone/>
-            </a:pPr>
-            <a:endParaRPr lang="en-US" altLang="zh-CN" sz="1800" dirty="0" smtClean="0"/>
-          </a:p>
-          <a:p>
-            <a:pPr marL="0" indent="0">
-              <a:buNone/>
-            </a:pPr>
-            <a:endParaRPr lang="en-US" altLang="zh-CN" sz="1800" dirty="0"/>
-          </a:p>
-          <a:p>
-            <a:pPr marL="0" indent="0">
-              <a:buNone/>
-            </a:pPr>
-            <a:endParaRPr lang="en-US" altLang="zh-CN" sz="1800" dirty="0" smtClean="0"/>
+            <a:endParaRPr lang="en-US" altLang="zh-CN" sz="1800" dirty="0"/>
+          </a:p>
+          <a:p>
+            <a:pPr marL="0" indent="0">
+              <a:buNone/>
+            </a:pPr>
+            <a:endParaRPr lang="en-US" altLang="zh-CN" sz="1800" dirty="0"/>
+          </a:p>
+          <a:p>
+            <a:pPr marL="0" indent="0">
+              <a:buNone/>
+            </a:pPr>
+            <a:endParaRPr lang="en-US" altLang="zh-CN" sz="1800" dirty="0"/>
+          </a:p>
+          <a:p>
+            <a:pPr marL="0" indent="0">
+              <a:buNone/>
+            </a:pPr>
+            <a:endParaRPr lang="en-US" altLang="zh-CN" sz="1800" dirty="0"/>
           </a:p>
           <a:p>
             <a:pPr marL="0" indent="0">
@@ -9046,13 +9268,298 @@
   <p:clrMapOvr>
     <a:masterClrMapping/>
   </p:clrMapOvr>
-  <p:timing>
-    <p:tnLst>
-      <p:par>
-        <p:cTn id="1" dur="indefinite" restart="never" nodeType="tmRoot"/>
-      </p:par>
-    </p:tnLst>
-  </p:timing>
+</p:sld>
+</file>
+
+<file path=ppt/slides/slide29.xml><?xml version="1.0" encoding="utf-8"?>
+<p:sld xmlns:a="http://schemas.openxmlformats.org/drawingml/2006/main" xmlns:r="http://schemas.openxmlformats.org/officeDocument/2006/relationships" xmlns:p="http://schemas.openxmlformats.org/presentationml/2006/main">
+  <p:cSld>
+    <p:spTree>
+      <p:nvGrpSpPr>
+        <p:cNvPr id="1" name=""/>
+        <p:cNvGrpSpPr/>
+        <p:nvPr/>
+      </p:nvGrpSpPr>
+      <p:grpSpPr>
+        <a:xfrm>
+          <a:off x="0" y="0"/>
+          <a:ext cx="0" cy="0"/>
+          <a:chOff x="0" y="0"/>
+          <a:chExt cx="0" cy="0"/>
+        </a:xfrm>
+      </p:grpSpPr>
+      <p:sp>
+        <p:nvSpPr>
+          <p:cNvPr id="2" name="标题 1">
+            <a:extLst>
+              <a:ext uri="{FF2B5EF4-FFF2-40B4-BE49-F238E27FC236}">
+                <a16:creationId xmlns:a16="http://schemas.microsoft.com/office/drawing/2014/main" id="{CE2AF79E-E135-4CC8-A9E4-9B0E409EFD31}"/>
+              </a:ext>
+            </a:extLst>
+          </p:cNvPr>
+          <p:cNvSpPr>
+            <a:spLocks noGrp="1"/>
+          </p:cNvSpPr>
+          <p:nvPr>
+            <p:ph type="title"/>
+          </p:nvPr>
+        </p:nvSpPr>
+        <p:spPr>
+          <a:xfrm>
+            <a:off x="838200" y="328475"/>
+            <a:ext cx="10515600" cy="577048"/>
+          </a:xfrm>
+        </p:spPr>
+        <p:txBody>
+          <a:bodyPr>
+            <a:normAutofit fontScale="90000"/>
+          </a:bodyPr>
+          <a:lstStyle/>
+          <a:p>
+            <a:r>
+              <a:rPr lang="zh-CN" altLang="en-US" sz="3600" dirty="0"/>
+              <a:t>接口</a:t>
+            </a:r>
+            <a:endParaRPr lang="en-US" altLang="zh-CN" sz="3600" dirty="0"/>
+          </a:p>
+        </p:txBody>
+      </p:sp>
+      <p:sp>
+        <p:nvSpPr>
+          <p:cNvPr id="3" name="内容占位符 2">
+            <a:extLst>
+              <a:ext uri="{FF2B5EF4-FFF2-40B4-BE49-F238E27FC236}">
+                <a16:creationId xmlns:a16="http://schemas.microsoft.com/office/drawing/2014/main" id="{8A9A9357-CBDA-4879-9759-7D2BDA22296E}"/>
+              </a:ext>
+            </a:extLst>
+          </p:cNvPr>
+          <p:cNvSpPr>
+            <a:spLocks noGrp="1"/>
+          </p:cNvSpPr>
+          <p:nvPr>
+            <p:ph idx="1"/>
+          </p:nvPr>
+        </p:nvSpPr>
+        <p:spPr>
+          <a:xfrm>
+            <a:off x="838199" y="905523"/>
+            <a:ext cx="11158057" cy="5810436"/>
+          </a:xfrm>
+        </p:spPr>
+        <p:txBody>
+          <a:bodyPr>
+            <a:normAutofit fontScale="92500" lnSpcReduction="10000"/>
+          </a:bodyPr>
+          <a:lstStyle/>
+          <a:p>
+            <a:pPr marL="0" indent="0">
+              <a:buNone/>
+            </a:pPr>
+            <a:r>
+              <a:rPr lang="en-US" altLang="zh-CN" sz="1800" dirty="0" err="1"/>
+              <a:t>Kotlin</a:t>
+            </a:r>
+            <a:r>
+              <a:rPr lang="en-US" altLang="zh-CN" sz="1800" dirty="0"/>
+              <a:t> </a:t>
+            </a:r>
+            <a:r>
+              <a:rPr lang="zh-CN" altLang="en-US" sz="1800" dirty="0"/>
+              <a:t>的接口与 </a:t>
+            </a:r>
+            <a:r>
+              <a:rPr lang="en-US" altLang="zh-CN" sz="1800" dirty="0"/>
+              <a:t>Java 8 </a:t>
+            </a:r>
+            <a:r>
+              <a:rPr lang="zh-CN" altLang="en-US" sz="1800" dirty="0"/>
+              <a:t>类似，既包含抽象方法的声明，也包含实现。与抽象类不同的是，接口无法保存状态。它可以有属性但必须声明为抽象或提供访问器实现。</a:t>
+            </a:r>
+            <a:endParaRPr lang="en-US" altLang="zh-CN" sz="1800" dirty="0"/>
+          </a:p>
+          <a:p>
+            <a:pPr marL="0" indent="0">
+              <a:buNone/>
+            </a:pPr>
+            <a:r>
+              <a:rPr lang="en-US" altLang="zh-CN" sz="1800" dirty="0"/>
+              <a:t>																              </a:t>
+            </a:r>
+          </a:p>
+          <a:p>
+            <a:pPr marL="0" indent="0">
+              <a:buNone/>
+            </a:pPr>
+            <a:endParaRPr lang="en-US" altLang="zh-CN" sz="1800" dirty="0"/>
+          </a:p>
+          <a:p>
+            <a:pPr marL="0" indent="0">
+              <a:buNone/>
+            </a:pPr>
+            <a:endParaRPr lang="en-US" altLang="zh-CN" sz="1800" dirty="0"/>
+          </a:p>
+          <a:p>
+            <a:pPr marL="0" indent="0">
+              <a:buNone/>
+            </a:pPr>
+            <a:endParaRPr lang="en-US" altLang="zh-CN" sz="1800" dirty="0"/>
+          </a:p>
+          <a:p>
+            <a:pPr marL="0" indent="0">
+              <a:buNone/>
+            </a:pPr>
+            <a:endParaRPr lang="en-US" altLang="zh-CN" sz="1800" dirty="0"/>
+          </a:p>
+          <a:p>
+            <a:pPr marL="0" indent="0">
+              <a:buNone/>
+            </a:pPr>
+            <a:endParaRPr lang="en-US" altLang="zh-CN" sz="1800" dirty="0"/>
+          </a:p>
+          <a:p>
+            <a:pPr marL="0" indent="0">
+              <a:buNone/>
+            </a:pPr>
+            <a:endParaRPr lang="en-US" altLang="zh-CN" sz="1800" dirty="0"/>
+          </a:p>
+          <a:p>
+            <a:pPr marL="0" indent="0">
+              <a:buNone/>
+            </a:pPr>
+            <a:endParaRPr lang="en-US" altLang="zh-CN" sz="1800" dirty="0"/>
+          </a:p>
+          <a:p>
+            <a:pPr marL="0" indent="0">
+              <a:buNone/>
+            </a:pPr>
+            <a:endParaRPr lang="en-US" altLang="zh-CN" sz="1800" dirty="0"/>
+          </a:p>
+          <a:p>
+            <a:pPr marL="0" indent="0">
+              <a:buNone/>
+            </a:pPr>
+            <a:endParaRPr lang="en-US" altLang="zh-CN" sz="1800" dirty="0"/>
+          </a:p>
+          <a:p>
+            <a:pPr marL="0" indent="0">
+              <a:buNone/>
+            </a:pPr>
+            <a:endParaRPr lang="en-US" altLang="zh-CN" sz="1800" dirty="0"/>
+          </a:p>
+          <a:p>
+            <a:pPr marL="0" indent="0">
+              <a:buNone/>
+            </a:pPr>
+            <a:endParaRPr lang="en-US" altLang="zh-CN" sz="1800" dirty="0"/>
+          </a:p>
+          <a:p>
+            <a:pPr marL="0" indent="0">
+              <a:buNone/>
+            </a:pPr>
+            <a:endParaRPr lang="en-US" altLang="zh-CN" sz="1800" dirty="0"/>
+          </a:p>
+          <a:p>
+            <a:pPr marL="0" indent="0">
+              <a:buNone/>
+            </a:pPr>
+            <a:r>
+              <a:rPr lang="en-US" altLang="zh-CN" sz="1800" dirty="0"/>
+              <a:t> </a:t>
+            </a:r>
+            <a:r>
+              <a:rPr lang="zh-CN" altLang="en-US" sz="1800" dirty="0"/>
+              <a:t>优点：</a:t>
+            </a:r>
+            <a:r>
+              <a:rPr lang="en-US" altLang="zh-CN" sz="1800" dirty="0"/>
+              <a:t>1</a:t>
+            </a:r>
+            <a:r>
+              <a:rPr lang="zh-CN" altLang="en-US" sz="1800" dirty="0"/>
+              <a:t>、通过默认实现，可以让派生类只实现自己想实现的方法。</a:t>
+            </a:r>
+            <a:endParaRPr lang="en-US" altLang="zh-CN" sz="1800" dirty="0"/>
+          </a:p>
+          <a:p>
+            <a:pPr marL="0" indent="0">
+              <a:buNone/>
+            </a:pPr>
+            <a:r>
+              <a:rPr lang="en-US" altLang="zh-CN" sz="1800" dirty="0"/>
+              <a:t>            2</a:t>
+            </a:r>
+            <a:r>
+              <a:rPr lang="zh-CN" altLang="en-US" sz="1800" dirty="0"/>
+              <a:t>、让接口承担一部分抽象类的功能，这在只能单根继承的语言中无疑是很有用的。                                                                                                              </a:t>
+            </a:r>
+            <a:endParaRPr lang="en-US" altLang="zh-CN" sz="1800" dirty="0"/>
+          </a:p>
+          <a:p>
+            <a:pPr marL="0" indent="0">
+              <a:buNone/>
+            </a:pPr>
+            <a:endParaRPr lang="en-US" altLang="zh-CN" sz="1800" dirty="0"/>
+          </a:p>
+          <a:p>
+            <a:pPr marL="0" indent="0">
+              <a:buNone/>
+            </a:pPr>
+            <a:endParaRPr lang="en-US" altLang="zh-CN" sz="1800" dirty="0"/>
+          </a:p>
+          <a:p>
+            <a:pPr marL="0" indent="0">
+              <a:buNone/>
+            </a:pPr>
+            <a:endParaRPr lang="en-US" altLang="zh-CN" sz="1800" dirty="0"/>
+          </a:p>
+          <a:p>
+            <a:pPr marL="0" indent="0">
+              <a:buNone/>
+            </a:pPr>
+            <a:endParaRPr lang="en-US" altLang="zh-CN" sz="1800" dirty="0"/>
+          </a:p>
+        </p:txBody>
+      </p:sp>
+      <p:pic>
+        <p:nvPicPr>
+          <p:cNvPr id="5" name="图片 4">
+            <a:extLst>
+              <a:ext uri="{FF2B5EF4-FFF2-40B4-BE49-F238E27FC236}">
+                <a16:creationId xmlns:a16="http://schemas.microsoft.com/office/drawing/2014/main" id="{26B8B165-8106-49EF-B8A2-0EB7B4BF1409}"/>
+              </a:ext>
+            </a:extLst>
+          </p:cNvPr>
+          <p:cNvPicPr>
+            <a:picLocks noChangeAspect="1"/>
+          </p:cNvPicPr>
+          <p:nvPr/>
+        </p:nvPicPr>
+        <p:blipFill>
+          <a:blip r:embed="rId2"/>
+          <a:stretch>
+            <a:fillRect/>
+          </a:stretch>
+        </p:blipFill>
+        <p:spPr>
+          <a:xfrm>
+            <a:off x="941444" y="1423849"/>
+            <a:ext cx="3974505" cy="4496322"/>
+          </a:xfrm>
+          <a:prstGeom prst="rect">
+            <a:avLst/>
+          </a:prstGeom>
+        </p:spPr>
+      </p:pic>
+    </p:spTree>
+    <p:extLst>
+      <p:ext uri="{BB962C8B-B14F-4D97-AF65-F5344CB8AC3E}">
+        <p14:creationId xmlns:p14="http://schemas.microsoft.com/office/powerpoint/2010/main" val="2881598239"/>
+      </p:ext>
+    </p:extLst>
+  </p:cSld>
+  <p:clrMapOvr>
+    <a:masterClrMapping/>
+  </p:clrMapOvr>
 </p:sld>
 </file>
 
@@ -9101,10 +9608,6 @@
           </a:bodyPr>
           <a:lstStyle/>
           <a:p>
-            <a:r>
-              <a:rPr lang="en-US" altLang="zh-CN" sz="3600" dirty="0"/>
-              <a:t/>
-            </a:r>
             <a:br>
               <a:rPr lang="en-US" altLang="zh-CN" sz="3600" dirty="0"/>
             </a:br>
@@ -9127,10 +9630,6 @@
             <a:r>
               <a:rPr lang="zh-CN" altLang="en-US" sz="3600" dirty="0"/>
               <a:t>的特性？</a:t>
-            </a:r>
-            <a:r>
-              <a:rPr lang="en-US" altLang="zh-CN" sz="3600" dirty="0"/>
-              <a:t/>
             </a:r>
             <a:br>
               <a:rPr lang="en-US" altLang="zh-CN" sz="3600" dirty="0"/>
@@ -10166,6 +10665,233 @@
 </p:sld>
 </file>
 
+<file path=ppt/slides/slide30.xml><?xml version="1.0" encoding="utf-8"?>
+<p:sld xmlns:a="http://schemas.openxmlformats.org/drawingml/2006/main" xmlns:r="http://schemas.openxmlformats.org/officeDocument/2006/relationships" xmlns:p="http://schemas.openxmlformats.org/presentationml/2006/main">
+  <p:cSld>
+    <p:spTree>
+      <p:nvGrpSpPr>
+        <p:cNvPr id="1" name=""/>
+        <p:cNvGrpSpPr/>
+        <p:nvPr/>
+      </p:nvGrpSpPr>
+      <p:grpSpPr>
+        <a:xfrm>
+          <a:off x="0" y="0"/>
+          <a:ext cx="0" cy="0"/>
+          <a:chOff x="0" y="0"/>
+          <a:chExt cx="0" cy="0"/>
+        </a:xfrm>
+      </p:grpSpPr>
+      <p:sp>
+        <p:nvSpPr>
+          <p:cNvPr id="2" name="标题 1">
+            <a:extLst>
+              <a:ext uri="{FF2B5EF4-FFF2-40B4-BE49-F238E27FC236}">
+                <a16:creationId xmlns:a16="http://schemas.microsoft.com/office/drawing/2014/main" id="{CE2AF79E-E135-4CC8-A9E4-9B0E409EFD31}"/>
+              </a:ext>
+            </a:extLst>
+          </p:cNvPr>
+          <p:cNvSpPr>
+            <a:spLocks noGrp="1"/>
+          </p:cNvSpPr>
+          <p:nvPr>
+            <p:ph type="title"/>
+          </p:nvPr>
+        </p:nvSpPr>
+        <p:spPr>
+          <a:xfrm>
+            <a:off x="838200" y="328475"/>
+            <a:ext cx="10515600" cy="577048"/>
+          </a:xfrm>
+        </p:spPr>
+        <p:txBody>
+          <a:bodyPr>
+            <a:normAutofit fontScale="90000"/>
+          </a:bodyPr>
+          <a:lstStyle/>
+          <a:p>
+            <a:r>
+              <a:rPr lang="zh-CN" altLang="en-US" sz="3600" dirty="0"/>
+              <a:t>学习资料</a:t>
+            </a:r>
+            <a:endParaRPr lang="en-US" altLang="zh-CN" sz="3600" dirty="0"/>
+          </a:p>
+        </p:txBody>
+      </p:sp>
+      <p:sp>
+        <p:nvSpPr>
+          <p:cNvPr id="3" name="内容占位符 2">
+            <a:extLst>
+              <a:ext uri="{FF2B5EF4-FFF2-40B4-BE49-F238E27FC236}">
+                <a16:creationId xmlns:a16="http://schemas.microsoft.com/office/drawing/2014/main" id="{8A9A9357-CBDA-4879-9759-7D2BDA22296E}"/>
+              </a:ext>
+            </a:extLst>
+          </p:cNvPr>
+          <p:cNvSpPr>
+            <a:spLocks noGrp="1"/>
+          </p:cNvSpPr>
+          <p:nvPr>
+            <p:ph idx="1"/>
+          </p:nvPr>
+        </p:nvSpPr>
+        <p:spPr>
+          <a:xfrm>
+            <a:off x="838199" y="905523"/>
+            <a:ext cx="11158057" cy="5810436"/>
+          </a:xfrm>
+        </p:spPr>
+        <p:txBody>
+          <a:bodyPr>
+            <a:normAutofit/>
+          </a:bodyPr>
+          <a:lstStyle/>
+          <a:p>
+            <a:pPr marL="0" indent="0">
+              <a:buNone/>
+            </a:pPr>
+            <a:r>
+              <a:rPr lang="en-US" altLang="zh-CN" sz="1800" dirty="0"/>
+              <a:t>1</a:t>
+            </a:r>
+            <a:r>
+              <a:rPr lang="zh-CN" altLang="en-US" sz="1800" dirty="0"/>
+              <a:t>、</a:t>
+            </a:r>
+            <a:r>
+              <a:rPr lang="en-US" altLang="zh-CN" sz="1800" dirty="0" err="1"/>
+              <a:t>Kotlin</a:t>
+            </a:r>
+            <a:r>
+              <a:rPr lang="zh-CN" altLang="en-US" sz="1800" dirty="0"/>
+              <a:t>中文官网</a:t>
+            </a:r>
+            <a:endParaRPr lang="en-US" altLang="zh-CN" sz="1800" dirty="0"/>
+          </a:p>
+          <a:p>
+            <a:pPr marL="0" indent="0">
+              <a:buNone/>
+            </a:pPr>
+            <a:r>
+              <a:rPr lang="en-US" altLang="zh-CN" sz="1800" dirty="0">
+                <a:hlinkClick r:id="rId2"/>
+              </a:rPr>
+              <a:t>https://www.kotlincn.net/</a:t>
+            </a:r>
+            <a:endParaRPr lang="en-US" altLang="zh-CN" sz="1800" dirty="0"/>
+          </a:p>
+          <a:p>
+            <a:pPr marL="0" indent="0">
+              <a:buNone/>
+            </a:pPr>
+            <a:endParaRPr lang="en-US" altLang="zh-CN" sz="1800" dirty="0"/>
+          </a:p>
+          <a:p>
+            <a:pPr marL="0" indent="0">
+              <a:buNone/>
+            </a:pPr>
+            <a:r>
+              <a:rPr lang="en-US" altLang="zh-CN" sz="1800" dirty="0"/>
+              <a:t>2</a:t>
+            </a:r>
+            <a:r>
+              <a:rPr lang="zh-CN" altLang="en-US" sz="1800" dirty="0"/>
+              <a:t>、</a:t>
+            </a:r>
+            <a:r>
+              <a:rPr lang="en-US" altLang="zh-CN" sz="1800" dirty="0" err="1"/>
+              <a:t>kotlin</a:t>
+            </a:r>
+            <a:r>
+              <a:rPr lang="en-US" altLang="zh-CN" sz="1800" dirty="0"/>
+              <a:t>-for-android-</a:t>
+            </a:r>
+            <a:r>
+              <a:rPr lang="en-US" altLang="zh-CN" sz="1800" dirty="0" err="1"/>
+              <a:t>develpers</a:t>
+            </a:r>
+            <a:r>
+              <a:rPr lang="en-US" altLang="zh-CN" sz="1800" dirty="0"/>
+              <a:t>-</a:t>
+            </a:r>
+            <a:r>
+              <a:rPr lang="en-US" altLang="zh-CN" sz="1800" dirty="0" err="1"/>
+              <a:t>zh</a:t>
+            </a:r>
+            <a:r>
+              <a:rPr lang="zh-CN" altLang="en-US" sz="1800" dirty="0"/>
+              <a:t>（中文版）</a:t>
+            </a:r>
+            <a:endParaRPr lang="en-US" altLang="zh-CN" sz="1800" dirty="0"/>
+          </a:p>
+          <a:p>
+            <a:pPr marL="0" indent="0">
+              <a:buNone/>
+            </a:pPr>
+            <a:r>
+              <a:rPr lang="en-US" altLang="zh-CN" sz="1800" dirty="0">
+                <a:hlinkClick r:id="rId3"/>
+              </a:rPr>
+              <a:t>https://github.com/wangjiegulu/kotlin-for-android-developers-zh</a:t>
+            </a:r>
+            <a:endParaRPr lang="en-US" altLang="zh-CN" sz="1800" dirty="0"/>
+          </a:p>
+          <a:p>
+            <a:pPr marL="0" indent="0">
+              <a:buNone/>
+            </a:pPr>
+            <a:endParaRPr lang="en-US" altLang="zh-CN" sz="1800" dirty="0"/>
+          </a:p>
+          <a:p>
+            <a:pPr marL="0" indent="0">
+              <a:buNone/>
+            </a:pPr>
+            <a:r>
+              <a:rPr lang="en-US" altLang="zh-CN" sz="1800" dirty="0"/>
+              <a:t>3</a:t>
+            </a:r>
+            <a:r>
+              <a:rPr lang="zh-CN" altLang="en-US" sz="1800" dirty="0"/>
+              <a:t>、</a:t>
+            </a:r>
+            <a:r>
+              <a:rPr lang="en-US" altLang="zh-CN" sz="1800" dirty="0" err="1"/>
+              <a:t>KotlinWeatherDemo</a:t>
+            </a:r>
+            <a:endParaRPr lang="en-US" altLang="zh-CN" sz="1800" dirty="0"/>
+          </a:p>
+          <a:p>
+            <a:pPr marL="0" indent="0">
+              <a:buNone/>
+            </a:pPr>
+            <a:r>
+              <a:rPr lang="en-US" altLang="zh-CN" sz="1800" dirty="0">
+                <a:hlinkClick r:id="rId4"/>
+              </a:rPr>
+              <a:t>https://github.com/shenbibo/KotlinWeather</a:t>
+            </a:r>
+            <a:endParaRPr lang="en-US" altLang="zh-CN" sz="1800" dirty="0"/>
+          </a:p>
+          <a:p>
+            <a:pPr marL="0" indent="0">
+              <a:buNone/>
+            </a:pPr>
+            <a:endParaRPr lang="en-US" altLang="zh-CN" sz="1800" dirty="0"/>
+          </a:p>
+        </p:txBody>
+      </p:sp>
+    </p:spTree>
+    <p:extLst>
+      <p:ext uri="{BB962C8B-B14F-4D97-AF65-F5344CB8AC3E}">
+        <p14:creationId xmlns:p14="http://schemas.microsoft.com/office/powerpoint/2010/main" val="3937334142"/>
+      </p:ext>
+    </p:extLst>
+  </p:cSld>
+  <p:clrMapOvr>
+    <a:masterClrMapping/>
+  </p:clrMapOvr>
+</p:sld>
+</file>
+
 <file path=ppt/slides/slide4.xml><?xml version="1.0" encoding="utf-8"?>
 <p:sld xmlns:a="http://schemas.openxmlformats.org/drawingml/2006/main" xmlns:r="http://schemas.openxmlformats.org/officeDocument/2006/relationships" xmlns:p="http://schemas.openxmlformats.org/presentationml/2006/main">
   <p:cSld>
@@ -10211,10 +10937,6 @@
           </a:bodyPr>
           <a:lstStyle/>
           <a:p>
-            <a:r>
-              <a:rPr lang="en-US" altLang="zh-CN" sz="3600" dirty="0"/>
-              <a:t/>
-            </a:r>
             <a:br>
               <a:rPr lang="en-US" altLang="zh-CN" sz="3600" dirty="0"/>
             </a:br>
@@ -10245,10 +10967,6 @@
             <a:r>
               <a:rPr lang="zh-CN" altLang="en-US" sz="3600" dirty="0"/>
               <a:t>霍尔，图灵奖得主）</a:t>
-            </a:r>
-            <a:r>
-              <a:rPr lang="en-US" altLang="zh-CN" sz="3600" dirty="0"/>
-              <a:t/>
             </a:r>
             <a:br>
               <a:rPr lang="en-US" altLang="zh-CN" sz="3600" dirty="0"/>
@@ -10586,24 +11304,10 @@
           <a:lstStyle/>
           <a:p>
             <a:r>
-              <a:rPr lang="en-US" altLang="zh-CN" sz="3600" dirty="0"/>
-              <a:t/>
-            </a:r>
-            <a:br>
-              <a:rPr lang="en-US" altLang="zh-CN" sz="3600" dirty="0"/>
-            </a:br>
-            <a:r>
               <a:rPr lang="zh-CN" altLang="en-US" sz="3600" dirty="0"/>
-              <a:t>变量，属性</a:t>
-            </a:r>
-            <a:r>
-              <a:rPr lang="en-US" altLang="zh-CN" sz="3600" dirty="0"/>
-              <a:t/>
-            </a:r>
-            <a:br>
-              <a:rPr lang="en-US" altLang="zh-CN" sz="3600" dirty="0"/>
-            </a:br>
-            <a:endParaRPr lang="zh-CN" altLang="en-US" sz="3600" dirty="0"/>
+              <a:t>类与继承</a:t>
+            </a:r>
+            <a:endParaRPr lang="en-US" altLang="zh-CN" sz="3600" dirty="0"/>
           </a:p>
         </p:txBody>
       </p:sp>
@@ -10625,8 +11329,8 @@
         </p:nvSpPr>
         <p:spPr>
           <a:xfrm>
-            <a:off x="838200" y="1047565"/>
-            <a:ext cx="10515600" cy="5129398"/>
+            <a:off x="838199" y="905523"/>
+            <a:ext cx="11158057" cy="5810436"/>
           </a:xfrm>
         </p:spPr>
         <p:txBody>
@@ -10638,231 +11342,62 @@
             <a:pPr marL="0" indent="0">
               <a:buNone/>
             </a:pPr>
-            <a:r>
-              <a:rPr lang="en-US" altLang="zh-CN" sz="2000" dirty="0" err="1"/>
-              <a:t>Kotlin</a:t>
-            </a:r>
-            <a:r>
-              <a:rPr lang="zh-CN" altLang="en-US" sz="2000" dirty="0"/>
-              <a:t>中，一切都是对象，没有像</a:t>
-            </a:r>
-            <a:r>
-              <a:rPr lang="en-US" altLang="zh-CN" sz="2000" dirty="0"/>
-              <a:t>JAVA</a:t>
-            </a:r>
-            <a:r>
-              <a:rPr lang="zh-CN" altLang="en-US" sz="2000" dirty="0"/>
-              <a:t>中那样的基本类型。</a:t>
-            </a:r>
-            <a:endParaRPr lang="en-US" altLang="zh-CN" sz="2000" dirty="0"/>
-          </a:p>
-          <a:p>
-            <a:pPr marL="0" indent="0">
-              <a:buNone/>
-            </a:pPr>
-            <a:r>
-              <a:rPr lang="zh-CN" altLang="en-US" sz="2000" dirty="0"/>
-              <a:t>如 </a:t>
-            </a:r>
-            <a:r>
-              <a:rPr lang="en-US" altLang="zh-CN" sz="2000" dirty="0"/>
-              <a:t>java </a:t>
-            </a:r>
-            <a:r>
-              <a:rPr lang="en-US" altLang="zh-CN" sz="2000" dirty="0" err="1"/>
-              <a:t>int</a:t>
-            </a:r>
-            <a:r>
-              <a:rPr lang="en-US" altLang="zh-CN" sz="2000" dirty="0"/>
-              <a:t> </a:t>
-            </a:r>
-            <a:r>
-              <a:rPr lang="zh-CN" altLang="en-US" sz="2000" dirty="0"/>
-              <a:t>对应 </a:t>
-            </a:r>
-            <a:r>
-              <a:rPr lang="en-US" altLang="zh-CN" sz="2000" dirty="0" err="1"/>
-              <a:t>kotlin</a:t>
-            </a:r>
-            <a:r>
-              <a:rPr lang="zh-CN" altLang="en-US" sz="2000" dirty="0"/>
-              <a:t>中的</a:t>
-            </a:r>
-            <a:r>
-              <a:rPr lang="en-US" altLang="zh-CN" sz="2000" dirty="0" err="1"/>
-              <a:t>Int</a:t>
-            </a:r>
-            <a:r>
-              <a:rPr lang="zh-CN" altLang="en-US" sz="2000" dirty="0"/>
-              <a:t>。正因为如此</a:t>
-            </a:r>
-            <a:r>
-              <a:rPr lang="en-US" altLang="zh-CN" sz="2000" dirty="0" err="1"/>
-              <a:t>kotlin</a:t>
-            </a:r>
-            <a:r>
-              <a:rPr lang="zh-CN" altLang="en-US" sz="2000" dirty="0"/>
-              <a:t>中</a:t>
-            </a:r>
-            <a:r>
-              <a:rPr lang="en-US" altLang="zh-CN" sz="2000" dirty="0" err="1"/>
-              <a:t>Int</a:t>
-            </a:r>
-            <a:r>
-              <a:rPr lang="zh-CN" altLang="en-US" sz="2000" dirty="0"/>
-              <a:t>不能直接转为</a:t>
-            </a:r>
-            <a:r>
-              <a:rPr lang="en-US" altLang="zh-CN" sz="2000" dirty="0"/>
-              <a:t>Long</a:t>
-            </a:r>
-            <a:r>
-              <a:rPr lang="zh-CN" altLang="en-US" sz="2000" dirty="0"/>
-              <a:t>，需要做如下转换：</a:t>
-            </a:r>
-            <a:endParaRPr lang="en-US" altLang="zh-CN" sz="2000" dirty="0"/>
-          </a:p>
-          <a:p>
-            <a:pPr marL="0" indent="0">
-              <a:buNone/>
-            </a:pPr>
-            <a:r>
-              <a:rPr lang="en-US" altLang="zh-CN" sz="2000" dirty="0"/>
-              <a:t>Var </a:t>
-            </a:r>
-            <a:r>
-              <a:rPr lang="en-US" altLang="zh-CN" sz="2000" dirty="0" err="1"/>
-              <a:t>intValue</a:t>
-            </a:r>
-            <a:r>
-              <a:rPr lang="en-US" altLang="zh-CN" sz="2000" dirty="0"/>
-              <a:t> = 3</a:t>
-            </a:r>
-          </a:p>
-          <a:p>
-            <a:pPr marL="0" indent="0">
-              <a:buNone/>
-            </a:pPr>
-            <a:r>
-              <a:rPr lang="en-US" altLang="zh-CN" sz="2000" dirty="0"/>
-              <a:t>Var </a:t>
-            </a:r>
-            <a:r>
-              <a:rPr lang="en-US" altLang="zh-CN" sz="2000" dirty="0" err="1"/>
-              <a:t>longValue</a:t>
-            </a:r>
-            <a:r>
-              <a:rPr lang="en-US" altLang="zh-CN" sz="2000" dirty="0"/>
-              <a:t> = 4L</a:t>
-            </a:r>
-          </a:p>
-          <a:p>
-            <a:pPr marL="0" indent="0">
-              <a:buNone/>
-            </a:pPr>
-            <a:r>
-              <a:rPr lang="en-US" altLang="zh-CN" sz="2000" dirty="0" err="1"/>
-              <a:t>longValue</a:t>
-            </a:r>
-            <a:r>
-              <a:rPr lang="en-US" altLang="zh-CN" sz="2000" dirty="0"/>
-              <a:t> = </a:t>
-            </a:r>
-            <a:r>
-              <a:rPr lang="en-US" altLang="zh-CN" sz="2000" dirty="0" err="1"/>
-              <a:t>intValue.toLong</a:t>
-            </a:r>
-            <a:r>
-              <a:rPr lang="en-US" altLang="zh-CN" sz="2000" dirty="0"/>
-              <a:t>()</a:t>
-            </a:r>
-          </a:p>
-          <a:p>
-            <a:pPr marL="0" indent="0">
-              <a:buNone/>
-            </a:pPr>
-            <a:endParaRPr lang="en-US" altLang="zh-CN" sz="2000" dirty="0"/>
-          </a:p>
-          <a:p>
-            <a:pPr marL="0" indent="0">
-              <a:buNone/>
-            </a:pPr>
-            <a:r>
-              <a:rPr lang="en-US" altLang="zh-CN" sz="2000" dirty="0" err="1"/>
-              <a:t>Kotlin</a:t>
-            </a:r>
-            <a:r>
-              <a:rPr lang="zh-CN" altLang="en-US" sz="2000" dirty="0"/>
-              <a:t>中自动类型推断。</a:t>
-            </a:r>
-            <a:endParaRPr lang="en-US" altLang="zh-CN" sz="2000" dirty="0"/>
-          </a:p>
-          <a:p>
-            <a:pPr marL="0" indent="0">
-              <a:buNone/>
-            </a:pPr>
-            <a:endParaRPr lang="en-US" altLang="zh-CN" sz="2000" dirty="0"/>
-          </a:p>
-          <a:p>
-            <a:pPr marL="0" indent="0">
-              <a:buNone/>
-            </a:pPr>
-            <a:r>
-              <a:rPr lang="en-US" altLang="zh-CN" sz="2000" dirty="0" err="1"/>
-              <a:t>Kotlin</a:t>
-            </a:r>
-            <a:r>
-              <a:rPr lang="zh-CN" altLang="en-US" sz="2000" dirty="0"/>
-              <a:t>中的对象分为可变</a:t>
-            </a:r>
-            <a:r>
-              <a:rPr lang="en-US" altLang="zh-CN" sz="2000" dirty="0"/>
-              <a:t>(</a:t>
-            </a:r>
-            <a:r>
-              <a:rPr lang="en-US" altLang="zh-CN" sz="2000" dirty="0" err="1"/>
-              <a:t>var</a:t>
-            </a:r>
-            <a:r>
-              <a:rPr lang="en-US" altLang="zh-CN" sz="2000" dirty="0"/>
-              <a:t>)</a:t>
-            </a:r>
-            <a:r>
-              <a:rPr lang="zh-CN" altLang="en-US" sz="2000" dirty="0"/>
-              <a:t>和不可变</a:t>
-            </a:r>
-            <a:r>
-              <a:rPr lang="en-US" altLang="zh-CN" sz="2000" dirty="0"/>
-              <a:t>(</a:t>
-            </a:r>
-            <a:r>
-              <a:rPr lang="en-US" altLang="zh-CN" sz="2000" dirty="0" err="1"/>
-              <a:t>val</a:t>
-            </a:r>
-            <a:r>
-              <a:rPr lang="en-US" altLang="zh-CN" sz="2000" dirty="0"/>
-              <a:t>)</a:t>
-            </a:r>
-            <a:r>
-              <a:rPr lang="zh-CN" altLang="en-US" sz="2000" dirty="0"/>
-              <a:t>对象，注意不可变对象和</a:t>
-            </a:r>
-            <a:r>
-              <a:rPr lang="en-US" altLang="zh-CN" sz="2000" dirty="0"/>
-              <a:t>JAVA</a:t>
-            </a:r>
-            <a:r>
-              <a:rPr lang="zh-CN" altLang="en-US" sz="2000" dirty="0"/>
-              <a:t>中一样仅仅是指不可变对象本身，不包含的属性不可变。</a:t>
-            </a:r>
-            <a:endParaRPr lang="zh-CN" altLang="en-US" dirty="0"/>
+            <a:endParaRPr lang="en-US" altLang="zh-CN" sz="1800" dirty="0"/>
+          </a:p>
+          <a:p>
+            <a:pPr marL="0" indent="0">
+              <a:buNone/>
+            </a:pPr>
+            <a:endParaRPr lang="en-US" altLang="zh-CN" sz="1800" dirty="0"/>
+          </a:p>
+          <a:p>
+            <a:pPr marL="0" indent="0">
+              <a:buNone/>
+            </a:pPr>
+            <a:endParaRPr lang="en-US" altLang="zh-CN" sz="1800" dirty="0"/>
+          </a:p>
+          <a:p>
+            <a:pPr marL="0" indent="0">
+              <a:buNone/>
+            </a:pPr>
+            <a:endParaRPr lang="en-US" altLang="zh-CN" sz="1800" dirty="0"/>
           </a:p>
         </p:txBody>
       </p:sp>
+      <p:pic>
+        <p:nvPicPr>
+          <p:cNvPr id="5" name="图片 4">
+            <a:extLst>
+              <a:ext uri="{FF2B5EF4-FFF2-40B4-BE49-F238E27FC236}">
+                <a16:creationId xmlns:a16="http://schemas.microsoft.com/office/drawing/2014/main" id="{8BEE3DD1-F72F-48B4-884C-9734949361F3}"/>
+              </a:ext>
+            </a:extLst>
+          </p:cNvPr>
+          <p:cNvPicPr>
+            <a:picLocks noChangeAspect="1"/>
+          </p:cNvPicPr>
+          <p:nvPr/>
+        </p:nvPicPr>
+        <p:blipFill>
+          <a:blip r:embed="rId2"/>
+          <a:stretch>
+            <a:fillRect/>
+          </a:stretch>
+        </p:blipFill>
+        <p:spPr>
+          <a:xfrm>
+            <a:off x="981866" y="905522"/>
+            <a:ext cx="7314846" cy="5699207"/>
+          </a:xfrm>
+          <a:prstGeom prst="rect">
+            <a:avLst/>
+          </a:prstGeom>
+        </p:spPr>
+      </p:pic>
     </p:spTree>
     <p:extLst>
       <p:ext uri="{BB962C8B-B14F-4D97-AF65-F5344CB8AC3E}">
-        <p14:creationId xmlns:p14="http://schemas.microsoft.com/office/powerpoint/2010/main" val="1039650536"/>
+        <p14:creationId xmlns:p14="http://schemas.microsoft.com/office/powerpoint/2010/main" val="953157083"/>
       </p:ext>
     </p:extLst>
   </p:cSld>
@@ -10917,20 +11452,12 @@
           </a:bodyPr>
           <a:lstStyle/>
           <a:p>
-            <a:r>
-              <a:rPr lang="en-US" altLang="zh-CN" sz="3600" dirty="0"/>
-              <a:t/>
-            </a:r>
             <a:br>
               <a:rPr lang="en-US" altLang="zh-CN" sz="3600" dirty="0"/>
             </a:br>
             <a:r>
               <a:rPr lang="zh-CN" altLang="en-US" sz="3600" dirty="0"/>
               <a:t>变量，属性</a:t>
-            </a:r>
-            <a:r>
-              <a:rPr lang="en-US" altLang="zh-CN" sz="3600" dirty="0"/>
-              <a:t/>
             </a:r>
             <a:br>
               <a:rPr lang="en-US" altLang="zh-CN" sz="3600" dirty="0"/>
@@ -10957,8 +11484,8 @@
         </p:nvSpPr>
         <p:spPr>
           <a:xfrm>
-            <a:off x="838200" y="1047564"/>
-            <a:ext cx="10515600" cy="5610687"/>
+            <a:off x="838200" y="1047565"/>
+            <a:ext cx="10515600" cy="5129398"/>
           </a:xfrm>
         </p:spPr>
         <p:txBody>
@@ -10971,61 +11498,162 @@
               <a:buNone/>
             </a:pPr>
             <a:r>
-              <a:rPr lang="en-US" altLang="zh-CN" sz="1800" dirty="0" err="1"/>
+              <a:rPr lang="en-US" altLang="zh-CN" sz="2000" dirty="0" err="1"/>
               <a:t>Kotlin</a:t>
             </a:r>
             <a:r>
-              <a:rPr lang="zh-CN" altLang="en-US" sz="1800" dirty="0"/>
-              <a:t>中，类的属性类似于</a:t>
-            </a:r>
-            <a:r>
-              <a:rPr lang="en-US" altLang="zh-CN" sz="1800" dirty="0"/>
-              <a:t>java</a:t>
-            </a:r>
-            <a:r>
-              <a:rPr lang="zh-CN" altLang="en-US" sz="1800" dirty="0"/>
-              <a:t>中的类的字段，但是其功能更加强大。属性的功能是字段加上</a:t>
-            </a:r>
-            <a:r>
-              <a:rPr lang="en-US" altLang="zh-CN" sz="1800" dirty="0"/>
-              <a:t>getter</a:t>
-            </a:r>
-            <a:r>
-              <a:rPr lang="zh-CN" altLang="en-US" sz="1800" dirty="0"/>
-              <a:t>和</a:t>
-            </a:r>
-            <a:r>
-              <a:rPr lang="en-US" altLang="zh-CN" sz="1800" dirty="0"/>
-              <a:t>setter</a:t>
-            </a:r>
-            <a:r>
-              <a:rPr lang="zh-CN" altLang="en-US" sz="1800" dirty="0"/>
-              <a:t>方法。</a:t>
-            </a:r>
-            <a:endParaRPr lang="en-US" altLang="zh-CN" sz="1800" dirty="0"/>
-          </a:p>
-          <a:p>
-            <a:pPr marL="0" indent="0">
-              <a:buNone/>
-            </a:pPr>
+              <a:rPr lang="zh-CN" altLang="en-US" sz="2000" dirty="0"/>
+              <a:t>中，一切都是对象，没有像</a:t>
+            </a:r>
+            <a:r>
+              <a:rPr lang="en-US" altLang="zh-CN" sz="2000" dirty="0"/>
+              <a:t>JAVA</a:t>
+            </a:r>
+            <a:r>
+              <a:rPr lang="zh-CN" altLang="en-US" sz="2000" dirty="0"/>
+              <a:t>中那样的基本类型。</a:t>
+            </a:r>
             <a:endParaRPr lang="en-US" altLang="zh-CN" sz="2000" dirty="0"/>
           </a:p>
           <a:p>
             <a:pPr marL="0" indent="0">
               <a:buNone/>
             </a:pPr>
+            <a:r>
+              <a:rPr lang="zh-CN" altLang="en-US" sz="2000" dirty="0"/>
+              <a:t>如 </a:t>
+            </a:r>
+            <a:r>
+              <a:rPr lang="en-US" altLang="zh-CN" sz="2000" dirty="0"/>
+              <a:t>java </a:t>
+            </a:r>
+            <a:r>
+              <a:rPr lang="en-US" altLang="zh-CN" sz="2000" dirty="0" err="1"/>
+              <a:t>int</a:t>
+            </a:r>
+            <a:r>
+              <a:rPr lang="en-US" altLang="zh-CN" sz="2000" dirty="0"/>
+              <a:t> </a:t>
+            </a:r>
+            <a:r>
+              <a:rPr lang="zh-CN" altLang="en-US" sz="2000" dirty="0"/>
+              <a:t>对应 </a:t>
+            </a:r>
+            <a:r>
+              <a:rPr lang="en-US" altLang="zh-CN" sz="2000" dirty="0" err="1"/>
+              <a:t>kotlin</a:t>
+            </a:r>
+            <a:r>
+              <a:rPr lang="zh-CN" altLang="en-US" sz="2000" dirty="0"/>
+              <a:t>中的</a:t>
+            </a:r>
+            <a:r>
+              <a:rPr lang="en-US" altLang="zh-CN" sz="2000" dirty="0" err="1"/>
+              <a:t>Int</a:t>
+            </a:r>
+            <a:r>
+              <a:rPr lang="zh-CN" altLang="en-US" sz="2000" dirty="0"/>
+              <a:t>。正因为如此</a:t>
+            </a:r>
+            <a:r>
+              <a:rPr lang="en-US" altLang="zh-CN" sz="2000" dirty="0" err="1"/>
+              <a:t>kotlin</a:t>
+            </a:r>
+            <a:r>
+              <a:rPr lang="zh-CN" altLang="en-US" sz="2000" dirty="0"/>
+              <a:t>中</a:t>
+            </a:r>
+            <a:r>
+              <a:rPr lang="en-US" altLang="zh-CN" sz="2000" dirty="0" err="1"/>
+              <a:t>Int</a:t>
+            </a:r>
+            <a:r>
+              <a:rPr lang="zh-CN" altLang="en-US" sz="2000" dirty="0"/>
+              <a:t>不能直接转为</a:t>
+            </a:r>
+            <a:r>
+              <a:rPr lang="en-US" altLang="zh-CN" sz="2000" dirty="0"/>
+              <a:t>Long</a:t>
+            </a:r>
+            <a:r>
+              <a:rPr lang="zh-CN" altLang="en-US" sz="2000" dirty="0"/>
+              <a:t>，需要做如下转换：</a:t>
+            </a:r>
             <a:endParaRPr lang="en-US" altLang="zh-CN" sz="2000" dirty="0"/>
           </a:p>
           <a:p>
             <a:pPr marL="0" indent="0">
               <a:buNone/>
             </a:pPr>
+            <a:r>
+              <a:rPr lang="en-US" altLang="zh-CN" sz="2000" dirty="0"/>
+              <a:t>Var </a:t>
+            </a:r>
+            <a:r>
+              <a:rPr lang="en-US" altLang="zh-CN" sz="2000" dirty="0" err="1"/>
+              <a:t>intValue</a:t>
+            </a:r>
+            <a:r>
+              <a:rPr lang="en-US" altLang="zh-CN" sz="2000" dirty="0"/>
+              <a:t> = 3</a:t>
+            </a:r>
+          </a:p>
+          <a:p>
+            <a:pPr marL="0" indent="0">
+              <a:buNone/>
+            </a:pPr>
+            <a:r>
+              <a:rPr lang="en-US" altLang="zh-CN" sz="2000" dirty="0"/>
+              <a:t>Var </a:t>
+            </a:r>
+            <a:r>
+              <a:rPr lang="en-US" altLang="zh-CN" sz="2000" dirty="0" err="1"/>
+              <a:t>longValue</a:t>
+            </a:r>
+            <a:r>
+              <a:rPr lang="en-US" altLang="zh-CN" sz="2000" dirty="0"/>
+              <a:t> = 4L</a:t>
+            </a:r>
+          </a:p>
+          <a:p>
+            <a:pPr marL="0" indent="0">
+              <a:buNone/>
+            </a:pPr>
+            <a:r>
+              <a:rPr lang="en-US" altLang="zh-CN" sz="2000" dirty="0" err="1"/>
+              <a:t>longValue</a:t>
+            </a:r>
+            <a:r>
+              <a:rPr lang="en-US" altLang="zh-CN" sz="2000" dirty="0"/>
+              <a:t> = </a:t>
+            </a:r>
+            <a:r>
+              <a:rPr lang="en-US" altLang="zh-CN" sz="2000" dirty="0" err="1"/>
+              <a:t>intValue.toLong</a:t>
+            </a:r>
+            <a:r>
+              <a:rPr lang="en-US" altLang="zh-CN" sz="2000" dirty="0"/>
+              <a:t>()</a:t>
+            </a:r>
+          </a:p>
+          <a:p>
+            <a:pPr marL="0" indent="0">
+              <a:buNone/>
+            </a:pPr>
             <a:endParaRPr lang="en-US" altLang="zh-CN" sz="2000" dirty="0"/>
           </a:p>
           <a:p>
             <a:pPr marL="0" indent="0">
               <a:buNone/>
             </a:pPr>
+            <a:r>
+              <a:rPr lang="en-US" altLang="zh-CN" sz="2000" dirty="0" err="1"/>
+              <a:t>Kotlin</a:t>
+            </a:r>
+            <a:r>
+              <a:rPr lang="zh-CN" altLang="en-US" sz="2000" dirty="0"/>
+              <a:t>中自动类型推断。</a:t>
+            </a:r>
             <a:endParaRPr lang="en-US" altLang="zh-CN" sz="2000" dirty="0"/>
           </a:p>
           <a:p>
@@ -11038,142 +11666,62 @@
             <a:pPr marL="0" indent="0">
               <a:buNone/>
             </a:pPr>
-            <a:endParaRPr lang="en-US" altLang="zh-CN" sz="2000" dirty="0"/>
-          </a:p>
-          <a:p>
-            <a:pPr marL="0" indent="0">
-              <a:buNone/>
-            </a:pPr>
-            <a:endParaRPr lang="en-US" altLang="zh-CN" sz="2000" dirty="0"/>
-          </a:p>
-          <a:p>
-            <a:pPr marL="0" indent="0">
-              <a:buNone/>
-            </a:pPr>
-            <a:r>
-              <a:rPr lang="zh-CN" altLang="en-US" sz="1800" dirty="0"/>
-              <a:t>当然我们也可以自定</a:t>
-            </a:r>
-            <a:r>
-              <a:rPr lang="en-US" altLang="zh-CN" sz="1800" dirty="0"/>
-              <a:t>getter</a:t>
-            </a:r>
-            <a:r>
-              <a:rPr lang="zh-CN" altLang="en-US" sz="1800" dirty="0"/>
-              <a:t>和</a:t>
-            </a:r>
-            <a:r>
-              <a:rPr lang="en-US" altLang="zh-CN" sz="1800" dirty="0"/>
-              <a:t>setter</a:t>
-            </a:r>
-            <a:r>
-              <a:rPr lang="zh-CN" altLang="en-US" sz="1800" dirty="0"/>
-              <a:t>方法：</a:t>
-            </a:r>
-            <a:endParaRPr lang="en-US" altLang="zh-CN" sz="1800" dirty="0"/>
-          </a:p>
-          <a:p>
-            <a:pPr marL="0" indent="0">
-              <a:buNone/>
-            </a:pPr>
-            <a:endParaRPr lang="en-US" altLang="zh-CN" sz="1800" dirty="0"/>
+            <a:r>
+              <a:rPr lang="en-US" altLang="zh-CN" sz="2000" dirty="0" err="1"/>
+              <a:t>Kotlin</a:t>
+            </a:r>
+            <a:r>
+              <a:rPr lang="zh-CN" altLang="en-US" sz="2000" dirty="0"/>
+              <a:t>中的对象分为可变</a:t>
+            </a:r>
+            <a:r>
+              <a:rPr lang="en-US" altLang="zh-CN" sz="2000" dirty="0"/>
+              <a:t>(</a:t>
+            </a:r>
+            <a:r>
+              <a:rPr lang="en-US" altLang="zh-CN" sz="2000" dirty="0" err="1"/>
+              <a:t>var</a:t>
+            </a:r>
+            <a:r>
+              <a:rPr lang="en-US" altLang="zh-CN" sz="2000" dirty="0"/>
+              <a:t>)</a:t>
+            </a:r>
+            <a:r>
+              <a:rPr lang="zh-CN" altLang="en-US" sz="2000" dirty="0"/>
+              <a:t>和不可变</a:t>
+            </a:r>
+            <a:r>
+              <a:rPr lang="en-US" altLang="zh-CN" sz="2000" dirty="0"/>
+              <a:t>(</a:t>
+            </a:r>
+            <a:r>
+              <a:rPr lang="en-US" altLang="zh-CN" sz="2000" dirty="0" err="1"/>
+              <a:t>val</a:t>
+            </a:r>
+            <a:r>
+              <a:rPr lang="en-US" altLang="zh-CN" sz="2000" dirty="0"/>
+              <a:t>)</a:t>
+            </a:r>
+            <a:r>
+              <a:rPr lang="zh-CN" altLang="en-US" sz="2000" dirty="0"/>
+              <a:t>对象，注意不可变对象和</a:t>
+            </a:r>
+            <a:r>
+              <a:rPr lang="en-US" altLang="zh-CN" sz="2000" dirty="0"/>
+              <a:t>JAVA</a:t>
+            </a:r>
+            <a:r>
+              <a:rPr lang="zh-CN" altLang="en-US" sz="2000" dirty="0"/>
+              <a:t>中一样仅仅是指不可变对象本身，不包含的属性不可变。</a:t>
+            </a:r>
+            <a:endParaRPr lang="zh-CN" altLang="en-US" dirty="0"/>
           </a:p>
         </p:txBody>
       </p:sp>
-      <p:pic>
-        <p:nvPicPr>
-          <p:cNvPr id="5" name="图片 4">
-            <a:extLst>
-              <a:ext uri="{FF2B5EF4-FFF2-40B4-BE49-F238E27FC236}">
-                <a16:creationId xmlns:a16="http://schemas.microsoft.com/office/drawing/2014/main" id="{2D42EBAA-D9E4-49AE-843B-349B7D989B0C}"/>
-              </a:ext>
-            </a:extLst>
-          </p:cNvPr>
-          <p:cNvPicPr>
-            <a:picLocks noChangeAspect="1"/>
-          </p:cNvPicPr>
-          <p:nvPr/>
-        </p:nvPicPr>
-        <p:blipFill>
-          <a:blip r:embed="rId2"/>
-          <a:stretch>
-            <a:fillRect/>
-          </a:stretch>
-        </p:blipFill>
-        <p:spPr>
-          <a:xfrm>
-            <a:off x="982045" y="1764668"/>
-            <a:ext cx="3800475" cy="2371725"/>
-          </a:xfrm>
-          <a:prstGeom prst="rect">
-            <a:avLst/>
-          </a:prstGeom>
-        </p:spPr>
-      </p:pic>
-      <p:pic>
-        <p:nvPicPr>
-          <p:cNvPr id="6" name="图片 5">
-            <a:extLst>
-              <a:ext uri="{FF2B5EF4-FFF2-40B4-BE49-F238E27FC236}">
-                <a16:creationId xmlns:a16="http://schemas.microsoft.com/office/drawing/2014/main" id="{2CEE57E6-ED39-4916-8334-79C55513F67C}"/>
-              </a:ext>
-            </a:extLst>
-          </p:cNvPr>
-          <p:cNvPicPr>
-            <a:picLocks noChangeAspect="1"/>
-          </p:cNvPicPr>
-          <p:nvPr/>
-        </p:nvPicPr>
-        <p:blipFill>
-          <a:blip r:embed="rId3"/>
-          <a:stretch>
-            <a:fillRect/>
-          </a:stretch>
-        </p:blipFill>
-        <p:spPr>
-          <a:xfrm>
-            <a:off x="5868925" y="1764668"/>
-            <a:ext cx="4200525" cy="2371725"/>
-          </a:xfrm>
-          <a:prstGeom prst="rect">
-            <a:avLst/>
-          </a:prstGeom>
-        </p:spPr>
-      </p:pic>
-      <p:pic>
-        <p:nvPicPr>
-          <p:cNvPr id="7" name="图片 6">
-            <a:extLst>
-              <a:ext uri="{FF2B5EF4-FFF2-40B4-BE49-F238E27FC236}">
-                <a16:creationId xmlns:a16="http://schemas.microsoft.com/office/drawing/2014/main" id="{E3DB64E5-66BC-4D1D-96D6-C25D9AF32F97}"/>
-              </a:ext>
-            </a:extLst>
-          </p:cNvPr>
-          <p:cNvPicPr>
-            <a:picLocks noChangeAspect="1"/>
-          </p:cNvPicPr>
-          <p:nvPr/>
-        </p:nvPicPr>
-        <p:blipFill>
-          <a:blip r:embed="rId4"/>
-          <a:stretch>
-            <a:fillRect/>
-          </a:stretch>
-        </p:blipFill>
-        <p:spPr>
-          <a:xfrm>
-            <a:off x="982045" y="4935568"/>
-            <a:ext cx="6381750" cy="1514475"/>
-          </a:xfrm>
-          <a:prstGeom prst="rect">
-            <a:avLst/>
-          </a:prstGeom>
-        </p:spPr>
-      </p:pic>
     </p:spTree>
     <p:extLst>
       <p:ext uri="{BB962C8B-B14F-4D97-AF65-F5344CB8AC3E}">
-        <p14:creationId xmlns:p14="http://schemas.microsoft.com/office/powerpoint/2010/main" val="4098527551"/>
+        <p14:creationId xmlns:p14="http://schemas.microsoft.com/office/powerpoint/2010/main" val="1039650536"/>
       </p:ext>
     </p:extLst>
   </p:cSld>
@@ -11228,20 +11776,12 @@
           </a:bodyPr>
           <a:lstStyle/>
           <a:p>
-            <a:r>
-              <a:rPr lang="en-US" altLang="zh-CN" sz="3600" dirty="0"/>
-              <a:t/>
-            </a:r>
             <a:br>
               <a:rPr lang="en-US" altLang="zh-CN" sz="3600" dirty="0"/>
             </a:br>
             <a:r>
               <a:rPr lang="zh-CN" altLang="en-US" sz="3600" dirty="0"/>
-              <a:t>函数</a:t>
-            </a:r>
-            <a:r>
-              <a:rPr lang="en-US" altLang="zh-CN" sz="3600" dirty="0"/>
-              <a:t/>
+              <a:t>变量，属性</a:t>
             </a:r>
             <a:br>
               <a:rPr lang="en-US" altLang="zh-CN" sz="3600" dirty="0"/>
@@ -11269,7 +11809,7 @@
         <p:spPr>
           <a:xfrm>
             <a:off x="838200" y="1047564"/>
-            <a:ext cx="10515600" cy="5538765"/>
+            <a:ext cx="10515600" cy="5610687"/>
           </a:xfrm>
         </p:spPr>
         <p:txBody>
@@ -11282,12 +11822,12 @@
               <a:buNone/>
             </a:pPr>
             <a:r>
-              <a:rPr lang="en-US" altLang="zh-CN" sz="1800" dirty="0"/>
-              <a:t>1</a:t>
-            </a:r>
-            <a:r>
-              <a:rPr lang="zh-CN" altLang="en-US" sz="1800" dirty="0"/>
-              <a:t>、函数可以携带默认参数，这可以避免像</a:t>
+              <a:rPr lang="en-US" altLang="zh-CN" sz="1800" dirty="0" err="1"/>
+              <a:t>Kotlin</a:t>
+            </a:r>
+            <a:r>
+              <a:rPr lang="zh-CN" altLang="en-US" sz="1800" dirty="0"/>
+              <a:t>中，类的属性类似于</a:t>
             </a:r>
             <a:r>
               <a:rPr lang="en-US" altLang="zh-CN" sz="1800" dirty="0"/>
@@ -11295,122 +11835,92 @@
             </a:r>
             <a:r>
               <a:rPr lang="zh-CN" altLang="en-US" sz="1800" dirty="0"/>
-              <a:t>中的方法重载。</a:t>
-            </a:r>
-            <a:endParaRPr lang="en-US" altLang="zh-CN" sz="1800" dirty="0"/>
-          </a:p>
-          <a:p>
-            <a:pPr marL="0" indent="0">
-              <a:buNone/>
-            </a:pPr>
-            <a:endParaRPr lang="en-US" altLang="zh-CN" sz="1800" dirty="0"/>
-          </a:p>
-          <a:p>
-            <a:pPr marL="0" indent="0">
-              <a:buNone/>
-            </a:pPr>
-            <a:endParaRPr lang="en-US" altLang="zh-CN" sz="1800" dirty="0"/>
-          </a:p>
-          <a:p>
-            <a:pPr marL="0" indent="0">
-              <a:buNone/>
-            </a:pPr>
-            <a:endParaRPr lang="en-US" altLang="zh-CN" sz="1800" dirty="0"/>
-          </a:p>
-          <a:p>
-            <a:pPr marL="0" indent="0">
-              <a:buNone/>
-            </a:pPr>
-            <a:endParaRPr lang="en-US" altLang="zh-CN" sz="1800" dirty="0"/>
-          </a:p>
-          <a:p>
-            <a:pPr marL="0" indent="0">
-              <a:buNone/>
-            </a:pPr>
-            <a:endParaRPr lang="en-US" altLang="zh-CN" sz="1800" dirty="0"/>
-          </a:p>
-          <a:p>
-            <a:pPr marL="0" indent="0">
-              <a:buNone/>
-            </a:pPr>
-            <a:endParaRPr lang="en-US" altLang="zh-CN" sz="1800" dirty="0"/>
-          </a:p>
-          <a:p>
-            <a:pPr marL="0" indent="0">
-              <a:buNone/>
-            </a:pPr>
+              <a:t>中的类的字段，但是其功能更加强大。属性的功能是字段加上</a:t>
+            </a:r>
             <a:r>
               <a:rPr lang="en-US" altLang="zh-CN" sz="1800" dirty="0"/>
-              <a:t>2</a:t>
-            </a:r>
-            <a:r>
-              <a:rPr lang="zh-CN" altLang="en-US" sz="1800" dirty="0"/>
-              <a:t>、单表达式函数，</a:t>
-            </a:r>
-            <a:r>
-              <a:rPr lang="en-US" altLang="zh-CN" sz="1800" dirty="0" err="1"/>
-              <a:t>kotlin</a:t>
-            </a:r>
-            <a:r>
-              <a:rPr lang="zh-CN" altLang="en-US" sz="1800" dirty="0"/>
-              <a:t>支持直接将表达式作为函数的返回值</a:t>
-            </a:r>
-            <a:endParaRPr lang="en-US" altLang="zh-CN" sz="1800" dirty="0"/>
-          </a:p>
-          <a:p>
-            <a:pPr marL="0" indent="0">
-              <a:buNone/>
-            </a:pPr>
-            <a:endParaRPr lang="en-US" altLang="zh-CN" sz="1800" dirty="0"/>
-          </a:p>
-          <a:p>
-            <a:pPr marL="0" indent="0">
-              <a:buNone/>
-            </a:pPr>
-            <a:endParaRPr lang="en-US" altLang="zh-CN" sz="1800" dirty="0"/>
-          </a:p>
-          <a:p>
-            <a:pPr marL="0" indent="0">
-              <a:buNone/>
-            </a:pPr>
-            <a:endParaRPr lang="en-US" altLang="zh-CN" sz="1800" dirty="0"/>
-          </a:p>
-          <a:p>
-            <a:pPr marL="0" indent="0">
-              <a:buNone/>
-            </a:pPr>
-            <a:endParaRPr lang="en-US" altLang="zh-CN" sz="1800" dirty="0"/>
-          </a:p>
-          <a:p>
-            <a:pPr marL="0" indent="0">
-              <a:buNone/>
-            </a:pPr>
-            <a:endParaRPr lang="en-US" altLang="zh-CN" sz="1800" dirty="0"/>
-          </a:p>
-          <a:p>
-            <a:pPr marL="0" indent="0">
-              <a:buNone/>
-            </a:pPr>
+              <a:t>getter</a:t>
+            </a:r>
+            <a:r>
+              <a:rPr lang="zh-CN" altLang="en-US" sz="1800" dirty="0"/>
+              <a:t>和</a:t>
+            </a:r>
             <a:r>
               <a:rPr lang="en-US" altLang="zh-CN" sz="1800" dirty="0"/>
-              <a:t>3</a:t>
-            </a:r>
-            <a:r>
-              <a:rPr lang="zh-CN" altLang="en-US" sz="1800" dirty="0"/>
-              <a:t>、其他还有内联函数，高阶函数，局部函数，扩展函数等。</a:t>
-            </a:r>
-            <a:endParaRPr lang="en-US" altLang="zh-CN" sz="1800" dirty="0"/>
-          </a:p>
-          <a:p>
-            <a:pPr marL="0" indent="0">
-              <a:buNone/>
-            </a:pPr>
-            <a:endParaRPr lang="en-US" altLang="zh-CN" sz="1800" dirty="0"/>
-          </a:p>
-          <a:p>
-            <a:pPr marL="0" indent="0">
-              <a:buNone/>
-            </a:pPr>
+              <a:t>setter</a:t>
+            </a:r>
+            <a:r>
+              <a:rPr lang="zh-CN" altLang="en-US" sz="1800" dirty="0"/>
+              <a:t>方法。</a:t>
+            </a:r>
+            <a:endParaRPr lang="en-US" altLang="zh-CN" sz="1800" dirty="0"/>
+          </a:p>
+          <a:p>
+            <a:pPr marL="0" indent="0">
+              <a:buNone/>
+            </a:pPr>
+            <a:endParaRPr lang="en-US" altLang="zh-CN" sz="2000" dirty="0"/>
+          </a:p>
+          <a:p>
+            <a:pPr marL="0" indent="0">
+              <a:buNone/>
+            </a:pPr>
+            <a:endParaRPr lang="en-US" altLang="zh-CN" sz="2000" dirty="0"/>
+          </a:p>
+          <a:p>
+            <a:pPr marL="0" indent="0">
+              <a:buNone/>
+            </a:pPr>
+            <a:endParaRPr lang="en-US" altLang="zh-CN" sz="2000" dirty="0"/>
+          </a:p>
+          <a:p>
+            <a:pPr marL="0" indent="0">
+              <a:buNone/>
+            </a:pPr>
+            <a:endParaRPr lang="en-US" altLang="zh-CN" sz="2000" dirty="0"/>
+          </a:p>
+          <a:p>
+            <a:pPr marL="0" indent="0">
+              <a:buNone/>
+            </a:pPr>
+            <a:endParaRPr lang="en-US" altLang="zh-CN" sz="2000" dirty="0"/>
+          </a:p>
+          <a:p>
+            <a:pPr marL="0" indent="0">
+              <a:buNone/>
+            </a:pPr>
+            <a:endParaRPr lang="en-US" altLang="zh-CN" sz="2000" dirty="0"/>
+          </a:p>
+          <a:p>
+            <a:pPr marL="0" indent="0">
+              <a:buNone/>
+            </a:pPr>
+            <a:endParaRPr lang="en-US" altLang="zh-CN" sz="2000" dirty="0"/>
+          </a:p>
+          <a:p>
+            <a:pPr marL="0" indent="0">
+              <a:buNone/>
+            </a:pPr>
+            <a:r>
+              <a:rPr lang="zh-CN" altLang="en-US" sz="1800" dirty="0"/>
+              <a:t>当然我们也可以自定</a:t>
+            </a:r>
+            <a:r>
+              <a:rPr lang="en-US" altLang="zh-CN" sz="1800" dirty="0"/>
+              <a:t>getter</a:t>
+            </a:r>
+            <a:r>
+              <a:rPr lang="zh-CN" altLang="en-US" sz="1800" dirty="0"/>
+              <a:t>和</a:t>
+            </a:r>
+            <a:r>
+              <a:rPr lang="en-US" altLang="zh-CN" sz="1800" dirty="0"/>
+              <a:t>setter</a:t>
+            </a:r>
+            <a:r>
+              <a:rPr lang="zh-CN" altLang="en-US" sz="1800" dirty="0"/>
+              <a:t>方法：</a:t>
+            </a:r>
             <a:endParaRPr lang="en-US" altLang="zh-CN" sz="1800" dirty="0"/>
           </a:p>
           <a:p>
@@ -11426,7 +11936,7 @@
           <p:cNvPr id="5" name="图片 4">
             <a:extLst>
               <a:ext uri="{FF2B5EF4-FFF2-40B4-BE49-F238E27FC236}">
-                <a16:creationId xmlns:a16="http://schemas.microsoft.com/office/drawing/2014/main" id="{6EF8926C-5761-4585-BCD2-925FEC096907}"/>
+                <a16:creationId xmlns:a16="http://schemas.microsoft.com/office/drawing/2014/main" id="{2D42EBAA-D9E4-49AE-843B-349B7D989B0C}"/>
               </a:ext>
             </a:extLst>
           </p:cNvPr>
@@ -11443,8 +11953,8 @@
         </p:blipFill>
         <p:spPr>
           <a:xfrm>
-            <a:off x="1269516" y="1421514"/>
-            <a:ext cx="6657975" cy="2190750"/>
+            <a:off x="982045" y="1764668"/>
+            <a:ext cx="3800475" cy="2371725"/>
           </a:xfrm>
           <a:prstGeom prst="rect">
             <a:avLst/>
@@ -11456,7 +11966,7 @@
           <p:cNvPr id="6" name="图片 5">
             <a:extLst>
               <a:ext uri="{FF2B5EF4-FFF2-40B4-BE49-F238E27FC236}">
-                <a16:creationId xmlns:a16="http://schemas.microsoft.com/office/drawing/2014/main" id="{0A868589-9BEB-4C74-9488-5426D09841E4}"/>
+                <a16:creationId xmlns:a16="http://schemas.microsoft.com/office/drawing/2014/main" id="{2CEE57E6-ED39-4916-8334-79C55513F67C}"/>
               </a:ext>
             </a:extLst>
           </p:cNvPr>
@@ -11473,8 +11983,38 @@
         </p:blipFill>
         <p:spPr>
           <a:xfrm>
-            <a:off x="1269516" y="4156426"/>
-            <a:ext cx="7219950" cy="1476375"/>
+            <a:off x="5868925" y="1764668"/>
+            <a:ext cx="4200525" cy="2371725"/>
+          </a:xfrm>
+          <a:prstGeom prst="rect">
+            <a:avLst/>
+          </a:prstGeom>
+        </p:spPr>
+      </p:pic>
+      <p:pic>
+        <p:nvPicPr>
+          <p:cNvPr id="7" name="图片 6">
+            <a:extLst>
+              <a:ext uri="{FF2B5EF4-FFF2-40B4-BE49-F238E27FC236}">
+                <a16:creationId xmlns:a16="http://schemas.microsoft.com/office/drawing/2014/main" id="{E3DB64E5-66BC-4D1D-96D6-C25D9AF32F97}"/>
+              </a:ext>
+            </a:extLst>
+          </p:cNvPr>
+          <p:cNvPicPr>
+            <a:picLocks noChangeAspect="1"/>
+          </p:cNvPicPr>
+          <p:nvPr/>
+        </p:nvPicPr>
+        <p:blipFill>
+          <a:blip r:embed="rId4"/>
+          <a:stretch>
+            <a:fillRect/>
+          </a:stretch>
+        </p:blipFill>
+        <p:spPr>
+          <a:xfrm>
+            <a:off x="982045" y="4935568"/>
+            <a:ext cx="6381750" cy="1514475"/>
           </a:xfrm>
           <a:prstGeom prst="rect">
             <a:avLst/>
@@ -11484,7 +12024,7 @@
     </p:spTree>
     <p:extLst>
       <p:ext uri="{BB962C8B-B14F-4D97-AF65-F5344CB8AC3E}">
-        <p14:creationId xmlns:p14="http://schemas.microsoft.com/office/powerpoint/2010/main" val="639361521"/>
+        <p14:creationId xmlns:p14="http://schemas.microsoft.com/office/powerpoint/2010/main" val="4098527551"/>
       </p:ext>
     </p:extLst>
   </p:cSld>
@@ -11539,20 +12079,12 @@
           </a:bodyPr>
           <a:lstStyle/>
           <a:p>
-            <a:r>
-              <a:rPr lang="en-US" altLang="zh-CN" sz="3600" dirty="0"/>
-              <a:t/>
-            </a:r>
             <a:br>
               <a:rPr lang="en-US" altLang="zh-CN" sz="3600" dirty="0"/>
             </a:br>
             <a:r>
               <a:rPr lang="zh-CN" altLang="en-US" sz="3600" dirty="0"/>
-              <a:t>操作符重载</a:t>
-            </a:r>
-            <a:r>
-              <a:rPr lang="en-US" altLang="zh-CN" sz="3600" dirty="0"/>
-              <a:t/>
+              <a:t>函数</a:t>
             </a:r>
             <a:br>
               <a:rPr lang="en-US" altLang="zh-CN" sz="3600" dirty="0"/>
@@ -11593,117 +12125,151 @@
               <a:buNone/>
             </a:pPr>
             <a:r>
+              <a:rPr lang="en-US" altLang="zh-CN" sz="1800" dirty="0"/>
+              <a:t>1</a:t>
+            </a:r>
+            <a:r>
+              <a:rPr lang="zh-CN" altLang="en-US" sz="1800" dirty="0"/>
+              <a:t>、函数可以携带默认参数，这可以避免像</a:t>
+            </a:r>
+            <a:r>
+              <a:rPr lang="en-US" altLang="zh-CN" sz="1800" dirty="0"/>
+              <a:t>java</a:t>
+            </a:r>
+            <a:r>
+              <a:rPr lang="zh-CN" altLang="en-US" sz="1800" dirty="0"/>
+              <a:t>中的方法重载。</a:t>
+            </a:r>
+            <a:endParaRPr lang="en-US" altLang="zh-CN" sz="1800" dirty="0"/>
+          </a:p>
+          <a:p>
+            <a:pPr marL="0" indent="0">
+              <a:buNone/>
+            </a:pPr>
+            <a:endParaRPr lang="en-US" altLang="zh-CN" sz="1800" dirty="0"/>
+          </a:p>
+          <a:p>
+            <a:pPr marL="0" indent="0">
+              <a:buNone/>
+            </a:pPr>
+            <a:endParaRPr lang="en-US" altLang="zh-CN" sz="1800" dirty="0"/>
+          </a:p>
+          <a:p>
+            <a:pPr marL="0" indent="0">
+              <a:buNone/>
+            </a:pPr>
+            <a:endParaRPr lang="en-US" altLang="zh-CN" sz="1800" dirty="0"/>
+          </a:p>
+          <a:p>
+            <a:pPr marL="0" indent="0">
+              <a:buNone/>
+            </a:pPr>
+            <a:endParaRPr lang="en-US" altLang="zh-CN" sz="1800" dirty="0"/>
+          </a:p>
+          <a:p>
+            <a:pPr marL="0" indent="0">
+              <a:buNone/>
+            </a:pPr>
+            <a:endParaRPr lang="en-US" altLang="zh-CN" sz="1800" dirty="0"/>
+          </a:p>
+          <a:p>
+            <a:pPr marL="0" indent="0">
+              <a:buNone/>
+            </a:pPr>
+            <a:endParaRPr lang="en-US" altLang="zh-CN" sz="1800" dirty="0"/>
+          </a:p>
+          <a:p>
+            <a:pPr marL="0" indent="0">
+              <a:buNone/>
+            </a:pPr>
+            <a:r>
+              <a:rPr lang="en-US" altLang="zh-CN" sz="1800" dirty="0"/>
+              <a:t>2</a:t>
+            </a:r>
+            <a:r>
+              <a:rPr lang="zh-CN" altLang="en-US" sz="1800" dirty="0"/>
+              <a:t>、单表达式函数，</a:t>
+            </a:r>
+            <a:r>
               <a:rPr lang="en-US" altLang="zh-CN" sz="1800" dirty="0" err="1"/>
-              <a:t>Kotlin</a:t>
-            </a:r>
-            <a:r>
-              <a:rPr lang="zh-CN" altLang="en-US" sz="1800" dirty="0"/>
-              <a:t>像</a:t>
-            </a:r>
+              <a:t>kotlin</a:t>
+            </a:r>
+            <a:r>
+              <a:rPr lang="zh-CN" altLang="en-US" sz="1800" dirty="0"/>
+              <a:t>支持直接将表达式作为函数的返回值</a:t>
+            </a:r>
+            <a:endParaRPr lang="en-US" altLang="zh-CN" sz="1800" dirty="0"/>
+          </a:p>
+          <a:p>
+            <a:pPr marL="0" indent="0">
+              <a:buNone/>
+            </a:pPr>
+            <a:endParaRPr lang="en-US" altLang="zh-CN" sz="1800" dirty="0"/>
+          </a:p>
+          <a:p>
+            <a:pPr marL="0" indent="0">
+              <a:buNone/>
+            </a:pPr>
+            <a:endParaRPr lang="en-US" altLang="zh-CN" sz="1800" dirty="0"/>
+          </a:p>
+          <a:p>
+            <a:pPr marL="0" indent="0">
+              <a:buNone/>
+            </a:pPr>
+            <a:endParaRPr lang="en-US" altLang="zh-CN" sz="1800" dirty="0"/>
+          </a:p>
+          <a:p>
+            <a:pPr marL="0" indent="0">
+              <a:buNone/>
+            </a:pPr>
+            <a:endParaRPr lang="en-US" altLang="zh-CN" sz="1800" dirty="0"/>
+          </a:p>
+          <a:p>
+            <a:pPr marL="0" indent="0">
+              <a:buNone/>
+            </a:pPr>
+            <a:endParaRPr lang="en-US" altLang="zh-CN" sz="1800" dirty="0"/>
+          </a:p>
+          <a:p>
+            <a:pPr marL="0" indent="0">
+              <a:buNone/>
+            </a:pPr>
             <a:r>
               <a:rPr lang="en-US" altLang="zh-CN" sz="1800" dirty="0"/>
-              <a:t>C++</a:t>
-            </a:r>
-            <a:r>
-              <a:rPr lang="zh-CN" altLang="en-US" sz="1800" dirty="0"/>
-              <a:t>一样支持操作符重载，如</a:t>
-            </a:r>
-            <a:r>
-              <a:rPr lang="en-US" altLang="zh-CN" sz="1800" dirty="0"/>
-              <a:t>++</a:t>
-            </a:r>
-            <a:r>
-              <a:rPr lang="zh-CN" altLang="en-US" sz="1800" dirty="0"/>
-              <a:t>， </a:t>
-            </a:r>
-            <a:r>
-              <a:rPr lang="en-US" altLang="zh-CN" sz="1800" dirty="0"/>
-              <a:t>--</a:t>
-            </a:r>
-            <a:r>
-              <a:rPr lang="zh-CN" altLang="en-US" sz="1800" dirty="0"/>
-              <a:t>， </a:t>
-            </a:r>
-            <a:r>
-              <a:rPr lang="en-US" altLang="zh-CN" sz="1800" dirty="0"/>
-              <a:t>[], &gt;, &lt;</a:t>
-            </a:r>
-            <a:r>
-              <a:rPr lang="zh-CN" altLang="en-US" sz="1800" dirty="0"/>
-              <a:t>等等，与</a:t>
-            </a:r>
-            <a:r>
-              <a:rPr lang="en-US" altLang="zh-CN" sz="1800" dirty="0"/>
-              <a:t>C++</a:t>
-            </a:r>
-            <a:r>
-              <a:rPr lang="zh-CN" altLang="en-US" sz="1800" dirty="0"/>
-              <a:t>不同的是，这些操作符的重载函数对应的是一些因为单词方法。</a:t>
-            </a:r>
-            <a:endParaRPr lang="en-US" altLang="zh-CN" sz="1800" dirty="0"/>
-          </a:p>
-          <a:p>
-            <a:pPr marL="0" indent="0">
-              <a:buNone/>
-            </a:pPr>
-            <a:endParaRPr lang="en-US" altLang="zh-CN" sz="1800" dirty="0"/>
-          </a:p>
-          <a:p>
-            <a:pPr marL="0" indent="0">
-              <a:buNone/>
-            </a:pPr>
-            <a:r>
-              <a:rPr lang="zh-CN" altLang="en-US" sz="1800" dirty="0"/>
-              <a:t>因为使用了</a:t>
-            </a:r>
-            <a:r>
-              <a:rPr lang="en-US" altLang="zh-CN" sz="1800" dirty="0"/>
-              <a:t>[]</a:t>
-            </a:r>
-            <a:r>
-              <a:rPr lang="zh-CN" altLang="en-US" sz="1800" dirty="0"/>
-              <a:t>重载，所以我们可以这样访问</a:t>
-            </a:r>
-            <a:r>
-              <a:rPr lang="en-US" altLang="zh-CN" sz="1800" dirty="0"/>
-              <a:t>String</a:t>
-            </a:r>
-            <a:r>
-              <a:rPr lang="zh-CN" altLang="en-US" sz="1800" dirty="0"/>
-              <a:t>：</a:t>
-            </a:r>
-            <a:endParaRPr lang="en-US" altLang="zh-CN" sz="1800" dirty="0"/>
-          </a:p>
-          <a:p>
-            <a:pPr marL="0" indent="0">
-              <a:buNone/>
-            </a:pPr>
-            <a:endParaRPr lang="en-US" altLang="zh-CN" sz="1800" dirty="0"/>
-          </a:p>
-          <a:p>
-            <a:pPr marL="0" indent="0">
-              <a:buNone/>
-            </a:pPr>
-            <a:endParaRPr lang="en-US" altLang="zh-CN" sz="1800" dirty="0"/>
-          </a:p>
-          <a:p>
-            <a:pPr marL="0" indent="0">
-              <a:buNone/>
-            </a:pPr>
-            <a:r>
-              <a:rPr lang="zh-CN" altLang="en-US" sz="1800" dirty="0"/>
-              <a:t>在给操作符函数指定不同的入参，将可以实现的函数行为。</a:t>
-            </a:r>
+              <a:t>3</a:t>
+            </a:r>
+            <a:r>
+              <a:rPr lang="zh-CN" altLang="en-US" sz="1800" dirty="0"/>
+              <a:t>、其他还有内联函数，高阶函数，局部函数，扩展函数等。</a:t>
+            </a:r>
+            <a:endParaRPr lang="en-US" altLang="zh-CN" sz="1800" dirty="0"/>
+          </a:p>
+          <a:p>
+            <a:pPr marL="0" indent="0">
+              <a:buNone/>
+            </a:pPr>
+            <a:endParaRPr lang="en-US" altLang="zh-CN" sz="1800" dirty="0"/>
+          </a:p>
+          <a:p>
+            <a:pPr marL="0" indent="0">
+              <a:buNone/>
+            </a:pPr>
+            <a:endParaRPr lang="en-US" altLang="zh-CN" sz="1800" dirty="0"/>
+          </a:p>
+          <a:p>
+            <a:pPr marL="0" indent="0">
+              <a:buNone/>
+            </a:pPr>
             <a:endParaRPr lang="en-US" altLang="zh-CN" sz="1800" dirty="0"/>
           </a:p>
         </p:txBody>
       </p:sp>
       <p:pic>
         <p:nvPicPr>
-          <p:cNvPr id="8" name="图片 7">
-            <a:extLst>
-              <a:ext uri="{FF2B5EF4-FFF2-40B4-BE49-F238E27FC236}">
-                <a16:creationId xmlns:a16="http://schemas.microsoft.com/office/drawing/2014/main" id="{9E2B0E3D-D949-4D77-9574-BACAC79E541D}"/>
+          <p:cNvPr id="5" name="图片 4">
+            <a:extLst>
+              <a:ext uri="{FF2B5EF4-FFF2-40B4-BE49-F238E27FC236}">
+                <a16:creationId xmlns:a16="http://schemas.microsoft.com/office/drawing/2014/main" id="{6EF8926C-5761-4585-BCD2-925FEC096907}"/>
               </a:ext>
             </a:extLst>
           </p:cNvPr>
@@ -11720,8 +12286,8 @@
         </p:blipFill>
         <p:spPr>
           <a:xfrm>
-            <a:off x="957470" y="2543175"/>
-            <a:ext cx="7029450" cy="552450"/>
+            <a:off x="1269516" y="1421514"/>
+            <a:ext cx="6657975" cy="2190750"/>
           </a:xfrm>
           <a:prstGeom prst="rect">
             <a:avLst/>
@@ -11730,10 +12296,10 @@
       </p:pic>
       <p:pic>
         <p:nvPicPr>
-          <p:cNvPr id="9" name="图片 8">
-            <a:extLst>
-              <a:ext uri="{FF2B5EF4-FFF2-40B4-BE49-F238E27FC236}">
-                <a16:creationId xmlns:a16="http://schemas.microsoft.com/office/drawing/2014/main" id="{16395C8A-2695-44C9-9080-2F0CC4551247}"/>
+          <p:cNvPr id="6" name="图片 5">
+            <a:extLst>
+              <a:ext uri="{FF2B5EF4-FFF2-40B4-BE49-F238E27FC236}">
+                <a16:creationId xmlns:a16="http://schemas.microsoft.com/office/drawing/2014/main" id="{0A868589-9BEB-4C74-9488-5426D09841E4}"/>
               </a:ext>
             </a:extLst>
           </p:cNvPr>
@@ -11750,8 +12316,8 @@
         </p:blipFill>
         <p:spPr>
           <a:xfrm>
-            <a:off x="957470" y="3614529"/>
-            <a:ext cx="7181850" cy="2971800"/>
+            <a:off x="1269516" y="4156426"/>
+            <a:ext cx="7219950" cy="1476375"/>
           </a:xfrm>
           <a:prstGeom prst="rect">
             <a:avLst/>
@@ -11761,7 +12327,7 @@
     </p:spTree>
     <p:extLst>
       <p:ext uri="{BB962C8B-B14F-4D97-AF65-F5344CB8AC3E}">
-        <p14:creationId xmlns:p14="http://schemas.microsoft.com/office/powerpoint/2010/main" val="2302070086"/>
+        <p14:creationId xmlns:p14="http://schemas.microsoft.com/office/powerpoint/2010/main" val="639361521"/>
       </p:ext>
     </p:extLst>
   </p:cSld>
@@ -11816,22 +12382,16 @@
           </a:bodyPr>
           <a:lstStyle/>
           <a:p>
+            <a:br>
+              <a:rPr lang="en-US" altLang="zh-CN" sz="3600" dirty="0"/>
+            </a:br>
             <a:r>
               <a:rPr lang="zh-CN" altLang="en-US" sz="3600" dirty="0"/>
-              <a:t>扩展</a:t>
-            </a:r>
-            <a:r>
+              <a:t>操作符重载</a:t>
+            </a:r>
+            <a:br>
               <a:rPr lang="en-US" altLang="zh-CN" sz="3600" dirty="0"/>
-              <a:t>(</a:t>
-            </a:r>
-            <a:r>
-              <a:rPr lang="zh-CN" altLang="en-US" sz="3600" dirty="0"/>
-              <a:t>方法，属性</a:t>
-            </a:r>
-            <a:r>
-              <a:rPr lang="en-US" altLang="zh-CN" sz="3600" dirty="0"/>
-              <a:t>)</a:t>
-            </a:r>
+            </a:br>
             <a:endParaRPr lang="zh-CN" altLang="en-US" sz="3600" dirty="0"/>
           </a:p>
         </p:txBody>
@@ -11855,7 +12415,7 @@
         <p:spPr>
           <a:xfrm>
             <a:off x="838200" y="1047564"/>
-            <a:ext cx="10515600" cy="5734976"/>
+            <a:ext cx="10515600" cy="5538765"/>
           </a:xfrm>
         </p:spPr>
         <p:txBody>
@@ -11868,119 +12428,117 @@
               <a:buNone/>
             </a:pPr>
             <a:r>
-              <a:rPr lang="zh-CN" altLang="en-US" sz="2000" dirty="0"/>
-              <a:t>能够扩展一个类的新功能而无需继承该类或使用像装饰者这样的任何类型的设计模式。</a:t>
-            </a:r>
-            <a:r>
-              <a:rPr lang="en-US" altLang="zh-CN" sz="2000" dirty="0" err="1"/>
+              <a:rPr lang="en-US" altLang="zh-CN" sz="1800" dirty="0" err="1"/>
               <a:t>Kotlin</a:t>
             </a:r>
             <a:r>
-              <a:rPr lang="en-US" altLang="zh-CN" sz="2000" dirty="0"/>
-              <a:t> </a:t>
-            </a:r>
-            <a:r>
-              <a:rPr lang="zh-CN" altLang="en-US" sz="2000" dirty="0"/>
-              <a:t>支持 扩展函数 和 扩展属性。</a:t>
-            </a:r>
-            <a:endParaRPr lang="en-US" altLang="zh-CN" sz="2000" dirty="0"/>
-          </a:p>
-          <a:p>
-            <a:pPr marL="0" indent="0">
-              <a:buNone/>
-            </a:pPr>
-            <a:r>
-              <a:rPr lang="en-US" altLang="zh-CN" sz="2000" dirty="0"/>
-              <a:t>1.</a:t>
-            </a:r>
-            <a:r>
-              <a:rPr lang="zh-CN" altLang="en-US" sz="2000" dirty="0"/>
-              <a:t>扩展函数</a:t>
-            </a:r>
-            <a:endParaRPr lang="en-US" altLang="zh-CN" sz="2000" dirty="0"/>
-          </a:p>
-          <a:p>
-            <a:pPr marL="0" indent="0">
-              <a:buNone/>
-            </a:pPr>
-            <a:r>
-              <a:rPr lang="zh-CN" altLang="en-US" sz="2000" dirty="0"/>
-              <a:t>在</a:t>
-            </a:r>
-            <a:r>
-              <a:rPr lang="en-US" altLang="zh-CN" sz="2000" dirty="0"/>
-              <a:t>java</a:t>
-            </a:r>
-            <a:r>
-              <a:rPr lang="zh-CN" altLang="en-US" sz="2000" dirty="0"/>
-              <a:t>中我们经常这样定义</a:t>
-            </a:r>
-            <a:r>
-              <a:rPr lang="en-US" altLang="zh-CN" sz="2000" dirty="0"/>
-              <a:t>Toast</a:t>
-            </a:r>
-            <a:r>
-              <a:rPr lang="zh-CN" altLang="en-US" sz="2000" dirty="0"/>
-              <a:t>工具类：</a:t>
-            </a:r>
-            <a:endParaRPr lang="en-US" altLang="zh-CN" sz="2000" dirty="0"/>
-          </a:p>
-          <a:p>
-            <a:pPr marL="0" indent="0">
-              <a:buNone/>
-            </a:pPr>
-            <a:endParaRPr lang="en-US" altLang="zh-CN" sz="2000" dirty="0"/>
-          </a:p>
-          <a:p>
-            <a:pPr marL="0" indent="0">
-              <a:buNone/>
-            </a:pPr>
-            <a:endParaRPr lang="en-US" altLang="zh-CN" sz="2000" dirty="0"/>
-          </a:p>
-          <a:p>
-            <a:pPr marL="0" indent="0">
-              <a:buNone/>
-            </a:pPr>
-            <a:endParaRPr lang="en-US" altLang="zh-CN" sz="2000" dirty="0"/>
-          </a:p>
-          <a:p>
-            <a:pPr marL="0" indent="0">
-              <a:buNone/>
-            </a:pPr>
-            <a:endParaRPr lang="en-US" altLang="zh-CN" sz="2000" dirty="0"/>
-          </a:p>
-          <a:p>
-            <a:pPr marL="0" indent="0">
-              <a:buNone/>
-            </a:pPr>
-            <a:r>
-              <a:rPr lang="zh-CN" altLang="en-US" sz="2000" dirty="0"/>
-              <a:t>看</a:t>
-            </a:r>
-            <a:r>
-              <a:rPr lang="en-US" altLang="zh-CN" sz="2000" dirty="0" err="1"/>
-              <a:t>kotlin</a:t>
-            </a:r>
-            <a:r>
-              <a:rPr lang="zh-CN" altLang="en-US" sz="2000" dirty="0"/>
-              <a:t>的简单实现：</a:t>
-            </a:r>
-            <a:endParaRPr lang="en-US" altLang="zh-CN" sz="2000" dirty="0"/>
-          </a:p>
-          <a:p>
-            <a:pPr marL="0" indent="0">
-              <a:buNone/>
-            </a:pPr>
-            <a:endParaRPr lang="en-US" altLang="zh-CN" sz="2000" dirty="0"/>
+              <a:rPr lang="zh-CN" altLang="en-US" sz="1800" dirty="0"/>
+              <a:t>像</a:t>
+            </a:r>
+            <a:r>
+              <a:rPr lang="en-US" altLang="zh-CN" sz="1800" dirty="0"/>
+              <a:t>C++</a:t>
+            </a:r>
+            <a:r>
+              <a:rPr lang="zh-CN" altLang="en-US" sz="1800" dirty="0"/>
+              <a:t>一样支持操作符重载，如</a:t>
+            </a:r>
+            <a:r>
+              <a:rPr lang="en-US" altLang="zh-CN" sz="1800" dirty="0"/>
+              <a:t>++</a:t>
+            </a:r>
+            <a:r>
+              <a:rPr lang="zh-CN" altLang="en-US" sz="1800" dirty="0"/>
+              <a:t>， </a:t>
+            </a:r>
+            <a:r>
+              <a:rPr lang="en-US" altLang="zh-CN" sz="1800" dirty="0"/>
+              <a:t>--</a:t>
+            </a:r>
+            <a:r>
+              <a:rPr lang="zh-CN" altLang="en-US" sz="1800" dirty="0"/>
+              <a:t>， </a:t>
+            </a:r>
+            <a:r>
+              <a:rPr lang="en-US" altLang="zh-CN" sz="1800" dirty="0"/>
+              <a:t>[], &gt;, &lt;</a:t>
+            </a:r>
+            <a:r>
+              <a:rPr lang="zh-CN" altLang="en-US" sz="1800" dirty="0"/>
+              <a:t>等等，与</a:t>
+            </a:r>
+            <a:r>
+              <a:rPr lang="en-US" altLang="zh-CN" sz="1800" dirty="0"/>
+              <a:t>C++</a:t>
+            </a:r>
+            <a:r>
+              <a:rPr lang="zh-CN" altLang="en-US" sz="1800" dirty="0"/>
+              <a:t>不同的是，这些操作符的重载函数对应的是一些英文单词方法。</a:t>
+            </a:r>
+            <a:endParaRPr lang="en-US" altLang="zh-CN" sz="1800" dirty="0"/>
+          </a:p>
+          <a:p>
+            <a:pPr marL="0" indent="0">
+              <a:buNone/>
+            </a:pPr>
+            <a:endParaRPr lang="en-US" altLang="zh-CN" sz="1800" dirty="0"/>
+          </a:p>
+          <a:p>
+            <a:pPr marL="0" indent="0">
+              <a:buNone/>
+            </a:pPr>
+            <a:r>
+              <a:rPr lang="zh-CN" altLang="en-US" sz="1800" dirty="0"/>
+              <a:t>因为使用了</a:t>
+            </a:r>
+            <a:r>
+              <a:rPr lang="en-US" altLang="zh-CN" sz="1800" dirty="0"/>
+              <a:t>[]</a:t>
+            </a:r>
+            <a:r>
+              <a:rPr lang="zh-CN" altLang="en-US" sz="1800" dirty="0"/>
+              <a:t>重载，所以我们可以这样访问</a:t>
+            </a:r>
+            <a:r>
+              <a:rPr lang="en-US" altLang="zh-CN" sz="1800" dirty="0"/>
+              <a:t>String</a:t>
+            </a:r>
+            <a:r>
+              <a:rPr lang="zh-CN" altLang="en-US" sz="1800" dirty="0"/>
+              <a:t>：</a:t>
+            </a:r>
+            <a:endParaRPr lang="en-US" altLang="zh-CN" sz="1800" dirty="0"/>
+          </a:p>
+          <a:p>
+            <a:pPr marL="0" indent="0">
+              <a:buNone/>
+            </a:pPr>
+            <a:endParaRPr lang="en-US" altLang="zh-CN" sz="1800" dirty="0"/>
+          </a:p>
+          <a:p>
+            <a:pPr marL="0" indent="0">
+              <a:buNone/>
+            </a:pPr>
+            <a:endParaRPr lang="en-US" altLang="zh-CN" sz="1800" dirty="0"/>
+          </a:p>
+          <a:p>
+            <a:pPr marL="0" indent="0">
+              <a:buNone/>
+            </a:pPr>
+            <a:r>
+              <a:rPr lang="zh-CN" altLang="en-US" sz="1800" dirty="0"/>
+              <a:t>在给操作符函数指定不同的入参，将可以实现的函数行为。</a:t>
+            </a:r>
+            <a:endParaRPr lang="en-US" altLang="zh-CN" sz="1800" dirty="0"/>
           </a:p>
         </p:txBody>
       </p:sp>
       <p:pic>
         <p:nvPicPr>
-          <p:cNvPr id="4" name="图片 3">
-            <a:extLst>
-              <a:ext uri="{FF2B5EF4-FFF2-40B4-BE49-F238E27FC236}">
-                <a16:creationId xmlns:a16="http://schemas.microsoft.com/office/drawing/2014/main" id="{D685EAA0-9C29-47CE-B1B1-C40A9E6F802C}"/>
+          <p:cNvPr id="8" name="图片 7">
+            <a:extLst>
+              <a:ext uri="{FF2B5EF4-FFF2-40B4-BE49-F238E27FC236}">
+                <a16:creationId xmlns:a16="http://schemas.microsoft.com/office/drawing/2014/main" id="{9E2B0E3D-D949-4D77-9574-BACAC79E541D}"/>
               </a:ext>
             </a:extLst>
           </p:cNvPr>
@@ -11997,8 +12555,8 @@
         </p:blipFill>
         <p:spPr>
           <a:xfrm>
-            <a:off x="949449" y="2442699"/>
-            <a:ext cx="6457950" cy="1724025"/>
+            <a:off x="957470" y="2543175"/>
+            <a:ext cx="7029450" cy="552450"/>
           </a:xfrm>
           <a:prstGeom prst="rect">
             <a:avLst/>
@@ -12007,10 +12565,10 @@
       </p:pic>
       <p:pic>
         <p:nvPicPr>
-          <p:cNvPr id="5" name="图片 4">
-            <a:extLst>
-              <a:ext uri="{FF2B5EF4-FFF2-40B4-BE49-F238E27FC236}">
-                <a16:creationId xmlns:a16="http://schemas.microsoft.com/office/drawing/2014/main" id="{23D1CF44-FDFC-4015-BE27-1A33B7D51C1D}"/>
+          <p:cNvPr id="9" name="图片 8">
+            <a:extLst>
+              <a:ext uri="{FF2B5EF4-FFF2-40B4-BE49-F238E27FC236}">
+                <a16:creationId xmlns:a16="http://schemas.microsoft.com/office/drawing/2014/main" id="{16395C8A-2695-44C9-9080-2F0CC4551247}"/>
               </a:ext>
             </a:extLst>
           </p:cNvPr>
@@ -12027,8 +12585,8 @@
         </p:blipFill>
         <p:spPr>
           <a:xfrm>
-            <a:off x="940387" y="4454741"/>
-            <a:ext cx="6315075" cy="2247900"/>
+            <a:off x="957470" y="3614529"/>
+            <a:ext cx="7181850" cy="2971800"/>
           </a:xfrm>
           <a:prstGeom prst="rect">
             <a:avLst/>
@@ -12038,7 +12596,7 @@
     </p:spTree>
     <p:extLst>
       <p:ext uri="{BB962C8B-B14F-4D97-AF65-F5344CB8AC3E}">
-        <p14:creationId xmlns:p14="http://schemas.microsoft.com/office/powerpoint/2010/main" val="110948512"/>
+        <p14:creationId xmlns:p14="http://schemas.microsoft.com/office/powerpoint/2010/main" val="2302070086"/>
       </p:ext>
     </p:extLst>
   </p:cSld>

--- a/docs/初探kotlin.pptx
+++ b/docs/初探kotlin.pptx
@@ -30,11 +30,10 @@
     <p:sldId id="278" r:id="rId24"/>
     <p:sldId id="279" r:id="rId25"/>
     <p:sldId id="280" r:id="rId26"/>
-    <p:sldId id="283" r:id="rId27"/>
-    <p:sldId id="281" r:id="rId28"/>
-    <p:sldId id="282" r:id="rId29"/>
-    <p:sldId id="285" r:id="rId30"/>
-    <p:sldId id="284" r:id="rId31"/>
+    <p:sldId id="281" r:id="rId27"/>
+    <p:sldId id="282" r:id="rId28"/>
+    <p:sldId id="285" r:id="rId29"/>
+    <p:sldId id="284" r:id="rId30"/>
   </p:sldIdLst>
   <p:sldSz cx="12192000" cy="6858000"/>
   <p:notesSz cx="6858000" cy="9144000"/>
@@ -292,7 +291,7 @@
           <a:p>
             <a:fld id="{AFB6B5B2-4C17-47BC-B4FC-EB545BEC8073}" type="datetimeFigureOut">
               <a:rPr lang="zh-CN" altLang="en-US" smtClean="0"/>
-              <a:t>2017/9/27</a:t>
+              <a:t>2017/9/28</a:t>
             </a:fld>
             <a:endParaRPr lang="zh-CN" altLang="en-US"/>
           </a:p>
@@ -490,7 +489,7 @@
           <a:p>
             <a:fld id="{AFB6B5B2-4C17-47BC-B4FC-EB545BEC8073}" type="datetimeFigureOut">
               <a:rPr lang="zh-CN" altLang="en-US" smtClean="0"/>
-              <a:t>2017/9/27</a:t>
+              <a:t>2017/9/28</a:t>
             </a:fld>
             <a:endParaRPr lang="zh-CN" altLang="en-US"/>
           </a:p>
@@ -698,7 +697,7 @@
           <a:p>
             <a:fld id="{AFB6B5B2-4C17-47BC-B4FC-EB545BEC8073}" type="datetimeFigureOut">
               <a:rPr lang="zh-CN" altLang="en-US" smtClean="0"/>
-              <a:t>2017/9/27</a:t>
+              <a:t>2017/9/28</a:t>
             </a:fld>
             <a:endParaRPr lang="zh-CN" altLang="en-US"/>
           </a:p>
@@ -896,7 +895,7 @@
           <a:p>
             <a:fld id="{AFB6B5B2-4C17-47BC-B4FC-EB545BEC8073}" type="datetimeFigureOut">
               <a:rPr lang="zh-CN" altLang="en-US" smtClean="0"/>
-              <a:t>2017/9/27</a:t>
+              <a:t>2017/9/28</a:t>
             </a:fld>
             <a:endParaRPr lang="zh-CN" altLang="en-US"/>
           </a:p>
@@ -1171,7 +1170,7 @@
           <a:p>
             <a:fld id="{AFB6B5B2-4C17-47BC-B4FC-EB545BEC8073}" type="datetimeFigureOut">
               <a:rPr lang="zh-CN" altLang="en-US" smtClean="0"/>
-              <a:t>2017/9/27</a:t>
+              <a:t>2017/9/28</a:t>
             </a:fld>
             <a:endParaRPr lang="zh-CN" altLang="en-US"/>
           </a:p>
@@ -1436,7 +1435,7 @@
           <a:p>
             <a:fld id="{AFB6B5B2-4C17-47BC-B4FC-EB545BEC8073}" type="datetimeFigureOut">
               <a:rPr lang="zh-CN" altLang="en-US" smtClean="0"/>
-              <a:t>2017/9/27</a:t>
+              <a:t>2017/9/28</a:t>
             </a:fld>
             <a:endParaRPr lang="zh-CN" altLang="en-US"/>
           </a:p>
@@ -1848,7 +1847,7 @@
           <a:p>
             <a:fld id="{AFB6B5B2-4C17-47BC-B4FC-EB545BEC8073}" type="datetimeFigureOut">
               <a:rPr lang="zh-CN" altLang="en-US" smtClean="0"/>
-              <a:t>2017/9/27</a:t>
+              <a:t>2017/9/28</a:t>
             </a:fld>
             <a:endParaRPr lang="zh-CN" altLang="en-US"/>
           </a:p>
@@ -1989,7 +1988,7 @@
           <a:p>
             <a:fld id="{AFB6B5B2-4C17-47BC-B4FC-EB545BEC8073}" type="datetimeFigureOut">
               <a:rPr lang="zh-CN" altLang="en-US" smtClean="0"/>
-              <a:t>2017/9/27</a:t>
+              <a:t>2017/9/28</a:t>
             </a:fld>
             <a:endParaRPr lang="zh-CN" altLang="en-US"/>
           </a:p>
@@ -2102,7 +2101,7 @@
           <a:p>
             <a:fld id="{AFB6B5B2-4C17-47BC-B4FC-EB545BEC8073}" type="datetimeFigureOut">
               <a:rPr lang="zh-CN" altLang="en-US" smtClean="0"/>
-              <a:t>2017/9/27</a:t>
+              <a:t>2017/9/28</a:t>
             </a:fld>
             <a:endParaRPr lang="zh-CN" altLang="en-US"/>
           </a:p>
@@ -2413,7 +2412,7 @@
           <a:p>
             <a:fld id="{AFB6B5B2-4C17-47BC-B4FC-EB545BEC8073}" type="datetimeFigureOut">
               <a:rPr lang="zh-CN" altLang="en-US" smtClean="0"/>
-              <a:t>2017/9/27</a:t>
+              <a:t>2017/9/28</a:t>
             </a:fld>
             <a:endParaRPr lang="zh-CN" altLang="en-US"/>
           </a:p>
@@ -2701,7 +2700,7 @@
           <a:p>
             <a:fld id="{AFB6B5B2-4C17-47BC-B4FC-EB545BEC8073}" type="datetimeFigureOut">
               <a:rPr lang="zh-CN" altLang="en-US" smtClean="0"/>
-              <a:t>2017/9/27</a:t>
+              <a:t>2017/9/28</a:t>
             </a:fld>
             <a:endParaRPr lang="zh-CN" altLang="en-US"/>
           </a:p>
@@ -2942,7 +2941,7 @@
           <a:p>
             <a:fld id="{AFB6B5B2-4C17-47BC-B4FC-EB545BEC8073}" type="datetimeFigureOut">
               <a:rPr lang="zh-CN" altLang="en-US" smtClean="0"/>
-              <a:t>2017/9/27</a:t>
+              <a:t>2017/9/28</a:t>
             </a:fld>
             <a:endParaRPr lang="zh-CN" altLang="en-US"/>
           </a:p>
@@ -3381,11 +3380,7 @@
           <a:lstStyle/>
           <a:p>
             <a:r>
-              <a:rPr lang="zh-CN" altLang="en-US" dirty="0"/>
-              <a:t>初探</a:t>
-            </a:r>
-            <a:r>
-              <a:rPr lang="en-US" altLang="zh-CN" dirty="0" err="1"/>
+              <a:rPr lang="en-US" altLang="zh-CN" dirty="0" err="1" smtClean="0"/>
               <a:t>Kotlin</a:t>
             </a:r>
             <a:r>
@@ -6358,7 +6353,7 @@
         </p:spPr>
         <p:txBody>
           <a:bodyPr>
-            <a:normAutofit fontScale="92500" lnSpcReduction="20000"/>
+            <a:normAutofit fontScale="77500" lnSpcReduction="20000"/>
           </a:bodyPr>
           <a:lstStyle/>
           <a:p>
@@ -6393,21 +6388,25 @@
             </a:r>
             <a:r>
               <a:rPr lang="zh-CN" altLang="en-US" dirty="0"/>
-              <a:t>、空安全</a:t>
-            </a:r>
-            <a:endParaRPr lang="en-US" altLang="zh-CN" dirty="0"/>
-          </a:p>
-          <a:p>
-            <a:pPr marL="0" indent="0">
-              <a:buNone/>
-            </a:pPr>
-            <a:r>
-              <a:rPr lang="en-US" altLang="zh-CN" dirty="0"/>
+              <a:t>、空</a:t>
+            </a:r>
+            <a:r>
+              <a:rPr lang="zh-CN" altLang="en-US" dirty="0" smtClean="0"/>
+              <a:t>安全</a:t>
+            </a:r>
+            <a:endParaRPr lang="en-US" altLang="zh-CN" dirty="0" smtClean="0"/>
+          </a:p>
+          <a:p>
+            <a:pPr marL="0" indent="0">
+              <a:buNone/>
+            </a:pPr>
+            <a:r>
+              <a:rPr lang="en-US" altLang="zh-CN" dirty="0" smtClean="0"/>
               <a:t>3</a:t>
             </a:r>
             <a:r>
-              <a:rPr lang="zh-CN" altLang="en-US" dirty="0"/>
-              <a:t>、变量，属性</a:t>
+              <a:rPr lang="zh-CN" altLang="en-US" dirty="0" smtClean="0"/>
+              <a:t>、类与继承</a:t>
             </a:r>
             <a:endParaRPr lang="en-US" altLang="zh-CN" dirty="0"/>
           </a:p>
@@ -6420,22 +6419,30 @@
               <a:t>4</a:t>
             </a:r>
             <a:r>
+              <a:rPr lang="zh-CN" altLang="en-US" dirty="0" smtClean="0"/>
+              <a:t>、</a:t>
+            </a:r>
+            <a:r>
               <a:rPr lang="zh-CN" altLang="en-US" dirty="0"/>
-              <a:t>、函数、操作符重载</a:t>
-            </a:r>
-            <a:endParaRPr lang="en-US" altLang="zh-CN" dirty="0"/>
-          </a:p>
-          <a:p>
-            <a:pPr marL="0" indent="0">
-              <a:buNone/>
-            </a:pPr>
-            <a:r>
-              <a:rPr lang="en-US" altLang="zh-CN" dirty="0"/>
+              <a:t>变量，</a:t>
+            </a:r>
+            <a:r>
+              <a:rPr lang="zh-CN" altLang="en-US" dirty="0" smtClean="0"/>
+              <a:t>属性</a:t>
+            </a:r>
+            <a:endParaRPr lang="en-US" altLang="zh-CN" dirty="0" smtClean="0"/>
+          </a:p>
+          <a:p>
+            <a:pPr marL="0" indent="0">
+              <a:buNone/>
+            </a:pPr>
+            <a:r>
+              <a:rPr lang="en-US" altLang="zh-CN" dirty="0" smtClean="0"/>
               <a:t>5</a:t>
             </a:r>
             <a:r>
-              <a:rPr lang="zh-CN" altLang="en-US" dirty="0"/>
-              <a:t>、扩展函数与属性</a:t>
+              <a:rPr lang="zh-CN" altLang="en-US" dirty="0" smtClean="0"/>
+              <a:t>、接口</a:t>
             </a:r>
             <a:endParaRPr lang="en-US" altLang="zh-CN" dirty="0"/>
           </a:p>
@@ -6448,8 +6455,48 @@
               <a:t>6</a:t>
             </a:r>
             <a:r>
+              <a:rPr lang="zh-CN" altLang="en-US" dirty="0" smtClean="0"/>
+              <a:t>、</a:t>
+            </a:r>
+            <a:r>
               <a:rPr lang="zh-CN" altLang="en-US" dirty="0"/>
-              <a:t>、数据类（</a:t>
+              <a:t>函数、操作符重载</a:t>
+            </a:r>
+            <a:endParaRPr lang="en-US" altLang="zh-CN" dirty="0"/>
+          </a:p>
+          <a:p>
+            <a:pPr marL="0" indent="0">
+              <a:buNone/>
+            </a:pPr>
+            <a:r>
+              <a:rPr lang="en-US" altLang="zh-CN" dirty="0"/>
+              <a:t>7</a:t>
+            </a:r>
+            <a:r>
+              <a:rPr lang="zh-CN" altLang="en-US" dirty="0" smtClean="0"/>
+              <a:t>、</a:t>
+            </a:r>
+            <a:r>
+              <a:rPr lang="zh-CN" altLang="en-US" dirty="0"/>
+              <a:t>扩展函数与属性</a:t>
+            </a:r>
+            <a:endParaRPr lang="en-US" altLang="zh-CN" dirty="0"/>
+          </a:p>
+          <a:p>
+            <a:pPr marL="0" indent="0">
+              <a:buNone/>
+            </a:pPr>
+            <a:r>
+              <a:rPr lang="en-US" altLang="zh-CN" dirty="0"/>
+              <a:t>8</a:t>
+            </a:r>
+            <a:r>
+              <a:rPr lang="zh-CN" altLang="en-US" dirty="0" smtClean="0"/>
+              <a:t>、</a:t>
+            </a:r>
+            <a:r>
+              <a:rPr lang="zh-CN" altLang="en-US" dirty="0"/>
+              <a:t>数据类（</a:t>
             </a:r>
             <a:r>
               <a:rPr lang="en-US" altLang="zh-CN" dirty="0"/>
@@ -6467,10 +6514,10 @@
             </a:pPr>
             <a:r>
               <a:rPr lang="en-US" altLang="zh-CN" dirty="0"/>
-              <a:t>7</a:t>
-            </a:r>
-            <a:r>
-              <a:rPr lang="zh-CN" altLang="en-US" dirty="0"/>
+              <a:t>9</a:t>
+            </a:r>
+            <a:r>
+              <a:rPr lang="zh-CN" altLang="en-US" dirty="0" smtClean="0"/>
               <a:t>、</a:t>
             </a:r>
             <a:r>
@@ -6488,12 +6535,16 @@
               <a:buNone/>
             </a:pPr>
             <a:r>
-              <a:rPr lang="en-US" altLang="zh-CN" dirty="0"/>
-              <a:t>8</a:t>
+              <a:rPr lang="en-US" altLang="zh-CN" dirty="0" smtClean="0"/>
+              <a:t>10</a:t>
+            </a:r>
+            <a:r>
+              <a:rPr lang="zh-CN" altLang="en-US" dirty="0" smtClean="0"/>
+              <a:t>、</a:t>
             </a:r>
             <a:r>
               <a:rPr lang="zh-CN" altLang="en-US" dirty="0"/>
-              <a:t>、委托（属性委托，接口委托）</a:t>
+              <a:t>委托（属性委托，接口委托）</a:t>
             </a:r>
             <a:endParaRPr lang="en-US" altLang="zh-CN" dirty="0"/>
           </a:p>
@@ -6502,12 +6553,16 @@
               <a:buNone/>
             </a:pPr>
             <a:r>
-              <a:rPr lang="en-US" altLang="zh-CN" dirty="0"/>
-              <a:t>9</a:t>
+              <a:rPr lang="en-US" altLang="zh-CN" dirty="0" smtClean="0"/>
+              <a:t>11</a:t>
+            </a:r>
+            <a:r>
+              <a:rPr lang="zh-CN" altLang="en-US" dirty="0" smtClean="0"/>
+              <a:t>、</a:t>
             </a:r>
             <a:r>
               <a:rPr lang="zh-CN" altLang="en-US" dirty="0"/>
-              <a:t>、集合和函数操作符</a:t>
+              <a:t>集合和函数操作符</a:t>
             </a:r>
             <a:endParaRPr lang="en-US" altLang="zh-CN" dirty="0"/>
           </a:p>
@@ -6516,12 +6571,16 @@
               <a:buNone/>
             </a:pPr>
             <a:r>
-              <a:rPr lang="en-US" altLang="zh-CN" dirty="0"/>
-              <a:t>10</a:t>
+              <a:rPr lang="en-US" altLang="zh-CN" dirty="0" smtClean="0"/>
+              <a:t>12</a:t>
+            </a:r>
+            <a:r>
+              <a:rPr lang="zh-CN" altLang="en-US" dirty="0" smtClean="0"/>
+              <a:t>、</a:t>
             </a:r>
             <a:r>
               <a:rPr lang="zh-CN" altLang="en-US" dirty="0"/>
-              <a:t>、表达式（</a:t>
+              <a:t>表达式（</a:t>
             </a:r>
             <a:r>
               <a:rPr lang="en-US" altLang="zh-CN" dirty="0"/>
@@ -6541,12 +6600,16 @@
               <a:buNone/>
             </a:pPr>
             <a:r>
-              <a:rPr lang="en-US" altLang="zh-CN" dirty="0"/>
-              <a:t>11</a:t>
+              <a:rPr lang="en-US" altLang="zh-CN" dirty="0" smtClean="0"/>
+              <a:t>13</a:t>
+            </a:r>
+            <a:r>
+              <a:rPr lang="zh-CN" altLang="en-US" dirty="0" smtClean="0"/>
+              <a:t>、</a:t>
             </a:r>
             <a:r>
               <a:rPr lang="zh-CN" altLang="en-US" dirty="0"/>
-              <a:t>、泛型</a:t>
+              <a:t>泛型</a:t>
             </a:r>
             <a:endParaRPr lang="en-US" altLang="zh-CN" dirty="0"/>
           </a:p>
@@ -6555,40 +6618,38 @@
               <a:buNone/>
             </a:pPr>
             <a:r>
-              <a:rPr lang="en-US" altLang="zh-CN" dirty="0"/>
-              <a:t>12</a:t>
+              <a:rPr lang="en-US" altLang="zh-CN" dirty="0" smtClean="0"/>
+              <a:t>14</a:t>
+            </a:r>
+            <a:r>
+              <a:rPr lang="zh-CN" altLang="en-US" dirty="0" smtClean="0"/>
+              <a:t>、</a:t>
             </a:r>
             <a:r>
               <a:rPr lang="zh-CN" altLang="en-US" dirty="0"/>
-              <a:t>、智能转换</a:t>
-            </a:r>
-            <a:endParaRPr lang="en-US" altLang="zh-CN" dirty="0"/>
-          </a:p>
-          <a:p>
-            <a:pPr marL="0" indent="0">
-              <a:buNone/>
-            </a:pPr>
-            <a:r>
-              <a:rPr lang="en-US" altLang="zh-CN" dirty="0"/>
-              <a:t>13</a:t>
+              <a:t>智能</a:t>
+            </a:r>
+            <a:r>
+              <a:rPr lang="zh-CN" altLang="en-US" dirty="0" smtClean="0"/>
+              <a:t>转换</a:t>
+            </a:r>
+            <a:endParaRPr lang="en-US" altLang="zh-CN" dirty="0" smtClean="0"/>
+          </a:p>
+          <a:p>
+            <a:pPr marL="0" indent="0">
+              <a:buNone/>
+            </a:pPr>
+            <a:r>
+              <a:rPr lang="en-US" altLang="zh-CN" smtClean="0"/>
+              <a:t>15</a:t>
+            </a:r>
+            <a:r>
+              <a:rPr lang="zh-CN" altLang="en-US" smtClean="0"/>
+              <a:t>、</a:t>
             </a:r>
             <a:r>
               <a:rPr lang="zh-CN" altLang="en-US" dirty="0"/>
-              <a:t>、接口</a:t>
-            </a:r>
-            <a:endParaRPr lang="en-US" altLang="zh-CN" dirty="0"/>
-          </a:p>
-          <a:p>
-            <a:pPr marL="0" indent="0">
-              <a:buNone/>
-            </a:pPr>
-            <a:r>
-              <a:rPr lang="en-US" altLang="zh-CN" dirty="0"/>
-              <a:t>14</a:t>
-            </a:r>
-            <a:r>
-              <a:rPr lang="zh-CN" altLang="en-US" dirty="0"/>
-              <a:t>、学习资料</a:t>
+              <a:t>学习资料</a:t>
             </a:r>
             <a:endParaRPr lang="en-US" altLang="zh-CN" dirty="0"/>
           </a:p>
@@ -8623,7 +8684,7 @@
           <a:p>
             <a:r>
               <a:rPr lang="zh-CN" altLang="en-US" sz="3600" dirty="0"/>
-              <a:t>泛型</a:t>
+              <a:t>类型检查和转换</a:t>
             </a:r>
             <a:endParaRPr lang="en-US" altLang="zh-CN" sz="3600" dirty="0"/>
           </a:p>
@@ -8653,13 +8714,173 @@
         </p:spPr>
         <p:txBody>
           <a:bodyPr>
-            <a:normAutofit/>
+            <a:normAutofit fontScale="92500" lnSpcReduction="20000"/>
           </a:bodyPr>
           <a:lstStyle/>
           <a:p>
             <a:pPr marL="0" indent="0">
               <a:buNone/>
             </a:pPr>
+            <a:r>
+              <a:rPr lang="en-US" altLang="zh-CN" sz="1800" dirty="0"/>
+              <a:t>1</a:t>
+            </a:r>
+            <a:r>
+              <a:rPr lang="zh-CN" altLang="en-US" sz="1800" dirty="0"/>
+              <a:t>、类型检查</a:t>
+            </a:r>
+            <a:endParaRPr lang="en-US" altLang="zh-CN" sz="1800" dirty="0"/>
+          </a:p>
+          <a:p>
+            <a:pPr marL="0" indent="0">
+              <a:buNone/>
+            </a:pPr>
+            <a:r>
+              <a:rPr lang="zh-CN" altLang="en-US" sz="1800" dirty="0"/>
+              <a:t>在</a:t>
+            </a:r>
+            <a:r>
+              <a:rPr lang="en-US" altLang="zh-CN" sz="1800" dirty="0" err="1"/>
+              <a:t>kotlin</a:t>
+            </a:r>
+            <a:r>
+              <a:rPr lang="zh-CN" altLang="en-US" sz="1800" dirty="0"/>
+              <a:t>中使用 </a:t>
+            </a:r>
+            <a:r>
+              <a:rPr lang="en-US" altLang="zh-CN" sz="1800" dirty="0"/>
+              <a:t>is </a:t>
+            </a:r>
+            <a:r>
+              <a:rPr lang="zh-CN" altLang="en-US" sz="1800" dirty="0"/>
+              <a:t>和 </a:t>
+            </a:r>
+            <a:r>
+              <a:rPr lang="en-US" altLang="zh-CN" sz="1800" dirty="0"/>
+              <a:t>!is </a:t>
+            </a:r>
+            <a:r>
+              <a:rPr lang="zh-CN" altLang="en-US" sz="1800" dirty="0"/>
+              <a:t>进行类型检查。</a:t>
+            </a:r>
+            <a:endParaRPr lang="en-US" altLang="zh-CN" sz="1800" dirty="0"/>
+          </a:p>
+          <a:p>
+            <a:pPr marL="0" indent="0">
+              <a:buNone/>
+            </a:pPr>
+            <a:endParaRPr lang="en-US" altLang="zh-CN" sz="1800" dirty="0"/>
+          </a:p>
+          <a:p>
+            <a:pPr marL="0" indent="0">
+              <a:buNone/>
+            </a:pPr>
+            <a:endParaRPr lang="en-US" altLang="zh-CN" sz="1800" dirty="0"/>
+          </a:p>
+          <a:p>
+            <a:pPr marL="0" indent="0">
+              <a:buNone/>
+            </a:pPr>
+            <a:endParaRPr lang="en-US" altLang="zh-CN" sz="1800" dirty="0"/>
+          </a:p>
+          <a:p>
+            <a:pPr marL="0" indent="0">
+              <a:buNone/>
+            </a:pPr>
+            <a:endParaRPr lang="en-US" altLang="zh-CN" sz="1800" dirty="0"/>
+          </a:p>
+          <a:p>
+            <a:pPr marL="0" indent="0">
+              <a:buNone/>
+            </a:pPr>
+            <a:endParaRPr lang="en-US" altLang="zh-CN" sz="1800" dirty="0"/>
+          </a:p>
+          <a:p>
+            <a:pPr marL="0" indent="0">
+              <a:buNone/>
+            </a:pPr>
+            <a:endParaRPr lang="en-US" altLang="zh-CN" sz="1800" dirty="0"/>
+          </a:p>
+          <a:p>
+            <a:pPr marL="0" indent="0">
+              <a:buNone/>
+            </a:pPr>
+            <a:r>
+              <a:rPr lang="zh-CN" altLang="en-US" sz="1800" dirty="0"/>
+              <a:t>智能转换，在某些时候不需要使用显式转换操作符，因为编译器跟踪不可变值的 </a:t>
+            </a:r>
+            <a:r>
+              <a:rPr lang="en-US" altLang="zh-CN" sz="1800" dirty="0"/>
+              <a:t>is-</a:t>
+            </a:r>
+            <a:r>
+              <a:rPr lang="zh-CN" altLang="en-US" sz="1800" dirty="0"/>
+              <a:t>检查以及显式转换，并在需要时自动插入（安全的）转换：</a:t>
+            </a:r>
+            <a:endParaRPr lang="en-US" altLang="zh-CN" sz="1800" dirty="0"/>
+          </a:p>
+          <a:p>
+            <a:pPr marL="0" indent="0">
+              <a:buNone/>
+            </a:pPr>
+            <a:endParaRPr lang="en-US" altLang="zh-CN" sz="1800" dirty="0"/>
+          </a:p>
+          <a:p>
+            <a:pPr marL="0" indent="0">
+              <a:buNone/>
+            </a:pPr>
+            <a:endParaRPr lang="en-US" altLang="zh-CN" sz="1800" dirty="0"/>
+          </a:p>
+          <a:p>
+            <a:pPr marL="0" indent="0">
+              <a:buNone/>
+            </a:pPr>
+            <a:endParaRPr lang="en-US" altLang="zh-CN" sz="1800" dirty="0"/>
+          </a:p>
+          <a:p>
+            <a:pPr marL="0" indent="0">
+              <a:buNone/>
+            </a:pPr>
+            <a:endParaRPr lang="en-US" altLang="zh-CN" sz="1800" dirty="0"/>
+          </a:p>
+          <a:p>
+            <a:pPr marL="0" indent="0">
+              <a:buNone/>
+            </a:pPr>
+            <a:endParaRPr lang="en-US" altLang="zh-CN" sz="1800" dirty="0"/>
+          </a:p>
+          <a:p>
+            <a:pPr marL="0" indent="0">
+              <a:buNone/>
+            </a:pPr>
+            <a:endParaRPr lang="en-US" altLang="zh-CN" sz="1800" dirty="0"/>
+          </a:p>
+          <a:p>
+            <a:pPr marL="0" indent="0">
+              <a:buNone/>
+            </a:pPr>
+            <a:endParaRPr lang="en-US" altLang="zh-CN" sz="1800" dirty="0"/>
+          </a:p>
+          <a:p>
+            <a:pPr marL="0" indent="0">
+              <a:buNone/>
+            </a:pPr>
+            <a:endParaRPr lang="en-US" altLang="zh-CN" sz="1800" dirty="0"/>
+          </a:p>
+          <a:p>
+            <a:pPr marL="0" indent="0">
+              <a:buNone/>
+            </a:pPr>
+            <a:r>
+              <a:rPr lang="zh-CN" altLang="en-US" sz="1800" dirty="0"/>
+              <a:t>注意不是所有的时候都可以智能转换的。</a:t>
+            </a:r>
+            <a:endParaRPr lang="en-US" altLang="zh-CN" sz="1800" dirty="0"/>
+          </a:p>
+          <a:p>
+            <a:pPr marL="0" indent="0">
+              <a:buNone/>
+            </a:pPr>
             <a:endParaRPr lang="en-US" altLang="zh-CN" sz="1800" dirty="0"/>
           </a:p>
           <a:p>
@@ -8682,10 +8903,82 @@
           </a:p>
         </p:txBody>
       </p:sp>
+      <p:pic>
+        <p:nvPicPr>
+          <p:cNvPr id="6" name="图片 5"/>
+          <p:cNvPicPr>
+            <a:picLocks noChangeAspect="1"/>
+          </p:cNvPicPr>
+          <p:nvPr/>
+        </p:nvPicPr>
+        <p:blipFill>
+          <a:blip r:embed="rId2"/>
+          <a:stretch>
+            <a:fillRect/>
+          </a:stretch>
+        </p:blipFill>
+        <p:spPr>
+          <a:xfrm>
+            <a:off x="936917" y="1482571"/>
+            <a:ext cx="3909403" cy="1852755"/>
+          </a:xfrm>
+          <a:prstGeom prst="rect">
+            <a:avLst/>
+          </a:prstGeom>
+        </p:spPr>
+      </p:pic>
+      <p:pic>
+        <p:nvPicPr>
+          <p:cNvPr id="9" name="图片 8"/>
+          <p:cNvPicPr>
+            <a:picLocks noChangeAspect="1"/>
+          </p:cNvPicPr>
+          <p:nvPr/>
+        </p:nvPicPr>
+        <p:blipFill>
+          <a:blip r:embed="rId3"/>
+          <a:stretch>
+            <a:fillRect/>
+          </a:stretch>
+        </p:blipFill>
+        <p:spPr>
+          <a:xfrm>
+            <a:off x="936917" y="3773989"/>
+            <a:ext cx="3576895" cy="2179410"/>
+          </a:xfrm>
+          <a:prstGeom prst="rect">
+            <a:avLst/>
+          </a:prstGeom>
+        </p:spPr>
+      </p:pic>
+      <p:pic>
+        <p:nvPicPr>
+          <p:cNvPr id="10" name="图片 9"/>
+          <p:cNvPicPr>
+            <a:picLocks noChangeAspect="1"/>
+          </p:cNvPicPr>
+          <p:nvPr/>
+        </p:nvPicPr>
+        <p:blipFill>
+          <a:blip r:embed="rId4"/>
+          <a:stretch>
+            <a:fillRect/>
+          </a:stretch>
+        </p:blipFill>
+        <p:spPr>
+          <a:xfrm>
+            <a:off x="5062705" y="4162093"/>
+            <a:ext cx="6838095" cy="1609524"/>
+          </a:xfrm>
+          <a:prstGeom prst="rect">
+            <a:avLst/>
+          </a:prstGeom>
+        </p:spPr>
+      </p:pic>
     </p:spTree>
     <p:extLst>
       <p:ext uri="{BB962C8B-B14F-4D97-AF65-F5344CB8AC3E}">
-        <p14:creationId xmlns:p14="http://schemas.microsoft.com/office/powerpoint/2010/main" val="741032162"/>
+        <p14:creationId xmlns:p14="http://schemas.microsoft.com/office/powerpoint/2010/main" val="3950945455"/>
       </p:ext>
     </p:extLst>
   </p:cSld>
@@ -8772,7 +9065,7 @@
         </p:spPr>
         <p:txBody>
           <a:bodyPr>
-            <a:normAutofit fontScale="92500" lnSpcReduction="20000"/>
+            <a:normAutofit/>
           </a:bodyPr>
           <a:lstStyle/>
           <a:p>
@@ -8781,158 +9074,80 @@
             </a:pPr>
             <a:r>
               <a:rPr lang="en-US" altLang="zh-CN" sz="1800" dirty="0"/>
-              <a:t>1</a:t>
-            </a:r>
-            <a:r>
-              <a:rPr lang="zh-CN" altLang="en-US" sz="1800" dirty="0"/>
-              <a:t>、类型检查</a:t>
-            </a:r>
-            <a:endParaRPr lang="en-US" altLang="zh-CN" sz="1800" dirty="0"/>
-          </a:p>
-          <a:p>
-            <a:pPr marL="0" indent="0">
-              <a:buNone/>
-            </a:pPr>
-            <a:r>
-              <a:rPr lang="zh-CN" altLang="en-US" sz="1800" dirty="0"/>
-              <a:t>在</a:t>
-            </a:r>
-            <a:r>
-              <a:rPr lang="en-US" altLang="zh-CN" sz="1800" dirty="0" err="1"/>
-              <a:t>kotlin</a:t>
-            </a:r>
-            <a:r>
-              <a:rPr lang="zh-CN" altLang="en-US" sz="1800" dirty="0"/>
-              <a:t>中使用 </a:t>
-            </a:r>
+              <a:t>2</a:t>
+            </a:r>
+            <a:r>
+              <a:rPr lang="zh-CN" altLang="en-US" sz="1800" dirty="0"/>
+              <a:t>、转换操作符</a:t>
+            </a:r>
+            <a:endParaRPr lang="en-US" altLang="zh-CN" sz="1800" dirty="0"/>
+          </a:p>
+          <a:p>
+            <a:pPr marL="0" indent="0">
+              <a:buNone/>
+            </a:pPr>
+            <a:r>
+              <a:rPr lang="zh-CN" altLang="en-US" sz="1800" dirty="0"/>
+              <a:t>操作符分为两类：</a:t>
+            </a:r>
+            <a:endParaRPr lang="en-US" altLang="zh-CN" sz="1800" dirty="0"/>
+          </a:p>
+          <a:p>
+            <a:pPr marL="0" indent="0">
+              <a:buNone/>
+            </a:pPr>
             <a:r>
               <a:rPr lang="en-US" altLang="zh-CN" sz="1800" dirty="0"/>
-              <a:t>is </a:t>
-            </a:r>
-            <a:r>
-              <a:rPr lang="zh-CN" altLang="en-US" sz="1800" dirty="0"/>
-              <a:t>和 </a:t>
+              <a:t>---</a:t>
+            </a:r>
+            <a:r>
+              <a:rPr lang="zh-CN" altLang="en-US" sz="1800" dirty="0"/>
+              <a:t>不安全的操作符</a:t>
             </a:r>
             <a:r>
               <a:rPr lang="en-US" altLang="zh-CN" sz="1800" dirty="0"/>
-              <a:t>!is </a:t>
-            </a:r>
-            <a:r>
-              <a:rPr lang="zh-CN" altLang="en-US" sz="1800" dirty="0"/>
-              <a:t>进行类型检查。</a:t>
-            </a:r>
-            <a:endParaRPr lang="en-US" altLang="zh-CN" sz="1800" dirty="0"/>
-          </a:p>
-          <a:p>
-            <a:pPr marL="0" indent="0">
-              <a:buNone/>
-            </a:pPr>
-            <a:endParaRPr lang="en-US" altLang="zh-CN" sz="1800" dirty="0"/>
-          </a:p>
-          <a:p>
-            <a:pPr marL="0" indent="0">
-              <a:buNone/>
-            </a:pPr>
-            <a:endParaRPr lang="en-US" altLang="zh-CN" sz="1800" dirty="0"/>
-          </a:p>
-          <a:p>
-            <a:pPr marL="0" indent="0">
-              <a:buNone/>
-            </a:pPr>
-            <a:endParaRPr lang="en-US" altLang="zh-CN" sz="1800" dirty="0"/>
-          </a:p>
-          <a:p>
-            <a:pPr marL="0" indent="0">
-              <a:buNone/>
-            </a:pPr>
-            <a:endParaRPr lang="en-US" altLang="zh-CN" sz="1800" dirty="0"/>
-          </a:p>
-          <a:p>
-            <a:pPr marL="0" indent="0">
-              <a:buNone/>
-            </a:pPr>
-            <a:endParaRPr lang="en-US" altLang="zh-CN" sz="1800" dirty="0"/>
-          </a:p>
-          <a:p>
-            <a:pPr marL="0" indent="0">
-              <a:buNone/>
-            </a:pPr>
-            <a:endParaRPr lang="en-US" altLang="zh-CN" sz="1800" dirty="0"/>
-          </a:p>
-          <a:p>
-            <a:pPr marL="0" indent="0">
-              <a:buNone/>
-            </a:pPr>
-            <a:r>
-              <a:rPr lang="zh-CN" altLang="en-US" sz="1800" dirty="0"/>
-              <a:t>智能转换，在某些时候不需要使用显式转换操作符，因为编译器跟踪不可变值的 </a:t>
-            </a:r>
+              <a:t>as</a:t>
+            </a:r>
+            <a:r>
+              <a:rPr lang="zh-CN" altLang="en-US" sz="1800" dirty="0"/>
+              <a:t>，若转换失败则抛出异常</a:t>
+            </a:r>
+            <a:endParaRPr lang="en-US" altLang="zh-CN" sz="1800" dirty="0"/>
+          </a:p>
+          <a:p>
+            <a:pPr marL="0" indent="0">
+              <a:buNone/>
+            </a:pPr>
             <a:r>
               <a:rPr lang="en-US" altLang="zh-CN" sz="1800" dirty="0"/>
-              <a:t>is-</a:t>
-            </a:r>
-            <a:r>
-              <a:rPr lang="zh-CN" altLang="en-US" sz="1800" dirty="0"/>
-              <a:t>检查以及显式转换，并在需要时自动插入（安全的）转换：</a:t>
-            </a:r>
-            <a:endParaRPr lang="en-US" altLang="zh-CN" sz="1800" dirty="0"/>
-          </a:p>
-          <a:p>
-            <a:pPr marL="0" indent="0">
-              <a:buNone/>
-            </a:pPr>
-            <a:endParaRPr lang="en-US" altLang="zh-CN" sz="1800" dirty="0"/>
-          </a:p>
-          <a:p>
-            <a:pPr marL="0" indent="0">
-              <a:buNone/>
-            </a:pPr>
-            <a:endParaRPr lang="en-US" altLang="zh-CN" sz="1800" dirty="0"/>
-          </a:p>
-          <a:p>
-            <a:pPr marL="0" indent="0">
-              <a:buNone/>
-            </a:pPr>
-            <a:endParaRPr lang="en-US" altLang="zh-CN" sz="1800" dirty="0"/>
-          </a:p>
-          <a:p>
-            <a:pPr marL="0" indent="0">
-              <a:buNone/>
-            </a:pPr>
-            <a:endParaRPr lang="en-US" altLang="zh-CN" sz="1800" dirty="0"/>
-          </a:p>
-          <a:p>
-            <a:pPr marL="0" indent="0">
-              <a:buNone/>
-            </a:pPr>
-            <a:endParaRPr lang="en-US" altLang="zh-CN" sz="1800" dirty="0"/>
-          </a:p>
-          <a:p>
-            <a:pPr marL="0" indent="0">
-              <a:buNone/>
-            </a:pPr>
-            <a:endParaRPr lang="en-US" altLang="zh-CN" sz="1800" dirty="0"/>
-          </a:p>
-          <a:p>
-            <a:pPr marL="0" indent="0">
-              <a:buNone/>
-            </a:pPr>
-            <a:endParaRPr lang="en-US" altLang="zh-CN" sz="1800" dirty="0"/>
-          </a:p>
-          <a:p>
-            <a:pPr marL="0" indent="0">
-              <a:buNone/>
-            </a:pPr>
-            <a:endParaRPr lang="en-US" altLang="zh-CN" sz="1800" dirty="0"/>
-          </a:p>
-          <a:p>
-            <a:pPr marL="0" indent="0">
-              <a:buNone/>
-            </a:pPr>
-            <a:r>
-              <a:rPr lang="zh-CN" altLang="en-US" sz="1800" dirty="0"/>
-              <a:t>注意不是所有的时候都可以智能转换的。</a:t>
-            </a:r>
+              <a:t>---</a:t>
+            </a:r>
+            <a:r>
+              <a:rPr lang="zh-CN" altLang="en-US" sz="1800" dirty="0"/>
+              <a:t>安全的操作符</a:t>
+            </a:r>
+            <a:r>
+              <a:rPr lang="en-US" altLang="zh-CN" sz="1800" dirty="0"/>
+              <a:t>as</a:t>
+            </a:r>
+            <a:r>
+              <a:rPr lang="zh-CN" altLang="en-US" sz="1800" dirty="0"/>
+              <a:t>？，若转换失败则返回</a:t>
+            </a:r>
+            <a:r>
+              <a:rPr lang="en-US" altLang="zh-CN" sz="1800" dirty="0"/>
+              <a:t>null</a:t>
+            </a:r>
+            <a:r>
+              <a:rPr lang="zh-CN" altLang="en-US" sz="1800" dirty="0"/>
+              <a:t>。</a:t>
+            </a:r>
+            <a:endParaRPr lang="en-US" altLang="zh-CN" sz="1800" dirty="0"/>
+          </a:p>
+          <a:p>
+            <a:pPr marL="0" indent="0">
+              <a:buNone/>
+            </a:pPr>
             <a:endParaRPr lang="en-US" altLang="zh-CN" sz="1800" dirty="0"/>
           </a:p>
           <a:p>
@@ -8963,7 +9178,7 @@
       </p:sp>
       <p:pic>
         <p:nvPicPr>
-          <p:cNvPr id="6" name="图片 5"/>
+          <p:cNvPr id="4" name="图片 3"/>
           <p:cNvPicPr>
             <a:picLocks noChangeAspect="1"/>
           </p:cNvPicPr>
@@ -8977,56 +9192,8 @@
         </p:blipFill>
         <p:spPr>
           <a:xfrm>
-            <a:off x="936917" y="1482571"/>
-            <a:ext cx="3909403" cy="1852755"/>
-          </a:xfrm>
-          <a:prstGeom prst="rect">
-            <a:avLst/>
-          </a:prstGeom>
-        </p:spPr>
-      </p:pic>
-      <p:pic>
-        <p:nvPicPr>
-          <p:cNvPr id="9" name="图片 8"/>
-          <p:cNvPicPr>
-            <a:picLocks noChangeAspect="1"/>
-          </p:cNvPicPr>
-          <p:nvPr/>
-        </p:nvPicPr>
-        <p:blipFill>
-          <a:blip r:embed="rId3"/>
-          <a:stretch>
-            <a:fillRect/>
-          </a:stretch>
-        </p:blipFill>
-        <p:spPr>
-          <a:xfrm>
-            <a:off x="936917" y="3773989"/>
-            <a:ext cx="3576895" cy="2179410"/>
-          </a:xfrm>
-          <a:prstGeom prst="rect">
-            <a:avLst/>
-          </a:prstGeom>
-        </p:spPr>
-      </p:pic>
-      <p:pic>
-        <p:nvPicPr>
-          <p:cNvPr id="10" name="图片 9"/>
-          <p:cNvPicPr>
-            <a:picLocks noChangeAspect="1"/>
-          </p:cNvPicPr>
-          <p:nvPr/>
-        </p:nvPicPr>
-        <p:blipFill>
-          <a:blip r:embed="rId4"/>
-          <a:stretch>
-            <a:fillRect/>
-          </a:stretch>
-        </p:blipFill>
-        <p:spPr>
-          <a:xfrm>
-            <a:off x="5062705" y="4162093"/>
-            <a:ext cx="6838095" cy="1609524"/>
+            <a:off x="955742" y="2437008"/>
+            <a:ext cx="3380952" cy="1285714"/>
           </a:xfrm>
           <a:prstGeom prst="rect">
             <a:avLst/>
@@ -9036,7 +9203,7 @@
     </p:spTree>
     <p:extLst>
       <p:ext uri="{BB962C8B-B14F-4D97-AF65-F5344CB8AC3E}">
-        <p14:creationId xmlns:p14="http://schemas.microsoft.com/office/powerpoint/2010/main" val="3950945455"/>
+        <p14:creationId xmlns:p14="http://schemas.microsoft.com/office/powerpoint/2010/main" val="4027818021"/>
       </p:ext>
     </p:extLst>
   </p:cSld>
@@ -9093,7 +9260,7 @@
           <a:p>
             <a:r>
               <a:rPr lang="zh-CN" altLang="en-US" sz="3600" dirty="0"/>
-              <a:t>类型检查和转换</a:t>
+              <a:t>接口</a:t>
             </a:r>
             <a:endParaRPr lang="en-US" altLang="zh-CN" sz="3600" dirty="0"/>
           </a:p>
@@ -9123,7 +9290,7 @@
         </p:spPr>
         <p:txBody>
           <a:bodyPr>
-            <a:normAutofit/>
+            <a:normAutofit fontScale="92500" lnSpcReduction="10000"/>
           </a:bodyPr>
           <a:lstStyle/>
           <a:p>
@@ -9131,45 +9298,106 @@
               <a:buNone/>
             </a:pPr>
             <a:r>
+              <a:rPr lang="en-US" altLang="zh-CN" sz="1800" dirty="0" err="1"/>
+              <a:t>Kotlin</a:t>
+            </a:r>
+            <a:r>
               <a:rPr lang="en-US" altLang="zh-CN" sz="1800" dirty="0"/>
-              <a:t>2</a:t>
-            </a:r>
-            <a:r>
-              <a:rPr lang="zh-CN" altLang="en-US" sz="1800" dirty="0"/>
-              <a:t>、转换操作符</a:t>
-            </a:r>
-            <a:endParaRPr lang="en-US" altLang="zh-CN" sz="1800" dirty="0"/>
-          </a:p>
-          <a:p>
-            <a:pPr marL="0" indent="0">
-              <a:buNone/>
-            </a:pPr>
-            <a:r>
-              <a:rPr lang="zh-CN" altLang="en-US" sz="1800" dirty="0"/>
-              <a:t>操作符分为两类：</a:t>
-            </a:r>
-            <a:endParaRPr lang="en-US" altLang="zh-CN" sz="1800" dirty="0"/>
-          </a:p>
-          <a:p>
-            <a:pPr marL="0" indent="0">
-              <a:buNone/>
-            </a:pPr>
+              <a:t> </a:t>
+            </a:r>
+            <a:r>
+              <a:rPr lang="zh-CN" altLang="en-US" sz="1800" dirty="0"/>
+              <a:t>的接口与 </a:t>
+            </a:r>
             <a:r>
               <a:rPr lang="en-US" altLang="zh-CN" sz="1800" dirty="0"/>
-              <a:t>---</a:t>
-            </a:r>
-            <a:r>
-              <a:rPr lang="zh-CN" altLang="en-US" sz="1800" dirty="0"/>
-              <a:t>不安全的操作符</a:t>
-            </a:r>
+              <a:t>Java 8 </a:t>
+            </a:r>
+            <a:r>
+              <a:rPr lang="zh-CN" altLang="en-US" sz="1800" dirty="0"/>
+              <a:t>类似，既包含抽象方法的声明，也包含实现。与抽象类不同的是，接口无法保存状态。它可以有属性但必须声明为抽象或提供访问器实现。</a:t>
+            </a:r>
+            <a:endParaRPr lang="en-US" altLang="zh-CN" sz="1800" dirty="0"/>
+          </a:p>
+          <a:p>
+            <a:pPr marL="0" indent="0">
+              <a:buNone/>
+            </a:pPr>
             <a:r>
               <a:rPr lang="en-US" altLang="zh-CN" sz="1800" dirty="0"/>
-              <a:t>as</a:t>
-            </a:r>
-            <a:r>
-              <a:rPr lang="zh-CN" altLang="en-US" sz="1800" dirty="0"/>
-              <a:t>，若转换失败则抛出异常</a:t>
-            </a:r>
+              <a:t>																              </a:t>
+            </a:r>
+          </a:p>
+          <a:p>
+            <a:pPr marL="0" indent="0">
+              <a:buNone/>
+            </a:pPr>
+            <a:endParaRPr lang="en-US" altLang="zh-CN" sz="1800" dirty="0"/>
+          </a:p>
+          <a:p>
+            <a:pPr marL="0" indent="0">
+              <a:buNone/>
+            </a:pPr>
+            <a:endParaRPr lang="en-US" altLang="zh-CN" sz="1800" dirty="0"/>
+          </a:p>
+          <a:p>
+            <a:pPr marL="0" indent="0">
+              <a:buNone/>
+            </a:pPr>
+            <a:endParaRPr lang="en-US" altLang="zh-CN" sz="1800" dirty="0"/>
+          </a:p>
+          <a:p>
+            <a:pPr marL="0" indent="0">
+              <a:buNone/>
+            </a:pPr>
+            <a:endParaRPr lang="en-US" altLang="zh-CN" sz="1800" dirty="0"/>
+          </a:p>
+          <a:p>
+            <a:pPr marL="0" indent="0">
+              <a:buNone/>
+            </a:pPr>
+            <a:endParaRPr lang="en-US" altLang="zh-CN" sz="1800" dirty="0"/>
+          </a:p>
+          <a:p>
+            <a:pPr marL="0" indent="0">
+              <a:buNone/>
+            </a:pPr>
+            <a:endParaRPr lang="en-US" altLang="zh-CN" sz="1800" dirty="0"/>
+          </a:p>
+          <a:p>
+            <a:pPr marL="0" indent="0">
+              <a:buNone/>
+            </a:pPr>
+            <a:endParaRPr lang="en-US" altLang="zh-CN" sz="1800" dirty="0"/>
+          </a:p>
+          <a:p>
+            <a:pPr marL="0" indent="0">
+              <a:buNone/>
+            </a:pPr>
+            <a:endParaRPr lang="en-US" altLang="zh-CN" sz="1800" dirty="0"/>
+          </a:p>
+          <a:p>
+            <a:pPr marL="0" indent="0">
+              <a:buNone/>
+            </a:pPr>
+            <a:endParaRPr lang="en-US" altLang="zh-CN" sz="1800" dirty="0"/>
+          </a:p>
+          <a:p>
+            <a:pPr marL="0" indent="0">
+              <a:buNone/>
+            </a:pPr>
+            <a:endParaRPr lang="en-US" altLang="zh-CN" sz="1800" dirty="0"/>
+          </a:p>
+          <a:p>
+            <a:pPr marL="0" indent="0">
+              <a:buNone/>
+            </a:pPr>
+            <a:endParaRPr lang="en-US" altLang="zh-CN" sz="1800" dirty="0"/>
+          </a:p>
+          <a:p>
+            <a:pPr marL="0" indent="0">
+              <a:buNone/>
+            </a:pPr>
             <a:endParaRPr lang="en-US" altLang="zh-CN" sz="1800" dirty="0"/>
           </a:p>
           <a:p>
@@ -9178,34 +9406,34 @@
             </a:pPr>
             <a:r>
               <a:rPr lang="en-US" altLang="zh-CN" sz="1800" dirty="0"/>
-              <a:t>---</a:t>
-            </a:r>
-            <a:r>
-              <a:rPr lang="zh-CN" altLang="en-US" sz="1800" dirty="0"/>
-              <a:t>安全的操作符</a:t>
+              <a:t> </a:t>
+            </a:r>
+            <a:r>
+              <a:rPr lang="zh-CN" altLang="en-US" sz="1800" dirty="0"/>
+              <a:t>优点：</a:t>
             </a:r>
             <a:r>
               <a:rPr lang="en-US" altLang="zh-CN" sz="1800" dirty="0"/>
-              <a:t>as</a:t>
-            </a:r>
-            <a:r>
-              <a:rPr lang="zh-CN" altLang="en-US" sz="1800" dirty="0"/>
-              <a:t>？，若转换失败则返回</a:t>
-            </a:r>
+              <a:t>1</a:t>
+            </a:r>
+            <a:r>
+              <a:rPr lang="zh-CN" altLang="en-US" sz="1800" dirty="0"/>
+              <a:t>、通过默认实现，可以让派生类只实现自己想实现的方法。</a:t>
+            </a:r>
+            <a:endParaRPr lang="en-US" altLang="zh-CN" sz="1800" dirty="0"/>
+          </a:p>
+          <a:p>
+            <a:pPr marL="0" indent="0">
+              <a:buNone/>
+            </a:pPr>
             <a:r>
               <a:rPr lang="en-US" altLang="zh-CN" sz="1800" dirty="0"/>
-              <a:t>null</a:t>
-            </a:r>
-            <a:r>
-              <a:rPr lang="zh-CN" altLang="en-US" sz="1800" dirty="0"/>
-              <a:t>。</a:t>
-            </a:r>
-            <a:endParaRPr lang="en-US" altLang="zh-CN" sz="1800" dirty="0"/>
-          </a:p>
-          <a:p>
-            <a:pPr marL="0" indent="0">
-              <a:buNone/>
-            </a:pPr>
+              <a:t>            2</a:t>
+            </a:r>
+            <a:r>
+              <a:rPr lang="zh-CN" altLang="en-US" sz="1800" dirty="0"/>
+              <a:t>、让接口承担一部分抽象类的功能，这在只能单根继承的语言中无疑是很有用的。                                                                                                              </a:t>
+            </a:r>
             <a:endParaRPr lang="en-US" altLang="zh-CN" sz="1800" dirty="0"/>
           </a:p>
           <a:p>
@@ -9236,7 +9464,13 @@
       </p:sp>
       <p:pic>
         <p:nvPicPr>
-          <p:cNvPr id="4" name="图片 3"/>
+          <p:cNvPr id="5" name="图片 4">
+            <a:extLst>
+              <a:ext uri="{FF2B5EF4-FFF2-40B4-BE49-F238E27FC236}">
+                <a16:creationId xmlns:a16="http://schemas.microsoft.com/office/drawing/2014/main" id="{26B8B165-8106-49EF-B8A2-0EB7B4BF1409}"/>
+              </a:ext>
+            </a:extLst>
+          </p:cNvPr>
           <p:cNvPicPr>
             <a:picLocks noChangeAspect="1"/>
           </p:cNvPicPr>
@@ -9250,8 +9484,8 @@
         </p:blipFill>
         <p:spPr>
           <a:xfrm>
-            <a:off x="955742" y="2437008"/>
-            <a:ext cx="3380952" cy="1285714"/>
+            <a:off x="941444" y="1423849"/>
+            <a:ext cx="3974505" cy="4496322"/>
           </a:xfrm>
           <a:prstGeom prst="rect">
             <a:avLst/>
@@ -9261,7 +9495,7 @@
     </p:spTree>
     <p:extLst>
       <p:ext uri="{BB962C8B-B14F-4D97-AF65-F5344CB8AC3E}">
-        <p14:creationId xmlns:p14="http://schemas.microsoft.com/office/powerpoint/2010/main" val="4027818021"/>
+        <p14:creationId xmlns:p14="http://schemas.microsoft.com/office/powerpoint/2010/main" val="2881598239"/>
       </p:ext>
     </p:extLst>
   </p:cSld>
@@ -9318,7 +9552,7 @@
           <a:p>
             <a:r>
               <a:rPr lang="zh-CN" altLang="en-US" sz="3600" dirty="0"/>
-              <a:t>接口</a:t>
+              <a:t>学习资料</a:t>
             </a:r>
             <a:endParaRPr lang="en-US" altLang="zh-CN" sz="3600" dirty="0"/>
           </a:p>
@@ -9348,7 +9582,7 @@
         </p:spPr>
         <p:txBody>
           <a:bodyPr>
-            <a:normAutofit fontScale="92500" lnSpcReduction="10000"/>
+            <a:normAutofit/>
           </a:bodyPr>
           <a:lstStyle/>
           <a:p>
@@ -9356,100 +9590,89 @@
               <a:buNone/>
             </a:pPr>
             <a:r>
+              <a:rPr lang="en-US" altLang="zh-CN" sz="1800" dirty="0"/>
+              <a:t>1</a:t>
+            </a:r>
+            <a:r>
+              <a:rPr lang="zh-CN" altLang="en-US" sz="1800" dirty="0"/>
+              <a:t>、</a:t>
+            </a:r>
+            <a:r>
               <a:rPr lang="en-US" altLang="zh-CN" sz="1800" dirty="0" err="1"/>
               <a:t>Kotlin</a:t>
             </a:r>
             <a:r>
+              <a:rPr lang="zh-CN" altLang="en-US" sz="1800" dirty="0"/>
+              <a:t>中文官网</a:t>
+            </a:r>
+            <a:endParaRPr lang="en-US" altLang="zh-CN" sz="1800" dirty="0"/>
+          </a:p>
+          <a:p>
+            <a:pPr marL="0" indent="0">
+              <a:buNone/>
+            </a:pPr>
+            <a:r>
+              <a:rPr lang="en-US" altLang="zh-CN" sz="1800" dirty="0">
+                <a:hlinkClick r:id="rId2"/>
+              </a:rPr>
+              <a:t>https://www.kotlincn.net/</a:t>
+            </a:r>
+            <a:endParaRPr lang="en-US" altLang="zh-CN" sz="1800" dirty="0"/>
+          </a:p>
+          <a:p>
+            <a:pPr marL="0" indent="0">
+              <a:buNone/>
+            </a:pPr>
+            <a:endParaRPr lang="en-US" altLang="zh-CN" sz="1800" dirty="0"/>
+          </a:p>
+          <a:p>
+            <a:pPr marL="0" indent="0">
+              <a:buNone/>
+            </a:pPr>
+            <a:r>
               <a:rPr lang="en-US" altLang="zh-CN" sz="1800" dirty="0"/>
-              <a:t> </a:t>
-            </a:r>
-            <a:r>
-              <a:rPr lang="zh-CN" altLang="en-US" sz="1800" dirty="0"/>
-              <a:t>的接口与 </a:t>
+              <a:t>2</a:t>
+            </a:r>
+            <a:r>
+              <a:rPr lang="zh-CN" altLang="en-US" sz="1800" dirty="0"/>
+              <a:t>、</a:t>
+            </a:r>
+            <a:r>
+              <a:rPr lang="en-US" altLang="zh-CN" sz="1800" dirty="0" err="1"/>
+              <a:t>kotlin</a:t>
             </a:r>
             <a:r>
               <a:rPr lang="en-US" altLang="zh-CN" sz="1800" dirty="0"/>
-              <a:t>Java 8 </a:t>
-            </a:r>
-            <a:r>
-              <a:rPr lang="zh-CN" altLang="en-US" sz="1800" dirty="0"/>
-              <a:t>类似，既包含抽象方法的声明，也包含实现。与抽象类不同的是，接口无法保存状态。它可以有属性但必须声明为抽象或提供访问器实现。</a:t>
-            </a:r>
-            <a:endParaRPr lang="en-US" altLang="zh-CN" sz="1800" dirty="0"/>
-          </a:p>
-          <a:p>
-            <a:pPr marL="0" indent="0">
-              <a:buNone/>
-            </a:pPr>
+              <a:t>-for-android-</a:t>
+            </a:r>
+            <a:r>
+              <a:rPr lang="en-US" altLang="zh-CN" sz="1800" dirty="0" err="1"/>
+              <a:t>develpers</a:t>
+            </a:r>
             <a:r>
               <a:rPr lang="en-US" altLang="zh-CN" sz="1800" dirty="0"/>
-              <a:t>																              </a:t>
-            </a:r>
-          </a:p>
-          <a:p>
-            <a:pPr marL="0" indent="0">
-              <a:buNone/>
-            </a:pPr>
-            <a:endParaRPr lang="en-US" altLang="zh-CN" sz="1800" dirty="0"/>
-          </a:p>
-          <a:p>
-            <a:pPr marL="0" indent="0">
-              <a:buNone/>
-            </a:pPr>
-            <a:endParaRPr lang="en-US" altLang="zh-CN" sz="1800" dirty="0"/>
-          </a:p>
-          <a:p>
-            <a:pPr marL="0" indent="0">
-              <a:buNone/>
-            </a:pPr>
-            <a:endParaRPr lang="en-US" altLang="zh-CN" sz="1800" dirty="0"/>
-          </a:p>
-          <a:p>
-            <a:pPr marL="0" indent="0">
-              <a:buNone/>
-            </a:pPr>
-            <a:endParaRPr lang="en-US" altLang="zh-CN" sz="1800" dirty="0"/>
-          </a:p>
-          <a:p>
-            <a:pPr marL="0" indent="0">
-              <a:buNone/>
-            </a:pPr>
-            <a:endParaRPr lang="en-US" altLang="zh-CN" sz="1800" dirty="0"/>
-          </a:p>
-          <a:p>
-            <a:pPr marL="0" indent="0">
-              <a:buNone/>
-            </a:pPr>
-            <a:endParaRPr lang="en-US" altLang="zh-CN" sz="1800" dirty="0"/>
-          </a:p>
-          <a:p>
-            <a:pPr marL="0" indent="0">
-              <a:buNone/>
-            </a:pPr>
-            <a:endParaRPr lang="en-US" altLang="zh-CN" sz="1800" dirty="0"/>
-          </a:p>
-          <a:p>
-            <a:pPr marL="0" indent="0">
-              <a:buNone/>
-            </a:pPr>
-            <a:endParaRPr lang="en-US" altLang="zh-CN" sz="1800" dirty="0"/>
-          </a:p>
-          <a:p>
-            <a:pPr marL="0" indent="0">
-              <a:buNone/>
-            </a:pPr>
-            <a:endParaRPr lang="en-US" altLang="zh-CN" sz="1800" dirty="0"/>
-          </a:p>
-          <a:p>
-            <a:pPr marL="0" indent="0">
-              <a:buNone/>
-            </a:pPr>
-            <a:endParaRPr lang="en-US" altLang="zh-CN" sz="1800" dirty="0"/>
-          </a:p>
-          <a:p>
-            <a:pPr marL="0" indent="0">
-              <a:buNone/>
-            </a:pPr>
+              <a:t>-</a:t>
+            </a:r>
+            <a:r>
+              <a:rPr lang="en-US" altLang="zh-CN" sz="1800" dirty="0" err="1"/>
+              <a:t>zh</a:t>
+            </a:r>
+            <a:r>
+              <a:rPr lang="zh-CN" altLang="en-US" sz="1800" dirty="0"/>
+              <a:t>（中文版）</a:t>
+            </a:r>
+            <a:endParaRPr lang="en-US" altLang="zh-CN" sz="1800" dirty="0"/>
+          </a:p>
+          <a:p>
+            <a:pPr marL="0" indent="0">
+              <a:buNone/>
+            </a:pPr>
+            <a:r>
+              <a:rPr lang="en-US" altLang="zh-CN" sz="1800" dirty="0">
+                <a:hlinkClick r:id="rId3"/>
+              </a:rPr>
+              <a:t>https://github.com/wangjiegulu/kotlin-for-android-developers-zh</a:t>
+            </a:r>
             <a:endParaRPr lang="en-US" altLang="zh-CN" sz="1800" dirty="0"/>
           </a:p>
           <a:p>
@@ -9464,52 +9687,28 @@
             </a:pPr>
             <a:r>
               <a:rPr lang="en-US" altLang="zh-CN" sz="1800" dirty="0"/>
-              <a:t> </a:t>
-            </a:r>
-            <a:r>
-              <a:rPr lang="zh-CN" altLang="en-US" sz="1800" dirty="0"/>
-              <a:t>优点：</a:t>
-            </a:r>
-            <a:r>
-              <a:rPr lang="en-US" altLang="zh-CN" sz="1800" dirty="0"/>
-              <a:t>1</a:t>
-            </a:r>
-            <a:r>
-              <a:rPr lang="zh-CN" altLang="en-US" sz="1800" dirty="0"/>
-              <a:t>、通过默认实现，可以让派生类只实现自己想实现的方法。</a:t>
-            </a:r>
-            <a:endParaRPr lang="en-US" altLang="zh-CN" sz="1800" dirty="0"/>
-          </a:p>
-          <a:p>
-            <a:pPr marL="0" indent="0">
-              <a:buNone/>
-            </a:pPr>
-            <a:r>
-              <a:rPr lang="en-US" altLang="zh-CN" sz="1800" dirty="0"/>
-              <a:t>            2</a:t>
-            </a:r>
-            <a:r>
-              <a:rPr lang="zh-CN" altLang="en-US" sz="1800" dirty="0"/>
-              <a:t>、让接口承担一部分抽象类的功能，这在只能单根继承的语言中无疑是很有用的。                                                                                                              </a:t>
-            </a:r>
-            <a:endParaRPr lang="en-US" altLang="zh-CN" sz="1800" dirty="0"/>
-          </a:p>
-          <a:p>
-            <a:pPr marL="0" indent="0">
-              <a:buNone/>
-            </a:pPr>
-            <a:endParaRPr lang="en-US" altLang="zh-CN" sz="1800" dirty="0"/>
-          </a:p>
-          <a:p>
-            <a:pPr marL="0" indent="0">
-              <a:buNone/>
-            </a:pPr>
-            <a:endParaRPr lang="en-US" altLang="zh-CN" sz="1800" dirty="0"/>
-          </a:p>
-          <a:p>
-            <a:pPr marL="0" indent="0">
-              <a:buNone/>
-            </a:pPr>
+              <a:t>3</a:t>
+            </a:r>
+            <a:r>
+              <a:rPr lang="zh-CN" altLang="en-US" sz="1800" dirty="0"/>
+              <a:t>、</a:t>
+            </a:r>
+            <a:r>
+              <a:rPr lang="en-US" altLang="zh-CN" sz="1800" dirty="0" err="1"/>
+              <a:t>KotlinWeatherDemo</a:t>
+            </a:r>
+            <a:endParaRPr lang="en-US" altLang="zh-CN" sz="1800" dirty="0"/>
+          </a:p>
+          <a:p>
+            <a:pPr marL="0" indent="0">
+              <a:buNone/>
+            </a:pPr>
+            <a:r>
+              <a:rPr lang="en-US" altLang="zh-CN" sz="1800" dirty="0">
+                <a:hlinkClick r:id="rId4"/>
+              </a:rPr>
+              <a:t>https://github.com/shenbibo/KotlinWeather</a:t>
+            </a:r>
             <a:endParaRPr lang="en-US" altLang="zh-CN" sz="1800" dirty="0"/>
           </a:p>
           <a:p>
@@ -9520,40 +9719,10 @@
           </a:p>
         </p:txBody>
       </p:sp>
-      <p:pic>
-        <p:nvPicPr>
-          <p:cNvPr id="5" name="图片 4">
-            <a:extLst>
-              <a:ext uri="{FF2B5EF4-FFF2-40B4-BE49-F238E27FC236}">
-                <a16:creationId xmlns:a16="http://schemas.microsoft.com/office/drawing/2014/main" id="{26B8B165-8106-49EF-B8A2-0EB7B4BF1409}"/>
-              </a:ext>
-            </a:extLst>
-          </p:cNvPr>
-          <p:cNvPicPr>
-            <a:picLocks noChangeAspect="1"/>
-          </p:cNvPicPr>
-          <p:nvPr/>
-        </p:nvPicPr>
-        <p:blipFill>
-          <a:blip r:embed="rId2"/>
-          <a:stretch>
-            <a:fillRect/>
-          </a:stretch>
-        </p:blipFill>
-        <p:spPr>
-          <a:xfrm>
-            <a:off x="941444" y="1423849"/>
-            <a:ext cx="3974505" cy="4496322"/>
-          </a:xfrm>
-          <a:prstGeom prst="rect">
-            <a:avLst/>
-          </a:prstGeom>
-        </p:spPr>
-      </p:pic>
     </p:spTree>
     <p:extLst>
       <p:ext uri="{BB962C8B-B14F-4D97-AF65-F5344CB8AC3E}">
-        <p14:creationId xmlns:p14="http://schemas.microsoft.com/office/powerpoint/2010/main" val="2881598239"/>
+        <p14:creationId xmlns:p14="http://schemas.microsoft.com/office/powerpoint/2010/main" val="3937334142"/>
       </p:ext>
     </p:extLst>
   </p:cSld>
@@ -9608,6 +9777,10 @@
           </a:bodyPr>
           <a:lstStyle/>
           <a:p>
+            <a:r>
+              <a:rPr lang="en-US" altLang="zh-CN" sz="3600" dirty="0"/>
+              <a:t/>
+            </a:r>
             <a:br>
               <a:rPr lang="en-US" altLang="zh-CN" sz="3600" dirty="0"/>
             </a:br>
@@ -9630,6 +9803,10 @@
             <a:r>
               <a:rPr lang="zh-CN" altLang="en-US" sz="3600" dirty="0"/>
               <a:t>的特性？</a:t>
+            </a:r>
+            <a:r>
+              <a:rPr lang="en-US" altLang="zh-CN" sz="3600" dirty="0"/>
+              <a:t/>
             </a:r>
             <a:br>
               <a:rPr lang="en-US" altLang="zh-CN" sz="3600" dirty="0"/>
@@ -10665,233 +10842,6 @@
 </p:sld>
 </file>
 
-<file path=ppt/slides/slide30.xml><?xml version="1.0" encoding="utf-8"?>
-<p:sld xmlns:a="http://schemas.openxmlformats.org/drawingml/2006/main" xmlns:r="http://schemas.openxmlformats.org/officeDocument/2006/relationships" xmlns:p="http://schemas.openxmlformats.org/presentationml/2006/main">
-  <p:cSld>
-    <p:spTree>
-      <p:nvGrpSpPr>
-        <p:cNvPr id="1" name=""/>
-        <p:cNvGrpSpPr/>
-        <p:nvPr/>
-      </p:nvGrpSpPr>
-      <p:grpSpPr>
-        <a:xfrm>
-          <a:off x="0" y="0"/>
-          <a:ext cx="0" cy="0"/>
-          <a:chOff x="0" y="0"/>
-          <a:chExt cx="0" cy="0"/>
-        </a:xfrm>
-      </p:grpSpPr>
-      <p:sp>
-        <p:nvSpPr>
-          <p:cNvPr id="2" name="标题 1">
-            <a:extLst>
-              <a:ext uri="{FF2B5EF4-FFF2-40B4-BE49-F238E27FC236}">
-                <a16:creationId xmlns:a16="http://schemas.microsoft.com/office/drawing/2014/main" id="{CE2AF79E-E135-4CC8-A9E4-9B0E409EFD31}"/>
-              </a:ext>
-            </a:extLst>
-          </p:cNvPr>
-          <p:cNvSpPr>
-            <a:spLocks noGrp="1"/>
-          </p:cNvSpPr>
-          <p:nvPr>
-            <p:ph type="title"/>
-          </p:nvPr>
-        </p:nvSpPr>
-        <p:spPr>
-          <a:xfrm>
-            <a:off x="838200" y="328475"/>
-            <a:ext cx="10515600" cy="577048"/>
-          </a:xfrm>
-        </p:spPr>
-        <p:txBody>
-          <a:bodyPr>
-            <a:normAutofit fontScale="90000"/>
-          </a:bodyPr>
-          <a:lstStyle/>
-          <a:p>
-            <a:r>
-              <a:rPr lang="zh-CN" altLang="en-US" sz="3600" dirty="0"/>
-              <a:t>学习资料</a:t>
-            </a:r>
-            <a:endParaRPr lang="en-US" altLang="zh-CN" sz="3600" dirty="0"/>
-          </a:p>
-        </p:txBody>
-      </p:sp>
-      <p:sp>
-        <p:nvSpPr>
-          <p:cNvPr id="3" name="内容占位符 2">
-            <a:extLst>
-              <a:ext uri="{FF2B5EF4-FFF2-40B4-BE49-F238E27FC236}">
-                <a16:creationId xmlns:a16="http://schemas.microsoft.com/office/drawing/2014/main" id="{8A9A9357-CBDA-4879-9759-7D2BDA22296E}"/>
-              </a:ext>
-            </a:extLst>
-          </p:cNvPr>
-          <p:cNvSpPr>
-            <a:spLocks noGrp="1"/>
-          </p:cNvSpPr>
-          <p:nvPr>
-            <p:ph idx="1"/>
-          </p:nvPr>
-        </p:nvSpPr>
-        <p:spPr>
-          <a:xfrm>
-            <a:off x="838199" y="905523"/>
-            <a:ext cx="11158057" cy="5810436"/>
-          </a:xfrm>
-        </p:spPr>
-        <p:txBody>
-          <a:bodyPr>
-            <a:normAutofit/>
-          </a:bodyPr>
-          <a:lstStyle/>
-          <a:p>
-            <a:pPr marL="0" indent="0">
-              <a:buNone/>
-            </a:pPr>
-            <a:r>
-              <a:rPr lang="en-US" altLang="zh-CN" sz="1800" dirty="0"/>
-              <a:t>1</a:t>
-            </a:r>
-            <a:r>
-              <a:rPr lang="zh-CN" altLang="en-US" sz="1800" dirty="0"/>
-              <a:t>、</a:t>
-            </a:r>
-            <a:r>
-              <a:rPr lang="en-US" altLang="zh-CN" sz="1800" dirty="0" err="1"/>
-              <a:t>Kotlin</a:t>
-            </a:r>
-            <a:r>
-              <a:rPr lang="zh-CN" altLang="en-US" sz="1800" dirty="0"/>
-              <a:t>中文官网</a:t>
-            </a:r>
-            <a:endParaRPr lang="en-US" altLang="zh-CN" sz="1800" dirty="0"/>
-          </a:p>
-          <a:p>
-            <a:pPr marL="0" indent="0">
-              <a:buNone/>
-            </a:pPr>
-            <a:r>
-              <a:rPr lang="en-US" altLang="zh-CN" sz="1800" dirty="0">
-                <a:hlinkClick r:id="rId2"/>
-              </a:rPr>
-              <a:t>https://www.kotlincn.net/</a:t>
-            </a:r>
-            <a:endParaRPr lang="en-US" altLang="zh-CN" sz="1800" dirty="0"/>
-          </a:p>
-          <a:p>
-            <a:pPr marL="0" indent="0">
-              <a:buNone/>
-            </a:pPr>
-            <a:endParaRPr lang="en-US" altLang="zh-CN" sz="1800" dirty="0"/>
-          </a:p>
-          <a:p>
-            <a:pPr marL="0" indent="0">
-              <a:buNone/>
-            </a:pPr>
-            <a:r>
-              <a:rPr lang="en-US" altLang="zh-CN" sz="1800" dirty="0"/>
-              <a:t>2</a:t>
-            </a:r>
-            <a:r>
-              <a:rPr lang="zh-CN" altLang="en-US" sz="1800" dirty="0"/>
-              <a:t>、</a:t>
-            </a:r>
-            <a:r>
-              <a:rPr lang="en-US" altLang="zh-CN" sz="1800" dirty="0" err="1"/>
-              <a:t>kotlin</a:t>
-            </a:r>
-            <a:r>
-              <a:rPr lang="en-US" altLang="zh-CN" sz="1800" dirty="0"/>
-              <a:t>-for-android-</a:t>
-            </a:r>
-            <a:r>
-              <a:rPr lang="en-US" altLang="zh-CN" sz="1800" dirty="0" err="1"/>
-              <a:t>develpers</a:t>
-            </a:r>
-            <a:r>
-              <a:rPr lang="en-US" altLang="zh-CN" sz="1800" dirty="0"/>
-              <a:t>-</a:t>
-            </a:r>
-            <a:r>
-              <a:rPr lang="en-US" altLang="zh-CN" sz="1800" dirty="0" err="1"/>
-              <a:t>zh</a:t>
-            </a:r>
-            <a:r>
-              <a:rPr lang="zh-CN" altLang="en-US" sz="1800" dirty="0"/>
-              <a:t>（中文版）</a:t>
-            </a:r>
-            <a:endParaRPr lang="en-US" altLang="zh-CN" sz="1800" dirty="0"/>
-          </a:p>
-          <a:p>
-            <a:pPr marL="0" indent="0">
-              <a:buNone/>
-            </a:pPr>
-            <a:r>
-              <a:rPr lang="en-US" altLang="zh-CN" sz="1800" dirty="0">
-                <a:hlinkClick r:id="rId3"/>
-              </a:rPr>
-              <a:t>https://github.com/wangjiegulu/kotlin-for-android-developers-zh</a:t>
-            </a:r>
-            <a:endParaRPr lang="en-US" altLang="zh-CN" sz="1800" dirty="0"/>
-          </a:p>
-          <a:p>
-            <a:pPr marL="0" indent="0">
-              <a:buNone/>
-            </a:pPr>
-            <a:endParaRPr lang="en-US" altLang="zh-CN" sz="1800" dirty="0"/>
-          </a:p>
-          <a:p>
-            <a:pPr marL="0" indent="0">
-              <a:buNone/>
-            </a:pPr>
-            <a:r>
-              <a:rPr lang="en-US" altLang="zh-CN" sz="1800" dirty="0"/>
-              <a:t>3</a:t>
-            </a:r>
-            <a:r>
-              <a:rPr lang="zh-CN" altLang="en-US" sz="1800" dirty="0"/>
-              <a:t>、</a:t>
-            </a:r>
-            <a:r>
-              <a:rPr lang="en-US" altLang="zh-CN" sz="1800" dirty="0" err="1"/>
-              <a:t>KotlinWeatherDemo</a:t>
-            </a:r>
-            <a:endParaRPr lang="en-US" altLang="zh-CN" sz="1800" dirty="0"/>
-          </a:p>
-          <a:p>
-            <a:pPr marL="0" indent="0">
-              <a:buNone/>
-            </a:pPr>
-            <a:r>
-              <a:rPr lang="en-US" altLang="zh-CN" sz="1800" dirty="0">
-                <a:hlinkClick r:id="rId4"/>
-              </a:rPr>
-              <a:t>https://github.com/shenbibo/KotlinWeather</a:t>
-            </a:r>
-            <a:endParaRPr lang="en-US" altLang="zh-CN" sz="1800" dirty="0"/>
-          </a:p>
-          <a:p>
-            <a:pPr marL="0" indent="0">
-              <a:buNone/>
-            </a:pPr>
-            <a:endParaRPr lang="en-US" altLang="zh-CN" sz="1800" dirty="0"/>
-          </a:p>
-        </p:txBody>
-      </p:sp>
-    </p:spTree>
-    <p:extLst>
-      <p:ext uri="{BB962C8B-B14F-4D97-AF65-F5344CB8AC3E}">
-        <p14:creationId xmlns:p14="http://schemas.microsoft.com/office/powerpoint/2010/main" val="3937334142"/>
-      </p:ext>
-    </p:extLst>
-  </p:cSld>
-  <p:clrMapOvr>
-    <a:masterClrMapping/>
-  </p:clrMapOvr>
-</p:sld>
-</file>
-
 <file path=ppt/slides/slide4.xml><?xml version="1.0" encoding="utf-8"?>
 <p:sld xmlns:a="http://schemas.openxmlformats.org/drawingml/2006/main" xmlns:r="http://schemas.openxmlformats.org/officeDocument/2006/relationships" xmlns:p="http://schemas.openxmlformats.org/presentationml/2006/main">
   <p:cSld>
@@ -10937,6 +10887,10 @@
           </a:bodyPr>
           <a:lstStyle/>
           <a:p>
+            <a:r>
+              <a:rPr lang="en-US" altLang="zh-CN" sz="3600" dirty="0"/>
+              <a:t/>
+            </a:r>
             <a:br>
               <a:rPr lang="en-US" altLang="zh-CN" sz="3600" dirty="0"/>
             </a:br>
@@ -10967,6 +10921,10 @@
             <a:r>
               <a:rPr lang="zh-CN" altLang="en-US" sz="3600" dirty="0"/>
               <a:t>霍尔，图灵奖得主）</a:t>
+            </a:r>
+            <a:r>
+              <a:rPr lang="en-US" altLang="zh-CN" sz="3600" dirty="0"/>
+              <a:t/>
             </a:r>
             <a:br>
               <a:rPr lang="en-US" altLang="zh-CN" sz="3600" dirty="0"/>
@@ -11452,12 +11410,20 @@
           </a:bodyPr>
           <a:lstStyle/>
           <a:p>
+            <a:r>
+              <a:rPr lang="en-US" altLang="zh-CN" sz="3600" dirty="0"/>
+              <a:t/>
+            </a:r>
             <a:br>
               <a:rPr lang="en-US" altLang="zh-CN" sz="3600" dirty="0"/>
             </a:br>
             <a:r>
               <a:rPr lang="zh-CN" altLang="en-US" sz="3600" dirty="0"/>
               <a:t>变量，属性</a:t>
+            </a:r>
+            <a:r>
+              <a:rPr lang="en-US" altLang="zh-CN" sz="3600" dirty="0"/>
+              <a:t/>
             </a:r>
             <a:br>
               <a:rPr lang="en-US" altLang="zh-CN" sz="3600" dirty="0"/>
@@ -11776,12 +11742,20 @@
           </a:bodyPr>
           <a:lstStyle/>
           <a:p>
+            <a:r>
+              <a:rPr lang="en-US" altLang="zh-CN" sz="3600" dirty="0"/>
+              <a:t/>
+            </a:r>
             <a:br>
               <a:rPr lang="en-US" altLang="zh-CN" sz="3600" dirty="0"/>
             </a:br>
             <a:r>
               <a:rPr lang="zh-CN" altLang="en-US" sz="3600" dirty="0"/>
               <a:t>变量，属性</a:t>
+            </a:r>
+            <a:r>
+              <a:rPr lang="en-US" altLang="zh-CN" sz="3600" dirty="0"/>
+              <a:t/>
             </a:r>
             <a:br>
               <a:rPr lang="en-US" altLang="zh-CN" sz="3600" dirty="0"/>
@@ -12079,12 +12053,20 @@
           </a:bodyPr>
           <a:lstStyle/>
           <a:p>
+            <a:r>
+              <a:rPr lang="en-US" altLang="zh-CN" sz="3600" dirty="0"/>
+              <a:t/>
+            </a:r>
             <a:br>
               <a:rPr lang="en-US" altLang="zh-CN" sz="3600" dirty="0"/>
             </a:br>
             <a:r>
               <a:rPr lang="zh-CN" altLang="en-US" sz="3600" dirty="0"/>
               <a:t>函数</a:t>
+            </a:r>
+            <a:r>
+              <a:rPr lang="en-US" altLang="zh-CN" sz="3600" dirty="0"/>
+              <a:t/>
             </a:r>
             <a:br>
               <a:rPr lang="en-US" altLang="zh-CN" sz="3600" dirty="0"/>
@@ -12382,12 +12364,20 @@
           </a:bodyPr>
           <a:lstStyle/>
           <a:p>
+            <a:r>
+              <a:rPr lang="en-US" altLang="zh-CN" sz="3600" dirty="0"/>
+              <a:t/>
+            </a:r>
             <a:br>
               <a:rPr lang="en-US" altLang="zh-CN" sz="3600" dirty="0"/>
             </a:br>
             <a:r>
               <a:rPr lang="zh-CN" altLang="en-US" sz="3600" dirty="0"/>
               <a:t>操作符重载</a:t>
+            </a:r>
+            <a:r>
+              <a:rPr lang="en-US" altLang="zh-CN" sz="3600" dirty="0"/>
+              <a:t/>
             </a:r>
             <a:br>
               <a:rPr lang="en-US" altLang="zh-CN" sz="3600" dirty="0"/>
